--- a/docs/AnatomiaDeployK8S.pptx
+++ b/docs/AnatomiaDeployK8S.pptx
@@ -5,46 +5,47 @@
     <p:sldMasterId id="2147483658" r:id="rId1"/>
   </p:sldMasterIdLst>
   <p:notesMasterIdLst>
-    <p:notesMasterId r:id="rId17"/>
+    <p:notesMasterId r:id="rId18"/>
   </p:notesMasterIdLst>
   <p:sldIdLst>
     <p:sldId id="256" r:id="rId2"/>
     <p:sldId id="258" r:id="rId3"/>
     <p:sldId id="267" r:id="rId4"/>
     <p:sldId id="280" r:id="rId5"/>
-    <p:sldId id="281" r:id="rId6"/>
-    <p:sldId id="282" r:id="rId7"/>
-    <p:sldId id="283" r:id="rId8"/>
-    <p:sldId id="284" r:id="rId9"/>
-    <p:sldId id="277" r:id="rId10"/>
-    <p:sldId id="270" r:id="rId11"/>
-    <p:sldId id="271" r:id="rId12"/>
-    <p:sldId id="272" r:id="rId13"/>
-    <p:sldId id="274" r:id="rId14"/>
-    <p:sldId id="275" r:id="rId15"/>
-    <p:sldId id="276" r:id="rId16"/>
+    <p:sldId id="285" r:id="rId6"/>
+    <p:sldId id="281" r:id="rId7"/>
+    <p:sldId id="282" r:id="rId8"/>
+    <p:sldId id="283" r:id="rId9"/>
+    <p:sldId id="284" r:id="rId10"/>
+    <p:sldId id="277" r:id="rId11"/>
+    <p:sldId id="270" r:id="rId12"/>
+    <p:sldId id="271" r:id="rId13"/>
+    <p:sldId id="272" r:id="rId14"/>
+    <p:sldId id="274" r:id="rId15"/>
+    <p:sldId id="275" r:id="rId16"/>
+    <p:sldId id="276" r:id="rId17"/>
   </p:sldIdLst>
   <p:sldSz cx="9144000" cy="5143500" type="screen16x9"/>
   <p:notesSz cx="6858000" cy="9144000"/>
   <p:embeddedFontLst>
     <p:embeddedFont>
       <p:font typeface="Calibri" panose="020F0502020204030204" pitchFamily="34" charset="0"/>
-      <p:regular r:id="rId18"/>
-      <p:bold r:id="rId19"/>
-      <p:italic r:id="rId20"/>
-      <p:boldItalic r:id="rId21"/>
+      <p:regular r:id="rId19"/>
+      <p:bold r:id="rId20"/>
+      <p:italic r:id="rId21"/>
+      <p:boldItalic r:id="rId22"/>
     </p:embeddedFont>
     <p:embeddedFont>
       <p:font typeface="Calibri Light" panose="020F0302020204030204" pitchFamily="34" charset="0"/>
-      <p:regular r:id="rId22"/>
-      <p:italic r:id="rId23"/>
+      <p:regular r:id="rId23"/>
+      <p:italic r:id="rId24"/>
     </p:embeddedFont>
     <p:embeddedFont>
-      <p:font typeface="Roboto" panose="02000000000000000000" pitchFamily="2" charset="0"/>
-      <p:regular r:id="rId24"/>
-      <p:bold r:id="rId25"/>
-      <p:italic r:id="rId26"/>
-      <p:boldItalic r:id="rId27"/>
+      <p:font typeface="Roboto" panose="020B0604020202020204" charset="0"/>
+      <p:regular r:id="rId25"/>
+      <p:bold r:id="rId26"/>
+      <p:italic r:id="rId27"/>
+      <p:boldItalic r:id="rId28"/>
     </p:embeddedFont>
   </p:embeddedFontLst>
   <p:defaultTextStyle>
@@ -1023,7 +1024,7 @@
           <a:p>
             <a:fld id="{4BDF68E2-58F2-4D09-BE8B-E3BD06533059}" type="datetimeFigureOut">
               <a:rPr lang="en-US" dirty="0"/>
-              <a:t>11/5/2019</a:t>
+              <a:t>11/7/2019</a:t>
             </a:fld>
             <a:endParaRPr lang="en-US" dirty="0"/>
           </a:p>
@@ -1241,7 +1242,7 @@
           <a:p>
             <a:fld id="{2E2D6473-DF6D-4702-B328-E0DD40540A4E}" type="datetimeFigureOut">
               <a:rPr lang="en-US" dirty="0"/>
-              <a:t>11/5/2019</a:t>
+              <a:t>11/7/2019</a:t>
             </a:fld>
             <a:endParaRPr lang="en-US" dirty="0"/>
           </a:p>
@@ -1507,7 +1508,7 @@
           <a:p>
             <a:fld id="{E26F7E3A-B166-407D-9866-32884E7D5B37}" type="datetimeFigureOut">
               <a:rPr lang="en-US" dirty="0"/>
-              <a:t>11/5/2019</a:t>
+              <a:t>11/7/2019</a:t>
             </a:fld>
             <a:endParaRPr lang="en-US" dirty="0"/>
           </a:p>
@@ -2132,7 +2133,7 @@
           <a:p>
             <a:fld id="{528FC5F6-F338-4AE4-BB23-26385BCFC423}" type="datetimeFigureOut">
               <a:rPr lang="en-US" dirty="0"/>
-              <a:t>11/5/2019</a:t>
+              <a:t>11/7/2019</a:t>
             </a:fld>
             <a:endParaRPr lang="en-US" dirty="0"/>
           </a:p>
@@ -2485,7 +2486,7 @@
           <a:p>
             <a:fld id="{20EBB0C4-6273-4C6E-B9BD-2EDC30F1CD52}" type="datetimeFigureOut">
               <a:rPr lang="en-US" dirty="0"/>
-              <a:t>11/5/2019</a:t>
+              <a:t>11/7/2019</a:t>
             </a:fld>
             <a:endParaRPr lang="en-US" dirty="0"/>
           </a:p>
@@ -2770,7 +2771,7 @@
           <a:p>
             <a:fld id="{19AB4D41-86C1-4908-B66A-0B50CEB3BF29}" type="datetimeFigureOut">
               <a:rPr lang="en-US" dirty="0"/>
-              <a:t>11/5/2019</a:t>
+              <a:t>11/7/2019</a:t>
             </a:fld>
             <a:endParaRPr lang="en-US" dirty="0"/>
           </a:p>
@@ -3159,7 +3160,7 @@
           <a:p>
             <a:fld id="{E6426E2C-56C1-4E0D-A793-0088A7FDD37E}" type="datetimeFigureOut">
               <a:rPr lang="en-US" dirty="0"/>
-              <a:t>11/5/2019</a:t>
+              <a:t>11/7/2019</a:t>
             </a:fld>
             <a:endParaRPr lang="en-US" dirty="0"/>
           </a:p>
@@ -3287,7 +3288,7 @@
           <a:p>
             <a:fld id="{C8C39B41-D8B5-4052-B551-9B5525EAA8B6}" type="datetimeFigureOut">
               <a:rPr lang="en-US" dirty="0"/>
-              <a:t>11/5/2019</a:t>
+              <a:t>11/7/2019</a:t>
             </a:fld>
             <a:endParaRPr lang="en-US" dirty="0"/>
           </a:p>
@@ -3468,7 +3469,7 @@
           <a:p>
             <a:fld id="{4D94136C-8742-45B2-AF27-D93DF72833A9}" type="datetimeFigureOut">
               <a:rPr lang="en-US" dirty="0"/>
-              <a:t>11/5/2019</a:t>
+              <a:t>11/7/2019</a:t>
             </a:fld>
             <a:endParaRPr lang="en-US" dirty="0"/>
           </a:p>
@@ -3832,7 +3833,7 @@
           <a:p>
             <a:fld id="{32ABBEA6-7C60-4B02-AE87-00D78D8422AF}" type="datetimeFigureOut">
               <a:rPr lang="en-US" dirty="0"/>
-              <a:t>11/5/2019</a:t>
+              <a:t>11/7/2019</a:t>
             </a:fld>
             <a:endParaRPr lang="en-US" dirty="0"/>
           </a:p>
@@ -4224,7 +4225,7 @@
           <a:p>
             <a:fld id="{C9CAD897-D46E-4AD2-BD9B-49DD3E640873}" type="datetimeFigureOut">
               <a:rPr lang="en-US" dirty="0"/>
-              <a:t>11/5/2019</a:t>
+              <a:t>11/7/2019</a:t>
             </a:fld>
             <a:endParaRPr lang="en-US" dirty="0"/>
           </a:p>
@@ -4521,7 +4522,7 @@
           <a:p>
             <a:fld id="{98624D31-43A5-475A-80CF-332C9F6DCF35}" type="datetimeFigureOut">
               <a:rPr lang="en-US" dirty="0"/>
-              <a:t>11/5/2019</a:t>
+              <a:t>11/7/2019</a:t>
             </a:fld>
             <a:endParaRPr lang="en-US" dirty="0"/>
           </a:p>
@@ -5076,7 +5077,7 @@
                 <a16:creationId xmlns:a16="http://schemas.microsoft.com/office/drawing/2014/main" id="{C4AAA502-5435-489E-9538-3A40E6C71461}"/>
               </a:ext>
               <a:ext uri="{C183D7F6-B498-43B3-948B-1728B52AA6E4}">
-                <adec:decorative xmlns:adec="http://schemas.microsoft.com/office/drawing/2017/decorative" val="1"/>
+                <adec:decorative xmlns:adec="http://schemas.microsoft.com/office/drawing/2017/decorative" xmlns="" val="1"/>
               </a:ext>
             </a:extLst>
           </p:cNvPr>
@@ -5225,7 +5226,7 @@
                 <a16:creationId xmlns:a16="http://schemas.microsoft.com/office/drawing/2014/main" id="{C9AC0290-4702-4519-B0F4-C2A46880997B}"/>
               </a:ext>
               <a:ext uri="{C183D7F6-B498-43B3-948B-1728B52AA6E4}">
-                <adec:decorative xmlns:adec="http://schemas.microsoft.com/office/drawing/2017/decorative" val="1"/>
+                <adec:decorative xmlns:adec="http://schemas.microsoft.com/office/drawing/2017/decorative" xmlns="" val="1"/>
               </a:ext>
             </a:extLst>
           </p:cNvPr>
@@ -5279,7 +5280,7 @@
                 <a16:creationId xmlns:a16="http://schemas.microsoft.com/office/drawing/2014/main" id="{DE42378B-2E28-4810-8421-7A473A40E376}"/>
               </a:ext>
               <a:ext uri="{C183D7F6-B498-43B3-948B-1728B52AA6E4}">
-                <adec:decorative xmlns:adec="http://schemas.microsoft.com/office/drawing/2017/decorative" val="1"/>
+                <adec:decorative xmlns:adec="http://schemas.microsoft.com/office/drawing/2017/decorative" xmlns="" val="1"/>
               </a:ext>
             </a:extLst>
           </p:cNvPr>
@@ -5334,7 +5335,7 @@
                 <a16:creationId xmlns:a16="http://schemas.microsoft.com/office/drawing/2014/main" id="{0D91DD17-237F-4811-BC0E-128EB1BD7CFE}"/>
               </a:ext>
               <a:ext uri="{C183D7F6-B498-43B3-948B-1728B52AA6E4}">
-                <adec:decorative xmlns:adec="http://schemas.microsoft.com/office/drawing/2017/decorative" val="1"/>
+                <adec:decorative xmlns:adec="http://schemas.microsoft.com/office/drawing/2017/decorative" xmlns="" val="1"/>
               </a:ext>
             </a:extLst>
           </p:cNvPr>
@@ -5390,6 +5391,453 @@
 </file>
 
 <file path=ppt/slides/slide10.xml><?xml version="1.0" encoding="utf-8"?>
+<p:sld xmlns:a="http://schemas.openxmlformats.org/drawingml/2006/main" xmlns:r="http://schemas.openxmlformats.org/officeDocument/2006/relationships" xmlns:p="http://schemas.openxmlformats.org/presentationml/2006/main">
+  <p:cSld>
+    <p:spTree>
+      <p:nvGrpSpPr>
+        <p:cNvPr id="1" name=""/>
+        <p:cNvGrpSpPr/>
+        <p:nvPr/>
+      </p:nvGrpSpPr>
+      <p:grpSpPr>
+        <a:xfrm>
+          <a:off x="0" y="0"/>
+          <a:ext cx="0" cy="0"/>
+          <a:chOff x="0" y="0"/>
+          <a:chExt cx="0" cy="0"/>
+        </a:xfrm>
+      </p:grpSpPr>
+      <p:sp>
+        <p:nvSpPr>
+          <p:cNvPr id="3" name="CaixaDeTexto 2">
+            <a:extLst>
+              <a:ext uri="{FF2B5EF4-FFF2-40B4-BE49-F238E27FC236}">
+                <a16:creationId xmlns:a16="http://schemas.microsoft.com/office/drawing/2014/main" id="{5E9EEC9D-1C6A-47CB-9521-6F601475FFAF}"/>
+              </a:ext>
+            </a:extLst>
+          </p:cNvPr>
+          <p:cNvSpPr txBox="1"/>
+          <p:nvPr/>
+        </p:nvSpPr>
+        <p:spPr>
+          <a:xfrm>
+            <a:off x="2868648" y="140167"/>
+            <a:ext cx="3000886" cy="769441"/>
+          </a:xfrm>
+          <a:prstGeom prst="rect">
+            <a:avLst/>
+          </a:prstGeom>
+          <a:noFill/>
+        </p:spPr>
+        <p:txBody>
+          <a:bodyPr wrap="none" rtlCol="0">
+            <a:spAutoFit/>
+          </a:bodyPr>
+          <a:lstStyle/>
+          <a:p>
+            <a:r>
+              <a:rPr lang="en-US" sz="4400" dirty="0"/>
+              <a:t>Deployment</a:t>
+            </a:r>
+          </a:p>
+        </p:txBody>
+      </p:sp>
+      <p:sp>
+        <p:nvSpPr>
+          <p:cNvPr id="5" name="CaixaDeTexto 4">
+            <a:extLst>
+              <a:ext uri="{FF2B5EF4-FFF2-40B4-BE49-F238E27FC236}">
+                <a16:creationId xmlns:a16="http://schemas.microsoft.com/office/drawing/2014/main" id="{FA4ECEF8-C35D-45EB-B5B2-CFFB73338780}"/>
+              </a:ext>
+            </a:extLst>
+          </p:cNvPr>
+          <p:cNvSpPr txBox="1"/>
+          <p:nvPr/>
+        </p:nvSpPr>
+        <p:spPr>
+          <a:xfrm>
+            <a:off x="2357828" y="1910135"/>
+            <a:ext cx="1964449" cy="369332"/>
+          </a:xfrm>
+          <a:prstGeom prst="rect">
+            <a:avLst/>
+          </a:prstGeom>
+          <a:noFill/>
+        </p:spPr>
+        <p:txBody>
+          <a:bodyPr wrap="none" rtlCol="0">
+            <a:spAutoFit/>
+          </a:bodyPr>
+          <a:lstStyle/>
+          <a:p>
+            <a:r>
+              <a:rPr lang="en-US" dirty="0">
+                <a:solidFill>
+                  <a:schemeClr val="bg1"/>
+                </a:solidFill>
+              </a:rPr>
+              <a:t>Cluster Kubernetes</a:t>
+            </a:r>
+          </a:p>
+        </p:txBody>
+      </p:sp>
+      <p:sp>
+        <p:nvSpPr>
+          <p:cNvPr id="9" name="Retângulo: Cantos Arredondados 8">
+            <a:extLst>
+              <a:ext uri="{FF2B5EF4-FFF2-40B4-BE49-F238E27FC236}">
+                <a16:creationId xmlns:a16="http://schemas.microsoft.com/office/drawing/2014/main" id="{7EC44340-DECD-41FF-9EF3-7C1691BD0CEA}"/>
+              </a:ext>
+            </a:extLst>
+          </p:cNvPr>
+          <p:cNvSpPr/>
+          <p:nvPr/>
+        </p:nvSpPr>
+        <p:spPr>
+          <a:xfrm>
+            <a:off x="3544411" y="2387084"/>
+            <a:ext cx="1555731" cy="369332"/>
+          </a:xfrm>
+          <a:prstGeom prst="roundRect">
+            <a:avLst/>
+          </a:prstGeom>
+        </p:spPr>
+        <p:style>
+          <a:lnRef idx="2">
+            <a:schemeClr val="accent2">
+              <a:shade val="50000"/>
+            </a:schemeClr>
+          </a:lnRef>
+          <a:fillRef idx="1">
+            <a:schemeClr val="accent2"/>
+          </a:fillRef>
+          <a:effectRef idx="0">
+            <a:schemeClr val="accent2"/>
+          </a:effectRef>
+          <a:fontRef idx="minor">
+            <a:schemeClr val="lt1"/>
+          </a:fontRef>
+        </p:style>
+        <p:txBody>
+          <a:bodyPr rtlCol="0" anchor="ctr"/>
+          <a:lstStyle/>
+          <a:p>
+            <a:pPr algn="ctr"/>
+            <a:r>
+              <a:rPr lang="en-US" dirty="0" err="1"/>
+              <a:t>ReplicaSet</a:t>
+            </a:r>
+            <a:r>
+              <a:rPr lang="en-US" dirty="0"/>
+              <a:t> A</a:t>
+            </a:r>
+          </a:p>
+        </p:txBody>
+      </p:sp>
+      <p:sp>
+        <p:nvSpPr>
+          <p:cNvPr id="13" name="Retângulo: Cantos Arredondados 12">
+            <a:extLst>
+              <a:ext uri="{FF2B5EF4-FFF2-40B4-BE49-F238E27FC236}">
+                <a16:creationId xmlns:a16="http://schemas.microsoft.com/office/drawing/2014/main" id="{1AFBAC96-C91E-425F-8761-9252E223FE0D}"/>
+              </a:ext>
+            </a:extLst>
+          </p:cNvPr>
+          <p:cNvSpPr/>
+          <p:nvPr/>
+        </p:nvSpPr>
+        <p:spPr>
+          <a:xfrm>
+            <a:off x="3919052" y="3479835"/>
+            <a:ext cx="1047750" cy="552450"/>
+          </a:xfrm>
+          <a:prstGeom prst="roundRect">
+            <a:avLst/>
+          </a:prstGeom>
+        </p:spPr>
+        <p:style>
+          <a:lnRef idx="2">
+            <a:schemeClr val="accent2">
+              <a:shade val="50000"/>
+            </a:schemeClr>
+          </a:lnRef>
+          <a:fillRef idx="1">
+            <a:schemeClr val="accent2"/>
+          </a:fillRef>
+          <a:effectRef idx="0">
+            <a:schemeClr val="accent2"/>
+          </a:effectRef>
+          <a:fontRef idx="minor">
+            <a:schemeClr val="lt1"/>
+          </a:fontRef>
+        </p:style>
+        <p:txBody>
+          <a:bodyPr rtlCol="0" anchor="ctr"/>
+          <a:lstStyle/>
+          <a:p>
+            <a:pPr algn="ctr"/>
+            <a:r>
+              <a:rPr lang="en-US" dirty="0"/>
+              <a:t>Pod A</a:t>
+            </a:r>
+          </a:p>
+        </p:txBody>
+      </p:sp>
+      <p:sp>
+        <p:nvSpPr>
+          <p:cNvPr id="14" name="Retângulo: Cantos Arredondados 13">
+            <a:extLst>
+              <a:ext uri="{FF2B5EF4-FFF2-40B4-BE49-F238E27FC236}">
+                <a16:creationId xmlns:a16="http://schemas.microsoft.com/office/drawing/2014/main" id="{74BA78B8-F259-43F7-9AA7-A78D6745A50D}"/>
+              </a:ext>
+            </a:extLst>
+          </p:cNvPr>
+          <p:cNvSpPr/>
+          <p:nvPr/>
+        </p:nvSpPr>
+        <p:spPr>
+          <a:xfrm>
+            <a:off x="3833327" y="3418604"/>
+            <a:ext cx="1047750" cy="552450"/>
+          </a:xfrm>
+          <a:prstGeom prst="roundRect">
+            <a:avLst/>
+          </a:prstGeom>
+        </p:spPr>
+        <p:style>
+          <a:lnRef idx="2">
+            <a:schemeClr val="accent2">
+              <a:shade val="50000"/>
+            </a:schemeClr>
+          </a:lnRef>
+          <a:fillRef idx="1">
+            <a:schemeClr val="accent2"/>
+          </a:fillRef>
+          <a:effectRef idx="0">
+            <a:schemeClr val="accent2"/>
+          </a:effectRef>
+          <a:fontRef idx="minor">
+            <a:schemeClr val="lt1"/>
+          </a:fontRef>
+        </p:style>
+        <p:txBody>
+          <a:bodyPr rtlCol="0" anchor="ctr"/>
+          <a:lstStyle/>
+          <a:p>
+            <a:pPr algn="ctr"/>
+            <a:r>
+              <a:rPr lang="en-US" dirty="0"/>
+              <a:t>Pod A</a:t>
+            </a:r>
+          </a:p>
+        </p:txBody>
+      </p:sp>
+      <p:cxnSp>
+        <p:nvCxnSpPr>
+          <p:cNvPr id="15" name="Conector de Seta Reta 14">
+            <a:extLst>
+              <a:ext uri="{FF2B5EF4-FFF2-40B4-BE49-F238E27FC236}">
+                <a16:creationId xmlns:a16="http://schemas.microsoft.com/office/drawing/2014/main" id="{7DF40A8D-93C3-458F-B2EA-EDABBBB13E23}"/>
+              </a:ext>
+            </a:extLst>
+          </p:cNvPr>
+          <p:cNvCxnSpPr>
+            <a:cxnSpLocks/>
+          </p:cNvCxnSpPr>
+          <p:nvPr/>
+        </p:nvCxnSpPr>
+        <p:spPr>
+          <a:xfrm>
+            <a:off x="4322277" y="1862084"/>
+            <a:ext cx="0" cy="449635"/>
+          </a:xfrm>
+          <a:prstGeom prst="straightConnector1">
+            <a:avLst/>
+          </a:prstGeom>
+          <a:ln w="9525" cap="flat" cmpd="sng" algn="ctr">
+            <a:solidFill>
+              <a:schemeClr val="dk1"/>
+            </a:solidFill>
+            <a:prstDash val="solid"/>
+            <a:round/>
+            <a:headEnd type="none" w="med" len="med"/>
+            <a:tailEnd type="arrow" w="med" len="med"/>
+          </a:ln>
+        </p:spPr>
+        <p:style>
+          <a:lnRef idx="0">
+            <a:scrgbClr r="0" g="0" b="0"/>
+          </a:lnRef>
+          <a:fillRef idx="0">
+            <a:scrgbClr r="0" g="0" b="0"/>
+          </a:fillRef>
+          <a:effectRef idx="0">
+            <a:scrgbClr r="0" g="0" b="0"/>
+          </a:effectRef>
+          <a:fontRef idx="minor">
+            <a:schemeClr val="tx1"/>
+          </a:fontRef>
+        </p:style>
+      </p:cxnSp>
+      <p:sp>
+        <p:nvSpPr>
+          <p:cNvPr id="12" name="Retângulo: Cantos Arredondados 11">
+            <a:extLst>
+              <a:ext uri="{FF2B5EF4-FFF2-40B4-BE49-F238E27FC236}">
+                <a16:creationId xmlns:a16="http://schemas.microsoft.com/office/drawing/2014/main" id="{D813360A-ECC8-4755-B5C4-10F048D9B2B5}"/>
+              </a:ext>
+            </a:extLst>
+          </p:cNvPr>
+          <p:cNvSpPr/>
+          <p:nvPr/>
+        </p:nvSpPr>
+        <p:spPr>
+          <a:xfrm>
+            <a:off x="3570902" y="1415488"/>
+            <a:ext cx="1555750" cy="377398"/>
+          </a:xfrm>
+          <a:prstGeom prst="roundRect">
+            <a:avLst/>
+          </a:prstGeom>
+        </p:spPr>
+        <p:style>
+          <a:lnRef idx="2">
+            <a:schemeClr val="accent2">
+              <a:shade val="50000"/>
+            </a:schemeClr>
+          </a:lnRef>
+          <a:fillRef idx="1">
+            <a:schemeClr val="accent2"/>
+          </a:fillRef>
+          <a:effectRef idx="0">
+            <a:schemeClr val="accent2"/>
+          </a:effectRef>
+          <a:fontRef idx="minor">
+            <a:schemeClr val="lt1"/>
+          </a:fontRef>
+        </p:style>
+        <p:txBody>
+          <a:bodyPr rtlCol="0" anchor="ctr"/>
+          <a:lstStyle/>
+          <a:p>
+            <a:pPr algn="ctr"/>
+            <a:r>
+              <a:rPr lang="en-US" dirty="0"/>
+              <a:t>Deployment</a:t>
+            </a:r>
+          </a:p>
+        </p:txBody>
+      </p:sp>
+      <p:sp>
+        <p:nvSpPr>
+          <p:cNvPr id="17" name="Retângulo: Cantos Arredondados 16">
+            <a:extLst>
+              <a:ext uri="{FF2B5EF4-FFF2-40B4-BE49-F238E27FC236}">
+                <a16:creationId xmlns:a16="http://schemas.microsoft.com/office/drawing/2014/main" id="{518FCB6F-1F58-41D9-89B5-3EDE445B5E5C}"/>
+              </a:ext>
+            </a:extLst>
+          </p:cNvPr>
+          <p:cNvSpPr/>
+          <p:nvPr/>
+        </p:nvSpPr>
+        <p:spPr>
+          <a:xfrm>
+            <a:off x="3747602" y="3350614"/>
+            <a:ext cx="1047750" cy="552450"/>
+          </a:xfrm>
+          <a:prstGeom prst="roundRect">
+            <a:avLst/>
+          </a:prstGeom>
+        </p:spPr>
+        <p:style>
+          <a:lnRef idx="2">
+            <a:schemeClr val="accent2">
+              <a:shade val="50000"/>
+            </a:schemeClr>
+          </a:lnRef>
+          <a:fillRef idx="1">
+            <a:schemeClr val="accent2"/>
+          </a:fillRef>
+          <a:effectRef idx="0">
+            <a:schemeClr val="accent2"/>
+          </a:effectRef>
+          <a:fontRef idx="minor">
+            <a:schemeClr val="lt1"/>
+          </a:fontRef>
+        </p:style>
+        <p:txBody>
+          <a:bodyPr rtlCol="0" anchor="ctr"/>
+          <a:lstStyle/>
+          <a:p>
+            <a:pPr algn="ctr"/>
+            <a:r>
+              <a:rPr lang="en-US" dirty="0"/>
+              <a:t>Pod A</a:t>
+            </a:r>
+          </a:p>
+        </p:txBody>
+      </p:sp>
+      <p:cxnSp>
+        <p:nvCxnSpPr>
+          <p:cNvPr id="19" name="Conector de Seta Reta 18">
+            <a:extLst>
+              <a:ext uri="{FF2B5EF4-FFF2-40B4-BE49-F238E27FC236}">
+                <a16:creationId xmlns:a16="http://schemas.microsoft.com/office/drawing/2014/main" id="{59E83CC3-3D2B-4516-9A0B-A346A2DD8DAE}"/>
+              </a:ext>
+            </a:extLst>
+          </p:cNvPr>
+          <p:cNvCxnSpPr>
+            <a:cxnSpLocks/>
+          </p:cNvCxnSpPr>
+          <p:nvPr/>
+        </p:nvCxnSpPr>
+        <p:spPr>
+          <a:xfrm>
+            <a:off x="4322277" y="2840464"/>
+            <a:ext cx="0" cy="449635"/>
+          </a:xfrm>
+          <a:prstGeom prst="straightConnector1">
+            <a:avLst/>
+          </a:prstGeom>
+          <a:ln w="9525" cap="flat" cmpd="sng" algn="ctr">
+            <a:solidFill>
+              <a:schemeClr val="dk1"/>
+            </a:solidFill>
+            <a:prstDash val="solid"/>
+            <a:round/>
+            <a:headEnd type="none" w="med" len="med"/>
+            <a:tailEnd type="arrow" w="med" len="med"/>
+          </a:ln>
+        </p:spPr>
+        <p:style>
+          <a:lnRef idx="0">
+            <a:scrgbClr r="0" g="0" b="0"/>
+          </a:lnRef>
+          <a:fillRef idx="0">
+            <a:scrgbClr r="0" g="0" b="0"/>
+          </a:fillRef>
+          <a:effectRef idx="0">
+            <a:scrgbClr r="0" g="0" b="0"/>
+          </a:effectRef>
+          <a:fontRef idx="minor">
+            <a:schemeClr val="tx1"/>
+          </a:fontRef>
+        </p:style>
+      </p:cxnSp>
+    </p:spTree>
+    <p:extLst>
+      <p:ext uri="{BB962C8B-B14F-4D97-AF65-F5344CB8AC3E}">
+        <p14:creationId xmlns:p14="http://schemas.microsoft.com/office/powerpoint/2010/main" val="3224237091"/>
+      </p:ext>
+    </p:extLst>
+  </p:cSld>
+  <p:clrMapOvr>
+    <a:masterClrMapping/>
+  </p:clrMapOvr>
+</p:sld>
+</file>
+
+<file path=ppt/slides/slide11.xml><?xml version="1.0" encoding="utf-8"?>
 <p:sld xmlns:a="http://schemas.openxmlformats.org/drawingml/2006/main" xmlns:r="http://schemas.openxmlformats.org/officeDocument/2006/relationships" xmlns:p="http://schemas.openxmlformats.org/presentationml/2006/main">
   <p:cSld>
     <p:spTree>
@@ -6979,7 +7427,7 @@
 </p:sld>
 </file>
 
-<file path=ppt/slides/slide11.xml><?xml version="1.0" encoding="utf-8"?>
+<file path=ppt/slides/slide12.xml><?xml version="1.0" encoding="utf-8"?>
 <p:sld xmlns:a="http://schemas.openxmlformats.org/drawingml/2006/main" xmlns:r="http://schemas.openxmlformats.org/officeDocument/2006/relationships" xmlns:p="http://schemas.openxmlformats.org/presentationml/2006/main">
   <p:cSld>
     <p:spTree>
@@ -7885,7 +8333,7 @@
 </p:sld>
 </file>
 
-<file path=ppt/slides/slide12.xml><?xml version="1.0" encoding="utf-8"?>
+<file path=ppt/slides/slide13.xml><?xml version="1.0" encoding="utf-8"?>
 <p:sld xmlns:a="http://schemas.openxmlformats.org/drawingml/2006/main" xmlns:r="http://schemas.openxmlformats.org/officeDocument/2006/relationships" xmlns:p="http://schemas.openxmlformats.org/presentationml/2006/main">
   <p:cSld>
     <p:spTree>
@@ -8465,7 +8913,7 @@
 </p:sld>
 </file>
 
-<file path=ppt/slides/slide13.xml><?xml version="1.0" encoding="utf-8"?>
+<file path=ppt/slides/slide14.xml><?xml version="1.0" encoding="utf-8"?>
 <p:sld xmlns:a="http://schemas.openxmlformats.org/drawingml/2006/main" xmlns:r="http://schemas.openxmlformats.org/officeDocument/2006/relationships" xmlns:p="http://schemas.openxmlformats.org/presentationml/2006/main">
   <p:cSld>
     <p:spTree>
@@ -8960,7 +9408,7 @@
 </p:sld>
 </file>
 
-<file path=ppt/slides/slide14.xml><?xml version="1.0" encoding="utf-8"?>
+<file path=ppt/slides/slide15.xml><?xml version="1.0" encoding="utf-8"?>
 <p:sld xmlns:a="http://schemas.openxmlformats.org/drawingml/2006/main" xmlns:r="http://schemas.openxmlformats.org/officeDocument/2006/relationships" xmlns:p="http://schemas.openxmlformats.org/presentationml/2006/main">
   <p:cSld>
     <p:spTree>
@@ -9544,7 +9992,7 @@
 </p:sld>
 </file>
 
-<file path=ppt/slides/slide15.xml><?xml version="1.0" encoding="utf-8"?>
+<file path=ppt/slides/slide16.xml><?xml version="1.0" encoding="utf-8"?>
 <p:sld xmlns:a="http://schemas.openxmlformats.org/drawingml/2006/main" xmlns:r="http://schemas.openxmlformats.org/officeDocument/2006/relationships" xmlns:p="http://schemas.openxmlformats.org/presentationml/2006/main">
   <p:cSld>
     <p:spTree>
@@ -12830,6 +13278,186 @@
           <a:chExt cx="0" cy="0"/>
         </a:xfrm>
       </p:grpSpPr>
+      <p:sp>
+        <p:nvSpPr>
+          <p:cNvPr id="6" name="CaixaDeTexto 5">
+            <a:extLst>
+              <a:ext uri="{FF2B5EF4-FFF2-40B4-BE49-F238E27FC236}">
+                <a16:creationId xmlns:a16="http://schemas.microsoft.com/office/drawing/2014/main" id="{4DA9B1BD-4C6D-4BA6-A19A-E4B7E5A32637}"/>
+              </a:ext>
+            </a:extLst>
+          </p:cNvPr>
+          <p:cNvSpPr txBox="1"/>
+          <p:nvPr/>
+        </p:nvSpPr>
+        <p:spPr>
+          <a:xfrm>
+            <a:off x="0" y="323272"/>
+            <a:ext cx="9144000" cy="707886"/>
+          </a:xfrm>
+          <a:prstGeom prst="rect">
+            <a:avLst/>
+          </a:prstGeom>
+          <a:noFill/>
+        </p:spPr>
+        <p:txBody>
+          <a:bodyPr wrap="square" rtlCol="0">
+            <a:spAutoFit/>
+          </a:bodyPr>
+          <a:lstStyle/>
+          <a:p>
+            <a:pPr algn="ctr"/>
+            <a:r>
+              <a:rPr lang="pt-BR" sz="4000" dirty="0" smtClean="0">
+                <a:latin typeface="Roboto" panose="02000000000000000000" pitchFamily="2" charset="0"/>
+                <a:ea typeface="Roboto" panose="02000000000000000000" pitchFamily="2" charset="0"/>
+              </a:rPr>
+              <a:t>Proposta</a:t>
+            </a:r>
+            <a:endParaRPr lang="pt-BR" sz="4000" dirty="0">
+              <a:latin typeface="Roboto" panose="02000000000000000000" pitchFamily="2" charset="0"/>
+              <a:ea typeface="Roboto" panose="02000000000000000000" pitchFamily="2" charset="0"/>
+            </a:endParaRPr>
+          </a:p>
+        </p:txBody>
+      </p:sp>
+      <p:pic>
+        <p:nvPicPr>
+          <p:cNvPr id="2" name="Imagem 1"/>
+          <p:cNvPicPr>
+            <a:picLocks noChangeAspect="1"/>
+          </p:cNvPicPr>
+          <p:nvPr/>
+        </p:nvPicPr>
+        <p:blipFill>
+          <a:blip r:embed="rId2">
+            <a:extLst>
+              <a:ext uri="{28A0092B-C50C-407E-A947-70E740481C1C}">
+                <a14:useLocalDpi xmlns:a14="http://schemas.microsoft.com/office/drawing/2010/main" val="0"/>
+              </a:ext>
+            </a:extLst>
+          </a:blip>
+          <a:stretch>
+            <a:fillRect/>
+          </a:stretch>
+        </p:blipFill>
+        <p:spPr>
+          <a:xfrm>
+            <a:off x="2772926" y="2015613"/>
+            <a:ext cx="1113474" cy="1113474"/>
+          </a:xfrm>
+          <a:prstGeom prst="rect">
+            <a:avLst/>
+          </a:prstGeom>
+        </p:spPr>
+      </p:pic>
+      <p:pic>
+        <p:nvPicPr>
+          <p:cNvPr id="3" name="Imagem 2"/>
+          <p:cNvPicPr>
+            <a:picLocks noChangeAspect="1"/>
+          </p:cNvPicPr>
+          <p:nvPr/>
+        </p:nvPicPr>
+        <p:blipFill>
+          <a:blip r:embed="rId3">
+            <a:extLst>
+              <a:ext uri="{28A0092B-C50C-407E-A947-70E740481C1C}">
+                <a14:useLocalDpi xmlns:a14="http://schemas.microsoft.com/office/drawing/2010/main" val="0"/>
+              </a:ext>
+            </a:extLst>
+          </a:blip>
+          <a:stretch>
+            <a:fillRect/>
+          </a:stretch>
+        </p:blipFill>
+        <p:spPr>
+          <a:xfrm>
+            <a:off x="5048922" y="1954468"/>
+            <a:ext cx="1784497" cy="1235764"/>
+          </a:xfrm>
+          <a:prstGeom prst="rect">
+            <a:avLst/>
+          </a:prstGeom>
+        </p:spPr>
+      </p:pic>
+      <p:sp>
+        <p:nvSpPr>
+          <p:cNvPr id="4" name="Seta para a Direita 3"/>
+          <p:cNvSpPr/>
+          <p:nvPr/>
+        </p:nvSpPr>
+        <p:spPr>
+          <a:xfrm>
+            <a:off x="3991896" y="2359741"/>
+            <a:ext cx="1140542" cy="137652"/>
+          </a:xfrm>
+          <a:prstGeom prst="rightArrow">
+            <a:avLst/>
+          </a:prstGeom>
+        </p:spPr>
+        <p:style>
+          <a:lnRef idx="2">
+            <a:schemeClr val="accent1">
+              <a:shade val="50000"/>
+            </a:schemeClr>
+          </a:lnRef>
+          <a:fillRef idx="1">
+            <a:schemeClr val="accent1"/>
+          </a:fillRef>
+          <a:effectRef idx="0">
+            <a:schemeClr val="accent1"/>
+          </a:effectRef>
+          <a:fontRef idx="minor">
+            <a:schemeClr val="lt1"/>
+          </a:fontRef>
+        </p:style>
+        <p:txBody>
+          <a:bodyPr rtlCol="0" anchor="ctr"/>
+          <a:lstStyle/>
+          <a:p>
+            <a:pPr algn="ctr"/>
+            <a:endParaRPr lang="pt-BR"/>
+          </a:p>
+        </p:txBody>
+      </p:sp>
+    </p:spTree>
+    <p:extLst>
+      <p:ext uri="{BB962C8B-B14F-4D97-AF65-F5344CB8AC3E}">
+        <p14:creationId xmlns:p14="http://schemas.microsoft.com/office/powerpoint/2010/main" val="809327906"/>
+      </p:ext>
+    </p:extLst>
+  </p:cSld>
+  <p:clrMapOvr>
+    <a:masterClrMapping/>
+  </p:clrMapOvr>
+  <p:timing>
+    <p:tnLst>
+      <p:par>
+        <p:cTn id="1" dur="indefinite" restart="never" nodeType="tmRoot"/>
+      </p:par>
+    </p:tnLst>
+  </p:timing>
+</p:sld>
+</file>
+
+<file path=ppt/slides/slide6.xml><?xml version="1.0" encoding="utf-8"?>
+<p:sld xmlns:a="http://schemas.openxmlformats.org/drawingml/2006/main" xmlns:r="http://schemas.openxmlformats.org/officeDocument/2006/relationships" xmlns:p="http://schemas.openxmlformats.org/presentationml/2006/main">
+  <p:cSld>
+    <p:spTree>
+      <p:nvGrpSpPr>
+        <p:cNvPr id="1" name=""/>
+        <p:cNvGrpSpPr/>
+        <p:nvPr/>
+      </p:nvGrpSpPr>
+      <p:grpSpPr>
+        <a:xfrm>
+          <a:off x="0" y="0"/>
+          <a:ext cx="0" cy="0"/>
+          <a:chOff x="0" y="0"/>
+          <a:chExt cx="0" cy="0"/>
+        </a:xfrm>
+      </p:grpSpPr>
       <p:grpSp>
         <p:nvGrpSpPr>
           <p:cNvPr id="16" name="Agrupar 15">
@@ -13423,77 +14051,6 @@
 </p:sld>
 </file>
 
-<file path=ppt/slides/slide6.xml><?xml version="1.0" encoding="utf-8"?>
-<p:sld xmlns:a="http://schemas.openxmlformats.org/drawingml/2006/main" xmlns:r="http://schemas.openxmlformats.org/officeDocument/2006/relationships" xmlns:p="http://schemas.openxmlformats.org/presentationml/2006/main">
-  <p:cSld>
-    <p:spTree>
-      <p:nvGrpSpPr>
-        <p:cNvPr id="1" name=""/>
-        <p:cNvGrpSpPr/>
-        <p:nvPr/>
-      </p:nvGrpSpPr>
-      <p:grpSpPr>
-        <a:xfrm>
-          <a:off x="0" y="0"/>
-          <a:ext cx="0" cy="0"/>
-          <a:chOff x="0" y="0"/>
-          <a:chExt cx="0" cy="0"/>
-        </a:xfrm>
-      </p:grpSpPr>
-      <p:sp>
-        <p:nvSpPr>
-          <p:cNvPr id="3" name="CaixaDeTexto 2">
-            <a:extLst>
-              <a:ext uri="{FF2B5EF4-FFF2-40B4-BE49-F238E27FC236}">
-                <a16:creationId xmlns:a16="http://schemas.microsoft.com/office/drawing/2014/main" id="{2FDCD985-A4BB-4D02-ADE7-D35328E88BD4}"/>
-              </a:ext>
-            </a:extLst>
-          </p:cNvPr>
-          <p:cNvSpPr txBox="1"/>
-          <p:nvPr/>
-        </p:nvSpPr>
-        <p:spPr>
-          <a:xfrm>
-            <a:off x="0" y="62922"/>
-            <a:ext cx="9143999" cy="1015663"/>
-          </a:xfrm>
-          <a:prstGeom prst="rect">
-            <a:avLst/>
-          </a:prstGeom>
-          <a:noFill/>
-        </p:spPr>
-        <p:txBody>
-          <a:bodyPr wrap="square" rtlCol="0">
-            <a:spAutoFit/>
-          </a:bodyPr>
-          <a:lstStyle/>
-          <a:p>
-            <a:pPr algn="ctr"/>
-            <a:r>
-              <a:rPr lang="en-US" sz="6000" dirty="0"/>
-              <a:t>L</a:t>
-            </a:r>
-            <a:r>
-              <a:rPr lang="pt-BR" sz="6000" dirty="0" err="1"/>
-              <a:t>abels</a:t>
-            </a:r>
-            <a:endParaRPr lang="pt-BR" sz="6000" dirty="0"/>
-          </a:p>
-        </p:txBody>
-      </p:sp>
-    </p:spTree>
-    <p:extLst>
-      <p:ext uri="{BB962C8B-B14F-4D97-AF65-F5344CB8AC3E}">
-        <p14:creationId xmlns:p14="http://schemas.microsoft.com/office/powerpoint/2010/main" val="1047872885"/>
-      </p:ext>
-    </p:extLst>
-  </p:cSld>
-  <p:clrMapOvr>
-    <a:masterClrMapping/>
-  </p:clrMapOvr>
-</p:sld>
-</file>
-
 <file path=ppt/slides/slide7.xml><?xml version="1.0" encoding="utf-8"?>
 <p:sld xmlns:a="http://schemas.openxmlformats.org/drawingml/2006/main" xmlns:r="http://schemas.openxmlformats.org/officeDocument/2006/relationships" xmlns:p="http://schemas.openxmlformats.org/presentationml/2006/main">
   <p:cSld>
@@ -13542,7 +14099,11 @@
             <a:pPr algn="ctr"/>
             <a:r>
               <a:rPr lang="en-US" sz="6000" dirty="0"/>
-              <a:t>Selectors</a:t>
+              <a:t>L</a:t>
+            </a:r>
+            <a:r>
+              <a:rPr lang="pt-BR" sz="6000" dirty="0" err="1"/>
+              <a:t>abels</a:t>
             </a:r>
             <a:endParaRPr lang="pt-BR" sz="6000" dirty="0"/>
           </a:p>
@@ -13551,7 +14112,7 @@
     </p:spTree>
     <p:extLst>
       <p:ext uri="{BB962C8B-B14F-4D97-AF65-F5344CB8AC3E}">
-        <p14:creationId xmlns:p14="http://schemas.microsoft.com/office/powerpoint/2010/main" val="949526127"/>
+        <p14:creationId xmlns:p14="http://schemas.microsoft.com/office/powerpoint/2010/main" val="1047872885"/>
       </p:ext>
     </p:extLst>
   </p:cSld>
@@ -13608,8 +14169,8 @@
           <a:p>
             <a:pPr algn="ctr"/>
             <a:r>
-              <a:rPr lang="en-US" sz="6000" dirty="0" err="1"/>
-              <a:t>ReplicaSet</a:t>
+              <a:rPr lang="en-US" sz="6000" dirty="0"/>
+              <a:t>Selectors</a:t>
             </a:r>
             <a:endParaRPr lang="pt-BR" sz="6000" dirty="0"/>
           </a:p>
@@ -13618,7 +14179,7 @@
     </p:spTree>
     <p:extLst>
       <p:ext uri="{BB962C8B-B14F-4D97-AF65-F5344CB8AC3E}">
-        <p14:creationId xmlns:p14="http://schemas.microsoft.com/office/powerpoint/2010/main" val="2134801729"/>
+        <p14:creationId xmlns:p14="http://schemas.microsoft.com/office/powerpoint/2010/main" val="949526127"/>
       </p:ext>
     </p:extLst>
   </p:cSld>
@@ -13650,7 +14211,7 @@
           <p:cNvPr id="3" name="CaixaDeTexto 2">
             <a:extLst>
               <a:ext uri="{FF2B5EF4-FFF2-40B4-BE49-F238E27FC236}">
-                <a16:creationId xmlns:a16="http://schemas.microsoft.com/office/drawing/2014/main" id="{5E9EEC9D-1C6A-47CB-9521-6F601475FFAF}"/>
+                <a16:creationId xmlns:a16="http://schemas.microsoft.com/office/drawing/2014/main" id="{2FDCD985-A4BB-4D02-ADE7-D35328E88BD4}"/>
               </a:ext>
             </a:extLst>
           </p:cNvPr>
@@ -13659,8 +14220,8 @@
         </p:nvSpPr>
         <p:spPr>
           <a:xfrm>
-            <a:off x="2868648" y="140167"/>
-            <a:ext cx="3000886" cy="769441"/>
+            <a:off x="0" y="62922"/>
+            <a:ext cx="9143999" cy="1015663"/>
           </a:xfrm>
           <a:prstGeom prst="rect">
             <a:avLst/>
@@ -13668,404 +14229,24 @@
           <a:noFill/>
         </p:spPr>
         <p:txBody>
-          <a:bodyPr wrap="none" rtlCol="0">
+          <a:bodyPr wrap="square" rtlCol="0">
             <a:spAutoFit/>
           </a:bodyPr>
           <a:lstStyle/>
           <a:p>
+            <a:pPr algn="ctr"/>
             <a:r>
-              <a:rPr lang="en-US" sz="4400" dirty="0"/>
-              <a:t>Deployment</a:t>
+              <a:rPr lang="en-US" sz="6000" dirty="0" err="1"/>
+              <a:t>ReplicaSet</a:t>
             </a:r>
+            <a:endParaRPr lang="pt-BR" sz="6000" dirty="0"/>
           </a:p>
         </p:txBody>
       </p:sp>
-      <p:sp>
-        <p:nvSpPr>
-          <p:cNvPr id="5" name="CaixaDeTexto 4">
-            <a:extLst>
-              <a:ext uri="{FF2B5EF4-FFF2-40B4-BE49-F238E27FC236}">
-                <a16:creationId xmlns:a16="http://schemas.microsoft.com/office/drawing/2014/main" id="{FA4ECEF8-C35D-45EB-B5B2-CFFB73338780}"/>
-              </a:ext>
-            </a:extLst>
-          </p:cNvPr>
-          <p:cNvSpPr txBox="1"/>
-          <p:nvPr/>
-        </p:nvSpPr>
-        <p:spPr>
-          <a:xfrm>
-            <a:off x="2357828" y="1910135"/>
-            <a:ext cx="1964449" cy="369332"/>
-          </a:xfrm>
-          <a:prstGeom prst="rect">
-            <a:avLst/>
-          </a:prstGeom>
-          <a:noFill/>
-        </p:spPr>
-        <p:txBody>
-          <a:bodyPr wrap="none" rtlCol="0">
-            <a:spAutoFit/>
-          </a:bodyPr>
-          <a:lstStyle/>
-          <a:p>
-            <a:r>
-              <a:rPr lang="en-US" dirty="0">
-                <a:solidFill>
-                  <a:schemeClr val="bg1"/>
-                </a:solidFill>
-              </a:rPr>
-              <a:t>Cluster Kubernetes</a:t>
-            </a:r>
-          </a:p>
-        </p:txBody>
-      </p:sp>
-      <p:sp>
-        <p:nvSpPr>
-          <p:cNvPr id="9" name="Retângulo: Cantos Arredondados 8">
-            <a:extLst>
-              <a:ext uri="{FF2B5EF4-FFF2-40B4-BE49-F238E27FC236}">
-                <a16:creationId xmlns:a16="http://schemas.microsoft.com/office/drawing/2014/main" id="{7EC44340-DECD-41FF-9EF3-7C1691BD0CEA}"/>
-              </a:ext>
-            </a:extLst>
-          </p:cNvPr>
-          <p:cNvSpPr/>
-          <p:nvPr/>
-        </p:nvSpPr>
-        <p:spPr>
-          <a:xfrm>
-            <a:off x="3544411" y="2387084"/>
-            <a:ext cx="1555731" cy="369332"/>
-          </a:xfrm>
-          <a:prstGeom prst="roundRect">
-            <a:avLst/>
-          </a:prstGeom>
-        </p:spPr>
-        <p:style>
-          <a:lnRef idx="2">
-            <a:schemeClr val="accent2">
-              <a:shade val="50000"/>
-            </a:schemeClr>
-          </a:lnRef>
-          <a:fillRef idx="1">
-            <a:schemeClr val="accent2"/>
-          </a:fillRef>
-          <a:effectRef idx="0">
-            <a:schemeClr val="accent2"/>
-          </a:effectRef>
-          <a:fontRef idx="minor">
-            <a:schemeClr val="lt1"/>
-          </a:fontRef>
-        </p:style>
-        <p:txBody>
-          <a:bodyPr rtlCol="0" anchor="ctr"/>
-          <a:lstStyle/>
-          <a:p>
-            <a:pPr algn="ctr"/>
-            <a:r>
-              <a:rPr lang="en-US" dirty="0" err="1"/>
-              <a:t>ReplicaSet</a:t>
-            </a:r>
-            <a:r>
-              <a:rPr lang="en-US" dirty="0"/>
-              <a:t> A</a:t>
-            </a:r>
-          </a:p>
-        </p:txBody>
-      </p:sp>
-      <p:sp>
-        <p:nvSpPr>
-          <p:cNvPr id="13" name="Retângulo: Cantos Arredondados 12">
-            <a:extLst>
-              <a:ext uri="{FF2B5EF4-FFF2-40B4-BE49-F238E27FC236}">
-                <a16:creationId xmlns:a16="http://schemas.microsoft.com/office/drawing/2014/main" id="{1AFBAC96-C91E-425F-8761-9252E223FE0D}"/>
-              </a:ext>
-            </a:extLst>
-          </p:cNvPr>
-          <p:cNvSpPr/>
-          <p:nvPr/>
-        </p:nvSpPr>
-        <p:spPr>
-          <a:xfrm>
-            <a:off x="3919052" y="3479835"/>
-            <a:ext cx="1047750" cy="552450"/>
-          </a:xfrm>
-          <a:prstGeom prst="roundRect">
-            <a:avLst/>
-          </a:prstGeom>
-        </p:spPr>
-        <p:style>
-          <a:lnRef idx="2">
-            <a:schemeClr val="accent2">
-              <a:shade val="50000"/>
-            </a:schemeClr>
-          </a:lnRef>
-          <a:fillRef idx="1">
-            <a:schemeClr val="accent2"/>
-          </a:fillRef>
-          <a:effectRef idx="0">
-            <a:schemeClr val="accent2"/>
-          </a:effectRef>
-          <a:fontRef idx="minor">
-            <a:schemeClr val="lt1"/>
-          </a:fontRef>
-        </p:style>
-        <p:txBody>
-          <a:bodyPr rtlCol="0" anchor="ctr"/>
-          <a:lstStyle/>
-          <a:p>
-            <a:pPr algn="ctr"/>
-            <a:r>
-              <a:rPr lang="en-US" dirty="0"/>
-              <a:t>Pod A</a:t>
-            </a:r>
-          </a:p>
-        </p:txBody>
-      </p:sp>
-      <p:sp>
-        <p:nvSpPr>
-          <p:cNvPr id="14" name="Retângulo: Cantos Arredondados 13">
-            <a:extLst>
-              <a:ext uri="{FF2B5EF4-FFF2-40B4-BE49-F238E27FC236}">
-                <a16:creationId xmlns:a16="http://schemas.microsoft.com/office/drawing/2014/main" id="{74BA78B8-F259-43F7-9AA7-A78D6745A50D}"/>
-              </a:ext>
-            </a:extLst>
-          </p:cNvPr>
-          <p:cNvSpPr/>
-          <p:nvPr/>
-        </p:nvSpPr>
-        <p:spPr>
-          <a:xfrm>
-            <a:off x="3833327" y="3418604"/>
-            <a:ext cx="1047750" cy="552450"/>
-          </a:xfrm>
-          <a:prstGeom prst="roundRect">
-            <a:avLst/>
-          </a:prstGeom>
-        </p:spPr>
-        <p:style>
-          <a:lnRef idx="2">
-            <a:schemeClr val="accent2">
-              <a:shade val="50000"/>
-            </a:schemeClr>
-          </a:lnRef>
-          <a:fillRef idx="1">
-            <a:schemeClr val="accent2"/>
-          </a:fillRef>
-          <a:effectRef idx="0">
-            <a:schemeClr val="accent2"/>
-          </a:effectRef>
-          <a:fontRef idx="minor">
-            <a:schemeClr val="lt1"/>
-          </a:fontRef>
-        </p:style>
-        <p:txBody>
-          <a:bodyPr rtlCol="0" anchor="ctr"/>
-          <a:lstStyle/>
-          <a:p>
-            <a:pPr algn="ctr"/>
-            <a:r>
-              <a:rPr lang="en-US" dirty="0"/>
-              <a:t>Pod A</a:t>
-            </a:r>
-          </a:p>
-        </p:txBody>
-      </p:sp>
-      <p:cxnSp>
-        <p:nvCxnSpPr>
-          <p:cNvPr id="15" name="Conector de Seta Reta 14">
-            <a:extLst>
-              <a:ext uri="{FF2B5EF4-FFF2-40B4-BE49-F238E27FC236}">
-                <a16:creationId xmlns:a16="http://schemas.microsoft.com/office/drawing/2014/main" id="{7DF40A8D-93C3-458F-B2EA-EDABBBB13E23}"/>
-              </a:ext>
-            </a:extLst>
-          </p:cNvPr>
-          <p:cNvCxnSpPr>
-            <a:cxnSpLocks/>
-          </p:cNvCxnSpPr>
-          <p:nvPr/>
-        </p:nvCxnSpPr>
-        <p:spPr>
-          <a:xfrm>
-            <a:off x="4322277" y="1862084"/>
-            <a:ext cx="0" cy="449635"/>
-          </a:xfrm>
-          <a:prstGeom prst="straightConnector1">
-            <a:avLst/>
-          </a:prstGeom>
-          <a:ln w="9525" cap="flat" cmpd="sng" algn="ctr">
-            <a:solidFill>
-              <a:schemeClr val="dk1"/>
-            </a:solidFill>
-            <a:prstDash val="solid"/>
-            <a:round/>
-            <a:headEnd type="none" w="med" len="med"/>
-            <a:tailEnd type="arrow" w="med" len="med"/>
-          </a:ln>
-        </p:spPr>
-        <p:style>
-          <a:lnRef idx="0">
-            <a:scrgbClr r="0" g="0" b="0"/>
-          </a:lnRef>
-          <a:fillRef idx="0">
-            <a:scrgbClr r="0" g="0" b="0"/>
-          </a:fillRef>
-          <a:effectRef idx="0">
-            <a:scrgbClr r="0" g="0" b="0"/>
-          </a:effectRef>
-          <a:fontRef idx="minor">
-            <a:schemeClr val="tx1"/>
-          </a:fontRef>
-        </p:style>
-      </p:cxnSp>
-      <p:sp>
-        <p:nvSpPr>
-          <p:cNvPr id="12" name="Retângulo: Cantos Arredondados 11">
-            <a:extLst>
-              <a:ext uri="{FF2B5EF4-FFF2-40B4-BE49-F238E27FC236}">
-                <a16:creationId xmlns:a16="http://schemas.microsoft.com/office/drawing/2014/main" id="{D813360A-ECC8-4755-B5C4-10F048D9B2B5}"/>
-              </a:ext>
-            </a:extLst>
-          </p:cNvPr>
-          <p:cNvSpPr/>
-          <p:nvPr/>
-        </p:nvSpPr>
-        <p:spPr>
-          <a:xfrm>
-            <a:off x="3570902" y="1415488"/>
-            <a:ext cx="1555750" cy="377398"/>
-          </a:xfrm>
-          <a:prstGeom prst="roundRect">
-            <a:avLst/>
-          </a:prstGeom>
-        </p:spPr>
-        <p:style>
-          <a:lnRef idx="2">
-            <a:schemeClr val="accent2">
-              <a:shade val="50000"/>
-            </a:schemeClr>
-          </a:lnRef>
-          <a:fillRef idx="1">
-            <a:schemeClr val="accent2"/>
-          </a:fillRef>
-          <a:effectRef idx="0">
-            <a:schemeClr val="accent2"/>
-          </a:effectRef>
-          <a:fontRef idx="minor">
-            <a:schemeClr val="lt1"/>
-          </a:fontRef>
-        </p:style>
-        <p:txBody>
-          <a:bodyPr rtlCol="0" anchor="ctr"/>
-          <a:lstStyle/>
-          <a:p>
-            <a:pPr algn="ctr"/>
-            <a:r>
-              <a:rPr lang="en-US" dirty="0"/>
-              <a:t>Deployment</a:t>
-            </a:r>
-          </a:p>
-        </p:txBody>
-      </p:sp>
-      <p:sp>
-        <p:nvSpPr>
-          <p:cNvPr id="17" name="Retângulo: Cantos Arredondados 16">
-            <a:extLst>
-              <a:ext uri="{FF2B5EF4-FFF2-40B4-BE49-F238E27FC236}">
-                <a16:creationId xmlns:a16="http://schemas.microsoft.com/office/drawing/2014/main" id="{518FCB6F-1F58-41D9-89B5-3EDE445B5E5C}"/>
-              </a:ext>
-            </a:extLst>
-          </p:cNvPr>
-          <p:cNvSpPr/>
-          <p:nvPr/>
-        </p:nvSpPr>
-        <p:spPr>
-          <a:xfrm>
-            <a:off x="3747602" y="3350614"/>
-            <a:ext cx="1047750" cy="552450"/>
-          </a:xfrm>
-          <a:prstGeom prst="roundRect">
-            <a:avLst/>
-          </a:prstGeom>
-        </p:spPr>
-        <p:style>
-          <a:lnRef idx="2">
-            <a:schemeClr val="accent2">
-              <a:shade val="50000"/>
-            </a:schemeClr>
-          </a:lnRef>
-          <a:fillRef idx="1">
-            <a:schemeClr val="accent2"/>
-          </a:fillRef>
-          <a:effectRef idx="0">
-            <a:schemeClr val="accent2"/>
-          </a:effectRef>
-          <a:fontRef idx="minor">
-            <a:schemeClr val="lt1"/>
-          </a:fontRef>
-        </p:style>
-        <p:txBody>
-          <a:bodyPr rtlCol="0" anchor="ctr"/>
-          <a:lstStyle/>
-          <a:p>
-            <a:pPr algn="ctr"/>
-            <a:r>
-              <a:rPr lang="en-US" dirty="0"/>
-              <a:t>Pod A</a:t>
-            </a:r>
-          </a:p>
-        </p:txBody>
-      </p:sp>
-      <p:cxnSp>
-        <p:nvCxnSpPr>
-          <p:cNvPr id="19" name="Conector de Seta Reta 18">
-            <a:extLst>
-              <a:ext uri="{FF2B5EF4-FFF2-40B4-BE49-F238E27FC236}">
-                <a16:creationId xmlns:a16="http://schemas.microsoft.com/office/drawing/2014/main" id="{59E83CC3-3D2B-4516-9A0B-A346A2DD8DAE}"/>
-              </a:ext>
-            </a:extLst>
-          </p:cNvPr>
-          <p:cNvCxnSpPr>
-            <a:cxnSpLocks/>
-          </p:cNvCxnSpPr>
-          <p:nvPr/>
-        </p:nvCxnSpPr>
-        <p:spPr>
-          <a:xfrm>
-            <a:off x="4322277" y="2840464"/>
-            <a:ext cx="0" cy="449635"/>
-          </a:xfrm>
-          <a:prstGeom prst="straightConnector1">
-            <a:avLst/>
-          </a:prstGeom>
-          <a:ln w="9525" cap="flat" cmpd="sng" algn="ctr">
-            <a:solidFill>
-              <a:schemeClr val="dk1"/>
-            </a:solidFill>
-            <a:prstDash val="solid"/>
-            <a:round/>
-            <a:headEnd type="none" w="med" len="med"/>
-            <a:tailEnd type="arrow" w="med" len="med"/>
-          </a:ln>
-        </p:spPr>
-        <p:style>
-          <a:lnRef idx="0">
-            <a:scrgbClr r="0" g="0" b="0"/>
-          </a:lnRef>
-          <a:fillRef idx="0">
-            <a:scrgbClr r="0" g="0" b="0"/>
-          </a:fillRef>
-          <a:effectRef idx="0">
-            <a:scrgbClr r="0" g="0" b="0"/>
-          </a:effectRef>
-          <a:fontRef idx="minor">
-            <a:schemeClr val="tx1"/>
-          </a:fontRef>
-        </p:style>
-      </p:cxnSp>
     </p:spTree>
     <p:extLst>
       <p:ext uri="{BB962C8B-B14F-4D97-AF65-F5344CB8AC3E}">
-        <p14:creationId xmlns:p14="http://schemas.microsoft.com/office/powerpoint/2010/main" val="3224237091"/>
+        <p14:creationId xmlns:p14="http://schemas.microsoft.com/office/powerpoint/2010/main" val="2134801729"/>
       </p:ext>
     </p:extLst>
   </p:cSld>

--- a/docs/AnatomiaDeployK8S.pptx
+++ b/docs/AnatomiaDeployK8S.pptx
@@ -5,47 +5,51 @@
     <p:sldMasterId id="2147483658" r:id="rId1"/>
   </p:sldMasterIdLst>
   <p:notesMasterIdLst>
-    <p:notesMasterId r:id="rId18"/>
+    <p:notesMasterId r:id="rId22"/>
   </p:notesMasterIdLst>
   <p:sldIdLst>
     <p:sldId id="256" r:id="rId2"/>
     <p:sldId id="258" r:id="rId3"/>
     <p:sldId id="267" r:id="rId4"/>
-    <p:sldId id="280" r:id="rId5"/>
-    <p:sldId id="285" r:id="rId6"/>
+    <p:sldId id="285" r:id="rId5"/>
+    <p:sldId id="280" r:id="rId6"/>
     <p:sldId id="281" r:id="rId7"/>
     <p:sldId id="282" r:id="rId8"/>
-    <p:sldId id="283" r:id="rId9"/>
-    <p:sldId id="284" r:id="rId10"/>
-    <p:sldId id="277" r:id="rId11"/>
-    <p:sldId id="270" r:id="rId12"/>
-    <p:sldId id="271" r:id="rId13"/>
-    <p:sldId id="272" r:id="rId14"/>
-    <p:sldId id="274" r:id="rId15"/>
-    <p:sldId id="275" r:id="rId16"/>
-    <p:sldId id="276" r:id="rId17"/>
+    <p:sldId id="287" r:id="rId9"/>
+    <p:sldId id="270" r:id="rId10"/>
+    <p:sldId id="288" r:id="rId11"/>
+    <p:sldId id="272" r:id="rId12"/>
+    <p:sldId id="274" r:id="rId13"/>
+    <p:sldId id="275" r:id="rId14"/>
+    <p:sldId id="276" r:id="rId15"/>
+    <p:sldId id="290" r:id="rId16"/>
+    <p:sldId id="292" r:id="rId17"/>
+    <p:sldId id="293" r:id="rId18"/>
+    <p:sldId id="277" r:id="rId19"/>
+    <p:sldId id="294" r:id="rId20"/>
+    <p:sldId id="289" r:id="rId21"/>
   </p:sldIdLst>
   <p:sldSz cx="9144000" cy="5143500" type="screen16x9"/>
   <p:notesSz cx="6858000" cy="9144000"/>
   <p:embeddedFontLst>
     <p:embeddedFont>
       <p:font typeface="Calibri" panose="020F0502020204030204" pitchFamily="34" charset="0"/>
-      <p:regular r:id="rId19"/>
-      <p:bold r:id="rId20"/>
-      <p:italic r:id="rId21"/>
-      <p:boldItalic r:id="rId22"/>
+      <p:regular r:id="rId23"/>
+      <p:bold r:id="rId24"/>
+      <p:italic r:id="rId25"/>
+      <p:boldItalic r:id="rId26"/>
     </p:embeddedFont>
     <p:embeddedFont>
       <p:font typeface="Calibri Light" panose="020F0302020204030204" pitchFamily="34" charset="0"/>
-      <p:regular r:id="rId23"/>
-      <p:italic r:id="rId24"/>
+      <p:regular r:id="rId27"/>
+      <p:italic r:id="rId28"/>
     </p:embeddedFont>
     <p:embeddedFont>
       <p:font typeface="Roboto" panose="020B0604020202020204" charset="0"/>
-      <p:regular r:id="rId25"/>
-      <p:bold r:id="rId26"/>
-      <p:italic r:id="rId27"/>
-      <p:boldItalic r:id="rId28"/>
+      <p:regular r:id="rId29"/>
+      <p:bold r:id="rId30"/>
+      <p:italic r:id="rId31"/>
+      <p:boldItalic r:id="rId32"/>
     </p:embeddedFont>
   </p:embeddedFontLst>
   <p:defaultTextStyle>
@@ -149,6 +153,808 @@
     </p:ext>
   </p:extLst>
 </p:presentation>
+</file>
+
+<file path=ppt/changesInfos/changesInfo1.xml><?xml version="1.0" encoding="utf-8"?>
+<pc:chgInfo xmlns:a="http://schemas.openxmlformats.org/drawingml/2006/main" xmlns:r="http://schemas.openxmlformats.org/officeDocument/2006/relationships" xmlns:ac="http://schemas.microsoft.com/office/drawing/2013/main/command" xmlns:pc="http://schemas.microsoft.com/office/powerpoint/2013/main/command">
+  <pc:docChgLst>
+    <pc:chgData name="Fabricio Veronez" userId="8d2c06362c18afc1" providerId="LiveId" clId="{FBDB2507-1A47-4CBE-952B-E37F5020D2D5}"/>
+    <pc:docChg chg="undo custSel addSld delSld modSld sldOrd">
+      <pc:chgData name="Fabricio Veronez" userId="8d2c06362c18afc1" providerId="LiveId" clId="{FBDB2507-1A47-4CBE-952B-E37F5020D2D5}" dt="2019-11-07T19:28:36.623" v="316" actId="1076"/>
+      <pc:docMkLst>
+        <pc:docMk/>
+      </pc:docMkLst>
+      <pc:sldChg chg="addSp delSp modSp ord addAnim delAnim modAnim">
+        <pc:chgData name="Fabricio Veronez" userId="8d2c06362c18afc1" providerId="LiveId" clId="{FBDB2507-1A47-4CBE-952B-E37F5020D2D5}" dt="2019-11-07T18:44:40.302" v="94" actId="1076"/>
+        <pc:sldMkLst>
+          <pc:docMk/>
+          <pc:sldMk cId="1151938921" sldId="270"/>
+        </pc:sldMkLst>
+        <pc:spChg chg="del">
+          <ac:chgData name="Fabricio Veronez" userId="8d2c06362c18afc1" providerId="LiveId" clId="{FBDB2507-1A47-4CBE-952B-E37F5020D2D5}" dt="2019-11-07T18:41:40.399" v="58" actId="478"/>
+          <ac:spMkLst>
+            <pc:docMk/>
+            <pc:sldMk cId="1151938921" sldId="270"/>
+            <ac:spMk id="2" creationId="{9D09C318-E7CE-4FD0-BB5A-079C8AB4406D}"/>
+          </ac:spMkLst>
+        </pc:spChg>
+        <pc:spChg chg="del mod">
+          <ac:chgData name="Fabricio Veronez" userId="8d2c06362c18afc1" providerId="LiveId" clId="{FBDB2507-1A47-4CBE-952B-E37F5020D2D5}" dt="2019-11-07T18:41:38.522" v="57" actId="478"/>
+          <ac:spMkLst>
+            <pc:docMk/>
+            <pc:sldMk cId="1151938921" sldId="270"/>
+            <ac:spMk id="29" creationId="{28A7F451-0297-4939-9678-F3D26B722BFA}"/>
+          </ac:spMkLst>
+        </pc:spChg>
+        <pc:spChg chg="del">
+          <ac:chgData name="Fabricio Veronez" userId="8d2c06362c18afc1" providerId="LiveId" clId="{FBDB2507-1A47-4CBE-952B-E37F5020D2D5}" dt="2019-11-07T18:41:48.230" v="62" actId="478"/>
+          <ac:spMkLst>
+            <pc:docMk/>
+            <pc:sldMk cId="1151938921" sldId="270"/>
+            <ac:spMk id="31" creationId="{5DD5598F-1F89-4CF6-9EF3-C628D74AEFD5}"/>
+          </ac:spMkLst>
+        </pc:spChg>
+        <pc:spChg chg="add del">
+          <ac:chgData name="Fabricio Veronez" userId="8d2c06362c18afc1" providerId="LiveId" clId="{FBDB2507-1A47-4CBE-952B-E37F5020D2D5}" dt="2019-11-07T18:43:43.552" v="82" actId="478"/>
+          <ac:spMkLst>
+            <pc:docMk/>
+            <pc:sldMk cId="1151938921" sldId="270"/>
+            <ac:spMk id="32" creationId="{4AFCBC2F-2CF8-4F40-A530-69CD5BD903EE}"/>
+          </ac:spMkLst>
+        </pc:spChg>
+        <pc:spChg chg="add mod">
+          <ac:chgData name="Fabricio Veronez" userId="8d2c06362c18afc1" providerId="LiveId" clId="{FBDB2507-1A47-4CBE-952B-E37F5020D2D5}" dt="2019-11-07T18:44:40.302" v="94" actId="1076"/>
+          <ac:spMkLst>
+            <pc:docMk/>
+            <pc:sldMk cId="1151938921" sldId="270"/>
+            <ac:spMk id="52" creationId="{AD235B97-ED7F-433F-84F5-55EF8D2EFE0D}"/>
+          </ac:spMkLst>
+        </pc:spChg>
+        <pc:spChg chg="add mod">
+          <ac:chgData name="Fabricio Veronez" userId="8d2c06362c18afc1" providerId="LiveId" clId="{FBDB2507-1A47-4CBE-952B-E37F5020D2D5}" dt="2019-11-07T18:44:36.964" v="93" actId="1076"/>
+          <ac:spMkLst>
+            <pc:docMk/>
+            <pc:sldMk cId="1151938921" sldId="270"/>
+            <ac:spMk id="53" creationId="{5C0A7077-4C81-4AFF-A5F9-59B0F555FE0D}"/>
+          </ac:spMkLst>
+        </pc:spChg>
+        <pc:spChg chg="mod">
+          <ac:chgData name="Fabricio Veronez" userId="8d2c06362c18afc1" providerId="LiveId" clId="{FBDB2507-1A47-4CBE-952B-E37F5020D2D5}" dt="2019-11-07T18:43:23.224" v="81" actId="1076"/>
+          <ac:spMkLst>
+            <pc:docMk/>
+            <pc:sldMk cId="1151938921" sldId="270"/>
+            <ac:spMk id="54" creationId="{B27EC887-3A6C-4CFF-96C1-AF1778F2172F}"/>
+          </ac:spMkLst>
+        </pc:spChg>
+        <pc:grpChg chg="del">
+          <ac:chgData name="Fabricio Veronez" userId="8d2c06362c18afc1" providerId="LiveId" clId="{FBDB2507-1A47-4CBE-952B-E37F5020D2D5}" dt="2019-11-07T18:41:34.091" v="53" actId="478"/>
+          <ac:grpSpMkLst>
+            <pc:docMk/>
+            <pc:sldMk cId="1151938921" sldId="270"/>
+            <ac:grpSpMk id="35" creationId="{6230EA3A-3576-40BD-BD30-A2E6D5158B54}"/>
+          </ac:grpSpMkLst>
+        </pc:grpChg>
+        <pc:grpChg chg="add del">
+          <ac:chgData name="Fabricio Veronez" userId="8d2c06362c18afc1" providerId="LiveId" clId="{FBDB2507-1A47-4CBE-952B-E37F5020D2D5}" dt="2019-11-07T18:41:33.495" v="52" actId="478"/>
+          <ac:grpSpMkLst>
+            <pc:docMk/>
+            <pc:sldMk cId="1151938921" sldId="270"/>
+            <ac:grpSpMk id="36" creationId="{692F5462-A43A-4726-87DA-2E1568DC4E11}"/>
+          </ac:grpSpMkLst>
+        </pc:grpChg>
+        <pc:grpChg chg="add del mod">
+          <ac:chgData name="Fabricio Veronez" userId="8d2c06362c18afc1" providerId="LiveId" clId="{FBDB2507-1A47-4CBE-952B-E37F5020D2D5}" dt="2019-11-07T18:43:23.224" v="81" actId="1076"/>
+          <ac:grpSpMkLst>
+            <pc:docMk/>
+            <pc:sldMk cId="1151938921" sldId="270"/>
+            <ac:grpSpMk id="40" creationId="{C2FD8914-BBB1-4331-BBA1-144D45251013}"/>
+          </ac:grpSpMkLst>
+        </pc:grpChg>
+        <pc:grpChg chg="mod">
+          <ac:chgData name="Fabricio Veronez" userId="8d2c06362c18afc1" providerId="LiveId" clId="{FBDB2507-1A47-4CBE-952B-E37F5020D2D5}" dt="2019-11-07T18:43:23.224" v="81" actId="1076"/>
+          <ac:grpSpMkLst>
+            <pc:docMk/>
+            <pc:sldMk cId="1151938921" sldId="270"/>
+            <ac:grpSpMk id="41" creationId="{C25C5894-8C7A-4AF7-B9D5-DD51D8C3BAED}"/>
+          </ac:grpSpMkLst>
+        </pc:grpChg>
+        <pc:grpChg chg="del">
+          <ac:chgData name="Fabricio Veronez" userId="8d2c06362c18afc1" providerId="LiveId" clId="{FBDB2507-1A47-4CBE-952B-E37F5020D2D5}" dt="2019-11-07T18:41:43.190" v="59" actId="478"/>
+          <ac:grpSpMkLst>
+            <pc:docMk/>
+            <pc:sldMk cId="1151938921" sldId="270"/>
+            <ac:grpSpMk id="51" creationId="{68CD6BAD-AAC6-48B7-B7BA-886D3C3E0D84}"/>
+          </ac:grpSpMkLst>
+        </pc:grpChg>
+        <pc:cxnChg chg="add mod">
+          <ac:chgData name="Fabricio Veronez" userId="8d2c06362c18afc1" providerId="LiveId" clId="{FBDB2507-1A47-4CBE-952B-E37F5020D2D5}" dt="2019-11-07T18:43:23.224" v="81" actId="1076"/>
+          <ac:cxnSpMkLst>
+            <pc:docMk/>
+            <pc:sldMk cId="1151938921" sldId="270"/>
+            <ac:cxnSpMk id="39" creationId="{5548C575-A8B0-4DE8-A421-6DEFAC4B7F8A}"/>
+          </ac:cxnSpMkLst>
+        </pc:cxnChg>
+        <pc:cxnChg chg="del mod">
+          <ac:chgData name="Fabricio Veronez" userId="8d2c06362c18afc1" providerId="LiveId" clId="{FBDB2507-1A47-4CBE-952B-E37F5020D2D5}" dt="2019-11-07T18:42:19.250" v="70" actId="478"/>
+          <ac:cxnSpMkLst>
+            <pc:docMk/>
+            <pc:sldMk cId="1151938921" sldId="270"/>
+            <ac:cxnSpMk id="56" creationId="{12AA9CF2-43C5-4E22-9B7F-A94AD755FC95}"/>
+          </ac:cxnSpMkLst>
+        </pc:cxnChg>
+        <pc:cxnChg chg="del mod">
+          <ac:chgData name="Fabricio Veronez" userId="8d2c06362c18afc1" providerId="LiveId" clId="{FBDB2507-1A47-4CBE-952B-E37F5020D2D5}" dt="2019-11-07T18:41:44.826" v="60" actId="478"/>
+          <ac:cxnSpMkLst>
+            <pc:docMk/>
+            <pc:sldMk cId="1151938921" sldId="270"/>
+            <ac:cxnSpMk id="60" creationId="{7DE6259D-C1CD-49FD-8C8D-7EBE499B199D}"/>
+          </ac:cxnSpMkLst>
+        </pc:cxnChg>
+        <pc:cxnChg chg="mod">
+          <ac:chgData name="Fabricio Veronez" userId="8d2c06362c18afc1" providerId="LiveId" clId="{FBDB2507-1A47-4CBE-952B-E37F5020D2D5}" dt="2019-11-07T18:43:23.224" v="81" actId="1076"/>
+          <ac:cxnSpMkLst>
+            <pc:docMk/>
+            <pc:sldMk cId="1151938921" sldId="270"/>
+            <ac:cxnSpMk id="62" creationId="{242DBA31-0DBC-48C0-B783-0E7173C85F3E}"/>
+          </ac:cxnSpMkLst>
+        </pc:cxnChg>
+        <pc:cxnChg chg="del">
+          <ac:chgData name="Fabricio Veronez" userId="8d2c06362c18afc1" providerId="LiveId" clId="{FBDB2507-1A47-4CBE-952B-E37F5020D2D5}" dt="2019-11-07T18:41:35.670" v="54" actId="478"/>
+          <ac:cxnSpMkLst>
+            <pc:docMk/>
+            <pc:sldMk cId="1151938921" sldId="270"/>
+            <ac:cxnSpMk id="65" creationId="{AAB46164-4ED1-4C78-9944-17BD134F2CF8}"/>
+          </ac:cxnSpMkLst>
+        </pc:cxnChg>
+        <pc:cxnChg chg="del">
+          <ac:chgData name="Fabricio Veronez" userId="8d2c06362c18afc1" providerId="LiveId" clId="{FBDB2507-1A47-4CBE-952B-E37F5020D2D5}" dt="2019-11-07T18:41:36.567" v="55" actId="478"/>
+          <ac:cxnSpMkLst>
+            <pc:docMk/>
+            <pc:sldMk cId="1151938921" sldId="270"/>
+            <ac:cxnSpMk id="68" creationId="{6C3FC8AB-984A-4450-82B1-3426AAD8EE38}"/>
+          </ac:cxnSpMkLst>
+        </pc:cxnChg>
+      </pc:sldChg>
+      <pc:sldChg chg="del ord">
+        <pc:chgData name="Fabricio Veronez" userId="8d2c06362c18afc1" providerId="LiveId" clId="{FBDB2507-1A47-4CBE-952B-E37F5020D2D5}" dt="2019-11-07T18:42:52.409" v="77" actId="47"/>
+        <pc:sldMkLst>
+          <pc:docMk/>
+          <pc:sldMk cId="3869864589" sldId="271"/>
+        </pc:sldMkLst>
+      </pc:sldChg>
+      <pc:sldChg chg="ord">
+        <pc:chgData name="Fabricio Veronez" userId="8d2c06362c18afc1" providerId="LiveId" clId="{FBDB2507-1A47-4CBE-952B-E37F5020D2D5}" dt="2019-11-07T18:34:12.846" v="16"/>
+        <pc:sldMkLst>
+          <pc:docMk/>
+          <pc:sldMk cId="2442252048" sldId="272"/>
+        </pc:sldMkLst>
+      </pc:sldChg>
+      <pc:sldChg chg="ord">
+        <pc:chgData name="Fabricio Veronez" userId="8d2c06362c18afc1" providerId="LiveId" clId="{FBDB2507-1A47-4CBE-952B-E37F5020D2D5}" dt="2019-11-07T18:34:12.846" v="16"/>
+        <pc:sldMkLst>
+          <pc:docMk/>
+          <pc:sldMk cId="3957069949" sldId="274"/>
+        </pc:sldMkLst>
+      </pc:sldChg>
+      <pc:sldChg chg="ord">
+        <pc:chgData name="Fabricio Veronez" userId="8d2c06362c18afc1" providerId="LiveId" clId="{FBDB2507-1A47-4CBE-952B-E37F5020D2D5}" dt="2019-11-07T18:34:12.846" v="16"/>
+        <pc:sldMkLst>
+          <pc:docMk/>
+          <pc:sldMk cId="1452598189" sldId="275"/>
+        </pc:sldMkLst>
+      </pc:sldChg>
+      <pc:sldChg chg="ord">
+        <pc:chgData name="Fabricio Veronez" userId="8d2c06362c18afc1" providerId="LiveId" clId="{FBDB2507-1A47-4CBE-952B-E37F5020D2D5}" dt="2019-11-07T18:34:12.846" v="16"/>
+        <pc:sldMkLst>
+          <pc:docMk/>
+          <pc:sldMk cId="3814784570" sldId="276"/>
+        </pc:sldMkLst>
+      </pc:sldChg>
+      <pc:sldChg chg="modSp ord modAnim">
+        <pc:chgData name="Fabricio Veronez" userId="8d2c06362c18afc1" providerId="LiveId" clId="{FBDB2507-1A47-4CBE-952B-E37F5020D2D5}" dt="2019-11-07T19:22:20.296" v="308" actId="5793"/>
+        <pc:sldMkLst>
+          <pc:docMk/>
+          <pc:sldMk cId="3306351782" sldId="280"/>
+        </pc:sldMkLst>
+        <pc:spChg chg="mod">
+          <ac:chgData name="Fabricio Veronez" userId="8d2c06362c18afc1" providerId="LiveId" clId="{FBDB2507-1A47-4CBE-952B-E37F5020D2D5}" dt="2019-11-07T19:22:20.296" v="308" actId="5793"/>
+          <ac:spMkLst>
+            <pc:docMk/>
+            <pc:sldMk cId="3306351782" sldId="280"/>
+            <ac:spMk id="7" creationId="{38ED606A-B4FE-4F88-8085-9ACF12C78523}"/>
+          </ac:spMkLst>
+        </pc:spChg>
+      </pc:sldChg>
+      <pc:sldChg chg="addSp delSp modSp ord delAnim modAnim">
+        <pc:chgData name="Fabricio Veronez" userId="8d2c06362c18afc1" providerId="LiveId" clId="{FBDB2507-1A47-4CBE-952B-E37F5020D2D5}" dt="2019-11-07T18:37:44.026" v="35"/>
+        <pc:sldMkLst>
+          <pc:docMk/>
+          <pc:sldMk cId="3752626071" sldId="281"/>
+        </pc:sldMkLst>
+        <pc:spChg chg="mod topLvl">
+          <ac:chgData name="Fabricio Veronez" userId="8d2c06362c18afc1" providerId="LiveId" clId="{FBDB2507-1A47-4CBE-952B-E37F5020D2D5}" dt="2019-11-07T18:37:38.887" v="31" actId="164"/>
+          <ac:spMkLst>
+            <pc:docMk/>
+            <pc:sldMk cId="3752626071" sldId="281"/>
+            <ac:spMk id="14" creationId="{F0EF10EB-E889-4ABB-9BD0-468F5D87D14E}"/>
+          </ac:spMkLst>
+        </pc:spChg>
+        <pc:spChg chg="mod topLvl">
+          <ac:chgData name="Fabricio Veronez" userId="8d2c06362c18afc1" providerId="LiveId" clId="{FBDB2507-1A47-4CBE-952B-E37F5020D2D5}" dt="2019-11-07T18:37:38.887" v="31" actId="164"/>
+          <ac:spMkLst>
+            <pc:docMk/>
+            <pc:sldMk cId="3752626071" sldId="281"/>
+            <ac:spMk id="17" creationId="{B945AD69-87F6-467A-AC66-13798012D013}"/>
+          </ac:spMkLst>
+        </pc:spChg>
+        <pc:spChg chg="del mod">
+          <ac:chgData name="Fabricio Veronez" userId="8d2c06362c18afc1" providerId="LiveId" clId="{FBDB2507-1A47-4CBE-952B-E37F5020D2D5}" dt="2019-11-07T18:34:54.186" v="23" actId="478"/>
+          <ac:spMkLst>
+            <pc:docMk/>
+            <pc:sldMk cId="3752626071" sldId="281"/>
+            <ac:spMk id="52" creationId="{634B1958-7AC3-45E8-8021-B14E1D945803}"/>
+          </ac:spMkLst>
+        </pc:spChg>
+        <pc:spChg chg="del mod">
+          <ac:chgData name="Fabricio Veronez" userId="8d2c06362c18afc1" providerId="LiveId" clId="{FBDB2507-1A47-4CBE-952B-E37F5020D2D5}" dt="2019-11-07T18:34:55.692" v="25" actId="478"/>
+          <ac:spMkLst>
+            <pc:docMk/>
+            <pc:sldMk cId="3752626071" sldId="281"/>
+            <ac:spMk id="53" creationId="{230B481A-F315-4093-8DDB-96D2FC157775}"/>
+          </ac:spMkLst>
+        </pc:spChg>
+        <pc:grpChg chg="add mod">
+          <ac:chgData name="Fabricio Veronez" userId="8d2c06362c18afc1" providerId="LiveId" clId="{FBDB2507-1A47-4CBE-952B-E37F5020D2D5}" dt="2019-11-07T18:37:38.887" v="31" actId="164"/>
+          <ac:grpSpMkLst>
+            <pc:docMk/>
+            <pc:sldMk cId="3752626071" sldId="281"/>
+            <ac:grpSpMk id="4" creationId="{2B05F73B-F007-4348-AA82-F5656F38C9EC}"/>
+          </ac:grpSpMkLst>
+        </pc:grpChg>
+        <pc:grpChg chg="add del">
+          <ac:chgData name="Fabricio Veronez" userId="8d2c06362c18afc1" providerId="LiveId" clId="{FBDB2507-1A47-4CBE-952B-E37F5020D2D5}" dt="2019-11-07T18:37:33.099" v="30" actId="165"/>
+          <ac:grpSpMkLst>
+            <pc:docMk/>
+            <pc:sldMk cId="3752626071" sldId="281"/>
+            <ac:grpSpMk id="13" creationId="{6F6E5982-4E0C-4FB0-B1FF-E3AA7EE02C6F}"/>
+          </ac:grpSpMkLst>
+        </pc:grpChg>
+        <pc:grpChg chg="del">
+          <ac:chgData name="Fabricio Veronez" userId="8d2c06362c18afc1" providerId="LiveId" clId="{FBDB2507-1A47-4CBE-952B-E37F5020D2D5}" dt="2019-11-07T18:34:51.226" v="20" actId="478"/>
+          <ac:grpSpMkLst>
+            <pc:docMk/>
+            <pc:sldMk cId="3752626071" sldId="281"/>
+            <ac:grpSpMk id="16" creationId="{EFAD0D5E-5D1D-4203-A0BF-CF55ECB46941}"/>
+          </ac:grpSpMkLst>
+        </pc:grpChg>
+        <pc:grpChg chg="del">
+          <ac:chgData name="Fabricio Veronez" userId="8d2c06362c18afc1" providerId="LiveId" clId="{FBDB2507-1A47-4CBE-952B-E37F5020D2D5}" dt="2019-11-07T18:34:52.318" v="21" actId="478"/>
+          <ac:grpSpMkLst>
+            <pc:docMk/>
+            <pc:sldMk cId="3752626071" sldId="281"/>
+            <ac:grpSpMk id="34" creationId="{E78B627A-0476-4A04-844A-9424E82B7B33}"/>
+          </ac:grpSpMkLst>
+        </pc:grpChg>
+        <pc:picChg chg="mod topLvl">
+          <ac:chgData name="Fabricio Veronez" userId="8d2c06362c18afc1" providerId="LiveId" clId="{FBDB2507-1A47-4CBE-952B-E37F5020D2D5}" dt="2019-11-07T18:37:33.099" v="30" actId="165"/>
+          <ac:picMkLst>
+            <pc:docMk/>
+            <pc:sldMk cId="3752626071" sldId="281"/>
+            <ac:picMk id="18" creationId="{28085FF1-0053-47D1-8DD1-FFD8D650CBFC}"/>
+          </ac:picMkLst>
+        </pc:picChg>
+        <pc:picChg chg="mod topLvl">
+          <ac:chgData name="Fabricio Veronez" userId="8d2c06362c18afc1" providerId="LiveId" clId="{FBDB2507-1A47-4CBE-952B-E37F5020D2D5}" dt="2019-11-07T18:37:33.099" v="30" actId="165"/>
+          <ac:picMkLst>
+            <pc:docMk/>
+            <pc:sldMk cId="3752626071" sldId="281"/>
+            <ac:picMk id="19" creationId="{322E43D5-B469-40CC-8883-F405179C465D}"/>
+          </ac:picMkLst>
+        </pc:picChg>
+      </pc:sldChg>
+      <pc:sldChg chg="addSp delSp modSp ord">
+        <pc:chgData name="Fabricio Veronez" userId="8d2c06362c18afc1" providerId="LiveId" clId="{FBDB2507-1A47-4CBE-952B-E37F5020D2D5}" dt="2019-11-07T18:31:21.719" v="15" actId="1076"/>
+        <pc:sldMkLst>
+          <pc:docMk/>
+          <pc:sldMk cId="1047872885" sldId="282"/>
+        </pc:sldMkLst>
+        <pc:spChg chg="del">
+          <ac:chgData name="Fabricio Veronez" userId="8d2c06362c18afc1" providerId="LiveId" clId="{FBDB2507-1A47-4CBE-952B-E37F5020D2D5}" dt="2019-11-07T18:30:04.744" v="2" actId="478"/>
+          <ac:spMkLst>
+            <pc:docMk/>
+            <pc:sldMk cId="1047872885" sldId="282"/>
+            <ac:spMk id="3" creationId="{2FDCD985-A4BB-4D02-ADE7-D35328E88BD4}"/>
+          </ac:spMkLst>
+        </pc:spChg>
+        <pc:picChg chg="add del mod">
+          <ac:chgData name="Fabricio Veronez" userId="8d2c06362c18afc1" providerId="LiveId" clId="{FBDB2507-1A47-4CBE-952B-E37F5020D2D5}" dt="2019-11-07T18:30:43.204" v="13" actId="478"/>
+          <ac:picMkLst>
+            <pc:docMk/>
+            <pc:sldMk cId="1047872885" sldId="282"/>
+            <ac:picMk id="4" creationId="{D9AE2A92-F39D-4152-92BC-01D39A1E8453}"/>
+          </ac:picMkLst>
+        </pc:picChg>
+        <pc:picChg chg="add mod">
+          <ac:chgData name="Fabricio Veronez" userId="8d2c06362c18afc1" providerId="LiveId" clId="{FBDB2507-1A47-4CBE-952B-E37F5020D2D5}" dt="2019-11-07T18:31:21.719" v="15" actId="1076"/>
+          <ac:picMkLst>
+            <pc:docMk/>
+            <pc:sldMk cId="1047872885" sldId="282"/>
+            <ac:picMk id="6" creationId="{89986505-85DF-43ED-8345-E8BA980CFFC0}"/>
+          </ac:picMkLst>
+        </pc:picChg>
+      </pc:sldChg>
+      <pc:sldChg chg="del">
+        <pc:chgData name="Fabricio Veronez" userId="8d2c06362c18afc1" providerId="LiveId" clId="{FBDB2507-1A47-4CBE-952B-E37F5020D2D5}" dt="2019-11-07T18:47:50.651" v="131" actId="47"/>
+        <pc:sldMkLst>
+          <pc:docMk/>
+          <pc:sldMk cId="949526127" sldId="283"/>
+        </pc:sldMkLst>
+      </pc:sldChg>
+      <pc:sldChg chg="del">
+        <pc:chgData name="Fabricio Veronez" userId="8d2c06362c18afc1" providerId="LiveId" clId="{FBDB2507-1A47-4CBE-952B-E37F5020D2D5}" dt="2019-11-07T18:57:50.892" v="179" actId="47"/>
+        <pc:sldMkLst>
+          <pc:docMk/>
+          <pc:sldMk cId="2134801729" sldId="284"/>
+        </pc:sldMkLst>
+      </pc:sldChg>
+      <pc:sldChg chg="add del">
+        <pc:chgData name="Fabricio Veronez" userId="8d2c06362c18afc1" providerId="LiveId" clId="{FBDB2507-1A47-4CBE-952B-E37F5020D2D5}" dt="2019-11-07T18:47:50.651" v="131" actId="47"/>
+        <pc:sldMkLst>
+          <pc:docMk/>
+          <pc:sldMk cId="1569211624" sldId="286"/>
+        </pc:sldMkLst>
+      </pc:sldChg>
+      <pc:sldChg chg="delSp modSp add modAnim">
+        <pc:chgData name="Fabricio Veronez" userId="8d2c06362c18afc1" providerId="LiveId" clId="{FBDB2507-1A47-4CBE-952B-E37F5020D2D5}" dt="2019-11-07T18:40:20.729" v="43"/>
+        <pc:sldMkLst>
+          <pc:docMk/>
+          <pc:sldMk cId="3068846732" sldId="287"/>
+        </pc:sldMkLst>
+        <pc:spChg chg="mod topLvl">
+          <ac:chgData name="Fabricio Veronez" userId="8d2c06362c18afc1" providerId="LiveId" clId="{FBDB2507-1A47-4CBE-952B-E37F5020D2D5}" dt="2019-11-07T18:40:05.922" v="37" actId="165"/>
+          <ac:spMkLst>
+            <pc:docMk/>
+            <pc:sldMk cId="3068846732" sldId="287"/>
+            <ac:spMk id="2" creationId="{53AAB8EC-9A6F-46DE-87D0-E845C91E9260}"/>
+          </ac:spMkLst>
+        </pc:spChg>
+        <pc:spChg chg="mod topLvl">
+          <ac:chgData name="Fabricio Veronez" userId="8d2c06362c18afc1" providerId="LiveId" clId="{FBDB2507-1A47-4CBE-952B-E37F5020D2D5}" dt="2019-11-07T18:40:05.922" v="37" actId="165"/>
+          <ac:spMkLst>
+            <pc:docMk/>
+            <pc:sldMk cId="3068846732" sldId="287"/>
+            <ac:spMk id="8" creationId="{A4D74C3A-B000-4FA5-9729-18A23968E785}"/>
+          </ac:spMkLst>
+        </pc:spChg>
+        <pc:grpChg chg="del">
+          <ac:chgData name="Fabricio Veronez" userId="8d2c06362c18afc1" providerId="LiveId" clId="{FBDB2507-1A47-4CBE-952B-E37F5020D2D5}" dt="2019-11-07T18:40:05.922" v="37" actId="165"/>
+          <ac:grpSpMkLst>
+            <pc:docMk/>
+            <pc:sldMk cId="3068846732" sldId="287"/>
+            <ac:grpSpMk id="16" creationId="{EFAD0D5E-5D1D-4203-A0BF-CF55ECB46941}"/>
+          </ac:grpSpMkLst>
+        </pc:grpChg>
+        <pc:picChg chg="mod topLvl">
+          <ac:chgData name="Fabricio Veronez" userId="8d2c06362c18afc1" providerId="LiveId" clId="{FBDB2507-1A47-4CBE-952B-E37F5020D2D5}" dt="2019-11-07T18:40:05.922" v="37" actId="165"/>
+          <ac:picMkLst>
+            <pc:docMk/>
+            <pc:sldMk cId="3068846732" sldId="287"/>
+            <ac:picMk id="10" creationId="{75EF7900-2798-4245-8CE9-53E958D87996}"/>
+          </ac:picMkLst>
+        </pc:picChg>
+        <pc:picChg chg="mod topLvl">
+          <ac:chgData name="Fabricio Veronez" userId="8d2c06362c18afc1" providerId="LiveId" clId="{FBDB2507-1A47-4CBE-952B-E37F5020D2D5}" dt="2019-11-07T18:40:05.922" v="37" actId="165"/>
+          <ac:picMkLst>
+            <pc:docMk/>
+            <pc:sldMk cId="3068846732" sldId="287"/>
+            <ac:picMk id="15" creationId="{44B3B63A-65BB-4A4F-9214-4796324393E8}"/>
+          </ac:picMkLst>
+        </pc:picChg>
+      </pc:sldChg>
+      <pc:sldChg chg="add">
+        <pc:chgData name="Fabricio Veronez" userId="8d2c06362c18afc1" providerId="LiveId" clId="{FBDB2507-1A47-4CBE-952B-E37F5020D2D5}" dt="2019-11-07T18:40:37.865" v="44"/>
+        <pc:sldMkLst>
+          <pc:docMk/>
+          <pc:sldMk cId="363803896" sldId="288"/>
+        </pc:sldMkLst>
+      </pc:sldChg>
+      <pc:sldChg chg="addSp delSp modSp add delAnim modAnim">
+        <pc:chgData name="Fabricio Veronez" userId="8d2c06362c18afc1" providerId="LiveId" clId="{FBDB2507-1A47-4CBE-952B-E37F5020D2D5}" dt="2019-11-07T19:20:40.024" v="297" actId="1076"/>
+        <pc:sldMkLst>
+          <pc:docMk/>
+          <pc:sldMk cId="517413287" sldId="289"/>
+        </pc:sldMkLst>
+        <pc:spChg chg="del">
+          <ac:chgData name="Fabricio Veronez" userId="8d2c06362c18afc1" providerId="LiveId" clId="{FBDB2507-1A47-4CBE-952B-E37F5020D2D5}" dt="2019-11-07T19:00:30.406" v="181" actId="478"/>
+          <ac:spMkLst>
+            <pc:docMk/>
+            <pc:sldMk cId="517413287" sldId="289"/>
+            <ac:spMk id="2" creationId="{9D09C318-E7CE-4FD0-BB5A-079C8AB4406D}"/>
+          </ac:spMkLst>
+        </pc:spChg>
+        <pc:spChg chg="add mod">
+          <ac:chgData name="Fabricio Veronez" userId="8d2c06362c18afc1" providerId="LiveId" clId="{FBDB2507-1A47-4CBE-952B-E37F5020D2D5}" dt="2019-11-07T19:19:01.359" v="271" actId="1076"/>
+          <ac:spMkLst>
+            <pc:docMk/>
+            <pc:sldMk cId="517413287" sldId="289"/>
+            <ac:spMk id="11" creationId="{D56E3AAC-BD47-44ED-990D-7EA152427395}"/>
+          </ac:spMkLst>
+        </pc:spChg>
+        <pc:spChg chg="del">
+          <ac:chgData name="Fabricio Veronez" userId="8d2c06362c18afc1" providerId="LiveId" clId="{FBDB2507-1A47-4CBE-952B-E37F5020D2D5}" dt="2019-11-07T19:00:55.158" v="189" actId="478"/>
+          <ac:spMkLst>
+            <pc:docMk/>
+            <pc:sldMk cId="517413287" sldId="289"/>
+            <ac:spMk id="29" creationId="{28A7F451-0297-4939-9678-F3D26B722BFA}"/>
+          </ac:spMkLst>
+        </pc:spChg>
+        <pc:spChg chg="del">
+          <ac:chgData name="Fabricio Veronez" userId="8d2c06362c18afc1" providerId="LiveId" clId="{FBDB2507-1A47-4CBE-952B-E37F5020D2D5}" dt="2019-11-07T19:00:37.281" v="185" actId="478"/>
+          <ac:spMkLst>
+            <pc:docMk/>
+            <pc:sldMk cId="517413287" sldId="289"/>
+            <ac:spMk id="31" creationId="{5DD5598F-1F89-4CF6-9EF3-C628D74AEFD5}"/>
+          </ac:spMkLst>
+        </pc:spChg>
+        <pc:spChg chg="add mod">
+          <ac:chgData name="Fabricio Veronez" userId="8d2c06362c18afc1" providerId="LiveId" clId="{FBDB2507-1A47-4CBE-952B-E37F5020D2D5}" dt="2019-11-07T19:14:42.352" v="195" actId="164"/>
+          <ac:spMkLst>
+            <pc:docMk/>
+            <pc:sldMk cId="517413287" sldId="289"/>
+            <ac:spMk id="32" creationId="{1783BC3C-916F-49AD-8657-D067DFC091FC}"/>
+          </ac:spMkLst>
+        </pc:spChg>
+        <pc:spChg chg="add del mod">
+          <ac:chgData name="Fabricio Veronez" userId="8d2c06362c18afc1" providerId="LiveId" clId="{FBDB2507-1A47-4CBE-952B-E37F5020D2D5}" dt="2019-11-07T19:14:22.003" v="192" actId="478"/>
+          <ac:spMkLst>
+            <pc:docMk/>
+            <pc:sldMk cId="517413287" sldId="289"/>
+            <ac:spMk id="33" creationId="{069CF2EE-E82C-42A4-A39F-7B3344922CC4}"/>
+          </ac:spMkLst>
+        </pc:spChg>
+        <pc:spChg chg="add mod">
+          <ac:chgData name="Fabricio Veronez" userId="8d2c06362c18afc1" providerId="LiveId" clId="{FBDB2507-1A47-4CBE-952B-E37F5020D2D5}" dt="2019-11-07T19:15:44.766" v="209" actId="1076"/>
+          <ac:spMkLst>
+            <pc:docMk/>
+            <pc:sldMk cId="517413287" sldId="289"/>
+            <ac:spMk id="34" creationId="{14B6D910-C70C-47FC-88E4-A3ED21DFD7B5}"/>
+          </ac:spMkLst>
+        </pc:spChg>
+        <pc:spChg chg="add mod">
+          <ac:chgData name="Fabricio Veronez" userId="8d2c06362c18afc1" providerId="LiveId" clId="{FBDB2507-1A47-4CBE-952B-E37F5020D2D5}" dt="2019-11-07T19:17:09.075" v="232" actId="1076"/>
+          <ac:spMkLst>
+            <pc:docMk/>
+            <pc:sldMk cId="517413287" sldId="289"/>
+            <ac:spMk id="52" creationId="{E133C36D-DC7A-4408-9E3D-6632371436DF}"/>
+          </ac:spMkLst>
+        </pc:spChg>
+        <pc:spChg chg="add mod">
+          <ac:chgData name="Fabricio Veronez" userId="8d2c06362c18afc1" providerId="LiveId" clId="{FBDB2507-1A47-4CBE-952B-E37F5020D2D5}" dt="2019-11-07T19:19:05.292" v="273" actId="1076"/>
+          <ac:spMkLst>
+            <pc:docMk/>
+            <pc:sldMk cId="517413287" sldId="289"/>
+            <ac:spMk id="53" creationId="{BD501760-D90E-4A84-B1B7-74EEE977A633}"/>
+          </ac:spMkLst>
+        </pc:spChg>
+        <pc:spChg chg="mod">
+          <ac:chgData name="Fabricio Veronez" userId="8d2c06362c18afc1" providerId="LiveId" clId="{FBDB2507-1A47-4CBE-952B-E37F5020D2D5}" dt="2019-11-07T19:15:37.790" v="207" actId="1076"/>
+          <ac:spMkLst>
+            <pc:docMk/>
+            <pc:sldMk cId="517413287" sldId="289"/>
+            <ac:spMk id="54" creationId="{B27EC887-3A6C-4CFF-96C1-AF1778F2172F}"/>
+          </ac:spMkLst>
+        </pc:spChg>
+        <pc:spChg chg="add mod">
+          <ac:chgData name="Fabricio Veronez" userId="8d2c06362c18afc1" providerId="LiveId" clId="{FBDB2507-1A47-4CBE-952B-E37F5020D2D5}" dt="2019-11-07T19:19:11.935" v="275" actId="1076"/>
+          <ac:spMkLst>
+            <pc:docMk/>
+            <pc:sldMk cId="517413287" sldId="289"/>
+            <ac:spMk id="55" creationId="{EE713E55-DFCA-4C98-A9F0-26495C767BCC}"/>
+          </ac:spMkLst>
+        </pc:spChg>
+        <pc:spChg chg="add mod">
+          <ac:chgData name="Fabricio Veronez" userId="8d2c06362c18afc1" providerId="LiveId" clId="{FBDB2507-1A47-4CBE-952B-E37F5020D2D5}" dt="2019-11-07T19:20:04.520" v="287" actId="1076"/>
+          <ac:spMkLst>
+            <pc:docMk/>
+            <pc:sldMk cId="517413287" sldId="289"/>
+            <ac:spMk id="57" creationId="{5C1EF6B6-B23E-43B5-818F-8DAB9AC5AFC2}"/>
+          </ac:spMkLst>
+        </pc:spChg>
+        <pc:grpChg chg="add mod">
+          <ac:chgData name="Fabricio Veronez" userId="8d2c06362c18afc1" providerId="LiveId" clId="{FBDB2507-1A47-4CBE-952B-E37F5020D2D5}" dt="2019-11-07T19:15:37.790" v="207" actId="1076"/>
+          <ac:grpSpMkLst>
+            <pc:docMk/>
+            <pc:sldMk cId="517413287" sldId="289"/>
+            <ac:grpSpMk id="3" creationId="{439A4986-045D-40F2-81DF-ED10F3785E20}"/>
+          </ac:grpSpMkLst>
+        </pc:grpChg>
+        <pc:grpChg chg="mod">
+          <ac:chgData name="Fabricio Veronez" userId="8d2c06362c18afc1" providerId="LiveId" clId="{FBDB2507-1A47-4CBE-952B-E37F5020D2D5}" dt="2019-11-07T19:16:27.200" v="222" actId="1076"/>
+          <ac:grpSpMkLst>
+            <pc:docMk/>
+            <pc:sldMk cId="517413287" sldId="289"/>
+            <ac:grpSpMk id="35" creationId="{6230EA3A-3576-40BD-BD30-A2E6D5158B54}"/>
+          </ac:grpSpMkLst>
+        </pc:grpChg>
+        <pc:grpChg chg="mod">
+          <ac:chgData name="Fabricio Veronez" userId="8d2c06362c18afc1" providerId="LiveId" clId="{FBDB2507-1A47-4CBE-952B-E37F5020D2D5}" dt="2019-11-07T19:16:27.200" v="222" actId="1076"/>
+          <ac:grpSpMkLst>
+            <pc:docMk/>
+            <pc:sldMk cId="517413287" sldId="289"/>
+            <ac:grpSpMk id="36" creationId="{692F5462-A43A-4726-87DA-2E1568DC4E11}"/>
+          </ac:grpSpMkLst>
+        </pc:grpChg>
+        <pc:grpChg chg="mod">
+          <ac:chgData name="Fabricio Veronez" userId="8d2c06362c18afc1" providerId="LiveId" clId="{FBDB2507-1A47-4CBE-952B-E37F5020D2D5}" dt="2019-11-07T19:16:27.200" v="222" actId="1076"/>
+          <ac:grpSpMkLst>
+            <pc:docMk/>
+            <pc:sldMk cId="517413287" sldId="289"/>
+            <ac:grpSpMk id="40" creationId="{C2FD8914-BBB1-4331-BBA1-144D45251013}"/>
+          </ac:grpSpMkLst>
+        </pc:grpChg>
+        <pc:grpChg chg="del">
+          <ac:chgData name="Fabricio Veronez" userId="8d2c06362c18afc1" providerId="LiveId" clId="{FBDB2507-1A47-4CBE-952B-E37F5020D2D5}" dt="2019-11-07T19:14:22.799" v="193" actId="478"/>
+          <ac:grpSpMkLst>
+            <pc:docMk/>
+            <pc:sldMk cId="517413287" sldId="289"/>
+            <ac:grpSpMk id="41" creationId="{C25C5894-8C7A-4AF7-B9D5-DD51D8C3BAED}"/>
+          </ac:grpSpMkLst>
+        </pc:grpChg>
+        <pc:grpChg chg="mod">
+          <ac:chgData name="Fabricio Veronez" userId="8d2c06362c18afc1" providerId="LiveId" clId="{FBDB2507-1A47-4CBE-952B-E37F5020D2D5}" dt="2019-11-07T19:14:42.352" v="195" actId="164"/>
+          <ac:grpSpMkLst>
+            <pc:docMk/>
+            <pc:sldMk cId="517413287" sldId="289"/>
+            <ac:grpSpMk id="51" creationId="{68CD6BAD-AAC6-48B7-B7BA-886D3C3E0D84}"/>
+          </ac:grpSpMkLst>
+        </pc:grpChg>
+        <pc:cxnChg chg="del">
+          <ac:chgData name="Fabricio Veronez" userId="8d2c06362c18afc1" providerId="LiveId" clId="{FBDB2507-1A47-4CBE-952B-E37F5020D2D5}" dt="2019-11-07T19:14:25.101" v="194" actId="478"/>
+          <ac:cxnSpMkLst>
+            <pc:docMk/>
+            <pc:sldMk cId="517413287" sldId="289"/>
+            <ac:cxnSpMk id="56" creationId="{12AA9CF2-43C5-4E22-9B7F-A94AD755FC95}"/>
+          </ac:cxnSpMkLst>
+        </pc:cxnChg>
+        <pc:cxnChg chg="add mod">
+          <ac:chgData name="Fabricio Veronez" userId="8d2c06362c18afc1" providerId="LiveId" clId="{FBDB2507-1A47-4CBE-952B-E37F5020D2D5}" dt="2019-11-07T19:20:16.902" v="290" actId="14100"/>
+          <ac:cxnSpMkLst>
+            <pc:docMk/>
+            <pc:sldMk cId="517413287" sldId="289"/>
+            <ac:cxnSpMk id="58" creationId="{B2AB9544-8045-4D8E-BDC6-345713279C4D}"/>
+          </ac:cxnSpMkLst>
+        </pc:cxnChg>
+        <pc:cxnChg chg="add mod">
+          <ac:chgData name="Fabricio Veronez" userId="8d2c06362c18afc1" providerId="LiveId" clId="{FBDB2507-1A47-4CBE-952B-E37F5020D2D5}" dt="2019-11-07T19:20:24.145" v="293" actId="14100"/>
+          <ac:cxnSpMkLst>
+            <pc:docMk/>
+            <pc:sldMk cId="517413287" sldId="289"/>
+            <ac:cxnSpMk id="59" creationId="{A3083723-41A6-46C3-B708-5E4781993916}"/>
+          </ac:cxnSpMkLst>
+        </pc:cxnChg>
+        <pc:cxnChg chg="mod">
+          <ac:chgData name="Fabricio Veronez" userId="8d2c06362c18afc1" providerId="LiveId" clId="{FBDB2507-1A47-4CBE-952B-E37F5020D2D5}" dt="2019-11-07T19:20:40.024" v="297" actId="1076"/>
+          <ac:cxnSpMkLst>
+            <pc:docMk/>
+            <pc:sldMk cId="517413287" sldId="289"/>
+            <ac:cxnSpMk id="60" creationId="{7DE6259D-C1CD-49FD-8C8D-7EBE499B199D}"/>
+          </ac:cxnSpMkLst>
+        </pc:cxnChg>
+        <pc:cxnChg chg="add mod">
+          <ac:chgData name="Fabricio Veronez" userId="8d2c06362c18afc1" providerId="LiveId" clId="{FBDB2507-1A47-4CBE-952B-E37F5020D2D5}" dt="2019-11-07T19:20:30.972" v="296" actId="14100"/>
+          <ac:cxnSpMkLst>
+            <pc:docMk/>
+            <pc:sldMk cId="517413287" sldId="289"/>
+            <ac:cxnSpMk id="61" creationId="{B4A68159-B77B-4B88-ACCC-EFC463B677E9}"/>
+          </ac:cxnSpMkLst>
+        </pc:cxnChg>
+        <pc:cxnChg chg="mod">
+          <ac:chgData name="Fabricio Veronez" userId="8d2c06362c18afc1" providerId="LiveId" clId="{FBDB2507-1A47-4CBE-952B-E37F5020D2D5}" dt="2019-11-07T19:16:46.988" v="230" actId="14100"/>
+          <ac:cxnSpMkLst>
+            <pc:docMk/>
+            <pc:sldMk cId="517413287" sldId="289"/>
+            <ac:cxnSpMk id="62" creationId="{242DBA31-0DBC-48C0-B783-0E7173C85F3E}"/>
+          </ac:cxnSpMkLst>
+        </pc:cxnChg>
+        <pc:cxnChg chg="mod">
+          <ac:chgData name="Fabricio Veronez" userId="8d2c06362c18afc1" providerId="LiveId" clId="{FBDB2507-1A47-4CBE-952B-E37F5020D2D5}" dt="2019-11-07T19:16:34.010" v="225" actId="14100"/>
+          <ac:cxnSpMkLst>
+            <pc:docMk/>
+            <pc:sldMk cId="517413287" sldId="289"/>
+            <ac:cxnSpMk id="65" creationId="{AAB46164-4ED1-4C78-9944-17BD134F2CF8}"/>
+          </ac:cxnSpMkLst>
+        </pc:cxnChg>
+        <pc:cxnChg chg="mod">
+          <ac:chgData name="Fabricio Veronez" userId="8d2c06362c18afc1" providerId="LiveId" clId="{FBDB2507-1A47-4CBE-952B-E37F5020D2D5}" dt="2019-11-07T19:16:41.260" v="228" actId="14100"/>
+          <ac:cxnSpMkLst>
+            <pc:docMk/>
+            <pc:sldMk cId="517413287" sldId="289"/>
+            <ac:cxnSpMk id="68" creationId="{6C3FC8AB-984A-4450-82B1-3426AAD8EE38}"/>
+          </ac:cxnSpMkLst>
+        </pc:cxnChg>
+      </pc:sldChg>
+      <pc:sldChg chg="addSp modSp add ord modAnim">
+        <pc:chgData name="Fabricio Veronez" userId="8d2c06362c18afc1" providerId="LiveId" clId="{FBDB2507-1A47-4CBE-952B-E37F5020D2D5}" dt="2019-11-07T18:48:26.665" v="155" actId="122"/>
+        <pc:sldMkLst>
+          <pc:docMk/>
+          <pc:sldMk cId="336372892" sldId="290"/>
+        </pc:sldMkLst>
+        <pc:spChg chg="add mod">
+          <ac:chgData name="Fabricio Veronez" userId="8d2c06362c18afc1" providerId="LiveId" clId="{FBDB2507-1A47-4CBE-952B-E37F5020D2D5}" dt="2019-11-07T18:46:44.071" v="115" actId="1076"/>
+          <ac:spMkLst>
+            <pc:docMk/>
+            <pc:sldMk cId="336372892" sldId="290"/>
+            <ac:spMk id="2" creationId="{E9FE93EA-1F42-4A35-A299-3A860CFE411D}"/>
+          </ac:spMkLst>
+        </pc:spChg>
+        <pc:spChg chg="add mod">
+          <ac:chgData name="Fabricio Veronez" userId="8d2c06362c18afc1" providerId="LiveId" clId="{FBDB2507-1A47-4CBE-952B-E37F5020D2D5}" dt="2019-11-07T18:46:57.213" v="125" actId="20577"/>
+          <ac:spMkLst>
+            <pc:docMk/>
+            <pc:sldMk cId="336372892" sldId="290"/>
+            <ac:spMk id="16" creationId="{A6086D2A-5289-4F5A-9438-E594C67998AF}"/>
+          </ac:spMkLst>
+        </pc:spChg>
+        <pc:spChg chg="add mod">
+          <ac:chgData name="Fabricio Veronez" userId="8d2c06362c18afc1" providerId="LiveId" clId="{FBDB2507-1A47-4CBE-952B-E37F5020D2D5}" dt="2019-11-07T18:48:26.665" v="155" actId="122"/>
+          <ac:spMkLst>
+            <pc:docMk/>
+            <pc:sldMk cId="336372892" sldId="290"/>
+            <ac:spMk id="17" creationId="{3C0764C7-8E27-4EC1-88D5-A3C1135090EA}"/>
+          </ac:spMkLst>
+        </pc:spChg>
+      </pc:sldChg>
+      <pc:sldChg chg="add del">
+        <pc:chgData name="Fabricio Veronez" userId="8d2c06362c18afc1" providerId="LiveId" clId="{FBDB2507-1A47-4CBE-952B-E37F5020D2D5}" dt="2019-11-07T18:57:53.823" v="180" actId="47"/>
+        <pc:sldMkLst>
+          <pc:docMk/>
+          <pc:sldMk cId="1701769038" sldId="291"/>
+        </pc:sldMkLst>
+      </pc:sldChg>
+      <pc:sldChg chg="addSp delSp modSp add delAnim">
+        <pc:chgData name="Fabricio Veronez" userId="8d2c06362c18afc1" providerId="LiveId" clId="{FBDB2507-1A47-4CBE-952B-E37F5020D2D5}" dt="2019-11-07T18:52:40.682" v="172" actId="1036"/>
+        <pc:sldMkLst>
+          <pc:docMk/>
+          <pc:sldMk cId="1709504155" sldId="292"/>
+        </pc:sldMkLst>
+        <pc:spChg chg="del">
+          <ac:chgData name="Fabricio Veronez" userId="8d2c06362c18afc1" providerId="LiveId" clId="{FBDB2507-1A47-4CBE-952B-E37F5020D2D5}" dt="2019-11-07T18:52:04.605" v="158" actId="478"/>
+          <ac:spMkLst>
+            <pc:docMk/>
+            <pc:sldMk cId="1709504155" sldId="292"/>
+            <ac:spMk id="2" creationId="{E9FE93EA-1F42-4A35-A299-3A860CFE411D}"/>
+          </ac:spMkLst>
+        </pc:spChg>
+        <pc:spChg chg="del">
+          <ac:chgData name="Fabricio Veronez" userId="8d2c06362c18afc1" providerId="LiveId" clId="{FBDB2507-1A47-4CBE-952B-E37F5020D2D5}" dt="2019-11-07T18:52:04.605" v="158" actId="478"/>
+          <ac:spMkLst>
+            <pc:docMk/>
+            <pc:sldMk cId="1709504155" sldId="292"/>
+            <ac:spMk id="16" creationId="{A6086D2A-5289-4F5A-9438-E594C67998AF}"/>
+          </ac:spMkLst>
+        </pc:spChg>
+        <pc:spChg chg="del">
+          <ac:chgData name="Fabricio Veronez" userId="8d2c06362c18afc1" providerId="LiveId" clId="{FBDB2507-1A47-4CBE-952B-E37F5020D2D5}" dt="2019-11-07T18:52:04.605" v="158" actId="478"/>
+          <ac:spMkLst>
+            <pc:docMk/>
+            <pc:sldMk cId="1709504155" sldId="292"/>
+            <ac:spMk id="17" creationId="{3C0764C7-8E27-4EC1-88D5-A3C1135090EA}"/>
+          </ac:spMkLst>
+        </pc:spChg>
+        <pc:spChg chg="del">
+          <ac:chgData name="Fabricio Veronez" userId="8d2c06362c18afc1" providerId="LiveId" clId="{FBDB2507-1A47-4CBE-952B-E37F5020D2D5}" dt="2019-11-07T18:52:04.605" v="158" actId="478"/>
+          <ac:spMkLst>
+            <pc:docMk/>
+            <pc:sldMk cId="1709504155" sldId="292"/>
+            <ac:spMk id="52" creationId="{AD235B97-ED7F-433F-84F5-55EF8D2EFE0D}"/>
+          </ac:spMkLst>
+        </pc:spChg>
+        <pc:spChg chg="del">
+          <ac:chgData name="Fabricio Veronez" userId="8d2c06362c18afc1" providerId="LiveId" clId="{FBDB2507-1A47-4CBE-952B-E37F5020D2D5}" dt="2019-11-07T18:52:04.605" v="158" actId="478"/>
+          <ac:spMkLst>
+            <pc:docMk/>
+            <pc:sldMk cId="1709504155" sldId="292"/>
+            <ac:spMk id="53" creationId="{5C0A7077-4C81-4AFF-A5F9-59B0F555FE0D}"/>
+          </ac:spMkLst>
+        </pc:spChg>
+        <pc:spChg chg="del">
+          <ac:chgData name="Fabricio Veronez" userId="8d2c06362c18afc1" providerId="LiveId" clId="{FBDB2507-1A47-4CBE-952B-E37F5020D2D5}" dt="2019-11-07T18:52:04.605" v="158" actId="478"/>
+          <ac:spMkLst>
+            <pc:docMk/>
+            <pc:sldMk cId="1709504155" sldId="292"/>
+            <ac:spMk id="54" creationId="{B27EC887-3A6C-4CFF-96C1-AF1778F2172F}"/>
+          </ac:spMkLst>
+        </pc:spChg>
+        <pc:grpChg chg="del">
+          <ac:chgData name="Fabricio Veronez" userId="8d2c06362c18afc1" providerId="LiveId" clId="{FBDB2507-1A47-4CBE-952B-E37F5020D2D5}" dt="2019-11-07T18:52:04.605" v="158" actId="478"/>
+          <ac:grpSpMkLst>
+            <pc:docMk/>
+            <pc:sldMk cId="1709504155" sldId="292"/>
+            <ac:grpSpMk id="40" creationId="{C2FD8914-BBB1-4331-BBA1-144D45251013}"/>
+          </ac:grpSpMkLst>
+        </pc:grpChg>
+        <pc:grpChg chg="del">
+          <ac:chgData name="Fabricio Veronez" userId="8d2c06362c18afc1" providerId="LiveId" clId="{FBDB2507-1A47-4CBE-952B-E37F5020D2D5}" dt="2019-11-07T18:52:04.605" v="158" actId="478"/>
+          <ac:grpSpMkLst>
+            <pc:docMk/>
+            <pc:sldMk cId="1709504155" sldId="292"/>
+            <ac:grpSpMk id="41" creationId="{C25C5894-8C7A-4AF7-B9D5-DD51D8C3BAED}"/>
+          </ac:grpSpMkLst>
+        </pc:grpChg>
+        <pc:picChg chg="add mod">
+          <ac:chgData name="Fabricio Veronez" userId="8d2c06362c18afc1" providerId="LiveId" clId="{FBDB2507-1A47-4CBE-952B-E37F5020D2D5}" dt="2019-11-07T18:52:40.682" v="172" actId="1036"/>
+          <ac:picMkLst>
+            <pc:docMk/>
+            <pc:sldMk cId="1709504155" sldId="292"/>
+            <ac:picMk id="4" creationId="{05E2AE95-662D-4385-A14F-DB0AB75E1B6B}"/>
+          </ac:picMkLst>
+        </pc:picChg>
+        <pc:cxnChg chg="del">
+          <ac:chgData name="Fabricio Veronez" userId="8d2c06362c18afc1" providerId="LiveId" clId="{FBDB2507-1A47-4CBE-952B-E37F5020D2D5}" dt="2019-11-07T18:52:04.605" v="158" actId="478"/>
+          <ac:cxnSpMkLst>
+            <pc:docMk/>
+            <pc:sldMk cId="1709504155" sldId="292"/>
+            <ac:cxnSpMk id="39" creationId="{5548C575-A8B0-4DE8-A421-6DEFAC4B7F8A}"/>
+          </ac:cxnSpMkLst>
+        </pc:cxnChg>
+        <pc:cxnChg chg="del">
+          <ac:chgData name="Fabricio Veronez" userId="8d2c06362c18afc1" providerId="LiveId" clId="{FBDB2507-1A47-4CBE-952B-E37F5020D2D5}" dt="2019-11-07T18:52:04.605" v="158" actId="478"/>
+          <ac:cxnSpMkLst>
+            <pc:docMk/>
+            <pc:sldMk cId="1709504155" sldId="292"/>
+            <ac:cxnSpMk id="62" creationId="{242DBA31-0DBC-48C0-B783-0E7173C85F3E}"/>
+          </ac:cxnSpMkLst>
+        </pc:cxnChg>
+      </pc:sldChg>
+      <pc:sldChg chg="addSp delSp modSp add">
+        <pc:chgData name="Fabricio Veronez" userId="8d2c06362c18afc1" providerId="LiveId" clId="{FBDB2507-1A47-4CBE-952B-E37F5020D2D5}" dt="2019-11-07T18:53:46.485" v="178" actId="1076"/>
+        <pc:sldMkLst>
+          <pc:docMk/>
+          <pc:sldMk cId="4037637969" sldId="293"/>
+        </pc:sldMkLst>
+        <pc:picChg chg="add mod">
+          <ac:chgData name="Fabricio Veronez" userId="8d2c06362c18afc1" providerId="LiveId" clId="{FBDB2507-1A47-4CBE-952B-E37F5020D2D5}" dt="2019-11-07T18:53:46.485" v="178" actId="1076"/>
+          <ac:picMkLst>
+            <pc:docMk/>
+            <pc:sldMk cId="4037637969" sldId="293"/>
+            <ac:picMk id="3" creationId="{2B6714D9-C72E-4147-9796-EE40778D7145}"/>
+          </ac:picMkLst>
+        </pc:picChg>
+        <pc:picChg chg="del">
+          <ac:chgData name="Fabricio Veronez" userId="8d2c06362c18afc1" providerId="LiveId" clId="{FBDB2507-1A47-4CBE-952B-E37F5020D2D5}" dt="2019-11-07T18:52:51.920" v="174" actId="478"/>
+          <ac:picMkLst>
+            <pc:docMk/>
+            <pc:sldMk cId="4037637969" sldId="293"/>
+            <ac:picMk id="4" creationId="{05E2AE95-662D-4385-A14F-DB0AB75E1B6B}"/>
+          </ac:picMkLst>
+        </pc:picChg>
+      </pc:sldChg>
+      <pc:sldChg chg="addSp delSp modSp add ord">
+        <pc:chgData name="Fabricio Veronez" userId="8d2c06362c18afc1" providerId="LiveId" clId="{FBDB2507-1A47-4CBE-952B-E37F5020D2D5}" dt="2019-11-07T19:28:36.623" v="316" actId="1076"/>
+        <pc:sldMkLst>
+          <pc:docMk/>
+          <pc:sldMk cId="2390508339" sldId="294"/>
+        </pc:sldMkLst>
+        <pc:picChg chg="del">
+          <ac:chgData name="Fabricio Veronez" userId="8d2c06362c18afc1" providerId="LiveId" clId="{FBDB2507-1A47-4CBE-952B-E37F5020D2D5}" dt="2019-11-07T19:22:45.364" v="311" actId="478"/>
+          <ac:picMkLst>
+            <pc:docMk/>
+            <pc:sldMk cId="2390508339" sldId="294"/>
+            <ac:picMk id="3" creationId="{2B6714D9-C72E-4147-9796-EE40778D7145}"/>
+          </ac:picMkLst>
+        </pc:picChg>
+        <pc:picChg chg="add mod">
+          <ac:chgData name="Fabricio Veronez" userId="8d2c06362c18afc1" providerId="LiveId" clId="{FBDB2507-1A47-4CBE-952B-E37F5020D2D5}" dt="2019-11-07T19:28:36.623" v="316" actId="1076"/>
+          <ac:picMkLst>
+            <pc:docMk/>
+            <pc:sldMk cId="2390508339" sldId="294"/>
+            <ac:picMk id="4" creationId="{713E9F9C-7749-44B0-BB15-39B724DC0628}"/>
+          </ac:picMkLst>
+        </pc:picChg>
+      </pc:sldChg>
+    </pc:docChg>
+  </pc:docChgLst>
+</pc:chgInfo>
 </file>
 
 <file path=ppt/notesMasters/notesMaster1.xml><?xml version="1.0" encoding="utf-8"?>
@@ -5077,7 +5883,7 @@
                 <a16:creationId xmlns:a16="http://schemas.microsoft.com/office/drawing/2014/main" id="{C4AAA502-5435-489E-9538-3A40E6C71461}"/>
               </a:ext>
               <a:ext uri="{C183D7F6-B498-43B3-948B-1728B52AA6E4}">
-                <adec:decorative xmlns:adec="http://schemas.microsoft.com/office/drawing/2017/decorative" xmlns="" val="1"/>
+                <adec:decorative xmlns:adec="http://schemas.microsoft.com/office/drawing/2017/decorative" val="1"/>
               </a:ext>
             </a:extLst>
           </p:cNvPr>
@@ -5226,7 +6032,7 @@
                 <a16:creationId xmlns:a16="http://schemas.microsoft.com/office/drawing/2014/main" id="{C9AC0290-4702-4519-B0F4-C2A46880997B}"/>
               </a:ext>
               <a:ext uri="{C183D7F6-B498-43B3-948B-1728B52AA6E4}">
-                <adec:decorative xmlns:adec="http://schemas.microsoft.com/office/drawing/2017/decorative" xmlns="" val="1"/>
+                <adec:decorative xmlns:adec="http://schemas.microsoft.com/office/drawing/2017/decorative" val="1"/>
               </a:ext>
             </a:extLst>
           </p:cNvPr>
@@ -5280,7 +6086,7 @@
                 <a16:creationId xmlns:a16="http://schemas.microsoft.com/office/drawing/2014/main" id="{DE42378B-2E28-4810-8421-7A473A40E376}"/>
               </a:ext>
               <a:ext uri="{C183D7F6-B498-43B3-948B-1728B52AA6E4}">
-                <adec:decorative xmlns:adec="http://schemas.microsoft.com/office/drawing/2017/decorative" xmlns="" val="1"/>
+                <adec:decorative xmlns:adec="http://schemas.microsoft.com/office/drawing/2017/decorative" val="1"/>
               </a:ext>
             </a:extLst>
           </p:cNvPr>
@@ -5335,7 +6141,7 @@
                 <a16:creationId xmlns:a16="http://schemas.microsoft.com/office/drawing/2014/main" id="{0D91DD17-237F-4811-BC0E-128EB1BD7CFE}"/>
               </a:ext>
               <a:ext uri="{C183D7F6-B498-43B3-948B-1728B52AA6E4}">
-                <adec:decorative xmlns:adec="http://schemas.microsoft.com/office/drawing/2017/decorative" xmlns="" val="1"/>
+                <adec:decorative xmlns:adec="http://schemas.microsoft.com/office/drawing/2017/decorative" val="1"/>
               </a:ext>
             </a:extLst>
           </p:cNvPr>
@@ -5391,2043 +6197,6 @@
 </file>
 
 <file path=ppt/slides/slide10.xml><?xml version="1.0" encoding="utf-8"?>
-<p:sld xmlns:a="http://schemas.openxmlformats.org/drawingml/2006/main" xmlns:r="http://schemas.openxmlformats.org/officeDocument/2006/relationships" xmlns:p="http://schemas.openxmlformats.org/presentationml/2006/main">
-  <p:cSld>
-    <p:spTree>
-      <p:nvGrpSpPr>
-        <p:cNvPr id="1" name=""/>
-        <p:cNvGrpSpPr/>
-        <p:nvPr/>
-      </p:nvGrpSpPr>
-      <p:grpSpPr>
-        <a:xfrm>
-          <a:off x="0" y="0"/>
-          <a:ext cx="0" cy="0"/>
-          <a:chOff x="0" y="0"/>
-          <a:chExt cx="0" cy="0"/>
-        </a:xfrm>
-      </p:grpSpPr>
-      <p:sp>
-        <p:nvSpPr>
-          <p:cNvPr id="3" name="CaixaDeTexto 2">
-            <a:extLst>
-              <a:ext uri="{FF2B5EF4-FFF2-40B4-BE49-F238E27FC236}">
-                <a16:creationId xmlns:a16="http://schemas.microsoft.com/office/drawing/2014/main" id="{5E9EEC9D-1C6A-47CB-9521-6F601475FFAF}"/>
-              </a:ext>
-            </a:extLst>
-          </p:cNvPr>
-          <p:cNvSpPr txBox="1"/>
-          <p:nvPr/>
-        </p:nvSpPr>
-        <p:spPr>
-          <a:xfrm>
-            <a:off x="2868648" y="140167"/>
-            <a:ext cx="3000886" cy="769441"/>
-          </a:xfrm>
-          <a:prstGeom prst="rect">
-            <a:avLst/>
-          </a:prstGeom>
-          <a:noFill/>
-        </p:spPr>
-        <p:txBody>
-          <a:bodyPr wrap="none" rtlCol="0">
-            <a:spAutoFit/>
-          </a:bodyPr>
-          <a:lstStyle/>
-          <a:p>
-            <a:r>
-              <a:rPr lang="en-US" sz="4400" dirty="0"/>
-              <a:t>Deployment</a:t>
-            </a:r>
-          </a:p>
-        </p:txBody>
-      </p:sp>
-      <p:sp>
-        <p:nvSpPr>
-          <p:cNvPr id="5" name="CaixaDeTexto 4">
-            <a:extLst>
-              <a:ext uri="{FF2B5EF4-FFF2-40B4-BE49-F238E27FC236}">
-                <a16:creationId xmlns:a16="http://schemas.microsoft.com/office/drawing/2014/main" id="{FA4ECEF8-C35D-45EB-B5B2-CFFB73338780}"/>
-              </a:ext>
-            </a:extLst>
-          </p:cNvPr>
-          <p:cNvSpPr txBox="1"/>
-          <p:nvPr/>
-        </p:nvSpPr>
-        <p:spPr>
-          <a:xfrm>
-            <a:off x="2357828" y="1910135"/>
-            <a:ext cx="1964449" cy="369332"/>
-          </a:xfrm>
-          <a:prstGeom prst="rect">
-            <a:avLst/>
-          </a:prstGeom>
-          <a:noFill/>
-        </p:spPr>
-        <p:txBody>
-          <a:bodyPr wrap="none" rtlCol="0">
-            <a:spAutoFit/>
-          </a:bodyPr>
-          <a:lstStyle/>
-          <a:p>
-            <a:r>
-              <a:rPr lang="en-US" dirty="0">
-                <a:solidFill>
-                  <a:schemeClr val="bg1"/>
-                </a:solidFill>
-              </a:rPr>
-              <a:t>Cluster Kubernetes</a:t>
-            </a:r>
-          </a:p>
-        </p:txBody>
-      </p:sp>
-      <p:sp>
-        <p:nvSpPr>
-          <p:cNvPr id="9" name="Retângulo: Cantos Arredondados 8">
-            <a:extLst>
-              <a:ext uri="{FF2B5EF4-FFF2-40B4-BE49-F238E27FC236}">
-                <a16:creationId xmlns:a16="http://schemas.microsoft.com/office/drawing/2014/main" id="{7EC44340-DECD-41FF-9EF3-7C1691BD0CEA}"/>
-              </a:ext>
-            </a:extLst>
-          </p:cNvPr>
-          <p:cNvSpPr/>
-          <p:nvPr/>
-        </p:nvSpPr>
-        <p:spPr>
-          <a:xfrm>
-            <a:off x="3544411" y="2387084"/>
-            <a:ext cx="1555731" cy="369332"/>
-          </a:xfrm>
-          <a:prstGeom prst="roundRect">
-            <a:avLst/>
-          </a:prstGeom>
-        </p:spPr>
-        <p:style>
-          <a:lnRef idx="2">
-            <a:schemeClr val="accent2">
-              <a:shade val="50000"/>
-            </a:schemeClr>
-          </a:lnRef>
-          <a:fillRef idx="1">
-            <a:schemeClr val="accent2"/>
-          </a:fillRef>
-          <a:effectRef idx="0">
-            <a:schemeClr val="accent2"/>
-          </a:effectRef>
-          <a:fontRef idx="minor">
-            <a:schemeClr val="lt1"/>
-          </a:fontRef>
-        </p:style>
-        <p:txBody>
-          <a:bodyPr rtlCol="0" anchor="ctr"/>
-          <a:lstStyle/>
-          <a:p>
-            <a:pPr algn="ctr"/>
-            <a:r>
-              <a:rPr lang="en-US" dirty="0" err="1"/>
-              <a:t>ReplicaSet</a:t>
-            </a:r>
-            <a:r>
-              <a:rPr lang="en-US" dirty="0"/>
-              <a:t> A</a:t>
-            </a:r>
-          </a:p>
-        </p:txBody>
-      </p:sp>
-      <p:sp>
-        <p:nvSpPr>
-          <p:cNvPr id="13" name="Retângulo: Cantos Arredondados 12">
-            <a:extLst>
-              <a:ext uri="{FF2B5EF4-FFF2-40B4-BE49-F238E27FC236}">
-                <a16:creationId xmlns:a16="http://schemas.microsoft.com/office/drawing/2014/main" id="{1AFBAC96-C91E-425F-8761-9252E223FE0D}"/>
-              </a:ext>
-            </a:extLst>
-          </p:cNvPr>
-          <p:cNvSpPr/>
-          <p:nvPr/>
-        </p:nvSpPr>
-        <p:spPr>
-          <a:xfrm>
-            <a:off x="3919052" y="3479835"/>
-            <a:ext cx="1047750" cy="552450"/>
-          </a:xfrm>
-          <a:prstGeom prst="roundRect">
-            <a:avLst/>
-          </a:prstGeom>
-        </p:spPr>
-        <p:style>
-          <a:lnRef idx="2">
-            <a:schemeClr val="accent2">
-              <a:shade val="50000"/>
-            </a:schemeClr>
-          </a:lnRef>
-          <a:fillRef idx="1">
-            <a:schemeClr val="accent2"/>
-          </a:fillRef>
-          <a:effectRef idx="0">
-            <a:schemeClr val="accent2"/>
-          </a:effectRef>
-          <a:fontRef idx="minor">
-            <a:schemeClr val="lt1"/>
-          </a:fontRef>
-        </p:style>
-        <p:txBody>
-          <a:bodyPr rtlCol="0" anchor="ctr"/>
-          <a:lstStyle/>
-          <a:p>
-            <a:pPr algn="ctr"/>
-            <a:r>
-              <a:rPr lang="en-US" dirty="0"/>
-              <a:t>Pod A</a:t>
-            </a:r>
-          </a:p>
-        </p:txBody>
-      </p:sp>
-      <p:sp>
-        <p:nvSpPr>
-          <p:cNvPr id="14" name="Retângulo: Cantos Arredondados 13">
-            <a:extLst>
-              <a:ext uri="{FF2B5EF4-FFF2-40B4-BE49-F238E27FC236}">
-                <a16:creationId xmlns:a16="http://schemas.microsoft.com/office/drawing/2014/main" id="{74BA78B8-F259-43F7-9AA7-A78D6745A50D}"/>
-              </a:ext>
-            </a:extLst>
-          </p:cNvPr>
-          <p:cNvSpPr/>
-          <p:nvPr/>
-        </p:nvSpPr>
-        <p:spPr>
-          <a:xfrm>
-            <a:off x="3833327" y="3418604"/>
-            <a:ext cx="1047750" cy="552450"/>
-          </a:xfrm>
-          <a:prstGeom prst="roundRect">
-            <a:avLst/>
-          </a:prstGeom>
-        </p:spPr>
-        <p:style>
-          <a:lnRef idx="2">
-            <a:schemeClr val="accent2">
-              <a:shade val="50000"/>
-            </a:schemeClr>
-          </a:lnRef>
-          <a:fillRef idx="1">
-            <a:schemeClr val="accent2"/>
-          </a:fillRef>
-          <a:effectRef idx="0">
-            <a:schemeClr val="accent2"/>
-          </a:effectRef>
-          <a:fontRef idx="minor">
-            <a:schemeClr val="lt1"/>
-          </a:fontRef>
-        </p:style>
-        <p:txBody>
-          <a:bodyPr rtlCol="0" anchor="ctr"/>
-          <a:lstStyle/>
-          <a:p>
-            <a:pPr algn="ctr"/>
-            <a:r>
-              <a:rPr lang="en-US" dirty="0"/>
-              <a:t>Pod A</a:t>
-            </a:r>
-          </a:p>
-        </p:txBody>
-      </p:sp>
-      <p:cxnSp>
-        <p:nvCxnSpPr>
-          <p:cNvPr id="15" name="Conector de Seta Reta 14">
-            <a:extLst>
-              <a:ext uri="{FF2B5EF4-FFF2-40B4-BE49-F238E27FC236}">
-                <a16:creationId xmlns:a16="http://schemas.microsoft.com/office/drawing/2014/main" id="{7DF40A8D-93C3-458F-B2EA-EDABBBB13E23}"/>
-              </a:ext>
-            </a:extLst>
-          </p:cNvPr>
-          <p:cNvCxnSpPr>
-            <a:cxnSpLocks/>
-          </p:cNvCxnSpPr>
-          <p:nvPr/>
-        </p:nvCxnSpPr>
-        <p:spPr>
-          <a:xfrm>
-            <a:off x="4322277" y="1862084"/>
-            <a:ext cx="0" cy="449635"/>
-          </a:xfrm>
-          <a:prstGeom prst="straightConnector1">
-            <a:avLst/>
-          </a:prstGeom>
-          <a:ln w="9525" cap="flat" cmpd="sng" algn="ctr">
-            <a:solidFill>
-              <a:schemeClr val="dk1"/>
-            </a:solidFill>
-            <a:prstDash val="solid"/>
-            <a:round/>
-            <a:headEnd type="none" w="med" len="med"/>
-            <a:tailEnd type="arrow" w="med" len="med"/>
-          </a:ln>
-        </p:spPr>
-        <p:style>
-          <a:lnRef idx="0">
-            <a:scrgbClr r="0" g="0" b="0"/>
-          </a:lnRef>
-          <a:fillRef idx="0">
-            <a:scrgbClr r="0" g="0" b="0"/>
-          </a:fillRef>
-          <a:effectRef idx="0">
-            <a:scrgbClr r="0" g="0" b="0"/>
-          </a:effectRef>
-          <a:fontRef idx="minor">
-            <a:schemeClr val="tx1"/>
-          </a:fontRef>
-        </p:style>
-      </p:cxnSp>
-      <p:sp>
-        <p:nvSpPr>
-          <p:cNvPr id="12" name="Retângulo: Cantos Arredondados 11">
-            <a:extLst>
-              <a:ext uri="{FF2B5EF4-FFF2-40B4-BE49-F238E27FC236}">
-                <a16:creationId xmlns:a16="http://schemas.microsoft.com/office/drawing/2014/main" id="{D813360A-ECC8-4755-B5C4-10F048D9B2B5}"/>
-              </a:ext>
-            </a:extLst>
-          </p:cNvPr>
-          <p:cNvSpPr/>
-          <p:nvPr/>
-        </p:nvSpPr>
-        <p:spPr>
-          <a:xfrm>
-            <a:off x="3570902" y="1415488"/>
-            <a:ext cx="1555750" cy="377398"/>
-          </a:xfrm>
-          <a:prstGeom prst="roundRect">
-            <a:avLst/>
-          </a:prstGeom>
-        </p:spPr>
-        <p:style>
-          <a:lnRef idx="2">
-            <a:schemeClr val="accent2">
-              <a:shade val="50000"/>
-            </a:schemeClr>
-          </a:lnRef>
-          <a:fillRef idx="1">
-            <a:schemeClr val="accent2"/>
-          </a:fillRef>
-          <a:effectRef idx="0">
-            <a:schemeClr val="accent2"/>
-          </a:effectRef>
-          <a:fontRef idx="minor">
-            <a:schemeClr val="lt1"/>
-          </a:fontRef>
-        </p:style>
-        <p:txBody>
-          <a:bodyPr rtlCol="0" anchor="ctr"/>
-          <a:lstStyle/>
-          <a:p>
-            <a:pPr algn="ctr"/>
-            <a:r>
-              <a:rPr lang="en-US" dirty="0"/>
-              <a:t>Deployment</a:t>
-            </a:r>
-          </a:p>
-        </p:txBody>
-      </p:sp>
-      <p:sp>
-        <p:nvSpPr>
-          <p:cNvPr id="17" name="Retângulo: Cantos Arredondados 16">
-            <a:extLst>
-              <a:ext uri="{FF2B5EF4-FFF2-40B4-BE49-F238E27FC236}">
-                <a16:creationId xmlns:a16="http://schemas.microsoft.com/office/drawing/2014/main" id="{518FCB6F-1F58-41D9-89B5-3EDE445B5E5C}"/>
-              </a:ext>
-            </a:extLst>
-          </p:cNvPr>
-          <p:cNvSpPr/>
-          <p:nvPr/>
-        </p:nvSpPr>
-        <p:spPr>
-          <a:xfrm>
-            <a:off x="3747602" y="3350614"/>
-            <a:ext cx="1047750" cy="552450"/>
-          </a:xfrm>
-          <a:prstGeom prst="roundRect">
-            <a:avLst/>
-          </a:prstGeom>
-        </p:spPr>
-        <p:style>
-          <a:lnRef idx="2">
-            <a:schemeClr val="accent2">
-              <a:shade val="50000"/>
-            </a:schemeClr>
-          </a:lnRef>
-          <a:fillRef idx="1">
-            <a:schemeClr val="accent2"/>
-          </a:fillRef>
-          <a:effectRef idx="0">
-            <a:schemeClr val="accent2"/>
-          </a:effectRef>
-          <a:fontRef idx="minor">
-            <a:schemeClr val="lt1"/>
-          </a:fontRef>
-        </p:style>
-        <p:txBody>
-          <a:bodyPr rtlCol="0" anchor="ctr"/>
-          <a:lstStyle/>
-          <a:p>
-            <a:pPr algn="ctr"/>
-            <a:r>
-              <a:rPr lang="en-US" dirty="0"/>
-              <a:t>Pod A</a:t>
-            </a:r>
-          </a:p>
-        </p:txBody>
-      </p:sp>
-      <p:cxnSp>
-        <p:nvCxnSpPr>
-          <p:cNvPr id="19" name="Conector de Seta Reta 18">
-            <a:extLst>
-              <a:ext uri="{FF2B5EF4-FFF2-40B4-BE49-F238E27FC236}">
-                <a16:creationId xmlns:a16="http://schemas.microsoft.com/office/drawing/2014/main" id="{59E83CC3-3D2B-4516-9A0B-A346A2DD8DAE}"/>
-              </a:ext>
-            </a:extLst>
-          </p:cNvPr>
-          <p:cNvCxnSpPr>
-            <a:cxnSpLocks/>
-          </p:cNvCxnSpPr>
-          <p:nvPr/>
-        </p:nvCxnSpPr>
-        <p:spPr>
-          <a:xfrm>
-            <a:off x="4322277" y="2840464"/>
-            <a:ext cx="0" cy="449635"/>
-          </a:xfrm>
-          <a:prstGeom prst="straightConnector1">
-            <a:avLst/>
-          </a:prstGeom>
-          <a:ln w="9525" cap="flat" cmpd="sng" algn="ctr">
-            <a:solidFill>
-              <a:schemeClr val="dk1"/>
-            </a:solidFill>
-            <a:prstDash val="solid"/>
-            <a:round/>
-            <a:headEnd type="none" w="med" len="med"/>
-            <a:tailEnd type="arrow" w="med" len="med"/>
-          </a:ln>
-        </p:spPr>
-        <p:style>
-          <a:lnRef idx="0">
-            <a:scrgbClr r="0" g="0" b="0"/>
-          </a:lnRef>
-          <a:fillRef idx="0">
-            <a:scrgbClr r="0" g="0" b="0"/>
-          </a:fillRef>
-          <a:effectRef idx="0">
-            <a:scrgbClr r="0" g="0" b="0"/>
-          </a:effectRef>
-          <a:fontRef idx="minor">
-            <a:schemeClr val="tx1"/>
-          </a:fontRef>
-        </p:style>
-      </p:cxnSp>
-    </p:spTree>
-    <p:extLst>
-      <p:ext uri="{BB962C8B-B14F-4D97-AF65-F5344CB8AC3E}">
-        <p14:creationId xmlns:p14="http://schemas.microsoft.com/office/powerpoint/2010/main" val="3224237091"/>
-      </p:ext>
-    </p:extLst>
-  </p:cSld>
-  <p:clrMapOvr>
-    <a:masterClrMapping/>
-  </p:clrMapOvr>
-</p:sld>
-</file>
-
-<file path=ppt/slides/slide11.xml><?xml version="1.0" encoding="utf-8"?>
-<p:sld xmlns:a="http://schemas.openxmlformats.org/drawingml/2006/main" xmlns:r="http://schemas.openxmlformats.org/officeDocument/2006/relationships" xmlns:p="http://schemas.openxmlformats.org/presentationml/2006/main">
-  <p:cSld>
-    <p:spTree>
-      <p:nvGrpSpPr>
-        <p:cNvPr id="1" name=""/>
-        <p:cNvGrpSpPr/>
-        <p:nvPr/>
-      </p:nvGrpSpPr>
-      <p:grpSpPr>
-        <a:xfrm>
-          <a:off x="0" y="0"/>
-          <a:ext cx="0" cy="0"/>
-          <a:chOff x="0" y="0"/>
-          <a:chExt cx="0" cy="0"/>
-        </a:xfrm>
-      </p:grpSpPr>
-      <p:grpSp>
-        <p:nvGrpSpPr>
-          <p:cNvPr id="40" name="Agrupar 39">
-            <a:extLst>
-              <a:ext uri="{FF2B5EF4-FFF2-40B4-BE49-F238E27FC236}">
-                <a16:creationId xmlns:a16="http://schemas.microsoft.com/office/drawing/2014/main" id="{C2FD8914-BBB1-4331-BBA1-144D45251013}"/>
-              </a:ext>
-            </a:extLst>
-          </p:cNvPr>
-          <p:cNvGrpSpPr/>
-          <p:nvPr/>
-        </p:nvGrpSpPr>
-        <p:grpSpPr>
-          <a:xfrm>
-            <a:off x="1601093" y="867283"/>
-            <a:ext cx="1176925" cy="976494"/>
-            <a:chOff x="1933387" y="1225727"/>
-            <a:chExt cx="1176925" cy="976494"/>
-          </a:xfrm>
-        </p:grpSpPr>
-        <p:sp>
-          <p:nvSpPr>
-            <p:cNvPr id="13" name="Retângulo: Cantos Arredondados 12">
-              <a:extLst>
-                <a:ext uri="{FF2B5EF4-FFF2-40B4-BE49-F238E27FC236}">
-                  <a16:creationId xmlns:a16="http://schemas.microsoft.com/office/drawing/2014/main" id="{BAE37BBB-F557-4594-9905-D55F1D2C8E21}"/>
-                </a:ext>
-              </a:extLst>
-            </p:cNvPr>
-            <p:cNvSpPr/>
-            <p:nvPr/>
-          </p:nvSpPr>
-          <p:spPr>
-            <a:xfrm>
-              <a:off x="2199981" y="1595059"/>
-              <a:ext cx="643738" cy="607162"/>
-            </a:xfrm>
-            <a:prstGeom prst="roundRect">
-              <a:avLst/>
-            </a:prstGeom>
-          </p:spPr>
-          <p:style>
-            <a:lnRef idx="2">
-              <a:schemeClr val="accent1">
-                <a:shade val="50000"/>
-              </a:schemeClr>
-            </a:lnRef>
-            <a:fillRef idx="1">
-              <a:schemeClr val="accent1"/>
-            </a:fillRef>
-            <a:effectRef idx="0">
-              <a:schemeClr val="accent1"/>
-            </a:effectRef>
-            <a:fontRef idx="minor">
-              <a:schemeClr val="lt1"/>
-            </a:fontRef>
-          </p:style>
-          <p:txBody>
-            <a:bodyPr rtlCol="0" anchor="ctr"/>
-            <a:lstStyle/>
-            <a:p>
-              <a:pPr algn="ctr"/>
-              <a:endParaRPr lang="en-US"/>
-            </a:p>
-          </p:txBody>
-        </p:sp>
-        <p:sp>
-          <p:nvSpPr>
-            <p:cNvPr id="14" name="CaixaDeTexto 13">
-              <a:extLst>
-                <a:ext uri="{FF2B5EF4-FFF2-40B4-BE49-F238E27FC236}">
-                  <a16:creationId xmlns:a16="http://schemas.microsoft.com/office/drawing/2014/main" id="{69813EEF-5686-4A83-A5D7-341B2EFDED3B}"/>
-                </a:ext>
-              </a:extLst>
-            </p:cNvPr>
-            <p:cNvSpPr txBox="1"/>
-            <p:nvPr/>
-          </p:nvSpPr>
-          <p:spPr>
-            <a:xfrm>
-              <a:off x="1933387" y="1225727"/>
-              <a:ext cx="1176925" cy="369332"/>
-            </a:xfrm>
-            <a:prstGeom prst="rect">
-              <a:avLst/>
-            </a:prstGeom>
-            <a:noFill/>
-          </p:spPr>
-          <p:txBody>
-            <a:bodyPr wrap="none" rtlCol="0">
-              <a:spAutoFit/>
-            </a:bodyPr>
-            <a:lstStyle/>
-            <a:p>
-              <a:r>
-                <a:rPr lang="en-US" dirty="0"/>
-                <a:t>10.10.10.3</a:t>
-              </a:r>
-            </a:p>
-          </p:txBody>
-        </p:sp>
-        <p:pic>
-          <p:nvPicPr>
-            <p:cNvPr id="18" name="Imagem 17">
-              <a:extLst>
-                <a:ext uri="{FF2B5EF4-FFF2-40B4-BE49-F238E27FC236}">
-                  <a16:creationId xmlns:a16="http://schemas.microsoft.com/office/drawing/2014/main" id="{BD1015D3-DCE6-4CFE-930D-6FEB6F8E3719}"/>
-                </a:ext>
-              </a:extLst>
-            </p:cNvPr>
-            <p:cNvPicPr>
-              <a:picLocks noChangeAspect="1"/>
-            </p:cNvPicPr>
-            <p:nvPr/>
-          </p:nvPicPr>
-          <p:blipFill>
-            <a:blip r:embed="rId2"/>
-            <a:stretch>
-              <a:fillRect/>
-            </a:stretch>
-          </p:blipFill>
-          <p:spPr>
-            <a:xfrm>
-              <a:off x="2298553" y="1682841"/>
-              <a:ext cx="426016" cy="454283"/>
-            </a:xfrm>
-            <a:prstGeom prst="rect">
-              <a:avLst/>
-            </a:prstGeom>
-          </p:spPr>
-        </p:pic>
-      </p:grpSp>
-      <p:grpSp>
-        <p:nvGrpSpPr>
-          <p:cNvPr id="41" name="Agrupar 40">
-            <a:extLst>
-              <a:ext uri="{FF2B5EF4-FFF2-40B4-BE49-F238E27FC236}">
-                <a16:creationId xmlns:a16="http://schemas.microsoft.com/office/drawing/2014/main" id="{C25C5894-8C7A-4AF7-B9D5-DD51D8C3BAED}"/>
-              </a:ext>
-            </a:extLst>
-          </p:cNvPr>
-          <p:cNvGrpSpPr/>
-          <p:nvPr/>
-        </p:nvGrpSpPr>
-        <p:grpSpPr>
-          <a:xfrm>
-            <a:off x="2253410" y="3421306"/>
-            <a:ext cx="1176925" cy="976494"/>
-            <a:chOff x="3398390" y="2716809"/>
-            <a:chExt cx="1176925" cy="976494"/>
-          </a:xfrm>
-        </p:grpSpPr>
-        <p:sp>
-          <p:nvSpPr>
-            <p:cNvPr id="37" name="Retângulo: Cantos Arredondados 36">
-              <a:extLst>
-                <a:ext uri="{FF2B5EF4-FFF2-40B4-BE49-F238E27FC236}">
-                  <a16:creationId xmlns:a16="http://schemas.microsoft.com/office/drawing/2014/main" id="{7227D09E-CF8D-4887-A09B-AF90093722D1}"/>
-                </a:ext>
-              </a:extLst>
-            </p:cNvPr>
-            <p:cNvSpPr/>
-            <p:nvPr/>
-          </p:nvSpPr>
-          <p:spPr>
-            <a:xfrm>
-              <a:off x="3664984" y="3086141"/>
-              <a:ext cx="643738" cy="607162"/>
-            </a:xfrm>
-            <a:prstGeom prst="roundRect">
-              <a:avLst/>
-            </a:prstGeom>
-          </p:spPr>
-          <p:style>
-            <a:lnRef idx="2">
-              <a:schemeClr val="accent1">
-                <a:shade val="50000"/>
-              </a:schemeClr>
-            </a:lnRef>
-            <a:fillRef idx="1">
-              <a:schemeClr val="accent1"/>
-            </a:fillRef>
-            <a:effectRef idx="0">
-              <a:schemeClr val="accent1"/>
-            </a:effectRef>
-            <a:fontRef idx="minor">
-              <a:schemeClr val="lt1"/>
-            </a:fontRef>
-          </p:style>
-          <p:txBody>
-            <a:bodyPr rtlCol="0" anchor="ctr"/>
-            <a:lstStyle/>
-            <a:p>
-              <a:pPr algn="ctr"/>
-              <a:endParaRPr lang="en-US"/>
-            </a:p>
-          </p:txBody>
-        </p:sp>
-        <p:sp>
-          <p:nvSpPr>
-            <p:cNvPr id="38" name="CaixaDeTexto 37">
-              <a:extLst>
-                <a:ext uri="{FF2B5EF4-FFF2-40B4-BE49-F238E27FC236}">
-                  <a16:creationId xmlns:a16="http://schemas.microsoft.com/office/drawing/2014/main" id="{15156345-78A9-4AF9-8167-DA2CED769F33}"/>
-                </a:ext>
-              </a:extLst>
-            </p:cNvPr>
-            <p:cNvSpPr txBox="1"/>
-            <p:nvPr/>
-          </p:nvSpPr>
-          <p:spPr>
-            <a:xfrm>
-              <a:off x="3398390" y="2716809"/>
-              <a:ext cx="1176925" cy="369332"/>
-            </a:xfrm>
-            <a:prstGeom prst="rect">
-              <a:avLst/>
-            </a:prstGeom>
-            <a:noFill/>
-          </p:spPr>
-          <p:txBody>
-            <a:bodyPr wrap="none" rtlCol="0">
-              <a:spAutoFit/>
-            </a:bodyPr>
-            <a:lstStyle/>
-            <a:p>
-              <a:r>
-                <a:rPr lang="en-US" dirty="0"/>
-                <a:t>10.10.10.6</a:t>
-              </a:r>
-            </a:p>
-          </p:txBody>
-        </p:sp>
-        <p:pic>
-          <p:nvPicPr>
-            <p:cNvPr id="30" name="Imagem 29">
-              <a:extLst>
-                <a:ext uri="{FF2B5EF4-FFF2-40B4-BE49-F238E27FC236}">
-                  <a16:creationId xmlns:a16="http://schemas.microsoft.com/office/drawing/2014/main" id="{7227F401-5B27-46B5-95DC-135256522077}"/>
-                </a:ext>
-              </a:extLst>
-            </p:cNvPr>
-            <p:cNvPicPr>
-              <a:picLocks noChangeAspect="1"/>
-            </p:cNvPicPr>
-            <p:nvPr/>
-          </p:nvPicPr>
-          <p:blipFill>
-            <a:blip r:embed="rId3"/>
-            <a:stretch>
-              <a:fillRect/>
-            </a:stretch>
-          </p:blipFill>
-          <p:spPr>
-            <a:xfrm flipH="1">
-              <a:off x="3768686" y="3154225"/>
-              <a:ext cx="436332" cy="470994"/>
-            </a:xfrm>
-            <a:prstGeom prst="rect">
-              <a:avLst/>
-            </a:prstGeom>
-          </p:spPr>
-        </p:pic>
-      </p:grpSp>
-      <p:grpSp>
-        <p:nvGrpSpPr>
-          <p:cNvPr id="36" name="Agrupar 35">
-            <a:extLst>
-              <a:ext uri="{FF2B5EF4-FFF2-40B4-BE49-F238E27FC236}">
-                <a16:creationId xmlns:a16="http://schemas.microsoft.com/office/drawing/2014/main" id="{692F5462-A43A-4726-87DA-2E1568DC4E11}"/>
-              </a:ext>
-            </a:extLst>
-          </p:cNvPr>
-          <p:cNvGrpSpPr/>
-          <p:nvPr/>
-        </p:nvGrpSpPr>
-        <p:grpSpPr>
-          <a:xfrm>
-            <a:off x="3602899" y="867283"/>
-            <a:ext cx="1176925" cy="976494"/>
-            <a:chOff x="3517540" y="1225727"/>
-            <a:chExt cx="1176925" cy="976494"/>
-          </a:xfrm>
-        </p:grpSpPr>
-        <p:sp>
-          <p:nvSpPr>
-            <p:cNvPr id="42" name="Retângulo: Cantos Arredondados 41">
-              <a:extLst>
-                <a:ext uri="{FF2B5EF4-FFF2-40B4-BE49-F238E27FC236}">
-                  <a16:creationId xmlns:a16="http://schemas.microsoft.com/office/drawing/2014/main" id="{FAF7D360-4C40-4BB6-855D-D2FDF0C253A9}"/>
-                </a:ext>
-              </a:extLst>
-            </p:cNvPr>
-            <p:cNvSpPr/>
-            <p:nvPr/>
-          </p:nvSpPr>
-          <p:spPr>
-            <a:xfrm>
-              <a:off x="3784134" y="1595059"/>
-              <a:ext cx="643738" cy="607162"/>
-            </a:xfrm>
-            <a:prstGeom prst="roundRect">
-              <a:avLst/>
-            </a:prstGeom>
-          </p:spPr>
-          <p:style>
-            <a:lnRef idx="2">
-              <a:schemeClr val="accent1">
-                <a:shade val="50000"/>
-              </a:schemeClr>
-            </a:lnRef>
-            <a:fillRef idx="1">
-              <a:schemeClr val="accent1"/>
-            </a:fillRef>
-            <a:effectRef idx="0">
-              <a:schemeClr val="accent1"/>
-            </a:effectRef>
-            <a:fontRef idx="minor">
-              <a:schemeClr val="lt1"/>
-            </a:fontRef>
-          </p:style>
-          <p:txBody>
-            <a:bodyPr rtlCol="0" anchor="ctr"/>
-            <a:lstStyle/>
-            <a:p>
-              <a:pPr algn="ctr"/>
-              <a:endParaRPr lang="en-US"/>
-            </a:p>
-          </p:txBody>
-        </p:sp>
-        <p:sp>
-          <p:nvSpPr>
-            <p:cNvPr id="43" name="CaixaDeTexto 42">
-              <a:extLst>
-                <a:ext uri="{FF2B5EF4-FFF2-40B4-BE49-F238E27FC236}">
-                  <a16:creationId xmlns:a16="http://schemas.microsoft.com/office/drawing/2014/main" id="{859A7946-FE88-4BCF-8AF2-2DE66E43CB3D}"/>
-                </a:ext>
-              </a:extLst>
-            </p:cNvPr>
-            <p:cNvSpPr txBox="1"/>
-            <p:nvPr/>
-          </p:nvSpPr>
-          <p:spPr>
-            <a:xfrm>
-              <a:off x="3517540" y="1225727"/>
-              <a:ext cx="1176925" cy="369332"/>
-            </a:xfrm>
-            <a:prstGeom prst="rect">
-              <a:avLst/>
-            </a:prstGeom>
-            <a:noFill/>
-          </p:spPr>
-          <p:txBody>
-            <a:bodyPr wrap="none" rtlCol="0">
-              <a:spAutoFit/>
-            </a:bodyPr>
-            <a:lstStyle/>
-            <a:p>
-              <a:r>
-                <a:rPr lang="en-US" dirty="0"/>
-                <a:t>10.10.10.4</a:t>
-              </a:r>
-            </a:p>
-          </p:txBody>
-        </p:sp>
-        <p:pic>
-          <p:nvPicPr>
-            <p:cNvPr id="44" name="Imagem 43">
-              <a:extLst>
-                <a:ext uri="{FF2B5EF4-FFF2-40B4-BE49-F238E27FC236}">
-                  <a16:creationId xmlns:a16="http://schemas.microsoft.com/office/drawing/2014/main" id="{FA7F5997-0A72-40D2-9852-3CEA8E3605E6}"/>
-                </a:ext>
-              </a:extLst>
-            </p:cNvPr>
-            <p:cNvPicPr>
-              <a:picLocks noChangeAspect="1"/>
-            </p:cNvPicPr>
-            <p:nvPr/>
-          </p:nvPicPr>
-          <p:blipFill>
-            <a:blip r:embed="rId2"/>
-            <a:stretch>
-              <a:fillRect/>
-            </a:stretch>
-          </p:blipFill>
-          <p:spPr>
-            <a:xfrm>
-              <a:off x="3882706" y="1682841"/>
-              <a:ext cx="426016" cy="454283"/>
-            </a:xfrm>
-            <a:prstGeom prst="rect">
-              <a:avLst/>
-            </a:prstGeom>
-          </p:spPr>
-        </p:pic>
-      </p:grpSp>
-      <p:grpSp>
-        <p:nvGrpSpPr>
-          <p:cNvPr id="35" name="Agrupar 34">
-            <a:extLst>
-              <a:ext uri="{FF2B5EF4-FFF2-40B4-BE49-F238E27FC236}">
-                <a16:creationId xmlns:a16="http://schemas.microsoft.com/office/drawing/2014/main" id="{6230EA3A-3576-40BD-BD30-A2E6D5158B54}"/>
-              </a:ext>
-            </a:extLst>
-          </p:cNvPr>
-          <p:cNvGrpSpPr/>
-          <p:nvPr/>
-        </p:nvGrpSpPr>
-        <p:grpSpPr>
-          <a:xfrm>
-            <a:off x="5776412" y="867283"/>
-            <a:ext cx="1176925" cy="976494"/>
-            <a:chOff x="5167302" y="1225727"/>
-            <a:chExt cx="1176925" cy="976494"/>
-          </a:xfrm>
-        </p:grpSpPr>
-        <p:sp>
-          <p:nvSpPr>
-            <p:cNvPr id="45" name="Retângulo: Cantos Arredondados 44">
-              <a:extLst>
-                <a:ext uri="{FF2B5EF4-FFF2-40B4-BE49-F238E27FC236}">
-                  <a16:creationId xmlns:a16="http://schemas.microsoft.com/office/drawing/2014/main" id="{73A3BACE-46D2-4D6D-BCEE-7360BA86A125}"/>
-                </a:ext>
-              </a:extLst>
-            </p:cNvPr>
-            <p:cNvSpPr/>
-            <p:nvPr/>
-          </p:nvSpPr>
-          <p:spPr>
-            <a:xfrm>
-              <a:off x="5433896" y="1595059"/>
-              <a:ext cx="643738" cy="607162"/>
-            </a:xfrm>
-            <a:prstGeom prst="roundRect">
-              <a:avLst/>
-            </a:prstGeom>
-          </p:spPr>
-          <p:style>
-            <a:lnRef idx="2">
-              <a:schemeClr val="accent1">
-                <a:shade val="50000"/>
-              </a:schemeClr>
-            </a:lnRef>
-            <a:fillRef idx="1">
-              <a:schemeClr val="accent1"/>
-            </a:fillRef>
-            <a:effectRef idx="0">
-              <a:schemeClr val="accent1"/>
-            </a:effectRef>
-            <a:fontRef idx="minor">
-              <a:schemeClr val="lt1"/>
-            </a:fontRef>
-          </p:style>
-          <p:txBody>
-            <a:bodyPr rtlCol="0" anchor="ctr"/>
-            <a:lstStyle/>
-            <a:p>
-              <a:pPr algn="ctr"/>
-              <a:endParaRPr lang="en-US"/>
-            </a:p>
-          </p:txBody>
-        </p:sp>
-        <p:sp>
-          <p:nvSpPr>
-            <p:cNvPr id="46" name="CaixaDeTexto 45">
-              <a:extLst>
-                <a:ext uri="{FF2B5EF4-FFF2-40B4-BE49-F238E27FC236}">
-                  <a16:creationId xmlns:a16="http://schemas.microsoft.com/office/drawing/2014/main" id="{29B807A9-B8A0-4A3A-8E5C-AF9BC4B01673}"/>
-                </a:ext>
-              </a:extLst>
-            </p:cNvPr>
-            <p:cNvSpPr txBox="1"/>
-            <p:nvPr/>
-          </p:nvSpPr>
-          <p:spPr>
-            <a:xfrm>
-              <a:off x="5167302" y="1225727"/>
-              <a:ext cx="1176925" cy="369332"/>
-            </a:xfrm>
-            <a:prstGeom prst="rect">
-              <a:avLst/>
-            </a:prstGeom>
-            <a:noFill/>
-          </p:spPr>
-          <p:txBody>
-            <a:bodyPr wrap="none" rtlCol="0">
-              <a:spAutoFit/>
-            </a:bodyPr>
-            <a:lstStyle/>
-            <a:p>
-              <a:r>
-                <a:rPr lang="en-US" dirty="0"/>
-                <a:t>10.10.10.5</a:t>
-              </a:r>
-            </a:p>
-          </p:txBody>
-        </p:sp>
-        <p:pic>
-          <p:nvPicPr>
-            <p:cNvPr id="47" name="Imagem 46">
-              <a:extLst>
-                <a:ext uri="{FF2B5EF4-FFF2-40B4-BE49-F238E27FC236}">
-                  <a16:creationId xmlns:a16="http://schemas.microsoft.com/office/drawing/2014/main" id="{3E5C4EC1-77B7-4255-B505-2FD267A608B6}"/>
-                </a:ext>
-              </a:extLst>
-            </p:cNvPr>
-            <p:cNvPicPr>
-              <a:picLocks noChangeAspect="1"/>
-            </p:cNvPicPr>
-            <p:nvPr/>
-          </p:nvPicPr>
-          <p:blipFill>
-            <a:blip r:embed="rId2"/>
-            <a:stretch>
-              <a:fillRect/>
-            </a:stretch>
-          </p:blipFill>
-          <p:spPr>
-            <a:xfrm>
-              <a:off x="5532468" y="1682841"/>
-              <a:ext cx="426016" cy="454283"/>
-            </a:xfrm>
-            <a:prstGeom prst="rect">
-              <a:avLst/>
-            </a:prstGeom>
-          </p:spPr>
-        </p:pic>
-      </p:grpSp>
-      <p:grpSp>
-        <p:nvGrpSpPr>
-          <p:cNvPr id="51" name="Agrupar 50">
-            <a:extLst>
-              <a:ext uri="{FF2B5EF4-FFF2-40B4-BE49-F238E27FC236}">
-                <a16:creationId xmlns:a16="http://schemas.microsoft.com/office/drawing/2014/main" id="{68CD6BAD-AAC6-48B7-B7BA-886D3C3E0D84}"/>
-              </a:ext>
-            </a:extLst>
-          </p:cNvPr>
-          <p:cNvGrpSpPr/>
-          <p:nvPr/>
-        </p:nvGrpSpPr>
-        <p:grpSpPr>
-          <a:xfrm>
-            <a:off x="4995762" y="3421306"/>
-            <a:ext cx="1176925" cy="976494"/>
-            <a:chOff x="5370022" y="2784893"/>
-            <a:chExt cx="1176925" cy="976494"/>
-          </a:xfrm>
-        </p:grpSpPr>
-        <p:sp>
-          <p:nvSpPr>
-            <p:cNvPr id="48" name="Retângulo: Cantos Arredondados 47">
-              <a:extLst>
-                <a:ext uri="{FF2B5EF4-FFF2-40B4-BE49-F238E27FC236}">
-                  <a16:creationId xmlns:a16="http://schemas.microsoft.com/office/drawing/2014/main" id="{C877BF90-3048-46FD-9268-07B2B4DA8F7D}"/>
-                </a:ext>
-              </a:extLst>
-            </p:cNvPr>
-            <p:cNvSpPr/>
-            <p:nvPr/>
-          </p:nvSpPr>
-          <p:spPr>
-            <a:xfrm>
-              <a:off x="5636616" y="3154225"/>
-              <a:ext cx="643738" cy="607162"/>
-            </a:xfrm>
-            <a:prstGeom prst="roundRect">
-              <a:avLst/>
-            </a:prstGeom>
-          </p:spPr>
-          <p:style>
-            <a:lnRef idx="2">
-              <a:schemeClr val="accent1">
-                <a:shade val="50000"/>
-              </a:schemeClr>
-            </a:lnRef>
-            <a:fillRef idx="1">
-              <a:schemeClr val="accent1"/>
-            </a:fillRef>
-            <a:effectRef idx="0">
-              <a:schemeClr val="accent1"/>
-            </a:effectRef>
-            <a:fontRef idx="minor">
-              <a:schemeClr val="lt1"/>
-            </a:fontRef>
-          </p:style>
-          <p:txBody>
-            <a:bodyPr rtlCol="0" anchor="ctr"/>
-            <a:lstStyle/>
-            <a:p>
-              <a:pPr algn="ctr"/>
-              <a:endParaRPr lang="en-US"/>
-            </a:p>
-          </p:txBody>
-        </p:sp>
-        <p:sp>
-          <p:nvSpPr>
-            <p:cNvPr id="49" name="CaixaDeTexto 48">
-              <a:extLst>
-                <a:ext uri="{FF2B5EF4-FFF2-40B4-BE49-F238E27FC236}">
-                  <a16:creationId xmlns:a16="http://schemas.microsoft.com/office/drawing/2014/main" id="{6A3019F1-4396-4127-B0DF-24491D2E8FDC}"/>
-                </a:ext>
-              </a:extLst>
-            </p:cNvPr>
-            <p:cNvSpPr txBox="1"/>
-            <p:nvPr/>
-          </p:nvSpPr>
-          <p:spPr>
-            <a:xfrm>
-              <a:off x="5370022" y="2784893"/>
-              <a:ext cx="1176925" cy="369332"/>
-            </a:xfrm>
-            <a:prstGeom prst="rect">
-              <a:avLst/>
-            </a:prstGeom>
-            <a:noFill/>
-          </p:spPr>
-          <p:txBody>
-            <a:bodyPr wrap="none" rtlCol="0">
-              <a:spAutoFit/>
-            </a:bodyPr>
-            <a:lstStyle/>
-            <a:p>
-              <a:r>
-                <a:rPr lang="en-US" dirty="0"/>
-                <a:t>10.10.10.7</a:t>
-              </a:r>
-            </a:p>
-          </p:txBody>
-        </p:sp>
-        <p:pic>
-          <p:nvPicPr>
-            <p:cNvPr id="50" name="Imagem 49">
-              <a:extLst>
-                <a:ext uri="{FF2B5EF4-FFF2-40B4-BE49-F238E27FC236}">
-                  <a16:creationId xmlns:a16="http://schemas.microsoft.com/office/drawing/2014/main" id="{4C50A7EA-12EC-44C5-8D66-E018D66E1D59}"/>
-                </a:ext>
-              </a:extLst>
-            </p:cNvPr>
-            <p:cNvPicPr>
-              <a:picLocks noChangeAspect="1"/>
-            </p:cNvPicPr>
-            <p:nvPr/>
-          </p:nvPicPr>
-          <p:blipFill>
-            <a:blip r:embed="rId3"/>
-            <a:stretch>
-              <a:fillRect/>
-            </a:stretch>
-          </p:blipFill>
-          <p:spPr>
-            <a:xfrm flipH="1">
-              <a:off x="5740318" y="3222309"/>
-              <a:ext cx="436332" cy="470994"/>
-            </a:xfrm>
-            <a:prstGeom prst="rect">
-              <a:avLst/>
-            </a:prstGeom>
-          </p:spPr>
-        </p:pic>
-      </p:grpSp>
-      <p:sp>
-        <p:nvSpPr>
-          <p:cNvPr id="54" name="Retângulo: Cantos Arredondados 53">
-            <a:extLst>
-              <a:ext uri="{FF2B5EF4-FFF2-40B4-BE49-F238E27FC236}">
-                <a16:creationId xmlns:a16="http://schemas.microsoft.com/office/drawing/2014/main" id="{B27EC887-3A6C-4CFF-96C1-AF1778F2172F}"/>
-              </a:ext>
-            </a:extLst>
-          </p:cNvPr>
-          <p:cNvSpPr/>
-          <p:nvPr/>
-        </p:nvSpPr>
-        <p:spPr>
-          <a:xfrm>
-            <a:off x="3697014" y="2558118"/>
-            <a:ext cx="988693" cy="369332"/>
-          </a:xfrm>
-          <a:prstGeom prst="roundRect">
-            <a:avLst/>
-          </a:prstGeom>
-        </p:spPr>
-        <p:style>
-          <a:lnRef idx="2">
-            <a:schemeClr val="accent1">
-              <a:shade val="50000"/>
-            </a:schemeClr>
-          </a:lnRef>
-          <a:fillRef idx="1">
-            <a:schemeClr val="accent1"/>
-          </a:fillRef>
-          <a:effectRef idx="0">
-            <a:schemeClr val="accent1"/>
-          </a:effectRef>
-          <a:fontRef idx="minor">
-            <a:schemeClr val="lt1"/>
-          </a:fontRef>
-        </p:style>
-        <p:txBody>
-          <a:bodyPr rtlCol="0" anchor="ctr"/>
-          <a:lstStyle/>
-          <a:p>
-            <a:pPr algn="ctr"/>
-            <a:r>
-              <a:rPr lang="en-US" dirty="0"/>
-              <a:t>Service</a:t>
-            </a:r>
-          </a:p>
-        </p:txBody>
-      </p:sp>
-      <p:cxnSp>
-        <p:nvCxnSpPr>
-          <p:cNvPr id="56" name="Conector de Seta Reta 55">
-            <a:extLst>
-              <a:ext uri="{FF2B5EF4-FFF2-40B4-BE49-F238E27FC236}">
-                <a16:creationId xmlns:a16="http://schemas.microsoft.com/office/drawing/2014/main" id="{12AA9CF2-43C5-4E22-9B7F-A94AD755FC95}"/>
-              </a:ext>
-            </a:extLst>
-          </p:cNvPr>
-          <p:cNvCxnSpPr>
-            <a:cxnSpLocks/>
-          </p:cNvCxnSpPr>
-          <p:nvPr/>
-        </p:nvCxnSpPr>
-        <p:spPr>
-          <a:xfrm flipH="1">
-            <a:off x="3363671" y="2995852"/>
-            <a:ext cx="521830" cy="645939"/>
-          </a:xfrm>
-          <a:prstGeom prst="straightConnector1">
-            <a:avLst/>
-          </a:prstGeom>
-          <a:ln>
-            <a:headEnd type="triangle"/>
-            <a:tailEnd type="triangle"/>
-          </a:ln>
-        </p:spPr>
-        <p:style>
-          <a:lnRef idx="3">
-            <a:schemeClr val="accent2"/>
-          </a:lnRef>
-          <a:fillRef idx="0">
-            <a:schemeClr val="accent2"/>
-          </a:fillRef>
-          <a:effectRef idx="2">
-            <a:schemeClr val="accent2"/>
-          </a:effectRef>
-          <a:fontRef idx="minor">
-            <a:schemeClr val="tx1"/>
-          </a:fontRef>
-        </p:style>
-      </p:cxnSp>
-      <p:cxnSp>
-        <p:nvCxnSpPr>
-          <p:cNvPr id="60" name="Conector de Seta Reta 59">
-            <a:extLst>
-              <a:ext uri="{FF2B5EF4-FFF2-40B4-BE49-F238E27FC236}">
-                <a16:creationId xmlns:a16="http://schemas.microsoft.com/office/drawing/2014/main" id="{7DE6259D-C1CD-49FD-8C8D-7EBE499B199D}"/>
-              </a:ext>
-            </a:extLst>
-          </p:cNvPr>
-          <p:cNvCxnSpPr>
-            <a:cxnSpLocks/>
-            <a:endCxn id="49" idx="1"/>
-          </p:cNvCxnSpPr>
-          <p:nvPr/>
-        </p:nvCxnSpPr>
-        <p:spPr>
-          <a:xfrm>
-            <a:off x="4512039" y="3022148"/>
-            <a:ext cx="483723" cy="583824"/>
-          </a:xfrm>
-          <a:prstGeom prst="straightConnector1">
-            <a:avLst/>
-          </a:prstGeom>
-          <a:ln>
-            <a:headEnd type="triangle"/>
-            <a:tailEnd type="triangle"/>
-          </a:ln>
-        </p:spPr>
-        <p:style>
-          <a:lnRef idx="3">
-            <a:schemeClr val="accent2"/>
-          </a:lnRef>
-          <a:fillRef idx="0">
-            <a:schemeClr val="accent2"/>
-          </a:fillRef>
-          <a:effectRef idx="2">
-            <a:schemeClr val="accent2"/>
-          </a:effectRef>
-          <a:fontRef idx="minor">
-            <a:schemeClr val="tx1"/>
-          </a:fontRef>
-        </p:style>
-      </p:cxnSp>
-      <p:cxnSp>
-        <p:nvCxnSpPr>
-          <p:cNvPr id="62" name="Conector de Seta Reta 61">
-            <a:extLst>
-              <a:ext uri="{FF2B5EF4-FFF2-40B4-BE49-F238E27FC236}">
-                <a16:creationId xmlns:a16="http://schemas.microsoft.com/office/drawing/2014/main" id="{242DBA31-0DBC-48C0-B783-0E7173C85F3E}"/>
-              </a:ext>
-            </a:extLst>
-          </p:cNvPr>
-          <p:cNvCxnSpPr/>
-          <p:nvPr/>
-        </p:nvCxnSpPr>
-        <p:spPr>
-          <a:xfrm>
-            <a:off x="2623706" y="1909267"/>
-            <a:ext cx="1073308" cy="648851"/>
-          </a:xfrm>
-          <a:prstGeom prst="straightConnector1">
-            <a:avLst/>
-          </a:prstGeom>
-          <a:ln>
-            <a:tailEnd type="triangle"/>
-          </a:ln>
-        </p:spPr>
-        <p:style>
-          <a:lnRef idx="1">
-            <a:schemeClr val="accent1"/>
-          </a:lnRef>
-          <a:fillRef idx="0">
-            <a:schemeClr val="accent1"/>
-          </a:fillRef>
-          <a:effectRef idx="0">
-            <a:schemeClr val="accent1"/>
-          </a:effectRef>
-          <a:fontRef idx="minor">
-            <a:schemeClr val="tx1"/>
-          </a:fontRef>
-        </p:style>
-      </p:cxnSp>
-      <p:cxnSp>
-        <p:nvCxnSpPr>
-          <p:cNvPr id="65" name="Conector de Seta Reta 64">
-            <a:extLst>
-              <a:ext uri="{FF2B5EF4-FFF2-40B4-BE49-F238E27FC236}">
-                <a16:creationId xmlns:a16="http://schemas.microsoft.com/office/drawing/2014/main" id="{AAB46164-4ED1-4C78-9944-17BD134F2CF8}"/>
-              </a:ext>
-            </a:extLst>
-          </p:cNvPr>
-          <p:cNvCxnSpPr>
-            <a:cxnSpLocks/>
-          </p:cNvCxnSpPr>
-          <p:nvPr/>
-        </p:nvCxnSpPr>
-        <p:spPr>
-          <a:xfrm flipH="1">
-            <a:off x="4181073" y="1885466"/>
-            <a:ext cx="1" cy="604250"/>
-          </a:xfrm>
-          <a:prstGeom prst="straightConnector1">
-            <a:avLst/>
-          </a:prstGeom>
-          <a:ln>
-            <a:tailEnd type="triangle"/>
-          </a:ln>
-        </p:spPr>
-        <p:style>
-          <a:lnRef idx="1">
-            <a:schemeClr val="accent1"/>
-          </a:lnRef>
-          <a:fillRef idx="0">
-            <a:schemeClr val="accent1"/>
-          </a:fillRef>
-          <a:effectRef idx="0">
-            <a:schemeClr val="accent1"/>
-          </a:effectRef>
-          <a:fontRef idx="minor">
-            <a:schemeClr val="tx1"/>
-          </a:fontRef>
-        </p:style>
-      </p:cxnSp>
-      <p:cxnSp>
-        <p:nvCxnSpPr>
-          <p:cNvPr id="68" name="Conector de Seta Reta 67">
-            <a:extLst>
-              <a:ext uri="{FF2B5EF4-FFF2-40B4-BE49-F238E27FC236}">
-                <a16:creationId xmlns:a16="http://schemas.microsoft.com/office/drawing/2014/main" id="{6C3FC8AB-984A-4450-82B1-3426AAD8EE38}"/>
-              </a:ext>
-            </a:extLst>
-          </p:cNvPr>
-          <p:cNvCxnSpPr>
-            <a:cxnSpLocks/>
-          </p:cNvCxnSpPr>
-          <p:nvPr/>
-        </p:nvCxnSpPr>
-        <p:spPr>
-          <a:xfrm flipH="1">
-            <a:off x="4753900" y="1885466"/>
-            <a:ext cx="1222618" cy="604250"/>
-          </a:xfrm>
-          <a:prstGeom prst="straightConnector1">
-            <a:avLst/>
-          </a:prstGeom>
-          <a:ln>
-            <a:tailEnd type="triangle"/>
-          </a:ln>
-        </p:spPr>
-        <p:style>
-          <a:lnRef idx="1">
-            <a:schemeClr val="accent1"/>
-          </a:lnRef>
-          <a:fillRef idx="0">
-            <a:schemeClr val="accent1"/>
-          </a:fillRef>
-          <a:effectRef idx="0">
-            <a:schemeClr val="accent1"/>
-          </a:effectRef>
-          <a:fontRef idx="minor">
-            <a:schemeClr val="tx1"/>
-          </a:fontRef>
-        </p:style>
-      </p:cxnSp>
-      <p:sp>
-        <p:nvSpPr>
-          <p:cNvPr id="2" name="CaixaDeTexto 1">
-            <a:extLst>
-              <a:ext uri="{FF2B5EF4-FFF2-40B4-BE49-F238E27FC236}">
-                <a16:creationId xmlns:a16="http://schemas.microsoft.com/office/drawing/2014/main" id="{9D09C318-E7CE-4FD0-BB5A-079C8AB4406D}"/>
-              </a:ext>
-            </a:extLst>
-          </p:cNvPr>
-          <p:cNvSpPr txBox="1"/>
-          <p:nvPr/>
-        </p:nvSpPr>
-        <p:spPr>
-          <a:xfrm>
-            <a:off x="5906092" y="3890931"/>
-            <a:ext cx="1334020" cy="369332"/>
-          </a:xfrm>
-          <a:prstGeom prst="rect">
-            <a:avLst/>
-          </a:prstGeom>
-          <a:noFill/>
-        </p:spPr>
-        <p:txBody>
-          <a:bodyPr wrap="none" rtlCol="0">
-            <a:spAutoFit/>
-          </a:bodyPr>
-          <a:lstStyle/>
-          <a:p>
-            <a:r>
-              <a:rPr lang="pt-BR" dirty="0"/>
-              <a:t>App=mongo</a:t>
-            </a:r>
-          </a:p>
-        </p:txBody>
-      </p:sp>
-      <p:sp>
-        <p:nvSpPr>
-          <p:cNvPr id="29" name="CaixaDeTexto 28">
-            <a:extLst>
-              <a:ext uri="{FF2B5EF4-FFF2-40B4-BE49-F238E27FC236}">
-                <a16:creationId xmlns:a16="http://schemas.microsoft.com/office/drawing/2014/main" id="{28A7F451-0297-4939-9678-F3D26B722BFA}"/>
-              </a:ext>
-            </a:extLst>
-          </p:cNvPr>
-          <p:cNvSpPr txBox="1"/>
-          <p:nvPr/>
-        </p:nvSpPr>
-        <p:spPr>
-          <a:xfrm>
-            <a:off x="4708986" y="2563773"/>
-            <a:ext cx="1334020" cy="369332"/>
-          </a:xfrm>
-          <a:prstGeom prst="rect">
-            <a:avLst/>
-          </a:prstGeom>
-          <a:noFill/>
-        </p:spPr>
-        <p:txBody>
-          <a:bodyPr wrap="none" rtlCol="0">
-            <a:spAutoFit/>
-          </a:bodyPr>
-          <a:lstStyle/>
-          <a:p>
-            <a:r>
-              <a:rPr lang="pt-BR" dirty="0"/>
-              <a:t>App=mongo</a:t>
-            </a:r>
-          </a:p>
-        </p:txBody>
-      </p:sp>
-      <p:sp>
-        <p:nvSpPr>
-          <p:cNvPr id="31" name="CaixaDeTexto 30">
-            <a:extLst>
-              <a:ext uri="{FF2B5EF4-FFF2-40B4-BE49-F238E27FC236}">
-                <a16:creationId xmlns:a16="http://schemas.microsoft.com/office/drawing/2014/main" id="{5DD5598F-1F89-4CF6-9EF3-C628D74AEFD5}"/>
-              </a:ext>
-            </a:extLst>
-          </p:cNvPr>
-          <p:cNvSpPr txBox="1"/>
-          <p:nvPr/>
-        </p:nvSpPr>
-        <p:spPr>
-          <a:xfrm>
-            <a:off x="3160360" y="3909553"/>
-            <a:ext cx="1334020" cy="369332"/>
-          </a:xfrm>
-          <a:prstGeom prst="rect">
-            <a:avLst/>
-          </a:prstGeom>
-          <a:noFill/>
-        </p:spPr>
-        <p:txBody>
-          <a:bodyPr wrap="none" rtlCol="0">
-            <a:spAutoFit/>
-          </a:bodyPr>
-          <a:lstStyle/>
-          <a:p>
-            <a:r>
-              <a:rPr lang="pt-BR" dirty="0"/>
-              <a:t>App=mongo</a:t>
-            </a:r>
-          </a:p>
-        </p:txBody>
-      </p:sp>
-    </p:spTree>
-    <p:extLst>
-      <p:ext uri="{BB962C8B-B14F-4D97-AF65-F5344CB8AC3E}">
-        <p14:creationId xmlns:p14="http://schemas.microsoft.com/office/powerpoint/2010/main" val="1151938921"/>
-      </p:ext>
-    </p:extLst>
-  </p:cSld>
-  <p:clrMapOvr>
-    <a:masterClrMapping/>
-  </p:clrMapOvr>
-  <p:timing>
-    <p:tnLst>
-      <p:par>
-        <p:cTn id="1" dur="indefinite" restart="never" nodeType="tmRoot">
-          <p:childTnLst>
-            <p:seq concurrent="1" nextAc="seek">
-              <p:cTn id="2" dur="indefinite" nodeType="mainSeq">
-                <p:childTnLst>
-                  <p:par>
-                    <p:cTn id="3" fill="hold">
-                      <p:stCondLst>
-                        <p:cond delay="indefinite"/>
-                      </p:stCondLst>
-                      <p:childTnLst>
-                        <p:par>
-                          <p:cTn id="4" fill="hold">
-                            <p:stCondLst>
-                              <p:cond delay="0"/>
-                            </p:stCondLst>
-                            <p:childTnLst>
-                              <p:par>
-                                <p:cTn id="5" presetID="10" presetClass="entr" presetSubtype="0" fill="hold" nodeType="clickEffect">
-                                  <p:stCondLst>
-                                    <p:cond delay="0"/>
-                                  </p:stCondLst>
-                                  <p:childTnLst>
-                                    <p:set>
-                                      <p:cBhvr>
-                                        <p:cTn id="6" dur="1" fill="hold">
-                                          <p:stCondLst>
-                                            <p:cond delay="0"/>
-                                          </p:stCondLst>
-                                        </p:cTn>
-                                        <p:tgtEl>
-                                          <p:spTgt spid="36"/>
-                                        </p:tgtEl>
-                                        <p:attrNameLst>
-                                          <p:attrName>style.visibility</p:attrName>
-                                        </p:attrNameLst>
-                                      </p:cBhvr>
-                                      <p:to>
-                                        <p:strVal val="visible"/>
-                                      </p:to>
-                                    </p:set>
-                                    <p:animEffect transition="in" filter="fade">
-                                      <p:cBhvr>
-                                        <p:cTn id="7" dur="500"/>
-                                        <p:tgtEl>
-                                          <p:spTgt spid="36"/>
-                                        </p:tgtEl>
-                                      </p:cBhvr>
-                                    </p:animEffect>
-                                  </p:childTnLst>
-                                </p:cTn>
-                              </p:par>
-                            </p:childTnLst>
-                          </p:cTn>
-                        </p:par>
-                      </p:childTnLst>
-                    </p:cTn>
-                  </p:par>
-                  <p:par>
-                    <p:cTn id="8" fill="hold">
-                      <p:stCondLst>
-                        <p:cond delay="indefinite"/>
-                      </p:stCondLst>
-                      <p:childTnLst>
-                        <p:par>
-                          <p:cTn id="9" fill="hold">
-                            <p:stCondLst>
-                              <p:cond delay="0"/>
-                            </p:stCondLst>
-                            <p:childTnLst>
-                              <p:par>
-                                <p:cTn id="10" presetID="10" presetClass="entr" presetSubtype="0" fill="hold" nodeType="clickEffect">
-                                  <p:stCondLst>
-                                    <p:cond delay="0"/>
-                                  </p:stCondLst>
-                                  <p:childTnLst>
-                                    <p:set>
-                                      <p:cBhvr>
-                                        <p:cTn id="11" dur="1" fill="hold">
-                                          <p:stCondLst>
-                                            <p:cond delay="0"/>
-                                          </p:stCondLst>
-                                        </p:cTn>
-                                        <p:tgtEl>
-                                          <p:spTgt spid="35"/>
-                                        </p:tgtEl>
-                                        <p:attrNameLst>
-                                          <p:attrName>style.visibility</p:attrName>
-                                        </p:attrNameLst>
-                                      </p:cBhvr>
-                                      <p:to>
-                                        <p:strVal val="visible"/>
-                                      </p:to>
-                                    </p:set>
-                                    <p:animEffect transition="in" filter="fade">
-                                      <p:cBhvr>
-                                        <p:cTn id="12" dur="500"/>
-                                        <p:tgtEl>
-                                          <p:spTgt spid="35"/>
-                                        </p:tgtEl>
-                                      </p:cBhvr>
-                                    </p:animEffect>
-                                  </p:childTnLst>
-                                </p:cTn>
-                              </p:par>
-                            </p:childTnLst>
-                          </p:cTn>
-                        </p:par>
-                      </p:childTnLst>
-                    </p:cTn>
-                  </p:par>
-                  <p:par>
-                    <p:cTn id="13" fill="hold">
-                      <p:stCondLst>
-                        <p:cond delay="indefinite"/>
-                      </p:stCondLst>
-                      <p:childTnLst>
-                        <p:par>
-                          <p:cTn id="14" fill="hold">
-                            <p:stCondLst>
-                              <p:cond delay="0"/>
-                            </p:stCondLst>
-                            <p:childTnLst>
-                              <p:par>
-                                <p:cTn id="15" presetID="10" presetClass="entr" presetSubtype="0" fill="hold" nodeType="clickEffect">
-                                  <p:stCondLst>
-                                    <p:cond delay="0"/>
-                                  </p:stCondLst>
-                                  <p:childTnLst>
-                                    <p:set>
-                                      <p:cBhvr>
-                                        <p:cTn id="16" dur="1" fill="hold">
-                                          <p:stCondLst>
-                                            <p:cond delay="0"/>
-                                          </p:stCondLst>
-                                        </p:cTn>
-                                        <p:tgtEl>
-                                          <p:spTgt spid="51"/>
-                                        </p:tgtEl>
-                                        <p:attrNameLst>
-                                          <p:attrName>style.visibility</p:attrName>
-                                        </p:attrNameLst>
-                                      </p:cBhvr>
-                                      <p:to>
-                                        <p:strVal val="visible"/>
-                                      </p:to>
-                                    </p:set>
-                                    <p:animEffect transition="in" filter="fade">
-                                      <p:cBhvr>
-                                        <p:cTn id="17" dur="500"/>
-                                        <p:tgtEl>
-                                          <p:spTgt spid="51"/>
-                                        </p:tgtEl>
-                                      </p:cBhvr>
-                                    </p:animEffect>
-                                  </p:childTnLst>
-                                </p:cTn>
-                              </p:par>
-                            </p:childTnLst>
-                          </p:cTn>
-                        </p:par>
-                      </p:childTnLst>
-                    </p:cTn>
-                  </p:par>
-                  <p:par>
-                    <p:cTn id="18" fill="hold">
-                      <p:stCondLst>
-                        <p:cond delay="indefinite"/>
-                      </p:stCondLst>
-                      <p:childTnLst>
-                        <p:par>
-                          <p:cTn id="19" fill="hold">
-                            <p:stCondLst>
-                              <p:cond delay="0"/>
-                            </p:stCondLst>
-                            <p:childTnLst>
-                              <p:par>
-                                <p:cTn id="20" presetID="10" presetClass="entr" presetSubtype="0" fill="hold" grpId="0" nodeType="clickEffect">
-                                  <p:stCondLst>
-                                    <p:cond delay="0"/>
-                                  </p:stCondLst>
-                                  <p:childTnLst>
-                                    <p:set>
-                                      <p:cBhvr>
-                                        <p:cTn id="21" dur="1" fill="hold">
-                                          <p:stCondLst>
-                                            <p:cond delay="0"/>
-                                          </p:stCondLst>
-                                        </p:cTn>
-                                        <p:tgtEl>
-                                          <p:spTgt spid="54"/>
-                                        </p:tgtEl>
-                                        <p:attrNameLst>
-                                          <p:attrName>style.visibility</p:attrName>
-                                        </p:attrNameLst>
-                                      </p:cBhvr>
-                                      <p:to>
-                                        <p:strVal val="visible"/>
-                                      </p:to>
-                                    </p:set>
-                                    <p:animEffect transition="in" filter="fade">
-                                      <p:cBhvr>
-                                        <p:cTn id="22" dur="500"/>
-                                        <p:tgtEl>
-                                          <p:spTgt spid="54"/>
-                                        </p:tgtEl>
-                                      </p:cBhvr>
-                                    </p:animEffect>
-                                  </p:childTnLst>
-                                </p:cTn>
-                              </p:par>
-                            </p:childTnLst>
-                          </p:cTn>
-                        </p:par>
-                      </p:childTnLst>
-                    </p:cTn>
-                  </p:par>
-                  <p:par>
-                    <p:cTn id="23" fill="hold">
-                      <p:stCondLst>
-                        <p:cond delay="indefinite"/>
-                      </p:stCondLst>
-                      <p:childTnLst>
-                        <p:par>
-                          <p:cTn id="24" fill="hold">
-                            <p:stCondLst>
-                              <p:cond delay="0"/>
-                            </p:stCondLst>
-                            <p:childTnLst>
-                              <p:par>
-                                <p:cTn id="25" presetID="10" presetClass="entr" presetSubtype="0" fill="hold" nodeType="clickEffect">
-                                  <p:stCondLst>
-                                    <p:cond delay="0"/>
-                                  </p:stCondLst>
-                                  <p:childTnLst>
-                                    <p:set>
-                                      <p:cBhvr>
-                                        <p:cTn id="26" dur="1" fill="hold">
-                                          <p:stCondLst>
-                                            <p:cond delay="0"/>
-                                          </p:stCondLst>
-                                        </p:cTn>
-                                        <p:tgtEl>
-                                          <p:spTgt spid="62"/>
-                                        </p:tgtEl>
-                                        <p:attrNameLst>
-                                          <p:attrName>style.visibility</p:attrName>
-                                        </p:attrNameLst>
-                                      </p:cBhvr>
-                                      <p:to>
-                                        <p:strVal val="visible"/>
-                                      </p:to>
-                                    </p:set>
-                                    <p:animEffect transition="in" filter="fade">
-                                      <p:cBhvr>
-                                        <p:cTn id="27" dur="500"/>
-                                        <p:tgtEl>
-                                          <p:spTgt spid="62"/>
-                                        </p:tgtEl>
-                                      </p:cBhvr>
-                                    </p:animEffect>
-                                  </p:childTnLst>
-                                </p:cTn>
-                              </p:par>
-                              <p:par>
-                                <p:cTn id="28" presetID="10" presetClass="entr" presetSubtype="0" fill="hold" nodeType="withEffect">
-                                  <p:stCondLst>
-                                    <p:cond delay="0"/>
-                                  </p:stCondLst>
-                                  <p:childTnLst>
-                                    <p:set>
-                                      <p:cBhvr>
-                                        <p:cTn id="29" dur="1" fill="hold">
-                                          <p:stCondLst>
-                                            <p:cond delay="0"/>
-                                          </p:stCondLst>
-                                        </p:cTn>
-                                        <p:tgtEl>
-                                          <p:spTgt spid="65"/>
-                                        </p:tgtEl>
-                                        <p:attrNameLst>
-                                          <p:attrName>style.visibility</p:attrName>
-                                        </p:attrNameLst>
-                                      </p:cBhvr>
-                                      <p:to>
-                                        <p:strVal val="visible"/>
-                                      </p:to>
-                                    </p:set>
-                                    <p:animEffect transition="in" filter="fade">
-                                      <p:cBhvr>
-                                        <p:cTn id="30" dur="500"/>
-                                        <p:tgtEl>
-                                          <p:spTgt spid="65"/>
-                                        </p:tgtEl>
-                                      </p:cBhvr>
-                                    </p:animEffect>
-                                  </p:childTnLst>
-                                </p:cTn>
-                              </p:par>
-                              <p:par>
-                                <p:cTn id="31" presetID="10" presetClass="entr" presetSubtype="0" fill="hold" nodeType="withEffect">
-                                  <p:stCondLst>
-                                    <p:cond delay="0"/>
-                                  </p:stCondLst>
-                                  <p:childTnLst>
-                                    <p:set>
-                                      <p:cBhvr>
-                                        <p:cTn id="32" dur="1" fill="hold">
-                                          <p:stCondLst>
-                                            <p:cond delay="0"/>
-                                          </p:stCondLst>
-                                        </p:cTn>
-                                        <p:tgtEl>
-                                          <p:spTgt spid="68"/>
-                                        </p:tgtEl>
-                                        <p:attrNameLst>
-                                          <p:attrName>style.visibility</p:attrName>
-                                        </p:attrNameLst>
-                                      </p:cBhvr>
-                                      <p:to>
-                                        <p:strVal val="visible"/>
-                                      </p:to>
-                                    </p:set>
-                                    <p:animEffect transition="in" filter="fade">
-                                      <p:cBhvr>
-                                        <p:cTn id="33" dur="500"/>
-                                        <p:tgtEl>
-                                          <p:spTgt spid="68"/>
-                                        </p:tgtEl>
-                                      </p:cBhvr>
-                                    </p:animEffect>
-                                  </p:childTnLst>
-                                </p:cTn>
-                              </p:par>
-                              <p:par>
-                                <p:cTn id="34" presetID="10" presetClass="entr" presetSubtype="0" fill="hold" nodeType="withEffect">
-                                  <p:stCondLst>
-                                    <p:cond delay="0"/>
-                                  </p:stCondLst>
-                                  <p:childTnLst>
-                                    <p:set>
-                                      <p:cBhvr>
-                                        <p:cTn id="35" dur="1" fill="hold">
-                                          <p:stCondLst>
-                                            <p:cond delay="0"/>
-                                          </p:stCondLst>
-                                        </p:cTn>
-                                        <p:tgtEl>
-                                          <p:spTgt spid="56"/>
-                                        </p:tgtEl>
-                                        <p:attrNameLst>
-                                          <p:attrName>style.visibility</p:attrName>
-                                        </p:attrNameLst>
-                                      </p:cBhvr>
-                                      <p:to>
-                                        <p:strVal val="visible"/>
-                                      </p:to>
-                                    </p:set>
-                                    <p:animEffect transition="in" filter="fade">
-                                      <p:cBhvr>
-                                        <p:cTn id="36" dur="500"/>
-                                        <p:tgtEl>
-                                          <p:spTgt spid="56"/>
-                                        </p:tgtEl>
-                                      </p:cBhvr>
-                                    </p:animEffect>
-                                  </p:childTnLst>
-                                </p:cTn>
-                              </p:par>
-                              <p:par>
-                                <p:cTn id="37" presetID="10" presetClass="entr" presetSubtype="0" fill="hold" nodeType="withEffect">
-                                  <p:stCondLst>
-                                    <p:cond delay="0"/>
-                                  </p:stCondLst>
-                                  <p:childTnLst>
-                                    <p:set>
-                                      <p:cBhvr>
-                                        <p:cTn id="38" dur="1" fill="hold">
-                                          <p:stCondLst>
-                                            <p:cond delay="0"/>
-                                          </p:stCondLst>
-                                        </p:cTn>
-                                        <p:tgtEl>
-                                          <p:spTgt spid="60"/>
-                                        </p:tgtEl>
-                                        <p:attrNameLst>
-                                          <p:attrName>style.visibility</p:attrName>
-                                        </p:attrNameLst>
-                                      </p:cBhvr>
-                                      <p:to>
-                                        <p:strVal val="visible"/>
-                                      </p:to>
-                                    </p:set>
-                                    <p:animEffect transition="in" filter="fade">
-                                      <p:cBhvr>
-                                        <p:cTn id="39" dur="500"/>
-                                        <p:tgtEl>
-                                          <p:spTgt spid="60"/>
-                                        </p:tgtEl>
-                                      </p:cBhvr>
-                                    </p:animEffect>
-                                  </p:childTnLst>
-                                </p:cTn>
-                              </p:par>
-                            </p:childTnLst>
-                          </p:cTn>
-                        </p:par>
-                      </p:childTnLst>
-                    </p:cTn>
-                  </p:par>
-                  <p:par>
-                    <p:cTn id="40" fill="hold">
-                      <p:stCondLst>
-                        <p:cond delay="indefinite"/>
-                      </p:stCondLst>
-                      <p:childTnLst>
-                        <p:par>
-                          <p:cTn id="41" fill="hold">
-                            <p:stCondLst>
-                              <p:cond delay="0"/>
-                            </p:stCondLst>
-                            <p:childTnLst>
-                              <p:par>
-                                <p:cTn id="42" presetID="1" presetClass="entr" presetSubtype="0" fill="hold" grpId="0" nodeType="clickEffect">
-                                  <p:stCondLst>
-                                    <p:cond delay="0"/>
-                                  </p:stCondLst>
-                                  <p:childTnLst>
-                                    <p:set>
-                                      <p:cBhvr>
-                                        <p:cTn id="43" dur="1" fill="hold">
-                                          <p:stCondLst>
-                                            <p:cond delay="0"/>
-                                          </p:stCondLst>
-                                        </p:cTn>
-                                        <p:tgtEl>
-                                          <p:spTgt spid="29"/>
-                                        </p:tgtEl>
-                                        <p:attrNameLst>
-                                          <p:attrName>style.visibility</p:attrName>
-                                        </p:attrNameLst>
-                                      </p:cBhvr>
-                                      <p:to>
-                                        <p:strVal val="visible"/>
-                                      </p:to>
-                                    </p:set>
-                                  </p:childTnLst>
-                                </p:cTn>
-                              </p:par>
-                              <p:par>
-                                <p:cTn id="44" presetID="1" presetClass="entr" presetSubtype="0" fill="hold" grpId="0" nodeType="withEffect">
-                                  <p:stCondLst>
-                                    <p:cond delay="0"/>
-                                  </p:stCondLst>
-                                  <p:childTnLst>
-                                    <p:set>
-                                      <p:cBhvr>
-                                        <p:cTn id="45" dur="1" fill="hold">
-                                          <p:stCondLst>
-                                            <p:cond delay="0"/>
-                                          </p:stCondLst>
-                                        </p:cTn>
-                                        <p:tgtEl>
-                                          <p:spTgt spid="2"/>
-                                        </p:tgtEl>
-                                        <p:attrNameLst>
-                                          <p:attrName>style.visibility</p:attrName>
-                                        </p:attrNameLst>
-                                      </p:cBhvr>
-                                      <p:to>
-                                        <p:strVal val="visible"/>
-                                      </p:to>
-                                    </p:set>
-                                  </p:childTnLst>
-                                </p:cTn>
-                              </p:par>
-                              <p:par>
-                                <p:cTn id="46" presetID="1" presetClass="entr" presetSubtype="0" fill="hold" grpId="0" nodeType="withEffect">
-                                  <p:stCondLst>
-                                    <p:cond delay="0"/>
-                                  </p:stCondLst>
-                                  <p:childTnLst>
-                                    <p:set>
-                                      <p:cBhvr>
-                                        <p:cTn id="47" dur="1" fill="hold">
-                                          <p:stCondLst>
-                                            <p:cond delay="0"/>
-                                          </p:stCondLst>
-                                        </p:cTn>
-                                        <p:tgtEl>
-                                          <p:spTgt spid="31"/>
-                                        </p:tgtEl>
-                                        <p:attrNameLst>
-                                          <p:attrName>style.visibility</p:attrName>
-                                        </p:attrNameLst>
-                                      </p:cBhvr>
-                                      <p:to>
-                                        <p:strVal val="visible"/>
-                                      </p:to>
-                                    </p:set>
-                                  </p:childTnLst>
-                                </p:cTn>
-                              </p:par>
-                            </p:childTnLst>
-                          </p:cTn>
-                        </p:par>
-                      </p:childTnLst>
-                    </p:cTn>
-                  </p:par>
-                </p:childTnLst>
-              </p:cTn>
-              <p:prevCondLst>
-                <p:cond evt="onPrev" delay="0">
-                  <p:tgtEl>
-                    <p:sldTgt/>
-                  </p:tgtEl>
-                </p:cond>
-              </p:prevCondLst>
-              <p:nextCondLst>
-                <p:cond evt="onNext" delay="0">
-                  <p:tgtEl>
-                    <p:sldTgt/>
-                  </p:tgtEl>
-                </p:cond>
-              </p:nextCondLst>
-            </p:seq>
-          </p:childTnLst>
-        </p:cTn>
-      </p:par>
-    </p:tnLst>
-    <p:bldLst>
-      <p:bldP spid="54" grpId="0" animBg="1"/>
-      <p:bldP spid="2" grpId="0"/>
-      <p:bldP spid="29" grpId="0"/>
-      <p:bldP spid="31" grpId="0"/>
-    </p:bldLst>
-  </p:timing>
-</p:sld>
-</file>
-
-<file path=ppt/slides/slide12.xml><?xml version="1.0" encoding="utf-8"?>
 <p:sld xmlns:a="http://schemas.openxmlformats.org/drawingml/2006/main" xmlns:r="http://schemas.openxmlformats.org/officeDocument/2006/relationships" xmlns:p="http://schemas.openxmlformats.org/presentationml/2006/main">
   <p:cSld>
     <p:spTree>
@@ -7830,7 +6599,7 @@
     </p:spTree>
     <p:extLst>
       <p:ext uri="{BB962C8B-B14F-4D97-AF65-F5344CB8AC3E}">
-        <p14:creationId xmlns:p14="http://schemas.microsoft.com/office/powerpoint/2010/main" val="3869864589"/>
+        <p14:creationId xmlns:p14="http://schemas.microsoft.com/office/powerpoint/2010/main" val="363803896"/>
       </p:ext>
     </p:extLst>
   </p:cSld>
@@ -8333,7 +7102,7 @@
 </p:sld>
 </file>
 
-<file path=ppt/slides/slide13.xml><?xml version="1.0" encoding="utf-8"?>
+<file path=ppt/slides/slide11.xml><?xml version="1.0" encoding="utf-8"?>
 <p:sld xmlns:a="http://schemas.openxmlformats.org/drawingml/2006/main" xmlns:r="http://schemas.openxmlformats.org/officeDocument/2006/relationships" xmlns:p="http://schemas.openxmlformats.org/presentationml/2006/main">
   <p:cSld>
     <p:spTree>
@@ -8913,7 +7682,7 @@
 </p:sld>
 </file>
 
-<file path=ppt/slides/slide14.xml><?xml version="1.0" encoding="utf-8"?>
+<file path=ppt/slides/slide12.xml><?xml version="1.0" encoding="utf-8"?>
 <p:sld xmlns:a="http://schemas.openxmlformats.org/drawingml/2006/main" xmlns:r="http://schemas.openxmlformats.org/officeDocument/2006/relationships" xmlns:p="http://schemas.openxmlformats.org/presentationml/2006/main">
   <p:cSld>
     <p:spTree>
@@ -9408,7 +8177,7 @@
 </p:sld>
 </file>
 
-<file path=ppt/slides/slide15.xml><?xml version="1.0" encoding="utf-8"?>
+<file path=ppt/slides/slide13.xml><?xml version="1.0" encoding="utf-8"?>
 <p:sld xmlns:a="http://schemas.openxmlformats.org/drawingml/2006/main" xmlns:r="http://schemas.openxmlformats.org/officeDocument/2006/relationships" xmlns:p="http://schemas.openxmlformats.org/presentationml/2006/main">
   <p:cSld>
     <p:spTree>
@@ -9992,7 +8761,7 @@
 </p:sld>
 </file>
 
-<file path=ppt/slides/slide16.xml><?xml version="1.0" encoding="utf-8"?>
+<file path=ppt/slides/slide14.xml><?xml version="1.0" encoding="utf-8"?>
 <p:sld xmlns:a="http://schemas.openxmlformats.org/drawingml/2006/main" xmlns:r="http://schemas.openxmlformats.org/officeDocument/2006/relationships" xmlns:p="http://schemas.openxmlformats.org/presentationml/2006/main">
   <p:cSld>
     <p:spTree>
@@ -10374,6 +9143,1374 @@
     <p:extLst>
       <p:ext uri="{BB962C8B-B14F-4D97-AF65-F5344CB8AC3E}">
         <p14:creationId xmlns:p14="http://schemas.microsoft.com/office/powerpoint/2010/main" val="3814784570"/>
+      </p:ext>
+    </p:extLst>
+  </p:cSld>
+  <p:clrMapOvr>
+    <a:masterClrMapping/>
+  </p:clrMapOvr>
+</p:sld>
+</file>
+
+<file path=ppt/slides/slide15.xml><?xml version="1.0" encoding="utf-8"?>
+<p:sld xmlns:a="http://schemas.openxmlformats.org/drawingml/2006/main" xmlns:r="http://schemas.openxmlformats.org/officeDocument/2006/relationships" xmlns:p="http://schemas.openxmlformats.org/presentationml/2006/main">
+  <p:cSld>
+    <p:spTree>
+      <p:nvGrpSpPr>
+        <p:cNvPr id="1" name=""/>
+        <p:cNvGrpSpPr/>
+        <p:nvPr/>
+      </p:nvGrpSpPr>
+      <p:grpSpPr>
+        <a:xfrm>
+          <a:off x="0" y="0"/>
+          <a:ext cx="0" cy="0"/>
+          <a:chOff x="0" y="0"/>
+          <a:chExt cx="0" cy="0"/>
+        </a:xfrm>
+      </p:grpSpPr>
+      <p:grpSp>
+        <p:nvGrpSpPr>
+          <p:cNvPr id="40" name="Agrupar 39">
+            <a:extLst>
+              <a:ext uri="{FF2B5EF4-FFF2-40B4-BE49-F238E27FC236}">
+                <a16:creationId xmlns:a16="http://schemas.microsoft.com/office/drawing/2014/main" id="{C2FD8914-BBB1-4331-BBA1-144D45251013}"/>
+              </a:ext>
+            </a:extLst>
+          </p:cNvPr>
+          <p:cNvGrpSpPr/>
+          <p:nvPr/>
+        </p:nvGrpSpPr>
+        <p:grpSpPr>
+          <a:xfrm>
+            <a:off x="1733120" y="1788359"/>
+            <a:ext cx="1176925" cy="976494"/>
+            <a:chOff x="1933387" y="1225727"/>
+            <a:chExt cx="1176925" cy="976494"/>
+          </a:xfrm>
+        </p:grpSpPr>
+        <p:sp>
+          <p:nvSpPr>
+            <p:cNvPr id="13" name="Retângulo: Cantos Arredondados 12">
+              <a:extLst>
+                <a:ext uri="{FF2B5EF4-FFF2-40B4-BE49-F238E27FC236}">
+                  <a16:creationId xmlns:a16="http://schemas.microsoft.com/office/drawing/2014/main" id="{BAE37BBB-F557-4594-9905-D55F1D2C8E21}"/>
+                </a:ext>
+              </a:extLst>
+            </p:cNvPr>
+            <p:cNvSpPr/>
+            <p:nvPr/>
+          </p:nvSpPr>
+          <p:spPr>
+            <a:xfrm>
+              <a:off x="2199981" y="1595059"/>
+              <a:ext cx="643738" cy="607162"/>
+            </a:xfrm>
+            <a:prstGeom prst="roundRect">
+              <a:avLst/>
+            </a:prstGeom>
+          </p:spPr>
+          <p:style>
+            <a:lnRef idx="2">
+              <a:schemeClr val="accent1">
+                <a:shade val="50000"/>
+              </a:schemeClr>
+            </a:lnRef>
+            <a:fillRef idx="1">
+              <a:schemeClr val="accent1"/>
+            </a:fillRef>
+            <a:effectRef idx="0">
+              <a:schemeClr val="accent1"/>
+            </a:effectRef>
+            <a:fontRef idx="minor">
+              <a:schemeClr val="lt1"/>
+            </a:fontRef>
+          </p:style>
+          <p:txBody>
+            <a:bodyPr rtlCol="0" anchor="ctr"/>
+            <a:lstStyle/>
+            <a:p>
+              <a:pPr algn="ctr"/>
+              <a:endParaRPr lang="en-US"/>
+            </a:p>
+          </p:txBody>
+        </p:sp>
+        <p:sp>
+          <p:nvSpPr>
+            <p:cNvPr id="14" name="CaixaDeTexto 13">
+              <a:extLst>
+                <a:ext uri="{FF2B5EF4-FFF2-40B4-BE49-F238E27FC236}">
+                  <a16:creationId xmlns:a16="http://schemas.microsoft.com/office/drawing/2014/main" id="{69813EEF-5686-4A83-A5D7-341B2EFDED3B}"/>
+                </a:ext>
+              </a:extLst>
+            </p:cNvPr>
+            <p:cNvSpPr txBox="1"/>
+            <p:nvPr/>
+          </p:nvSpPr>
+          <p:spPr>
+            <a:xfrm>
+              <a:off x="1933387" y="1225727"/>
+              <a:ext cx="1176925" cy="369332"/>
+            </a:xfrm>
+            <a:prstGeom prst="rect">
+              <a:avLst/>
+            </a:prstGeom>
+            <a:noFill/>
+          </p:spPr>
+          <p:txBody>
+            <a:bodyPr wrap="none" rtlCol="0">
+              <a:spAutoFit/>
+            </a:bodyPr>
+            <a:lstStyle/>
+            <a:p>
+              <a:r>
+                <a:rPr lang="en-US" dirty="0"/>
+                <a:t>10.10.10.3</a:t>
+              </a:r>
+            </a:p>
+          </p:txBody>
+        </p:sp>
+        <p:pic>
+          <p:nvPicPr>
+            <p:cNvPr id="18" name="Imagem 17">
+              <a:extLst>
+                <a:ext uri="{FF2B5EF4-FFF2-40B4-BE49-F238E27FC236}">
+                  <a16:creationId xmlns:a16="http://schemas.microsoft.com/office/drawing/2014/main" id="{BD1015D3-DCE6-4CFE-930D-6FEB6F8E3719}"/>
+                </a:ext>
+              </a:extLst>
+            </p:cNvPr>
+            <p:cNvPicPr>
+              <a:picLocks noChangeAspect="1"/>
+            </p:cNvPicPr>
+            <p:nvPr/>
+          </p:nvPicPr>
+          <p:blipFill>
+            <a:blip r:embed="rId2"/>
+            <a:stretch>
+              <a:fillRect/>
+            </a:stretch>
+          </p:blipFill>
+          <p:spPr>
+            <a:xfrm>
+              <a:off x="2298553" y="1682841"/>
+              <a:ext cx="426016" cy="454283"/>
+            </a:xfrm>
+            <a:prstGeom prst="rect">
+              <a:avLst/>
+            </a:prstGeom>
+          </p:spPr>
+        </p:pic>
+      </p:grpSp>
+      <p:grpSp>
+        <p:nvGrpSpPr>
+          <p:cNvPr id="41" name="Agrupar 40">
+            <a:extLst>
+              <a:ext uri="{FF2B5EF4-FFF2-40B4-BE49-F238E27FC236}">
+                <a16:creationId xmlns:a16="http://schemas.microsoft.com/office/drawing/2014/main" id="{C25C5894-8C7A-4AF7-B9D5-DD51D8C3BAED}"/>
+              </a:ext>
+            </a:extLst>
+          </p:cNvPr>
+          <p:cNvGrpSpPr/>
+          <p:nvPr/>
+        </p:nvGrpSpPr>
+        <p:grpSpPr>
+          <a:xfrm>
+            <a:off x="6020521" y="1788359"/>
+            <a:ext cx="1176925" cy="976494"/>
+            <a:chOff x="3398390" y="2716809"/>
+            <a:chExt cx="1176925" cy="976494"/>
+          </a:xfrm>
+        </p:grpSpPr>
+        <p:sp>
+          <p:nvSpPr>
+            <p:cNvPr id="37" name="Retângulo: Cantos Arredondados 36">
+              <a:extLst>
+                <a:ext uri="{FF2B5EF4-FFF2-40B4-BE49-F238E27FC236}">
+                  <a16:creationId xmlns:a16="http://schemas.microsoft.com/office/drawing/2014/main" id="{7227D09E-CF8D-4887-A09B-AF90093722D1}"/>
+                </a:ext>
+              </a:extLst>
+            </p:cNvPr>
+            <p:cNvSpPr/>
+            <p:nvPr/>
+          </p:nvSpPr>
+          <p:spPr>
+            <a:xfrm>
+              <a:off x="3664984" y="3086141"/>
+              <a:ext cx="643738" cy="607162"/>
+            </a:xfrm>
+            <a:prstGeom prst="roundRect">
+              <a:avLst/>
+            </a:prstGeom>
+          </p:spPr>
+          <p:style>
+            <a:lnRef idx="2">
+              <a:schemeClr val="accent1">
+                <a:shade val="50000"/>
+              </a:schemeClr>
+            </a:lnRef>
+            <a:fillRef idx="1">
+              <a:schemeClr val="accent1"/>
+            </a:fillRef>
+            <a:effectRef idx="0">
+              <a:schemeClr val="accent1"/>
+            </a:effectRef>
+            <a:fontRef idx="minor">
+              <a:schemeClr val="lt1"/>
+            </a:fontRef>
+          </p:style>
+          <p:txBody>
+            <a:bodyPr rtlCol="0" anchor="ctr"/>
+            <a:lstStyle/>
+            <a:p>
+              <a:pPr algn="ctr"/>
+              <a:endParaRPr lang="en-US"/>
+            </a:p>
+          </p:txBody>
+        </p:sp>
+        <p:sp>
+          <p:nvSpPr>
+            <p:cNvPr id="38" name="CaixaDeTexto 37">
+              <a:extLst>
+                <a:ext uri="{FF2B5EF4-FFF2-40B4-BE49-F238E27FC236}">
+                  <a16:creationId xmlns:a16="http://schemas.microsoft.com/office/drawing/2014/main" id="{15156345-78A9-4AF9-8167-DA2CED769F33}"/>
+                </a:ext>
+              </a:extLst>
+            </p:cNvPr>
+            <p:cNvSpPr txBox="1"/>
+            <p:nvPr/>
+          </p:nvSpPr>
+          <p:spPr>
+            <a:xfrm>
+              <a:off x="3398390" y="2716809"/>
+              <a:ext cx="1176925" cy="369332"/>
+            </a:xfrm>
+            <a:prstGeom prst="rect">
+              <a:avLst/>
+            </a:prstGeom>
+            <a:noFill/>
+          </p:spPr>
+          <p:txBody>
+            <a:bodyPr wrap="none" rtlCol="0">
+              <a:spAutoFit/>
+            </a:bodyPr>
+            <a:lstStyle/>
+            <a:p>
+              <a:r>
+                <a:rPr lang="en-US" dirty="0"/>
+                <a:t>10.10.10.6</a:t>
+              </a:r>
+            </a:p>
+          </p:txBody>
+        </p:sp>
+        <p:pic>
+          <p:nvPicPr>
+            <p:cNvPr id="30" name="Imagem 29">
+              <a:extLst>
+                <a:ext uri="{FF2B5EF4-FFF2-40B4-BE49-F238E27FC236}">
+                  <a16:creationId xmlns:a16="http://schemas.microsoft.com/office/drawing/2014/main" id="{7227F401-5B27-46B5-95DC-135256522077}"/>
+                </a:ext>
+              </a:extLst>
+            </p:cNvPr>
+            <p:cNvPicPr>
+              <a:picLocks noChangeAspect="1"/>
+            </p:cNvPicPr>
+            <p:nvPr/>
+          </p:nvPicPr>
+          <p:blipFill>
+            <a:blip r:embed="rId3"/>
+            <a:stretch>
+              <a:fillRect/>
+            </a:stretch>
+          </p:blipFill>
+          <p:spPr>
+            <a:xfrm flipH="1">
+              <a:off x="3768686" y="3154225"/>
+              <a:ext cx="436332" cy="470994"/>
+            </a:xfrm>
+            <a:prstGeom prst="rect">
+              <a:avLst/>
+            </a:prstGeom>
+          </p:spPr>
+        </p:pic>
+      </p:grpSp>
+      <p:sp>
+        <p:nvSpPr>
+          <p:cNvPr id="54" name="Retângulo: Cantos Arredondados 53">
+            <a:extLst>
+              <a:ext uri="{FF2B5EF4-FFF2-40B4-BE49-F238E27FC236}">
+                <a16:creationId xmlns:a16="http://schemas.microsoft.com/office/drawing/2014/main" id="{B27EC887-3A6C-4CFF-96C1-AF1778F2172F}"/>
+              </a:ext>
+            </a:extLst>
+          </p:cNvPr>
+          <p:cNvSpPr/>
+          <p:nvPr/>
+        </p:nvSpPr>
+        <p:spPr>
+          <a:xfrm>
+            <a:off x="4175696" y="2276606"/>
+            <a:ext cx="988693" cy="369332"/>
+          </a:xfrm>
+          <a:prstGeom prst="roundRect">
+            <a:avLst/>
+          </a:prstGeom>
+        </p:spPr>
+        <p:style>
+          <a:lnRef idx="2">
+            <a:schemeClr val="accent1">
+              <a:shade val="50000"/>
+            </a:schemeClr>
+          </a:lnRef>
+          <a:fillRef idx="1">
+            <a:schemeClr val="accent1"/>
+          </a:fillRef>
+          <a:effectRef idx="0">
+            <a:schemeClr val="accent1"/>
+          </a:effectRef>
+          <a:fontRef idx="minor">
+            <a:schemeClr val="lt1"/>
+          </a:fontRef>
+        </p:style>
+        <p:txBody>
+          <a:bodyPr rtlCol="0" anchor="ctr"/>
+          <a:lstStyle/>
+          <a:p>
+            <a:pPr algn="ctr"/>
+            <a:r>
+              <a:rPr lang="en-US" dirty="0"/>
+              <a:t>Service</a:t>
+            </a:r>
+          </a:p>
+        </p:txBody>
+      </p:sp>
+      <p:cxnSp>
+        <p:nvCxnSpPr>
+          <p:cNvPr id="62" name="Conector de Seta Reta 61">
+            <a:extLst>
+              <a:ext uri="{FF2B5EF4-FFF2-40B4-BE49-F238E27FC236}">
+                <a16:creationId xmlns:a16="http://schemas.microsoft.com/office/drawing/2014/main" id="{242DBA31-0DBC-48C0-B783-0E7173C85F3E}"/>
+              </a:ext>
+            </a:extLst>
+          </p:cNvPr>
+          <p:cNvCxnSpPr>
+            <a:cxnSpLocks/>
+          </p:cNvCxnSpPr>
+          <p:nvPr/>
+        </p:nvCxnSpPr>
+        <p:spPr>
+          <a:xfrm>
+            <a:off x="2855846" y="2461272"/>
+            <a:ext cx="1139432" cy="0"/>
+          </a:xfrm>
+          <a:prstGeom prst="straightConnector1">
+            <a:avLst/>
+          </a:prstGeom>
+          <a:ln>
+            <a:tailEnd type="triangle"/>
+          </a:ln>
+        </p:spPr>
+        <p:style>
+          <a:lnRef idx="1">
+            <a:schemeClr val="accent1"/>
+          </a:lnRef>
+          <a:fillRef idx="0">
+            <a:schemeClr val="accent1"/>
+          </a:fillRef>
+          <a:effectRef idx="0">
+            <a:schemeClr val="accent1"/>
+          </a:effectRef>
+          <a:fontRef idx="minor">
+            <a:schemeClr val="tx1"/>
+          </a:fontRef>
+        </p:style>
+      </p:cxnSp>
+      <p:cxnSp>
+        <p:nvCxnSpPr>
+          <p:cNvPr id="39" name="Conector de Seta Reta 38">
+            <a:extLst>
+              <a:ext uri="{FF2B5EF4-FFF2-40B4-BE49-F238E27FC236}">
+                <a16:creationId xmlns:a16="http://schemas.microsoft.com/office/drawing/2014/main" id="{5548C575-A8B0-4DE8-A421-6DEFAC4B7F8A}"/>
+              </a:ext>
+            </a:extLst>
+          </p:cNvPr>
+          <p:cNvCxnSpPr>
+            <a:cxnSpLocks/>
+          </p:cNvCxnSpPr>
+          <p:nvPr/>
+        </p:nvCxnSpPr>
+        <p:spPr>
+          <a:xfrm flipV="1">
+            <a:off x="5288741" y="2444259"/>
+            <a:ext cx="879224" cy="11342"/>
+          </a:xfrm>
+          <a:prstGeom prst="straightConnector1">
+            <a:avLst/>
+          </a:prstGeom>
+          <a:ln>
+            <a:tailEnd type="triangle"/>
+          </a:ln>
+        </p:spPr>
+        <p:style>
+          <a:lnRef idx="1">
+            <a:schemeClr val="accent1"/>
+          </a:lnRef>
+          <a:fillRef idx="0">
+            <a:schemeClr val="accent1"/>
+          </a:fillRef>
+          <a:effectRef idx="0">
+            <a:schemeClr val="accent1"/>
+          </a:effectRef>
+          <a:fontRef idx="minor">
+            <a:schemeClr val="tx1"/>
+          </a:fontRef>
+        </p:style>
+      </p:cxnSp>
+      <p:sp>
+        <p:nvSpPr>
+          <p:cNvPr id="52" name="CaixaDeTexto 51">
+            <a:extLst>
+              <a:ext uri="{FF2B5EF4-FFF2-40B4-BE49-F238E27FC236}">
+                <a16:creationId xmlns:a16="http://schemas.microsoft.com/office/drawing/2014/main" id="{AD235B97-ED7F-433F-84F5-55EF8D2EFE0D}"/>
+              </a:ext>
+            </a:extLst>
+          </p:cNvPr>
+          <p:cNvSpPr txBox="1"/>
+          <p:nvPr/>
+        </p:nvSpPr>
+        <p:spPr>
+          <a:xfrm>
+            <a:off x="1848090" y="2852635"/>
+            <a:ext cx="926407" cy="369332"/>
+          </a:xfrm>
+          <a:prstGeom prst="rect">
+            <a:avLst/>
+          </a:prstGeom>
+          <a:noFill/>
+        </p:spPr>
+        <p:txBody>
+          <a:bodyPr wrap="none" rtlCol="0">
+            <a:spAutoFit/>
+          </a:bodyPr>
+          <a:lstStyle/>
+          <a:p>
+            <a:r>
+              <a:rPr lang="en-US" dirty="0" err="1"/>
+              <a:t>WebApi</a:t>
+            </a:r>
+            <a:endParaRPr lang="en-US" dirty="0"/>
+          </a:p>
+        </p:txBody>
+      </p:sp>
+      <p:sp>
+        <p:nvSpPr>
+          <p:cNvPr id="53" name="CaixaDeTexto 52">
+            <a:extLst>
+              <a:ext uri="{FF2B5EF4-FFF2-40B4-BE49-F238E27FC236}">
+                <a16:creationId xmlns:a16="http://schemas.microsoft.com/office/drawing/2014/main" id="{5C0A7077-4C81-4AFF-A5F9-59B0F555FE0D}"/>
+              </a:ext>
+            </a:extLst>
+          </p:cNvPr>
+          <p:cNvSpPr txBox="1"/>
+          <p:nvPr/>
+        </p:nvSpPr>
+        <p:spPr>
+          <a:xfrm>
+            <a:off x="6047771" y="2798671"/>
+            <a:ext cx="1122423" cy="369332"/>
+          </a:xfrm>
+          <a:prstGeom prst="rect">
+            <a:avLst/>
+          </a:prstGeom>
+          <a:noFill/>
+        </p:spPr>
+        <p:txBody>
+          <a:bodyPr wrap="none" rtlCol="0">
+            <a:spAutoFit/>
+          </a:bodyPr>
+          <a:lstStyle/>
+          <a:p>
+            <a:r>
+              <a:rPr lang="en-US" dirty="0"/>
+              <a:t>MongoDB</a:t>
+            </a:r>
+          </a:p>
+        </p:txBody>
+      </p:sp>
+      <p:sp>
+        <p:nvSpPr>
+          <p:cNvPr id="2" name="CaixaDeTexto 1">
+            <a:extLst>
+              <a:ext uri="{FF2B5EF4-FFF2-40B4-BE49-F238E27FC236}">
+                <a16:creationId xmlns:a16="http://schemas.microsoft.com/office/drawing/2014/main" id="{E9FE93EA-1F42-4A35-A299-3A860CFE411D}"/>
+              </a:ext>
+            </a:extLst>
+          </p:cNvPr>
+          <p:cNvSpPr txBox="1"/>
+          <p:nvPr/>
+        </p:nvSpPr>
+        <p:spPr>
+          <a:xfrm>
+            <a:off x="7105754" y="2121093"/>
+            <a:ext cx="1614545" cy="646331"/>
+          </a:xfrm>
+          <a:prstGeom prst="rect">
+            <a:avLst/>
+          </a:prstGeom>
+          <a:noFill/>
+        </p:spPr>
+        <p:txBody>
+          <a:bodyPr wrap="none" rtlCol="0">
+            <a:spAutoFit/>
+          </a:bodyPr>
+          <a:lstStyle/>
+          <a:p>
+            <a:r>
+              <a:rPr lang="en-US" dirty="0"/>
+              <a:t>Label</a:t>
+            </a:r>
+            <a:br>
+              <a:rPr lang="en-US" dirty="0"/>
+            </a:br>
+            <a:r>
+              <a:rPr lang="en-US" dirty="0"/>
+              <a:t>App=MongoDB</a:t>
+            </a:r>
+            <a:endParaRPr lang="pt-BR" dirty="0"/>
+          </a:p>
+        </p:txBody>
+      </p:sp>
+      <p:sp>
+        <p:nvSpPr>
+          <p:cNvPr id="16" name="CaixaDeTexto 15">
+            <a:extLst>
+              <a:ext uri="{FF2B5EF4-FFF2-40B4-BE49-F238E27FC236}">
+                <a16:creationId xmlns:a16="http://schemas.microsoft.com/office/drawing/2014/main" id="{A6086D2A-5289-4F5A-9438-E594C67998AF}"/>
+              </a:ext>
+            </a:extLst>
+          </p:cNvPr>
+          <p:cNvSpPr txBox="1"/>
+          <p:nvPr/>
+        </p:nvSpPr>
+        <p:spPr>
+          <a:xfrm>
+            <a:off x="4032771" y="1542341"/>
+            <a:ext cx="1614545" cy="646331"/>
+          </a:xfrm>
+          <a:prstGeom prst="rect">
+            <a:avLst/>
+          </a:prstGeom>
+          <a:noFill/>
+        </p:spPr>
+        <p:txBody>
+          <a:bodyPr wrap="none" rtlCol="0">
+            <a:spAutoFit/>
+          </a:bodyPr>
+          <a:lstStyle/>
+          <a:p>
+            <a:r>
+              <a:rPr lang="en-US" dirty="0"/>
+              <a:t>Selector</a:t>
+            </a:r>
+            <a:br>
+              <a:rPr lang="en-US" dirty="0"/>
+            </a:br>
+            <a:r>
+              <a:rPr lang="en-US" dirty="0"/>
+              <a:t>App=MongoDB</a:t>
+            </a:r>
+            <a:endParaRPr lang="pt-BR" dirty="0"/>
+          </a:p>
+        </p:txBody>
+      </p:sp>
+      <p:sp>
+        <p:nvSpPr>
+          <p:cNvPr id="17" name="CaixaDeTexto 16">
+            <a:extLst>
+              <a:ext uri="{FF2B5EF4-FFF2-40B4-BE49-F238E27FC236}">
+                <a16:creationId xmlns:a16="http://schemas.microsoft.com/office/drawing/2014/main" id="{3C0764C7-8E27-4EC1-88D5-A3C1135090EA}"/>
+              </a:ext>
+            </a:extLst>
+          </p:cNvPr>
+          <p:cNvSpPr txBox="1"/>
+          <p:nvPr/>
+        </p:nvSpPr>
+        <p:spPr>
+          <a:xfrm>
+            <a:off x="0" y="140167"/>
+            <a:ext cx="9144000" cy="769441"/>
+          </a:xfrm>
+          <a:prstGeom prst="rect">
+            <a:avLst/>
+          </a:prstGeom>
+          <a:noFill/>
+        </p:spPr>
+        <p:txBody>
+          <a:bodyPr wrap="square" rtlCol="0">
+            <a:spAutoFit/>
+          </a:bodyPr>
+          <a:lstStyle/>
+          <a:p>
+            <a:pPr algn="ctr"/>
+            <a:r>
+              <a:rPr lang="en-US" sz="4400" dirty="0"/>
+              <a:t>Labels e Selectors</a:t>
+            </a:r>
+          </a:p>
+        </p:txBody>
+      </p:sp>
+    </p:spTree>
+    <p:extLst>
+      <p:ext uri="{BB962C8B-B14F-4D97-AF65-F5344CB8AC3E}">
+        <p14:creationId xmlns:p14="http://schemas.microsoft.com/office/powerpoint/2010/main" val="336372892"/>
+      </p:ext>
+    </p:extLst>
+  </p:cSld>
+  <p:clrMapOvr>
+    <a:masterClrMapping/>
+  </p:clrMapOvr>
+  <p:timing>
+    <p:tnLst>
+      <p:par>
+        <p:cTn id="1" dur="indefinite" restart="never" nodeType="tmRoot">
+          <p:childTnLst>
+            <p:seq concurrent="1" nextAc="seek">
+              <p:cTn id="2" dur="indefinite" nodeType="mainSeq">
+                <p:childTnLst>
+                  <p:par>
+                    <p:cTn id="3" fill="hold">
+                      <p:stCondLst>
+                        <p:cond delay="indefinite"/>
+                      </p:stCondLst>
+                      <p:childTnLst>
+                        <p:par>
+                          <p:cTn id="4" fill="hold">
+                            <p:stCondLst>
+                              <p:cond delay="0"/>
+                            </p:stCondLst>
+                            <p:childTnLst>
+                              <p:par>
+                                <p:cTn id="5" presetID="1" presetClass="entr" presetSubtype="0" fill="hold" grpId="0" nodeType="clickEffect">
+                                  <p:stCondLst>
+                                    <p:cond delay="0"/>
+                                  </p:stCondLst>
+                                  <p:childTnLst>
+                                    <p:set>
+                                      <p:cBhvr>
+                                        <p:cTn id="6" dur="1" fill="hold">
+                                          <p:stCondLst>
+                                            <p:cond delay="0"/>
+                                          </p:stCondLst>
+                                        </p:cTn>
+                                        <p:tgtEl>
+                                          <p:spTgt spid="2"/>
+                                        </p:tgtEl>
+                                        <p:attrNameLst>
+                                          <p:attrName>style.visibility</p:attrName>
+                                        </p:attrNameLst>
+                                      </p:cBhvr>
+                                      <p:to>
+                                        <p:strVal val="visible"/>
+                                      </p:to>
+                                    </p:set>
+                                  </p:childTnLst>
+                                </p:cTn>
+                              </p:par>
+                            </p:childTnLst>
+                          </p:cTn>
+                        </p:par>
+                      </p:childTnLst>
+                    </p:cTn>
+                  </p:par>
+                  <p:par>
+                    <p:cTn id="7" fill="hold">
+                      <p:stCondLst>
+                        <p:cond delay="indefinite"/>
+                      </p:stCondLst>
+                      <p:childTnLst>
+                        <p:par>
+                          <p:cTn id="8" fill="hold">
+                            <p:stCondLst>
+                              <p:cond delay="0"/>
+                            </p:stCondLst>
+                            <p:childTnLst>
+                              <p:par>
+                                <p:cTn id="9" presetID="1" presetClass="entr" presetSubtype="0" fill="hold" grpId="0" nodeType="clickEffect">
+                                  <p:stCondLst>
+                                    <p:cond delay="0"/>
+                                  </p:stCondLst>
+                                  <p:childTnLst>
+                                    <p:set>
+                                      <p:cBhvr>
+                                        <p:cTn id="10" dur="1" fill="hold">
+                                          <p:stCondLst>
+                                            <p:cond delay="0"/>
+                                          </p:stCondLst>
+                                        </p:cTn>
+                                        <p:tgtEl>
+                                          <p:spTgt spid="16"/>
+                                        </p:tgtEl>
+                                        <p:attrNameLst>
+                                          <p:attrName>style.visibility</p:attrName>
+                                        </p:attrNameLst>
+                                      </p:cBhvr>
+                                      <p:to>
+                                        <p:strVal val="visible"/>
+                                      </p:to>
+                                    </p:set>
+                                  </p:childTnLst>
+                                </p:cTn>
+                              </p:par>
+                            </p:childTnLst>
+                          </p:cTn>
+                        </p:par>
+                      </p:childTnLst>
+                    </p:cTn>
+                  </p:par>
+                </p:childTnLst>
+              </p:cTn>
+              <p:prevCondLst>
+                <p:cond evt="onPrev" delay="0">
+                  <p:tgtEl>
+                    <p:sldTgt/>
+                  </p:tgtEl>
+                </p:cond>
+              </p:prevCondLst>
+              <p:nextCondLst>
+                <p:cond evt="onNext" delay="0">
+                  <p:tgtEl>
+                    <p:sldTgt/>
+                  </p:tgtEl>
+                </p:cond>
+              </p:nextCondLst>
+            </p:seq>
+          </p:childTnLst>
+        </p:cTn>
+      </p:par>
+    </p:tnLst>
+    <p:bldLst>
+      <p:bldP spid="2" grpId="0"/>
+      <p:bldP spid="16" grpId="0"/>
+    </p:bldLst>
+  </p:timing>
+</p:sld>
+</file>
+
+<file path=ppt/slides/slide16.xml><?xml version="1.0" encoding="utf-8"?>
+<p:sld xmlns:a="http://schemas.openxmlformats.org/drawingml/2006/main" xmlns:r="http://schemas.openxmlformats.org/officeDocument/2006/relationships" xmlns:p="http://schemas.openxmlformats.org/presentationml/2006/main">
+  <p:cSld>
+    <p:spTree>
+      <p:nvGrpSpPr>
+        <p:cNvPr id="1" name=""/>
+        <p:cNvGrpSpPr/>
+        <p:nvPr/>
+      </p:nvGrpSpPr>
+      <p:grpSpPr>
+        <a:xfrm>
+          <a:off x="0" y="0"/>
+          <a:ext cx="0" cy="0"/>
+          <a:chOff x="0" y="0"/>
+          <a:chExt cx="0" cy="0"/>
+        </a:xfrm>
+      </p:grpSpPr>
+      <p:pic>
+        <p:nvPicPr>
+          <p:cNvPr id="4" name="Imagem 3">
+            <a:extLst>
+              <a:ext uri="{FF2B5EF4-FFF2-40B4-BE49-F238E27FC236}">
+                <a16:creationId xmlns:a16="http://schemas.microsoft.com/office/drawing/2014/main" id="{05E2AE95-662D-4385-A14F-DB0AB75E1B6B}"/>
+              </a:ext>
+            </a:extLst>
+          </p:cNvPr>
+          <p:cNvPicPr>
+            <a:picLocks noChangeAspect="1"/>
+          </p:cNvPicPr>
+          <p:nvPr/>
+        </p:nvPicPr>
+        <p:blipFill>
+          <a:blip r:embed="rId2"/>
+          <a:stretch>
+            <a:fillRect/>
+          </a:stretch>
+        </p:blipFill>
+        <p:spPr>
+          <a:xfrm>
+            <a:off x="1149705" y="225803"/>
+            <a:ext cx="6844589" cy="4342731"/>
+          </a:xfrm>
+          <a:prstGeom prst="rect">
+            <a:avLst/>
+          </a:prstGeom>
+        </p:spPr>
+      </p:pic>
+    </p:spTree>
+    <p:extLst>
+      <p:ext uri="{BB962C8B-B14F-4D97-AF65-F5344CB8AC3E}">
+        <p14:creationId xmlns:p14="http://schemas.microsoft.com/office/powerpoint/2010/main" val="1709504155"/>
+      </p:ext>
+    </p:extLst>
+  </p:cSld>
+  <p:clrMapOvr>
+    <a:masterClrMapping/>
+  </p:clrMapOvr>
+</p:sld>
+</file>
+
+<file path=ppt/slides/slide17.xml><?xml version="1.0" encoding="utf-8"?>
+<p:sld xmlns:a="http://schemas.openxmlformats.org/drawingml/2006/main" xmlns:r="http://schemas.openxmlformats.org/officeDocument/2006/relationships" xmlns:p="http://schemas.openxmlformats.org/presentationml/2006/main">
+  <p:cSld>
+    <p:spTree>
+      <p:nvGrpSpPr>
+        <p:cNvPr id="1" name=""/>
+        <p:cNvGrpSpPr/>
+        <p:nvPr/>
+      </p:nvGrpSpPr>
+      <p:grpSpPr>
+        <a:xfrm>
+          <a:off x="0" y="0"/>
+          <a:ext cx="0" cy="0"/>
+          <a:chOff x="0" y="0"/>
+          <a:chExt cx="0" cy="0"/>
+        </a:xfrm>
+      </p:grpSpPr>
+      <p:pic>
+        <p:nvPicPr>
+          <p:cNvPr id="3" name="Imagem 2">
+            <a:extLst>
+              <a:ext uri="{FF2B5EF4-FFF2-40B4-BE49-F238E27FC236}">
+                <a16:creationId xmlns:a16="http://schemas.microsoft.com/office/drawing/2014/main" id="{2B6714D9-C72E-4147-9796-EE40778D7145}"/>
+              </a:ext>
+            </a:extLst>
+          </p:cNvPr>
+          <p:cNvPicPr>
+            <a:picLocks noChangeAspect="1"/>
+          </p:cNvPicPr>
+          <p:nvPr/>
+        </p:nvPicPr>
+        <p:blipFill>
+          <a:blip r:embed="rId2"/>
+          <a:stretch>
+            <a:fillRect/>
+          </a:stretch>
+        </p:blipFill>
+        <p:spPr>
+          <a:xfrm>
+            <a:off x="1658121" y="205943"/>
+            <a:ext cx="5827758" cy="4358149"/>
+          </a:xfrm>
+          <a:prstGeom prst="rect">
+            <a:avLst/>
+          </a:prstGeom>
+        </p:spPr>
+      </p:pic>
+    </p:spTree>
+    <p:extLst>
+      <p:ext uri="{BB962C8B-B14F-4D97-AF65-F5344CB8AC3E}">
+        <p14:creationId xmlns:p14="http://schemas.microsoft.com/office/powerpoint/2010/main" val="4037637969"/>
+      </p:ext>
+    </p:extLst>
+  </p:cSld>
+  <p:clrMapOvr>
+    <a:masterClrMapping/>
+  </p:clrMapOvr>
+</p:sld>
+</file>
+
+<file path=ppt/slides/slide18.xml><?xml version="1.0" encoding="utf-8"?>
+<p:sld xmlns:a="http://schemas.openxmlformats.org/drawingml/2006/main" xmlns:r="http://schemas.openxmlformats.org/officeDocument/2006/relationships" xmlns:p="http://schemas.openxmlformats.org/presentationml/2006/main">
+  <p:cSld>
+    <p:spTree>
+      <p:nvGrpSpPr>
+        <p:cNvPr id="1" name=""/>
+        <p:cNvGrpSpPr/>
+        <p:nvPr/>
+      </p:nvGrpSpPr>
+      <p:grpSpPr>
+        <a:xfrm>
+          <a:off x="0" y="0"/>
+          <a:ext cx="0" cy="0"/>
+          <a:chOff x="0" y="0"/>
+          <a:chExt cx="0" cy="0"/>
+        </a:xfrm>
+      </p:grpSpPr>
+      <p:sp>
+        <p:nvSpPr>
+          <p:cNvPr id="3" name="CaixaDeTexto 2">
+            <a:extLst>
+              <a:ext uri="{FF2B5EF4-FFF2-40B4-BE49-F238E27FC236}">
+                <a16:creationId xmlns:a16="http://schemas.microsoft.com/office/drawing/2014/main" id="{5E9EEC9D-1C6A-47CB-9521-6F601475FFAF}"/>
+              </a:ext>
+            </a:extLst>
+          </p:cNvPr>
+          <p:cNvSpPr txBox="1"/>
+          <p:nvPr/>
+        </p:nvSpPr>
+        <p:spPr>
+          <a:xfrm>
+            <a:off x="2868648" y="140167"/>
+            <a:ext cx="3000886" cy="769441"/>
+          </a:xfrm>
+          <a:prstGeom prst="rect">
+            <a:avLst/>
+          </a:prstGeom>
+          <a:noFill/>
+        </p:spPr>
+        <p:txBody>
+          <a:bodyPr wrap="none" rtlCol="0">
+            <a:spAutoFit/>
+          </a:bodyPr>
+          <a:lstStyle/>
+          <a:p>
+            <a:r>
+              <a:rPr lang="en-US" sz="4400" dirty="0"/>
+              <a:t>Deployment</a:t>
+            </a:r>
+          </a:p>
+        </p:txBody>
+      </p:sp>
+      <p:sp>
+        <p:nvSpPr>
+          <p:cNvPr id="5" name="CaixaDeTexto 4">
+            <a:extLst>
+              <a:ext uri="{FF2B5EF4-FFF2-40B4-BE49-F238E27FC236}">
+                <a16:creationId xmlns:a16="http://schemas.microsoft.com/office/drawing/2014/main" id="{FA4ECEF8-C35D-45EB-B5B2-CFFB73338780}"/>
+              </a:ext>
+            </a:extLst>
+          </p:cNvPr>
+          <p:cNvSpPr txBox="1"/>
+          <p:nvPr/>
+        </p:nvSpPr>
+        <p:spPr>
+          <a:xfrm>
+            <a:off x="2357828" y="1910135"/>
+            <a:ext cx="1964449" cy="369332"/>
+          </a:xfrm>
+          <a:prstGeom prst="rect">
+            <a:avLst/>
+          </a:prstGeom>
+          <a:noFill/>
+        </p:spPr>
+        <p:txBody>
+          <a:bodyPr wrap="none" rtlCol="0">
+            <a:spAutoFit/>
+          </a:bodyPr>
+          <a:lstStyle/>
+          <a:p>
+            <a:r>
+              <a:rPr lang="en-US" dirty="0">
+                <a:solidFill>
+                  <a:schemeClr val="bg1"/>
+                </a:solidFill>
+              </a:rPr>
+              <a:t>Cluster Kubernetes</a:t>
+            </a:r>
+          </a:p>
+        </p:txBody>
+      </p:sp>
+      <p:sp>
+        <p:nvSpPr>
+          <p:cNvPr id="9" name="Retângulo: Cantos Arredondados 8">
+            <a:extLst>
+              <a:ext uri="{FF2B5EF4-FFF2-40B4-BE49-F238E27FC236}">
+                <a16:creationId xmlns:a16="http://schemas.microsoft.com/office/drawing/2014/main" id="{7EC44340-DECD-41FF-9EF3-7C1691BD0CEA}"/>
+              </a:ext>
+            </a:extLst>
+          </p:cNvPr>
+          <p:cNvSpPr/>
+          <p:nvPr/>
+        </p:nvSpPr>
+        <p:spPr>
+          <a:xfrm>
+            <a:off x="3544411" y="2387084"/>
+            <a:ext cx="1555731" cy="369332"/>
+          </a:xfrm>
+          <a:prstGeom prst="roundRect">
+            <a:avLst/>
+          </a:prstGeom>
+        </p:spPr>
+        <p:style>
+          <a:lnRef idx="2">
+            <a:schemeClr val="accent2">
+              <a:shade val="50000"/>
+            </a:schemeClr>
+          </a:lnRef>
+          <a:fillRef idx="1">
+            <a:schemeClr val="accent2"/>
+          </a:fillRef>
+          <a:effectRef idx="0">
+            <a:schemeClr val="accent2"/>
+          </a:effectRef>
+          <a:fontRef idx="minor">
+            <a:schemeClr val="lt1"/>
+          </a:fontRef>
+        </p:style>
+        <p:txBody>
+          <a:bodyPr rtlCol="0" anchor="ctr"/>
+          <a:lstStyle/>
+          <a:p>
+            <a:pPr algn="ctr"/>
+            <a:r>
+              <a:rPr lang="en-US" dirty="0" err="1"/>
+              <a:t>ReplicaSet</a:t>
+            </a:r>
+            <a:r>
+              <a:rPr lang="en-US" dirty="0"/>
+              <a:t> A</a:t>
+            </a:r>
+          </a:p>
+        </p:txBody>
+      </p:sp>
+      <p:sp>
+        <p:nvSpPr>
+          <p:cNvPr id="13" name="Retângulo: Cantos Arredondados 12">
+            <a:extLst>
+              <a:ext uri="{FF2B5EF4-FFF2-40B4-BE49-F238E27FC236}">
+                <a16:creationId xmlns:a16="http://schemas.microsoft.com/office/drawing/2014/main" id="{1AFBAC96-C91E-425F-8761-9252E223FE0D}"/>
+              </a:ext>
+            </a:extLst>
+          </p:cNvPr>
+          <p:cNvSpPr/>
+          <p:nvPr/>
+        </p:nvSpPr>
+        <p:spPr>
+          <a:xfrm>
+            <a:off x="3919052" y="3479835"/>
+            <a:ext cx="1047750" cy="552450"/>
+          </a:xfrm>
+          <a:prstGeom prst="roundRect">
+            <a:avLst/>
+          </a:prstGeom>
+        </p:spPr>
+        <p:style>
+          <a:lnRef idx="2">
+            <a:schemeClr val="accent2">
+              <a:shade val="50000"/>
+            </a:schemeClr>
+          </a:lnRef>
+          <a:fillRef idx="1">
+            <a:schemeClr val="accent2"/>
+          </a:fillRef>
+          <a:effectRef idx="0">
+            <a:schemeClr val="accent2"/>
+          </a:effectRef>
+          <a:fontRef idx="minor">
+            <a:schemeClr val="lt1"/>
+          </a:fontRef>
+        </p:style>
+        <p:txBody>
+          <a:bodyPr rtlCol="0" anchor="ctr"/>
+          <a:lstStyle/>
+          <a:p>
+            <a:pPr algn="ctr"/>
+            <a:r>
+              <a:rPr lang="en-US" dirty="0"/>
+              <a:t>Pod A</a:t>
+            </a:r>
+          </a:p>
+        </p:txBody>
+      </p:sp>
+      <p:sp>
+        <p:nvSpPr>
+          <p:cNvPr id="14" name="Retângulo: Cantos Arredondados 13">
+            <a:extLst>
+              <a:ext uri="{FF2B5EF4-FFF2-40B4-BE49-F238E27FC236}">
+                <a16:creationId xmlns:a16="http://schemas.microsoft.com/office/drawing/2014/main" id="{74BA78B8-F259-43F7-9AA7-A78D6745A50D}"/>
+              </a:ext>
+            </a:extLst>
+          </p:cNvPr>
+          <p:cNvSpPr/>
+          <p:nvPr/>
+        </p:nvSpPr>
+        <p:spPr>
+          <a:xfrm>
+            <a:off x="3833327" y="3418604"/>
+            <a:ext cx="1047750" cy="552450"/>
+          </a:xfrm>
+          <a:prstGeom prst="roundRect">
+            <a:avLst/>
+          </a:prstGeom>
+        </p:spPr>
+        <p:style>
+          <a:lnRef idx="2">
+            <a:schemeClr val="accent2">
+              <a:shade val="50000"/>
+            </a:schemeClr>
+          </a:lnRef>
+          <a:fillRef idx="1">
+            <a:schemeClr val="accent2"/>
+          </a:fillRef>
+          <a:effectRef idx="0">
+            <a:schemeClr val="accent2"/>
+          </a:effectRef>
+          <a:fontRef idx="minor">
+            <a:schemeClr val="lt1"/>
+          </a:fontRef>
+        </p:style>
+        <p:txBody>
+          <a:bodyPr rtlCol="0" anchor="ctr"/>
+          <a:lstStyle/>
+          <a:p>
+            <a:pPr algn="ctr"/>
+            <a:r>
+              <a:rPr lang="en-US" dirty="0"/>
+              <a:t>Pod A</a:t>
+            </a:r>
+          </a:p>
+        </p:txBody>
+      </p:sp>
+      <p:cxnSp>
+        <p:nvCxnSpPr>
+          <p:cNvPr id="15" name="Conector de Seta Reta 14">
+            <a:extLst>
+              <a:ext uri="{FF2B5EF4-FFF2-40B4-BE49-F238E27FC236}">
+                <a16:creationId xmlns:a16="http://schemas.microsoft.com/office/drawing/2014/main" id="{7DF40A8D-93C3-458F-B2EA-EDABBBB13E23}"/>
+              </a:ext>
+            </a:extLst>
+          </p:cNvPr>
+          <p:cNvCxnSpPr>
+            <a:cxnSpLocks/>
+          </p:cNvCxnSpPr>
+          <p:nvPr/>
+        </p:nvCxnSpPr>
+        <p:spPr>
+          <a:xfrm>
+            <a:off x="4322277" y="1862084"/>
+            <a:ext cx="0" cy="449635"/>
+          </a:xfrm>
+          <a:prstGeom prst="straightConnector1">
+            <a:avLst/>
+          </a:prstGeom>
+          <a:ln w="9525" cap="flat" cmpd="sng" algn="ctr">
+            <a:solidFill>
+              <a:schemeClr val="dk1"/>
+            </a:solidFill>
+            <a:prstDash val="solid"/>
+            <a:round/>
+            <a:headEnd type="none" w="med" len="med"/>
+            <a:tailEnd type="arrow" w="med" len="med"/>
+          </a:ln>
+        </p:spPr>
+        <p:style>
+          <a:lnRef idx="0">
+            <a:scrgbClr r="0" g="0" b="0"/>
+          </a:lnRef>
+          <a:fillRef idx="0">
+            <a:scrgbClr r="0" g="0" b="0"/>
+          </a:fillRef>
+          <a:effectRef idx="0">
+            <a:scrgbClr r="0" g="0" b="0"/>
+          </a:effectRef>
+          <a:fontRef idx="minor">
+            <a:schemeClr val="tx1"/>
+          </a:fontRef>
+        </p:style>
+      </p:cxnSp>
+      <p:sp>
+        <p:nvSpPr>
+          <p:cNvPr id="12" name="Retângulo: Cantos Arredondados 11">
+            <a:extLst>
+              <a:ext uri="{FF2B5EF4-FFF2-40B4-BE49-F238E27FC236}">
+                <a16:creationId xmlns:a16="http://schemas.microsoft.com/office/drawing/2014/main" id="{D813360A-ECC8-4755-B5C4-10F048D9B2B5}"/>
+              </a:ext>
+            </a:extLst>
+          </p:cNvPr>
+          <p:cNvSpPr/>
+          <p:nvPr/>
+        </p:nvSpPr>
+        <p:spPr>
+          <a:xfrm>
+            <a:off x="3570902" y="1415488"/>
+            <a:ext cx="1555750" cy="377398"/>
+          </a:xfrm>
+          <a:prstGeom prst="roundRect">
+            <a:avLst/>
+          </a:prstGeom>
+        </p:spPr>
+        <p:style>
+          <a:lnRef idx="2">
+            <a:schemeClr val="accent2">
+              <a:shade val="50000"/>
+            </a:schemeClr>
+          </a:lnRef>
+          <a:fillRef idx="1">
+            <a:schemeClr val="accent2"/>
+          </a:fillRef>
+          <a:effectRef idx="0">
+            <a:schemeClr val="accent2"/>
+          </a:effectRef>
+          <a:fontRef idx="minor">
+            <a:schemeClr val="lt1"/>
+          </a:fontRef>
+        </p:style>
+        <p:txBody>
+          <a:bodyPr rtlCol="0" anchor="ctr"/>
+          <a:lstStyle/>
+          <a:p>
+            <a:pPr algn="ctr"/>
+            <a:r>
+              <a:rPr lang="en-US" dirty="0"/>
+              <a:t>Deployment</a:t>
+            </a:r>
+          </a:p>
+        </p:txBody>
+      </p:sp>
+      <p:sp>
+        <p:nvSpPr>
+          <p:cNvPr id="17" name="Retângulo: Cantos Arredondados 16">
+            <a:extLst>
+              <a:ext uri="{FF2B5EF4-FFF2-40B4-BE49-F238E27FC236}">
+                <a16:creationId xmlns:a16="http://schemas.microsoft.com/office/drawing/2014/main" id="{518FCB6F-1F58-41D9-89B5-3EDE445B5E5C}"/>
+              </a:ext>
+            </a:extLst>
+          </p:cNvPr>
+          <p:cNvSpPr/>
+          <p:nvPr/>
+        </p:nvSpPr>
+        <p:spPr>
+          <a:xfrm>
+            <a:off x="3747602" y="3350614"/>
+            <a:ext cx="1047750" cy="552450"/>
+          </a:xfrm>
+          <a:prstGeom prst="roundRect">
+            <a:avLst/>
+          </a:prstGeom>
+        </p:spPr>
+        <p:style>
+          <a:lnRef idx="2">
+            <a:schemeClr val="accent2">
+              <a:shade val="50000"/>
+            </a:schemeClr>
+          </a:lnRef>
+          <a:fillRef idx="1">
+            <a:schemeClr val="accent2"/>
+          </a:fillRef>
+          <a:effectRef idx="0">
+            <a:schemeClr val="accent2"/>
+          </a:effectRef>
+          <a:fontRef idx="minor">
+            <a:schemeClr val="lt1"/>
+          </a:fontRef>
+        </p:style>
+        <p:txBody>
+          <a:bodyPr rtlCol="0" anchor="ctr"/>
+          <a:lstStyle/>
+          <a:p>
+            <a:pPr algn="ctr"/>
+            <a:r>
+              <a:rPr lang="en-US" dirty="0"/>
+              <a:t>Pod A</a:t>
+            </a:r>
+          </a:p>
+        </p:txBody>
+      </p:sp>
+      <p:cxnSp>
+        <p:nvCxnSpPr>
+          <p:cNvPr id="19" name="Conector de Seta Reta 18">
+            <a:extLst>
+              <a:ext uri="{FF2B5EF4-FFF2-40B4-BE49-F238E27FC236}">
+                <a16:creationId xmlns:a16="http://schemas.microsoft.com/office/drawing/2014/main" id="{59E83CC3-3D2B-4516-9A0B-A346A2DD8DAE}"/>
+              </a:ext>
+            </a:extLst>
+          </p:cNvPr>
+          <p:cNvCxnSpPr>
+            <a:cxnSpLocks/>
+          </p:cNvCxnSpPr>
+          <p:nvPr/>
+        </p:nvCxnSpPr>
+        <p:spPr>
+          <a:xfrm>
+            <a:off x="4322277" y="2840464"/>
+            <a:ext cx="0" cy="449635"/>
+          </a:xfrm>
+          <a:prstGeom prst="straightConnector1">
+            <a:avLst/>
+          </a:prstGeom>
+          <a:ln w="9525" cap="flat" cmpd="sng" algn="ctr">
+            <a:solidFill>
+              <a:schemeClr val="dk1"/>
+            </a:solidFill>
+            <a:prstDash val="solid"/>
+            <a:round/>
+            <a:headEnd type="none" w="med" len="med"/>
+            <a:tailEnd type="arrow" w="med" len="med"/>
+          </a:ln>
+        </p:spPr>
+        <p:style>
+          <a:lnRef idx="0">
+            <a:scrgbClr r="0" g="0" b="0"/>
+          </a:lnRef>
+          <a:fillRef idx="0">
+            <a:scrgbClr r="0" g="0" b="0"/>
+          </a:fillRef>
+          <a:effectRef idx="0">
+            <a:scrgbClr r="0" g="0" b="0"/>
+          </a:effectRef>
+          <a:fontRef idx="minor">
+            <a:schemeClr val="tx1"/>
+          </a:fontRef>
+        </p:style>
+      </p:cxnSp>
+    </p:spTree>
+    <p:extLst>
+      <p:ext uri="{BB962C8B-B14F-4D97-AF65-F5344CB8AC3E}">
+        <p14:creationId xmlns:p14="http://schemas.microsoft.com/office/powerpoint/2010/main" val="3224237091"/>
+      </p:ext>
+    </p:extLst>
+  </p:cSld>
+  <p:clrMapOvr>
+    <a:masterClrMapping/>
+  </p:clrMapOvr>
+</p:sld>
+</file>
+
+<file path=ppt/slides/slide19.xml><?xml version="1.0" encoding="utf-8"?>
+<p:sld xmlns:a="http://schemas.openxmlformats.org/drawingml/2006/main" xmlns:r="http://schemas.openxmlformats.org/officeDocument/2006/relationships" xmlns:p="http://schemas.openxmlformats.org/presentationml/2006/main">
+  <p:cSld>
+    <p:spTree>
+      <p:nvGrpSpPr>
+        <p:cNvPr id="1" name=""/>
+        <p:cNvGrpSpPr/>
+        <p:nvPr/>
+      </p:nvGrpSpPr>
+      <p:grpSpPr>
+        <a:xfrm>
+          <a:off x="0" y="0"/>
+          <a:ext cx="0" cy="0"/>
+          <a:chOff x="0" y="0"/>
+          <a:chExt cx="0" cy="0"/>
+        </a:xfrm>
+      </p:grpSpPr>
+      <p:pic>
+        <p:nvPicPr>
+          <p:cNvPr id="4" name="Imagem 3">
+            <a:extLst>
+              <a:ext uri="{FF2B5EF4-FFF2-40B4-BE49-F238E27FC236}">
+                <a16:creationId xmlns:a16="http://schemas.microsoft.com/office/drawing/2014/main" id="{713E9F9C-7749-44B0-BB15-39B724DC0628}"/>
+              </a:ext>
+            </a:extLst>
+          </p:cNvPr>
+          <p:cNvPicPr>
+            <a:picLocks noChangeAspect="1"/>
+          </p:cNvPicPr>
+          <p:nvPr/>
+        </p:nvPicPr>
+        <p:blipFill>
+          <a:blip r:embed="rId2"/>
+          <a:srcRect/>
+          <a:stretch/>
+        </p:blipFill>
+        <p:spPr>
+          <a:xfrm>
+            <a:off x="0" y="0"/>
+            <a:ext cx="9291025" cy="5143500"/>
+          </a:xfrm>
+          <a:prstGeom prst="rect">
+            <a:avLst/>
+          </a:prstGeom>
+        </p:spPr>
+      </p:pic>
+    </p:spTree>
+    <p:extLst>
+      <p:ext uri="{BB962C8B-B14F-4D97-AF65-F5344CB8AC3E}">
+        <p14:creationId xmlns:p14="http://schemas.microsoft.com/office/powerpoint/2010/main" val="2390508339"/>
       </p:ext>
     </p:extLst>
   </p:cSld>
@@ -10813,6 +10950,1245 @@
         </p:spPr>
       </p:pic>
     </p:spTree>
+  </p:cSld>
+  <p:clrMapOvr>
+    <a:masterClrMapping/>
+  </p:clrMapOvr>
+</p:sld>
+</file>
+
+<file path=ppt/slides/slide20.xml><?xml version="1.0" encoding="utf-8"?>
+<p:sld xmlns:a="http://schemas.openxmlformats.org/drawingml/2006/main" xmlns:r="http://schemas.openxmlformats.org/officeDocument/2006/relationships" xmlns:p="http://schemas.openxmlformats.org/presentationml/2006/main">
+  <p:cSld>
+    <p:spTree>
+      <p:nvGrpSpPr>
+        <p:cNvPr id="1" name=""/>
+        <p:cNvGrpSpPr/>
+        <p:nvPr/>
+      </p:nvGrpSpPr>
+      <p:grpSpPr>
+        <a:xfrm>
+          <a:off x="0" y="0"/>
+          <a:ext cx="0" cy="0"/>
+          <a:chOff x="0" y="0"/>
+          <a:chExt cx="0" cy="0"/>
+        </a:xfrm>
+      </p:grpSpPr>
+      <p:grpSp>
+        <p:nvGrpSpPr>
+          <p:cNvPr id="40" name="Agrupar 39">
+            <a:extLst>
+              <a:ext uri="{FF2B5EF4-FFF2-40B4-BE49-F238E27FC236}">
+                <a16:creationId xmlns:a16="http://schemas.microsoft.com/office/drawing/2014/main" id="{C2FD8914-BBB1-4331-BBA1-144D45251013}"/>
+              </a:ext>
+            </a:extLst>
+          </p:cNvPr>
+          <p:cNvGrpSpPr/>
+          <p:nvPr/>
+        </p:nvGrpSpPr>
+        <p:grpSpPr>
+          <a:xfrm>
+            <a:off x="2677554" y="3206512"/>
+            <a:ext cx="1176925" cy="976494"/>
+            <a:chOff x="1933387" y="1225727"/>
+            <a:chExt cx="1176925" cy="976494"/>
+          </a:xfrm>
+        </p:grpSpPr>
+        <p:sp>
+          <p:nvSpPr>
+            <p:cNvPr id="13" name="Retângulo: Cantos Arredondados 12">
+              <a:extLst>
+                <a:ext uri="{FF2B5EF4-FFF2-40B4-BE49-F238E27FC236}">
+                  <a16:creationId xmlns:a16="http://schemas.microsoft.com/office/drawing/2014/main" id="{BAE37BBB-F557-4594-9905-D55F1D2C8E21}"/>
+                </a:ext>
+              </a:extLst>
+            </p:cNvPr>
+            <p:cNvSpPr/>
+            <p:nvPr/>
+          </p:nvSpPr>
+          <p:spPr>
+            <a:xfrm>
+              <a:off x="2199981" y="1595059"/>
+              <a:ext cx="643738" cy="607162"/>
+            </a:xfrm>
+            <a:prstGeom prst="roundRect">
+              <a:avLst/>
+            </a:prstGeom>
+          </p:spPr>
+          <p:style>
+            <a:lnRef idx="2">
+              <a:schemeClr val="accent1">
+                <a:shade val="50000"/>
+              </a:schemeClr>
+            </a:lnRef>
+            <a:fillRef idx="1">
+              <a:schemeClr val="accent1"/>
+            </a:fillRef>
+            <a:effectRef idx="0">
+              <a:schemeClr val="accent1"/>
+            </a:effectRef>
+            <a:fontRef idx="minor">
+              <a:schemeClr val="lt1"/>
+            </a:fontRef>
+          </p:style>
+          <p:txBody>
+            <a:bodyPr rtlCol="0" anchor="ctr"/>
+            <a:lstStyle/>
+            <a:p>
+              <a:pPr algn="ctr"/>
+              <a:endParaRPr lang="en-US"/>
+            </a:p>
+          </p:txBody>
+        </p:sp>
+        <p:sp>
+          <p:nvSpPr>
+            <p:cNvPr id="14" name="CaixaDeTexto 13">
+              <a:extLst>
+                <a:ext uri="{FF2B5EF4-FFF2-40B4-BE49-F238E27FC236}">
+                  <a16:creationId xmlns:a16="http://schemas.microsoft.com/office/drawing/2014/main" id="{69813EEF-5686-4A83-A5D7-341B2EFDED3B}"/>
+                </a:ext>
+              </a:extLst>
+            </p:cNvPr>
+            <p:cNvSpPr txBox="1"/>
+            <p:nvPr/>
+          </p:nvSpPr>
+          <p:spPr>
+            <a:xfrm>
+              <a:off x="1933387" y="1225727"/>
+              <a:ext cx="1176925" cy="369332"/>
+            </a:xfrm>
+            <a:prstGeom prst="rect">
+              <a:avLst/>
+            </a:prstGeom>
+            <a:noFill/>
+          </p:spPr>
+          <p:txBody>
+            <a:bodyPr wrap="none" rtlCol="0">
+              <a:spAutoFit/>
+            </a:bodyPr>
+            <a:lstStyle/>
+            <a:p>
+              <a:r>
+                <a:rPr lang="en-US" dirty="0"/>
+                <a:t>10.10.10.3</a:t>
+              </a:r>
+            </a:p>
+          </p:txBody>
+        </p:sp>
+        <p:pic>
+          <p:nvPicPr>
+            <p:cNvPr id="18" name="Imagem 17">
+              <a:extLst>
+                <a:ext uri="{FF2B5EF4-FFF2-40B4-BE49-F238E27FC236}">
+                  <a16:creationId xmlns:a16="http://schemas.microsoft.com/office/drawing/2014/main" id="{BD1015D3-DCE6-4CFE-930D-6FEB6F8E3719}"/>
+                </a:ext>
+              </a:extLst>
+            </p:cNvPr>
+            <p:cNvPicPr>
+              <a:picLocks noChangeAspect="1"/>
+            </p:cNvPicPr>
+            <p:nvPr/>
+          </p:nvPicPr>
+          <p:blipFill>
+            <a:blip r:embed="rId2"/>
+            <a:stretch>
+              <a:fillRect/>
+            </a:stretch>
+          </p:blipFill>
+          <p:spPr>
+            <a:xfrm>
+              <a:off x="2298553" y="1682841"/>
+              <a:ext cx="426016" cy="454283"/>
+            </a:xfrm>
+            <a:prstGeom prst="rect">
+              <a:avLst/>
+            </a:prstGeom>
+          </p:spPr>
+        </p:pic>
+      </p:grpSp>
+      <p:grpSp>
+        <p:nvGrpSpPr>
+          <p:cNvPr id="36" name="Agrupar 35">
+            <a:extLst>
+              <a:ext uri="{FF2B5EF4-FFF2-40B4-BE49-F238E27FC236}">
+                <a16:creationId xmlns:a16="http://schemas.microsoft.com/office/drawing/2014/main" id="{692F5462-A43A-4726-87DA-2E1568DC4E11}"/>
+              </a:ext>
+            </a:extLst>
+          </p:cNvPr>
+          <p:cNvGrpSpPr/>
+          <p:nvPr/>
+        </p:nvGrpSpPr>
+        <p:grpSpPr>
+          <a:xfrm>
+            <a:off x="2687843" y="1880139"/>
+            <a:ext cx="1176925" cy="976494"/>
+            <a:chOff x="3517540" y="1225727"/>
+            <a:chExt cx="1176925" cy="976494"/>
+          </a:xfrm>
+        </p:grpSpPr>
+        <p:sp>
+          <p:nvSpPr>
+            <p:cNvPr id="42" name="Retângulo: Cantos Arredondados 41">
+              <a:extLst>
+                <a:ext uri="{FF2B5EF4-FFF2-40B4-BE49-F238E27FC236}">
+                  <a16:creationId xmlns:a16="http://schemas.microsoft.com/office/drawing/2014/main" id="{FAF7D360-4C40-4BB6-855D-D2FDF0C253A9}"/>
+                </a:ext>
+              </a:extLst>
+            </p:cNvPr>
+            <p:cNvSpPr/>
+            <p:nvPr/>
+          </p:nvSpPr>
+          <p:spPr>
+            <a:xfrm>
+              <a:off x="3784134" y="1595059"/>
+              <a:ext cx="643738" cy="607162"/>
+            </a:xfrm>
+            <a:prstGeom prst="roundRect">
+              <a:avLst/>
+            </a:prstGeom>
+          </p:spPr>
+          <p:style>
+            <a:lnRef idx="2">
+              <a:schemeClr val="accent1">
+                <a:shade val="50000"/>
+              </a:schemeClr>
+            </a:lnRef>
+            <a:fillRef idx="1">
+              <a:schemeClr val="accent1"/>
+            </a:fillRef>
+            <a:effectRef idx="0">
+              <a:schemeClr val="accent1"/>
+            </a:effectRef>
+            <a:fontRef idx="minor">
+              <a:schemeClr val="lt1"/>
+            </a:fontRef>
+          </p:style>
+          <p:txBody>
+            <a:bodyPr rtlCol="0" anchor="ctr"/>
+            <a:lstStyle/>
+            <a:p>
+              <a:pPr algn="ctr"/>
+              <a:endParaRPr lang="en-US"/>
+            </a:p>
+          </p:txBody>
+        </p:sp>
+        <p:sp>
+          <p:nvSpPr>
+            <p:cNvPr id="43" name="CaixaDeTexto 42">
+              <a:extLst>
+                <a:ext uri="{FF2B5EF4-FFF2-40B4-BE49-F238E27FC236}">
+                  <a16:creationId xmlns:a16="http://schemas.microsoft.com/office/drawing/2014/main" id="{859A7946-FE88-4BCF-8AF2-2DE66E43CB3D}"/>
+                </a:ext>
+              </a:extLst>
+            </p:cNvPr>
+            <p:cNvSpPr txBox="1"/>
+            <p:nvPr/>
+          </p:nvSpPr>
+          <p:spPr>
+            <a:xfrm>
+              <a:off x="3517540" y="1225727"/>
+              <a:ext cx="1176925" cy="369332"/>
+            </a:xfrm>
+            <a:prstGeom prst="rect">
+              <a:avLst/>
+            </a:prstGeom>
+            <a:noFill/>
+          </p:spPr>
+          <p:txBody>
+            <a:bodyPr wrap="none" rtlCol="0">
+              <a:spAutoFit/>
+            </a:bodyPr>
+            <a:lstStyle/>
+            <a:p>
+              <a:r>
+                <a:rPr lang="en-US" dirty="0"/>
+                <a:t>10.10.10.4</a:t>
+              </a:r>
+            </a:p>
+          </p:txBody>
+        </p:sp>
+        <p:pic>
+          <p:nvPicPr>
+            <p:cNvPr id="44" name="Imagem 43">
+              <a:extLst>
+                <a:ext uri="{FF2B5EF4-FFF2-40B4-BE49-F238E27FC236}">
+                  <a16:creationId xmlns:a16="http://schemas.microsoft.com/office/drawing/2014/main" id="{FA7F5997-0A72-40D2-9852-3CEA8E3605E6}"/>
+                </a:ext>
+              </a:extLst>
+            </p:cNvPr>
+            <p:cNvPicPr>
+              <a:picLocks noChangeAspect="1"/>
+            </p:cNvPicPr>
+            <p:nvPr/>
+          </p:nvPicPr>
+          <p:blipFill>
+            <a:blip r:embed="rId2"/>
+            <a:stretch>
+              <a:fillRect/>
+            </a:stretch>
+          </p:blipFill>
+          <p:spPr>
+            <a:xfrm>
+              <a:off x="3882706" y="1682841"/>
+              <a:ext cx="426016" cy="454283"/>
+            </a:xfrm>
+            <a:prstGeom prst="rect">
+              <a:avLst/>
+            </a:prstGeom>
+          </p:spPr>
+        </p:pic>
+      </p:grpSp>
+      <p:grpSp>
+        <p:nvGrpSpPr>
+          <p:cNvPr id="35" name="Agrupar 34">
+            <a:extLst>
+              <a:ext uri="{FF2B5EF4-FFF2-40B4-BE49-F238E27FC236}">
+                <a16:creationId xmlns:a16="http://schemas.microsoft.com/office/drawing/2014/main" id="{6230EA3A-3576-40BD-BD30-A2E6D5158B54}"/>
+              </a:ext>
+            </a:extLst>
+          </p:cNvPr>
+          <p:cNvGrpSpPr/>
+          <p:nvPr/>
+        </p:nvGrpSpPr>
+        <p:grpSpPr>
+          <a:xfrm>
+            <a:off x="2687843" y="665815"/>
+            <a:ext cx="1176925" cy="976494"/>
+            <a:chOff x="5167302" y="1225727"/>
+            <a:chExt cx="1176925" cy="976494"/>
+          </a:xfrm>
+        </p:grpSpPr>
+        <p:sp>
+          <p:nvSpPr>
+            <p:cNvPr id="45" name="Retângulo: Cantos Arredondados 44">
+              <a:extLst>
+                <a:ext uri="{FF2B5EF4-FFF2-40B4-BE49-F238E27FC236}">
+                  <a16:creationId xmlns:a16="http://schemas.microsoft.com/office/drawing/2014/main" id="{73A3BACE-46D2-4D6D-BCEE-7360BA86A125}"/>
+                </a:ext>
+              </a:extLst>
+            </p:cNvPr>
+            <p:cNvSpPr/>
+            <p:nvPr/>
+          </p:nvSpPr>
+          <p:spPr>
+            <a:xfrm>
+              <a:off x="5433896" y="1595059"/>
+              <a:ext cx="643738" cy="607162"/>
+            </a:xfrm>
+            <a:prstGeom prst="roundRect">
+              <a:avLst/>
+            </a:prstGeom>
+          </p:spPr>
+          <p:style>
+            <a:lnRef idx="2">
+              <a:schemeClr val="accent1">
+                <a:shade val="50000"/>
+              </a:schemeClr>
+            </a:lnRef>
+            <a:fillRef idx="1">
+              <a:schemeClr val="accent1"/>
+            </a:fillRef>
+            <a:effectRef idx="0">
+              <a:schemeClr val="accent1"/>
+            </a:effectRef>
+            <a:fontRef idx="minor">
+              <a:schemeClr val="lt1"/>
+            </a:fontRef>
+          </p:style>
+          <p:txBody>
+            <a:bodyPr rtlCol="0" anchor="ctr"/>
+            <a:lstStyle/>
+            <a:p>
+              <a:pPr algn="ctr"/>
+              <a:endParaRPr lang="en-US"/>
+            </a:p>
+          </p:txBody>
+        </p:sp>
+        <p:sp>
+          <p:nvSpPr>
+            <p:cNvPr id="46" name="CaixaDeTexto 45">
+              <a:extLst>
+                <a:ext uri="{FF2B5EF4-FFF2-40B4-BE49-F238E27FC236}">
+                  <a16:creationId xmlns:a16="http://schemas.microsoft.com/office/drawing/2014/main" id="{29B807A9-B8A0-4A3A-8E5C-AF9BC4B01673}"/>
+                </a:ext>
+              </a:extLst>
+            </p:cNvPr>
+            <p:cNvSpPr txBox="1"/>
+            <p:nvPr/>
+          </p:nvSpPr>
+          <p:spPr>
+            <a:xfrm>
+              <a:off x="5167302" y="1225727"/>
+              <a:ext cx="1176925" cy="369332"/>
+            </a:xfrm>
+            <a:prstGeom prst="rect">
+              <a:avLst/>
+            </a:prstGeom>
+            <a:noFill/>
+          </p:spPr>
+          <p:txBody>
+            <a:bodyPr wrap="none" rtlCol="0">
+              <a:spAutoFit/>
+            </a:bodyPr>
+            <a:lstStyle/>
+            <a:p>
+              <a:r>
+                <a:rPr lang="en-US" dirty="0"/>
+                <a:t>10.10.10.5</a:t>
+              </a:r>
+            </a:p>
+          </p:txBody>
+        </p:sp>
+        <p:pic>
+          <p:nvPicPr>
+            <p:cNvPr id="47" name="Imagem 46">
+              <a:extLst>
+                <a:ext uri="{FF2B5EF4-FFF2-40B4-BE49-F238E27FC236}">
+                  <a16:creationId xmlns:a16="http://schemas.microsoft.com/office/drawing/2014/main" id="{3E5C4EC1-77B7-4255-B505-2FD267A608B6}"/>
+                </a:ext>
+              </a:extLst>
+            </p:cNvPr>
+            <p:cNvPicPr>
+              <a:picLocks noChangeAspect="1"/>
+            </p:cNvPicPr>
+            <p:nvPr/>
+          </p:nvPicPr>
+          <p:blipFill>
+            <a:blip r:embed="rId2"/>
+            <a:stretch>
+              <a:fillRect/>
+            </a:stretch>
+          </p:blipFill>
+          <p:spPr>
+            <a:xfrm>
+              <a:off x="5532468" y="1682841"/>
+              <a:ext cx="426016" cy="454283"/>
+            </a:xfrm>
+            <a:prstGeom prst="rect">
+              <a:avLst/>
+            </a:prstGeom>
+          </p:spPr>
+        </p:pic>
+      </p:grpSp>
+      <p:sp>
+        <p:nvSpPr>
+          <p:cNvPr id="54" name="Retângulo: Cantos Arredondados 53">
+            <a:extLst>
+              <a:ext uri="{FF2B5EF4-FFF2-40B4-BE49-F238E27FC236}">
+                <a16:creationId xmlns:a16="http://schemas.microsoft.com/office/drawing/2014/main" id="{B27EC887-3A6C-4CFF-96C1-AF1778F2172F}"/>
+              </a:ext>
+            </a:extLst>
+          </p:cNvPr>
+          <p:cNvSpPr/>
+          <p:nvPr/>
+        </p:nvSpPr>
+        <p:spPr>
+          <a:xfrm>
+            <a:off x="5125757" y="2281540"/>
+            <a:ext cx="988693" cy="369332"/>
+          </a:xfrm>
+          <a:prstGeom prst="roundRect">
+            <a:avLst/>
+          </a:prstGeom>
+        </p:spPr>
+        <p:style>
+          <a:lnRef idx="2">
+            <a:schemeClr val="accent1">
+              <a:shade val="50000"/>
+            </a:schemeClr>
+          </a:lnRef>
+          <a:fillRef idx="1">
+            <a:schemeClr val="accent1"/>
+          </a:fillRef>
+          <a:effectRef idx="0">
+            <a:schemeClr val="accent1"/>
+          </a:effectRef>
+          <a:fontRef idx="minor">
+            <a:schemeClr val="lt1"/>
+          </a:fontRef>
+        </p:style>
+        <p:txBody>
+          <a:bodyPr rtlCol="0" anchor="ctr"/>
+          <a:lstStyle/>
+          <a:p>
+            <a:pPr algn="ctr"/>
+            <a:r>
+              <a:rPr lang="en-US" dirty="0"/>
+              <a:t>Service</a:t>
+            </a:r>
+          </a:p>
+        </p:txBody>
+      </p:sp>
+      <p:cxnSp>
+        <p:nvCxnSpPr>
+          <p:cNvPr id="60" name="Conector de Seta Reta 59">
+            <a:extLst>
+              <a:ext uri="{FF2B5EF4-FFF2-40B4-BE49-F238E27FC236}">
+                <a16:creationId xmlns:a16="http://schemas.microsoft.com/office/drawing/2014/main" id="{7DE6259D-C1CD-49FD-8C8D-7EBE499B199D}"/>
+              </a:ext>
+            </a:extLst>
+          </p:cNvPr>
+          <p:cNvCxnSpPr>
+            <a:cxnSpLocks/>
+          </p:cNvCxnSpPr>
+          <p:nvPr/>
+        </p:nvCxnSpPr>
+        <p:spPr>
+          <a:xfrm>
+            <a:off x="6203012" y="2507481"/>
+            <a:ext cx="443332" cy="0"/>
+          </a:xfrm>
+          <a:prstGeom prst="straightConnector1">
+            <a:avLst/>
+          </a:prstGeom>
+          <a:ln>
+            <a:headEnd type="triangle"/>
+            <a:tailEnd type="triangle"/>
+          </a:ln>
+        </p:spPr>
+        <p:style>
+          <a:lnRef idx="3">
+            <a:schemeClr val="accent2"/>
+          </a:lnRef>
+          <a:fillRef idx="0">
+            <a:schemeClr val="accent2"/>
+          </a:fillRef>
+          <a:effectRef idx="2">
+            <a:schemeClr val="accent2"/>
+          </a:effectRef>
+          <a:fontRef idx="minor">
+            <a:schemeClr val="tx1"/>
+          </a:fontRef>
+        </p:style>
+      </p:cxnSp>
+      <p:cxnSp>
+        <p:nvCxnSpPr>
+          <p:cNvPr id="62" name="Conector de Seta Reta 61">
+            <a:extLst>
+              <a:ext uri="{FF2B5EF4-FFF2-40B4-BE49-F238E27FC236}">
+                <a16:creationId xmlns:a16="http://schemas.microsoft.com/office/drawing/2014/main" id="{242DBA31-0DBC-48C0-B783-0E7173C85F3E}"/>
+              </a:ext>
+            </a:extLst>
+          </p:cNvPr>
+          <p:cNvCxnSpPr>
+            <a:cxnSpLocks/>
+          </p:cNvCxnSpPr>
+          <p:nvPr/>
+        </p:nvCxnSpPr>
+        <p:spPr>
+          <a:xfrm flipV="1">
+            <a:off x="3701878" y="2687132"/>
+            <a:ext cx="1224709" cy="1206404"/>
+          </a:xfrm>
+          <a:prstGeom prst="straightConnector1">
+            <a:avLst/>
+          </a:prstGeom>
+          <a:ln>
+            <a:tailEnd type="triangle"/>
+          </a:ln>
+        </p:spPr>
+        <p:style>
+          <a:lnRef idx="1">
+            <a:schemeClr val="accent1"/>
+          </a:lnRef>
+          <a:fillRef idx="0">
+            <a:schemeClr val="accent1"/>
+          </a:fillRef>
+          <a:effectRef idx="0">
+            <a:schemeClr val="accent1"/>
+          </a:effectRef>
+          <a:fontRef idx="minor">
+            <a:schemeClr val="tx1"/>
+          </a:fontRef>
+        </p:style>
+      </p:cxnSp>
+      <p:cxnSp>
+        <p:nvCxnSpPr>
+          <p:cNvPr id="65" name="Conector de Seta Reta 64">
+            <a:extLst>
+              <a:ext uri="{FF2B5EF4-FFF2-40B4-BE49-F238E27FC236}">
+                <a16:creationId xmlns:a16="http://schemas.microsoft.com/office/drawing/2014/main" id="{AAB46164-4ED1-4C78-9944-17BD134F2CF8}"/>
+              </a:ext>
+            </a:extLst>
+          </p:cNvPr>
+          <p:cNvCxnSpPr>
+            <a:cxnSpLocks/>
+          </p:cNvCxnSpPr>
+          <p:nvPr/>
+        </p:nvCxnSpPr>
+        <p:spPr>
+          <a:xfrm>
+            <a:off x="3731471" y="1338728"/>
+            <a:ext cx="1256165" cy="998525"/>
+          </a:xfrm>
+          <a:prstGeom prst="straightConnector1">
+            <a:avLst/>
+          </a:prstGeom>
+          <a:ln>
+            <a:tailEnd type="triangle"/>
+          </a:ln>
+        </p:spPr>
+        <p:style>
+          <a:lnRef idx="1">
+            <a:schemeClr val="accent1"/>
+          </a:lnRef>
+          <a:fillRef idx="0">
+            <a:schemeClr val="accent1"/>
+          </a:fillRef>
+          <a:effectRef idx="0">
+            <a:schemeClr val="accent1"/>
+          </a:effectRef>
+          <a:fontRef idx="minor">
+            <a:schemeClr val="tx1"/>
+          </a:fontRef>
+        </p:style>
+      </p:cxnSp>
+      <p:cxnSp>
+        <p:nvCxnSpPr>
+          <p:cNvPr id="68" name="Conector de Seta Reta 67">
+            <a:extLst>
+              <a:ext uri="{FF2B5EF4-FFF2-40B4-BE49-F238E27FC236}">
+                <a16:creationId xmlns:a16="http://schemas.microsoft.com/office/drawing/2014/main" id="{6C3FC8AB-984A-4450-82B1-3426AAD8EE38}"/>
+              </a:ext>
+            </a:extLst>
+          </p:cNvPr>
+          <p:cNvCxnSpPr>
+            <a:cxnSpLocks/>
+          </p:cNvCxnSpPr>
+          <p:nvPr/>
+        </p:nvCxnSpPr>
+        <p:spPr>
+          <a:xfrm flipV="1">
+            <a:off x="3701878" y="2505816"/>
+            <a:ext cx="1285758" cy="58578"/>
+          </a:xfrm>
+          <a:prstGeom prst="straightConnector1">
+            <a:avLst/>
+          </a:prstGeom>
+          <a:ln>
+            <a:tailEnd type="triangle"/>
+          </a:ln>
+        </p:spPr>
+        <p:style>
+          <a:lnRef idx="1">
+            <a:schemeClr val="accent1"/>
+          </a:lnRef>
+          <a:fillRef idx="0">
+            <a:schemeClr val="accent1"/>
+          </a:fillRef>
+          <a:effectRef idx="0">
+            <a:schemeClr val="accent1"/>
+          </a:effectRef>
+          <a:fontRef idx="minor">
+            <a:schemeClr val="tx1"/>
+          </a:fontRef>
+        </p:style>
+      </p:cxnSp>
+      <p:grpSp>
+        <p:nvGrpSpPr>
+          <p:cNvPr id="3" name="Agrupar 2">
+            <a:extLst>
+              <a:ext uri="{FF2B5EF4-FFF2-40B4-BE49-F238E27FC236}">
+                <a16:creationId xmlns:a16="http://schemas.microsoft.com/office/drawing/2014/main" id="{439A4986-045D-40F2-81DF-ED10F3785E20}"/>
+              </a:ext>
+            </a:extLst>
+          </p:cNvPr>
+          <p:cNvGrpSpPr/>
+          <p:nvPr/>
+        </p:nvGrpSpPr>
+        <p:grpSpPr>
+          <a:xfrm>
+            <a:off x="6492704" y="1832903"/>
+            <a:ext cx="2524875" cy="976494"/>
+            <a:chOff x="4995762" y="3421306"/>
+            <a:chExt cx="2524875" cy="976494"/>
+          </a:xfrm>
+        </p:grpSpPr>
+        <p:grpSp>
+          <p:nvGrpSpPr>
+            <p:cNvPr id="51" name="Agrupar 50">
+              <a:extLst>
+                <a:ext uri="{FF2B5EF4-FFF2-40B4-BE49-F238E27FC236}">
+                  <a16:creationId xmlns:a16="http://schemas.microsoft.com/office/drawing/2014/main" id="{68CD6BAD-AAC6-48B7-B7BA-886D3C3E0D84}"/>
+                </a:ext>
+              </a:extLst>
+            </p:cNvPr>
+            <p:cNvGrpSpPr/>
+            <p:nvPr/>
+          </p:nvGrpSpPr>
+          <p:grpSpPr>
+            <a:xfrm>
+              <a:off x="4995762" y="3421306"/>
+              <a:ext cx="1176925" cy="976494"/>
+              <a:chOff x="5370022" y="2784893"/>
+              <a:chExt cx="1176925" cy="976494"/>
+            </a:xfrm>
+          </p:grpSpPr>
+          <p:sp>
+            <p:nvSpPr>
+              <p:cNvPr id="48" name="Retângulo: Cantos Arredondados 47">
+                <a:extLst>
+                  <a:ext uri="{FF2B5EF4-FFF2-40B4-BE49-F238E27FC236}">
+                    <a16:creationId xmlns:a16="http://schemas.microsoft.com/office/drawing/2014/main" id="{C877BF90-3048-46FD-9268-07B2B4DA8F7D}"/>
+                  </a:ext>
+                </a:extLst>
+              </p:cNvPr>
+              <p:cNvSpPr/>
+              <p:nvPr/>
+            </p:nvSpPr>
+            <p:spPr>
+              <a:xfrm>
+                <a:off x="5636616" y="3154225"/>
+                <a:ext cx="643738" cy="607162"/>
+              </a:xfrm>
+              <a:prstGeom prst="roundRect">
+                <a:avLst/>
+              </a:prstGeom>
+            </p:spPr>
+            <p:style>
+              <a:lnRef idx="2">
+                <a:schemeClr val="accent1">
+                  <a:shade val="50000"/>
+                </a:schemeClr>
+              </a:lnRef>
+              <a:fillRef idx="1">
+                <a:schemeClr val="accent1"/>
+              </a:fillRef>
+              <a:effectRef idx="0">
+                <a:schemeClr val="accent1"/>
+              </a:effectRef>
+              <a:fontRef idx="minor">
+                <a:schemeClr val="lt1"/>
+              </a:fontRef>
+            </p:style>
+            <p:txBody>
+              <a:bodyPr rtlCol="0" anchor="ctr"/>
+              <a:lstStyle/>
+              <a:p>
+                <a:pPr algn="ctr"/>
+                <a:endParaRPr lang="en-US"/>
+              </a:p>
+            </p:txBody>
+          </p:sp>
+          <p:sp>
+            <p:nvSpPr>
+              <p:cNvPr id="49" name="CaixaDeTexto 48">
+                <a:extLst>
+                  <a:ext uri="{FF2B5EF4-FFF2-40B4-BE49-F238E27FC236}">
+                    <a16:creationId xmlns:a16="http://schemas.microsoft.com/office/drawing/2014/main" id="{6A3019F1-4396-4127-B0DF-24491D2E8FDC}"/>
+                  </a:ext>
+                </a:extLst>
+              </p:cNvPr>
+              <p:cNvSpPr txBox="1"/>
+              <p:nvPr/>
+            </p:nvSpPr>
+            <p:spPr>
+              <a:xfrm>
+                <a:off x="5370022" y="2784893"/>
+                <a:ext cx="1176925" cy="369332"/>
+              </a:xfrm>
+              <a:prstGeom prst="rect">
+                <a:avLst/>
+              </a:prstGeom>
+              <a:noFill/>
+            </p:spPr>
+            <p:txBody>
+              <a:bodyPr wrap="none" rtlCol="0">
+                <a:spAutoFit/>
+              </a:bodyPr>
+              <a:lstStyle/>
+              <a:p>
+                <a:r>
+                  <a:rPr lang="en-US" dirty="0"/>
+                  <a:t>10.10.10.7</a:t>
+                </a:r>
+              </a:p>
+            </p:txBody>
+          </p:sp>
+          <p:pic>
+            <p:nvPicPr>
+              <p:cNvPr id="50" name="Imagem 49">
+                <a:extLst>
+                  <a:ext uri="{FF2B5EF4-FFF2-40B4-BE49-F238E27FC236}">
+                    <a16:creationId xmlns:a16="http://schemas.microsoft.com/office/drawing/2014/main" id="{4C50A7EA-12EC-44C5-8D66-E018D66E1D59}"/>
+                  </a:ext>
+                </a:extLst>
+              </p:cNvPr>
+              <p:cNvPicPr>
+                <a:picLocks noChangeAspect="1"/>
+              </p:cNvPicPr>
+              <p:nvPr/>
+            </p:nvPicPr>
+            <p:blipFill>
+              <a:blip r:embed="rId3"/>
+              <a:stretch>
+                <a:fillRect/>
+              </a:stretch>
+            </p:blipFill>
+            <p:spPr>
+              <a:xfrm flipH="1">
+                <a:off x="5740318" y="3222309"/>
+                <a:ext cx="436332" cy="470994"/>
+              </a:xfrm>
+              <a:prstGeom prst="rect">
+                <a:avLst/>
+              </a:prstGeom>
+            </p:spPr>
+          </p:pic>
+        </p:grpSp>
+        <p:sp>
+          <p:nvSpPr>
+            <p:cNvPr id="32" name="CaixaDeTexto 31">
+              <a:extLst>
+                <a:ext uri="{FF2B5EF4-FFF2-40B4-BE49-F238E27FC236}">
+                  <a16:creationId xmlns:a16="http://schemas.microsoft.com/office/drawing/2014/main" id="{1783BC3C-916F-49AD-8657-D067DFC091FC}"/>
+                </a:ext>
+              </a:extLst>
+            </p:cNvPr>
+            <p:cNvSpPr txBox="1"/>
+            <p:nvPr/>
+          </p:nvSpPr>
+          <p:spPr>
+            <a:xfrm>
+              <a:off x="5906092" y="3751469"/>
+              <a:ext cx="1614545" cy="646331"/>
+            </a:xfrm>
+            <a:prstGeom prst="rect">
+              <a:avLst/>
+            </a:prstGeom>
+            <a:noFill/>
+          </p:spPr>
+          <p:txBody>
+            <a:bodyPr wrap="none" rtlCol="0">
+              <a:spAutoFit/>
+            </a:bodyPr>
+            <a:lstStyle/>
+            <a:p>
+              <a:r>
+                <a:rPr lang="en-US" dirty="0"/>
+                <a:t>Label</a:t>
+              </a:r>
+              <a:br>
+                <a:rPr lang="en-US" dirty="0"/>
+              </a:br>
+              <a:r>
+                <a:rPr lang="en-US" dirty="0"/>
+                <a:t>App=MongoDB</a:t>
+              </a:r>
+              <a:endParaRPr lang="pt-BR" dirty="0"/>
+            </a:p>
+          </p:txBody>
+        </p:sp>
+      </p:grpSp>
+      <p:sp>
+        <p:nvSpPr>
+          <p:cNvPr id="34" name="CaixaDeTexto 33">
+            <a:extLst>
+              <a:ext uri="{FF2B5EF4-FFF2-40B4-BE49-F238E27FC236}">
+                <a16:creationId xmlns:a16="http://schemas.microsoft.com/office/drawing/2014/main" id="{14B6D910-C70C-47FC-88E4-A3ED21DFD7B5}"/>
+              </a:ext>
+            </a:extLst>
+          </p:cNvPr>
+          <p:cNvSpPr txBox="1"/>
+          <p:nvPr/>
+        </p:nvSpPr>
+        <p:spPr>
+          <a:xfrm>
+            <a:off x="4926587" y="2600829"/>
+            <a:ext cx="1614545" cy="646331"/>
+          </a:xfrm>
+          <a:prstGeom prst="rect">
+            <a:avLst/>
+          </a:prstGeom>
+          <a:noFill/>
+        </p:spPr>
+        <p:txBody>
+          <a:bodyPr wrap="none" rtlCol="0">
+            <a:spAutoFit/>
+          </a:bodyPr>
+          <a:lstStyle/>
+          <a:p>
+            <a:r>
+              <a:rPr lang="en-US" dirty="0"/>
+              <a:t>Selector</a:t>
+            </a:r>
+            <a:br>
+              <a:rPr lang="en-US" dirty="0"/>
+            </a:br>
+            <a:r>
+              <a:rPr lang="en-US" dirty="0"/>
+              <a:t>App=MongoDB</a:t>
+            </a:r>
+            <a:endParaRPr lang="pt-BR" dirty="0"/>
+          </a:p>
+        </p:txBody>
+      </p:sp>
+      <p:sp>
+        <p:nvSpPr>
+          <p:cNvPr id="52" name="Retângulo: Cantos Arredondados 51">
+            <a:extLst>
+              <a:ext uri="{FF2B5EF4-FFF2-40B4-BE49-F238E27FC236}">
+                <a16:creationId xmlns:a16="http://schemas.microsoft.com/office/drawing/2014/main" id="{E133C36D-DC7A-4408-9E3D-6632371436DF}"/>
+              </a:ext>
+            </a:extLst>
+          </p:cNvPr>
+          <p:cNvSpPr/>
+          <p:nvPr/>
+        </p:nvSpPr>
+        <p:spPr>
+          <a:xfrm>
+            <a:off x="437839" y="2440065"/>
+            <a:ext cx="988693" cy="369332"/>
+          </a:xfrm>
+          <a:prstGeom prst="roundRect">
+            <a:avLst/>
+          </a:prstGeom>
+        </p:spPr>
+        <p:style>
+          <a:lnRef idx="2">
+            <a:schemeClr val="accent1">
+              <a:shade val="50000"/>
+            </a:schemeClr>
+          </a:lnRef>
+          <a:fillRef idx="1">
+            <a:schemeClr val="accent1"/>
+          </a:fillRef>
+          <a:effectRef idx="0">
+            <a:schemeClr val="accent1"/>
+          </a:effectRef>
+          <a:fontRef idx="minor">
+            <a:schemeClr val="lt1"/>
+          </a:fontRef>
+        </p:style>
+        <p:txBody>
+          <a:bodyPr rtlCol="0" anchor="ctr"/>
+          <a:lstStyle/>
+          <a:p>
+            <a:pPr algn="ctr"/>
+            <a:r>
+              <a:rPr lang="en-US" dirty="0"/>
+              <a:t>Service</a:t>
+            </a:r>
+          </a:p>
+        </p:txBody>
+      </p:sp>
+      <p:sp>
+        <p:nvSpPr>
+          <p:cNvPr id="11" name="CaixaDeTexto 10">
+            <a:extLst>
+              <a:ext uri="{FF2B5EF4-FFF2-40B4-BE49-F238E27FC236}">
+                <a16:creationId xmlns:a16="http://schemas.microsoft.com/office/drawing/2014/main" id="{D56E3AAC-BD47-44ED-990D-7EA152427395}"/>
+              </a:ext>
+            </a:extLst>
+          </p:cNvPr>
+          <p:cNvSpPr txBox="1"/>
+          <p:nvPr/>
+        </p:nvSpPr>
+        <p:spPr>
+          <a:xfrm>
+            <a:off x="3587886" y="1086214"/>
+            <a:ext cx="1213153" cy="523220"/>
+          </a:xfrm>
+          <a:prstGeom prst="rect">
+            <a:avLst/>
+          </a:prstGeom>
+          <a:noFill/>
+        </p:spPr>
+        <p:txBody>
+          <a:bodyPr wrap="none" rtlCol="0">
+            <a:spAutoFit/>
+          </a:bodyPr>
+          <a:lstStyle/>
+          <a:p>
+            <a:r>
+              <a:rPr lang="en-US" sz="1400" dirty="0"/>
+              <a:t>Label</a:t>
+            </a:r>
+            <a:br>
+              <a:rPr lang="en-US" sz="1400" dirty="0"/>
+            </a:br>
+            <a:r>
+              <a:rPr lang="en-US" sz="1400" dirty="0"/>
+              <a:t>App=</a:t>
+            </a:r>
+            <a:r>
+              <a:rPr lang="en-US" sz="1400" dirty="0" err="1"/>
+              <a:t>corecrud</a:t>
+            </a:r>
+            <a:endParaRPr lang="pt-BR" sz="1400" dirty="0"/>
+          </a:p>
+        </p:txBody>
+      </p:sp>
+      <p:sp>
+        <p:nvSpPr>
+          <p:cNvPr id="53" name="CaixaDeTexto 52">
+            <a:extLst>
+              <a:ext uri="{FF2B5EF4-FFF2-40B4-BE49-F238E27FC236}">
+                <a16:creationId xmlns:a16="http://schemas.microsoft.com/office/drawing/2014/main" id="{BD501760-D90E-4A84-B1B7-74EEE977A633}"/>
+              </a:ext>
+            </a:extLst>
+          </p:cNvPr>
+          <p:cNvSpPr txBox="1"/>
+          <p:nvPr/>
+        </p:nvSpPr>
+        <p:spPr>
+          <a:xfrm>
+            <a:off x="3587886" y="2268316"/>
+            <a:ext cx="1213153" cy="523220"/>
+          </a:xfrm>
+          <a:prstGeom prst="rect">
+            <a:avLst/>
+          </a:prstGeom>
+          <a:noFill/>
+        </p:spPr>
+        <p:txBody>
+          <a:bodyPr wrap="none" rtlCol="0">
+            <a:spAutoFit/>
+          </a:bodyPr>
+          <a:lstStyle/>
+          <a:p>
+            <a:r>
+              <a:rPr lang="en-US" sz="1400" dirty="0"/>
+              <a:t>Label</a:t>
+            </a:r>
+            <a:br>
+              <a:rPr lang="en-US" sz="1400" dirty="0"/>
+            </a:br>
+            <a:r>
+              <a:rPr lang="en-US" sz="1400" dirty="0"/>
+              <a:t>App=</a:t>
+            </a:r>
+            <a:r>
+              <a:rPr lang="en-US" sz="1400" dirty="0" err="1"/>
+              <a:t>corecrud</a:t>
+            </a:r>
+            <a:endParaRPr lang="pt-BR" sz="1400" dirty="0"/>
+          </a:p>
+        </p:txBody>
+      </p:sp>
+      <p:sp>
+        <p:nvSpPr>
+          <p:cNvPr id="55" name="CaixaDeTexto 54">
+            <a:extLst>
+              <a:ext uri="{FF2B5EF4-FFF2-40B4-BE49-F238E27FC236}">
+                <a16:creationId xmlns:a16="http://schemas.microsoft.com/office/drawing/2014/main" id="{EE713E55-DFCA-4C98-A9F0-26495C767BCC}"/>
+              </a:ext>
+            </a:extLst>
+          </p:cNvPr>
+          <p:cNvSpPr txBox="1"/>
+          <p:nvPr/>
+        </p:nvSpPr>
+        <p:spPr>
+          <a:xfrm>
+            <a:off x="2687843" y="4182017"/>
+            <a:ext cx="1213153" cy="523220"/>
+          </a:xfrm>
+          <a:prstGeom prst="rect">
+            <a:avLst/>
+          </a:prstGeom>
+          <a:noFill/>
+        </p:spPr>
+        <p:txBody>
+          <a:bodyPr wrap="none" rtlCol="0">
+            <a:spAutoFit/>
+          </a:bodyPr>
+          <a:lstStyle/>
+          <a:p>
+            <a:r>
+              <a:rPr lang="en-US" sz="1400" dirty="0"/>
+              <a:t>Label</a:t>
+            </a:r>
+            <a:br>
+              <a:rPr lang="en-US" sz="1400" dirty="0"/>
+            </a:br>
+            <a:r>
+              <a:rPr lang="en-US" sz="1400" dirty="0"/>
+              <a:t>App=</a:t>
+            </a:r>
+            <a:r>
+              <a:rPr lang="en-US" sz="1400" dirty="0" err="1"/>
+              <a:t>corecrud</a:t>
+            </a:r>
+            <a:endParaRPr lang="pt-BR" sz="1400" dirty="0"/>
+          </a:p>
+        </p:txBody>
+      </p:sp>
+      <p:sp>
+        <p:nvSpPr>
+          <p:cNvPr id="57" name="CaixaDeTexto 56">
+            <a:extLst>
+              <a:ext uri="{FF2B5EF4-FFF2-40B4-BE49-F238E27FC236}">
+                <a16:creationId xmlns:a16="http://schemas.microsoft.com/office/drawing/2014/main" id="{5C1EF6B6-B23E-43B5-818F-8DAB9AC5AFC2}"/>
+              </a:ext>
+            </a:extLst>
+          </p:cNvPr>
+          <p:cNvSpPr txBox="1"/>
+          <p:nvPr/>
+        </p:nvSpPr>
+        <p:spPr>
+          <a:xfrm>
+            <a:off x="321771" y="2791536"/>
+            <a:ext cx="1213153" cy="523220"/>
+          </a:xfrm>
+          <a:prstGeom prst="rect">
+            <a:avLst/>
+          </a:prstGeom>
+          <a:noFill/>
+        </p:spPr>
+        <p:txBody>
+          <a:bodyPr wrap="none" rtlCol="0">
+            <a:spAutoFit/>
+          </a:bodyPr>
+          <a:lstStyle/>
+          <a:p>
+            <a:r>
+              <a:rPr lang="en-US" sz="1400" dirty="0"/>
+              <a:t>Selector</a:t>
+            </a:r>
+            <a:br>
+              <a:rPr lang="en-US" sz="1400" dirty="0"/>
+            </a:br>
+            <a:r>
+              <a:rPr lang="en-US" sz="1400" dirty="0"/>
+              <a:t>App=</a:t>
+            </a:r>
+            <a:r>
+              <a:rPr lang="en-US" sz="1400" dirty="0" err="1"/>
+              <a:t>corecrud</a:t>
+            </a:r>
+            <a:endParaRPr lang="pt-BR" sz="1400" dirty="0"/>
+          </a:p>
+        </p:txBody>
+      </p:sp>
+      <p:cxnSp>
+        <p:nvCxnSpPr>
+          <p:cNvPr id="58" name="Conector de Seta Reta 57">
+            <a:extLst>
+              <a:ext uri="{FF2B5EF4-FFF2-40B4-BE49-F238E27FC236}">
+                <a16:creationId xmlns:a16="http://schemas.microsoft.com/office/drawing/2014/main" id="{B2AB9544-8045-4D8E-BDC6-345713279C4D}"/>
+              </a:ext>
+            </a:extLst>
+          </p:cNvPr>
+          <p:cNvCxnSpPr>
+            <a:cxnSpLocks/>
+          </p:cNvCxnSpPr>
+          <p:nvPr/>
+        </p:nvCxnSpPr>
+        <p:spPr>
+          <a:xfrm flipV="1">
+            <a:off x="1508274" y="1261962"/>
+            <a:ext cx="1318233" cy="1224269"/>
+          </a:xfrm>
+          <a:prstGeom prst="straightConnector1">
+            <a:avLst/>
+          </a:prstGeom>
+          <a:ln>
+            <a:tailEnd type="triangle"/>
+          </a:ln>
+        </p:spPr>
+        <p:style>
+          <a:lnRef idx="1">
+            <a:schemeClr val="accent1"/>
+          </a:lnRef>
+          <a:fillRef idx="0">
+            <a:schemeClr val="accent1"/>
+          </a:fillRef>
+          <a:effectRef idx="0">
+            <a:schemeClr val="accent1"/>
+          </a:effectRef>
+          <a:fontRef idx="minor">
+            <a:schemeClr val="tx1"/>
+          </a:fontRef>
+        </p:style>
+      </p:cxnSp>
+      <p:cxnSp>
+        <p:nvCxnSpPr>
+          <p:cNvPr id="59" name="Conector de Seta Reta 58">
+            <a:extLst>
+              <a:ext uri="{FF2B5EF4-FFF2-40B4-BE49-F238E27FC236}">
+                <a16:creationId xmlns:a16="http://schemas.microsoft.com/office/drawing/2014/main" id="{A3083723-41A6-46C3-B708-5E4781993916}"/>
+              </a:ext>
+            </a:extLst>
+          </p:cNvPr>
+          <p:cNvCxnSpPr>
+            <a:cxnSpLocks/>
+          </p:cNvCxnSpPr>
+          <p:nvPr/>
+        </p:nvCxnSpPr>
+        <p:spPr>
+          <a:xfrm flipV="1">
+            <a:off x="1542600" y="2571750"/>
+            <a:ext cx="1279388" cy="52981"/>
+          </a:xfrm>
+          <a:prstGeom prst="straightConnector1">
+            <a:avLst/>
+          </a:prstGeom>
+          <a:ln>
+            <a:tailEnd type="triangle"/>
+          </a:ln>
+        </p:spPr>
+        <p:style>
+          <a:lnRef idx="1">
+            <a:schemeClr val="accent1"/>
+          </a:lnRef>
+          <a:fillRef idx="0">
+            <a:schemeClr val="accent1"/>
+          </a:fillRef>
+          <a:effectRef idx="0">
+            <a:schemeClr val="accent1"/>
+          </a:effectRef>
+          <a:fontRef idx="minor">
+            <a:schemeClr val="tx1"/>
+          </a:fontRef>
+        </p:style>
+      </p:cxnSp>
+      <p:cxnSp>
+        <p:nvCxnSpPr>
+          <p:cNvPr id="61" name="Conector de Seta Reta 60">
+            <a:extLst>
+              <a:ext uri="{FF2B5EF4-FFF2-40B4-BE49-F238E27FC236}">
+                <a16:creationId xmlns:a16="http://schemas.microsoft.com/office/drawing/2014/main" id="{B4A68159-B77B-4B88-ACCC-EFC463B677E9}"/>
+              </a:ext>
+            </a:extLst>
+          </p:cNvPr>
+          <p:cNvCxnSpPr>
+            <a:cxnSpLocks/>
+          </p:cNvCxnSpPr>
+          <p:nvPr/>
+        </p:nvCxnSpPr>
+        <p:spPr>
+          <a:xfrm>
+            <a:off x="1542600" y="2791537"/>
+            <a:ext cx="1243816" cy="1072788"/>
+          </a:xfrm>
+          <a:prstGeom prst="straightConnector1">
+            <a:avLst/>
+          </a:prstGeom>
+          <a:ln>
+            <a:tailEnd type="triangle"/>
+          </a:ln>
+        </p:spPr>
+        <p:style>
+          <a:lnRef idx="1">
+            <a:schemeClr val="accent1"/>
+          </a:lnRef>
+          <a:fillRef idx="0">
+            <a:schemeClr val="accent1"/>
+          </a:fillRef>
+          <a:effectRef idx="0">
+            <a:schemeClr val="accent1"/>
+          </a:effectRef>
+          <a:fontRef idx="minor">
+            <a:schemeClr val="tx1"/>
+          </a:fontRef>
+        </p:style>
+      </p:cxnSp>
+    </p:spTree>
+    <p:extLst>
+      <p:ext uri="{BB962C8B-B14F-4D97-AF65-F5344CB8AC3E}">
+        <p14:creationId xmlns:p14="http://schemas.microsoft.com/office/powerpoint/2010/main" val="517413287"/>
+      </p:ext>
+    </p:extLst>
   </p:cSld>
   <p:clrMapOvr>
     <a:masterClrMapping/>
@@ -12075,6 +13451,175 @@
                 <a:latin typeface="Roboto" panose="02000000000000000000" pitchFamily="2" charset="0"/>
                 <a:ea typeface="Roboto" panose="02000000000000000000" pitchFamily="2" charset="0"/>
               </a:rPr>
+              <a:t>Proposta</a:t>
+            </a:r>
+          </a:p>
+        </p:txBody>
+      </p:sp>
+      <p:pic>
+        <p:nvPicPr>
+          <p:cNvPr id="2" name="Imagem 1"/>
+          <p:cNvPicPr>
+            <a:picLocks noChangeAspect="1"/>
+          </p:cNvPicPr>
+          <p:nvPr/>
+        </p:nvPicPr>
+        <p:blipFill>
+          <a:blip r:embed="rId2">
+            <a:extLst>
+              <a:ext uri="{28A0092B-C50C-407E-A947-70E740481C1C}">
+                <a14:useLocalDpi xmlns:a14="http://schemas.microsoft.com/office/drawing/2010/main" val="0"/>
+              </a:ext>
+            </a:extLst>
+          </a:blip>
+          <a:stretch>
+            <a:fillRect/>
+          </a:stretch>
+        </p:blipFill>
+        <p:spPr>
+          <a:xfrm>
+            <a:off x="2772926" y="2015613"/>
+            <a:ext cx="1113474" cy="1113474"/>
+          </a:xfrm>
+          <a:prstGeom prst="rect">
+            <a:avLst/>
+          </a:prstGeom>
+        </p:spPr>
+      </p:pic>
+      <p:pic>
+        <p:nvPicPr>
+          <p:cNvPr id="3" name="Imagem 2"/>
+          <p:cNvPicPr>
+            <a:picLocks noChangeAspect="1"/>
+          </p:cNvPicPr>
+          <p:nvPr/>
+        </p:nvPicPr>
+        <p:blipFill>
+          <a:blip r:embed="rId3">
+            <a:extLst>
+              <a:ext uri="{28A0092B-C50C-407E-A947-70E740481C1C}">
+                <a14:useLocalDpi xmlns:a14="http://schemas.microsoft.com/office/drawing/2010/main" val="0"/>
+              </a:ext>
+            </a:extLst>
+          </a:blip>
+          <a:stretch>
+            <a:fillRect/>
+          </a:stretch>
+        </p:blipFill>
+        <p:spPr>
+          <a:xfrm>
+            <a:off x="5048922" y="1954468"/>
+            <a:ext cx="1784497" cy="1235764"/>
+          </a:xfrm>
+          <a:prstGeom prst="rect">
+            <a:avLst/>
+          </a:prstGeom>
+        </p:spPr>
+      </p:pic>
+      <p:sp>
+        <p:nvSpPr>
+          <p:cNvPr id="4" name="Seta para a Direita 3"/>
+          <p:cNvSpPr/>
+          <p:nvPr/>
+        </p:nvSpPr>
+        <p:spPr>
+          <a:xfrm>
+            <a:off x="3991896" y="2359741"/>
+            <a:ext cx="1140542" cy="137652"/>
+          </a:xfrm>
+          <a:prstGeom prst="rightArrow">
+            <a:avLst/>
+          </a:prstGeom>
+        </p:spPr>
+        <p:style>
+          <a:lnRef idx="2">
+            <a:schemeClr val="accent1">
+              <a:shade val="50000"/>
+            </a:schemeClr>
+          </a:lnRef>
+          <a:fillRef idx="1">
+            <a:schemeClr val="accent1"/>
+          </a:fillRef>
+          <a:effectRef idx="0">
+            <a:schemeClr val="accent1"/>
+          </a:effectRef>
+          <a:fontRef idx="minor">
+            <a:schemeClr val="lt1"/>
+          </a:fontRef>
+        </p:style>
+        <p:txBody>
+          <a:bodyPr rtlCol="0" anchor="ctr"/>
+          <a:lstStyle/>
+          <a:p>
+            <a:pPr algn="ctr"/>
+            <a:endParaRPr lang="pt-BR"/>
+          </a:p>
+        </p:txBody>
+      </p:sp>
+    </p:spTree>
+    <p:extLst>
+      <p:ext uri="{BB962C8B-B14F-4D97-AF65-F5344CB8AC3E}">
+        <p14:creationId xmlns:p14="http://schemas.microsoft.com/office/powerpoint/2010/main" val="809327906"/>
+      </p:ext>
+    </p:extLst>
+  </p:cSld>
+  <p:clrMapOvr>
+    <a:masterClrMapping/>
+  </p:clrMapOvr>
+</p:sld>
+</file>
+
+<file path=ppt/slides/slide5.xml><?xml version="1.0" encoding="utf-8"?>
+<p:sld xmlns:a="http://schemas.openxmlformats.org/drawingml/2006/main" xmlns:r="http://schemas.openxmlformats.org/officeDocument/2006/relationships" xmlns:p="http://schemas.openxmlformats.org/presentationml/2006/main">
+  <p:cSld>
+    <p:spTree>
+      <p:nvGrpSpPr>
+        <p:cNvPr id="1" name=""/>
+        <p:cNvGrpSpPr/>
+        <p:nvPr/>
+      </p:nvGrpSpPr>
+      <p:grpSpPr>
+        <a:xfrm>
+          <a:off x="0" y="0"/>
+          <a:ext cx="0" cy="0"/>
+          <a:chOff x="0" y="0"/>
+          <a:chExt cx="0" cy="0"/>
+        </a:xfrm>
+      </p:grpSpPr>
+      <p:sp>
+        <p:nvSpPr>
+          <p:cNvPr id="6" name="CaixaDeTexto 5">
+            <a:extLst>
+              <a:ext uri="{FF2B5EF4-FFF2-40B4-BE49-F238E27FC236}">
+                <a16:creationId xmlns:a16="http://schemas.microsoft.com/office/drawing/2014/main" id="{4DA9B1BD-4C6D-4BA6-A19A-E4B7E5A32637}"/>
+              </a:ext>
+            </a:extLst>
+          </p:cNvPr>
+          <p:cNvSpPr txBox="1"/>
+          <p:nvPr/>
+        </p:nvSpPr>
+        <p:spPr>
+          <a:xfrm>
+            <a:off x="0" y="323272"/>
+            <a:ext cx="9144000" cy="707886"/>
+          </a:xfrm>
+          <a:prstGeom prst="rect">
+            <a:avLst/>
+          </a:prstGeom>
+          <a:noFill/>
+        </p:spPr>
+        <p:txBody>
+          <a:bodyPr wrap="square" rtlCol="0">
+            <a:spAutoFit/>
+          </a:bodyPr>
+          <a:lstStyle/>
+          <a:p>
+            <a:pPr algn="ctr"/>
+            <a:r>
+              <a:rPr lang="pt-BR" sz="4000" dirty="0">
+                <a:latin typeface="Roboto" panose="02000000000000000000" pitchFamily="2" charset="0"/>
+                <a:ea typeface="Roboto" panose="02000000000000000000" pitchFamily="2" charset="0"/>
+              </a:rPr>
               <a:t>Objetos em um </a:t>
             </a:r>
             <a:r>
@@ -12421,6 +13966,29 @@
                 <a:latin typeface="Roboto" panose="02000000000000000000" pitchFamily="2" charset="0"/>
                 <a:ea typeface="Roboto" panose="02000000000000000000" pitchFamily="2" charset="0"/>
               </a:rPr>
+              <a:t>Services</a:t>
+            </a:r>
+          </a:p>
+          <a:p>
+            <a:pPr marL="482600" indent="-342900">
+              <a:spcBef>
+                <a:spcPts val="600"/>
+              </a:spcBef>
+              <a:spcAft>
+                <a:spcPts val="0"/>
+              </a:spcAft>
+              <a:buSzPts val="1400"/>
+              <a:buFont typeface="+mj-lt"/>
+              <a:buAutoNum type="arabicPeriod"/>
+            </a:pPr>
+            <a:r>
+              <a:rPr lang="en-US" dirty="0">
+                <a:solidFill>
+                  <a:schemeClr val="tx1"/>
+                </a:solidFill>
+                <a:latin typeface="Roboto" panose="02000000000000000000" pitchFamily="2" charset="0"/>
+                <a:ea typeface="Roboto" panose="02000000000000000000" pitchFamily="2" charset="0"/>
+              </a:rPr>
               <a:t>Labels </a:t>
             </a:r>
           </a:p>
@@ -12445,6 +14013,29 @@
                 <a:ea typeface="Roboto" panose="02000000000000000000" pitchFamily="2" charset="0"/>
               </a:rPr>
               <a:t>Selectors</a:t>
+            </a:r>
+          </a:p>
+          <a:p>
+            <a:pPr marL="482600" indent="-342900">
+              <a:spcBef>
+                <a:spcPts val="600"/>
+              </a:spcBef>
+              <a:spcAft>
+                <a:spcPts val="0"/>
+              </a:spcAft>
+              <a:buSzPts val="1400"/>
+              <a:buFont typeface="+mj-lt"/>
+              <a:buAutoNum type="arabicPeriod"/>
+            </a:pPr>
+            <a:r>
+              <a:rPr lang="en-US" dirty="0">
+                <a:solidFill>
+                  <a:schemeClr val="tx1"/>
+                </a:solidFill>
+                <a:latin typeface="Roboto" panose="02000000000000000000" pitchFamily="2" charset="0"/>
+                <a:ea typeface="Roboto" panose="02000000000000000000" pitchFamily="2" charset="0"/>
+              </a:rPr>
+              <a:t>Deployment</a:t>
             </a:r>
           </a:p>
           <a:p>
@@ -12478,7 +14069,7 @@
             </a:endParaRPr>
           </a:p>
           <a:p>
-            <a:pPr marL="482600" indent="-342900">
+            <a:pPr marL="139700" indent="0">
               <a:spcBef>
                 <a:spcPts val="600"/>
               </a:spcBef>
@@ -12486,42 +14077,15 @@
                 <a:spcPts val="0"/>
               </a:spcAft>
               <a:buSzPts val="1400"/>
-              <a:buFont typeface="+mj-lt"/>
-              <a:buAutoNum type="arabicPeriod"/>
+              <a:buNone/>
             </a:pPr>
-            <a:r>
-              <a:rPr lang="en-US" dirty="0">
-                <a:solidFill>
-                  <a:schemeClr val="tx1"/>
-                </a:solidFill>
-                <a:latin typeface="Roboto" panose="02000000000000000000" pitchFamily="2" charset="0"/>
-                <a:ea typeface="Roboto" panose="02000000000000000000" pitchFamily="2" charset="0"/>
-              </a:rPr>
-              <a:t>Deployment</a:t>
-            </a:r>
-          </a:p>
-          <a:p>
-            <a:pPr marL="482600" indent="-342900">
-              <a:spcBef>
-                <a:spcPts val="600"/>
-              </a:spcBef>
-              <a:spcAft>
-                <a:spcPts val="0"/>
-              </a:spcAft>
-              <a:buSzPts val="1400"/>
-              <a:buFont typeface="+mj-lt"/>
-              <a:buAutoNum type="arabicPeriod"/>
-            </a:pPr>
-            <a:r>
-              <a:rPr lang="en-US" dirty="0">
-                <a:solidFill>
-                  <a:schemeClr val="tx1"/>
-                </a:solidFill>
-                <a:latin typeface="Roboto" panose="02000000000000000000" pitchFamily="2" charset="0"/>
-                <a:ea typeface="Roboto" panose="02000000000000000000" pitchFamily="2" charset="0"/>
-              </a:rPr>
-              <a:t>Services</a:t>
-            </a:r>
+            <a:endParaRPr lang="en-US" dirty="0">
+              <a:solidFill>
+                <a:schemeClr val="tx1"/>
+              </a:solidFill>
+              <a:latin typeface="Roboto" panose="02000000000000000000" pitchFamily="2" charset="0"/>
+              <a:ea typeface="Roboto" panose="02000000000000000000" pitchFamily="2" charset="0"/>
+            </a:endParaRPr>
           </a:p>
         </p:txBody>
       </p:sp>
@@ -13261,7 +14825,7 @@
 </p:sld>
 </file>
 
-<file path=ppt/slides/slide5.xml><?xml version="1.0" encoding="utf-8"?>
+<file path=ppt/slides/slide6.xml><?xml version="1.0" encoding="utf-8"?>
 <p:sld xmlns:a="http://schemas.openxmlformats.org/drawingml/2006/main" xmlns:r="http://schemas.openxmlformats.org/officeDocument/2006/relationships" xmlns:p="http://schemas.openxmlformats.org/presentationml/2006/main">
   <p:cSld>
     <p:spTree>
@@ -13280,10 +14844,10 @@
       </p:grpSpPr>
       <p:sp>
         <p:nvSpPr>
-          <p:cNvPr id="6" name="CaixaDeTexto 5">
+          <p:cNvPr id="3" name="CaixaDeTexto 2">
             <a:extLst>
               <a:ext uri="{FF2B5EF4-FFF2-40B4-BE49-F238E27FC236}">
-                <a16:creationId xmlns:a16="http://schemas.microsoft.com/office/drawing/2014/main" id="{4DA9B1BD-4C6D-4BA6-A19A-E4B7E5A32637}"/>
+                <a16:creationId xmlns:a16="http://schemas.microsoft.com/office/drawing/2014/main" id="{2FDCD985-A4BB-4D02-ADE7-D35328E88BD4}"/>
               </a:ext>
             </a:extLst>
           </p:cNvPr>
@@ -13292,8 +14856,8 @@
         </p:nvSpPr>
         <p:spPr>
           <a:xfrm>
-            <a:off x="0" y="323272"/>
-            <a:ext cx="9144000" cy="707886"/>
+            <a:off x="0" y="62922"/>
+            <a:ext cx="9144000" cy="1015663"/>
           </a:xfrm>
           <a:prstGeom prst="rect">
             <a:avLst/>
@@ -13308,162 +14872,19 @@
           <a:p>
             <a:pPr algn="ctr"/>
             <a:r>
-              <a:rPr lang="pt-BR" sz="4000" dirty="0" smtClean="0">
-                <a:latin typeface="Roboto" panose="02000000000000000000" pitchFamily="2" charset="0"/>
-                <a:ea typeface="Roboto" panose="02000000000000000000" pitchFamily="2" charset="0"/>
-              </a:rPr>
-              <a:t>Proposta</a:t>
+              <a:rPr lang="pt-BR" sz="6000" dirty="0" err="1"/>
+              <a:t>Pod</a:t>
             </a:r>
-            <a:endParaRPr lang="pt-BR" sz="4000" dirty="0">
-              <a:latin typeface="Roboto" panose="02000000000000000000" pitchFamily="2" charset="0"/>
-              <a:ea typeface="Roboto" panose="02000000000000000000" pitchFamily="2" charset="0"/>
-            </a:endParaRPr>
+            <a:endParaRPr lang="pt-BR" sz="6000" dirty="0"/>
           </a:p>
         </p:txBody>
       </p:sp>
-      <p:pic>
-        <p:nvPicPr>
-          <p:cNvPr id="2" name="Imagem 1"/>
-          <p:cNvPicPr>
-            <a:picLocks noChangeAspect="1"/>
-          </p:cNvPicPr>
-          <p:nvPr/>
-        </p:nvPicPr>
-        <p:blipFill>
-          <a:blip r:embed="rId2">
-            <a:extLst>
-              <a:ext uri="{28A0092B-C50C-407E-A947-70E740481C1C}">
-                <a14:useLocalDpi xmlns:a14="http://schemas.microsoft.com/office/drawing/2010/main" val="0"/>
-              </a:ext>
-            </a:extLst>
-          </a:blip>
-          <a:stretch>
-            <a:fillRect/>
-          </a:stretch>
-        </p:blipFill>
-        <p:spPr>
-          <a:xfrm>
-            <a:off x="2772926" y="2015613"/>
-            <a:ext cx="1113474" cy="1113474"/>
-          </a:xfrm>
-          <a:prstGeom prst="rect">
-            <a:avLst/>
-          </a:prstGeom>
-        </p:spPr>
-      </p:pic>
-      <p:pic>
-        <p:nvPicPr>
-          <p:cNvPr id="3" name="Imagem 2"/>
-          <p:cNvPicPr>
-            <a:picLocks noChangeAspect="1"/>
-          </p:cNvPicPr>
-          <p:nvPr/>
-        </p:nvPicPr>
-        <p:blipFill>
-          <a:blip r:embed="rId3">
-            <a:extLst>
-              <a:ext uri="{28A0092B-C50C-407E-A947-70E740481C1C}">
-                <a14:useLocalDpi xmlns:a14="http://schemas.microsoft.com/office/drawing/2010/main" val="0"/>
-              </a:ext>
-            </a:extLst>
-          </a:blip>
-          <a:stretch>
-            <a:fillRect/>
-          </a:stretch>
-        </p:blipFill>
-        <p:spPr>
-          <a:xfrm>
-            <a:off x="5048922" y="1954468"/>
-            <a:ext cx="1784497" cy="1235764"/>
-          </a:xfrm>
-          <a:prstGeom prst="rect">
-            <a:avLst/>
-          </a:prstGeom>
-        </p:spPr>
-      </p:pic>
-      <p:sp>
-        <p:nvSpPr>
-          <p:cNvPr id="4" name="Seta para a Direita 3"/>
-          <p:cNvSpPr/>
-          <p:nvPr/>
-        </p:nvSpPr>
-        <p:spPr>
-          <a:xfrm>
-            <a:off x="3991896" y="2359741"/>
-            <a:ext cx="1140542" cy="137652"/>
-          </a:xfrm>
-          <a:prstGeom prst="rightArrow">
-            <a:avLst/>
-          </a:prstGeom>
-        </p:spPr>
-        <p:style>
-          <a:lnRef idx="2">
-            <a:schemeClr val="accent1">
-              <a:shade val="50000"/>
-            </a:schemeClr>
-          </a:lnRef>
-          <a:fillRef idx="1">
-            <a:schemeClr val="accent1"/>
-          </a:fillRef>
-          <a:effectRef idx="0">
-            <a:schemeClr val="accent1"/>
-          </a:effectRef>
-          <a:fontRef idx="minor">
-            <a:schemeClr val="lt1"/>
-          </a:fontRef>
-        </p:style>
-        <p:txBody>
-          <a:bodyPr rtlCol="0" anchor="ctr"/>
-          <a:lstStyle/>
-          <a:p>
-            <a:pPr algn="ctr"/>
-            <a:endParaRPr lang="pt-BR"/>
-          </a:p>
-        </p:txBody>
-      </p:sp>
-    </p:spTree>
-    <p:extLst>
-      <p:ext uri="{BB962C8B-B14F-4D97-AF65-F5344CB8AC3E}">
-        <p14:creationId xmlns:p14="http://schemas.microsoft.com/office/powerpoint/2010/main" val="809327906"/>
-      </p:ext>
-    </p:extLst>
-  </p:cSld>
-  <p:clrMapOvr>
-    <a:masterClrMapping/>
-  </p:clrMapOvr>
-  <p:timing>
-    <p:tnLst>
-      <p:par>
-        <p:cTn id="1" dur="indefinite" restart="never" nodeType="tmRoot"/>
-      </p:par>
-    </p:tnLst>
-  </p:timing>
-</p:sld>
-</file>
-
-<file path=ppt/slides/slide6.xml><?xml version="1.0" encoding="utf-8"?>
-<p:sld xmlns:a="http://schemas.openxmlformats.org/drawingml/2006/main" xmlns:r="http://schemas.openxmlformats.org/officeDocument/2006/relationships" xmlns:p="http://schemas.openxmlformats.org/presentationml/2006/main">
-  <p:cSld>
-    <p:spTree>
-      <p:nvGrpSpPr>
-        <p:cNvPr id="1" name=""/>
-        <p:cNvGrpSpPr/>
-        <p:nvPr/>
-      </p:nvGrpSpPr>
-      <p:grpSpPr>
-        <a:xfrm>
-          <a:off x="0" y="0"/>
-          <a:ext cx="0" cy="0"/>
-          <a:chOff x="0" y="0"/>
-          <a:chExt cx="0" cy="0"/>
-        </a:xfrm>
-      </p:grpSpPr>
       <p:grpSp>
         <p:nvGrpSpPr>
-          <p:cNvPr id="16" name="Agrupar 15">
+          <p:cNvPr id="4" name="Agrupar 3">
             <a:extLst>
               <a:ext uri="{FF2B5EF4-FFF2-40B4-BE49-F238E27FC236}">
-                <a16:creationId xmlns:a16="http://schemas.microsoft.com/office/drawing/2014/main" id="{EFAD0D5E-5D1D-4203-A0BF-CF55ECB46941}"/>
+                <a16:creationId xmlns:a16="http://schemas.microsoft.com/office/drawing/2014/main" id="{2B05F73B-F007-4348-AA82-F5656F38C9EC}"/>
               </a:ext>
             </a:extLst>
           </p:cNvPr>
@@ -13474,16 +14895,16 @@
           <a:xfrm>
             <a:off x="2883109" y="1185581"/>
             <a:ext cx="3162300" cy="3188732"/>
-            <a:chOff x="2330450" y="653018"/>
+            <a:chOff x="2883109" y="1185581"/>
             <a:chExt cx="3162300" cy="3188732"/>
           </a:xfrm>
         </p:grpSpPr>
         <p:sp>
           <p:nvSpPr>
-            <p:cNvPr id="2" name="Retângulo: Cantos Arredondados 1">
+            <p:cNvPr id="14" name="Retângulo: Cantos Arredondados 13">
               <a:extLst>
                 <a:ext uri="{FF2B5EF4-FFF2-40B4-BE49-F238E27FC236}">
-                  <a16:creationId xmlns:a16="http://schemas.microsoft.com/office/drawing/2014/main" id="{53AAB8EC-9A6F-46DE-87D0-E845C91E9260}"/>
+                  <a16:creationId xmlns:a16="http://schemas.microsoft.com/office/drawing/2014/main" id="{F0EF10EB-E889-4ABB-9BD0-468F5D87D14E}"/>
                 </a:ext>
               </a:extLst>
             </p:cNvPr>
@@ -13492,7 +14913,7 @@
           </p:nvSpPr>
           <p:spPr>
             <a:xfrm>
-              <a:off x="2330450" y="965200"/>
+              <a:off x="2883109" y="1497763"/>
               <a:ext cx="3162300" cy="2876550"/>
             </a:xfrm>
             <a:prstGeom prst="roundRect">
@@ -13526,10 +14947,10 @@
         </p:sp>
         <p:sp>
           <p:nvSpPr>
-            <p:cNvPr id="8" name="CaixaDeTexto 7">
+            <p:cNvPr id="17" name="CaixaDeTexto 16">
               <a:extLst>
                 <a:ext uri="{FF2B5EF4-FFF2-40B4-BE49-F238E27FC236}">
-                  <a16:creationId xmlns:a16="http://schemas.microsoft.com/office/drawing/2014/main" id="{A4D74C3A-B000-4FA5-9729-18A23968E785}"/>
+                  <a16:creationId xmlns:a16="http://schemas.microsoft.com/office/drawing/2014/main" id="{B945AD69-87F6-467A-AC66-13798012D013}"/>
                 </a:ext>
               </a:extLst>
             </p:cNvPr>
@@ -13538,7 +14959,7 @@
           </p:nvSpPr>
           <p:spPr>
             <a:xfrm>
-              <a:off x="3323137" y="653018"/>
+              <a:off x="3875796" y="1185581"/>
               <a:ext cx="1176925" cy="369332"/>
             </a:xfrm>
             <a:prstGeom prst="rect">
@@ -13559,67 +14980,418 @@
             </a:p>
           </p:txBody>
         </p:sp>
-        <p:pic>
-          <p:nvPicPr>
-            <p:cNvPr id="10" name="Imagem 9">
-              <a:extLst>
-                <a:ext uri="{FF2B5EF4-FFF2-40B4-BE49-F238E27FC236}">
-                  <a16:creationId xmlns:a16="http://schemas.microsoft.com/office/drawing/2014/main" id="{75EF7900-2798-4245-8CE9-53E958D87996}"/>
-                </a:ext>
-              </a:extLst>
-            </p:cNvPr>
-            <p:cNvPicPr>
-              <a:picLocks noChangeAspect="1"/>
-            </p:cNvPicPr>
-            <p:nvPr/>
-          </p:nvPicPr>
-          <p:blipFill>
-            <a:blip r:embed="rId2"/>
-            <a:stretch>
-              <a:fillRect/>
-            </a:stretch>
-          </p:blipFill>
-          <p:spPr>
-            <a:xfrm>
-              <a:off x="4406900" y="1332361"/>
-              <a:ext cx="679173" cy="733126"/>
-            </a:xfrm>
-            <a:prstGeom prst="rect">
-              <a:avLst/>
-            </a:prstGeom>
-          </p:spPr>
-        </p:pic>
-        <p:pic>
-          <p:nvPicPr>
-            <p:cNvPr id="15" name="Imagem 14">
-              <a:extLst>
-                <a:ext uri="{FF2B5EF4-FFF2-40B4-BE49-F238E27FC236}">
-                  <a16:creationId xmlns:a16="http://schemas.microsoft.com/office/drawing/2014/main" id="{44B3B63A-65BB-4A4F-9214-4796324393E8}"/>
-                </a:ext>
-              </a:extLst>
-            </p:cNvPr>
-            <p:cNvPicPr>
-              <a:picLocks noChangeAspect="1"/>
-            </p:cNvPicPr>
-            <p:nvPr/>
-          </p:nvPicPr>
-          <p:blipFill>
-            <a:blip r:embed="rId3"/>
-            <a:stretch>
-              <a:fillRect/>
-            </a:stretch>
-          </p:blipFill>
-          <p:spPr>
-            <a:xfrm>
-              <a:off x="2749549" y="1368651"/>
-              <a:ext cx="679173" cy="724237"/>
-            </a:xfrm>
-            <a:prstGeom prst="rect">
-              <a:avLst/>
-            </a:prstGeom>
-          </p:spPr>
-        </p:pic>
       </p:grpSp>
+      <p:pic>
+        <p:nvPicPr>
+          <p:cNvPr id="18" name="Imagem 17">
+            <a:extLst>
+              <a:ext uri="{FF2B5EF4-FFF2-40B4-BE49-F238E27FC236}">
+                <a16:creationId xmlns:a16="http://schemas.microsoft.com/office/drawing/2014/main" id="{28085FF1-0053-47D1-8DD1-FFD8D650CBFC}"/>
+              </a:ext>
+            </a:extLst>
+          </p:cNvPr>
+          <p:cNvPicPr>
+            <a:picLocks noChangeAspect="1"/>
+          </p:cNvPicPr>
+          <p:nvPr/>
+        </p:nvPicPr>
+        <p:blipFill>
+          <a:blip r:embed="rId2"/>
+          <a:stretch>
+            <a:fillRect/>
+          </a:stretch>
+        </p:blipFill>
+        <p:spPr>
+          <a:xfrm>
+            <a:off x="4959559" y="1864924"/>
+            <a:ext cx="679173" cy="733126"/>
+          </a:xfrm>
+          <a:prstGeom prst="rect">
+            <a:avLst/>
+          </a:prstGeom>
+        </p:spPr>
+      </p:pic>
+      <p:pic>
+        <p:nvPicPr>
+          <p:cNvPr id="19" name="Imagem 18">
+            <a:extLst>
+              <a:ext uri="{FF2B5EF4-FFF2-40B4-BE49-F238E27FC236}">
+                <a16:creationId xmlns:a16="http://schemas.microsoft.com/office/drawing/2014/main" id="{322E43D5-B469-40CC-8883-F405179C465D}"/>
+              </a:ext>
+            </a:extLst>
+          </p:cNvPr>
+          <p:cNvPicPr>
+            <a:picLocks noChangeAspect="1"/>
+          </p:cNvPicPr>
+          <p:nvPr/>
+        </p:nvPicPr>
+        <p:blipFill>
+          <a:blip r:embed="rId3"/>
+          <a:stretch>
+            <a:fillRect/>
+          </a:stretch>
+        </p:blipFill>
+        <p:spPr>
+          <a:xfrm>
+            <a:off x="3302208" y="1901214"/>
+            <a:ext cx="679173" cy="724237"/>
+          </a:xfrm>
+          <a:prstGeom prst="rect">
+            <a:avLst/>
+          </a:prstGeom>
+        </p:spPr>
+      </p:pic>
+    </p:spTree>
+    <p:extLst>
+      <p:ext uri="{BB962C8B-B14F-4D97-AF65-F5344CB8AC3E}">
+        <p14:creationId xmlns:p14="http://schemas.microsoft.com/office/powerpoint/2010/main" val="3752626071"/>
+      </p:ext>
+    </p:extLst>
+  </p:cSld>
+  <p:clrMapOvr>
+    <a:masterClrMapping/>
+  </p:clrMapOvr>
+  <p:timing>
+    <p:tnLst>
+      <p:par>
+        <p:cTn id="1" dur="indefinite" restart="never" nodeType="tmRoot">
+          <p:childTnLst>
+            <p:seq concurrent="1" nextAc="seek">
+              <p:cTn id="2" dur="indefinite" nodeType="mainSeq">
+                <p:childTnLst>
+                  <p:par>
+                    <p:cTn id="3" fill="hold">
+                      <p:stCondLst>
+                        <p:cond delay="indefinite"/>
+                      </p:stCondLst>
+                      <p:childTnLst>
+                        <p:par>
+                          <p:cTn id="4" fill="hold">
+                            <p:stCondLst>
+                              <p:cond delay="0"/>
+                            </p:stCondLst>
+                            <p:childTnLst>
+                              <p:par>
+                                <p:cTn id="5" presetID="1" presetClass="entr" presetSubtype="0" fill="hold" nodeType="clickEffect">
+                                  <p:stCondLst>
+                                    <p:cond delay="0"/>
+                                  </p:stCondLst>
+                                  <p:childTnLst>
+                                    <p:set>
+                                      <p:cBhvr>
+                                        <p:cTn id="6" dur="1" fill="hold">
+                                          <p:stCondLst>
+                                            <p:cond delay="0"/>
+                                          </p:stCondLst>
+                                        </p:cTn>
+                                        <p:tgtEl>
+                                          <p:spTgt spid="19"/>
+                                        </p:tgtEl>
+                                        <p:attrNameLst>
+                                          <p:attrName>style.visibility</p:attrName>
+                                        </p:attrNameLst>
+                                      </p:cBhvr>
+                                      <p:to>
+                                        <p:strVal val="visible"/>
+                                      </p:to>
+                                    </p:set>
+                                  </p:childTnLst>
+                                </p:cTn>
+                              </p:par>
+                            </p:childTnLst>
+                          </p:cTn>
+                        </p:par>
+                      </p:childTnLst>
+                    </p:cTn>
+                  </p:par>
+                  <p:par>
+                    <p:cTn id="7" fill="hold">
+                      <p:stCondLst>
+                        <p:cond delay="indefinite"/>
+                      </p:stCondLst>
+                      <p:childTnLst>
+                        <p:par>
+                          <p:cTn id="8" fill="hold">
+                            <p:stCondLst>
+                              <p:cond delay="0"/>
+                            </p:stCondLst>
+                            <p:childTnLst>
+                              <p:par>
+                                <p:cTn id="9" presetID="1" presetClass="entr" presetSubtype="0" fill="hold" nodeType="clickEffect">
+                                  <p:stCondLst>
+                                    <p:cond delay="0"/>
+                                  </p:stCondLst>
+                                  <p:childTnLst>
+                                    <p:set>
+                                      <p:cBhvr>
+                                        <p:cTn id="10" dur="1" fill="hold">
+                                          <p:stCondLst>
+                                            <p:cond delay="0"/>
+                                          </p:stCondLst>
+                                        </p:cTn>
+                                        <p:tgtEl>
+                                          <p:spTgt spid="18"/>
+                                        </p:tgtEl>
+                                        <p:attrNameLst>
+                                          <p:attrName>style.visibility</p:attrName>
+                                        </p:attrNameLst>
+                                      </p:cBhvr>
+                                      <p:to>
+                                        <p:strVal val="visible"/>
+                                      </p:to>
+                                    </p:set>
+                                  </p:childTnLst>
+                                </p:cTn>
+                              </p:par>
+                            </p:childTnLst>
+                          </p:cTn>
+                        </p:par>
+                      </p:childTnLst>
+                    </p:cTn>
+                  </p:par>
+                </p:childTnLst>
+              </p:cTn>
+              <p:prevCondLst>
+                <p:cond evt="onPrev" delay="0">
+                  <p:tgtEl>
+                    <p:sldTgt/>
+                  </p:tgtEl>
+                </p:cond>
+              </p:prevCondLst>
+              <p:nextCondLst>
+                <p:cond evt="onNext" delay="0">
+                  <p:tgtEl>
+                    <p:sldTgt/>
+                  </p:tgtEl>
+                </p:cond>
+              </p:nextCondLst>
+            </p:seq>
+          </p:childTnLst>
+        </p:cTn>
+      </p:par>
+    </p:tnLst>
+  </p:timing>
+</p:sld>
+</file>
+
+<file path=ppt/slides/slide7.xml><?xml version="1.0" encoding="utf-8"?>
+<p:sld xmlns:a="http://schemas.openxmlformats.org/drawingml/2006/main" xmlns:r="http://schemas.openxmlformats.org/officeDocument/2006/relationships" xmlns:p="http://schemas.openxmlformats.org/presentationml/2006/main">
+  <p:cSld>
+    <p:spTree>
+      <p:nvGrpSpPr>
+        <p:cNvPr id="1" name=""/>
+        <p:cNvGrpSpPr/>
+        <p:nvPr/>
+      </p:nvGrpSpPr>
+      <p:grpSpPr>
+        <a:xfrm>
+          <a:off x="0" y="0"/>
+          <a:ext cx="0" cy="0"/>
+          <a:chOff x="0" y="0"/>
+          <a:chExt cx="0" cy="0"/>
+        </a:xfrm>
+      </p:grpSpPr>
+      <p:pic>
+        <p:nvPicPr>
+          <p:cNvPr id="6" name="Imagem 5">
+            <a:extLst>
+              <a:ext uri="{FF2B5EF4-FFF2-40B4-BE49-F238E27FC236}">
+                <a16:creationId xmlns:a16="http://schemas.microsoft.com/office/drawing/2014/main" id="{89986505-85DF-43ED-8345-E8BA980CFFC0}"/>
+              </a:ext>
+            </a:extLst>
+          </p:cNvPr>
+          <p:cNvPicPr>
+            <a:picLocks noChangeAspect="1"/>
+          </p:cNvPicPr>
+          <p:nvPr/>
+        </p:nvPicPr>
+        <p:blipFill>
+          <a:blip r:embed="rId2"/>
+          <a:stretch>
+            <a:fillRect/>
+          </a:stretch>
+        </p:blipFill>
+        <p:spPr>
+          <a:xfrm>
+            <a:off x="0" y="615340"/>
+            <a:ext cx="9144000" cy="3711114"/>
+          </a:xfrm>
+          <a:prstGeom prst="rect">
+            <a:avLst/>
+          </a:prstGeom>
+        </p:spPr>
+      </p:pic>
+    </p:spTree>
+    <p:extLst>
+      <p:ext uri="{BB962C8B-B14F-4D97-AF65-F5344CB8AC3E}">
+        <p14:creationId xmlns:p14="http://schemas.microsoft.com/office/powerpoint/2010/main" val="1047872885"/>
+      </p:ext>
+    </p:extLst>
+  </p:cSld>
+  <p:clrMapOvr>
+    <a:masterClrMapping/>
+  </p:clrMapOvr>
+</p:sld>
+</file>
+
+<file path=ppt/slides/slide8.xml><?xml version="1.0" encoding="utf-8"?>
+<p:sld xmlns:a="http://schemas.openxmlformats.org/drawingml/2006/main" xmlns:r="http://schemas.openxmlformats.org/officeDocument/2006/relationships" xmlns:p="http://schemas.openxmlformats.org/presentationml/2006/main">
+  <p:cSld>
+    <p:spTree>
+      <p:nvGrpSpPr>
+        <p:cNvPr id="1" name=""/>
+        <p:cNvGrpSpPr/>
+        <p:nvPr/>
+      </p:nvGrpSpPr>
+      <p:grpSpPr>
+        <a:xfrm>
+          <a:off x="0" y="0"/>
+          <a:ext cx="0" cy="0"/>
+          <a:chOff x="0" y="0"/>
+          <a:chExt cx="0" cy="0"/>
+        </a:xfrm>
+      </p:grpSpPr>
+      <p:sp>
+        <p:nvSpPr>
+          <p:cNvPr id="2" name="Retângulo: Cantos Arredondados 1">
+            <a:extLst>
+              <a:ext uri="{FF2B5EF4-FFF2-40B4-BE49-F238E27FC236}">
+                <a16:creationId xmlns:a16="http://schemas.microsoft.com/office/drawing/2014/main" id="{53AAB8EC-9A6F-46DE-87D0-E845C91E9260}"/>
+              </a:ext>
+            </a:extLst>
+          </p:cNvPr>
+          <p:cNvSpPr/>
+          <p:nvPr/>
+        </p:nvSpPr>
+        <p:spPr>
+          <a:xfrm>
+            <a:off x="2883109" y="1497763"/>
+            <a:ext cx="3162300" cy="2876550"/>
+          </a:xfrm>
+          <a:prstGeom prst="roundRect">
+            <a:avLst/>
+          </a:prstGeom>
+        </p:spPr>
+        <p:style>
+          <a:lnRef idx="2">
+            <a:schemeClr val="accent1">
+              <a:shade val="50000"/>
+            </a:schemeClr>
+          </a:lnRef>
+          <a:fillRef idx="1">
+            <a:schemeClr val="accent1"/>
+          </a:fillRef>
+          <a:effectRef idx="0">
+            <a:schemeClr val="accent1"/>
+          </a:effectRef>
+          <a:fontRef idx="minor">
+            <a:schemeClr val="lt1"/>
+          </a:fontRef>
+        </p:style>
+        <p:txBody>
+          <a:bodyPr rtlCol="0" anchor="ctr"/>
+          <a:lstStyle/>
+          <a:p>
+            <a:pPr algn="ctr"/>
+            <a:endParaRPr lang="en-US"/>
+          </a:p>
+        </p:txBody>
+      </p:sp>
+      <p:sp>
+        <p:nvSpPr>
+          <p:cNvPr id="8" name="CaixaDeTexto 7">
+            <a:extLst>
+              <a:ext uri="{FF2B5EF4-FFF2-40B4-BE49-F238E27FC236}">
+                <a16:creationId xmlns:a16="http://schemas.microsoft.com/office/drawing/2014/main" id="{A4D74C3A-B000-4FA5-9729-18A23968E785}"/>
+              </a:ext>
+            </a:extLst>
+          </p:cNvPr>
+          <p:cNvSpPr txBox="1"/>
+          <p:nvPr/>
+        </p:nvSpPr>
+        <p:spPr>
+          <a:xfrm>
+            <a:off x="3875796" y="1185581"/>
+            <a:ext cx="1176925" cy="369332"/>
+          </a:xfrm>
+          <a:prstGeom prst="rect">
+            <a:avLst/>
+          </a:prstGeom>
+          <a:noFill/>
+        </p:spPr>
+        <p:txBody>
+          <a:bodyPr wrap="none" rtlCol="0">
+            <a:spAutoFit/>
+          </a:bodyPr>
+          <a:lstStyle/>
+          <a:p>
+            <a:r>
+              <a:rPr lang="en-US" dirty="0"/>
+              <a:t>10.10.10.3</a:t>
+            </a:r>
+          </a:p>
+        </p:txBody>
+      </p:sp>
+      <p:pic>
+        <p:nvPicPr>
+          <p:cNvPr id="10" name="Imagem 9">
+            <a:extLst>
+              <a:ext uri="{FF2B5EF4-FFF2-40B4-BE49-F238E27FC236}">
+                <a16:creationId xmlns:a16="http://schemas.microsoft.com/office/drawing/2014/main" id="{75EF7900-2798-4245-8CE9-53E958D87996}"/>
+              </a:ext>
+            </a:extLst>
+          </p:cNvPr>
+          <p:cNvPicPr>
+            <a:picLocks noChangeAspect="1"/>
+          </p:cNvPicPr>
+          <p:nvPr/>
+        </p:nvPicPr>
+        <p:blipFill>
+          <a:blip r:embed="rId2"/>
+          <a:stretch>
+            <a:fillRect/>
+          </a:stretch>
+        </p:blipFill>
+        <p:spPr>
+          <a:xfrm>
+            <a:off x="4959559" y="1864924"/>
+            <a:ext cx="679173" cy="733126"/>
+          </a:xfrm>
+          <a:prstGeom prst="rect">
+            <a:avLst/>
+          </a:prstGeom>
+        </p:spPr>
+      </p:pic>
+      <p:pic>
+        <p:nvPicPr>
+          <p:cNvPr id="15" name="Imagem 14">
+            <a:extLst>
+              <a:ext uri="{FF2B5EF4-FFF2-40B4-BE49-F238E27FC236}">
+                <a16:creationId xmlns:a16="http://schemas.microsoft.com/office/drawing/2014/main" id="{44B3B63A-65BB-4A4F-9214-4796324393E8}"/>
+              </a:ext>
+            </a:extLst>
+          </p:cNvPr>
+          <p:cNvPicPr>
+            <a:picLocks noChangeAspect="1"/>
+          </p:cNvPicPr>
+          <p:nvPr/>
+        </p:nvPicPr>
+        <p:blipFill>
+          <a:blip r:embed="rId3"/>
+          <a:stretch>
+            <a:fillRect/>
+          </a:stretch>
+        </p:blipFill>
+        <p:spPr>
+          <a:xfrm>
+            <a:off x="3302208" y="1901214"/>
+            <a:ext cx="679173" cy="724237"/>
+          </a:xfrm>
+          <a:prstGeom prst="rect">
+            <a:avLst/>
+          </a:prstGeom>
+        </p:spPr>
+      </p:pic>
       <p:sp>
         <p:nvSpPr>
           <p:cNvPr id="52" name="CaixaDeTexto 51">
@@ -13872,7 +15644,7 @@
     </p:spTree>
     <p:extLst>
       <p:ext uri="{BB962C8B-B14F-4D97-AF65-F5344CB8AC3E}">
-        <p14:creationId xmlns:p14="http://schemas.microsoft.com/office/powerpoint/2010/main" val="3752626071"/>
+        <p14:creationId xmlns:p14="http://schemas.microsoft.com/office/powerpoint/2010/main" val="3068846732"/>
       </p:ext>
     </p:extLst>
   </p:cSld>
@@ -13900,7 +15672,7 @@
                             </p:stCondLst>
                             <p:childTnLst>
                               <p:par>
-                                <p:cTn id="5" presetID="1" presetClass="entr" presetSubtype="0" fill="hold" grpId="0" nodeType="clickEffect">
+                                <p:cTn id="5" presetID="1" presetClass="entr" presetSubtype="0" fill="hold" nodeType="clickEffect">
                                   <p:stCondLst>
                                     <p:cond delay="0"/>
                                   </p:stCondLst>
@@ -13908,6 +15680,33 @@
                                     <p:set>
                                       <p:cBhvr>
                                         <p:cTn id="6" dur="1" fill="hold">
+                                          <p:stCondLst>
+                                            <p:cond delay="0"/>
+                                          </p:stCondLst>
+                                        </p:cTn>
+                                        <p:tgtEl>
+                                          <p:spTgt spid="15"/>
+                                        </p:tgtEl>
+                                        <p:attrNameLst>
+                                          <p:attrName>style.visibility</p:attrName>
+                                        </p:attrNameLst>
+                                      </p:cBhvr>
+                                      <p:to>
+                                        <p:strVal val="visible"/>
+                                      </p:to>
+                                    </p:set>
+                                  </p:childTnLst>
+                                </p:cTn>
+                              </p:par>
+                              <p:par>
+                                <p:cTn id="7" presetID="1" presetClass="entr" presetSubtype="0" fill="hold" grpId="0" nodeType="withEffect">
+                                  <p:stCondLst>
+                                    <p:cond delay="0"/>
+                                  </p:stCondLst>
+                                  <p:childTnLst>
+                                    <p:set>
+                                      <p:cBhvr>
+                                        <p:cTn id="8" dur="1" fill="hold">
                                           <p:stCondLst>
                                             <p:cond delay="0"/>
                                           </p:stCondLst>
@@ -13933,26 +15732,53 @@
                     </p:cTn>
                   </p:par>
                   <p:par>
-                    <p:cTn id="7" fill="hold">
+                    <p:cTn id="9" fill="hold">
                       <p:stCondLst>
                         <p:cond delay="indefinite"/>
                       </p:stCondLst>
                       <p:childTnLst>
                         <p:par>
-                          <p:cTn id="8" fill="hold">
+                          <p:cTn id="10" fill="hold">
                             <p:stCondLst>
                               <p:cond delay="0"/>
                             </p:stCondLst>
                             <p:childTnLst>
                               <p:par>
-                                <p:cTn id="9" presetID="1" presetClass="entr" presetSubtype="0" fill="hold" grpId="0" nodeType="clickEffect">
+                                <p:cTn id="11" presetID="1" presetClass="entr" presetSubtype="0" fill="hold" nodeType="clickEffect">
                                   <p:stCondLst>
                                     <p:cond delay="0"/>
                                   </p:stCondLst>
                                   <p:childTnLst>
                                     <p:set>
                                       <p:cBhvr>
-                                        <p:cTn id="10" dur="1" fill="hold">
+                                        <p:cTn id="12" dur="1" fill="hold">
+                                          <p:stCondLst>
+                                            <p:cond delay="0"/>
+                                          </p:stCondLst>
+                                        </p:cTn>
+                                        <p:tgtEl>
+                                          <p:spTgt spid="10"/>
+                                        </p:tgtEl>
+                                        <p:attrNameLst>
+                                          <p:attrName>style.visibility</p:attrName>
+                                        </p:attrNameLst>
+                                      </p:cBhvr>
+                                      <p:to>
+                                        <p:strVal val="visible"/>
+                                      </p:to>
+                                    </p:set>
+                                  </p:childTnLst>
+                                </p:cTn>
+                              </p:par>
+                              <p:par>
+                                <p:cTn id="13" presetID="1" presetClass="entr" presetSubtype="0" fill="hold" grpId="0" nodeType="withEffect">
+                                  <p:stCondLst>
+                                    <p:cond delay="0"/>
+                                  </p:stCondLst>
+                                  <p:childTnLst>
+                                    <p:set>
+                                      <p:cBhvr>
+                                        <p:cTn id="14" dur="1" fill="hold">
                                           <p:stCondLst>
                                             <p:cond delay="0"/>
                                           </p:stCondLst>
@@ -13978,26 +15804,26 @@
                     </p:cTn>
                   </p:par>
                   <p:par>
-                    <p:cTn id="11" fill="hold">
+                    <p:cTn id="15" fill="hold">
                       <p:stCondLst>
                         <p:cond delay="indefinite"/>
                       </p:stCondLst>
                       <p:childTnLst>
                         <p:par>
-                          <p:cTn id="12" fill="hold">
+                          <p:cTn id="16" fill="hold">
                             <p:stCondLst>
                               <p:cond delay="0"/>
                             </p:stCondLst>
                             <p:childTnLst>
                               <p:par>
-                                <p:cTn id="13" presetID="1" presetClass="entr" presetSubtype="0" fill="hold" nodeType="clickEffect">
+                                <p:cTn id="17" presetID="1" presetClass="entr" presetSubtype="0" fill="hold" nodeType="clickEffect">
                                   <p:stCondLst>
                                     <p:cond delay="0"/>
                                   </p:stCondLst>
                                   <p:childTnLst>
                                     <p:set>
                                       <p:cBhvr>
-                                        <p:cTn id="14" dur="1" fill="hold">
+                                        <p:cTn id="18" dur="1" fill="hold">
                                           <p:stCondLst>
                                             <p:cond delay="0"/>
                                           </p:stCondLst>
@@ -14051,144 +15877,6 @@
 </p:sld>
 </file>
 
-<file path=ppt/slides/slide7.xml><?xml version="1.0" encoding="utf-8"?>
-<p:sld xmlns:a="http://schemas.openxmlformats.org/drawingml/2006/main" xmlns:r="http://schemas.openxmlformats.org/officeDocument/2006/relationships" xmlns:p="http://schemas.openxmlformats.org/presentationml/2006/main">
-  <p:cSld>
-    <p:spTree>
-      <p:nvGrpSpPr>
-        <p:cNvPr id="1" name=""/>
-        <p:cNvGrpSpPr/>
-        <p:nvPr/>
-      </p:nvGrpSpPr>
-      <p:grpSpPr>
-        <a:xfrm>
-          <a:off x="0" y="0"/>
-          <a:ext cx="0" cy="0"/>
-          <a:chOff x="0" y="0"/>
-          <a:chExt cx="0" cy="0"/>
-        </a:xfrm>
-      </p:grpSpPr>
-      <p:sp>
-        <p:nvSpPr>
-          <p:cNvPr id="3" name="CaixaDeTexto 2">
-            <a:extLst>
-              <a:ext uri="{FF2B5EF4-FFF2-40B4-BE49-F238E27FC236}">
-                <a16:creationId xmlns:a16="http://schemas.microsoft.com/office/drawing/2014/main" id="{2FDCD985-A4BB-4D02-ADE7-D35328E88BD4}"/>
-              </a:ext>
-            </a:extLst>
-          </p:cNvPr>
-          <p:cNvSpPr txBox="1"/>
-          <p:nvPr/>
-        </p:nvSpPr>
-        <p:spPr>
-          <a:xfrm>
-            <a:off x="0" y="62922"/>
-            <a:ext cx="9143999" cy="1015663"/>
-          </a:xfrm>
-          <a:prstGeom prst="rect">
-            <a:avLst/>
-          </a:prstGeom>
-          <a:noFill/>
-        </p:spPr>
-        <p:txBody>
-          <a:bodyPr wrap="square" rtlCol="0">
-            <a:spAutoFit/>
-          </a:bodyPr>
-          <a:lstStyle/>
-          <a:p>
-            <a:pPr algn="ctr"/>
-            <a:r>
-              <a:rPr lang="en-US" sz="6000" dirty="0"/>
-              <a:t>L</a:t>
-            </a:r>
-            <a:r>
-              <a:rPr lang="pt-BR" sz="6000" dirty="0" err="1"/>
-              <a:t>abels</a:t>
-            </a:r>
-            <a:endParaRPr lang="pt-BR" sz="6000" dirty="0"/>
-          </a:p>
-        </p:txBody>
-      </p:sp>
-    </p:spTree>
-    <p:extLst>
-      <p:ext uri="{BB962C8B-B14F-4D97-AF65-F5344CB8AC3E}">
-        <p14:creationId xmlns:p14="http://schemas.microsoft.com/office/powerpoint/2010/main" val="1047872885"/>
-      </p:ext>
-    </p:extLst>
-  </p:cSld>
-  <p:clrMapOvr>
-    <a:masterClrMapping/>
-  </p:clrMapOvr>
-</p:sld>
-</file>
-
-<file path=ppt/slides/slide8.xml><?xml version="1.0" encoding="utf-8"?>
-<p:sld xmlns:a="http://schemas.openxmlformats.org/drawingml/2006/main" xmlns:r="http://schemas.openxmlformats.org/officeDocument/2006/relationships" xmlns:p="http://schemas.openxmlformats.org/presentationml/2006/main">
-  <p:cSld>
-    <p:spTree>
-      <p:nvGrpSpPr>
-        <p:cNvPr id="1" name=""/>
-        <p:cNvGrpSpPr/>
-        <p:nvPr/>
-      </p:nvGrpSpPr>
-      <p:grpSpPr>
-        <a:xfrm>
-          <a:off x="0" y="0"/>
-          <a:ext cx="0" cy="0"/>
-          <a:chOff x="0" y="0"/>
-          <a:chExt cx="0" cy="0"/>
-        </a:xfrm>
-      </p:grpSpPr>
-      <p:sp>
-        <p:nvSpPr>
-          <p:cNvPr id="3" name="CaixaDeTexto 2">
-            <a:extLst>
-              <a:ext uri="{FF2B5EF4-FFF2-40B4-BE49-F238E27FC236}">
-                <a16:creationId xmlns:a16="http://schemas.microsoft.com/office/drawing/2014/main" id="{2FDCD985-A4BB-4D02-ADE7-D35328E88BD4}"/>
-              </a:ext>
-            </a:extLst>
-          </p:cNvPr>
-          <p:cNvSpPr txBox="1"/>
-          <p:nvPr/>
-        </p:nvSpPr>
-        <p:spPr>
-          <a:xfrm>
-            <a:off x="0" y="62922"/>
-            <a:ext cx="9143999" cy="1015663"/>
-          </a:xfrm>
-          <a:prstGeom prst="rect">
-            <a:avLst/>
-          </a:prstGeom>
-          <a:noFill/>
-        </p:spPr>
-        <p:txBody>
-          <a:bodyPr wrap="square" rtlCol="0">
-            <a:spAutoFit/>
-          </a:bodyPr>
-          <a:lstStyle/>
-          <a:p>
-            <a:pPr algn="ctr"/>
-            <a:r>
-              <a:rPr lang="en-US" sz="6000" dirty="0"/>
-              <a:t>Selectors</a:t>
-            </a:r>
-            <a:endParaRPr lang="pt-BR" sz="6000" dirty="0"/>
-          </a:p>
-        </p:txBody>
-      </p:sp>
-    </p:spTree>
-    <p:extLst>
-      <p:ext uri="{BB962C8B-B14F-4D97-AF65-F5344CB8AC3E}">
-        <p14:creationId xmlns:p14="http://schemas.microsoft.com/office/powerpoint/2010/main" val="949526127"/>
-      </p:ext>
-    </p:extLst>
-  </p:cSld>
-  <p:clrMapOvr>
-    <a:masterClrMapping/>
-  </p:clrMapOvr>
-</p:sld>
-</file>
-
 <file path=ppt/slides/slide9.xml><?xml version="1.0" encoding="utf-8"?>
 <p:sld xmlns:a="http://schemas.openxmlformats.org/drawingml/2006/main" xmlns:r="http://schemas.openxmlformats.org/officeDocument/2006/relationships" xmlns:p="http://schemas.openxmlformats.org/presentationml/2006/main">
   <p:cSld>
@@ -14206,12 +15894,407 @@
           <a:chExt cx="0" cy="0"/>
         </a:xfrm>
       </p:grpSpPr>
+      <p:grpSp>
+        <p:nvGrpSpPr>
+          <p:cNvPr id="40" name="Agrupar 39">
+            <a:extLst>
+              <a:ext uri="{FF2B5EF4-FFF2-40B4-BE49-F238E27FC236}">
+                <a16:creationId xmlns:a16="http://schemas.microsoft.com/office/drawing/2014/main" id="{C2FD8914-BBB1-4331-BBA1-144D45251013}"/>
+              </a:ext>
+            </a:extLst>
+          </p:cNvPr>
+          <p:cNvGrpSpPr/>
+          <p:nvPr/>
+        </p:nvGrpSpPr>
+        <p:grpSpPr>
+          <a:xfrm>
+            <a:off x="1733120" y="1788359"/>
+            <a:ext cx="1176925" cy="976494"/>
+            <a:chOff x="1933387" y="1225727"/>
+            <a:chExt cx="1176925" cy="976494"/>
+          </a:xfrm>
+        </p:grpSpPr>
+        <p:sp>
+          <p:nvSpPr>
+            <p:cNvPr id="13" name="Retângulo: Cantos Arredondados 12">
+              <a:extLst>
+                <a:ext uri="{FF2B5EF4-FFF2-40B4-BE49-F238E27FC236}">
+                  <a16:creationId xmlns:a16="http://schemas.microsoft.com/office/drawing/2014/main" id="{BAE37BBB-F557-4594-9905-D55F1D2C8E21}"/>
+                </a:ext>
+              </a:extLst>
+            </p:cNvPr>
+            <p:cNvSpPr/>
+            <p:nvPr/>
+          </p:nvSpPr>
+          <p:spPr>
+            <a:xfrm>
+              <a:off x="2199981" y="1595059"/>
+              <a:ext cx="643738" cy="607162"/>
+            </a:xfrm>
+            <a:prstGeom prst="roundRect">
+              <a:avLst/>
+            </a:prstGeom>
+          </p:spPr>
+          <p:style>
+            <a:lnRef idx="2">
+              <a:schemeClr val="accent1">
+                <a:shade val="50000"/>
+              </a:schemeClr>
+            </a:lnRef>
+            <a:fillRef idx="1">
+              <a:schemeClr val="accent1"/>
+            </a:fillRef>
+            <a:effectRef idx="0">
+              <a:schemeClr val="accent1"/>
+            </a:effectRef>
+            <a:fontRef idx="minor">
+              <a:schemeClr val="lt1"/>
+            </a:fontRef>
+          </p:style>
+          <p:txBody>
+            <a:bodyPr rtlCol="0" anchor="ctr"/>
+            <a:lstStyle/>
+            <a:p>
+              <a:pPr algn="ctr"/>
+              <a:endParaRPr lang="en-US"/>
+            </a:p>
+          </p:txBody>
+        </p:sp>
+        <p:sp>
+          <p:nvSpPr>
+            <p:cNvPr id="14" name="CaixaDeTexto 13">
+              <a:extLst>
+                <a:ext uri="{FF2B5EF4-FFF2-40B4-BE49-F238E27FC236}">
+                  <a16:creationId xmlns:a16="http://schemas.microsoft.com/office/drawing/2014/main" id="{69813EEF-5686-4A83-A5D7-341B2EFDED3B}"/>
+                </a:ext>
+              </a:extLst>
+            </p:cNvPr>
+            <p:cNvSpPr txBox="1"/>
+            <p:nvPr/>
+          </p:nvSpPr>
+          <p:spPr>
+            <a:xfrm>
+              <a:off x="1933387" y="1225727"/>
+              <a:ext cx="1176925" cy="369332"/>
+            </a:xfrm>
+            <a:prstGeom prst="rect">
+              <a:avLst/>
+            </a:prstGeom>
+            <a:noFill/>
+          </p:spPr>
+          <p:txBody>
+            <a:bodyPr wrap="none" rtlCol="0">
+              <a:spAutoFit/>
+            </a:bodyPr>
+            <a:lstStyle/>
+            <a:p>
+              <a:r>
+                <a:rPr lang="en-US" dirty="0"/>
+                <a:t>10.10.10.3</a:t>
+              </a:r>
+            </a:p>
+          </p:txBody>
+        </p:sp>
+        <p:pic>
+          <p:nvPicPr>
+            <p:cNvPr id="18" name="Imagem 17">
+              <a:extLst>
+                <a:ext uri="{FF2B5EF4-FFF2-40B4-BE49-F238E27FC236}">
+                  <a16:creationId xmlns:a16="http://schemas.microsoft.com/office/drawing/2014/main" id="{BD1015D3-DCE6-4CFE-930D-6FEB6F8E3719}"/>
+                </a:ext>
+              </a:extLst>
+            </p:cNvPr>
+            <p:cNvPicPr>
+              <a:picLocks noChangeAspect="1"/>
+            </p:cNvPicPr>
+            <p:nvPr/>
+          </p:nvPicPr>
+          <p:blipFill>
+            <a:blip r:embed="rId2"/>
+            <a:stretch>
+              <a:fillRect/>
+            </a:stretch>
+          </p:blipFill>
+          <p:spPr>
+            <a:xfrm>
+              <a:off x="2298553" y="1682841"/>
+              <a:ext cx="426016" cy="454283"/>
+            </a:xfrm>
+            <a:prstGeom prst="rect">
+              <a:avLst/>
+            </a:prstGeom>
+          </p:spPr>
+        </p:pic>
+      </p:grpSp>
+      <p:grpSp>
+        <p:nvGrpSpPr>
+          <p:cNvPr id="41" name="Agrupar 40">
+            <a:extLst>
+              <a:ext uri="{FF2B5EF4-FFF2-40B4-BE49-F238E27FC236}">
+                <a16:creationId xmlns:a16="http://schemas.microsoft.com/office/drawing/2014/main" id="{C25C5894-8C7A-4AF7-B9D5-DD51D8C3BAED}"/>
+              </a:ext>
+            </a:extLst>
+          </p:cNvPr>
+          <p:cNvGrpSpPr/>
+          <p:nvPr/>
+        </p:nvGrpSpPr>
+        <p:grpSpPr>
+          <a:xfrm>
+            <a:off x="6020521" y="1788359"/>
+            <a:ext cx="1176925" cy="976494"/>
+            <a:chOff x="3398390" y="2716809"/>
+            <a:chExt cx="1176925" cy="976494"/>
+          </a:xfrm>
+        </p:grpSpPr>
+        <p:sp>
+          <p:nvSpPr>
+            <p:cNvPr id="37" name="Retângulo: Cantos Arredondados 36">
+              <a:extLst>
+                <a:ext uri="{FF2B5EF4-FFF2-40B4-BE49-F238E27FC236}">
+                  <a16:creationId xmlns:a16="http://schemas.microsoft.com/office/drawing/2014/main" id="{7227D09E-CF8D-4887-A09B-AF90093722D1}"/>
+                </a:ext>
+              </a:extLst>
+            </p:cNvPr>
+            <p:cNvSpPr/>
+            <p:nvPr/>
+          </p:nvSpPr>
+          <p:spPr>
+            <a:xfrm>
+              <a:off x="3664984" y="3086141"/>
+              <a:ext cx="643738" cy="607162"/>
+            </a:xfrm>
+            <a:prstGeom prst="roundRect">
+              <a:avLst/>
+            </a:prstGeom>
+          </p:spPr>
+          <p:style>
+            <a:lnRef idx="2">
+              <a:schemeClr val="accent1">
+                <a:shade val="50000"/>
+              </a:schemeClr>
+            </a:lnRef>
+            <a:fillRef idx="1">
+              <a:schemeClr val="accent1"/>
+            </a:fillRef>
+            <a:effectRef idx="0">
+              <a:schemeClr val="accent1"/>
+            </a:effectRef>
+            <a:fontRef idx="minor">
+              <a:schemeClr val="lt1"/>
+            </a:fontRef>
+          </p:style>
+          <p:txBody>
+            <a:bodyPr rtlCol="0" anchor="ctr"/>
+            <a:lstStyle/>
+            <a:p>
+              <a:pPr algn="ctr"/>
+              <a:endParaRPr lang="en-US"/>
+            </a:p>
+          </p:txBody>
+        </p:sp>
+        <p:sp>
+          <p:nvSpPr>
+            <p:cNvPr id="38" name="CaixaDeTexto 37">
+              <a:extLst>
+                <a:ext uri="{FF2B5EF4-FFF2-40B4-BE49-F238E27FC236}">
+                  <a16:creationId xmlns:a16="http://schemas.microsoft.com/office/drawing/2014/main" id="{15156345-78A9-4AF9-8167-DA2CED769F33}"/>
+                </a:ext>
+              </a:extLst>
+            </p:cNvPr>
+            <p:cNvSpPr txBox="1"/>
+            <p:nvPr/>
+          </p:nvSpPr>
+          <p:spPr>
+            <a:xfrm>
+              <a:off x="3398390" y="2716809"/>
+              <a:ext cx="1176925" cy="369332"/>
+            </a:xfrm>
+            <a:prstGeom prst="rect">
+              <a:avLst/>
+            </a:prstGeom>
+            <a:noFill/>
+          </p:spPr>
+          <p:txBody>
+            <a:bodyPr wrap="none" rtlCol="0">
+              <a:spAutoFit/>
+            </a:bodyPr>
+            <a:lstStyle/>
+            <a:p>
+              <a:r>
+                <a:rPr lang="en-US" dirty="0"/>
+                <a:t>10.10.10.6</a:t>
+              </a:r>
+            </a:p>
+          </p:txBody>
+        </p:sp>
+        <p:pic>
+          <p:nvPicPr>
+            <p:cNvPr id="30" name="Imagem 29">
+              <a:extLst>
+                <a:ext uri="{FF2B5EF4-FFF2-40B4-BE49-F238E27FC236}">
+                  <a16:creationId xmlns:a16="http://schemas.microsoft.com/office/drawing/2014/main" id="{7227F401-5B27-46B5-95DC-135256522077}"/>
+                </a:ext>
+              </a:extLst>
+            </p:cNvPr>
+            <p:cNvPicPr>
+              <a:picLocks noChangeAspect="1"/>
+            </p:cNvPicPr>
+            <p:nvPr/>
+          </p:nvPicPr>
+          <p:blipFill>
+            <a:blip r:embed="rId3"/>
+            <a:stretch>
+              <a:fillRect/>
+            </a:stretch>
+          </p:blipFill>
+          <p:spPr>
+            <a:xfrm flipH="1">
+              <a:off x="3768686" y="3154225"/>
+              <a:ext cx="436332" cy="470994"/>
+            </a:xfrm>
+            <a:prstGeom prst="rect">
+              <a:avLst/>
+            </a:prstGeom>
+          </p:spPr>
+        </p:pic>
+      </p:grpSp>
       <p:sp>
         <p:nvSpPr>
-          <p:cNvPr id="3" name="CaixaDeTexto 2">
+          <p:cNvPr id="54" name="Retângulo: Cantos Arredondados 53">
             <a:extLst>
               <a:ext uri="{FF2B5EF4-FFF2-40B4-BE49-F238E27FC236}">
-                <a16:creationId xmlns:a16="http://schemas.microsoft.com/office/drawing/2014/main" id="{2FDCD985-A4BB-4D02-ADE7-D35328E88BD4}"/>
+                <a16:creationId xmlns:a16="http://schemas.microsoft.com/office/drawing/2014/main" id="{B27EC887-3A6C-4CFF-96C1-AF1778F2172F}"/>
+              </a:ext>
+            </a:extLst>
+          </p:cNvPr>
+          <p:cNvSpPr/>
+          <p:nvPr/>
+        </p:nvSpPr>
+        <p:spPr>
+          <a:xfrm>
+            <a:off x="4175696" y="2276606"/>
+            <a:ext cx="988693" cy="369332"/>
+          </a:xfrm>
+          <a:prstGeom prst="roundRect">
+            <a:avLst/>
+          </a:prstGeom>
+        </p:spPr>
+        <p:style>
+          <a:lnRef idx="2">
+            <a:schemeClr val="accent1">
+              <a:shade val="50000"/>
+            </a:schemeClr>
+          </a:lnRef>
+          <a:fillRef idx="1">
+            <a:schemeClr val="accent1"/>
+          </a:fillRef>
+          <a:effectRef idx="0">
+            <a:schemeClr val="accent1"/>
+          </a:effectRef>
+          <a:fontRef idx="minor">
+            <a:schemeClr val="lt1"/>
+          </a:fontRef>
+        </p:style>
+        <p:txBody>
+          <a:bodyPr rtlCol="0" anchor="ctr"/>
+          <a:lstStyle/>
+          <a:p>
+            <a:pPr algn="ctr"/>
+            <a:r>
+              <a:rPr lang="en-US" dirty="0"/>
+              <a:t>Service</a:t>
+            </a:r>
+          </a:p>
+        </p:txBody>
+      </p:sp>
+      <p:cxnSp>
+        <p:nvCxnSpPr>
+          <p:cNvPr id="62" name="Conector de Seta Reta 61">
+            <a:extLst>
+              <a:ext uri="{FF2B5EF4-FFF2-40B4-BE49-F238E27FC236}">
+                <a16:creationId xmlns:a16="http://schemas.microsoft.com/office/drawing/2014/main" id="{242DBA31-0DBC-48C0-B783-0E7173C85F3E}"/>
+              </a:ext>
+            </a:extLst>
+          </p:cNvPr>
+          <p:cNvCxnSpPr>
+            <a:cxnSpLocks/>
+          </p:cNvCxnSpPr>
+          <p:nvPr/>
+        </p:nvCxnSpPr>
+        <p:spPr>
+          <a:xfrm>
+            <a:off x="2855846" y="2461272"/>
+            <a:ext cx="1139432" cy="0"/>
+          </a:xfrm>
+          <a:prstGeom prst="straightConnector1">
+            <a:avLst/>
+          </a:prstGeom>
+          <a:ln>
+            <a:tailEnd type="triangle"/>
+          </a:ln>
+        </p:spPr>
+        <p:style>
+          <a:lnRef idx="1">
+            <a:schemeClr val="accent1"/>
+          </a:lnRef>
+          <a:fillRef idx="0">
+            <a:schemeClr val="accent1"/>
+          </a:fillRef>
+          <a:effectRef idx="0">
+            <a:schemeClr val="accent1"/>
+          </a:effectRef>
+          <a:fontRef idx="minor">
+            <a:schemeClr val="tx1"/>
+          </a:fontRef>
+        </p:style>
+      </p:cxnSp>
+      <p:cxnSp>
+        <p:nvCxnSpPr>
+          <p:cNvPr id="39" name="Conector de Seta Reta 38">
+            <a:extLst>
+              <a:ext uri="{FF2B5EF4-FFF2-40B4-BE49-F238E27FC236}">
+                <a16:creationId xmlns:a16="http://schemas.microsoft.com/office/drawing/2014/main" id="{5548C575-A8B0-4DE8-A421-6DEFAC4B7F8A}"/>
+              </a:ext>
+            </a:extLst>
+          </p:cNvPr>
+          <p:cNvCxnSpPr>
+            <a:cxnSpLocks/>
+          </p:cNvCxnSpPr>
+          <p:nvPr/>
+        </p:nvCxnSpPr>
+        <p:spPr>
+          <a:xfrm flipV="1">
+            <a:off x="5288741" y="2444259"/>
+            <a:ext cx="879224" cy="11342"/>
+          </a:xfrm>
+          <a:prstGeom prst="straightConnector1">
+            <a:avLst/>
+          </a:prstGeom>
+          <a:ln>
+            <a:tailEnd type="triangle"/>
+          </a:ln>
+        </p:spPr>
+        <p:style>
+          <a:lnRef idx="1">
+            <a:schemeClr val="accent1"/>
+          </a:lnRef>
+          <a:fillRef idx="0">
+            <a:schemeClr val="accent1"/>
+          </a:fillRef>
+          <a:effectRef idx="0">
+            <a:schemeClr val="accent1"/>
+          </a:effectRef>
+          <a:fontRef idx="minor">
+            <a:schemeClr val="tx1"/>
+          </a:fontRef>
+        </p:style>
+      </p:cxnSp>
+      <p:sp>
+        <p:nvSpPr>
+          <p:cNvPr id="52" name="CaixaDeTexto 51">
+            <a:extLst>
+              <a:ext uri="{FF2B5EF4-FFF2-40B4-BE49-F238E27FC236}">
+                <a16:creationId xmlns:a16="http://schemas.microsoft.com/office/drawing/2014/main" id="{AD235B97-ED7F-433F-84F5-55EF8D2EFE0D}"/>
               </a:ext>
             </a:extLst>
           </p:cNvPr>
@@ -14220,8 +16303,8 @@
         </p:nvSpPr>
         <p:spPr>
           <a:xfrm>
-            <a:off x="0" y="62922"/>
-            <a:ext cx="9143999" cy="1015663"/>
+            <a:off x="1848090" y="2852635"/>
+            <a:ext cx="926407" cy="369332"/>
           </a:xfrm>
           <a:prstGeom prst="rect">
             <a:avLst/>
@@ -14229,30 +16312,232 @@
           <a:noFill/>
         </p:spPr>
         <p:txBody>
-          <a:bodyPr wrap="square" rtlCol="0">
+          <a:bodyPr wrap="none" rtlCol="0">
             <a:spAutoFit/>
           </a:bodyPr>
           <a:lstStyle/>
           <a:p>
-            <a:pPr algn="ctr"/>
             <a:r>
-              <a:rPr lang="en-US" sz="6000" dirty="0" err="1"/>
-              <a:t>ReplicaSet</a:t>
+              <a:rPr lang="en-US" dirty="0" err="1"/>
+              <a:t>WebApi</a:t>
             </a:r>
-            <a:endParaRPr lang="pt-BR" sz="6000" dirty="0"/>
+            <a:endParaRPr lang="en-US" dirty="0"/>
+          </a:p>
+        </p:txBody>
+      </p:sp>
+      <p:sp>
+        <p:nvSpPr>
+          <p:cNvPr id="53" name="CaixaDeTexto 52">
+            <a:extLst>
+              <a:ext uri="{FF2B5EF4-FFF2-40B4-BE49-F238E27FC236}">
+                <a16:creationId xmlns:a16="http://schemas.microsoft.com/office/drawing/2014/main" id="{5C0A7077-4C81-4AFF-A5F9-59B0F555FE0D}"/>
+              </a:ext>
+            </a:extLst>
+          </p:cNvPr>
+          <p:cNvSpPr txBox="1"/>
+          <p:nvPr/>
+        </p:nvSpPr>
+        <p:spPr>
+          <a:xfrm>
+            <a:off x="6047771" y="2798671"/>
+            <a:ext cx="1122423" cy="369332"/>
+          </a:xfrm>
+          <a:prstGeom prst="rect">
+            <a:avLst/>
+          </a:prstGeom>
+          <a:noFill/>
+        </p:spPr>
+        <p:txBody>
+          <a:bodyPr wrap="none" rtlCol="0">
+            <a:spAutoFit/>
+          </a:bodyPr>
+          <a:lstStyle/>
+          <a:p>
+            <a:r>
+              <a:rPr lang="en-US" dirty="0"/>
+              <a:t>MongoDB</a:t>
+            </a:r>
           </a:p>
         </p:txBody>
       </p:sp>
     </p:spTree>
     <p:extLst>
       <p:ext uri="{BB962C8B-B14F-4D97-AF65-F5344CB8AC3E}">
-        <p14:creationId xmlns:p14="http://schemas.microsoft.com/office/powerpoint/2010/main" val="2134801729"/>
+        <p14:creationId xmlns:p14="http://schemas.microsoft.com/office/powerpoint/2010/main" val="1151938921"/>
       </p:ext>
     </p:extLst>
   </p:cSld>
   <p:clrMapOvr>
     <a:masterClrMapping/>
   </p:clrMapOvr>
+  <p:timing>
+    <p:tnLst>
+      <p:par>
+        <p:cTn id="1" dur="indefinite" restart="never" nodeType="tmRoot">
+          <p:childTnLst>
+            <p:seq concurrent="1" nextAc="seek">
+              <p:cTn id="2" dur="indefinite" nodeType="mainSeq">
+                <p:childTnLst>
+                  <p:par>
+                    <p:cTn id="3" fill="hold">
+                      <p:stCondLst>
+                        <p:cond delay="indefinite"/>
+                      </p:stCondLst>
+                      <p:childTnLst>
+                        <p:par>
+                          <p:cTn id="4" fill="hold">
+                            <p:stCondLst>
+                              <p:cond delay="0"/>
+                            </p:stCondLst>
+                            <p:childTnLst>
+                              <p:par>
+                                <p:cTn id="5" presetID="1" presetClass="entr" presetSubtype="0" fill="hold" grpId="0" nodeType="clickEffect">
+                                  <p:stCondLst>
+                                    <p:cond delay="0"/>
+                                  </p:stCondLst>
+                                  <p:childTnLst>
+                                    <p:set>
+                                      <p:cBhvr>
+                                        <p:cTn id="6" dur="1" fill="hold">
+                                          <p:stCondLst>
+                                            <p:cond delay="0"/>
+                                          </p:stCondLst>
+                                        </p:cTn>
+                                        <p:tgtEl>
+                                          <p:spTgt spid="54"/>
+                                        </p:tgtEl>
+                                        <p:attrNameLst>
+                                          <p:attrName>style.visibility</p:attrName>
+                                        </p:attrNameLst>
+                                      </p:cBhvr>
+                                      <p:to>
+                                        <p:strVal val="visible"/>
+                                      </p:to>
+                                    </p:set>
+                                  </p:childTnLst>
+                                </p:cTn>
+                              </p:par>
+                            </p:childTnLst>
+                          </p:cTn>
+                        </p:par>
+                      </p:childTnLst>
+                    </p:cTn>
+                  </p:par>
+                  <p:par>
+                    <p:cTn id="7" fill="hold">
+                      <p:stCondLst>
+                        <p:cond delay="indefinite"/>
+                      </p:stCondLst>
+                      <p:childTnLst>
+                        <p:par>
+                          <p:cTn id="8" fill="hold">
+                            <p:stCondLst>
+                              <p:cond delay="0"/>
+                            </p:stCondLst>
+                            <p:childTnLst>
+                              <p:par>
+                                <p:cTn id="9" presetID="1" presetClass="entr" presetSubtype="0" fill="hold" nodeType="clickEffect">
+                                  <p:stCondLst>
+                                    <p:cond delay="0"/>
+                                  </p:stCondLst>
+                                  <p:childTnLst>
+                                    <p:set>
+                                      <p:cBhvr>
+                                        <p:cTn id="10" dur="1" fill="hold">
+                                          <p:stCondLst>
+                                            <p:cond delay="0"/>
+                                          </p:stCondLst>
+                                        </p:cTn>
+                                        <p:tgtEl>
+                                          <p:spTgt spid="62"/>
+                                        </p:tgtEl>
+                                        <p:attrNameLst>
+                                          <p:attrName>style.visibility</p:attrName>
+                                        </p:attrNameLst>
+                                      </p:cBhvr>
+                                      <p:to>
+                                        <p:strVal val="visible"/>
+                                      </p:to>
+                                    </p:set>
+                                  </p:childTnLst>
+                                </p:cTn>
+                              </p:par>
+                            </p:childTnLst>
+                          </p:cTn>
+                        </p:par>
+                      </p:childTnLst>
+                    </p:cTn>
+                  </p:par>
+                  <p:par>
+                    <p:cTn id="11" fill="hold">
+                      <p:stCondLst>
+                        <p:cond delay="indefinite"/>
+                      </p:stCondLst>
+                      <p:childTnLst>
+                        <p:par>
+                          <p:cTn id="12" fill="hold">
+                            <p:stCondLst>
+                              <p:cond delay="0"/>
+                            </p:stCondLst>
+                            <p:childTnLst>
+                              <p:par>
+                                <p:cTn id="13" presetID="1" presetClass="entr" presetSubtype="0" fill="hold" nodeType="clickEffect">
+                                  <p:stCondLst>
+                                    <p:cond delay="0"/>
+                                  </p:stCondLst>
+                                  <p:childTnLst>
+                                    <p:set>
+                                      <p:cBhvr>
+                                        <p:cTn id="14" dur="1" fill="hold">
+                                          <p:stCondLst>
+                                            <p:cond delay="0"/>
+                                          </p:stCondLst>
+                                        </p:cTn>
+                                        <p:tgtEl>
+                                          <p:spTgt spid="39"/>
+                                        </p:tgtEl>
+                                        <p:attrNameLst>
+                                          <p:attrName>style.visibility</p:attrName>
+                                        </p:attrNameLst>
+                                      </p:cBhvr>
+                                      <p:to>
+                                        <p:strVal val="visible"/>
+                                      </p:to>
+                                    </p:set>
+                                  </p:childTnLst>
+                                </p:cTn>
+                              </p:par>
+                            </p:childTnLst>
+                          </p:cTn>
+                        </p:par>
+                      </p:childTnLst>
+                    </p:cTn>
+                  </p:par>
+                </p:childTnLst>
+              </p:cTn>
+              <p:prevCondLst>
+                <p:cond evt="onPrev" delay="0">
+                  <p:tgtEl>
+                    <p:sldTgt/>
+                  </p:tgtEl>
+                </p:cond>
+              </p:prevCondLst>
+              <p:nextCondLst>
+                <p:cond evt="onNext" delay="0">
+                  <p:tgtEl>
+                    <p:sldTgt/>
+                  </p:tgtEl>
+                </p:cond>
+              </p:nextCondLst>
+            </p:seq>
+          </p:childTnLst>
+        </p:cTn>
+      </p:par>
+    </p:tnLst>
+    <p:bldLst>
+      <p:bldP spid="54" grpId="0" animBg="1"/>
+    </p:bldLst>
+  </p:timing>
 </p:sld>
 </file>
 

--- a/docs/AnatomiaDeployK8S.pptx
+++ b/docs/AnatomiaDeployK8S.pptx
@@ -5,7 +5,7 @@
     <p:sldMasterId id="2147483658" r:id="rId1"/>
   </p:sldMasterIdLst>
   <p:notesMasterIdLst>
-    <p:notesMasterId r:id="rId22"/>
+    <p:notesMasterId r:id="rId24"/>
   </p:notesMasterIdLst>
   <p:sldIdLst>
     <p:sldId id="256" r:id="rId2"/>
@@ -28,28 +28,30 @@
     <p:sldId id="277" r:id="rId19"/>
     <p:sldId id="294" r:id="rId20"/>
     <p:sldId id="289" r:id="rId21"/>
+    <p:sldId id="297" r:id="rId22"/>
+    <p:sldId id="340" r:id="rId23"/>
   </p:sldIdLst>
   <p:sldSz cx="9144000" cy="5143500" type="screen16x9"/>
   <p:notesSz cx="6858000" cy="9144000"/>
   <p:embeddedFontLst>
     <p:embeddedFont>
       <p:font typeface="Calibri" panose="020F0502020204030204" pitchFamily="34" charset="0"/>
-      <p:regular r:id="rId23"/>
-      <p:bold r:id="rId24"/>
-      <p:italic r:id="rId25"/>
-      <p:boldItalic r:id="rId26"/>
+      <p:regular r:id="rId25"/>
+      <p:bold r:id="rId26"/>
+      <p:italic r:id="rId27"/>
+      <p:boldItalic r:id="rId28"/>
     </p:embeddedFont>
     <p:embeddedFont>
       <p:font typeface="Calibri Light" panose="020F0302020204030204" pitchFamily="34" charset="0"/>
-      <p:regular r:id="rId27"/>
-      <p:italic r:id="rId28"/>
+      <p:regular r:id="rId29"/>
+      <p:italic r:id="rId30"/>
     </p:embeddedFont>
     <p:embeddedFont>
       <p:font typeface="Roboto" panose="020B0604020202020204" charset="0"/>
-      <p:regular r:id="rId29"/>
-      <p:bold r:id="rId30"/>
-      <p:italic r:id="rId31"/>
-      <p:boldItalic r:id="rId32"/>
+      <p:regular r:id="rId31"/>
+      <p:bold r:id="rId32"/>
+      <p:italic r:id="rId33"/>
+      <p:boldItalic r:id="rId34"/>
     </p:embeddedFont>
   </p:embeddedFontLst>
   <p:defaultTextStyle>
@@ -160,10 +162,25 @@
   <pc:docChgLst>
     <pc:chgData name="Fabricio Veronez" userId="8d2c06362c18afc1" providerId="LiveId" clId="{FBDB2507-1A47-4CBE-952B-E37F5020D2D5}"/>
     <pc:docChg chg="undo custSel addSld delSld modSld sldOrd">
-      <pc:chgData name="Fabricio Veronez" userId="8d2c06362c18afc1" providerId="LiveId" clId="{FBDB2507-1A47-4CBE-952B-E37F5020D2D5}" dt="2019-11-07T19:28:36.623" v="316" actId="1076"/>
+      <pc:chgData name="Fabricio Veronez" userId="8d2c06362c18afc1" providerId="LiveId" clId="{FBDB2507-1A47-4CBE-952B-E37F5020D2D5}" dt="2019-11-07T19:37:46.714" v="337" actId="2711"/>
       <pc:docMkLst>
         <pc:docMk/>
       </pc:docMkLst>
+      <pc:sldChg chg="modSp">
+        <pc:chgData name="Fabricio Veronez" userId="8d2c06362c18afc1" providerId="LiveId" clId="{FBDB2507-1A47-4CBE-952B-E37F5020D2D5}" dt="2019-11-07T19:35:43.656" v="317"/>
+        <pc:sldMkLst>
+          <pc:docMk/>
+          <pc:sldMk cId="0" sldId="256"/>
+        </pc:sldMkLst>
+        <pc:spChg chg="mod">
+          <ac:chgData name="Fabricio Veronez" userId="8d2c06362c18afc1" providerId="LiveId" clId="{FBDB2507-1A47-4CBE-952B-E37F5020D2D5}" dt="2019-11-07T19:35:43.656" v="317"/>
+          <ac:spMkLst>
+            <pc:docMk/>
+            <pc:sldMk cId="0" sldId="256"/>
+            <ac:spMk id="337" creationId="{00000000-0000-0000-0000-000000000000}"/>
+          </ac:spMkLst>
+        </pc:spChg>
+      </pc:sldChg>
       <pc:sldChg chg="addSp delSp modSp ord addAnim delAnim modAnim">
         <pc:chgData name="Fabricio Veronez" userId="8d2c06362c18afc1" providerId="LiveId" clId="{FBDB2507-1A47-4CBE-952B-E37F5020D2D5}" dt="2019-11-07T18:44:40.302" v="94" actId="1076"/>
         <pc:sldMkLst>
@@ -349,6 +366,21 @@
           <pc:docMk/>
           <pc:sldMk cId="3814784570" sldId="276"/>
         </pc:sldMkLst>
+      </pc:sldChg>
+      <pc:sldChg chg="modSp">
+        <pc:chgData name="Fabricio Veronez" userId="8d2c06362c18afc1" providerId="LiveId" clId="{FBDB2507-1A47-4CBE-952B-E37F5020D2D5}" dt="2019-11-07T19:37:46.714" v="337" actId="2711"/>
+        <pc:sldMkLst>
+          <pc:docMk/>
+          <pc:sldMk cId="3224237091" sldId="277"/>
+        </pc:sldMkLst>
+        <pc:spChg chg="mod">
+          <ac:chgData name="Fabricio Veronez" userId="8d2c06362c18afc1" providerId="LiveId" clId="{FBDB2507-1A47-4CBE-952B-E37F5020D2D5}" dt="2019-11-07T19:37:46.714" v="337" actId="2711"/>
+          <ac:spMkLst>
+            <pc:docMk/>
+            <pc:sldMk cId="3224237091" sldId="277"/>
+            <ac:spMk id="3" creationId="{5E9EEC9D-1C6A-47CB-9521-6F601475FFAF}"/>
+          </ac:spMkLst>
+        </pc:spChg>
       </pc:sldChg>
       <pc:sldChg chg="modSp ord modAnim">
         <pc:chgData name="Fabricio Veronez" userId="8d2c06362c18afc1" providerId="LiveId" clId="{FBDB2507-1A47-4CBE-952B-E37F5020D2D5}" dt="2019-11-07T19:22:20.296" v="308" actId="5793"/>
@@ -952,6 +984,186 @@
           </ac:picMkLst>
         </pc:picChg>
       </pc:sldChg>
+      <pc:sldChg chg="delSp add del">
+        <pc:chgData name="Fabricio Veronez" userId="8d2c06362c18afc1" providerId="LiveId" clId="{FBDB2507-1A47-4CBE-952B-E37F5020D2D5}" dt="2019-11-07T19:37:25.418" v="336" actId="47"/>
+        <pc:sldMkLst>
+          <pc:docMk/>
+          <pc:sldMk cId="4078029151" sldId="295"/>
+        </pc:sldMkLst>
+        <pc:spChg chg="del">
+          <ac:chgData name="Fabricio Veronez" userId="8d2c06362c18afc1" providerId="LiveId" clId="{FBDB2507-1A47-4CBE-952B-E37F5020D2D5}" dt="2019-11-07T19:36:10.208" v="319" actId="478"/>
+          <ac:spMkLst>
+            <pc:docMk/>
+            <pc:sldMk cId="4078029151" sldId="295"/>
+            <ac:spMk id="11" creationId="{D56E3AAC-BD47-44ED-990D-7EA152427395}"/>
+          </ac:spMkLst>
+        </pc:spChg>
+        <pc:spChg chg="del">
+          <ac:chgData name="Fabricio Veronez" userId="8d2c06362c18afc1" providerId="LiveId" clId="{FBDB2507-1A47-4CBE-952B-E37F5020D2D5}" dt="2019-11-07T19:36:10.208" v="319" actId="478"/>
+          <ac:spMkLst>
+            <pc:docMk/>
+            <pc:sldMk cId="4078029151" sldId="295"/>
+            <ac:spMk id="34" creationId="{14B6D910-C70C-47FC-88E4-A3ED21DFD7B5}"/>
+          </ac:spMkLst>
+        </pc:spChg>
+        <pc:spChg chg="del">
+          <ac:chgData name="Fabricio Veronez" userId="8d2c06362c18afc1" providerId="LiveId" clId="{FBDB2507-1A47-4CBE-952B-E37F5020D2D5}" dt="2019-11-07T19:36:10.208" v="319" actId="478"/>
+          <ac:spMkLst>
+            <pc:docMk/>
+            <pc:sldMk cId="4078029151" sldId="295"/>
+            <ac:spMk id="52" creationId="{E133C36D-DC7A-4408-9E3D-6632371436DF}"/>
+          </ac:spMkLst>
+        </pc:spChg>
+        <pc:spChg chg="del">
+          <ac:chgData name="Fabricio Veronez" userId="8d2c06362c18afc1" providerId="LiveId" clId="{FBDB2507-1A47-4CBE-952B-E37F5020D2D5}" dt="2019-11-07T19:36:10.208" v="319" actId="478"/>
+          <ac:spMkLst>
+            <pc:docMk/>
+            <pc:sldMk cId="4078029151" sldId="295"/>
+            <ac:spMk id="53" creationId="{BD501760-D90E-4A84-B1B7-74EEE977A633}"/>
+          </ac:spMkLst>
+        </pc:spChg>
+        <pc:spChg chg="del">
+          <ac:chgData name="Fabricio Veronez" userId="8d2c06362c18afc1" providerId="LiveId" clId="{FBDB2507-1A47-4CBE-952B-E37F5020D2D5}" dt="2019-11-07T19:36:10.208" v="319" actId="478"/>
+          <ac:spMkLst>
+            <pc:docMk/>
+            <pc:sldMk cId="4078029151" sldId="295"/>
+            <ac:spMk id="54" creationId="{B27EC887-3A6C-4CFF-96C1-AF1778F2172F}"/>
+          </ac:spMkLst>
+        </pc:spChg>
+        <pc:spChg chg="del">
+          <ac:chgData name="Fabricio Veronez" userId="8d2c06362c18afc1" providerId="LiveId" clId="{FBDB2507-1A47-4CBE-952B-E37F5020D2D5}" dt="2019-11-07T19:36:10.208" v="319" actId="478"/>
+          <ac:spMkLst>
+            <pc:docMk/>
+            <pc:sldMk cId="4078029151" sldId="295"/>
+            <ac:spMk id="55" creationId="{EE713E55-DFCA-4C98-A9F0-26495C767BCC}"/>
+          </ac:spMkLst>
+        </pc:spChg>
+        <pc:spChg chg="del">
+          <ac:chgData name="Fabricio Veronez" userId="8d2c06362c18afc1" providerId="LiveId" clId="{FBDB2507-1A47-4CBE-952B-E37F5020D2D5}" dt="2019-11-07T19:36:10.208" v="319" actId="478"/>
+          <ac:spMkLst>
+            <pc:docMk/>
+            <pc:sldMk cId="4078029151" sldId="295"/>
+            <ac:spMk id="57" creationId="{5C1EF6B6-B23E-43B5-818F-8DAB9AC5AFC2}"/>
+          </ac:spMkLst>
+        </pc:spChg>
+        <pc:grpChg chg="del">
+          <ac:chgData name="Fabricio Veronez" userId="8d2c06362c18afc1" providerId="LiveId" clId="{FBDB2507-1A47-4CBE-952B-E37F5020D2D5}" dt="2019-11-07T19:36:10.208" v="319" actId="478"/>
+          <ac:grpSpMkLst>
+            <pc:docMk/>
+            <pc:sldMk cId="4078029151" sldId="295"/>
+            <ac:grpSpMk id="3" creationId="{439A4986-045D-40F2-81DF-ED10F3785E20}"/>
+          </ac:grpSpMkLst>
+        </pc:grpChg>
+        <pc:grpChg chg="del">
+          <ac:chgData name="Fabricio Veronez" userId="8d2c06362c18afc1" providerId="LiveId" clId="{FBDB2507-1A47-4CBE-952B-E37F5020D2D5}" dt="2019-11-07T19:36:10.208" v="319" actId="478"/>
+          <ac:grpSpMkLst>
+            <pc:docMk/>
+            <pc:sldMk cId="4078029151" sldId="295"/>
+            <ac:grpSpMk id="35" creationId="{6230EA3A-3576-40BD-BD30-A2E6D5158B54}"/>
+          </ac:grpSpMkLst>
+        </pc:grpChg>
+        <pc:grpChg chg="del">
+          <ac:chgData name="Fabricio Veronez" userId="8d2c06362c18afc1" providerId="LiveId" clId="{FBDB2507-1A47-4CBE-952B-E37F5020D2D5}" dt="2019-11-07T19:36:10.208" v="319" actId="478"/>
+          <ac:grpSpMkLst>
+            <pc:docMk/>
+            <pc:sldMk cId="4078029151" sldId="295"/>
+            <ac:grpSpMk id="36" creationId="{692F5462-A43A-4726-87DA-2E1568DC4E11}"/>
+          </ac:grpSpMkLst>
+        </pc:grpChg>
+        <pc:grpChg chg="del">
+          <ac:chgData name="Fabricio Veronez" userId="8d2c06362c18afc1" providerId="LiveId" clId="{FBDB2507-1A47-4CBE-952B-E37F5020D2D5}" dt="2019-11-07T19:36:10.208" v="319" actId="478"/>
+          <ac:grpSpMkLst>
+            <pc:docMk/>
+            <pc:sldMk cId="4078029151" sldId="295"/>
+            <ac:grpSpMk id="40" creationId="{C2FD8914-BBB1-4331-BBA1-144D45251013}"/>
+          </ac:grpSpMkLst>
+        </pc:grpChg>
+        <pc:cxnChg chg="del">
+          <ac:chgData name="Fabricio Veronez" userId="8d2c06362c18afc1" providerId="LiveId" clId="{FBDB2507-1A47-4CBE-952B-E37F5020D2D5}" dt="2019-11-07T19:36:10.208" v="319" actId="478"/>
+          <ac:cxnSpMkLst>
+            <pc:docMk/>
+            <pc:sldMk cId="4078029151" sldId="295"/>
+            <ac:cxnSpMk id="58" creationId="{B2AB9544-8045-4D8E-BDC6-345713279C4D}"/>
+          </ac:cxnSpMkLst>
+        </pc:cxnChg>
+        <pc:cxnChg chg="del">
+          <ac:chgData name="Fabricio Veronez" userId="8d2c06362c18afc1" providerId="LiveId" clId="{FBDB2507-1A47-4CBE-952B-E37F5020D2D5}" dt="2019-11-07T19:36:10.208" v="319" actId="478"/>
+          <ac:cxnSpMkLst>
+            <pc:docMk/>
+            <pc:sldMk cId="4078029151" sldId="295"/>
+            <ac:cxnSpMk id="59" creationId="{A3083723-41A6-46C3-B708-5E4781993916}"/>
+          </ac:cxnSpMkLst>
+        </pc:cxnChg>
+        <pc:cxnChg chg="del">
+          <ac:chgData name="Fabricio Veronez" userId="8d2c06362c18afc1" providerId="LiveId" clId="{FBDB2507-1A47-4CBE-952B-E37F5020D2D5}" dt="2019-11-07T19:36:10.208" v="319" actId="478"/>
+          <ac:cxnSpMkLst>
+            <pc:docMk/>
+            <pc:sldMk cId="4078029151" sldId="295"/>
+            <ac:cxnSpMk id="60" creationId="{7DE6259D-C1CD-49FD-8C8D-7EBE499B199D}"/>
+          </ac:cxnSpMkLst>
+        </pc:cxnChg>
+        <pc:cxnChg chg="del">
+          <ac:chgData name="Fabricio Veronez" userId="8d2c06362c18afc1" providerId="LiveId" clId="{FBDB2507-1A47-4CBE-952B-E37F5020D2D5}" dt="2019-11-07T19:36:10.208" v="319" actId="478"/>
+          <ac:cxnSpMkLst>
+            <pc:docMk/>
+            <pc:sldMk cId="4078029151" sldId="295"/>
+            <ac:cxnSpMk id="61" creationId="{B4A68159-B77B-4B88-ACCC-EFC463B677E9}"/>
+          </ac:cxnSpMkLst>
+        </pc:cxnChg>
+        <pc:cxnChg chg="del">
+          <ac:chgData name="Fabricio Veronez" userId="8d2c06362c18afc1" providerId="LiveId" clId="{FBDB2507-1A47-4CBE-952B-E37F5020D2D5}" dt="2019-11-07T19:36:10.208" v="319" actId="478"/>
+          <ac:cxnSpMkLst>
+            <pc:docMk/>
+            <pc:sldMk cId="4078029151" sldId="295"/>
+            <ac:cxnSpMk id="62" creationId="{242DBA31-0DBC-48C0-B783-0E7173C85F3E}"/>
+          </ac:cxnSpMkLst>
+        </pc:cxnChg>
+        <pc:cxnChg chg="del">
+          <ac:chgData name="Fabricio Veronez" userId="8d2c06362c18afc1" providerId="LiveId" clId="{FBDB2507-1A47-4CBE-952B-E37F5020D2D5}" dt="2019-11-07T19:36:10.208" v="319" actId="478"/>
+          <ac:cxnSpMkLst>
+            <pc:docMk/>
+            <pc:sldMk cId="4078029151" sldId="295"/>
+            <ac:cxnSpMk id="65" creationId="{AAB46164-4ED1-4C78-9944-17BD134F2CF8}"/>
+          </ac:cxnSpMkLst>
+        </pc:cxnChg>
+        <pc:cxnChg chg="del">
+          <ac:chgData name="Fabricio Veronez" userId="8d2c06362c18afc1" providerId="LiveId" clId="{FBDB2507-1A47-4CBE-952B-E37F5020D2D5}" dt="2019-11-07T19:36:10.208" v="319" actId="478"/>
+          <ac:cxnSpMkLst>
+            <pc:docMk/>
+            <pc:sldMk cId="4078029151" sldId="295"/>
+            <ac:cxnSpMk id="68" creationId="{6C3FC8AB-984A-4450-82B1-3426AAD8EE38}"/>
+          </ac:cxnSpMkLst>
+        </pc:cxnChg>
+      </pc:sldChg>
+      <pc:sldChg chg="add del">
+        <pc:chgData name="Fabricio Veronez" userId="8d2c06362c18afc1" providerId="LiveId" clId="{FBDB2507-1A47-4CBE-952B-E37F5020D2D5}" dt="2019-11-07T19:37:24.689" v="335" actId="47"/>
+        <pc:sldMkLst>
+          <pc:docMk/>
+          <pc:sldMk cId="52489486" sldId="296"/>
+        </pc:sldMkLst>
+      </pc:sldChg>
+      <pc:sldChg chg="addSp modSp add">
+        <pc:chgData name="Fabricio Veronez" userId="8d2c06362c18afc1" providerId="LiveId" clId="{FBDB2507-1A47-4CBE-952B-E37F5020D2D5}" dt="2019-11-07T19:37:01.982" v="333" actId="1076"/>
+        <pc:sldMkLst>
+          <pc:docMk/>
+          <pc:sldMk cId="3850637174" sldId="297"/>
+        </pc:sldMkLst>
+        <pc:spChg chg="add mod">
+          <ac:chgData name="Fabricio Veronez" userId="8d2c06362c18afc1" providerId="LiveId" clId="{FBDB2507-1A47-4CBE-952B-E37F5020D2D5}" dt="2019-11-07T19:37:01.982" v="333" actId="1076"/>
+          <ac:spMkLst>
+            <pc:docMk/>
+            <pc:sldMk cId="3850637174" sldId="297"/>
+            <ac:spMk id="3" creationId="{4C5DEBB7-416D-4355-9076-29C4392E1DAD}"/>
+          </ac:spMkLst>
+        </pc:spChg>
+      </pc:sldChg>
+      <pc:sldChg chg="add">
+        <pc:chgData name="Fabricio Veronez" userId="8d2c06362c18afc1" providerId="LiveId" clId="{FBDB2507-1A47-4CBE-952B-E37F5020D2D5}" dt="2019-11-07T19:37:22.962" v="334"/>
+        <pc:sldMkLst>
+          <pc:docMk/>
+          <pc:sldMk cId="234970178" sldId="340"/>
+        </pc:sldMkLst>
+      </pc:sldChg>
     </pc:docChg>
   </pc:docChgLst>
 </pc:chgInfo>
@@ -1597,6 +1809,115 @@
         </p:txBody>
       </p:sp>
     </p:spTree>
+  </p:cSld>
+  <p:clrMapOvr>
+    <a:masterClrMapping/>
+  </p:clrMapOvr>
+</p:notes>
+</file>
+
+<file path=ppt/notesSlides/notesSlide3.xml><?xml version="1.0" encoding="utf-8"?>
+<p:notes xmlns:a="http://schemas.openxmlformats.org/drawingml/2006/main" xmlns:r="http://schemas.openxmlformats.org/officeDocument/2006/relationships" xmlns:p="http://schemas.openxmlformats.org/presentationml/2006/main" showMasterSp="0" showMasterPhAnim="0">
+  <p:cSld>
+    <p:spTree>
+      <p:nvGrpSpPr>
+        <p:cNvPr id="1" name="Shape 355"/>
+        <p:cNvGrpSpPr/>
+        <p:nvPr/>
+      </p:nvGrpSpPr>
+      <p:grpSpPr>
+        <a:xfrm>
+          <a:off x="0" y="0"/>
+          <a:ext cx="0" cy="0"/>
+          <a:chOff x="0" y="0"/>
+          <a:chExt cx="0" cy="0"/>
+        </a:xfrm>
+      </p:grpSpPr>
+      <p:sp>
+        <p:nvSpPr>
+          <p:cNvPr id="356" name="Google Shape;356;g35f391192_029:notes"/>
+          <p:cNvSpPr>
+            <a:spLocks noGrp="1" noRot="1" noChangeAspect="1"/>
+          </p:cNvSpPr>
+          <p:nvPr>
+            <p:ph type="sldImg" idx="2"/>
+          </p:nvPr>
+        </p:nvSpPr>
+        <p:spPr>
+          <a:xfrm>
+            <a:off x="381000" y="685800"/>
+            <a:ext cx="6096000" cy="3429000"/>
+          </a:xfrm>
+          <a:custGeom>
+            <a:avLst/>
+            <a:gdLst/>
+            <a:ahLst/>
+            <a:cxnLst/>
+            <a:rect l="l" t="t" r="r" b="b"/>
+            <a:pathLst>
+              <a:path w="120000" h="120000" extrusionOk="0">
+                <a:moveTo>
+                  <a:pt x="0" y="0"/>
+                </a:moveTo>
+                <a:lnTo>
+                  <a:pt x="120000" y="0"/>
+                </a:lnTo>
+                <a:lnTo>
+                  <a:pt x="120000" y="120000"/>
+                </a:lnTo>
+                <a:lnTo>
+                  <a:pt x="0" y="120000"/>
+                </a:lnTo>
+                <a:close/>
+              </a:path>
+            </a:pathLst>
+          </a:custGeom>
+        </p:spPr>
+      </p:sp>
+      <p:sp>
+        <p:nvSpPr>
+          <p:cNvPr id="357" name="Google Shape;357;g35f391192_029:notes"/>
+          <p:cNvSpPr txBox="1">
+            <a:spLocks noGrp="1"/>
+          </p:cNvSpPr>
+          <p:nvPr>
+            <p:ph type="body" idx="1"/>
+          </p:nvPr>
+        </p:nvSpPr>
+        <p:spPr>
+          <a:xfrm>
+            <a:off x="685800" y="4343400"/>
+            <a:ext cx="5486400" cy="4114800"/>
+          </a:xfrm>
+          <a:prstGeom prst="rect">
+            <a:avLst/>
+          </a:prstGeom>
+        </p:spPr>
+        <p:txBody>
+          <a:bodyPr spcFirstLastPara="1" wrap="square" lIns="91425" tIns="91425" rIns="91425" bIns="91425" anchor="t" anchorCtr="0">
+            <a:noAutofit/>
+          </a:bodyPr>
+          <a:lstStyle/>
+          <a:p>
+            <a:pPr marL="0" lvl="0" indent="0" algn="l" rtl="0">
+              <a:spcBef>
+                <a:spcPts val="0"/>
+              </a:spcBef>
+              <a:spcAft>
+                <a:spcPts val="0"/>
+              </a:spcAft>
+              <a:buNone/>
+            </a:pPr>
+            <a:endParaRPr/>
+          </a:p>
+        </p:txBody>
+      </p:sp>
+    </p:spTree>
+    <p:extLst>
+      <p:ext uri="{BB962C8B-B14F-4D97-AF65-F5344CB8AC3E}">
+        <p14:creationId xmlns:p14="http://schemas.microsoft.com/office/powerpoint/2010/main" val="2005483846"/>
+      </p:ext>
+    </p:extLst>
   </p:cSld>
   <p:clrMapOvr>
     <a:masterClrMapping/>
@@ -5971,7 +6292,21 @@
                 <a:latin typeface="Roboto" panose="02000000000000000000" pitchFamily="2" charset="0"/>
                 <a:ea typeface="Roboto" panose="02000000000000000000" pitchFamily="2" charset="0"/>
               </a:rPr>
-              <a:t>AKS-Conhecendo o </a:t>
+              <a:t>A Anatomia de um </a:t>
+            </a:r>
+            <a:r>
+              <a:rPr lang="pt-BR" sz="3800" dirty="0" err="1">
+                <a:latin typeface="Roboto" panose="02000000000000000000" pitchFamily="2" charset="0"/>
+                <a:ea typeface="Roboto" panose="02000000000000000000" pitchFamily="2" charset="0"/>
+              </a:rPr>
+              <a:t>Deploy</a:t>
+            </a:r>
+            <a:r>
+              <a:rPr lang="pt-BR" sz="3800" dirty="0">
+                <a:latin typeface="Roboto" panose="02000000000000000000" pitchFamily="2" charset="0"/>
+                <a:ea typeface="Roboto" panose="02000000000000000000" pitchFamily="2" charset="0"/>
+              </a:rPr>
+              <a:t> no </a:t>
             </a:r>
             <a:r>
               <a:rPr lang="pt-BR" sz="3800" dirty="0" err="1">
@@ -5979,13 +6314,6 @@
                 <a:ea typeface="Roboto" panose="02000000000000000000" pitchFamily="2" charset="0"/>
               </a:rPr>
               <a:t>Kubernetes</a:t>
-            </a:r>
-            <a:r>
-              <a:rPr lang="pt-BR" sz="3800" dirty="0">
-                <a:latin typeface="Roboto" panose="02000000000000000000" pitchFamily="2" charset="0"/>
-                <a:ea typeface="Roboto" panose="02000000000000000000" pitchFamily="2" charset="0"/>
-              </a:rPr>
-              <a:t> no Azure</a:t>
             </a:r>
             <a:endParaRPr lang="en-US" sz="3800" dirty="0">
               <a:latin typeface="Roboto" panose="02000000000000000000" pitchFamily="2" charset="0"/>
@@ -10046,7 +10374,7 @@
         <p:spPr>
           <a:xfrm>
             <a:off x="2868648" y="140167"/>
-            <a:ext cx="3000886" cy="769441"/>
+            <a:ext cx="3183885" cy="769441"/>
           </a:xfrm>
           <a:prstGeom prst="rect">
             <a:avLst/>
@@ -10060,7 +10388,10 @@
           <a:lstStyle/>
           <a:p>
             <a:r>
-              <a:rPr lang="en-US" sz="4400" dirty="0"/>
+              <a:rPr lang="en-US" sz="4400" dirty="0">
+                <a:latin typeface="Roboto" panose="020B0604020202020204" charset="0"/>
+                <a:ea typeface="Roboto" panose="020B0604020202020204" charset="0"/>
+              </a:rPr>
               <a:t>Deployment</a:t>
             </a:r>
           </a:p>
@@ -12187,6 +12518,278 @@
     <p:extLst>
       <p:ext uri="{BB962C8B-B14F-4D97-AF65-F5344CB8AC3E}">
         <p14:creationId xmlns:p14="http://schemas.microsoft.com/office/powerpoint/2010/main" val="517413287"/>
+      </p:ext>
+    </p:extLst>
+  </p:cSld>
+  <p:clrMapOvr>
+    <a:masterClrMapping/>
+  </p:clrMapOvr>
+</p:sld>
+</file>
+
+<file path=ppt/slides/slide21.xml><?xml version="1.0" encoding="utf-8"?>
+<p:sld xmlns:a="http://schemas.openxmlformats.org/drawingml/2006/main" xmlns:r="http://schemas.openxmlformats.org/officeDocument/2006/relationships" xmlns:p="http://schemas.openxmlformats.org/presentationml/2006/main">
+  <p:cSld>
+    <p:spTree>
+      <p:nvGrpSpPr>
+        <p:cNvPr id="1" name=""/>
+        <p:cNvGrpSpPr/>
+        <p:nvPr/>
+      </p:nvGrpSpPr>
+      <p:grpSpPr>
+        <a:xfrm>
+          <a:off x="0" y="0"/>
+          <a:ext cx="0" cy="0"/>
+          <a:chOff x="0" y="0"/>
+          <a:chExt cx="0" cy="0"/>
+        </a:xfrm>
+      </p:grpSpPr>
+      <p:sp>
+        <p:nvSpPr>
+          <p:cNvPr id="2" name="Espaço Reservado para Número de Slide 1">
+            <a:extLst>
+              <a:ext uri="{FF2B5EF4-FFF2-40B4-BE49-F238E27FC236}">
+                <a16:creationId xmlns:a16="http://schemas.microsoft.com/office/drawing/2014/main" id="{4A54F074-11B9-44E2-A55B-6F2851C0A38C}"/>
+              </a:ext>
+            </a:extLst>
+          </p:cNvPr>
+          <p:cNvSpPr>
+            <a:spLocks noGrp="1"/>
+          </p:cNvSpPr>
+          <p:nvPr>
+            <p:ph type="sldNum" sz="quarter" idx="12"/>
+          </p:nvPr>
+        </p:nvSpPr>
+        <p:spPr/>
+        <p:txBody>
+          <a:bodyPr/>
+          <a:lstStyle/>
+          <a:p>
+            <a:pPr marL="0" lvl="0" indent="0" algn="l" rtl="0">
+              <a:spcBef>
+                <a:spcPts val="0"/>
+              </a:spcBef>
+              <a:spcAft>
+                <a:spcPts val="0"/>
+              </a:spcAft>
+              <a:buNone/>
+            </a:pPr>
+            <a:fld id="{00000000-1234-1234-1234-123412341234}" type="slidenum">
+              <a:rPr lang="en-US" smtClean="0"/>
+              <a:t>21</a:t>
+            </a:fld>
+            <a:endParaRPr lang="en-US"/>
+          </a:p>
+        </p:txBody>
+      </p:sp>
+      <p:sp>
+        <p:nvSpPr>
+          <p:cNvPr id="3" name="CaixaDeTexto 2">
+            <a:extLst>
+              <a:ext uri="{FF2B5EF4-FFF2-40B4-BE49-F238E27FC236}">
+                <a16:creationId xmlns:a16="http://schemas.microsoft.com/office/drawing/2014/main" id="{4C5DEBB7-416D-4355-9076-29C4392E1DAD}"/>
+              </a:ext>
+            </a:extLst>
+          </p:cNvPr>
+          <p:cNvSpPr txBox="1"/>
+          <p:nvPr/>
+        </p:nvSpPr>
+        <p:spPr>
+          <a:xfrm>
+            <a:off x="0" y="1786920"/>
+            <a:ext cx="9144000" cy="1569660"/>
+          </a:xfrm>
+          <a:prstGeom prst="rect">
+            <a:avLst/>
+          </a:prstGeom>
+          <a:noFill/>
+        </p:spPr>
+        <p:txBody>
+          <a:bodyPr wrap="square" rtlCol="0">
+            <a:spAutoFit/>
+          </a:bodyPr>
+          <a:lstStyle/>
+          <a:p>
+            <a:pPr algn="ctr"/>
+            <a:r>
+              <a:rPr lang="en-US" sz="9600" dirty="0">
+                <a:latin typeface="Roboto" panose="020B0604020202020204" charset="0"/>
+                <a:ea typeface="Roboto" panose="020B0604020202020204" charset="0"/>
+              </a:rPr>
+              <a:t>DEMO</a:t>
+            </a:r>
+            <a:endParaRPr lang="pt-BR" sz="9600" dirty="0">
+              <a:latin typeface="Roboto" panose="020B0604020202020204" charset="0"/>
+              <a:ea typeface="Roboto" panose="020B0604020202020204" charset="0"/>
+            </a:endParaRPr>
+          </a:p>
+        </p:txBody>
+      </p:sp>
+    </p:spTree>
+    <p:extLst>
+      <p:ext uri="{BB962C8B-B14F-4D97-AF65-F5344CB8AC3E}">
+        <p14:creationId xmlns:p14="http://schemas.microsoft.com/office/powerpoint/2010/main" val="3850637174"/>
+      </p:ext>
+    </p:extLst>
+  </p:cSld>
+  <p:clrMapOvr>
+    <a:masterClrMapping/>
+  </p:clrMapOvr>
+</p:sld>
+</file>
+
+<file path=ppt/slides/slide22.xml><?xml version="1.0" encoding="utf-8"?>
+<p:sld xmlns:a="http://schemas.openxmlformats.org/drawingml/2006/main" xmlns:r="http://schemas.openxmlformats.org/officeDocument/2006/relationships" xmlns:p="http://schemas.openxmlformats.org/presentationml/2006/main">
+  <p:cSld>
+    <p:spTree>
+      <p:nvGrpSpPr>
+        <p:cNvPr id="1" name="Shape 358"/>
+        <p:cNvGrpSpPr/>
+        <p:nvPr/>
+      </p:nvGrpSpPr>
+      <p:grpSpPr>
+        <a:xfrm>
+          <a:off x="0" y="0"/>
+          <a:ext cx="0" cy="0"/>
+          <a:chOff x="0" y="0"/>
+          <a:chExt cx="0" cy="0"/>
+        </a:xfrm>
+      </p:grpSpPr>
+      <p:pic>
+        <p:nvPicPr>
+          <p:cNvPr id="3" name="Imagem 2">
+            <a:extLst>
+              <a:ext uri="{FF2B5EF4-FFF2-40B4-BE49-F238E27FC236}">
+                <a16:creationId xmlns:a16="http://schemas.microsoft.com/office/drawing/2014/main" id="{06E80B9A-899C-4D2B-9097-CC6C7F898270}"/>
+              </a:ext>
+            </a:extLst>
+          </p:cNvPr>
+          <p:cNvPicPr>
+            <a:picLocks noChangeAspect="1"/>
+          </p:cNvPicPr>
+          <p:nvPr/>
+        </p:nvPicPr>
+        <p:blipFill>
+          <a:blip r:embed="rId3"/>
+          <a:stretch>
+            <a:fillRect/>
+          </a:stretch>
+        </p:blipFill>
+        <p:spPr>
+          <a:xfrm>
+            <a:off x="2884372" y="1098150"/>
+            <a:ext cx="2947199" cy="2947199"/>
+          </a:xfrm>
+          <a:prstGeom prst="rect">
+            <a:avLst/>
+          </a:prstGeom>
+        </p:spPr>
+      </p:pic>
+      <p:sp>
+        <p:nvSpPr>
+          <p:cNvPr id="4" name="CaixaDeTexto 3">
+            <a:extLst>
+              <a:ext uri="{FF2B5EF4-FFF2-40B4-BE49-F238E27FC236}">
+                <a16:creationId xmlns:a16="http://schemas.microsoft.com/office/drawing/2014/main" id="{FA33B7B7-AC4F-4F40-8F60-901B2A74B1B0}"/>
+              </a:ext>
+            </a:extLst>
+          </p:cNvPr>
+          <p:cNvSpPr txBox="1"/>
+          <p:nvPr/>
+        </p:nvSpPr>
+        <p:spPr>
+          <a:xfrm>
+            <a:off x="2852142" y="4202606"/>
+            <a:ext cx="3193503" cy="369332"/>
+          </a:xfrm>
+          <a:prstGeom prst="rect">
+            <a:avLst/>
+          </a:prstGeom>
+          <a:noFill/>
+        </p:spPr>
+        <p:txBody>
+          <a:bodyPr wrap="none" rtlCol="0">
+            <a:spAutoFit/>
+          </a:bodyPr>
+          <a:lstStyle/>
+          <a:p>
+            <a:r>
+              <a:rPr lang="pt-BR" dirty="0">
+                <a:latin typeface="Roboto" panose="02000000000000000000" pitchFamily="2" charset="0"/>
+                <a:ea typeface="Roboto" panose="02000000000000000000" pitchFamily="2" charset="0"/>
+              </a:rPr>
+              <a:t>http://bit.ly/news-veronezdev</a:t>
+            </a:r>
+          </a:p>
+        </p:txBody>
+      </p:sp>
+      <p:sp>
+        <p:nvSpPr>
+          <p:cNvPr id="5" name="CaixaDeTexto 4">
+            <a:extLst>
+              <a:ext uri="{FF2B5EF4-FFF2-40B4-BE49-F238E27FC236}">
+                <a16:creationId xmlns:a16="http://schemas.microsoft.com/office/drawing/2014/main" id="{5D5D95BE-1FF4-438C-AAA0-24D83BB32A5C}"/>
+              </a:ext>
+            </a:extLst>
+          </p:cNvPr>
+          <p:cNvSpPr txBox="1"/>
+          <p:nvPr/>
+        </p:nvSpPr>
+        <p:spPr>
+          <a:xfrm>
+            <a:off x="2677062" y="356118"/>
+            <a:ext cx="3361818" cy="584775"/>
+          </a:xfrm>
+          <a:prstGeom prst="rect">
+            <a:avLst/>
+          </a:prstGeom>
+          <a:noFill/>
+        </p:spPr>
+        <p:txBody>
+          <a:bodyPr wrap="none" rtlCol="0">
+            <a:spAutoFit/>
+          </a:bodyPr>
+          <a:lstStyle/>
+          <a:p>
+            <a:r>
+              <a:rPr lang="en-US" sz="3200" dirty="0" err="1">
+                <a:latin typeface="Roboto" panose="02000000000000000000" pitchFamily="2" charset="0"/>
+                <a:ea typeface="Roboto" panose="02000000000000000000" pitchFamily="2" charset="0"/>
+              </a:rPr>
+              <a:t>Quer</a:t>
+            </a:r>
+            <a:r>
+              <a:rPr lang="en-US" sz="3200" dirty="0">
+                <a:latin typeface="Roboto" panose="02000000000000000000" pitchFamily="2" charset="0"/>
+                <a:ea typeface="Roboto" panose="02000000000000000000" pitchFamily="2" charset="0"/>
+              </a:rPr>
+              <a:t> saber </a:t>
+            </a:r>
+            <a:r>
+              <a:rPr lang="en-US" sz="3200" dirty="0" err="1">
+                <a:latin typeface="Roboto" panose="02000000000000000000" pitchFamily="2" charset="0"/>
+                <a:ea typeface="Roboto" panose="02000000000000000000" pitchFamily="2" charset="0"/>
+              </a:rPr>
+              <a:t>mais</a:t>
+            </a:r>
+            <a:r>
+              <a:rPr lang="en-US" sz="3200" dirty="0">
+                <a:latin typeface="Roboto" panose="02000000000000000000" pitchFamily="2" charset="0"/>
+                <a:ea typeface="Roboto" panose="02000000000000000000" pitchFamily="2" charset="0"/>
+              </a:rPr>
+              <a:t>?</a:t>
+            </a:r>
+            <a:endParaRPr lang="pt-BR" sz="3200" dirty="0">
+              <a:latin typeface="Roboto" panose="02000000000000000000" pitchFamily="2" charset="0"/>
+              <a:ea typeface="Roboto" panose="02000000000000000000" pitchFamily="2" charset="0"/>
+            </a:endParaRPr>
+          </a:p>
+        </p:txBody>
+      </p:sp>
+    </p:spTree>
+    <p:extLst>
+      <p:ext uri="{BB962C8B-B14F-4D97-AF65-F5344CB8AC3E}">
+        <p14:creationId xmlns:p14="http://schemas.microsoft.com/office/powerpoint/2010/main" val="234970178"/>
       </p:ext>
     </p:extLst>
   </p:cSld>

--- a/docs/AnatomiaDeployK8S.pptx
+++ b/docs/AnatomiaDeployK8S.pptx
@@ -47,7 +47,7 @@
       <p:italic r:id="rId30"/>
     </p:embeddedFont>
     <p:embeddedFont>
-      <p:font typeface="Roboto" panose="020B0604020202020204" charset="0"/>
+      <p:font typeface="Roboto" panose="02000000000000000000" pitchFamily="2" charset="0"/>
       <p:regular r:id="rId31"/>
       <p:bold r:id="rId32"/>
       <p:italic r:id="rId33"/>
@@ -2151,7 +2151,7 @@
           <a:p>
             <a:fld id="{4BDF68E2-58F2-4D09-BE8B-E3BD06533059}" type="datetimeFigureOut">
               <a:rPr lang="en-US" dirty="0"/>
-              <a:t>11/7/2019</a:t>
+              <a:t>2/5/2020</a:t>
             </a:fld>
             <a:endParaRPr lang="en-US" dirty="0"/>
           </a:p>
@@ -2369,7 +2369,7 @@
           <a:p>
             <a:fld id="{2E2D6473-DF6D-4702-B328-E0DD40540A4E}" type="datetimeFigureOut">
               <a:rPr lang="en-US" dirty="0"/>
-              <a:t>11/7/2019</a:t>
+              <a:t>2/5/2020</a:t>
             </a:fld>
             <a:endParaRPr lang="en-US" dirty="0"/>
           </a:p>
@@ -2635,7 +2635,7 @@
           <a:p>
             <a:fld id="{E26F7E3A-B166-407D-9866-32884E7D5B37}" type="datetimeFigureOut">
               <a:rPr lang="en-US" dirty="0"/>
-              <a:t>11/7/2019</a:t>
+              <a:t>2/5/2020</a:t>
             </a:fld>
             <a:endParaRPr lang="en-US" dirty="0"/>
           </a:p>
@@ -3260,7 +3260,7 @@
           <a:p>
             <a:fld id="{528FC5F6-F338-4AE4-BB23-26385BCFC423}" type="datetimeFigureOut">
               <a:rPr lang="en-US" dirty="0"/>
-              <a:t>11/7/2019</a:t>
+              <a:t>2/5/2020</a:t>
             </a:fld>
             <a:endParaRPr lang="en-US" dirty="0"/>
           </a:p>
@@ -3613,7 +3613,7 @@
           <a:p>
             <a:fld id="{20EBB0C4-6273-4C6E-B9BD-2EDC30F1CD52}" type="datetimeFigureOut">
               <a:rPr lang="en-US" dirty="0"/>
-              <a:t>11/7/2019</a:t>
+              <a:t>2/5/2020</a:t>
             </a:fld>
             <a:endParaRPr lang="en-US" dirty="0"/>
           </a:p>
@@ -3898,7 +3898,7 @@
           <a:p>
             <a:fld id="{19AB4D41-86C1-4908-B66A-0B50CEB3BF29}" type="datetimeFigureOut">
               <a:rPr lang="en-US" dirty="0"/>
-              <a:t>11/7/2019</a:t>
+              <a:t>2/5/2020</a:t>
             </a:fld>
             <a:endParaRPr lang="en-US" dirty="0"/>
           </a:p>
@@ -4287,7 +4287,7 @@
           <a:p>
             <a:fld id="{E6426E2C-56C1-4E0D-A793-0088A7FDD37E}" type="datetimeFigureOut">
               <a:rPr lang="en-US" dirty="0"/>
-              <a:t>11/7/2019</a:t>
+              <a:t>2/5/2020</a:t>
             </a:fld>
             <a:endParaRPr lang="en-US" dirty="0"/>
           </a:p>
@@ -4415,7 +4415,7 @@
           <a:p>
             <a:fld id="{C8C39B41-D8B5-4052-B551-9B5525EAA8B6}" type="datetimeFigureOut">
               <a:rPr lang="en-US" dirty="0"/>
-              <a:t>11/7/2019</a:t>
+              <a:t>2/5/2020</a:t>
             </a:fld>
             <a:endParaRPr lang="en-US" dirty="0"/>
           </a:p>
@@ -4596,7 +4596,7 @@
           <a:p>
             <a:fld id="{4D94136C-8742-45B2-AF27-D93DF72833A9}" type="datetimeFigureOut">
               <a:rPr lang="en-US" dirty="0"/>
-              <a:t>11/7/2019</a:t>
+              <a:t>2/5/2020</a:t>
             </a:fld>
             <a:endParaRPr lang="en-US" dirty="0"/>
           </a:p>
@@ -4960,7 +4960,7 @@
           <a:p>
             <a:fld id="{32ABBEA6-7C60-4B02-AE87-00D78D8422AF}" type="datetimeFigureOut">
               <a:rPr lang="en-US" dirty="0"/>
-              <a:t>11/7/2019</a:t>
+              <a:t>2/5/2020</a:t>
             </a:fld>
             <a:endParaRPr lang="en-US" dirty="0"/>
           </a:p>
@@ -5352,7 +5352,7 @@
           <a:p>
             <a:fld id="{C9CAD897-D46E-4AD2-BD9B-49DD3E640873}" type="datetimeFigureOut">
               <a:rPr lang="en-US" dirty="0"/>
-              <a:t>11/7/2019</a:t>
+              <a:t>2/5/2020</a:t>
             </a:fld>
             <a:endParaRPr lang="en-US" dirty="0"/>
           </a:p>
@@ -5649,7 +5649,7 @@
           <a:p>
             <a:fld id="{98624D31-43A5-475A-80CF-332C9F6DCF35}" type="datetimeFigureOut">
               <a:rPr lang="en-US" dirty="0"/>
-              <a:t>11/7/2019</a:t>
+              <a:t>2/5/2020</a:t>
             </a:fld>
             <a:endParaRPr lang="en-US" dirty="0"/>
           </a:p>
@@ -10870,7 +10870,13 @@
       </p:grpSpPr>
       <p:sp>
         <p:nvSpPr>
-          <p:cNvPr id="352" name="Google Shape;352;p13"/>
+          <p:cNvPr id="9" name="Google Shape;352;p13">
+            <a:extLst>
+              <a:ext uri="{FF2B5EF4-FFF2-40B4-BE49-F238E27FC236}">
+                <a16:creationId xmlns:a16="http://schemas.microsoft.com/office/drawing/2014/main" id="{1018BA2E-FDE0-4044-AA13-4C495BF1C438}"/>
+              </a:ext>
+            </a:extLst>
+          </p:cNvPr>
           <p:cNvSpPr txBox="1">
             <a:spLocks noGrp="1"/>
           </p:cNvSpPr>
@@ -10880,7 +10886,7 @@
         </p:nvSpPr>
         <p:spPr>
           <a:xfrm>
-            <a:off x="3310851" y="596534"/>
+            <a:off x="3310851" y="255201"/>
             <a:ext cx="5496362" cy="1502430"/>
           </a:xfrm>
           <a:prstGeom prst="rect">
@@ -10905,7 +10911,7 @@
               </a:spcAft>
             </a:pPr>
             <a:r>
-              <a:rPr lang="en-US" sz="4800" spc="-38" dirty="0" err="1">
+              <a:rPr lang="en-US" sz="4800" b="1" spc="-38" dirty="0" err="1">
                 <a:solidFill>
                   <a:schemeClr val="tx1">
                     <a:lumMod val="85000"/>
@@ -10919,7 +10925,7 @@
               <a:t>Fabrício</a:t>
             </a:r>
             <a:r>
-              <a:rPr lang="en-US" sz="4800" spc="-38" dirty="0">
+              <a:rPr lang="en-US" sz="4800" b="1" spc="-38" dirty="0">
                 <a:solidFill>
                   <a:schemeClr val="tx1">
                     <a:lumMod val="85000"/>
@@ -10932,7 +10938,7 @@
               </a:rPr>
               <a:t> Veronez</a:t>
             </a:r>
-            <a:endParaRPr sz="4800" spc="-38" dirty="0">
+            <a:endParaRPr sz="4800" b="1" spc="-38" dirty="0">
               <a:solidFill>
                 <a:schemeClr val="tx1">
                   <a:lumMod val="85000"/>
@@ -10982,7 +10988,21 @@
                 <a:ea typeface="Roboto" panose="02000000000000000000" pitchFamily="2" charset="0"/>
                 <a:cs typeface="+mj-cs"/>
               </a:rPr>
-              <a:t> de Software</a:t>
+              <a:t> de </a:t>
+            </a:r>
+            <a:r>
+              <a:rPr lang="en-US" sz="3200" spc="-38" dirty="0" err="1">
+                <a:solidFill>
+                  <a:schemeClr val="tx1">
+                    <a:lumMod val="85000"/>
+                    <a:lumOff val="15000"/>
+                  </a:schemeClr>
+                </a:solidFill>
+                <a:latin typeface="Roboto" panose="02000000000000000000" pitchFamily="2" charset="0"/>
+                <a:ea typeface="Roboto" panose="02000000000000000000" pitchFamily="2" charset="0"/>
+                <a:cs typeface="+mj-cs"/>
+              </a:rPr>
+              <a:t>Soluções</a:t>
             </a:r>
             <a:endParaRPr sz="3200" spc="-38" dirty="0">
               <a:solidFill>
@@ -11000,48 +11020,10 @@
       </p:sp>
       <p:sp>
         <p:nvSpPr>
-          <p:cNvPr id="354" name="Google Shape;354;p13"/>
-          <p:cNvSpPr txBox="1">
-            <a:spLocks noGrp="1"/>
-          </p:cNvSpPr>
-          <p:nvPr>
-            <p:ph type="sldNum" sz="quarter" idx="12"/>
-          </p:nvPr>
-        </p:nvSpPr>
-        <p:spPr>
-          <a:prstGeom prst="rect">
-            <a:avLst/>
-          </a:prstGeom>
-        </p:spPr>
-        <p:txBody>
-          <a:bodyPr spcFirstLastPara="1" wrap="square" lIns="91425" tIns="91425" rIns="91425" bIns="91425" anchor="t" anchorCtr="0">
-            <a:noAutofit/>
-          </a:bodyPr>
-          <a:lstStyle/>
-          <a:p>
-            <a:pPr marL="0" lvl="0" indent="0" algn="l" rtl="0">
-              <a:spcBef>
-                <a:spcPts val="0"/>
-              </a:spcBef>
-              <a:spcAft>
-                <a:spcPts val="0"/>
-              </a:spcAft>
-              <a:buNone/>
-            </a:pPr>
-            <a:fld id="{00000000-1234-1234-1234-123412341234}" type="slidenum">
-              <a:rPr lang="en"/>
-              <a:t>2</a:t>
-            </a:fld>
-            <a:endParaRPr/>
-          </a:p>
-        </p:txBody>
-      </p:sp>
-      <p:sp>
-        <p:nvSpPr>
-          <p:cNvPr id="6" name="CaixaDeTexto 5">
+          <p:cNvPr id="12" name="CaixaDeTexto 11">
             <a:extLst>
               <a:ext uri="{FF2B5EF4-FFF2-40B4-BE49-F238E27FC236}">
-                <a16:creationId xmlns:a16="http://schemas.microsoft.com/office/drawing/2014/main" id="{6651CF45-E80F-4411-9B8E-B0A56F36D7B7}"/>
+                <a16:creationId xmlns:a16="http://schemas.microsoft.com/office/drawing/2014/main" id="{2CFE1A40-C45B-403D-8565-3D82BCD84EDC}"/>
               </a:ext>
             </a:extLst>
           </p:cNvPr>
@@ -11051,7 +11033,7 @@
         <p:spPr>
           <a:xfrm>
             <a:off x="3310851" y="3341722"/>
-            <a:ext cx="5456750" cy="1311128"/>
+            <a:ext cx="5649175" cy="1546577"/>
           </a:xfrm>
           <a:prstGeom prst="rect">
             <a:avLst/>
@@ -11080,11 +11062,46 @@
                     <a:lumOff val="15000"/>
                   </a:schemeClr>
                 </a:solidFill>
-                <a:latin typeface="Roboto" panose="02000000000000000000" pitchFamily="2" charset="0"/>
                 <a:ea typeface="Roboto" panose="02000000000000000000" pitchFamily="2" charset="0"/>
               </a:rPr>
-              <a:t>http://www.fabricioveronez.net</a:t>
-            </a:r>
+              <a:t>YouTube – </a:t>
+            </a:r>
+            <a:r>
+              <a:rPr lang="pt-BR" dirty="0">
+                <a:hlinkClick r:id="rId3"/>
+              </a:rPr>
+              <a:t>https://www.youtube.com/c/fabricioveronez</a:t>
+            </a:r>
+            <a:br>
+              <a:rPr lang="pt-BR" dirty="0"/>
+            </a:br>
+            <a:r>
+              <a:rPr lang="en-US" spc="-38" dirty="0">
+                <a:solidFill>
+                  <a:schemeClr val="tx1">
+                    <a:lumMod val="85000"/>
+                    <a:lumOff val="15000"/>
+                  </a:schemeClr>
+                </a:solidFill>
+                <a:ea typeface="Roboto" panose="02000000000000000000" pitchFamily="2" charset="0"/>
+              </a:rPr>
+              <a:t>Facebook - </a:t>
+            </a:r>
+            <a:r>
+              <a:rPr lang="pt-BR" dirty="0">
+                <a:hlinkClick r:id="rId4"/>
+              </a:rPr>
+              <a:t>http://www.facebook.com/fabricioveronezdev/</a:t>
+            </a:r>
+            <a:endParaRPr lang="en-US" spc="-38" dirty="0">
+              <a:solidFill>
+                <a:schemeClr val="tx1">
+                  <a:lumMod val="85000"/>
+                  <a:lumOff val="15000"/>
+                </a:schemeClr>
+              </a:solidFill>
+              <a:ea typeface="Roboto" panose="02000000000000000000" pitchFamily="2" charset="0"/>
+            </a:endParaRPr>
           </a:p>
           <a:p>
             <a:pPr>
@@ -11096,6 +11113,18 @@
               </a:spcBef>
             </a:pPr>
             <a:r>
+              <a:rPr lang="en-US" spc="-38" dirty="0" err="1">
+                <a:solidFill>
+                  <a:schemeClr val="tx1">
+                    <a:lumMod val="85000"/>
+                    <a:lumOff val="15000"/>
+                  </a:schemeClr>
+                </a:solidFill>
+                <a:ea typeface="Roboto" panose="02000000000000000000" pitchFamily="2" charset="0"/>
+              </a:rPr>
+              <a:t>Linkedin</a:t>
+            </a:r>
+            <a:r>
               <a:rPr lang="en-US" spc="-38" dirty="0">
                 <a:solidFill>
                   <a:schemeClr val="tx1">
@@ -11103,11 +11132,32 @@
                     <a:lumOff val="15000"/>
                   </a:schemeClr>
                 </a:solidFill>
-                <a:latin typeface="Roboto" panose="02000000000000000000" pitchFamily="2" charset="0"/>
                 <a:ea typeface="Roboto" panose="02000000000000000000" pitchFamily="2" charset="0"/>
               </a:rPr>
-              <a:t>Email - fabricioveronez@gmail.com</a:t>
-            </a:r>
+              <a:t> - </a:t>
+            </a:r>
+            <a:r>
+              <a:rPr lang="en-US" spc="-38" dirty="0">
+                <a:solidFill>
+                  <a:schemeClr val="tx1">
+                    <a:lumMod val="85000"/>
+                    <a:lumOff val="15000"/>
+                  </a:schemeClr>
+                </a:solidFill>
+                <a:ea typeface="Roboto" panose="02000000000000000000" pitchFamily="2" charset="0"/>
+                <a:hlinkClick r:id="rId5"/>
+              </a:rPr>
+              <a:t>http://www.linkedin.com/in/fabricioveronez</a:t>
+            </a:r>
+            <a:endParaRPr lang="en-US" spc="-38" dirty="0">
+              <a:solidFill>
+                <a:schemeClr val="tx1">
+                  <a:lumMod val="85000"/>
+                  <a:lumOff val="15000"/>
+                </a:schemeClr>
+              </a:solidFill>
+              <a:ea typeface="Roboto" panose="02000000000000000000" pitchFamily="2" charset="0"/>
+            </a:endParaRPr>
           </a:p>
           <a:p>
             <a:pPr>
@@ -11119,6 +11169,18 @@
               </a:spcBef>
             </a:pPr>
             <a:r>
+              <a:rPr lang="en-US" spc="-38" dirty="0">
+                <a:solidFill>
+                  <a:schemeClr val="tx1">
+                    <a:lumMod val="85000"/>
+                    <a:lumOff val="15000"/>
+                  </a:schemeClr>
+                </a:solidFill>
+                <a:ea typeface="Roboto" panose="02000000000000000000" pitchFamily="2" charset="0"/>
+              </a:rPr>
+              <a:t>Instagram - </a:t>
+            </a:r>
+            <a:r>
               <a:rPr lang="en-US" spc="-38" dirty="0" err="1">
                 <a:solidFill>
                   <a:schemeClr val="tx1">
@@ -11126,37 +11188,9 @@
                     <a:lumOff val="15000"/>
                   </a:schemeClr>
                 </a:solidFill>
-                <a:latin typeface="Roboto" panose="02000000000000000000" pitchFamily="2" charset="0"/>
                 <a:ea typeface="Roboto" panose="02000000000000000000" pitchFamily="2" charset="0"/>
               </a:rPr>
-              <a:t>Linkedin</a:t>
-            </a:r>
-            <a:r>
-              <a:rPr lang="en-US" spc="-38" dirty="0">
-                <a:solidFill>
-                  <a:schemeClr val="tx1">
-                    <a:lumMod val="85000"/>
-                    <a:lumOff val="15000"/>
-                  </a:schemeClr>
-                </a:solidFill>
-                <a:latin typeface="Roboto" panose="02000000000000000000" pitchFamily="2" charset="0"/>
-                <a:ea typeface="Roboto" panose="02000000000000000000" pitchFamily="2" charset="0"/>
-              </a:rPr>
-              <a:t> - </a:t>
-            </a:r>
-            <a:r>
-              <a:rPr lang="en-US" spc="-38" dirty="0">
-                <a:solidFill>
-                  <a:schemeClr val="tx1">
-                    <a:lumMod val="85000"/>
-                    <a:lumOff val="15000"/>
-                  </a:schemeClr>
-                </a:solidFill>
-                <a:latin typeface="Roboto" panose="02000000000000000000" pitchFamily="2" charset="0"/>
-                <a:ea typeface="Roboto" panose="02000000000000000000" pitchFamily="2" charset="0"/>
-                <a:hlinkClick r:id="rId3"/>
-              </a:rPr>
-              <a:t>http://www.linkedin.com/in/fabricioveronez</a:t>
+              <a:t>fabricioveronez</a:t>
             </a:r>
             <a:endParaRPr lang="en-US" spc="-38" dirty="0">
               <a:solidFill>
@@ -11165,7 +11199,6 @@
                   <a:lumOff val="15000"/>
                 </a:schemeClr>
               </a:solidFill>
-              <a:latin typeface="Roboto" panose="02000000000000000000" pitchFamily="2" charset="0"/>
               <a:ea typeface="Roboto" panose="02000000000000000000" pitchFamily="2" charset="0"/>
             </a:endParaRPr>
           </a:p>
@@ -11186,7 +11219,6 @@
                     <a:lumOff val="15000"/>
                   </a:schemeClr>
                 </a:solidFill>
-                <a:latin typeface="Roboto" panose="02000000000000000000" pitchFamily="2" charset="0"/>
                 <a:ea typeface="Roboto" panose="02000000000000000000" pitchFamily="2" charset="0"/>
               </a:rPr>
               <a:t>Telegram - </a:t>
@@ -11199,7 +11231,6 @@
                     <a:lumOff val="15000"/>
                   </a:schemeClr>
                 </a:solidFill>
-                <a:latin typeface="Roboto" panose="02000000000000000000" pitchFamily="2" charset="0"/>
                 <a:ea typeface="Roboto" panose="02000000000000000000" pitchFamily="2" charset="0"/>
               </a:rPr>
               <a:t>fabricioveronez</a:t>
@@ -11211,7 +11242,6 @@
                   <a:lumOff val="15000"/>
                 </a:schemeClr>
               </a:solidFill>
-              <a:latin typeface="Roboto" panose="02000000000000000000" pitchFamily="2" charset="0"/>
               <a:ea typeface="Roboto" panose="02000000000000000000" pitchFamily="2" charset="0"/>
             </a:endParaRPr>
           </a:p>
@@ -11222,10 +11252,10 @@
       </p:sp>
       <p:pic>
         <p:nvPicPr>
-          <p:cNvPr id="4" name="Imagem 3">
+          <p:cNvPr id="13" name="Imagem 12">
             <a:extLst>
               <a:ext uri="{FF2B5EF4-FFF2-40B4-BE49-F238E27FC236}">
-                <a16:creationId xmlns:a16="http://schemas.microsoft.com/office/drawing/2014/main" id="{B20AECA3-2100-42EB-81B1-82B1E0077B4B}"/>
+                <a16:creationId xmlns:a16="http://schemas.microsoft.com/office/drawing/2014/main" id="{2F9450F7-57C3-4B2A-84A1-BEC5AB05EFB2}"/>
               </a:ext>
             </a:extLst>
           </p:cNvPr>
@@ -11235,7 +11265,7 @@
           <p:nvPr/>
         </p:nvPicPr>
         <p:blipFill>
-          <a:blip r:embed="rId4"/>
+          <a:blip r:embed="rId6"/>
           <a:stretch>
             <a:fillRect/>
           </a:stretch>
@@ -11252,10 +11282,10 @@
       </p:pic>
       <p:pic>
         <p:nvPicPr>
-          <p:cNvPr id="5" name="Imagem 4">
+          <p:cNvPr id="14" name="Imagem 13">
             <a:extLst>
               <a:ext uri="{FF2B5EF4-FFF2-40B4-BE49-F238E27FC236}">
-                <a16:creationId xmlns:a16="http://schemas.microsoft.com/office/drawing/2014/main" id="{FB889150-6332-480D-A4D8-0B00BF819069}"/>
+                <a16:creationId xmlns:a16="http://schemas.microsoft.com/office/drawing/2014/main" id="{2814084F-88C0-4E7A-B6DE-A817038DB86C}"/>
               </a:ext>
             </a:extLst>
           </p:cNvPr>
@@ -11265,15 +11295,105 @@
           <p:nvPr/>
         </p:nvPicPr>
         <p:blipFill>
-          <a:blip r:embed="rId5"/>
+          <a:blip r:embed="rId7"/>
           <a:stretch>
             <a:fillRect/>
           </a:stretch>
         </p:blipFill>
         <p:spPr>
           <a:xfrm>
-            <a:off x="3385580" y="1191862"/>
+            <a:off x="3385580" y="683862"/>
             <a:ext cx="3482360" cy="1957871"/>
+          </a:xfrm>
+          <a:prstGeom prst="rect">
+            <a:avLst/>
+          </a:prstGeom>
+        </p:spPr>
+      </p:pic>
+      <p:pic>
+        <p:nvPicPr>
+          <p:cNvPr id="8" name="Imagem 7">
+            <a:extLst>
+              <a:ext uri="{FF2B5EF4-FFF2-40B4-BE49-F238E27FC236}">
+                <a16:creationId xmlns:a16="http://schemas.microsoft.com/office/drawing/2014/main" id="{90008BBE-F72F-4FB7-9D54-B7768EDB93E0}"/>
+              </a:ext>
+            </a:extLst>
+          </p:cNvPr>
+          <p:cNvPicPr>
+            <a:picLocks noChangeAspect="1"/>
+          </p:cNvPicPr>
+          <p:nvPr/>
+        </p:nvPicPr>
+        <p:blipFill>
+          <a:blip r:embed="rId8"/>
+          <a:stretch>
+            <a:fillRect/>
+          </a:stretch>
+        </p:blipFill>
+        <p:spPr>
+          <a:xfrm>
+            <a:off x="3385580" y="2027701"/>
+            <a:ext cx="2533358" cy="631163"/>
+          </a:xfrm>
+          <a:prstGeom prst="rect">
+            <a:avLst/>
+          </a:prstGeom>
+        </p:spPr>
+      </p:pic>
+      <p:pic>
+        <p:nvPicPr>
+          <p:cNvPr id="11" name="Imagem 10">
+            <a:extLst>
+              <a:ext uri="{FF2B5EF4-FFF2-40B4-BE49-F238E27FC236}">
+                <a16:creationId xmlns:a16="http://schemas.microsoft.com/office/drawing/2014/main" id="{5A6EFF9A-658F-4A70-9383-7EF936F56B66}"/>
+              </a:ext>
+            </a:extLst>
+          </p:cNvPr>
+          <p:cNvPicPr>
+            <a:picLocks noChangeAspect="1"/>
+          </p:cNvPicPr>
+          <p:nvPr/>
+        </p:nvPicPr>
+        <p:blipFill>
+          <a:blip r:embed="rId9"/>
+          <a:stretch>
+            <a:fillRect/>
+          </a:stretch>
+        </p:blipFill>
+        <p:spPr>
+          <a:xfrm>
+            <a:off x="-24686" y="2892401"/>
+            <a:ext cx="3010122" cy="1599734"/>
+          </a:xfrm>
+          <a:prstGeom prst="rect">
+            <a:avLst/>
+          </a:prstGeom>
+        </p:spPr>
+      </p:pic>
+      <p:pic>
+        <p:nvPicPr>
+          <p:cNvPr id="3" name="Imagem 2">
+            <a:extLst>
+              <a:ext uri="{FF2B5EF4-FFF2-40B4-BE49-F238E27FC236}">
+                <a16:creationId xmlns:a16="http://schemas.microsoft.com/office/drawing/2014/main" id="{F46A1ECC-C062-4775-B631-EBD3720EE866}"/>
+              </a:ext>
+            </a:extLst>
+          </p:cNvPr>
+          <p:cNvPicPr>
+            <a:picLocks noChangeAspect="1"/>
+          </p:cNvPicPr>
+          <p:nvPr/>
+        </p:nvPicPr>
+        <p:blipFill>
+          <a:blip r:embed="rId10"/>
+          <a:stretch>
+            <a:fillRect/>
+          </a:stretch>
+        </p:blipFill>
+        <p:spPr>
+          <a:xfrm>
+            <a:off x="3385580" y="2641733"/>
+            <a:ext cx="2444750" cy="790724"/>
           </a:xfrm>
           <a:prstGeom prst="rect">
             <a:avLst/>
@@ -12838,550 +12958,14 @@
         </p:blipFill>
         <p:spPr>
           <a:xfrm>
-            <a:off x="1021975" y="1506070"/>
-            <a:ext cx="3437118" cy="1778709"/>
+            <a:off x="898207" y="461042"/>
+            <a:ext cx="7347585" cy="3802376"/>
           </a:xfrm>
           <a:prstGeom prst="rect">
             <a:avLst/>
           </a:prstGeom>
         </p:spPr>
       </p:pic>
-      <p:sp>
-        <p:nvSpPr>
-          <p:cNvPr id="5" name="Google Shape;373;p16">
-            <a:extLst>
-              <a:ext uri="{FF2B5EF4-FFF2-40B4-BE49-F238E27FC236}">
-                <a16:creationId xmlns:a16="http://schemas.microsoft.com/office/drawing/2014/main" id="{DFA99227-3BF6-443B-ACDE-1D41B8EC49CB}"/>
-              </a:ext>
-            </a:extLst>
-          </p:cNvPr>
-          <p:cNvSpPr txBox="1">
-            <a:spLocks/>
-          </p:cNvSpPr>
-          <p:nvPr/>
-        </p:nvSpPr>
-        <p:spPr>
-          <a:xfrm>
-            <a:off x="4849150" y="1328290"/>
-            <a:ext cx="3395690" cy="2486919"/>
-          </a:xfrm>
-          <a:prstGeom prst="rect">
-            <a:avLst/>
-          </a:prstGeom>
-        </p:spPr>
-        <p:txBody>
-          <a:bodyPr spcFirstLastPara="1" wrap="square" lIns="91425" tIns="91425" rIns="91425" bIns="91425" anchor="t" anchorCtr="0">
-            <a:noAutofit/>
-          </a:bodyPr>
-          <a:lstStyle>
-            <a:lvl1pPr marL="68580" indent="-68580" algn="l" defTabSz="685800" rtl="0" eaLnBrk="1" latinLnBrk="0" hangingPunct="1">
-              <a:lnSpc>
-                <a:spcPct val="90000"/>
-              </a:lnSpc>
-              <a:spcBef>
-                <a:spcPts val="900"/>
-              </a:spcBef>
-              <a:spcAft>
-                <a:spcPts val="150"/>
-              </a:spcAft>
-              <a:buClr>
-                <a:schemeClr val="accent1"/>
-              </a:buClr>
-              <a:buSzPct val="100000"/>
-              <a:buFont typeface="Calibri" panose="020F0502020204030204" pitchFamily="34" charset="0"/>
-              <a:buChar char=" "/>
-              <a:defRPr sz="1500" kern="1200">
-                <a:solidFill>
-                  <a:schemeClr val="tx1">
-                    <a:lumMod val="75000"/>
-                    <a:lumOff val="25000"/>
-                  </a:schemeClr>
-                </a:solidFill>
-                <a:latin typeface="+mn-lt"/>
-                <a:ea typeface="+mn-ea"/>
-                <a:cs typeface="+mn-cs"/>
-              </a:defRPr>
-            </a:lvl1pPr>
-            <a:lvl2pPr marL="288036" indent="-137160" algn="l" defTabSz="685800" rtl="0" eaLnBrk="1" latinLnBrk="0" hangingPunct="1">
-              <a:lnSpc>
-                <a:spcPct val="90000"/>
-              </a:lnSpc>
-              <a:spcBef>
-                <a:spcPts val="150"/>
-              </a:spcBef>
-              <a:spcAft>
-                <a:spcPts val="300"/>
-              </a:spcAft>
-              <a:buClr>
-                <a:schemeClr val="accent1"/>
-              </a:buClr>
-              <a:buFont typeface="Calibri" pitchFamily="34" charset="0"/>
-              <a:buChar char="◦"/>
-              <a:defRPr sz="1350" kern="1200">
-                <a:solidFill>
-                  <a:schemeClr val="tx1">
-                    <a:lumMod val="75000"/>
-                    <a:lumOff val="25000"/>
-                  </a:schemeClr>
-                </a:solidFill>
-                <a:latin typeface="+mn-lt"/>
-                <a:ea typeface="+mn-ea"/>
-                <a:cs typeface="+mn-cs"/>
-              </a:defRPr>
-            </a:lvl2pPr>
-            <a:lvl3pPr marL="425196" indent="-137160" algn="l" defTabSz="685800" rtl="0" eaLnBrk="1" latinLnBrk="0" hangingPunct="1">
-              <a:lnSpc>
-                <a:spcPct val="90000"/>
-              </a:lnSpc>
-              <a:spcBef>
-                <a:spcPts val="150"/>
-              </a:spcBef>
-              <a:spcAft>
-                <a:spcPts val="300"/>
-              </a:spcAft>
-              <a:buClr>
-                <a:schemeClr val="accent1"/>
-              </a:buClr>
-              <a:buFont typeface="Calibri" pitchFamily="34" charset="0"/>
-              <a:buChar char="◦"/>
-              <a:defRPr sz="1050" kern="1200">
-                <a:solidFill>
-                  <a:schemeClr val="tx1">
-                    <a:lumMod val="75000"/>
-                    <a:lumOff val="25000"/>
-                  </a:schemeClr>
-                </a:solidFill>
-                <a:latin typeface="+mn-lt"/>
-                <a:ea typeface="+mn-ea"/>
-                <a:cs typeface="+mn-cs"/>
-              </a:defRPr>
-            </a:lvl3pPr>
-            <a:lvl4pPr marL="562356" indent="-137160" algn="l" defTabSz="685800" rtl="0" eaLnBrk="1" latinLnBrk="0" hangingPunct="1">
-              <a:lnSpc>
-                <a:spcPct val="90000"/>
-              </a:lnSpc>
-              <a:spcBef>
-                <a:spcPts val="150"/>
-              </a:spcBef>
-              <a:spcAft>
-                <a:spcPts val="300"/>
-              </a:spcAft>
-              <a:buClr>
-                <a:schemeClr val="accent1"/>
-              </a:buClr>
-              <a:buFont typeface="Calibri" pitchFamily="34" charset="0"/>
-              <a:buChar char="◦"/>
-              <a:defRPr sz="1050" kern="1200">
-                <a:solidFill>
-                  <a:schemeClr val="tx1">
-                    <a:lumMod val="75000"/>
-                    <a:lumOff val="25000"/>
-                  </a:schemeClr>
-                </a:solidFill>
-                <a:latin typeface="+mn-lt"/>
-                <a:ea typeface="+mn-ea"/>
-                <a:cs typeface="+mn-cs"/>
-              </a:defRPr>
-            </a:lvl4pPr>
-            <a:lvl5pPr marL="699516" indent="-137160" algn="l" defTabSz="685800" rtl="0" eaLnBrk="1" latinLnBrk="0" hangingPunct="1">
-              <a:lnSpc>
-                <a:spcPct val="90000"/>
-              </a:lnSpc>
-              <a:spcBef>
-                <a:spcPts val="150"/>
-              </a:spcBef>
-              <a:spcAft>
-                <a:spcPts val="300"/>
-              </a:spcAft>
-              <a:buClr>
-                <a:schemeClr val="accent1"/>
-              </a:buClr>
-              <a:buFont typeface="Calibri" pitchFamily="34" charset="0"/>
-              <a:buChar char="◦"/>
-              <a:defRPr sz="1050" kern="1200">
-                <a:solidFill>
-                  <a:schemeClr val="tx1">
-                    <a:lumMod val="75000"/>
-                    <a:lumOff val="25000"/>
-                  </a:schemeClr>
-                </a:solidFill>
-                <a:latin typeface="+mn-lt"/>
-                <a:ea typeface="+mn-ea"/>
-                <a:cs typeface="+mn-cs"/>
-              </a:defRPr>
-            </a:lvl5pPr>
-            <a:lvl6pPr marL="825000" indent="-171450" algn="l" defTabSz="685800" rtl="0" eaLnBrk="1" latinLnBrk="0" hangingPunct="1">
-              <a:lnSpc>
-                <a:spcPct val="90000"/>
-              </a:lnSpc>
-              <a:spcBef>
-                <a:spcPts val="150"/>
-              </a:spcBef>
-              <a:spcAft>
-                <a:spcPts val="300"/>
-              </a:spcAft>
-              <a:buClr>
-                <a:schemeClr val="accent1"/>
-              </a:buClr>
-              <a:buFont typeface="Calibri" pitchFamily="34" charset="0"/>
-              <a:buChar char="◦"/>
-              <a:defRPr sz="1050" kern="1200">
-                <a:solidFill>
-                  <a:schemeClr val="tx1">
-                    <a:lumMod val="75000"/>
-                    <a:lumOff val="25000"/>
-                  </a:schemeClr>
-                </a:solidFill>
-                <a:latin typeface="+mn-lt"/>
-                <a:ea typeface="+mn-ea"/>
-                <a:cs typeface="+mn-cs"/>
-              </a:defRPr>
-            </a:lvl6pPr>
-            <a:lvl7pPr marL="975000" indent="-171450" algn="l" defTabSz="685800" rtl="0" eaLnBrk="1" latinLnBrk="0" hangingPunct="1">
-              <a:lnSpc>
-                <a:spcPct val="90000"/>
-              </a:lnSpc>
-              <a:spcBef>
-                <a:spcPts val="150"/>
-              </a:spcBef>
-              <a:spcAft>
-                <a:spcPts val="300"/>
-              </a:spcAft>
-              <a:buClr>
-                <a:schemeClr val="accent1"/>
-              </a:buClr>
-              <a:buFont typeface="Calibri" pitchFamily="34" charset="0"/>
-              <a:buChar char="◦"/>
-              <a:defRPr sz="1050" kern="1200">
-                <a:solidFill>
-                  <a:schemeClr val="tx1">
-                    <a:lumMod val="75000"/>
-                    <a:lumOff val="25000"/>
-                  </a:schemeClr>
-                </a:solidFill>
-                <a:latin typeface="+mn-lt"/>
-                <a:ea typeface="+mn-ea"/>
-                <a:cs typeface="+mn-cs"/>
-              </a:defRPr>
-            </a:lvl7pPr>
-            <a:lvl8pPr marL="1125000" indent="-171450" algn="l" defTabSz="685800" rtl="0" eaLnBrk="1" latinLnBrk="0" hangingPunct="1">
-              <a:lnSpc>
-                <a:spcPct val="90000"/>
-              </a:lnSpc>
-              <a:spcBef>
-                <a:spcPts val="150"/>
-              </a:spcBef>
-              <a:spcAft>
-                <a:spcPts val="300"/>
-              </a:spcAft>
-              <a:buClr>
-                <a:schemeClr val="accent1"/>
-              </a:buClr>
-              <a:buFont typeface="Calibri" pitchFamily="34" charset="0"/>
-              <a:buChar char="◦"/>
-              <a:defRPr sz="1050" kern="1200">
-                <a:solidFill>
-                  <a:schemeClr val="tx1">
-                    <a:lumMod val="75000"/>
-                    <a:lumOff val="25000"/>
-                  </a:schemeClr>
-                </a:solidFill>
-                <a:latin typeface="+mn-lt"/>
-                <a:ea typeface="+mn-ea"/>
-                <a:cs typeface="+mn-cs"/>
-              </a:defRPr>
-            </a:lvl8pPr>
-            <a:lvl9pPr marL="1275000" indent="-171450" algn="l" defTabSz="685800" rtl="0" eaLnBrk="1" latinLnBrk="0" hangingPunct="1">
-              <a:lnSpc>
-                <a:spcPct val="90000"/>
-              </a:lnSpc>
-              <a:spcBef>
-                <a:spcPts val="150"/>
-              </a:spcBef>
-              <a:spcAft>
-                <a:spcPts val="300"/>
-              </a:spcAft>
-              <a:buClr>
-                <a:schemeClr val="accent1"/>
-              </a:buClr>
-              <a:buFont typeface="Calibri" pitchFamily="34" charset="0"/>
-              <a:buChar char="◦"/>
-              <a:defRPr sz="1050" kern="1200">
-                <a:solidFill>
-                  <a:schemeClr val="tx1">
-                    <a:lumMod val="75000"/>
-                    <a:lumOff val="25000"/>
-                  </a:schemeClr>
-                </a:solidFill>
-                <a:latin typeface="+mn-lt"/>
-                <a:ea typeface="+mn-ea"/>
-                <a:cs typeface="+mn-cs"/>
-              </a:defRPr>
-            </a:lvl9pPr>
-          </a:lstStyle>
-          <a:p>
-            <a:pPr marL="482600" indent="-342900">
-              <a:spcBef>
-                <a:spcPts val="600"/>
-              </a:spcBef>
-              <a:spcAft>
-                <a:spcPts val="0"/>
-              </a:spcAft>
-              <a:buSzPts val="1400"/>
-              <a:buFont typeface="+mj-lt"/>
-              <a:buAutoNum type="arabicPeriod"/>
-            </a:pPr>
-            <a:r>
-              <a:rPr lang="en-US" dirty="0" err="1">
-                <a:solidFill>
-                  <a:schemeClr val="tx1"/>
-                </a:solidFill>
-                <a:latin typeface="Roboto" panose="02000000000000000000" pitchFamily="2" charset="0"/>
-                <a:ea typeface="Roboto" panose="02000000000000000000" pitchFamily="2" charset="0"/>
-              </a:rPr>
-              <a:t>Orquestrador</a:t>
-            </a:r>
-            <a:r>
-              <a:rPr lang="en-US" dirty="0">
-                <a:solidFill>
-                  <a:schemeClr val="tx1"/>
-                </a:solidFill>
-                <a:latin typeface="Roboto" panose="02000000000000000000" pitchFamily="2" charset="0"/>
-                <a:ea typeface="Roboto" panose="02000000000000000000" pitchFamily="2" charset="0"/>
-              </a:rPr>
-              <a:t> de Containers</a:t>
-            </a:r>
-          </a:p>
-          <a:p>
-            <a:pPr marL="482600" indent="-342900">
-              <a:spcBef>
-                <a:spcPts val="600"/>
-              </a:spcBef>
-              <a:spcAft>
-                <a:spcPts val="0"/>
-              </a:spcAft>
-              <a:buSzPts val="1400"/>
-              <a:buFont typeface="+mj-lt"/>
-              <a:buAutoNum type="arabicPeriod"/>
-            </a:pPr>
-            <a:r>
-              <a:rPr lang="en-US" dirty="0" err="1">
-                <a:solidFill>
-                  <a:schemeClr val="tx1"/>
-                </a:solidFill>
-                <a:latin typeface="Roboto" panose="02000000000000000000" pitchFamily="2" charset="0"/>
-                <a:ea typeface="Roboto" panose="02000000000000000000" pitchFamily="2" charset="0"/>
-              </a:rPr>
-              <a:t>Extensivel</a:t>
-            </a:r>
-            <a:r>
-              <a:rPr lang="en-US" dirty="0">
-                <a:solidFill>
-                  <a:schemeClr val="tx1"/>
-                </a:solidFill>
-                <a:latin typeface="Roboto" panose="02000000000000000000" pitchFamily="2" charset="0"/>
-                <a:ea typeface="Roboto" panose="02000000000000000000" pitchFamily="2" charset="0"/>
-              </a:rPr>
-              <a:t> </a:t>
-            </a:r>
-          </a:p>
-          <a:p>
-            <a:pPr marL="482600" indent="-342900">
-              <a:spcBef>
-                <a:spcPts val="600"/>
-              </a:spcBef>
-              <a:spcAft>
-                <a:spcPts val="0"/>
-              </a:spcAft>
-              <a:buSzPts val="1400"/>
-              <a:buFont typeface="+mj-lt"/>
-              <a:buAutoNum type="arabicPeriod"/>
-            </a:pPr>
-            <a:r>
-              <a:rPr lang="en-US" dirty="0" err="1">
-                <a:solidFill>
-                  <a:schemeClr val="tx1"/>
-                </a:solidFill>
-                <a:latin typeface="Roboto" panose="02000000000000000000" pitchFamily="2" charset="0"/>
-                <a:ea typeface="Roboto" panose="02000000000000000000" pitchFamily="2" charset="0"/>
-              </a:rPr>
-              <a:t>Escalável</a:t>
-            </a:r>
-            <a:endParaRPr lang="en-US" dirty="0">
-              <a:solidFill>
-                <a:schemeClr val="tx1"/>
-              </a:solidFill>
-              <a:latin typeface="Roboto" panose="02000000000000000000" pitchFamily="2" charset="0"/>
-              <a:ea typeface="Roboto" panose="02000000000000000000" pitchFamily="2" charset="0"/>
-            </a:endParaRPr>
-          </a:p>
-          <a:p>
-            <a:pPr marL="482600" indent="-342900">
-              <a:spcBef>
-                <a:spcPts val="600"/>
-              </a:spcBef>
-              <a:spcAft>
-                <a:spcPts val="0"/>
-              </a:spcAft>
-              <a:buSzPts val="1400"/>
-              <a:buFont typeface="+mj-lt"/>
-              <a:buAutoNum type="arabicPeriod"/>
-            </a:pPr>
-            <a:r>
-              <a:rPr lang="en-US" dirty="0" err="1">
-                <a:solidFill>
-                  <a:schemeClr val="tx1"/>
-                </a:solidFill>
-                <a:latin typeface="Roboto" panose="02000000000000000000" pitchFamily="2" charset="0"/>
-                <a:ea typeface="Roboto" panose="02000000000000000000" pitchFamily="2" charset="0"/>
-              </a:rPr>
-              <a:t>Agnóstico</a:t>
-            </a:r>
-            <a:endParaRPr lang="en-US" dirty="0">
-              <a:solidFill>
-                <a:schemeClr val="tx1"/>
-              </a:solidFill>
-              <a:latin typeface="Roboto" panose="02000000000000000000" pitchFamily="2" charset="0"/>
-              <a:ea typeface="Roboto" panose="02000000000000000000" pitchFamily="2" charset="0"/>
-            </a:endParaRPr>
-          </a:p>
-          <a:p>
-            <a:pPr marL="482600" indent="-342900">
-              <a:spcBef>
-                <a:spcPts val="600"/>
-              </a:spcBef>
-              <a:spcAft>
-                <a:spcPts val="0"/>
-              </a:spcAft>
-              <a:buSzPts val="1400"/>
-              <a:buFont typeface="+mj-lt"/>
-              <a:buAutoNum type="arabicPeriod"/>
-            </a:pPr>
-            <a:r>
-              <a:rPr lang="en-US" dirty="0">
-                <a:solidFill>
-                  <a:schemeClr val="tx1"/>
-                </a:solidFill>
-                <a:latin typeface="Roboto" panose="02000000000000000000" pitchFamily="2" charset="0"/>
-                <a:ea typeface="Roboto" panose="02000000000000000000" pitchFamily="2" charset="0"/>
-              </a:rPr>
-              <a:t>Open Source</a:t>
-            </a:r>
-          </a:p>
-          <a:p>
-            <a:pPr marL="482600" indent="-342900">
-              <a:spcBef>
-                <a:spcPts val="600"/>
-              </a:spcBef>
-              <a:spcAft>
-                <a:spcPts val="0"/>
-              </a:spcAft>
-              <a:buSzPts val="1400"/>
-              <a:buFont typeface="+mj-lt"/>
-              <a:buAutoNum type="arabicPeriod"/>
-            </a:pPr>
-            <a:endParaRPr lang="en-US" dirty="0"/>
-          </a:p>
-          <a:p>
-            <a:pPr marL="482600" indent="-342900">
-              <a:spcBef>
-                <a:spcPts val="600"/>
-              </a:spcBef>
-              <a:spcAft>
-                <a:spcPts val="0"/>
-              </a:spcAft>
-              <a:buSzPts val="1400"/>
-              <a:buFont typeface="+mj-lt"/>
-              <a:buAutoNum type="arabicPeriod"/>
-            </a:pPr>
-            <a:endParaRPr lang="en-US" dirty="0"/>
-          </a:p>
-          <a:p>
-            <a:pPr marL="482600" indent="-342900">
-              <a:spcBef>
-                <a:spcPts val="600"/>
-              </a:spcBef>
-              <a:spcAft>
-                <a:spcPts val="0"/>
-              </a:spcAft>
-              <a:buSzPts val="1400"/>
-              <a:buFont typeface="+mj-lt"/>
-              <a:buAutoNum type="arabicPeriod"/>
-            </a:pPr>
-            <a:endParaRPr lang="en-US" dirty="0"/>
-          </a:p>
-          <a:p>
-            <a:pPr marL="482600" indent="-342900">
-              <a:spcBef>
-                <a:spcPts val="600"/>
-              </a:spcBef>
-              <a:spcAft>
-                <a:spcPts val="0"/>
-              </a:spcAft>
-              <a:buSzPts val="1400"/>
-              <a:buFont typeface="+mj-lt"/>
-              <a:buAutoNum type="arabicPeriod"/>
-            </a:pPr>
-            <a:endParaRPr lang="en-US" dirty="0"/>
-          </a:p>
-          <a:p>
-            <a:pPr marL="482600" indent="-342900">
-              <a:spcBef>
-                <a:spcPts val="600"/>
-              </a:spcBef>
-              <a:spcAft>
-                <a:spcPts val="0"/>
-              </a:spcAft>
-              <a:buSzPts val="1400"/>
-              <a:buFont typeface="+mj-lt"/>
-              <a:buAutoNum type="arabicPeriod"/>
-            </a:pPr>
-            <a:endParaRPr lang="en-US" dirty="0"/>
-          </a:p>
-          <a:p>
-            <a:pPr marL="482600" indent="-342900">
-              <a:spcBef>
-                <a:spcPts val="600"/>
-              </a:spcBef>
-              <a:spcAft>
-                <a:spcPts val="0"/>
-              </a:spcAft>
-              <a:buSzPts val="1400"/>
-              <a:buFont typeface="+mj-lt"/>
-              <a:buAutoNum type="arabicPeriod"/>
-            </a:pPr>
-            <a:endParaRPr lang="en-US" dirty="0"/>
-          </a:p>
-          <a:p>
-            <a:pPr marL="482600" indent="-342900">
-              <a:spcBef>
-                <a:spcPts val="600"/>
-              </a:spcBef>
-              <a:spcAft>
-                <a:spcPts val="0"/>
-              </a:spcAft>
-              <a:buSzPts val="1400"/>
-              <a:buFont typeface="+mj-lt"/>
-              <a:buAutoNum type="arabicPeriod"/>
-            </a:pPr>
-            <a:endParaRPr lang="en-US" dirty="0"/>
-          </a:p>
-          <a:p>
-            <a:pPr marL="482600" indent="-342900">
-              <a:spcBef>
-                <a:spcPts val="600"/>
-              </a:spcBef>
-              <a:spcAft>
-                <a:spcPts val="0"/>
-              </a:spcAft>
-              <a:buSzPts val="1400"/>
-              <a:buFont typeface="+mj-lt"/>
-              <a:buAutoNum type="arabicPeriod"/>
-            </a:pPr>
-            <a:endParaRPr lang="en-US" dirty="0"/>
-          </a:p>
-        </p:txBody>
-      </p:sp>
     </p:spTree>
     <p:extLst>
       <p:ext uri="{BB962C8B-B14F-4D97-AF65-F5344CB8AC3E}">
@@ -13392,614 +12976,6 @@
   <p:clrMapOvr>
     <a:masterClrMapping/>
   </p:clrMapOvr>
-  <p:timing>
-    <p:tnLst>
-      <p:par>
-        <p:cTn id="1" dur="indefinite" restart="never" nodeType="tmRoot">
-          <p:childTnLst>
-            <p:seq concurrent="1" nextAc="seek">
-              <p:cTn id="2" dur="indefinite" nodeType="mainSeq">
-                <p:childTnLst>
-                  <p:par>
-                    <p:cTn id="3" fill="hold">
-                      <p:stCondLst>
-                        <p:cond delay="indefinite"/>
-                      </p:stCondLst>
-                      <p:childTnLst>
-                        <p:par>
-                          <p:cTn id="4" fill="hold">
-                            <p:stCondLst>
-                              <p:cond delay="0"/>
-                            </p:stCondLst>
-                            <p:childTnLst>
-                              <p:par>
-                                <p:cTn id="5" presetID="42" presetClass="entr" presetSubtype="0" fill="hold" grpId="0" nodeType="clickEffect">
-                                  <p:stCondLst>
-                                    <p:cond delay="0"/>
-                                  </p:stCondLst>
-                                  <p:childTnLst>
-                                    <p:set>
-                                      <p:cBhvr>
-                                        <p:cTn id="6" dur="1" fill="hold">
-                                          <p:stCondLst>
-                                            <p:cond delay="0"/>
-                                          </p:stCondLst>
-                                        </p:cTn>
-                                        <p:tgtEl>
-                                          <p:spTgt spid="5">
-                                            <p:txEl>
-                                              <p:pRg st="0" end="0"/>
-                                            </p:txEl>
-                                          </p:spTgt>
-                                        </p:tgtEl>
-                                        <p:attrNameLst>
-                                          <p:attrName>style.visibility</p:attrName>
-                                        </p:attrNameLst>
-                                      </p:cBhvr>
-                                      <p:to>
-                                        <p:strVal val="visible"/>
-                                      </p:to>
-                                    </p:set>
-                                    <p:animEffect transition="in" filter="fade">
-                                      <p:cBhvr>
-                                        <p:cTn id="7" dur="500"/>
-                                        <p:tgtEl>
-                                          <p:spTgt spid="5">
-                                            <p:txEl>
-                                              <p:pRg st="0" end="0"/>
-                                            </p:txEl>
-                                          </p:spTgt>
-                                        </p:tgtEl>
-                                      </p:cBhvr>
-                                    </p:animEffect>
-                                    <p:anim calcmode="lin" valueType="num">
-                                      <p:cBhvr>
-                                        <p:cTn id="8" dur="500" fill="hold"/>
-                                        <p:tgtEl>
-                                          <p:spTgt spid="5">
-                                            <p:txEl>
-                                              <p:pRg st="0" end="0"/>
-                                            </p:txEl>
-                                          </p:spTgt>
-                                        </p:tgtEl>
-                                        <p:attrNameLst>
-                                          <p:attrName>ppt_x</p:attrName>
-                                        </p:attrNameLst>
-                                      </p:cBhvr>
-                                      <p:tavLst>
-                                        <p:tav tm="0">
-                                          <p:val>
-                                            <p:strVal val="#ppt_x"/>
-                                          </p:val>
-                                        </p:tav>
-                                        <p:tav tm="100000">
-                                          <p:val>
-                                            <p:strVal val="#ppt_x"/>
-                                          </p:val>
-                                        </p:tav>
-                                      </p:tavLst>
-                                    </p:anim>
-                                    <p:anim calcmode="lin" valueType="num">
-                                      <p:cBhvr>
-                                        <p:cTn id="9" dur="500" fill="hold"/>
-                                        <p:tgtEl>
-                                          <p:spTgt spid="5">
-                                            <p:txEl>
-                                              <p:pRg st="0" end="0"/>
-                                            </p:txEl>
-                                          </p:spTgt>
-                                        </p:tgtEl>
-                                        <p:attrNameLst>
-                                          <p:attrName>ppt_y</p:attrName>
-                                        </p:attrNameLst>
-                                      </p:cBhvr>
-                                      <p:tavLst>
-                                        <p:tav tm="0">
-                                          <p:val>
-                                            <p:strVal val="#ppt_y+.1"/>
-                                          </p:val>
-                                        </p:tav>
-                                        <p:tav tm="100000">
-                                          <p:val>
-                                            <p:strVal val="#ppt_y"/>
-                                          </p:val>
-                                        </p:tav>
-                                      </p:tavLst>
-                                    </p:anim>
-                                  </p:childTnLst>
-                                </p:cTn>
-                              </p:par>
-                            </p:childTnLst>
-                          </p:cTn>
-                        </p:par>
-                      </p:childTnLst>
-                    </p:cTn>
-                  </p:par>
-                  <p:par>
-                    <p:cTn id="10" fill="hold">
-                      <p:stCondLst>
-                        <p:cond delay="indefinite"/>
-                      </p:stCondLst>
-                      <p:childTnLst>
-                        <p:par>
-                          <p:cTn id="11" fill="hold">
-                            <p:stCondLst>
-                              <p:cond delay="0"/>
-                            </p:stCondLst>
-                            <p:childTnLst>
-                              <p:par>
-                                <p:cTn id="12" presetID="42" presetClass="entr" presetSubtype="0" fill="hold" grpId="0" nodeType="clickEffect">
-                                  <p:stCondLst>
-                                    <p:cond delay="0"/>
-                                  </p:stCondLst>
-                                  <p:childTnLst>
-                                    <p:set>
-                                      <p:cBhvr>
-                                        <p:cTn id="13" dur="1" fill="hold">
-                                          <p:stCondLst>
-                                            <p:cond delay="0"/>
-                                          </p:stCondLst>
-                                        </p:cTn>
-                                        <p:tgtEl>
-                                          <p:spTgt spid="5">
-                                            <p:txEl>
-                                              <p:pRg st="1" end="1"/>
-                                            </p:txEl>
-                                          </p:spTgt>
-                                        </p:tgtEl>
-                                        <p:attrNameLst>
-                                          <p:attrName>style.visibility</p:attrName>
-                                        </p:attrNameLst>
-                                      </p:cBhvr>
-                                      <p:to>
-                                        <p:strVal val="visible"/>
-                                      </p:to>
-                                    </p:set>
-                                    <p:animEffect transition="in" filter="fade">
-                                      <p:cBhvr>
-                                        <p:cTn id="14" dur="500"/>
-                                        <p:tgtEl>
-                                          <p:spTgt spid="5">
-                                            <p:txEl>
-                                              <p:pRg st="1" end="1"/>
-                                            </p:txEl>
-                                          </p:spTgt>
-                                        </p:tgtEl>
-                                      </p:cBhvr>
-                                    </p:animEffect>
-                                    <p:anim calcmode="lin" valueType="num">
-                                      <p:cBhvr>
-                                        <p:cTn id="15" dur="500" fill="hold"/>
-                                        <p:tgtEl>
-                                          <p:spTgt spid="5">
-                                            <p:txEl>
-                                              <p:pRg st="1" end="1"/>
-                                            </p:txEl>
-                                          </p:spTgt>
-                                        </p:tgtEl>
-                                        <p:attrNameLst>
-                                          <p:attrName>ppt_x</p:attrName>
-                                        </p:attrNameLst>
-                                      </p:cBhvr>
-                                      <p:tavLst>
-                                        <p:tav tm="0">
-                                          <p:val>
-                                            <p:strVal val="#ppt_x"/>
-                                          </p:val>
-                                        </p:tav>
-                                        <p:tav tm="100000">
-                                          <p:val>
-                                            <p:strVal val="#ppt_x"/>
-                                          </p:val>
-                                        </p:tav>
-                                      </p:tavLst>
-                                    </p:anim>
-                                    <p:anim calcmode="lin" valueType="num">
-                                      <p:cBhvr>
-                                        <p:cTn id="16" dur="500" fill="hold"/>
-                                        <p:tgtEl>
-                                          <p:spTgt spid="5">
-                                            <p:txEl>
-                                              <p:pRg st="1" end="1"/>
-                                            </p:txEl>
-                                          </p:spTgt>
-                                        </p:tgtEl>
-                                        <p:attrNameLst>
-                                          <p:attrName>ppt_y</p:attrName>
-                                        </p:attrNameLst>
-                                      </p:cBhvr>
-                                      <p:tavLst>
-                                        <p:tav tm="0">
-                                          <p:val>
-                                            <p:strVal val="#ppt_y+.1"/>
-                                          </p:val>
-                                        </p:tav>
-                                        <p:tav tm="100000">
-                                          <p:val>
-                                            <p:strVal val="#ppt_y"/>
-                                          </p:val>
-                                        </p:tav>
-                                      </p:tavLst>
-                                    </p:anim>
-                                  </p:childTnLst>
-                                </p:cTn>
-                              </p:par>
-                            </p:childTnLst>
-                          </p:cTn>
-                        </p:par>
-                      </p:childTnLst>
-                    </p:cTn>
-                  </p:par>
-                  <p:par>
-                    <p:cTn id="17" fill="hold">
-                      <p:stCondLst>
-                        <p:cond delay="indefinite"/>
-                      </p:stCondLst>
-                      <p:childTnLst>
-                        <p:par>
-                          <p:cTn id="18" fill="hold">
-                            <p:stCondLst>
-                              <p:cond delay="0"/>
-                            </p:stCondLst>
-                            <p:childTnLst>
-                              <p:par>
-                                <p:cTn id="19" presetID="42" presetClass="entr" presetSubtype="0" fill="hold" grpId="0" nodeType="clickEffect">
-                                  <p:stCondLst>
-                                    <p:cond delay="0"/>
-                                  </p:stCondLst>
-                                  <p:childTnLst>
-                                    <p:set>
-                                      <p:cBhvr>
-                                        <p:cTn id="20" dur="1" fill="hold">
-                                          <p:stCondLst>
-                                            <p:cond delay="0"/>
-                                          </p:stCondLst>
-                                        </p:cTn>
-                                        <p:tgtEl>
-                                          <p:spTgt spid="5">
-                                            <p:txEl>
-                                              <p:pRg st="2" end="2"/>
-                                            </p:txEl>
-                                          </p:spTgt>
-                                        </p:tgtEl>
-                                        <p:attrNameLst>
-                                          <p:attrName>style.visibility</p:attrName>
-                                        </p:attrNameLst>
-                                      </p:cBhvr>
-                                      <p:to>
-                                        <p:strVal val="visible"/>
-                                      </p:to>
-                                    </p:set>
-                                    <p:animEffect transition="in" filter="fade">
-                                      <p:cBhvr>
-                                        <p:cTn id="21" dur="500"/>
-                                        <p:tgtEl>
-                                          <p:spTgt spid="5">
-                                            <p:txEl>
-                                              <p:pRg st="2" end="2"/>
-                                            </p:txEl>
-                                          </p:spTgt>
-                                        </p:tgtEl>
-                                      </p:cBhvr>
-                                    </p:animEffect>
-                                    <p:anim calcmode="lin" valueType="num">
-                                      <p:cBhvr>
-                                        <p:cTn id="22" dur="500" fill="hold"/>
-                                        <p:tgtEl>
-                                          <p:spTgt spid="5">
-                                            <p:txEl>
-                                              <p:pRg st="2" end="2"/>
-                                            </p:txEl>
-                                          </p:spTgt>
-                                        </p:tgtEl>
-                                        <p:attrNameLst>
-                                          <p:attrName>ppt_x</p:attrName>
-                                        </p:attrNameLst>
-                                      </p:cBhvr>
-                                      <p:tavLst>
-                                        <p:tav tm="0">
-                                          <p:val>
-                                            <p:strVal val="#ppt_x"/>
-                                          </p:val>
-                                        </p:tav>
-                                        <p:tav tm="100000">
-                                          <p:val>
-                                            <p:strVal val="#ppt_x"/>
-                                          </p:val>
-                                        </p:tav>
-                                      </p:tavLst>
-                                    </p:anim>
-                                    <p:anim calcmode="lin" valueType="num">
-                                      <p:cBhvr>
-                                        <p:cTn id="23" dur="500" fill="hold"/>
-                                        <p:tgtEl>
-                                          <p:spTgt spid="5">
-                                            <p:txEl>
-                                              <p:pRg st="2" end="2"/>
-                                            </p:txEl>
-                                          </p:spTgt>
-                                        </p:tgtEl>
-                                        <p:attrNameLst>
-                                          <p:attrName>ppt_y</p:attrName>
-                                        </p:attrNameLst>
-                                      </p:cBhvr>
-                                      <p:tavLst>
-                                        <p:tav tm="0">
-                                          <p:val>
-                                            <p:strVal val="#ppt_y+.1"/>
-                                          </p:val>
-                                        </p:tav>
-                                        <p:tav tm="100000">
-                                          <p:val>
-                                            <p:strVal val="#ppt_y"/>
-                                          </p:val>
-                                        </p:tav>
-                                      </p:tavLst>
-                                    </p:anim>
-                                  </p:childTnLst>
-                                </p:cTn>
-                              </p:par>
-                            </p:childTnLst>
-                          </p:cTn>
-                        </p:par>
-                      </p:childTnLst>
-                    </p:cTn>
-                  </p:par>
-                  <p:par>
-                    <p:cTn id="24" fill="hold">
-                      <p:stCondLst>
-                        <p:cond delay="indefinite"/>
-                      </p:stCondLst>
-                      <p:childTnLst>
-                        <p:par>
-                          <p:cTn id="25" fill="hold">
-                            <p:stCondLst>
-                              <p:cond delay="0"/>
-                            </p:stCondLst>
-                            <p:childTnLst>
-                              <p:par>
-                                <p:cTn id="26" presetID="42" presetClass="entr" presetSubtype="0" fill="hold" grpId="0" nodeType="clickEffect">
-                                  <p:stCondLst>
-                                    <p:cond delay="0"/>
-                                  </p:stCondLst>
-                                  <p:childTnLst>
-                                    <p:set>
-                                      <p:cBhvr>
-                                        <p:cTn id="27" dur="1" fill="hold">
-                                          <p:stCondLst>
-                                            <p:cond delay="0"/>
-                                          </p:stCondLst>
-                                        </p:cTn>
-                                        <p:tgtEl>
-                                          <p:spTgt spid="5">
-                                            <p:txEl>
-                                              <p:pRg st="3" end="3"/>
-                                            </p:txEl>
-                                          </p:spTgt>
-                                        </p:tgtEl>
-                                        <p:attrNameLst>
-                                          <p:attrName>style.visibility</p:attrName>
-                                        </p:attrNameLst>
-                                      </p:cBhvr>
-                                      <p:to>
-                                        <p:strVal val="visible"/>
-                                      </p:to>
-                                    </p:set>
-                                    <p:animEffect transition="in" filter="fade">
-                                      <p:cBhvr>
-                                        <p:cTn id="28" dur="500"/>
-                                        <p:tgtEl>
-                                          <p:spTgt spid="5">
-                                            <p:txEl>
-                                              <p:pRg st="3" end="3"/>
-                                            </p:txEl>
-                                          </p:spTgt>
-                                        </p:tgtEl>
-                                      </p:cBhvr>
-                                    </p:animEffect>
-                                    <p:anim calcmode="lin" valueType="num">
-                                      <p:cBhvr>
-                                        <p:cTn id="29" dur="500" fill="hold"/>
-                                        <p:tgtEl>
-                                          <p:spTgt spid="5">
-                                            <p:txEl>
-                                              <p:pRg st="3" end="3"/>
-                                            </p:txEl>
-                                          </p:spTgt>
-                                        </p:tgtEl>
-                                        <p:attrNameLst>
-                                          <p:attrName>ppt_x</p:attrName>
-                                        </p:attrNameLst>
-                                      </p:cBhvr>
-                                      <p:tavLst>
-                                        <p:tav tm="0">
-                                          <p:val>
-                                            <p:strVal val="#ppt_x"/>
-                                          </p:val>
-                                        </p:tav>
-                                        <p:tav tm="100000">
-                                          <p:val>
-                                            <p:strVal val="#ppt_x"/>
-                                          </p:val>
-                                        </p:tav>
-                                      </p:tavLst>
-                                    </p:anim>
-                                    <p:anim calcmode="lin" valueType="num">
-                                      <p:cBhvr>
-                                        <p:cTn id="30" dur="500" fill="hold"/>
-                                        <p:tgtEl>
-                                          <p:spTgt spid="5">
-                                            <p:txEl>
-                                              <p:pRg st="3" end="3"/>
-                                            </p:txEl>
-                                          </p:spTgt>
-                                        </p:tgtEl>
-                                        <p:attrNameLst>
-                                          <p:attrName>ppt_y</p:attrName>
-                                        </p:attrNameLst>
-                                      </p:cBhvr>
-                                      <p:tavLst>
-                                        <p:tav tm="0">
-                                          <p:val>
-                                            <p:strVal val="#ppt_y+.1"/>
-                                          </p:val>
-                                        </p:tav>
-                                        <p:tav tm="100000">
-                                          <p:val>
-                                            <p:strVal val="#ppt_y"/>
-                                          </p:val>
-                                        </p:tav>
-                                      </p:tavLst>
-                                    </p:anim>
-                                  </p:childTnLst>
-                                </p:cTn>
-                              </p:par>
-                            </p:childTnLst>
-                          </p:cTn>
-                        </p:par>
-                      </p:childTnLst>
-                    </p:cTn>
-                  </p:par>
-                  <p:par>
-                    <p:cTn id="31" fill="hold">
-                      <p:stCondLst>
-                        <p:cond delay="indefinite"/>
-                      </p:stCondLst>
-                      <p:childTnLst>
-                        <p:par>
-                          <p:cTn id="32" fill="hold">
-                            <p:stCondLst>
-                              <p:cond delay="0"/>
-                            </p:stCondLst>
-                            <p:childTnLst>
-                              <p:par>
-                                <p:cTn id="33" presetID="42" presetClass="entr" presetSubtype="0" fill="hold" grpId="0" nodeType="clickEffect">
-                                  <p:stCondLst>
-                                    <p:cond delay="0"/>
-                                  </p:stCondLst>
-                                  <p:childTnLst>
-                                    <p:set>
-                                      <p:cBhvr>
-                                        <p:cTn id="34" dur="1" fill="hold">
-                                          <p:stCondLst>
-                                            <p:cond delay="0"/>
-                                          </p:stCondLst>
-                                        </p:cTn>
-                                        <p:tgtEl>
-                                          <p:spTgt spid="5">
-                                            <p:txEl>
-                                              <p:pRg st="4" end="4"/>
-                                            </p:txEl>
-                                          </p:spTgt>
-                                        </p:tgtEl>
-                                        <p:attrNameLst>
-                                          <p:attrName>style.visibility</p:attrName>
-                                        </p:attrNameLst>
-                                      </p:cBhvr>
-                                      <p:to>
-                                        <p:strVal val="visible"/>
-                                      </p:to>
-                                    </p:set>
-                                    <p:animEffect transition="in" filter="fade">
-                                      <p:cBhvr>
-                                        <p:cTn id="35" dur="500"/>
-                                        <p:tgtEl>
-                                          <p:spTgt spid="5">
-                                            <p:txEl>
-                                              <p:pRg st="4" end="4"/>
-                                            </p:txEl>
-                                          </p:spTgt>
-                                        </p:tgtEl>
-                                      </p:cBhvr>
-                                    </p:animEffect>
-                                    <p:anim calcmode="lin" valueType="num">
-                                      <p:cBhvr>
-                                        <p:cTn id="36" dur="500" fill="hold"/>
-                                        <p:tgtEl>
-                                          <p:spTgt spid="5">
-                                            <p:txEl>
-                                              <p:pRg st="4" end="4"/>
-                                            </p:txEl>
-                                          </p:spTgt>
-                                        </p:tgtEl>
-                                        <p:attrNameLst>
-                                          <p:attrName>ppt_x</p:attrName>
-                                        </p:attrNameLst>
-                                      </p:cBhvr>
-                                      <p:tavLst>
-                                        <p:tav tm="0">
-                                          <p:val>
-                                            <p:strVal val="#ppt_x"/>
-                                          </p:val>
-                                        </p:tav>
-                                        <p:tav tm="100000">
-                                          <p:val>
-                                            <p:strVal val="#ppt_x"/>
-                                          </p:val>
-                                        </p:tav>
-                                      </p:tavLst>
-                                    </p:anim>
-                                    <p:anim calcmode="lin" valueType="num">
-                                      <p:cBhvr>
-                                        <p:cTn id="37" dur="500" fill="hold"/>
-                                        <p:tgtEl>
-                                          <p:spTgt spid="5">
-                                            <p:txEl>
-                                              <p:pRg st="4" end="4"/>
-                                            </p:txEl>
-                                          </p:spTgt>
-                                        </p:tgtEl>
-                                        <p:attrNameLst>
-                                          <p:attrName>ppt_y</p:attrName>
-                                        </p:attrNameLst>
-                                      </p:cBhvr>
-                                      <p:tavLst>
-                                        <p:tav tm="0">
-                                          <p:val>
-                                            <p:strVal val="#ppt_y+.1"/>
-                                          </p:val>
-                                        </p:tav>
-                                        <p:tav tm="100000">
-                                          <p:val>
-                                            <p:strVal val="#ppt_y"/>
-                                          </p:val>
-                                        </p:tav>
-                                      </p:tavLst>
-                                    </p:anim>
-                                  </p:childTnLst>
-                                </p:cTn>
-                              </p:par>
-                            </p:childTnLst>
-                          </p:cTn>
-                        </p:par>
-                      </p:childTnLst>
-                    </p:cTn>
-                  </p:par>
-                </p:childTnLst>
-              </p:cTn>
-              <p:prevCondLst>
-                <p:cond evt="onPrev" delay="0">
-                  <p:tgtEl>
-                    <p:sldTgt/>
-                  </p:tgtEl>
-                </p:cond>
-              </p:prevCondLst>
-              <p:nextCondLst>
-                <p:cond evt="onNext" delay="0">
-                  <p:tgtEl>
-                    <p:sldTgt/>
-                  </p:tgtEl>
-                </p:cond>
-              </p:nextCondLst>
-            </p:seq>
-          </p:childTnLst>
-        </p:cTn>
-      </p:par>
-    </p:tnLst>
-    <p:bldLst>
-      <p:bldP spid="5" grpId="0" uiExpand="1" build="p"/>
-    </p:bldLst>
-  </p:timing>
 </p:sld>
 </file>
 

--- a/docs/AnatomiaDeployK8S.pptx
+++ b/docs/AnatomiaDeployK8S.pptx
@@ -5,7 +5,7 @@
     <p:sldMasterId id="2147483658" r:id="rId1"/>
   </p:sldMasterIdLst>
   <p:notesMasterIdLst>
-    <p:notesMasterId r:id="rId19"/>
+    <p:notesMasterId r:id="rId17"/>
   </p:notesMasterIdLst>
   <p:sldIdLst>
     <p:sldId id="256" r:id="rId2"/>
@@ -21,32 +21,30 @@
     <p:sldId id="274" r:id="rId12"/>
     <p:sldId id="275" r:id="rId13"/>
     <p:sldId id="276" r:id="rId14"/>
-    <p:sldId id="293" r:id="rId15"/>
-    <p:sldId id="285" r:id="rId16"/>
-    <p:sldId id="289" r:id="rId17"/>
-    <p:sldId id="340" r:id="rId18"/>
+    <p:sldId id="285" r:id="rId15"/>
+    <p:sldId id="289" r:id="rId16"/>
   </p:sldIdLst>
   <p:sldSz cx="9144000" cy="5143500" type="screen16x9"/>
   <p:notesSz cx="6858000" cy="9144000"/>
   <p:embeddedFontLst>
     <p:embeddedFont>
       <p:font typeface="Calibri" panose="020F0502020204030204" pitchFamily="34" charset="0"/>
-      <p:regular r:id="rId20"/>
-      <p:bold r:id="rId21"/>
-      <p:italic r:id="rId22"/>
-      <p:boldItalic r:id="rId23"/>
+      <p:regular r:id="rId18"/>
+      <p:bold r:id="rId19"/>
+      <p:italic r:id="rId20"/>
+      <p:boldItalic r:id="rId21"/>
     </p:embeddedFont>
     <p:embeddedFont>
       <p:font typeface="Calibri Light" panose="020F0302020204030204" pitchFamily="34" charset="0"/>
-      <p:regular r:id="rId24"/>
-      <p:italic r:id="rId25"/>
+      <p:regular r:id="rId22"/>
+      <p:italic r:id="rId23"/>
     </p:embeddedFont>
     <p:embeddedFont>
       <p:font typeface="Roboto" panose="02000000000000000000" pitchFamily="2" charset="0"/>
-      <p:regular r:id="rId26"/>
-      <p:bold r:id="rId27"/>
-      <p:italic r:id="rId28"/>
-      <p:boldItalic r:id="rId29"/>
+      <p:regular r:id="rId24"/>
+      <p:bold r:id="rId25"/>
+      <p:italic r:id="rId26"/>
+      <p:boldItalic r:id="rId27"/>
     </p:embeddedFont>
   </p:embeddedFontLst>
   <p:defaultTextStyle>
@@ -1811,115 +1809,6 @@
 </p:notes>
 </file>
 
-<file path=ppt/notesSlides/notesSlide3.xml><?xml version="1.0" encoding="utf-8"?>
-<p:notes xmlns:a="http://schemas.openxmlformats.org/drawingml/2006/main" xmlns:r="http://schemas.openxmlformats.org/officeDocument/2006/relationships" xmlns:p="http://schemas.openxmlformats.org/presentationml/2006/main" showMasterSp="0" showMasterPhAnim="0">
-  <p:cSld>
-    <p:spTree>
-      <p:nvGrpSpPr>
-        <p:cNvPr id="1" name="Shape 355"/>
-        <p:cNvGrpSpPr/>
-        <p:nvPr/>
-      </p:nvGrpSpPr>
-      <p:grpSpPr>
-        <a:xfrm>
-          <a:off x="0" y="0"/>
-          <a:ext cx="0" cy="0"/>
-          <a:chOff x="0" y="0"/>
-          <a:chExt cx="0" cy="0"/>
-        </a:xfrm>
-      </p:grpSpPr>
-      <p:sp>
-        <p:nvSpPr>
-          <p:cNvPr id="356" name="Google Shape;356;g35f391192_029:notes"/>
-          <p:cNvSpPr>
-            <a:spLocks noGrp="1" noRot="1" noChangeAspect="1"/>
-          </p:cNvSpPr>
-          <p:nvPr>
-            <p:ph type="sldImg" idx="2"/>
-          </p:nvPr>
-        </p:nvSpPr>
-        <p:spPr>
-          <a:xfrm>
-            <a:off x="381000" y="685800"/>
-            <a:ext cx="6096000" cy="3429000"/>
-          </a:xfrm>
-          <a:custGeom>
-            <a:avLst/>
-            <a:gdLst/>
-            <a:ahLst/>
-            <a:cxnLst/>
-            <a:rect l="l" t="t" r="r" b="b"/>
-            <a:pathLst>
-              <a:path w="120000" h="120000" extrusionOk="0">
-                <a:moveTo>
-                  <a:pt x="0" y="0"/>
-                </a:moveTo>
-                <a:lnTo>
-                  <a:pt x="120000" y="0"/>
-                </a:lnTo>
-                <a:lnTo>
-                  <a:pt x="120000" y="120000"/>
-                </a:lnTo>
-                <a:lnTo>
-                  <a:pt x="0" y="120000"/>
-                </a:lnTo>
-                <a:close/>
-              </a:path>
-            </a:pathLst>
-          </a:custGeom>
-        </p:spPr>
-      </p:sp>
-      <p:sp>
-        <p:nvSpPr>
-          <p:cNvPr id="357" name="Google Shape;357;g35f391192_029:notes"/>
-          <p:cNvSpPr txBox="1">
-            <a:spLocks noGrp="1"/>
-          </p:cNvSpPr>
-          <p:nvPr>
-            <p:ph type="body" idx="1"/>
-          </p:nvPr>
-        </p:nvSpPr>
-        <p:spPr>
-          <a:xfrm>
-            <a:off x="685800" y="4343400"/>
-            <a:ext cx="5486400" cy="4114800"/>
-          </a:xfrm>
-          <a:prstGeom prst="rect">
-            <a:avLst/>
-          </a:prstGeom>
-        </p:spPr>
-        <p:txBody>
-          <a:bodyPr spcFirstLastPara="1" wrap="square" lIns="91425" tIns="91425" rIns="91425" bIns="91425" anchor="t" anchorCtr="0">
-            <a:noAutofit/>
-          </a:bodyPr>
-          <a:lstStyle/>
-          <a:p>
-            <a:pPr marL="0" lvl="0" indent="0" algn="l" rtl="0">
-              <a:spcBef>
-                <a:spcPts val="0"/>
-              </a:spcBef>
-              <a:spcAft>
-                <a:spcPts val="0"/>
-              </a:spcAft>
-              <a:buNone/>
-            </a:pPr>
-            <a:endParaRPr/>
-          </a:p>
-        </p:txBody>
-      </p:sp>
-    </p:spTree>
-    <p:extLst>
-      <p:ext uri="{BB962C8B-B14F-4D97-AF65-F5344CB8AC3E}">
-        <p14:creationId xmlns:p14="http://schemas.microsoft.com/office/powerpoint/2010/main" val="2005483846"/>
-      </p:ext>
-    </p:extLst>
-  </p:cSld>
-  <p:clrMapOvr>
-    <a:masterClrMapping/>
-  </p:clrMapOvr>
-</p:notes>
-</file>
-
 <file path=ppt/slideLayouts/slideLayout1.xml><?xml version="1.0" encoding="utf-8"?>
 <p:sldLayout xmlns:a="http://schemas.openxmlformats.org/drawingml/2006/main" xmlns:r="http://schemas.openxmlformats.org/officeDocument/2006/relationships" xmlns:p="http://schemas.openxmlformats.org/presentationml/2006/main" showMasterSp="0" type="title" preserve="1">
   <p:cSld name="Slide de Título">
@@ -2146,7 +2035,7 @@
           <a:p>
             <a:fld id="{4BDF68E2-58F2-4D09-BE8B-E3BD06533059}" type="datetimeFigureOut">
               <a:rPr lang="en-US" dirty="0"/>
-              <a:t>2/5/2020</a:t>
+              <a:t>2/6/2020</a:t>
             </a:fld>
             <a:endParaRPr lang="en-US" dirty="0"/>
           </a:p>
@@ -2364,7 +2253,7 @@
           <a:p>
             <a:fld id="{2E2D6473-DF6D-4702-B328-E0DD40540A4E}" type="datetimeFigureOut">
               <a:rPr lang="en-US" dirty="0"/>
-              <a:t>2/5/2020</a:t>
+              <a:t>2/6/2020</a:t>
             </a:fld>
             <a:endParaRPr lang="en-US" dirty="0"/>
           </a:p>
@@ -2630,7 +2519,7 @@
           <a:p>
             <a:fld id="{E26F7E3A-B166-407D-9866-32884E7D5B37}" type="datetimeFigureOut">
               <a:rPr lang="en-US" dirty="0"/>
-              <a:t>2/5/2020</a:t>
+              <a:t>2/6/2020</a:t>
             </a:fld>
             <a:endParaRPr lang="en-US" dirty="0"/>
           </a:p>
@@ -3255,7 +3144,7 @@
           <a:p>
             <a:fld id="{528FC5F6-F338-4AE4-BB23-26385BCFC423}" type="datetimeFigureOut">
               <a:rPr lang="en-US" dirty="0"/>
-              <a:t>2/5/2020</a:t>
+              <a:t>2/6/2020</a:t>
             </a:fld>
             <a:endParaRPr lang="en-US" dirty="0"/>
           </a:p>
@@ -3608,7 +3497,7 @@
           <a:p>
             <a:fld id="{20EBB0C4-6273-4C6E-B9BD-2EDC30F1CD52}" type="datetimeFigureOut">
               <a:rPr lang="en-US" dirty="0"/>
-              <a:t>2/5/2020</a:t>
+              <a:t>2/6/2020</a:t>
             </a:fld>
             <a:endParaRPr lang="en-US" dirty="0"/>
           </a:p>
@@ -3893,7 +3782,7 @@
           <a:p>
             <a:fld id="{19AB4D41-86C1-4908-B66A-0B50CEB3BF29}" type="datetimeFigureOut">
               <a:rPr lang="en-US" dirty="0"/>
-              <a:t>2/5/2020</a:t>
+              <a:t>2/6/2020</a:t>
             </a:fld>
             <a:endParaRPr lang="en-US" dirty="0"/>
           </a:p>
@@ -4282,7 +4171,7 @@
           <a:p>
             <a:fld id="{E6426E2C-56C1-4E0D-A793-0088A7FDD37E}" type="datetimeFigureOut">
               <a:rPr lang="en-US" dirty="0"/>
-              <a:t>2/5/2020</a:t>
+              <a:t>2/6/2020</a:t>
             </a:fld>
             <a:endParaRPr lang="en-US" dirty="0"/>
           </a:p>
@@ -4410,7 +4299,7 @@
           <a:p>
             <a:fld id="{C8C39B41-D8B5-4052-B551-9B5525EAA8B6}" type="datetimeFigureOut">
               <a:rPr lang="en-US" dirty="0"/>
-              <a:t>2/5/2020</a:t>
+              <a:t>2/6/2020</a:t>
             </a:fld>
             <a:endParaRPr lang="en-US" dirty="0"/>
           </a:p>
@@ -4591,7 +4480,7 @@
           <a:p>
             <a:fld id="{4D94136C-8742-45B2-AF27-D93DF72833A9}" type="datetimeFigureOut">
               <a:rPr lang="en-US" dirty="0"/>
-              <a:t>2/5/2020</a:t>
+              <a:t>2/6/2020</a:t>
             </a:fld>
             <a:endParaRPr lang="en-US" dirty="0"/>
           </a:p>
@@ -4955,7 +4844,7 @@
           <a:p>
             <a:fld id="{32ABBEA6-7C60-4B02-AE87-00D78D8422AF}" type="datetimeFigureOut">
               <a:rPr lang="en-US" dirty="0"/>
-              <a:t>2/5/2020</a:t>
+              <a:t>2/6/2020</a:t>
             </a:fld>
             <a:endParaRPr lang="en-US" dirty="0"/>
           </a:p>
@@ -5347,7 +5236,7 @@
           <a:p>
             <a:fld id="{C9CAD897-D46E-4AD2-BD9B-49DD3E640873}" type="datetimeFigureOut">
               <a:rPr lang="en-US" dirty="0"/>
-              <a:t>2/5/2020</a:t>
+              <a:t>2/6/2020</a:t>
             </a:fld>
             <a:endParaRPr lang="en-US" dirty="0"/>
           </a:p>
@@ -5644,7 +5533,7 @@
           <a:p>
             <a:fld id="{98624D31-43A5-475A-80CF-332C9F6DCF35}" type="datetimeFigureOut">
               <a:rPr lang="en-US" dirty="0"/>
-              <a:t>2/5/2020</a:t>
+              <a:t>2/6/2020</a:t>
             </a:fld>
             <a:endParaRPr lang="en-US" dirty="0"/>
           </a:p>
@@ -8586,66 +8475,6 @@
           <a:chExt cx="0" cy="0"/>
         </a:xfrm>
       </p:grpSpPr>
-      <p:pic>
-        <p:nvPicPr>
-          <p:cNvPr id="3" name="Imagem 2">
-            <a:extLst>
-              <a:ext uri="{FF2B5EF4-FFF2-40B4-BE49-F238E27FC236}">
-                <a16:creationId xmlns:a16="http://schemas.microsoft.com/office/drawing/2014/main" id="{2B6714D9-C72E-4147-9796-EE40778D7145}"/>
-              </a:ext>
-            </a:extLst>
-          </p:cNvPr>
-          <p:cNvPicPr>
-            <a:picLocks noChangeAspect="1"/>
-          </p:cNvPicPr>
-          <p:nvPr/>
-        </p:nvPicPr>
-        <p:blipFill>
-          <a:blip r:embed="rId2"/>
-          <a:stretch>
-            <a:fillRect/>
-          </a:stretch>
-        </p:blipFill>
-        <p:spPr>
-          <a:xfrm>
-            <a:off x="1658121" y="205943"/>
-            <a:ext cx="5827758" cy="4358149"/>
-          </a:xfrm>
-          <a:prstGeom prst="rect">
-            <a:avLst/>
-          </a:prstGeom>
-        </p:spPr>
-      </p:pic>
-    </p:spTree>
-    <p:extLst>
-      <p:ext uri="{BB962C8B-B14F-4D97-AF65-F5344CB8AC3E}">
-        <p14:creationId xmlns:p14="http://schemas.microsoft.com/office/powerpoint/2010/main" val="4037637969"/>
-      </p:ext>
-    </p:extLst>
-  </p:cSld>
-  <p:clrMapOvr>
-    <a:masterClrMapping/>
-  </p:clrMapOvr>
-</p:sld>
-</file>
-
-<file path=ppt/slides/slide15.xml><?xml version="1.0" encoding="utf-8"?>
-<p:sld xmlns:a="http://schemas.openxmlformats.org/drawingml/2006/main" xmlns:r="http://schemas.openxmlformats.org/officeDocument/2006/relationships" xmlns:p="http://schemas.openxmlformats.org/presentationml/2006/main">
-  <p:cSld>
-    <p:spTree>
-      <p:nvGrpSpPr>
-        <p:cNvPr id="1" name=""/>
-        <p:cNvGrpSpPr/>
-        <p:nvPr/>
-      </p:nvGrpSpPr>
-      <p:grpSpPr>
-        <a:xfrm>
-          <a:off x="0" y="0"/>
-          <a:ext cx="0" cy="0"/>
-          <a:chOff x="0" y="0"/>
-          <a:chExt cx="0" cy="0"/>
-        </a:xfrm>
-      </p:grpSpPr>
       <p:sp>
         <p:nvSpPr>
           <p:cNvPr id="6" name="CaixaDeTexto 5">
@@ -8798,7 +8627,7 @@
 </p:sld>
 </file>
 
-<file path=ppt/slides/slide16.xml><?xml version="1.0" encoding="utf-8"?>
+<file path=ppt/slides/slide15.xml><?xml version="1.0" encoding="utf-8"?>
 <p:sld xmlns:a="http://schemas.openxmlformats.org/drawingml/2006/main" xmlns:r="http://schemas.openxmlformats.org/officeDocument/2006/relationships" xmlns:p="http://schemas.openxmlformats.org/presentationml/2006/main">
   <p:cSld>
     <p:spTree>
@@ -10028,167 +9857,6 @@
     <p:extLst>
       <p:ext uri="{BB962C8B-B14F-4D97-AF65-F5344CB8AC3E}">
         <p14:creationId xmlns:p14="http://schemas.microsoft.com/office/powerpoint/2010/main" val="517413287"/>
-      </p:ext>
-    </p:extLst>
-  </p:cSld>
-  <p:clrMapOvr>
-    <a:masterClrMapping/>
-  </p:clrMapOvr>
-</p:sld>
-</file>
-
-<file path=ppt/slides/slide17.xml><?xml version="1.0" encoding="utf-8"?>
-<p:sld xmlns:a="http://schemas.openxmlformats.org/drawingml/2006/main" xmlns:r="http://schemas.openxmlformats.org/officeDocument/2006/relationships" xmlns:p="http://schemas.openxmlformats.org/presentationml/2006/main">
-  <p:cSld>
-    <p:spTree>
-      <p:nvGrpSpPr>
-        <p:cNvPr id="1" name="Shape 358"/>
-        <p:cNvGrpSpPr/>
-        <p:nvPr/>
-      </p:nvGrpSpPr>
-      <p:grpSpPr>
-        <a:xfrm>
-          <a:off x="0" y="0"/>
-          <a:ext cx="0" cy="0"/>
-          <a:chOff x="0" y="0"/>
-          <a:chExt cx="0" cy="0"/>
-        </a:xfrm>
-      </p:grpSpPr>
-      <p:pic>
-        <p:nvPicPr>
-          <p:cNvPr id="3" name="Imagem 2">
-            <a:extLst>
-              <a:ext uri="{FF2B5EF4-FFF2-40B4-BE49-F238E27FC236}">
-                <a16:creationId xmlns:a16="http://schemas.microsoft.com/office/drawing/2014/main" id="{06E80B9A-899C-4D2B-9097-CC6C7F898270}"/>
-              </a:ext>
-            </a:extLst>
-          </p:cNvPr>
-          <p:cNvPicPr>
-            <a:picLocks noChangeAspect="1"/>
-          </p:cNvPicPr>
-          <p:nvPr/>
-        </p:nvPicPr>
-        <p:blipFill>
-          <a:blip r:embed="rId3"/>
-          <a:stretch>
-            <a:fillRect/>
-          </a:stretch>
-        </p:blipFill>
-        <p:spPr>
-          <a:xfrm>
-            <a:off x="2884372" y="1098150"/>
-            <a:ext cx="2947199" cy="2947199"/>
-          </a:xfrm>
-          <a:prstGeom prst="rect">
-            <a:avLst/>
-          </a:prstGeom>
-        </p:spPr>
-      </p:pic>
-      <p:sp>
-        <p:nvSpPr>
-          <p:cNvPr id="4" name="CaixaDeTexto 3">
-            <a:extLst>
-              <a:ext uri="{FF2B5EF4-FFF2-40B4-BE49-F238E27FC236}">
-                <a16:creationId xmlns:a16="http://schemas.microsoft.com/office/drawing/2014/main" id="{FA33B7B7-AC4F-4F40-8F60-901B2A74B1B0}"/>
-              </a:ext>
-            </a:extLst>
-          </p:cNvPr>
-          <p:cNvSpPr txBox="1"/>
-          <p:nvPr/>
-        </p:nvSpPr>
-        <p:spPr>
-          <a:xfrm>
-            <a:off x="2852142" y="4202606"/>
-            <a:ext cx="3193503" cy="369332"/>
-          </a:xfrm>
-          <a:prstGeom prst="rect">
-            <a:avLst/>
-          </a:prstGeom>
-          <a:noFill/>
-        </p:spPr>
-        <p:txBody>
-          <a:bodyPr wrap="none" rtlCol="0">
-            <a:spAutoFit/>
-          </a:bodyPr>
-          <a:lstStyle/>
-          <a:p>
-            <a:r>
-              <a:rPr lang="pt-BR" dirty="0">
-                <a:latin typeface="Roboto" panose="02000000000000000000" pitchFamily="2" charset="0"/>
-                <a:ea typeface="Roboto" panose="02000000000000000000" pitchFamily="2" charset="0"/>
-              </a:rPr>
-              <a:t>http://bit.ly/news-veronezdev</a:t>
-            </a:r>
-          </a:p>
-        </p:txBody>
-      </p:sp>
-      <p:sp>
-        <p:nvSpPr>
-          <p:cNvPr id="5" name="CaixaDeTexto 4">
-            <a:extLst>
-              <a:ext uri="{FF2B5EF4-FFF2-40B4-BE49-F238E27FC236}">
-                <a16:creationId xmlns:a16="http://schemas.microsoft.com/office/drawing/2014/main" id="{5D5D95BE-1FF4-438C-AAA0-24D83BB32A5C}"/>
-              </a:ext>
-            </a:extLst>
-          </p:cNvPr>
-          <p:cNvSpPr txBox="1"/>
-          <p:nvPr/>
-        </p:nvSpPr>
-        <p:spPr>
-          <a:xfrm>
-            <a:off x="2677062" y="356118"/>
-            <a:ext cx="3361818" cy="584775"/>
-          </a:xfrm>
-          <a:prstGeom prst="rect">
-            <a:avLst/>
-          </a:prstGeom>
-          <a:noFill/>
-        </p:spPr>
-        <p:txBody>
-          <a:bodyPr wrap="none" rtlCol="0">
-            <a:spAutoFit/>
-          </a:bodyPr>
-          <a:lstStyle/>
-          <a:p>
-            <a:r>
-              <a:rPr lang="en-US" sz="3200" dirty="0" err="1">
-                <a:latin typeface="Roboto" panose="02000000000000000000" pitchFamily="2" charset="0"/>
-                <a:ea typeface="Roboto" panose="02000000000000000000" pitchFamily="2" charset="0"/>
-              </a:rPr>
-              <a:t>Quer</a:t>
-            </a:r>
-            <a:r>
-              <a:rPr lang="en-US" sz="3200" dirty="0">
-                <a:latin typeface="Roboto" panose="02000000000000000000" pitchFamily="2" charset="0"/>
-                <a:ea typeface="Roboto" panose="02000000000000000000" pitchFamily="2" charset="0"/>
-              </a:rPr>
-              <a:t> saber </a:t>
-            </a:r>
-            <a:r>
-              <a:rPr lang="en-US" sz="3200" dirty="0" err="1">
-                <a:latin typeface="Roboto" panose="02000000000000000000" pitchFamily="2" charset="0"/>
-                <a:ea typeface="Roboto" panose="02000000000000000000" pitchFamily="2" charset="0"/>
-              </a:rPr>
-              <a:t>mais</a:t>
-            </a:r>
-            <a:r>
-              <a:rPr lang="en-US" sz="3200" dirty="0">
-                <a:latin typeface="Roboto" panose="02000000000000000000" pitchFamily="2" charset="0"/>
-                <a:ea typeface="Roboto" panose="02000000000000000000" pitchFamily="2" charset="0"/>
-              </a:rPr>
-              <a:t>?</a:t>
-            </a:r>
-            <a:endParaRPr lang="pt-BR" sz="3200" dirty="0">
-              <a:latin typeface="Roboto" panose="02000000000000000000" pitchFamily="2" charset="0"/>
-              <a:ea typeface="Roboto" panose="02000000000000000000" pitchFamily="2" charset="0"/>
-            </a:endParaRPr>
-          </a:p>
-        </p:txBody>
-      </p:sp>
-    </p:spTree>
-    <p:extLst>
-      <p:ext uri="{BB962C8B-B14F-4D97-AF65-F5344CB8AC3E}">
-        <p14:creationId xmlns:p14="http://schemas.microsoft.com/office/powerpoint/2010/main" val="234970178"/>
       </p:ext>
     </p:extLst>
   </p:cSld>

--- a/docs/AnatomiaDeployK8S.pptx
+++ b/docs/AnatomiaDeployK8S.pptx
@@ -5,46 +5,42 @@
     <p:sldMasterId id="2147483658" r:id="rId1"/>
   </p:sldMasterIdLst>
   <p:notesMasterIdLst>
-    <p:notesMasterId r:id="rId17"/>
+    <p:notesMasterId r:id="rId13"/>
   </p:notesMasterIdLst>
   <p:sldIdLst>
     <p:sldId id="256" r:id="rId2"/>
     <p:sldId id="258" r:id="rId3"/>
-    <p:sldId id="267" r:id="rId4"/>
-    <p:sldId id="280" r:id="rId5"/>
-    <p:sldId id="287" r:id="rId6"/>
-    <p:sldId id="281" r:id="rId7"/>
-    <p:sldId id="341" r:id="rId8"/>
-    <p:sldId id="277" r:id="rId9"/>
-    <p:sldId id="288" r:id="rId10"/>
-    <p:sldId id="272" r:id="rId11"/>
-    <p:sldId id="274" r:id="rId12"/>
-    <p:sldId id="275" r:id="rId13"/>
-    <p:sldId id="276" r:id="rId14"/>
-    <p:sldId id="285" r:id="rId15"/>
-    <p:sldId id="289" r:id="rId16"/>
+    <p:sldId id="342" r:id="rId4"/>
+    <p:sldId id="281" r:id="rId5"/>
+    <p:sldId id="341" r:id="rId6"/>
+    <p:sldId id="277" r:id="rId7"/>
+    <p:sldId id="288" r:id="rId8"/>
+    <p:sldId id="272" r:id="rId9"/>
+    <p:sldId id="274" r:id="rId10"/>
+    <p:sldId id="275" r:id="rId11"/>
+    <p:sldId id="276" r:id="rId12"/>
   </p:sldIdLst>
   <p:sldSz cx="9144000" cy="5143500" type="screen16x9"/>
   <p:notesSz cx="6858000" cy="9144000"/>
   <p:embeddedFontLst>
     <p:embeddedFont>
       <p:font typeface="Calibri" panose="020F0502020204030204" pitchFamily="34" charset="0"/>
-      <p:regular r:id="rId18"/>
-      <p:bold r:id="rId19"/>
-      <p:italic r:id="rId20"/>
-      <p:boldItalic r:id="rId21"/>
+      <p:regular r:id="rId14"/>
+      <p:bold r:id="rId15"/>
+      <p:italic r:id="rId16"/>
+      <p:boldItalic r:id="rId17"/>
     </p:embeddedFont>
     <p:embeddedFont>
       <p:font typeface="Calibri Light" panose="020F0302020204030204" pitchFamily="34" charset="0"/>
-      <p:regular r:id="rId22"/>
-      <p:italic r:id="rId23"/>
+      <p:regular r:id="rId18"/>
+      <p:italic r:id="rId19"/>
     </p:embeddedFont>
     <p:embeddedFont>
-      <p:font typeface="Roboto" panose="02000000000000000000" pitchFamily="2" charset="0"/>
-      <p:regular r:id="rId24"/>
-      <p:bold r:id="rId25"/>
-      <p:italic r:id="rId26"/>
-      <p:boldItalic r:id="rId27"/>
+      <p:font typeface="Roboto" panose="020B0604020202020204" charset="0"/>
+      <p:regular r:id="rId20"/>
+      <p:bold r:id="rId21"/>
+      <p:italic r:id="rId22"/>
+      <p:boldItalic r:id="rId23"/>
     </p:embeddedFont>
   </p:embeddedFontLst>
   <p:defaultTextStyle>
@@ -2035,7 +2031,7 @@
           <a:p>
             <a:fld id="{4BDF68E2-58F2-4D09-BE8B-E3BD06533059}" type="datetimeFigureOut">
               <a:rPr lang="en-US" dirty="0"/>
-              <a:t>2/6/2020</a:t>
+              <a:t>9/24/2020</a:t>
             </a:fld>
             <a:endParaRPr lang="en-US" dirty="0"/>
           </a:p>
@@ -2253,7 +2249,7 @@
           <a:p>
             <a:fld id="{2E2D6473-DF6D-4702-B328-E0DD40540A4E}" type="datetimeFigureOut">
               <a:rPr lang="en-US" dirty="0"/>
-              <a:t>2/6/2020</a:t>
+              <a:t>9/24/2020</a:t>
             </a:fld>
             <a:endParaRPr lang="en-US" dirty="0"/>
           </a:p>
@@ -2519,7 +2515,7 @@
           <a:p>
             <a:fld id="{E26F7E3A-B166-407D-9866-32884E7D5B37}" type="datetimeFigureOut">
               <a:rPr lang="en-US" dirty="0"/>
-              <a:t>2/6/2020</a:t>
+              <a:t>9/24/2020</a:t>
             </a:fld>
             <a:endParaRPr lang="en-US" dirty="0"/>
           </a:p>
@@ -3144,7 +3140,7 @@
           <a:p>
             <a:fld id="{528FC5F6-F338-4AE4-BB23-26385BCFC423}" type="datetimeFigureOut">
               <a:rPr lang="en-US" dirty="0"/>
-              <a:t>2/6/2020</a:t>
+              <a:t>9/24/2020</a:t>
             </a:fld>
             <a:endParaRPr lang="en-US" dirty="0"/>
           </a:p>
@@ -3497,7 +3493,7 @@
           <a:p>
             <a:fld id="{20EBB0C4-6273-4C6E-B9BD-2EDC30F1CD52}" type="datetimeFigureOut">
               <a:rPr lang="en-US" dirty="0"/>
-              <a:t>2/6/2020</a:t>
+              <a:t>9/24/2020</a:t>
             </a:fld>
             <a:endParaRPr lang="en-US" dirty="0"/>
           </a:p>
@@ -3782,7 +3778,7 @@
           <a:p>
             <a:fld id="{19AB4D41-86C1-4908-B66A-0B50CEB3BF29}" type="datetimeFigureOut">
               <a:rPr lang="en-US" dirty="0"/>
-              <a:t>2/6/2020</a:t>
+              <a:t>9/24/2020</a:t>
             </a:fld>
             <a:endParaRPr lang="en-US" dirty="0"/>
           </a:p>
@@ -4171,7 +4167,7 @@
           <a:p>
             <a:fld id="{E6426E2C-56C1-4E0D-A793-0088A7FDD37E}" type="datetimeFigureOut">
               <a:rPr lang="en-US" dirty="0"/>
-              <a:t>2/6/2020</a:t>
+              <a:t>9/24/2020</a:t>
             </a:fld>
             <a:endParaRPr lang="en-US" dirty="0"/>
           </a:p>
@@ -4299,7 +4295,7 @@
           <a:p>
             <a:fld id="{C8C39B41-D8B5-4052-B551-9B5525EAA8B6}" type="datetimeFigureOut">
               <a:rPr lang="en-US" dirty="0"/>
-              <a:t>2/6/2020</a:t>
+              <a:t>9/24/2020</a:t>
             </a:fld>
             <a:endParaRPr lang="en-US" dirty="0"/>
           </a:p>
@@ -4480,7 +4476,7 @@
           <a:p>
             <a:fld id="{4D94136C-8742-45B2-AF27-D93DF72833A9}" type="datetimeFigureOut">
               <a:rPr lang="en-US" dirty="0"/>
-              <a:t>2/6/2020</a:t>
+              <a:t>9/24/2020</a:t>
             </a:fld>
             <a:endParaRPr lang="en-US" dirty="0"/>
           </a:p>
@@ -4844,7 +4840,7 @@
           <a:p>
             <a:fld id="{32ABBEA6-7C60-4B02-AE87-00D78D8422AF}" type="datetimeFigureOut">
               <a:rPr lang="en-US" dirty="0"/>
-              <a:t>2/6/2020</a:t>
+              <a:t>9/24/2020</a:t>
             </a:fld>
             <a:endParaRPr lang="en-US" dirty="0"/>
           </a:p>
@@ -5236,7 +5232,7 @@
           <a:p>
             <a:fld id="{C9CAD897-D46E-4AD2-BD9B-49DD3E640873}" type="datetimeFigureOut">
               <a:rPr lang="en-US" dirty="0"/>
-              <a:t>2/6/2020</a:t>
+              <a:t>9/24/2020</a:t>
             </a:fld>
             <a:endParaRPr lang="en-US" dirty="0"/>
           </a:p>
@@ -5533,7 +5529,7 @@
           <a:p>
             <a:fld id="{98624D31-43A5-475A-80CF-332C9F6DCF35}" type="datetimeFigureOut">
               <a:rPr lang="en-US" dirty="0"/>
-              <a:t>2/6/2020</a:t>
+              <a:t>9/24/2020</a:t>
             </a:fld>
             <a:endParaRPr lang="en-US" dirty="0"/>
           </a:p>
@@ -6152,8 +6148,8 @@
         </p:nvSpPr>
         <p:spPr>
           <a:xfrm>
-            <a:off x="475499" y="3412671"/>
-            <a:ext cx="8181805" cy="793242"/>
+            <a:off x="475499" y="3130556"/>
+            <a:ext cx="8181805" cy="1075357"/>
           </a:xfrm>
           <a:prstGeom prst="rect">
             <a:avLst/>
@@ -6176,21 +6172,21 @@
                 <a:latin typeface="Roboto" panose="02000000000000000000" pitchFamily="2" charset="0"/>
                 <a:ea typeface="Roboto" panose="02000000000000000000" pitchFamily="2" charset="0"/>
               </a:rPr>
-              <a:t>A Anatomia de um </a:t>
+              <a:t>Como fazer </a:t>
             </a:r>
             <a:r>
               <a:rPr lang="pt-BR" sz="3800" dirty="0" err="1">
                 <a:latin typeface="Roboto" panose="02000000000000000000" pitchFamily="2" charset="0"/>
                 <a:ea typeface="Roboto" panose="02000000000000000000" pitchFamily="2" charset="0"/>
               </a:rPr>
-              <a:t>Deploy</a:t>
+              <a:t>deploy</a:t>
             </a:r>
             <a:r>
               <a:rPr lang="pt-BR" sz="3800" dirty="0">
                 <a:latin typeface="Roboto" panose="02000000000000000000" pitchFamily="2" charset="0"/>
                 <a:ea typeface="Roboto" panose="02000000000000000000" pitchFamily="2" charset="0"/>
               </a:rPr>
-              <a:t> no </a:t>
+              <a:t> corretamente da sua aplicação no </a:t>
             </a:r>
             <a:r>
               <a:rPr lang="pt-BR" sz="3800" dirty="0" err="1">
@@ -6439,8 +6435,8 @@
         </p:nvSpPr>
         <p:spPr>
           <a:xfrm>
-            <a:off x="3460765" y="137032"/>
-            <a:ext cx="2222468" cy="769441"/>
+            <a:off x="2868648" y="140167"/>
+            <a:ext cx="3406702" cy="769441"/>
           </a:xfrm>
           <a:prstGeom prst="rect">
             <a:avLst/>
@@ -6454,10 +6450,9 @@
           <a:lstStyle/>
           <a:p>
             <a:r>
-              <a:rPr lang="en-US" sz="4400" dirty="0" err="1"/>
-              <a:t>ClusterIP</a:t>
-            </a:r>
-            <a:endParaRPr lang="en-US" sz="4400" dirty="0"/>
+              <a:rPr lang="en-US" sz="4400" dirty="0"/>
+              <a:t>Load Balancer</a:t>
+            </a:r>
           </a:p>
         </p:txBody>
       </p:sp>
@@ -6475,8 +6470,8 @@
         </p:nvSpPr>
         <p:spPr>
           <a:xfrm>
-            <a:off x="2438400" y="1066800"/>
-            <a:ext cx="4267200" cy="3111500"/>
+            <a:off x="2266950" y="1909579"/>
+            <a:ext cx="4267200" cy="2649721"/>
           </a:xfrm>
           <a:prstGeom prst="roundRect">
             <a:avLst/>
@@ -6521,7 +6516,7 @@
         </p:nvSpPr>
         <p:spPr>
           <a:xfrm>
-            <a:off x="3589775" y="1066800"/>
+            <a:off x="2357828" y="1910135"/>
             <a:ext cx="1964449" cy="369332"/>
           </a:xfrm>
           <a:prstGeom prst="rect">
@@ -6560,7 +6555,7 @@
         </p:nvSpPr>
         <p:spPr>
           <a:xfrm>
-            <a:off x="3989387" y="1430813"/>
+            <a:off x="4003465" y="3546292"/>
             <a:ext cx="1047750" cy="552450"/>
           </a:xfrm>
           <a:prstGeom prst="roundRect">
@@ -6597,10 +6592,10 @@
       </p:sp>
       <p:sp>
         <p:nvSpPr>
-          <p:cNvPr id="8" name="Retângulo: Cantos Arredondados 7">
+          <p:cNvPr id="9" name="Retângulo: Cantos Arredondados 8">
             <a:extLst>
               <a:ext uri="{FF2B5EF4-FFF2-40B4-BE49-F238E27FC236}">
-                <a16:creationId xmlns:a16="http://schemas.microsoft.com/office/drawing/2014/main" id="{53FE790A-4119-4466-B4D0-FA26ED0C8061}"/>
+                <a16:creationId xmlns:a16="http://schemas.microsoft.com/office/drawing/2014/main" id="{7EC44340-DECD-41FF-9EF3-7C1691BD0CEA}"/>
               </a:ext>
             </a:extLst>
           </p:cNvPr>
@@ -6609,8 +6604,8 @@
         </p:nvSpPr>
         <p:spPr>
           <a:xfrm>
-            <a:off x="3989387" y="3333691"/>
-            <a:ext cx="1047750" cy="552450"/>
+            <a:off x="4686300" y="1910135"/>
+            <a:ext cx="1047750" cy="369332"/>
           </a:xfrm>
           <a:prstGeom prst="roundRect">
             <a:avLst/>
@@ -6639,17 +6634,64 @@
             <a:pPr algn="ctr"/>
             <a:r>
               <a:rPr lang="en-US" dirty="0"/>
-              <a:t>Pod B</a:t>
-            </a:r>
-          </a:p>
-        </p:txBody>
-      </p:sp>
-      <p:sp>
-        <p:nvSpPr>
-          <p:cNvPr id="9" name="Retângulo: Cantos Arredondados 8">
+              <a:t>Service</a:t>
+            </a:r>
+          </a:p>
+        </p:txBody>
+      </p:sp>
+      <p:cxnSp>
+        <p:nvCxnSpPr>
+          <p:cNvPr id="11" name="Conector de Seta Reta 10">
             <a:extLst>
               <a:ext uri="{FF2B5EF4-FFF2-40B4-BE49-F238E27FC236}">
-                <a16:creationId xmlns:a16="http://schemas.microsoft.com/office/drawing/2014/main" id="{7EC44340-DECD-41FF-9EF3-7C1691BD0CEA}"/>
+                <a16:creationId xmlns:a16="http://schemas.microsoft.com/office/drawing/2014/main" id="{EE8329DB-11EC-4960-B5F8-7A90067855C9}"/>
+              </a:ext>
+            </a:extLst>
+          </p:cNvPr>
+          <p:cNvCxnSpPr>
+            <a:cxnSpLocks/>
+          </p:cNvCxnSpPr>
+          <p:nvPr/>
+        </p:nvCxnSpPr>
+        <p:spPr>
+          <a:xfrm>
+            <a:off x="5454651" y="2383842"/>
+            <a:ext cx="415365" cy="1093634"/>
+          </a:xfrm>
+          <a:prstGeom prst="straightConnector1">
+            <a:avLst/>
+          </a:prstGeom>
+          <a:ln w="9525" cap="flat" cmpd="sng" algn="ctr">
+            <a:solidFill>
+              <a:schemeClr val="dk1"/>
+            </a:solidFill>
+            <a:prstDash val="solid"/>
+            <a:round/>
+            <a:headEnd type="none" w="med" len="med"/>
+            <a:tailEnd type="arrow" w="med" len="med"/>
+          </a:ln>
+        </p:spPr>
+        <p:style>
+          <a:lnRef idx="0">
+            <a:scrgbClr r="0" g="0" b="0"/>
+          </a:lnRef>
+          <a:fillRef idx="0">
+            <a:scrgbClr r="0" g="0" b="0"/>
+          </a:fillRef>
+          <a:effectRef idx="0">
+            <a:scrgbClr r="0" g="0" b="0"/>
+          </a:effectRef>
+          <a:fontRef idx="minor">
+            <a:schemeClr val="tx1"/>
+          </a:fontRef>
+        </p:style>
+      </p:cxnSp>
+      <p:sp>
+        <p:nvSpPr>
+          <p:cNvPr id="13" name="Retângulo: Cantos Arredondados 12">
+            <a:extLst>
+              <a:ext uri="{FF2B5EF4-FFF2-40B4-BE49-F238E27FC236}">
+                <a16:creationId xmlns:a16="http://schemas.microsoft.com/office/drawing/2014/main" id="{1AFBAC96-C91E-425F-8761-9252E223FE0D}"/>
               </a:ext>
             </a:extLst>
           </p:cNvPr>
@@ -6658,8 +6700,8 @@
         </p:nvSpPr>
         <p:spPr>
           <a:xfrm>
-            <a:off x="4048124" y="2505561"/>
-            <a:ext cx="930276" cy="305831"/>
+            <a:off x="5346141" y="3546292"/>
+            <a:ext cx="1047750" cy="552450"/>
           </a:xfrm>
           <a:prstGeom prst="roundRect">
             <a:avLst/>
@@ -6688,107 +6730,17 @@
             <a:pPr algn="ctr"/>
             <a:r>
               <a:rPr lang="en-US" dirty="0"/>
-              <a:t>Service</a:t>
-            </a:r>
-          </a:p>
-        </p:txBody>
-      </p:sp>
-      <p:cxnSp>
-        <p:nvCxnSpPr>
-          <p:cNvPr id="11" name="Conector de Seta Reta 10">
+              <a:t>Pod A</a:t>
+            </a:r>
+          </a:p>
+        </p:txBody>
+      </p:sp>
+      <p:sp>
+        <p:nvSpPr>
+          <p:cNvPr id="14" name="Retângulo: Cantos Arredondados 13">
             <a:extLst>
               <a:ext uri="{FF2B5EF4-FFF2-40B4-BE49-F238E27FC236}">
-                <a16:creationId xmlns:a16="http://schemas.microsoft.com/office/drawing/2014/main" id="{EE8329DB-11EC-4960-B5F8-7A90067855C9}"/>
-              </a:ext>
-            </a:extLst>
-          </p:cNvPr>
-          <p:cNvCxnSpPr/>
-          <p:nvPr/>
-        </p:nvCxnSpPr>
-        <p:spPr>
-          <a:xfrm>
-            <a:off x="4519612" y="2032059"/>
-            <a:ext cx="0" cy="374591"/>
-          </a:xfrm>
-          <a:prstGeom prst="straightConnector1">
-            <a:avLst/>
-          </a:prstGeom>
-          <a:ln w="9525" cap="flat" cmpd="sng" algn="ctr">
-            <a:solidFill>
-              <a:schemeClr val="dk1"/>
-            </a:solidFill>
-            <a:prstDash val="solid"/>
-            <a:round/>
-            <a:headEnd type="none" w="med" len="med"/>
-            <a:tailEnd type="arrow" w="med" len="med"/>
-          </a:ln>
-        </p:spPr>
-        <p:style>
-          <a:lnRef idx="0">
-            <a:scrgbClr r="0" g="0" b="0"/>
-          </a:lnRef>
-          <a:fillRef idx="0">
-            <a:scrgbClr r="0" g="0" b="0"/>
-          </a:fillRef>
-          <a:effectRef idx="0">
-            <a:scrgbClr r="0" g="0" b="0"/>
-          </a:effectRef>
-          <a:fontRef idx="minor">
-            <a:schemeClr val="tx1"/>
-          </a:fontRef>
-        </p:style>
-      </p:cxnSp>
-      <p:cxnSp>
-        <p:nvCxnSpPr>
-          <p:cNvPr id="12" name="Conector de Seta Reta 11">
-            <a:extLst>
-              <a:ext uri="{FF2B5EF4-FFF2-40B4-BE49-F238E27FC236}">
-                <a16:creationId xmlns:a16="http://schemas.microsoft.com/office/drawing/2014/main" id="{8130E202-39C4-47CF-82D6-76DD9161EF4F}"/>
-              </a:ext>
-            </a:extLst>
-          </p:cNvPr>
-          <p:cNvCxnSpPr/>
-          <p:nvPr/>
-        </p:nvCxnSpPr>
-        <p:spPr>
-          <a:xfrm>
-            <a:off x="4513262" y="2902009"/>
-            <a:ext cx="0" cy="374591"/>
-          </a:xfrm>
-          <a:prstGeom prst="straightConnector1">
-            <a:avLst/>
-          </a:prstGeom>
-          <a:ln w="9525" cap="flat" cmpd="sng" algn="ctr">
-            <a:solidFill>
-              <a:schemeClr val="dk1"/>
-            </a:solidFill>
-            <a:prstDash val="solid"/>
-            <a:round/>
-            <a:headEnd type="none" w="med" len="med"/>
-            <a:tailEnd type="arrow" w="med" len="med"/>
-          </a:ln>
-        </p:spPr>
-        <p:style>
-          <a:lnRef idx="0">
-            <a:scrgbClr r="0" g="0" b="0"/>
-          </a:lnRef>
-          <a:fillRef idx="0">
-            <a:scrgbClr r="0" g="0" b="0"/>
-          </a:fillRef>
-          <a:effectRef idx="0">
-            <a:scrgbClr r="0" g="0" b="0"/>
-          </a:effectRef>
-          <a:fontRef idx="minor">
-            <a:schemeClr val="tx1"/>
-          </a:fontRef>
-        </p:style>
-      </p:cxnSp>
-      <p:sp>
-        <p:nvSpPr>
-          <p:cNvPr id="13" name="Retângulo: Cantos Arredondados 12">
-            <a:extLst>
-              <a:ext uri="{FF2B5EF4-FFF2-40B4-BE49-F238E27FC236}">
-                <a16:creationId xmlns:a16="http://schemas.microsoft.com/office/drawing/2014/main" id="{FCA7DECB-44A7-4448-8B1B-505F472D2D5E}"/>
+                <a16:creationId xmlns:a16="http://schemas.microsoft.com/office/drawing/2014/main" id="{74BA78B8-F259-43F7-9AA7-A78D6745A50D}"/>
               </a:ext>
             </a:extLst>
           </p:cNvPr>
@@ -6797,7 +6749,7 @@
         </p:nvSpPr>
         <p:spPr>
           <a:xfrm>
-            <a:off x="5347493" y="3333691"/>
+            <a:off x="2663145" y="3546292"/>
             <a:ext cx="1047750" cy="552450"/>
           </a:xfrm>
           <a:prstGeom prst="roundRect">
@@ -6827,550 +6779,6 @@
             <a:pPr algn="ctr"/>
             <a:r>
               <a:rPr lang="en-US" dirty="0"/>
-              <a:t>Pod B</a:t>
-            </a:r>
-          </a:p>
-        </p:txBody>
-      </p:sp>
-      <p:sp>
-        <p:nvSpPr>
-          <p:cNvPr id="14" name="Retângulo: Cantos Arredondados 13">
-            <a:extLst>
-              <a:ext uri="{FF2B5EF4-FFF2-40B4-BE49-F238E27FC236}">
-                <a16:creationId xmlns:a16="http://schemas.microsoft.com/office/drawing/2014/main" id="{54CA11F8-2D7C-44B5-A0E6-B4554996A02F}"/>
-              </a:ext>
-            </a:extLst>
-          </p:cNvPr>
-          <p:cNvSpPr/>
-          <p:nvPr/>
-        </p:nvSpPr>
-        <p:spPr>
-          <a:xfrm>
-            <a:off x="2653505" y="3333691"/>
-            <a:ext cx="1047750" cy="552450"/>
-          </a:xfrm>
-          <a:prstGeom prst="roundRect">
-            <a:avLst/>
-          </a:prstGeom>
-        </p:spPr>
-        <p:style>
-          <a:lnRef idx="2">
-            <a:schemeClr val="accent2">
-              <a:shade val="50000"/>
-            </a:schemeClr>
-          </a:lnRef>
-          <a:fillRef idx="1">
-            <a:schemeClr val="accent2"/>
-          </a:fillRef>
-          <a:effectRef idx="0">
-            <a:schemeClr val="accent2"/>
-          </a:effectRef>
-          <a:fontRef idx="minor">
-            <a:schemeClr val="lt1"/>
-          </a:fontRef>
-        </p:style>
-        <p:txBody>
-          <a:bodyPr rtlCol="0" anchor="ctr"/>
-          <a:lstStyle/>
-          <a:p>
-            <a:pPr algn="ctr"/>
-            <a:r>
-              <a:rPr lang="en-US" dirty="0"/>
-              <a:t>Pod B</a:t>
-            </a:r>
-          </a:p>
-        </p:txBody>
-      </p:sp>
-      <p:cxnSp>
-        <p:nvCxnSpPr>
-          <p:cNvPr id="15" name="Conector de Seta Reta 14">
-            <a:extLst>
-              <a:ext uri="{FF2B5EF4-FFF2-40B4-BE49-F238E27FC236}">
-                <a16:creationId xmlns:a16="http://schemas.microsoft.com/office/drawing/2014/main" id="{BA30F84F-0B70-450B-8B77-9C8C1B808D47}"/>
-              </a:ext>
-            </a:extLst>
-          </p:cNvPr>
-          <p:cNvCxnSpPr>
-            <a:cxnSpLocks/>
-          </p:cNvCxnSpPr>
-          <p:nvPr/>
-        </p:nvCxnSpPr>
-        <p:spPr>
-          <a:xfrm flipH="1">
-            <a:off x="3589775" y="2902009"/>
-            <a:ext cx="713937" cy="330141"/>
-          </a:xfrm>
-          <a:prstGeom prst="straightConnector1">
-            <a:avLst/>
-          </a:prstGeom>
-          <a:ln w="9525" cap="flat" cmpd="sng" algn="ctr">
-            <a:solidFill>
-              <a:schemeClr val="dk1"/>
-            </a:solidFill>
-            <a:prstDash val="solid"/>
-            <a:round/>
-            <a:headEnd type="none" w="med" len="med"/>
-            <a:tailEnd type="arrow" w="med" len="med"/>
-          </a:ln>
-        </p:spPr>
-        <p:style>
-          <a:lnRef idx="0">
-            <a:scrgbClr r="0" g="0" b="0"/>
-          </a:lnRef>
-          <a:fillRef idx="0">
-            <a:scrgbClr r="0" g="0" b="0"/>
-          </a:fillRef>
-          <a:effectRef idx="0">
-            <a:scrgbClr r="0" g="0" b="0"/>
-          </a:effectRef>
-          <a:fontRef idx="minor">
-            <a:schemeClr val="tx1"/>
-          </a:fontRef>
-        </p:style>
-      </p:cxnSp>
-      <p:cxnSp>
-        <p:nvCxnSpPr>
-          <p:cNvPr id="17" name="Conector de Seta Reta 16">
-            <a:extLst>
-              <a:ext uri="{FF2B5EF4-FFF2-40B4-BE49-F238E27FC236}">
-                <a16:creationId xmlns:a16="http://schemas.microsoft.com/office/drawing/2014/main" id="{8BA135BE-5B0D-4C96-8703-8D0F6E4CDE28}"/>
-              </a:ext>
-            </a:extLst>
-          </p:cNvPr>
-          <p:cNvCxnSpPr>
-            <a:cxnSpLocks/>
-          </p:cNvCxnSpPr>
-          <p:nvPr/>
-        </p:nvCxnSpPr>
-        <p:spPr>
-          <a:xfrm>
-            <a:off x="4799012" y="2879783"/>
-            <a:ext cx="548481" cy="352367"/>
-          </a:xfrm>
-          <a:prstGeom prst="straightConnector1">
-            <a:avLst/>
-          </a:prstGeom>
-          <a:ln w="9525" cap="flat" cmpd="sng" algn="ctr">
-            <a:solidFill>
-              <a:schemeClr val="dk1"/>
-            </a:solidFill>
-            <a:prstDash val="solid"/>
-            <a:round/>
-            <a:headEnd type="none" w="med" len="med"/>
-            <a:tailEnd type="arrow" w="med" len="med"/>
-          </a:ln>
-        </p:spPr>
-        <p:style>
-          <a:lnRef idx="0">
-            <a:scrgbClr r="0" g="0" b="0"/>
-          </a:lnRef>
-          <a:fillRef idx="0">
-            <a:scrgbClr r="0" g="0" b="0"/>
-          </a:fillRef>
-          <a:effectRef idx="0">
-            <a:scrgbClr r="0" g="0" b="0"/>
-          </a:effectRef>
-          <a:fontRef idx="minor">
-            <a:schemeClr val="tx1"/>
-          </a:fontRef>
-        </p:style>
-      </p:cxnSp>
-    </p:spTree>
-    <p:extLst>
-      <p:ext uri="{BB962C8B-B14F-4D97-AF65-F5344CB8AC3E}">
-        <p14:creationId xmlns:p14="http://schemas.microsoft.com/office/powerpoint/2010/main" val="2442252048"/>
-      </p:ext>
-    </p:extLst>
-  </p:cSld>
-  <p:clrMapOvr>
-    <a:masterClrMapping/>
-  </p:clrMapOvr>
-</p:sld>
-</file>
-
-<file path=ppt/slides/slide11.xml><?xml version="1.0" encoding="utf-8"?>
-<p:sld xmlns:a="http://schemas.openxmlformats.org/drawingml/2006/main" xmlns:r="http://schemas.openxmlformats.org/officeDocument/2006/relationships" xmlns:p="http://schemas.openxmlformats.org/presentationml/2006/main">
-  <p:cSld>
-    <p:spTree>
-      <p:nvGrpSpPr>
-        <p:cNvPr id="1" name=""/>
-        <p:cNvGrpSpPr/>
-        <p:nvPr/>
-      </p:nvGrpSpPr>
-      <p:grpSpPr>
-        <a:xfrm>
-          <a:off x="0" y="0"/>
-          <a:ext cx="0" cy="0"/>
-          <a:chOff x="0" y="0"/>
-          <a:chExt cx="0" cy="0"/>
-        </a:xfrm>
-      </p:grpSpPr>
-      <p:sp>
-        <p:nvSpPr>
-          <p:cNvPr id="3" name="CaixaDeTexto 2">
-            <a:extLst>
-              <a:ext uri="{FF2B5EF4-FFF2-40B4-BE49-F238E27FC236}">
-                <a16:creationId xmlns:a16="http://schemas.microsoft.com/office/drawing/2014/main" id="{5E9EEC9D-1C6A-47CB-9521-6F601475FFAF}"/>
-              </a:ext>
-            </a:extLst>
-          </p:cNvPr>
-          <p:cNvSpPr txBox="1"/>
-          <p:nvPr/>
-        </p:nvSpPr>
-        <p:spPr>
-          <a:xfrm>
-            <a:off x="3462354" y="116900"/>
-            <a:ext cx="2388731" cy="769441"/>
-          </a:xfrm>
-          <a:prstGeom prst="rect">
-            <a:avLst/>
-          </a:prstGeom>
-          <a:noFill/>
-        </p:spPr>
-        <p:txBody>
-          <a:bodyPr wrap="none" rtlCol="0">
-            <a:spAutoFit/>
-          </a:bodyPr>
-          <a:lstStyle/>
-          <a:p>
-            <a:r>
-              <a:rPr lang="en-US" sz="4400" dirty="0" err="1"/>
-              <a:t>NodePort</a:t>
-            </a:r>
-            <a:endParaRPr lang="en-US" sz="4400" dirty="0"/>
-          </a:p>
-        </p:txBody>
-      </p:sp>
-      <p:sp>
-        <p:nvSpPr>
-          <p:cNvPr id="4" name="Retângulo: Cantos Arredondados 3">
-            <a:extLst>
-              <a:ext uri="{FF2B5EF4-FFF2-40B4-BE49-F238E27FC236}">
-                <a16:creationId xmlns:a16="http://schemas.microsoft.com/office/drawing/2014/main" id="{5B1C2A4E-AED9-4E6C-9087-3113AE065197}"/>
-              </a:ext>
-            </a:extLst>
-          </p:cNvPr>
-          <p:cNvSpPr/>
-          <p:nvPr/>
-        </p:nvSpPr>
-        <p:spPr>
-          <a:xfrm>
-            <a:off x="2438400" y="1016000"/>
-            <a:ext cx="4267200" cy="3111500"/>
-          </a:xfrm>
-          <a:prstGeom prst="roundRect">
-            <a:avLst/>
-          </a:prstGeom>
-        </p:spPr>
-        <p:style>
-          <a:lnRef idx="2">
-            <a:schemeClr val="accent1">
-              <a:shade val="50000"/>
-            </a:schemeClr>
-          </a:lnRef>
-          <a:fillRef idx="1">
-            <a:schemeClr val="accent1"/>
-          </a:fillRef>
-          <a:effectRef idx="0">
-            <a:schemeClr val="accent1"/>
-          </a:effectRef>
-          <a:fontRef idx="minor">
-            <a:schemeClr val="lt1"/>
-          </a:fontRef>
-        </p:style>
-        <p:txBody>
-          <a:bodyPr rtlCol="0" anchor="ctr"/>
-          <a:lstStyle/>
-          <a:p>
-            <a:pPr algn="ctr"/>
-            <a:endParaRPr lang="en-US"/>
-          </a:p>
-        </p:txBody>
-      </p:sp>
-      <p:sp>
-        <p:nvSpPr>
-          <p:cNvPr id="5" name="CaixaDeTexto 4">
-            <a:extLst>
-              <a:ext uri="{FF2B5EF4-FFF2-40B4-BE49-F238E27FC236}">
-                <a16:creationId xmlns:a16="http://schemas.microsoft.com/office/drawing/2014/main" id="{FA4ECEF8-C35D-45EB-B5B2-CFFB73338780}"/>
-              </a:ext>
-            </a:extLst>
-          </p:cNvPr>
-          <p:cNvSpPr txBox="1"/>
-          <p:nvPr/>
-        </p:nvSpPr>
-        <p:spPr>
-          <a:xfrm>
-            <a:off x="3589775" y="1016000"/>
-            <a:ext cx="1964449" cy="369332"/>
-          </a:xfrm>
-          <a:prstGeom prst="rect">
-            <a:avLst/>
-          </a:prstGeom>
-          <a:noFill/>
-        </p:spPr>
-        <p:txBody>
-          <a:bodyPr wrap="none" rtlCol="0">
-            <a:spAutoFit/>
-          </a:bodyPr>
-          <a:lstStyle/>
-          <a:p>
-            <a:r>
-              <a:rPr lang="en-US" dirty="0">
-                <a:solidFill>
-                  <a:schemeClr val="bg1"/>
-                </a:solidFill>
-              </a:rPr>
-              <a:t>Cluster Kubernetes</a:t>
-            </a:r>
-          </a:p>
-        </p:txBody>
-      </p:sp>
-      <p:sp>
-        <p:nvSpPr>
-          <p:cNvPr id="6" name="Retângulo: Cantos Arredondados 5">
-            <a:extLst>
-              <a:ext uri="{FF2B5EF4-FFF2-40B4-BE49-F238E27FC236}">
-                <a16:creationId xmlns:a16="http://schemas.microsoft.com/office/drawing/2014/main" id="{52BF8AF0-5846-467C-989F-34CCF00149ED}"/>
-              </a:ext>
-            </a:extLst>
-          </p:cNvPr>
-          <p:cNvSpPr/>
-          <p:nvPr/>
-        </p:nvSpPr>
-        <p:spPr>
-          <a:xfrm>
-            <a:off x="4656720" y="2287771"/>
-            <a:ext cx="1047750" cy="552450"/>
-          </a:xfrm>
-          <a:prstGeom prst="roundRect">
-            <a:avLst/>
-          </a:prstGeom>
-        </p:spPr>
-        <p:style>
-          <a:lnRef idx="2">
-            <a:schemeClr val="accent2">
-              <a:shade val="50000"/>
-            </a:schemeClr>
-          </a:lnRef>
-          <a:fillRef idx="1">
-            <a:schemeClr val="accent2"/>
-          </a:fillRef>
-          <a:effectRef idx="0">
-            <a:schemeClr val="accent2"/>
-          </a:effectRef>
-          <a:fontRef idx="minor">
-            <a:schemeClr val="lt1"/>
-          </a:fontRef>
-        </p:style>
-        <p:txBody>
-          <a:bodyPr rtlCol="0" anchor="ctr"/>
-          <a:lstStyle/>
-          <a:p>
-            <a:pPr algn="ctr"/>
-            <a:r>
-              <a:rPr lang="en-US" dirty="0"/>
-              <a:t>Pod A</a:t>
-            </a:r>
-          </a:p>
-        </p:txBody>
-      </p:sp>
-      <p:sp>
-        <p:nvSpPr>
-          <p:cNvPr id="9" name="Retângulo: Cantos Arredondados 8">
-            <a:extLst>
-              <a:ext uri="{FF2B5EF4-FFF2-40B4-BE49-F238E27FC236}">
-                <a16:creationId xmlns:a16="http://schemas.microsoft.com/office/drawing/2014/main" id="{7EC44340-DECD-41FF-9EF3-7C1691BD0CEA}"/>
-              </a:ext>
-            </a:extLst>
-          </p:cNvPr>
-          <p:cNvSpPr/>
-          <p:nvPr/>
-        </p:nvSpPr>
-        <p:spPr>
-          <a:xfrm>
-            <a:off x="2438400" y="2149902"/>
-            <a:ext cx="1073103" cy="828189"/>
-          </a:xfrm>
-          <a:prstGeom prst="roundRect">
-            <a:avLst/>
-          </a:prstGeom>
-        </p:spPr>
-        <p:style>
-          <a:lnRef idx="2">
-            <a:schemeClr val="accent2">
-              <a:shade val="50000"/>
-            </a:schemeClr>
-          </a:lnRef>
-          <a:fillRef idx="1">
-            <a:schemeClr val="accent2"/>
-          </a:fillRef>
-          <a:effectRef idx="0">
-            <a:schemeClr val="accent2"/>
-          </a:effectRef>
-          <a:fontRef idx="minor">
-            <a:schemeClr val="lt1"/>
-          </a:fontRef>
-        </p:style>
-        <p:txBody>
-          <a:bodyPr rtlCol="0" anchor="ctr"/>
-          <a:lstStyle/>
-          <a:p>
-            <a:pPr algn="ctr"/>
-            <a:r>
-              <a:rPr lang="en-US" dirty="0"/>
-              <a:t>Service</a:t>
-            </a:r>
-            <a:br>
-              <a:rPr lang="en-US" dirty="0"/>
-            </a:br>
-            <a:r>
-              <a:rPr lang="en-US" dirty="0"/>
-              <a:t>Port: 3000</a:t>
-            </a:r>
-          </a:p>
-        </p:txBody>
-      </p:sp>
-      <p:cxnSp>
-        <p:nvCxnSpPr>
-          <p:cNvPr id="11" name="Conector de Seta Reta 10">
-            <a:extLst>
-              <a:ext uri="{FF2B5EF4-FFF2-40B4-BE49-F238E27FC236}">
-                <a16:creationId xmlns:a16="http://schemas.microsoft.com/office/drawing/2014/main" id="{EE8329DB-11EC-4960-B5F8-7A90067855C9}"/>
-              </a:ext>
-            </a:extLst>
-          </p:cNvPr>
-          <p:cNvCxnSpPr>
-            <a:cxnSpLocks/>
-          </p:cNvCxnSpPr>
-          <p:nvPr/>
-        </p:nvCxnSpPr>
-        <p:spPr>
-          <a:xfrm flipV="1">
-            <a:off x="3589775" y="2559050"/>
-            <a:ext cx="982224" cy="4946"/>
-          </a:xfrm>
-          <a:prstGeom prst="straightConnector1">
-            <a:avLst/>
-          </a:prstGeom>
-          <a:ln w="9525" cap="flat" cmpd="sng" algn="ctr">
-            <a:solidFill>
-              <a:schemeClr val="dk1"/>
-            </a:solidFill>
-            <a:prstDash val="solid"/>
-            <a:round/>
-            <a:headEnd type="none" w="med" len="med"/>
-            <a:tailEnd type="arrow" w="med" len="med"/>
-          </a:ln>
-        </p:spPr>
-        <p:style>
-          <a:lnRef idx="0">
-            <a:scrgbClr r="0" g="0" b="0"/>
-          </a:lnRef>
-          <a:fillRef idx="0">
-            <a:scrgbClr r="0" g="0" b="0"/>
-          </a:fillRef>
-          <a:effectRef idx="0">
-            <a:scrgbClr r="0" g="0" b="0"/>
-          </a:effectRef>
-          <a:fontRef idx="minor">
-            <a:schemeClr val="tx1"/>
-          </a:fontRef>
-        </p:style>
-      </p:cxnSp>
-      <p:sp>
-        <p:nvSpPr>
-          <p:cNvPr id="13" name="Retângulo: Cantos Arredondados 12">
-            <a:extLst>
-              <a:ext uri="{FF2B5EF4-FFF2-40B4-BE49-F238E27FC236}">
-                <a16:creationId xmlns:a16="http://schemas.microsoft.com/office/drawing/2014/main" id="{1AFBAC96-C91E-425F-8761-9252E223FE0D}"/>
-              </a:ext>
-            </a:extLst>
-          </p:cNvPr>
-          <p:cNvSpPr/>
-          <p:nvPr/>
-        </p:nvSpPr>
-        <p:spPr>
-          <a:xfrm>
-            <a:off x="4656720" y="3113271"/>
-            <a:ext cx="1047750" cy="552450"/>
-          </a:xfrm>
-          <a:prstGeom prst="roundRect">
-            <a:avLst/>
-          </a:prstGeom>
-        </p:spPr>
-        <p:style>
-          <a:lnRef idx="2">
-            <a:schemeClr val="accent2">
-              <a:shade val="50000"/>
-            </a:schemeClr>
-          </a:lnRef>
-          <a:fillRef idx="1">
-            <a:schemeClr val="accent2"/>
-          </a:fillRef>
-          <a:effectRef idx="0">
-            <a:schemeClr val="accent2"/>
-          </a:effectRef>
-          <a:fontRef idx="minor">
-            <a:schemeClr val="lt1"/>
-          </a:fontRef>
-        </p:style>
-        <p:txBody>
-          <a:bodyPr rtlCol="0" anchor="ctr"/>
-          <a:lstStyle/>
-          <a:p>
-            <a:pPr algn="ctr"/>
-            <a:r>
-              <a:rPr lang="en-US" dirty="0"/>
-              <a:t>Pod A</a:t>
-            </a:r>
-          </a:p>
-        </p:txBody>
-      </p:sp>
-      <p:sp>
-        <p:nvSpPr>
-          <p:cNvPr id="14" name="Retângulo: Cantos Arredondados 13">
-            <a:extLst>
-              <a:ext uri="{FF2B5EF4-FFF2-40B4-BE49-F238E27FC236}">
-                <a16:creationId xmlns:a16="http://schemas.microsoft.com/office/drawing/2014/main" id="{74BA78B8-F259-43F7-9AA7-A78D6745A50D}"/>
-              </a:ext>
-            </a:extLst>
-          </p:cNvPr>
-          <p:cNvSpPr/>
-          <p:nvPr/>
-        </p:nvSpPr>
-        <p:spPr>
-          <a:xfrm>
-            <a:off x="4637718" y="1479550"/>
-            <a:ext cx="1047750" cy="552450"/>
-          </a:xfrm>
-          <a:prstGeom prst="roundRect">
-            <a:avLst/>
-          </a:prstGeom>
-        </p:spPr>
-        <p:style>
-          <a:lnRef idx="2">
-            <a:schemeClr val="accent2">
-              <a:shade val="50000"/>
-            </a:schemeClr>
-          </a:lnRef>
-          <a:fillRef idx="1">
-            <a:schemeClr val="accent2"/>
-          </a:fillRef>
-          <a:effectRef idx="0">
-            <a:schemeClr val="accent2"/>
-          </a:effectRef>
-          <a:fontRef idx="minor">
-            <a:schemeClr val="lt1"/>
-          </a:fontRef>
-        </p:style>
-        <p:txBody>
-          <a:bodyPr rtlCol="0" anchor="ctr"/>
-          <a:lstStyle/>
-          <a:p>
-            <a:pPr algn="ctr"/>
-            <a:r>
-              <a:rPr lang="en-US" dirty="0"/>
               <a:t>Pod A</a:t>
             </a:r>
           </a:p>
@@ -7387,13 +6795,14 @@
           </p:cNvPr>
           <p:cNvCxnSpPr>
             <a:cxnSpLocks/>
+            <a:endCxn id="9" idx="0"/>
           </p:cNvCxnSpPr>
           <p:nvPr/>
         </p:nvCxnSpPr>
         <p:spPr>
-          <a:xfrm flipV="1">
-            <a:off x="3589775" y="1755775"/>
-            <a:ext cx="982224" cy="536942"/>
+          <a:xfrm>
+            <a:off x="5210175" y="1460500"/>
+            <a:ext cx="0" cy="449635"/>
           </a:xfrm>
           <a:prstGeom prst="straightConnector1">
             <a:avLst/>
@@ -7438,494 +6847,6 @@
           <p:nvPr/>
         </p:nvCxnSpPr>
         <p:spPr>
-          <a:xfrm>
-            <a:off x="3589775" y="2860122"/>
-            <a:ext cx="982224" cy="529374"/>
-          </a:xfrm>
-          <a:prstGeom prst="straightConnector1">
-            <a:avLst/>
-          </a:prstGeom>
-          <a:ln w="9525" cap="flat" cmpd="sng" algn="ctr">
-            <a:solidFill>
-              <a:schemeClr val="dk1"/>
-            </a:solidFill>
-            <a:prstDash val="solid"/>
-            <a:round/>
-            <a:headEnd type="none" w="med" len="med"/>
-            <a:tailEnd type="arrow" w="med" len="med"/>
-          </a:ln>
-        </p:spPr>
-        <p:style>
-          <a:lnRef idx="0">
-            <a:scrgbClr r="0" g="0" b="0"/>
-          </a:lnRef>
-          <a:fillRef idx="0">
-            <a:scrgbClr r="0" g="0" b="0"/>
-          </a:fillRef>
-          <a:effectRef idx="0">
-            <a:scrgbClr r="0" g="0" b="0"/>
-          </a:effectRef>
-          <a:fontRef idx="minor">
-            <a:schemeClr val="tx1"/>
-          </a:fontRef>
-        </p:style>
-      </p:cxnSp>
-    </p:spTree>
-    <p:extLst>
-      <p:ext uri="{BB962C8B-B14F-4D97-AF65-F5344CB8AC3E}">
-        <p14:creationId xmlns:p14="http://schemas.microsoft.com/office/powerpoint/2010/main" val="3957069949"/>
-      </p:ext>
-    </p:extLst>
-  </p:cSld>
-  <p:clrMapOvr>
-    <a:masterClrMapping/>
-  </p:clrMapOvr>
-</p:sld>
-</file>
-
-<file path=ppt/slides/slide12.xml><?xml version="1.0" encoding="utf-8"?>
-<p:sld xmlns:a="http://schemas.openxmlformats.org/drawingml/2006/main" xmlns:r="http://schemas.openxmlformats.org/officeDocument/2006/relationships" xmlns:p="http://schemas.openxmlformats.org/presentationml/2006/main">
-  <p:cSld>
-    <p:spTree>
-      <p:nvGrpSpPr>
-        <p:cNvPr id="1" name=""/>
-        <p:cNvGrpSpPr/>
-        <p:nvPr/>
-      </p:nvGrpSpPr>
-      <p:grpSpPr>
-        <a:xfrm>
-          <a:off x="0" y="0"/>
-          <a:ext cx="0" cy="0"/>
-          <a:chOff x="0" y="0"/>
-          <a:chExt cx="0" cy="0"/>
-        </a:xfrm>
-      </p:grpSpPr>
-      <p:sp>
-        <p:nvSpPr>
-          <p:cNvPr id="3" name="CaixaDeTexto 2">
-            <a:extLst>
-              <a:ext uri="{FF2B5EF4-FFF2-40B4-BE49-F238E27FC236}">
-                <a16:creationId xmlns:a16="http://schemas.microsoft.com/office/drawing/2014/main" id="{5E9EEC9D-1C6A-47CB-9521-6F601475FFAF}"/>
-              </a:ext>
-            </a:extLst>
-          </p:cNvPr>
-          <p:cNvSpPr txBox="1"/>
-          <p:nvPr/>
-        </p:nvSpPr>
-        <p:spPr>
-          <a:xfrm>
-            <a:off x="2868648" y="140167"/>
-            <a:ext cx="3406702" cy="769441"/>
-          </a:xfrm>
-          <a:prstGeom prst="rect">
-            <a:avLst/>
-          </a:prstGeom>
-          <a:noFill/>
-        </p:spPr>
-        <p:txBody>
-          <a:bodyPr wrap="none" rtlCol="0">
-            <a:spAutoFit/>
-          </a:bodyPr>
-          <a:lstStyle/>
-          <a:p>
-            <a:r>
-              <a:rPr lang="en-US" sz="4400" dirty="0"/>
-              <a:t>Load Balancer</a:t>
-            </a:r>
-          </a:p>
-        </p:txBody>
-      </p:sp>
-      <p:sp>
-        <p:nvSpPr>
-          <p:cNvPr id="4" name="Retângulo: Cantos Arredondados 3">
-            <a:extLst>
-              <a:ext uri="{FF2B5EF4-FFF2-40B4-BE49-F238E27FC236}">
-                <a16:creationId xmlns:a16="http://schemas.microsoft.com/office/drawing/2014/main" id="{5B1C2A4E-AED9-4E6C-9087-3113AE065197}"/>
-              </a:ext>
-            </a:extLst>
-          </p:cNvPr>
-          <p:cNvSpPr/>
-          <p:nvPr/>
-        </p:nvSpPr>
-        <p:spPr>
-          <a:xfrm>
-            <a:off x="2266950" y="1909579"/>
-            <a:ext cx="4267200" cy="2649721"/>
-          </a:xfrm>
-          <a:prstGeom prst="roundRect">
-            <a:avLst/>
-          </a:prstGeom>
-        </p:spPr>
-        <p:style>
-          <a:lnRef idx="2">
-            <a:schemeClr val="accent1">
-              <a:shade val="50000"/>
-            </a:schemeClr>
-          </a:lnRef>
-          <a:fillRef idx="1">
-            <a:schemeClr val="accent1"/>
-          </a:fillRef>
-          <a:effectRef idx="0">
-            <a:schemeClr val="accent1"/>
-          </a:effectRef>
-          <a:fontRef idx="minor">
-            <a:schemeClr val="lt1"/>
-          </a:fontRef>
-        </p:style>
-        <p:txBody>
-          <a:bodyPr rtlCol="0" anchor="ctr"/>
-          <a:lstStyle/>
-          <a:p>
-            <a:pPr algn="ctr"/>
-            <a:endParaRPr lang="en-US"/>
-          </a:p>
-        </p:txBody>
-      </p:sp>
-      <p:sp>
-        <p:nvSpPr>
-          <p:cNvPr id="5" name="CaixaDeTexto 4">
-            <a:extLst>
-              <a:ext uri="{FF2B5EF4-FFF2-40B4-BE49-F238E27FC236}">
-                <a16:creationId xmlns:a16="http://schemas.microsoft.com/office/drawing/2014/main" id="{FA4ECEF8-C35D-45EB-B5B2-CFFB73338780}"/>
-              </a:ext>
-            </a:extLst>
-          </p:cNvPr>
-          <p:cNvSpPr txBox="1"/>
-          <p:nvPr/>
-        </p:nvSpPr>
-        <p:spPr>
-          <a:xfrm>
-            <a:off x="2357828" y="1910135"/>
-            <a:ext cx="1964449" cy="369332"/>
-          </a:xfrm>
-          <a:prstGeom prst="rect">
-            <a:avLst/>
-          </a:prstGeom>
-          <a:noFill/>
-        </p:spPr>
-        <p:txBody>
-          <a:bodyPr wrap="none" rtlCol="0">
-            <a:spAutoFit/>
-          </a:bodyPr>
-          <a:lstStyle/>
-          <a:p>
-            <a:r>
-              <a:rPr lang="en-US" dirty="0">
-                <a:solidFill>
-                  <a:schemeClr val="bg1"/>
-                </a:solidFill>
-              </a:rPr>
-              <a:t>Cluster Kubernetes</a:t>
-            </a:r>
-          </a:p>
-        </p:txBody>
-      </p:sp>
-      <p:sp>
-        <p:nvSpPr>
-          <p:cNvPr id="6" name="Retângulo: Cantos Arredondados 5">
-            <a:extLst>
-              <a:ext uri="{FF2B5EF4-FFF2-40B4-BE49-F238E27FC236}">
-                <a16:creationId xmlns:a16="http://schemas.microsoft.com/office/drawing/2014/main" id="{52BF8AF0-5846-467C-989F-34CCF00149ED}"/>
-              </a:ext>
-            </a:extLst>
-          </p:cNvPr>
-          <p:cNvSpPr/>
-          <p:nvPr/>
-        </p:nvSpPr>
-        <p:spPr>
-          <a:xfrm>
-            <a:off x="4003465" y="3546292"/>
-            <a:ext cx="1047750" cy="552450"/>
-          </a:xfrm>
-          <a:prstGeom prst="roundRect">
-            <a:avLst/>
-          </a:prstGeom>
-        </p:spPr>
-        <p:style>
-          <a:lnRef idx="2">
-            <a:schemeClr val="accent2">
-              <a:shade val="50000"/>
-            </a:schemeClr>
-          </a:lnRef>
-          <a:fillRef idx="1">
-            <a:schemeClr val="accent2"/>
-          </a:fillRef>
-          <a:effectRef idx="0">
-            <a:schemeClr val="accent2"/>
-          </a:effectRef>
-          <a:fontRef idx="minor">
-            <a:schemeClr val="lt1"/>
-          </a:fontRef>
-        </p:style>
-        <p:txBody>
-          <a:bodyPr rtlCol="0" anchor="ctr"/>
-          <a:lstStyle/>
-          <a:p>
-            <a:pPr algn="ctr"/>
-            <a:r>
-              <a:rPr lang="en-US" dirty="0"/>
-              <a:t>Pod A</a:t>
-            </a:r>
-          </a:p>
-        </p:txBody>
-      </p:sp>
-      <p:sp>
-        <p:nvSpPr>
-          <p:cNvPr id="9" name="Retângulo: Cantos Arredondados 8">
-            <a:extLst>
-              <a:ext uri="{FF2B5EF4-FFF2-40B4-BE49-F238E27FC236}">
-                <a16:creationId xmlns:a16="http://schemas.microsoft.com/office/drawing/2014/main" id="{7EC44340-DECD-41FF-9EF3-7C1691BD0CEA}"/>
-              </a:ext>
-            </a:extLst>
-          </p:cNvPr>
-          <p:cNvSpPr/>
-          <p:nvPr/>
-        </p:nvSpPr>
-        <p:spPr>
-          <a:xfrm>
-            <a:off x="4686300" y="1910135"/>
-            <a:ext cx="1047750" cy="369332"/>
-          </a:xfrm>
-          <a:prstGeom prst="roundRect">
-            <a:avLst/>
-          </a:prstGeom>
-        </p:spPr>
-        <p:style>
-          <a:lnRef idx="2">
-            <a:schemeClr val="accent2">
-              <a:shade val="50000"/>
-            </a:schemeClr>
-          </a:lnRef>
-          <a:fillRef idx="1">
-            <a:schemeClr val="accent2"/>
-          </a:fillRef>
-          <a:effectRef idx="0">
-            <a:schemeClr val="accent2"/>
-          </a:effectRef>
-          <a:fontRef idx="minor">
-            <a:schemeClr val="lt1"/>
-          </a:fontRef>
-        </p:style>
-        <p:txBody>
-          <a:bodyPr rtlCol="0" anchor="ctr"/>
-          <a:lstStyle/>
-          <a:p>
-            <a:pPr algn="ctr"/>
-            <a:r>
-              <a:rPr lang="en-US" dirty="0"/>
-              <a:t>Service</a:t>
-            </a:r>
-          </a:p>
-        </p:txBody>
-      </p:sp>
-      <p:cxnSp>
-        <p:nvCxnSpPr>
-          <p:cNvPr id="11" name="Conector de Seta Reta 10">
-            <a:extLst>
-              <a:ext uri="{FF2B5EF4-FFF2-40B4-BE49-F238E27FC236}">
-                <a16:creationId xmlns:a16="http://schemas.microsoft.com/office/drawing/2014/main" id="{EE8329DB-11EC-4960-B5F8-7A90067855C9}"/>
-              </a:ext>
-            </a:extLst>
-          </p:cNvPr>
-          <p:cNvCxnSpPr>
-            <a:cxnSpLocks/>
-          </p:cNvCxnSpPr>
-          <p:nvPr/>
-        </p:nvCxnSpPr>
-        <p:spPr>
-          <a:xfrm>
-            <a:off x="5454651" y="2383842"/>
-            <a:ext cx="415365" cy="1093634"/>
-          </a:xfrm>
-          <a:prstGeom prst="straightConnector1">
-            <a:avLst/>
-          </a:prstGeom>
-          <a:ln w="9525" cap="flat" cmpd="sng" algn="ctr">
-            <a:solidFill>
-              <a:schemeClr val="dk1"/>
-            </a:solidFill>
-            <a:prstDash val="solid"/>
-            <a:round/>
-            <a:headEnd type="none" w="med" len="med"/>
-            <a:tailEnd type="arrow" w="med" len="med"/>
-          </a:ln>
-        </p:spPr>
-        <p:style>
-          <a:lnRef idx="0">
-            <a:scrgbClr r="0" g="0" b="0"/>
-          </a:lnRef>
-          <a:fillRef idx="0">
-            <a:scrgbClr r="0" g="0" b="0"/>
-          </a:fillRef>
-          <a:effectRef idx="0">
-            <a:scrgbClr r="0" g="0" b="0"/>
-          </a:effectRef>
-          <a:fontRef idx="minor">
-            <a:schemeClr val="tx1"/>
-          </a:fontRef>
-        </p:style>
-      </p:cxnSp>
-      <p:sp>
-        <p:nvSpPr>
-          <p:cNvPr id="13" name="Retângulo: Cantos Arredondados 12">
-            <a:extLst>
-              <a:ext uri="{FF2B5EF4-FFF2-40B4-BE49-F238E27FC236}">
-                <a16:creationId xmlns:a16="http://schemas.microsoft.com/office/drawing/2014/main" id="{1AFBAC96-C91E-425F-8761-9252E223FE0D}"/>
-              </a:ext>
-            </a:extLst>
-          </p:cNvPr>
-          <p:cNvSpPr/>
-          <p:nvPr/>
-        </p:nvSpPr>
-        <p:spPr>
-          <a:xfrm>
-            <a:off x="5346141" y="3546292"/>
-            <a:ext cx="1047750" cy="552450"/>
-          </a:xfrm>
-          <a:prstGeom prst="roundRect">
-            <a:avLst/>
-          </a:prstGeom>
-        </p:spPr>
-        <p:style>
-          <a:lnRef idx="2">
-            <a:schemeClr val="accent2">
-              <a:shade val="50000"/>
-            </a:schemeClr>
-          </a:lnRef>
-          <a:fillRef idx="1">
-            <a:schemeClr val="accent2"/>
-          </a:fillRef>
-          <a:effectRef idx="0">
-            <a:schemeClr val="accent2"/>
-          </a:effectRef>
-          <a:fontRef idx="minor">
-            <a:schemeClr val="lt1"/>
-          </a:fontRef>
-        </p:style>
-        <p:txBody>
-          <a:bodyPr rtlCol="0" anchor="ctr"/>
-          <a:lstStyle/>
-          <a:p>
-            <a:pPr algn="ctr"/>
-            <a:r>
-              <a:rPr lang="en-US" dirty="0"/>
-              <a:t>Pod A</a:t>
-            </a:r>
-          </a:p>
-        </p:txBody>
-      </p:sp>
-      <p:sp>
-        <p:nvSpPr>
-          <p:cNvPr id="14" name="Retângulo: Cantos Arredondados 13">
-            <a:extLst>
-              <a:ext uri="{FF2B5EF4-FFF2-40B4-BE49-F238E27FC236}">
-                <a16:creationId xmlns:a16="http://schemas.microsoft.com/office/drawing/2014/main" id="{74BA78B8-F259-43F7-9AA7-A78D6745A50D}"/>
-              </a:ext>
-            </a:extLst>
-          </p:cNvPr>
-          <p:cNvSpPr/>
-          <p:nvPr/>
-        </p:nvSpPr>
-        <p:spPr>
-          <a:xfrm>
-            <a:off x="2663145" y="3546292"/>
-            <a:ext cx="1047750" cy="552450"/>
-          </a:xfrm>
-          <a:prstGeom prst="roundRect">
-            <a:avLst/>
-          </a:prstGeom>
-        </p:spPr>
-        <p:style>
-          <a:lnRef idx="2">
-            <a:schemeClr val="accent2">
-              <a:shade val="50000"/>
-            </a:schemeClr>
-          </a:lnRef>
-          <a:fillRef idx="1">
-            <a:schemeClr val="accent2"/>
-          </a:fillRef>
-          <a:effectRef idx="0">
-            <a:schemeClr val="accent2"/>
-          </a:effectRef>
-          <a:fontRef idx="minor">
-            <a:schemeClr val="lt1"/>
-          </a:fontRef>
-        </p:style>
-        <p:txBody>
-          <a:bodyPr rtlCol="0" anchor="ctr"/>
-          <a:lstStyle/>
-          <a:p>
-            <a:pPr algn="ctr"/>
-            <a:r>
-              <a:rPr lang="en-US" dirty="0"/>
-              <a:t>Pod A</a:t>
-            </a:r>
-          </a:p>
-        </p:txBody>
-      </p:sp>
-      <p:cxnSp>
-        <p:nvCxnSpPr>
-          <p:cNvPr id="15" name="Conector de Seta Reta 14">
-            <a:extLst>
-              <a:ext uri="{FF2B5EF4-FFF2-40B4-BE49-F238E27FC236}">
-                <a16:creationId xmlns:a16="http://schemas.microsoft.com/office/drawing/2014/main" id="{7DF40A8D-93C3-458F-B2EA-EDABBBB13E23}"/>
-              </a:ext>
-            </a:extLst>
-          </p:cNvPr>
-          <p:cNvCxnSpPr>
-            <a:cxnSpLocks/>
-            <a:endCxn id="9" idx="0"/>
-          </p:cNvCxnSpPr>
-          <p:nvPr/>
-        </p:nvCxnSpPr>
-        <p:spPr>
-          <a:xfrm>
-            <a:off x="5210175" y="1460500"/>
-            <a:ext cx="0" cy="449635"/>
-          </a:xfrm>
-          <a:prstGeom prst="straightConnector1">
-            <a:avLst/>
-          </a:prstGeom>
-          <a:ln w="9525" cap="flat" cmpd="sng" algn="ctr">
-            <a:solidFill>
-              <a:schemeClr val="dk1"/>
-            </a:solidFill>
-            <a:prstDash val="solid"/>
-            <a:round/>
-            <a:headEnd type="none" w="med" len="med"/>
-            <a:tailEnd type="arrow" w="med" len="med"/>
-          </a:ln>
-        </p:spPr>
-        <p:style>
-          <a:lnRef idx="0">
-            <a:scrgbClr r="0" g="0" b="0"/>
-          </a:lnRef>
-          <a:fillRef idx="0">
-            <a:scrgbClr r="0" g="0" b="0"/>
-          </a:fillRef>
-          <a:effectRef idx="0">
-            <a:scrgbClr r="0" g="0" b="0"/>
-          </a:effectRef>
-          <a:fontRef idx="minor">
-            <a:schemeClr val="tx1"/>
-          </a:fontRef>
-        </p:style>
-      </p:cxnSp>
-      <p:cxnSp>
-        <p:nvCxnSpPr>
-          <p:cNvPr id="16" name="Conector de Seta Reta 15">
-            <a:extLst>
-              <a:ext uri="{FF2B5EF4-FFF2-40B4-BE49-F238E27FC236}">
-                <a16:creationId xmlns:a16="http://schemas.microsoft.com/office/drawing/2014/main" id="{2E3C9B6F-13BA-438B-80C2-67992C737F44}"/>
-              </a:ext>
-            </a:extLst>
-          </p:cNvPr>
-          <p:cNvCxnSpPr>
-            <a:cxnSpLocks/>
-          </p:cNvCxnSpPr>
-          <p:nvPr/>
-        </p:nvCxnSpPr>
-        <p:spPr>
           <a:xfrm flipH="1">
             <a:off x="3232150" y="2374134"/>
             <a:ext cx="1617131" cy="1068934"/>
@@ -8067,7 +6988,7 @@
 </p:sld>
 </file>
 
-<file path=ppt/slides/slide13.xml><?xml version="1.0" encoding="utf-8"?>
+<file path=ppt/slides/slide11.xml><?xml version="1.0" encoding="utf-8"?>
 <p:sld xmlns:a="http://schemas.openxmlformats.org/drawingml/2006/main" xmlns:r="http://schemas.openxmlformats.org/officeDocument/2006/relationships" xmlns:p="http://schemas.openxmlformats.org/presentationml/2006/main">
   <p:cSld>
     <p:spTree>
@@ -8458,7 +7379,534 @@
 </p:sld>
 </file>
 
-<file path=ppt/slides/slide14.xml><?xml version="1.0" encoding="utf-8"?>
+<file path=ppt/slides/slide2.xml><?xml version="1.0" encoding="utf-8"?>
+<p:sld xmlns:a="http://schemas.openxmlformats.org/drawingml/2006/main" xmlns:r="http://schemas.openxmlformats.org/officeDocument/2006/relationships" xmlns:p="http://schemas.openxmlformats.org/presentationml/2006/main">
+  <p:cSld>
+    <p:spTree>
+      <p:nvGrpSpPr>
+        <p:cNvPr id="1" name="Shape 350"/>
+        <p:cNvGrpSpPr/>
+        <p:nvPr/>
+      </p:nvGrpSpPr>
+      <p:grpSpPr>
+        <a:xfrm>
+          <a:off x="0" y="0"/>
+          <a:ext cx="0" cy="0"/>
+          <a:chOff x="0" y="0"/>
+          <a:chExt cx="0" cy="0"/>
+        </a:xfrm>
+      </p:grpSpPr>
+      <p:sp>
+        <p:nvSpPr>
+          <p:cNvPr id="9" name="Google Shape;352;p13">
+            <a:extLst>
+              <a:ext uri="{FF2B5EF4-FFF2-40B4-BE49-F238E27FC236}">
+                <a16:creationId xmlns:a16="http://schemas.microsoft.com/office/drawing/2014/main" id="{1018BA2E-FDE0-4044-AA13-4C495BF1C438}"/>
+              </a:ext>
+            </a:extLst>
+          </p:cNvPr>
+          <p:cNvSpPr txBox="1">
+            <a:spLocks noGrp="1"/>
+          </p:cNvSpPr>
+          <p:nvPr>
+            <p:ph type="body" sz="half" idx="2"/>
+          </p:nvPr>
+        </p:nvSpPr>
+        <p:spPr>
+          <a:xfrm>
+            <a:off x="3310851" y="255201"/>
+            <a:ext cx="5496362" cy="1502430"/>
+          </a:xfrm>
+          <a:prstGeom prst="rect">
+            <a:avLst/>
+          </a:prstGeom>
+        </p:spPr>
+        <p:txBody>
+          <a:bodyPr spcFirstLastPara="1" wrap="square" lIns="91425" tIns="91425" rIns="91425" bIns="91425" anchor="t" anchorCtr="0">
+            <a:noAutofit/>
+          </a:bodyPr>
+          <a:lstStyle/>
+          <a:p>
+            <a:pPr marL="0" indent="0">
+              <a:lnSpc>
+                <a:spcPct val="85000"/>
+              </a:lnSpc>
+              <a:spcBef>
+                <a:spcPct val="0"/>
+              </a:spcBef>
+              <a:spcAft>
+                <a:spcPts val="0"/>
+              </a:spcAft>
+            </a:pPr>
+            <a:r>
+              <a:rPr lang="en-US" sz="4800" b="1" spc="-38" dirty="0" err="1">
+                <a:solidFill>
+                  <a:schemeClr val="tx1">
+                    <a:lumMod val="85000"/>
+                    <a:lumOff val="15000"/>
+                  </a:schemeClr>
+                </a:solidFill>
+                <a:latin typeface="Roboto" panose="02000000000000000000" pitchFamily="2" charset="0"/>
+                <a:ea typeface="Roboto" panose="02000000000000000000" pitchFamily="2" charset="0"/>
+                <a:cs typeface="+mj-cs"/>
+              </a:rPr>
+              <a:t>Fabrício</a:t>
+            </a:r>
+            <a:r>
+              <a:rPr lang="en-US" sz="4800" b="1" spc="-38" dirty="0">
+                <a:solidFill>
+                  <a:schemeClr val="tx1">
+                    <a:lumMod val="85000"/>
+                    <a:lumOff val="15000"/>
+                  </a:schemeClr>
+                </a:solidFill>
+                <a:latin typeface="Roboto" panose="02000000000000000000" pitchFamily="2" charset="0"/>
+                <a:ea typeface="Roboto" panose="02000000000000000000" pitchFamily="2" charset="0"/>
+                <a:cs typeface="+mj-cs"/>
+              </a:rPr>
+              <a:t> Veronez</a:t>
+            </a:r>
+            <a:endParaRPr sz="4800" b="1" spc="-38" dirty="0">
+              <a:solidFill>
+                <a:schemeClr val="tx1">
+                  <a:lumMod val="85000"/>
+                  <a:lumOff val="15000"/>
+                </a:schemeClr>
+              </a:solidFill>
+              <a:latin typeface="Roboto" panose="02000000000000000000" pitchFamily="2" charset="0"/>
+              <a:ea typeface="Roboto" panose="02000000000000000000" pitchFamily="2" charset="0"/>
+              <a:cs typeface="+mj-cs"/>
+            </a:endParaRPr>
+          </a:p>
+          <a:p>
+            <a:pPr marL="0" indent="0">
+              <a:lnSpc>
+                <a:spcPct val="85000"/>
+              </a:lnSpc>
+              <a:spcBef>
+                <a:spcPct val="0"/>
+              </a:spcBef>
+              <a:spcAft>
+                <a:spcPts val="0"/>
+              </a:spcAft>
+            </a:pPr>
+            <a:r>
+              <a:rPr lang="en-US" sz="3200" spc="-38" dirty="0" err="1">
+                <a:solidFill>
+                  <a:schemeClr val="tx1">
+                    <a:lumMod val="85000"/>
+                    <a:lumOff val="15000"/>
+                  </a:schemeClr>
+                </a:solidFill>
+                <a:latin typeface="Roboto" panose="02000000000000000000" pitchFamily="2" charset="0"/>
+                <a:ea typeface="Roboto" panose="02000000000000000000" pitchFamily="2" charset="0"/>
+                <a:cs typeface="+mj-cs"/>
+              </a:rPr>
+              <a:t>Arquiteto</a:t>
+            </a:r>
+            <a:r>
+              <a:rPr lang="en-US" sz="3200" spc="-38" dirty="0">
+                <a:solidFill>
+                  <a:schemeClr val="tx1">
+                    <a:lumMod val="85000"/>
+                    <a:lumOff val="15000"/>
+                  </a:schemeClr>
+                </a:solidFill>
+                <a:latin typeface="Roboto" panose="02000000000000000000" pitchFamily="2" charset="0"/>
+                <a:ea typeface="Roboto" panose="02000000000000000000" pitchFamily="2" charset="0"/>
+                <a:cs typeface="+mj-cs"/>
+              </a:rPr>
+              <a:t> de </a:t>
+            </a:r>
+            <a:r>
+              <a:rPr lang="en-US" sz="3200" spc="-38" dirty="0" err="1">
+                <a:solidFill>
+                  <a:schemeClr val="tx1">
+                    <a:lumMod val="85000"/>
+                    <a:lumOff val="15000"/>
+                  </a:schemeClr>
+                </a:solidFill>
+                <a:latin typeface="Roboto" panose="02000000000000000000" pitchFamily="2" charset="0"/>
+                <a:ea typeface="Roboto" panose="02000000000000000000" pitchFamily="2" charset="0"/>
+                <a:cs typeface="+mj-cs"/>
+              </a:rPr>
+              <a:t>Soluções</a:t>
+            </a:r>
+            <a:endParaRPr sz="3200" spc="-38" dirty="0">
+              <a:solidFill>
+                <a:schemeClr val="tx1">
+                  <a:lumMod val="85000"/>
+                  <a:lumOff val="15000"/>
+                </a:schemeClr>
+              </a:solidFill>
+              <a:latin typeface="Roboto" panose="02000000000000000000" pitchFamily="2" charset="0"/>
+              <a:ea typeface="Roboto" panose="02000000000000000000" pitchFamily="2" charset="0"/>
+              <a:cs typeface="+mj-cs"/>
+            </a:endParaRPr>
+          </a:p>
+        </p:txBody>
+      </p:sp>
+      <p:sp>
+        <p:nvSpPr>
+          <p:cNvPr id="12" name="CaixaDeTexto 11">
+            <a:extLst>
+              <a:ext uri="{FF2B5EF4-FFF2-40B4-BE49-F238E27FC236}">
+                <a16:creationId xmlns:a16="http://schemas.microsoft.com/office/drawing/2014/main" id="{2CFE1A40-C45B-403D-8565-3D82BCD84EDC}"/>
+              </a:ext>
+            </a:extLst>
+          </p:cNvPr>
+          <p:cNvSpPr txBox="1"/>
+          <p:nvPr/>
+        </p:nvSpPr>
+        <p:spPr>
+          <a:xfrm>
+            <a:off x="3310851" y="3465547"/>
+            <a:ext cx="5649175" cy="1546577"/>
+          </a:xfrm>
+          <a:prstGeom prst="rect">
+            <a:avLst/>
+          </a:prstGeom>
+          <a:noFill/>
+        </p:spPr>
+        <p:txBody>
+          <a:bodyPr wrap="none" rtlCol="0">
+            <a:spAutoFit/>
+          </a:bodyPr>
+          <a:lstStyle/>
+          <a:p>
+            <a:pPr>
+              <a:lnSpc>
+                <a:spcPct val="85000"/>
+              </a:lnSpc>
+              <a:spcBef>
+                <a:spcPct val="0"/>
+              </a:spcBef>
+            </a:pPr>
+            <a:r>
+              <a:rPr lang="en-US" spc="-38" dirty="0">
+                <a:solidFill>
+                  <a:schemeClr val="tx1">
+                    <a:lumMod val="85000"/>
+                    <a:lumOff val="15000"/>
+                  </a:schemeClr>
+                </a:solidFill>
+                <a:ea typeface="Roboto" panose="02000000000000000000" pitchFamily="2" charset="0"/>
+              </a:rPr>
+              <a:t>YouTube – </a:t>
+            </a:r>
+            <a:r>
+              <a:rPr lang="pt-BR" dirty="0">
+                <a:hlinkClick r:id="rId3"/>
+              </a:rPr>
+              <a:t>https://www.youtube.com/c/fabricioveronez</a:t>
+            </a:r>
+            <a:br>
+              <a:rPr lang="pt-BR" dirty="0"/>
+            </a:br>
+            <a:r>
+              <a:rPr lang="en-US" spc="-38" dirty="0">
+                <a:solidFill>
+                  <a:schemeClr val="tx1">
+                    <a:lumMod val="85000"/>
+                    <a:lumOff val="15000"/>
+                  </a:schemeClr>
+                </a:solidFill>
+                <a:ea typeface="Roboto" panose="02000000000000000000" pitchFamily="2" charset="0"/>
+              </a:rPr>
+              <a:t>Facebook - </a:t>
+            </a:r>
+            <a:r>
+              <a:rPr lang="pt-BR" dirty="0">
+                <a:hlinkClick r:id="rId4"/>
+              </a:rPr>
+              <a:t>http://www.facebook.com/fabricioveronezdev/</a:t>
+            </a:r>
+            <a:endParaRPr lang="en-US" spc="-38" dirty="0">
+              <a:solidFill>
+                <a:schemeClr val="tx1">
+                  <a:lumMod val="85000"/>
+                  <a:lumOff val="15000"/>
+                </a:schemeClr>
+              </a:solidFill>
+              <a:ea typeface="Roboto" panose="02000000000000000000" pitchFamily="2" charset="0"/>
+            </a:endParaRPr>
+          </a:p>
+          <a:p>
+            <a:pPr>
+              <a:lnSpc>
+                <a:spcPct val="85000"/>
+              </a:lnSpc>
+              <a:spcBef>
+                <a:spcPct val="0"/>
+              </a:spcBef>
+            </a:pPr>
+            <a:r>
+              <a:rPr lang="en-US" spc="-38" dirty="0" err="1">
+                <a:solidFill>
+                  <a:schemeClr val="tx1">
+                    <a:lumMod val="85000"/>
+                    <a:lumOff val="15000"/>
+                  </a:schemeClr>
+                </a:solidFill>
+                <a:ea typeface="Roboto" panose="02000000000000000000" pitchFamily="2" charset="0"/>
+              </a:rPr>
+              <a:t>Linkedin</a:t>
+            </a:r>
+            <a:r>
+              <a:rPr lang="en-US" spc="-38" dirty="0">
+                <a:solidFill>
+                  <a:schemeClr val="tx1">
+                    <a:lumMod val="85000"/>
+                    <a:lumOff val="15000"/>
+                  </a:schemeClr>
+                </a:solidFill>
+                <a:ea typeface="Roboto" panose="02000000000000000000" pitchFamily="2" charset="0"/>
+              </a:rPr>
+              <a:t> - </a:t>
+            </a:r>
+            <a:r>
+              <a:rPr lang="en-US" spc="-38" dirty="0">
+                <a:solidFill>
+                  <a:schemeClr val="tx1">
+                    <a:lumMod val="85000"/>
+                    <a:lumOff val="15000"/>
+                  </a:schemeClr>
+                </a:solidFill>
+                <a:ea typeface="Roboto" panose="02000000000000000000" pitchFamily="2" charset="0"/>
+                <a:hlinkClick r:id="rId5"/>
+              </a:rPr>
+              <a:t>http://www.linkedin.com/in/fabricioveronez</a:t>
+            </a:r>
+            <a:endParaRPr lang="en-US" spc="-38" dirty="0">
+              <a:solidFill>
+                <a:schemeClr val="tx1">
+                  <a:lumMod val="85000"/>
+                  <a:lumOff val="15000"/>
+                </a:schemeClr>
+              </a:solidFill>
+              <a:ea typeface="Roboto" panose="02000000000000000000" pitchFamily="2" charset="0"/>
+            </a:endParaRPr>
+          </a:p>
+          <a:p>
+            <a:pPr>
+              <a:lnSpc>
+                <a:spcPct val="85000"/>
+              </a:lnSpc>
+              <a:spcBef>
+                <a:spcPct val="0"/>
+              </a:spcBef>
+            </a:pPr>
+            <a:r>
+              <a:rPr lang="en-US" spc="-38" dirty="0">
+                <a:solidFill>
+                  <a:schemeClr val="tx1">
+                    <a:lumMod val="85000"/>
+                    <a:lumOff val="15000"/>
+                  </a:schemeClr>
+                </a:solidFill>
+                <a:ea typeface="Roboto" panose="02000000000000000000" pitchFamily="2" charset="0"/>
+              </a:rPr>
+              <a:t>Instagram - </a:t>
+            </a:r>
+            <a:r>
+              <a:rPr lang="en-US" spc="-38" dirty="0" err="1">
+                <a:solidFill>
+                  <a:schemeClr val="tx1">
+                    <a:lumMod val="85000"/>
+                    <a:lumOff val="15000"/>
+                  </a:schemeClr>
+                </a:solidFill>
+                <a:ea typeface="Roboto" panose="02000000000000000000" pitchFamily="2" charset="0"/>
+              </a:rPr>
+              <a:t>fabricioveronez</a:t>
+            </a:r>
+            <a:endParaRPr lang="en-US" spc="-38" dirty="0">
+              <a:solidFill>
+                <a:schemeClr val="tx1">
+                  <a:lumMod val="85000"/>
+                  <a:lumOff val="15000"/>
+                </a:schemeClr>
+              </a:solidFill>
+              <a:ea typeface="Roboto" panose="02000000000000000000" pitchFamily="2" charset="0"/>
+            </a:endParaRPr>
+          </a:p>
+          <a:p>
+            <a:pPr>
+              <a:lnSpc>
+                <a:spcPct val="85000"/>
+              </a:lnSpc>
+              <a:spcBef>
+                <a:spcPct val="0"/>
+              </a:spcBef>
+            </a:pPr>
+            <a:r>
+              <a:rPr lang="en-US" spc="-38" dirty="0">
+                <a:solidFill>
+                  <a:schemeClr val="tx1">
+                    <a:lumMod val="85000"/>
+                    <a:lumOff val="15000"/>
+                  </a:schemeClr>
+                </a:solidFill>
+                <a:ea typeface="Roboto" panose="02000000000000000000" pitchFamily="2" charset="0"/>
+              </a:rPr>
+              <a:t>Telegram - </a:t>
+            </a:r>
+            <a:r>
+              <a:rPr lang="en-US" spc="-38" dirty="0" err="1">
+                <a:solidFill>
+                  <a:schemeClr val="tx1">
+                    <a:lumMod val="85000"/>
+                    <a:lumOff val="15000"/>
+                  </a:schemeClr>
+                </a:solidFill>
+                <a:ea typeface="Roboto" panose="02000000000000000000" pitchFamily="2" charset="0"/>
+              </a:rPr>
+              <a:t>jornadakubernetes</a:t>
+            </a:r>
+            <a:endParaRPr lang="en-US" spc="-38" dirty="0">
+              <a:solidFill>
+                <a:schemeClr val="tx1">
+                  <a:lumMod val="85000"/>
+                  <a:lumOff val="15000"/>
+                </a:schemeClr>
+              </a:solidFill>
+              <a:ea typeface="Roboto" panose="02000000000000000000" pitchFamily="2" charset="0"/>
+            </a:endParaRPr>
+          </a:p>
+          <a:p>
+            <a:endParaRPr lang="en-US" dirty="0"/>
+          </a:p>
+        </p:txBody>
+      </p:sp>
+      <p:pic>
+        <p:nvPicPr>
+          <p:cNvPr id="13" name="Imagem 12">
+            <a:extLst>
+              <a:ext uri="{FF2B5EF4-FFF2-40B4-BE49-F238E27FC236}">
+                <a16:creationId xmlns:a16="http://schemas.microsoft.com/office/drawing/2014/main" id="{2F9450F7-57C3-4B2A-84A1-BEC5AB05EFB2}"/>
+              </a:ext>
+            </a:extLst>
+          </p:cNvPr>
+          <p:cNvPicPr>
+            <a:picLocks noChangeAspect="1"/>
+          </p:cNvPicPr>
+          <p:nvPr/>
+        </p:nvPicPr>
+        <p:blipFill>
+          <a:blip r:embed="rId6"/>
+          <a:stretch>
+            <a:fillRect/>
+          </a:stretch>
+        </p:blipFill>
+        <p:spPr>
+          <a:xfrm>
+            <a:off x="457831" y="284018"/>
+            <a:ext cx="2127461" cy="2127461"/>
+          </a:xfrm>
+          <a:prstGeom prst="rect">
+            <a:avLst/>
+          </a:prstGeom>
+        </p:spPr>
+      </p:pic>
+      <p:pic>
+        <p:nvPicPr>
+          <p:cNvPr id="14" name="Imagem 13">
+            <a:extLst>
+              <a:ext uri="{FF2B5EF4-FFF2-40B4-BE49-F238E27FC236}">
+                <a16:creationId xmlns:a16="http://schemas.microsoft.com/office/drawing/2014/main" id="{2814084F-88C0-4E7A-B6DE-A817038DB86C}"/>
+              </a:ext>
+            </a:extLst>
+          </p:cNvPr>
+          <p:cNvPicPr>
+            <a:picLocks noChangeAspect="1"/>
+          </p:cNvPicPr>
+          <p:nvPr/>
+        </p:nvPicPr>
+        <p:blipFill>
+          <a:blip r:embed="rId7"/>
+          <a:stretch>
+            <a:fillRect/>
+          </a:stretch>
+        </p:blipFill>
+        <p:spPr>
+          <a:xfrm>
+            <a:off x="3385580" y="683862"/>
+            <a:ext cx="3482360" cy="1957871"/>
+          </a:xfrm>
+          <a:prstGeom prst="rect">
+            <a:avLst/>
+          </a:prstGeom>
+        </p:spPr>
+      </p:pic>
+      <p:pic>
+        <p:nvPicPr>
+          <p:cNvPr id="3" name="Imagem 2">
+            <a:extLst>
+              <a:ext uri="{FF2B5EF4-FFF2-40B4-BE49-F238E27FC236}">
+                <a16:creationId xmlns:a16="http://schemas.microsoft.com/office/drawing/2014/main" id="{F46A1ECC-C062-4775-B631-EBD3720EE866}"/>
+              </a:ext>
+            </a:extLst>
+          </p:cNvPr>
+          <p:cNvPicPr>
+            <a:picLocks noChangeAspect="1"/>
+          </p:cNvPicPr>
+          <p:nvPr/>
+        </p:nvPicPr>
+        <p:blipFill>
+          <a:blip r:embed="rId8"/>
+          <a:stretch>
+            <a:fillRect/>
+          </a:stretch>
+        </p:blipFill>
+        <p:spPr>
+          <a:xfrm>
+            <a:off x="3385580" y="2765558"/>
+            <a:ext cx="2444750" cy="790724"/>
+          </a:xfrm>
+          <a:prstGeom prst="rect">
+            <a:avLst/>
+          </a:prstGeom>
+        </p:spPr>
+      </p:pic>
+      <p:pic>
+        <p:nvPicPr>
+          <p:cNvPr id="20" name="Imagem 19">
+            <a:extLst>
+              <a:ext uri="{FF2B5EF4-FFF2-40B4-BE49-F238E27FC236}">
+                <a16:creationId xmlns:a16="http://schemas.microsoft.com/office/drawing/2014/main" id="{2CA257D4-411A-44CB-8618-85E92E4BB85B}"/>
+              </a:ext>
+            </a:extLst>
+          </p:cNvPr>
+          <p:cNvPicPr>
+            <a:picLocks noChangeAspect="1"/>
+          </p:cNvPicPr>
+          <p:nvPr/>
+        </p:nvPicPr>
+        <p:blipFill>
+          <a:blip r:embed="rId9"/>
+          <a:stretch>
+            <a:fillRect/>
+          </a:stretch>
+        </p:blipFill>
+        <p:spPr>
+          <a:xfrm>
+            <a:off x="3385580" y="2153579"/>
+            <a:ext cx="3225423" cy="608082"/>
+          </a:xfrm>
+          <a:prstGeom prst="rect">
+            <a:avLst/>
+          </a:prstGeom>
+        </p:spPr>
+      </p:pic>
+    </p:spTree>
+  </p:cSld>
+  <p:clrMapOvr>
+    <a:masterClrMapping/>
+  </p:clrMapOvr>
+</p:sld>
+</file>
+
+<file path=ppt/slides/slide3.xml><?xml version="1.0" encoding="utf-8"?>
 <p:sld xmlns:a="http://schemas.openxmlformats.org/drawingml/2006/main" xmlns:r="http://schemas.openxmlformats.org/officeDocument/2006/relationships" xmlns:p="http://schemas.openxmlformats.org/presentationml/2006/main">
   <p:cSld>
     <p:spTree>
@@ -8477,10 +7925,10 @@
       </p:grpSpPr>
       <p:sp>
         <p:nvSpPr>
-          <p:cNvPr id="6" name="CaixaDeTexto 5">
+          <p:cNvPr id="5" name="CaixaDeTexto 4">
             <a:extLst>
               <a:ext uri="{FF2B5EF4-FFF2-40B4-BE49-F238E27FC236}">
-                <a16:creationId xmlns:a16="http://schemas.microsoft.com/office/drawing/2014/main" id="{4DA9B1BD-4C6D-4BA6-A19A-E4B7E5A32637}"/>
+                <a16:creationId xmlns:a16="http://schemas.microsoft.com/office/drawing/2014/main" id="{FA4ECEF8-C35D-45EB-B5B2-CFFB73338780}"/>
               </a:ext>
             </a:extLst>
           </p:cNvPr>
@@ -8489,8 +7937,8 @@
         </p:nvSpPr>
         <p:spPr>
           <a:xfrm>
-            <a:off x="0" y="323272"/>
-            <a:ext cx="9144000" cy="707886"/>
+            <a:off x="2436551" y="1601298"/>
+            <a:ext cx="1964449" cy="369332"/>
           </a:xfrm>
           <a:prstGeom prst="rect">
             <a:avLst/>
@@ -8498,108 +7946,54 @@
           <a:noFill/>
         </p:spPr>
         <p:txBody>
-          <a:bodyPr wrap="square" rtlCol="0">
+          <a:bodyPr wrap="none" rtlCol="0">
             <a:spAutoFit/>
           </a:bodyPr>
           <a:lstStyle/>
           <a:p>
-            <a:pPr algn="ctr"/>
-            <a:r>
-              <a:rPr lang="pt-BR" sz="4000" dirty="0">
-                <a:latin typeface="Roboto" panose="02000000000000000000" pitchFamily="2" charset="0"/>
-                <a:ea typeface="Roboto" panose="02000000000000000000" pitchFamily="2" charset="0"/>
+            <a:r>
+              <a:rPr lang="en-US" dirty="0">
+                <a:solidFill>
+                  <a:schemeClr val="bg1"/>
+                </a:solidFill>
               </a:rPr>
-              <a:t>Proposta</a:t>
-            </a:r>
-          </a:p>
-        </p:txBody>
-      </p:sp>
-      <p:pic>
-        <p:nvPicPr>
-          <p:cNvPr id="2" name="Imagem 1"/>
-          <p:cNvPicPr>
-            <a:picLocks noChangeAspect="1"/>
-          </p:cNvPicPr>
-          <p:nvPr/>
-        </p:nvPicPr>
-        <p:blipFill>
-          <a:blip r:embed="rId2">
+              <a:t>Cluster Kubernetes</a:t>
+            </a:r>
+          </a:p>
+        </p:txBody>
+      </p:sp>
+      <p:sp>
+        <p:nvSpPr>
+          <p:cNvPr id="9" name="Retângulo: Cantos Arredondados 8">
             <a:extLst>
-              <a:ext uri="{28A0092B-C50C-407E-A947-70E740481C1C}">
-                <a14:useLocalDpi xmlns:a14="http://schemas.microsoft.com/office/drawing/2010/main" val="0"/>
+              <a:ext uri="{FF2B5EF4-FFF2-40B4-BE49-F238E27FC236}">
+                <a16:creationId xmlns:a16="http://schemas.microsoft.com/office/drawing/2014/main" id="{7EC44340-DECD-41FF-9EF3-7C1691BD0CEA}"/>
               </a:ext>
             </a:extLst>
-          </a:blip>
-          <a:stretch>
-            <a:fillRect/>
-          </a:stretch>
-        </p:blipFill>
-        <p:spPr>
-          <a:xfrm>
-            <a:off x="2772926" y="2015613"/>
-            <a:ext cx="1113474" cy="1113474"/>
-          </a:xfrm>
-          <a:prstGeom prst="rect">
+          </p:cNvPr>
+          <p:cNvSpPr/>
+          <p:nvPr/>
+        </p:nvSpPr>
+        <p:spPr>
+          <a:xfrm>
+            <a:off x="3767634" y="2195496"/>
+            <a:ext cx="1555731" cy="369332"/>
+          </a:xfrm>
+          <a:prstGeom prst="roundRect">
             <a:avLst/>
           </a:prstGeom>
         </p:spPr>
-      </p:pic>
-      <p:pic>
-        <p:nvPicPr>
-          <p:cNvPr id="3" name="Imagem 2"/>
-          <p:cNvPicPr>
-            <a:picLocks noChangeAspect="1"/>
-          </p:cNvPicPr>
-          <p:nvPr/>
-        </p:nvPicPr>
-        <p:blipFill>
-          <a:blip r:embed="rId3">
-            <a:extLst>
-              <a:ext uri="{28A0092B-C50C-407E-A947-70E740481C1C}">
-                <a14:useLocalDpi xmlns:a14="http://schemas.microsoft.com/office/drawing/2010/main" val="0"/>
-              </a:ext>
-            </a:extLst>
-          </a:blip>
-          <a:stretch>
-            <a:fillRect/>
-          </a:stretch>
-        </p:blipFill>
-        <p:spPr>
-          <a:xfrm>
-            <a:off x="5048922" y="1954468"/>
-            <a:ext cx="1784497" cy="1235764"/>
-          </a:xfrm>
-          <a:prstGeom prst="rect">
-            <a:avLst/>
-          </a:prstGeom>
-        </p:spPr>
-      </p:pic>
-      <p:sp>
-        <p:nvSpPr>
-          <p:cNvPr id="4" name="Seta para a Direita 3"/>
-          <p:cNvSpPr/>
-          <p:nvPr/>
-        </p:nvSpPr>
-        <p:spPr>
-          <a:xfrm>
-            <a:off x="3991896" y="2359741"/>
-            <a:ext cx="1140542" cy="137652"/>
-          </a:xfrm>
-          <a:prstGeom prst="rightArrow">
-            <a:avLst/>
-          </a:prstGeom>
-        </p:spPr>
         <p:style>
           <a:lnRef idx="2">
-            <a:schemeClr val="accent1">
+            <a:schemeClr val="accent2">
               <a:shade val="50000"/>
             </a:schemeClr>
           </a:lnRef>
           <a:fillRef idx="1">
-            <a:schemeClr val="accent1"/>
+            <a:schemeClr val="accent2"/>
           </a:fillRef>
           <a:effectRef idx="0">
-            <a:schemeClr val="accent1"/>
+            <a:schemeClr val="accent2"/>
           </a:effectRef>
           <a:fontRef idx="minor">
             <a:schemeClr val="lt1"/>
@@ -8610,14 +8004,213 @@
           <a:lstStyle/>
           <a:p>
             <a:pPr algn="ctr"/>
-            <a:endParaRPr lang="pt-BR"/>
-          </a:p>
-        </p:txBody>
-      </p:sp>
+            <a:r>
+              <a:rPr lang="en-US" dirty="0" err="1"/>
+              <a:t>ReplicaSet</a:t>
+            </a:r>
+            <a:r>
+              <a:rPr lang="en-US" dirty="0"/>
+              <a:t> A</a:t>
+            </a:r>
+          </a:p>
+        </p:txBody>
+      </p:sp>
+      <p:cxnSp>
+        <p:nvCxnSpPr>
+          <p:cNvPr id="15" name="Conector de Seta Reta 14">
+            <a:extLst>
+              <a:ext uri="{FF2B5EF4-FFF2-40B4-BE49-F238E27FC236}">
+                <a16:creationId xmlns:a16="http://schemas.microsoft.com/office/drawing/2014/main" id="{7DF40A8D-93C3-458F-B2EA-EDABBBB13E23}"/>
+              </a:ext>
+            </a:extLst>
+          </p:cNvPr>
+          <p:cNvCxnSpPr>
+            <a:cxnSpLocks/>
+          </p:cNvCxnSpPr>
+          <p:nvPr/>
+        </p:nvCxnSpPr>
+        <p:spPr>
+          <a:xfrm>
+            <a:off x="4545500" y="1670496"/>
+            <a:ext cx="0" cy="449635"/>
+          </a:xfrm>
+          <a:prstGeom prst="straightConnector1">
+            <a:avLst/>
+          </a:prstGeom>
+          <a:ln w="9525" cap="flat" cmpd="sng" algn="ctr">
+            <a:solidFill>
+              <a:schemeClr val="dk1"/>
+            </a:solidFill>
+            <a:prstDash val="solid"/>
+            <a:round/>
+            <a:headEnd type="none" w="med" len="med"/>
+            <a:tailEnd type="arrow" w="med" len="med"/>
+          </a:ln>
+        </p:spPr>
+        <p:style>
+          <a:lnRef idx="0">
+            <a:scrgbClr r="0" g="0" b="0"/>
+          </a:lnRef>
+          <a:fillRef idx="0">
+            <a:scrgbClr r="0" g="0" b="0"/>
+          </a:fillRef>
+          <a:effectRef idx="0">
+            <a:scrgbClr r="0" g="0" b="0"/>
+          </a:effectRef>
+          <a:fontRef idx="minor">
+            <a:schemeClr val="tx1"/>
+          </a:fontRef>
+        </p:style>
+      </p:cxnSp>
+      <p:sp>
+        <p:nvSpPr>
+          <p:cNvPr id="12" name="Retângulo: Cantos Arredondados 11">
+            <a:extLst>
+              <a:ext uri="{FF2B5EF4-FFF2-40B4-BE49-F238E27FC236}">
+                <a16:creationId xmlns:a16="http://schemas.microsoft.com/office/drawing/2014/main" id="{D813360A-ECC8-4755-B5C4-10F048D9B2B5}"/>
+              </a:ext>
+            </a:extLst>
+          </p:cNvPr>
+          <p:cNvSpPr/>
+          <p:nvPr/>
+        </p:nvSpPr>
+        <p:spPr>
+          <a:xfrm>
+            <a:off x="3794125" y="1223900"/>
+            <a:ext cx="1555750" cy="377398"/>
+          </a:xfrm>
+          <a:prstGeom prst="roundRect">
+            <a:avLst/>
+          </a:prstGeom>
+        </p:spPr>
+        <p:style>
+          <a:lnRef idx="2">
+            <a:schemeClr val="accent2">
+              <a:shade val="50000"/>
+            </a:schemeClr>
+          </a:lnRef>
+          <a:fillRef idx="1">
+            <a:schemeClr val="accent2"/>
+          </a:fillRef>
+          <a:effectRef idx="0">
+            <a:schemeClr val="accent2"/>
+          </a:effectRef>
+          <a:fontRef idx="minor">
+            <a:schemeClr val="lt1"/>
+          </a:fontRef>
+        </p:style>
+        <p:txBody>
+          <a:bodyPr rtlCol="0" anchor="ctr"/>
+          <a:lstStyle/>
+          <a:p>
+            <a:pPr algn="ctr"/>
+            <a:r>
+              <a:rPr lang="en-US" dirty="0"/>
+              <a:t>Deployment</a:t>
+            </a:r>
+          </a:p>
+        </p:txBody>
+      </p:sp>
+      <p:sp>
+        <p:nvSpPr>
+          <p:cNvPr id="17" name="Retângulo: Cantos Arredondados 16">
+            <a:extLst>
+              <a:ext uri="{FF2B5EF4-FFF2-40B4-BE49-F238E27FC236}">
+                <a16:creationId xmlns:a16="http://schemas.microsoft.com/office/drawing/2014/main" id="{518FCB6F-1F58-41D9-89B5-3EDE445B5E5C}"/>
+              </a:ext>
+            </a:extLst>
+          </p:cNvPr>
+          <p:cNvSpPr/>
+          <p:nvPr/>
+        </p:nvSpPr>
+        <p:spPr>
+          <a:xfrm>
+            <a:off x="4021625" y="3159026"/>
+            <a:ext cx="1047750" cy="552450"/>
+          </a:xfrm>
+          <a:prstGeom prst="roundRect">
+            <a:avLst/>
+          </a:prstGeom>
+        </p:spPr>
+        <p:style>
+          <a:lnRef idx="2">
+            <a:schemeClr val="accent2">
+              <a:shade val="50000"/>
+            </a:schemeClr>
+          </a:lnRef>
+          <a:fillRef idx="1">
+            <a:schemeClr val="accent2"/>
+          </a:fillRef>
+          <a:effectRef idx="0">
+            <a:schemeClr val="accent2"/>
+          </a:effectRef>
+          <a:fontRef idx="minor">
+            <a:schemeClr val="lt1"/>
+          </a:fontRef>
+        </p:style>
+        <p:txBody>
+          <a:bodyPr rtlCol="0" anchor="ctr"/>
+          <a:lstStyle/>
+          <a:p>
+            <a:pPr algn="ctr"/>
+            <a:r>
+              <a:rPr lang="en-US" dirty="0"/>
+              <a:t>Pod A</a:t>
+            </a:r>
+          </a:p>
+        </p:txBody>
+      </p:sp>
+      <p:cxnSp>
+        <p:nvCxnSpPr>
+          <p:cNvPr id="19" name="Conector de Seta Reta 18">
+            <a:extLst>
+              <a:ext uri="{FF2B5EF4-FFF2-40B4-BE49-F238E27FC236}">
+                <a16:creationId xmlns:a16="http://schemas.microsoft.com/office/drawing/2014/main" id="{59E83CC3-3D2B-4516-9A0B-A346A2DD8DAE}"/>
+              </a:ext>
+            </a:extLst>
+          </p:cNvPr>
+          <p:cNvCxnSpPr>
+            <a:cxnSpLocks/>
+          </p:cNvCxnSpPr>
+          <p:nvPr/>
+        </p:nvCxnSpPr>
+        <p:spPr>
+          <a:xfrm>
+            <a:off x="4545500" y="2648876"/>
+            <a:ext cx="0" cy="449635"/>
+          </a:xfrm>
+          <a:prstGeom prst="straightConnector1">
+            <a:avLst/>
+          </a:prstGeom>
+          <a:ln w="9525" cap="flat" cmpd="sng" algn="ctr">
+            <a:solidFill>
+              <a:schemeClr val="dk1"/>
+            </a:solidFill>
+            <a:prstDash val="solid"/>
+            <a:round/>
+            <a:headEnd type="none" w="med" len="med"/>
+            <a:tailEnd type="arrow" w="med" len="med"/>
+          </a:ln>
+        </p:spPr>
+        <p:style>
+          <a:lnRef idx="0">
+            <a:scrgbClr r="0" g="0" b="0"/>
+          </a:lnRef>
+          <a:fillRef idx="0">
+            <a:scrgbClr r="0" g="0" b="0"/>
+          </a:fillRef>
+          <a:effectRef idx="0">
+            <a:scrgbClr r="0" g="0" b="0"/>
+          </a:effectRef>
+          <a:fontRef idx="minor">
+            <a:schemeClr val="tx1"/>
+          </a:fontRef>
+        </p:style>
+      </p:cxnSp>
     </p:spTree>
     <p:extLst>
       <p:ext uri="{BB962C8B-B14F-4D97-AF65-F5344CB8AC3E}">
-        <p14:creationId xmlns:p14="http://schemas.microsoft.com/office/powerpoint/2010/main" val="809327906"/>
+        <p14:creationId xmlns:p14="http://schemas.microsoft.com/office/powerpoint/2010/main" val="749796009"/>
       </p:ext>
     </p:extLst>
   </p:cSld>
@@ -8627,7 +8220,7 @@
 </p:sld>
 </file>
 
-<file path=ppt/slides/slide15.xml><?xml version="1.0" encoding="utf-8"?>
+<file path=ppt/slides/slide4.xml><?xml version="1.0" encoding="utf-8"?>
 <p:sld xmlns:a="http://schemas.openxmlformats.org/drawingml/2006/main" xmlns:r="http://schemas.openxmlformats.org/officeDocument/2006/relationships" xmlns:p="http://schemas.openxmlformats.org/presentationml/2006/main">
   <p:cSld>
     <p:spTree>
@@ -8644,12 +8237,49 @@
           <a:chExt cx="0" cy="0"/>
         </a:xfrm>
       </p:grpSpPr>
+      <p:sp>
+        <p:nvSpPr>
+          <p:cNvPr id="3" name="CaixaDeTexto 2">
+            <a:extLst>
+              <a:ext uri="{FF2B5EF4-FFF2-40B4-BE49-F238E27FC236}">
+                <a16:creationId xmlns:a16="http://schemas.microsoft.com/office/drawing/2014/main" id="{2FDCD985-A4BB-4D02-ADE7-D35328E88BD4}"/>
+              </a:ext>
+            </a:extLst>
+          </p:cNvPr>
+          <p:cNvSpPr txBox="1"/>
+          <p:nvPr/>
+        </p:nvSpPr>
+        <p:spPr>
+          <a:xfrm>
+            <a:off x="0" y="62922"/>
+            <a:ext cx="9144000" cy="1015663"/>
+          </a:xfrm>
+          <a:prstGeom prst="rect">
+            <a:avLst/>
+          </a:prstGeom>
+          <a:noFill/>
+        </p:spPr>
+        <p:txBody>
+          <a:bodyPr wrap="square" rtlCol="0">
+            <a:spAutoFit/>
+          </a:bodyPr>
+          <a:lstStyle/>
+          <a:p>
+            <a:pPr algn="ctr"/>
+            <a:r>
+              <a:rPr lang="pt-BR" sz="6000" dirty="0" err="1"/>
+              <a:t>Pod</a:t>
+            </a:r>
+            <a:endParaRPr lang="pt-BR" sz="6000" dirty="0"/>
+          </a:p>
+        </p:txBody>
+      </p:sp>
       <p:grpSp>
         <p:nvGrpSpPr>
-          <p:cNvPr id="40" name="Agrupar 39">
+          <p:cNvPr id="4" name="Agrupar 3">
             <a:extLst>
               <a:ext uri="{FF2B5EF4-FFF2-40B4-BE49-F238E27FC236}">
-                <a16:creationId xmlns:a16="http://schemas.microsoft.com/office/drawing/2014/main" id="{C2FD8914-BBB1-4331-BBA1-144D45251013}"/>
+                <a16:creationId xmlns:a16="http://schemas.microsoft.com/office/drawing/2014/main" id="{2B05F73B-F007-4348-AA82-F5656F38C9EC}"/>
               </a:ext>
             </a:extLst>
           </p:cNvPr>
@@ -8658,18 +8288,18 @@
         </p:nvGrpSpPr>
         <p:grpSpPr>
           <a:xfrm>
-            <a:off x="2677554" y="3206512"/>
-            <a:ext cx="1176925" cy="976494"/>
-            <a:chOff x="1933387" y="1225727"/>
-            <a:chExt cx="1176925" cy="976494"/>
+            <a:off x="2883109" y="1185581"/>
+            <a:ext cx="3162300" cy="3188732"/>
+            <a:chOff x="2883109" y="1185581"/>
+            <a:chExt cx="3162300" cy="3188732"/>
           </a:xfrm>
         </p:grpSpPr>
         <p:sp>
           <p:nvSpPr>
-            <p:cNvPr id="13" name="Retângulo: Cantos Arredondados 12">
+            <p:cNvPr id="14" name="Retângulo: Cantos Arredondados 13">
               <a:extLst>
                 <a:ext uri="{FF2B5EF4-FFF2-40B4-BE49-F238E27FC236}">
-                  <a16:creationId xmlns:a16="http://schemas.microsoft.com/office/drawing/2014/main" id="{BAE37BBB-F557-4594-9905-D55F1D2C8E21}"/>
+                  <a16:creationId xmlns:a16="http://schemas.microsoft.com/office/drawing/2014/main" id="{F0EF10EB-E889-4ABB-9BD0-468F5D87D14E}"/>
                 </a:ext>
               </a:extLst>
             </p:cNvPr>
@@ -8678,8 +8308,8 @@
           </p:nvSpPr>
           <p:spPr>
             <a:xfrm>
-              <a:off x="2199981" y="1595059"/>
-              <a:ext cx="643738" cy="607162"/>
+              <a:off x="2883109" y="1497763"/>
+              <a:ext cx="3162300" cy="2876550"/>
             </a:xfrm>
             <a:prstGeom prst="roundRect">
               <a:avLst/>
@@ -8712,10 +8342,10 @@
         </p:sp>
         <p:sp>
           <p:nvSpPr>
-            <p:cNvPr id="14" name="CaixaDeTexto 13">
+            <p:cNvPr id="17" name="CaixaDeTexto 16">
               <a:extLst>
                 <a:ext uri="{FF2B5EF4-FFF2-40B4-BE49-F238E27FC236}">
-                  <a16:creationId xmlns:a16="http://schemas.microsoft.com/office/drawing/2014/main" id="{69813EEF-5686-4A83-A5D7-341B2EFDED3B}"/>
+                  <a16:creationId xmlns:a16="http://schemas.microsoft.com/office/drawing/2014/main" id="{B945AD69-87F6-467A-AC66-13798012D013}"/>
                 </a:ext>
               </a:extLst>
             </p:cNvPr>
@@ -8724,7 +8354,7 @@
           </p:nvSpPr>
           <p:spPr>
             <a:xfrm>
-              <a:off x="1933387" y="1225727"/>
+              <a:off x="3875796" y="1185581"/>
               <a:ext cx="1176925" cy="369332"/>
             </a:xfrm>
             <a:prstGeom prst="rect">
@@ -8745,1532 +8375,13 @@
             </a:p>
           </p:txBody>
         </p:sp>
-        <p:pic>
-          <p:nvPicPr>
-            <p:cNvPr id="18" name="Imagem 17">
-              <a:extLst>
-                <a:ext uri="{FF2B5EF4-FFF2-40B4-BE49-F238E27FC236}">
-                  <a16:creationId xmlns:a16="http://schemas.microsoft.com/office/drawing/2014/main" id="{BD1015D3-DCE6-4CFE-930D-6FEB6F8E3719}"/>
-                </a:ext>
-              </a:extLst>
-            </p:cNvPr>
-            <p:cNvPicPr>
-              <a:picLocks noChangeAspect="1"/>
-            </p:cNvPicPr>
-            <p:nvPr/>
-          </p:nvPicPr>
-          <p:blipFill>
-            <a:blip r:embed="rId2"/>
-            <a:stretch>
-              <a:fillRect/>
-            </a:stretch>
-          </p:blipFill>
-          <p:spPr>
-            <a:xfrm>
-              <a:off x="2298553" y="1682841"/>
-              <a:ext cx="426016" cy="454283"/>
-            </a:xfrm>
-            <a:prstGeom prst="rect">
-              <a:avLst/>
-            </a:prstGeom>
-          </p:spPr>
-        </p:pic>
       </p:grpSp>
-      <p:grpSp>
-        <p:nvGrpSpPr>
-          <p:cNvPr id="36" name="Agrupar 35">
+      <p:pic>
+        <p:nvPicPr>
+          <p:cNvPr id="18" name="Imagem 17">
             <a:extLst>
               <a:ext uri="{FF2B5EF4-FFF2-40B4-BE49-F238E27FC236}">
-                <a16:creationId xmlns:a16="http://schemas.microsoft.com/office/drawing/2014/main" id="{692F5462-A43A-4726-87DA-2E1568DC4E11}"/>
-              </a:ext>
-            </a:extLst>
-          </p:cNvPr>
-          <p:cNvGrpSpPr/>
-          <p:nvPr/>
-        </p:nvGrpSpPr>
-        <p:grpSpPr>
-          <a:xfrm>
-            <a:off x="2687843" y="1880139"/>
-            <a:ext cx="1176925" cy="976494"/>
-            <a:chOff x="3517540" y="1225727"/>
-            <a:chExt cx="1176925" cy="976494"/>
-          </a:xfrm>
-        </p:grpSpPr>
-        <p:sp>
-          <p:nvSpPr>
-            <p:cNvPr id="42" name="Retângulo: Cantos Arredondados 41">
-              <a:extLst>
-                <a:ext uri="{FF2B5EF4-FFF2-40B4-BE49-F238E27FC236}">
-                  <a16:creationId xmlns:a16="http://schemas.microsoft.com/office/drawing/2014/main" id="{FAF7D360-4C40-4BB6-855D-D2FDF0C253A9}"/>
-                </a:ext>
-              </a:extLst>
-            </p:cNvPr>
-            <p:cNvSpPr/>
-            <p:nvPr/>
-          </p:nvSpPr>
-          <p:spPr>
-            <a:xfrm>
-              <a:off x="3784134" y="1595059"/>
-              <a:ext cx="643738" cy="607162"/>
-            </a:xfrm>
-            <a:prstGeom prst="roundRect">
-              <a:avLst/>
-            </a:prstGeom>
-          </p:spPr>
-          <p:style>
-            <a:lnRef idx="2">
-              <a:schemeClr val="accent1">
-                <a:shade val="50000"/>
-              </a:schemeClr>
-            </a:lnRef>
-            <a:fillRef idx="1">
-              <a:schemeClr val="accent1"/>
-            </a:fillRef>
-            <a:effectRef idx="0">
-              <a:schemeClr val="accent1"/>
-            </a:effectRef>
-            <a:fontRef idx="minor">
-              <a:schemeClr val="lt1"/>
-            </a:fontRef>
-          </p:style>
-          <p:txBody>
-            <a:bodyPr rtlCol="0" anchor="ctr"/>
-            <a:lstStyle/>
-            <a:p>
-              <a:pPr algn="ctr"/>
-              <a:endParaRPr lang="en-US"/>
-            </a:p>
-          </p:txBody>
-        </p:sp>
-        <p:sp>
-          <p:nvSpPr>
-            <p:cNvPr id="43" name="CaixaDeTexto 42">
-              <a:extLst>
-                <a:ext uri="{FF2B5EF4-FFF2-40B4-BE49-F238E27FC236}">
-                  <a16:creationId xmlns:a16="http://schemas.microsoft.com/office/drawing/2014/main" id="{859A7946-FE88-4BCF-8AF2-2DE66E43CB3D}"/>
-                </a:ext>
-              </a:extLst>
-            </p:cNvPr>
-            <p:cNvSpPr txBox="1"/>
-            <p:nvPr/>
-          </p:nvSpPr>
-          <p:spPr>
-            <a:xfrm>
-              <a:off x="3517540" y="1225727"/>
-              <a:ext cx="1176925" cy="369332"/>
-            </a:xfrm>
-            <a:prstGeom prst="rect">
-              <a:avLst/>
-            </a:prstGeom>
-            <a:noFill/>
-          </p:spPr>
-          <p:txBody>
-            <a:bodyPr wrap="none" rtlCol="0">
-              <a:spAutoFit/>
-            </a:bodyPr>
-            <a:lstStyle/>
-            <a:p>
-              <a:r>
-                <a:rPr lang="en-US" dirty="0"/>
-                <a:t>10.10.10.4</a:t>
-              </a:r>
-            </a:p>
-          </p:txBody>
-        </p:sp>
-        <p:pic>
-          <p:nvPicPr>
-            <p:cNvPr id="44" name="Imagem 43">
-              <a:extLst>
-                <a:ext uri="{FF2B5EF4-FFF2-40B4-BE49-F238E27FC236}">
-                  <a16:creationId xmlns:a16="http://schemas.microsoft.com/office/drawing/2014/main" id="{FA7F5997-0A72-40D2-9852-3CEA8E3605E6}"/>
-                </a:ext>
-              </a:extLst>
-            </p:cNvPr>
-            <p:cNvPicPr>
-              <a:picLocks noChangeAspect="1"/>
-            </p:cNvPicPr>
-            <p:nvPr/>
-          </p:nvPicPr>
-          <p:blipFill>
-            <a:blip r:embed="rId2"/>
-            <a:stretch>
-              <a:fillRect/>
-            </a:stretch>
-          </p:blipFill>
-          <p:spPr>
-            <a:xfrm>
-              <a:off x="3882706" y="1682841"/>
-              <a:ext cx="426016" cy="454283"/>
-            </a:xfrm>
-            <a:prstGeom prst="rect">
-              <a:avLst/>
-            </a:prstGeom>
-          </p:spPr>
-        </p:pic>
-      </p:grpSp>
-      <p:grpSp>
-        <p:nvGrpSpPr>
-          <p:cNvPr id="35" name="Agrupar 34">
-            <a:extLst>
-              <a:ext uri="{FF2B5EF4-FFF2-40B4-BE49-F238E27FC236}">
-                <a16:creationId xmlns:a16="http://schemas.microsoft.com/office/drawing/2014/main" id="{6230EA3A-3576-40BD-BD30-A2E6D5158B54}"/>
-              </a:ext>
-            </a:extLst>
-          </p:cNvPr>
-          <p:cNvGrpSpPr/>
-          <p:nvPr/>
-        </p:nvGrpSpPr>
-        <p:grpSpPr>
-          <a:xfrm>
-            <a:off x="2687843" y="665815"/>
-            <a:ext cx="1176925" cy="976494"/>
-            <a:chOff x="5167302" y="1225727"/>
-            <a:chExt cx="1176925" cy="976494"/>
-          </a:xfrm>
-        </p:grpSpPr>
-        <p:sp>
-          <p:nvSpPr>
-            <p:cNvPr id="45" name="Retângulo: Cantos Arredondados 44">
-              <a:extLst>
-                <a:ext uri="{FF2B5EF4-FFF2-40B4-BE49-F238E27FC236}">
-                  <a16:creationId xmlns:a16="http://schemas.microsoft.com/office/drawing/2014/main" id="{73A3BACE-46D2-4D6D-BCEE-7360BA86A125}"/>
-                </a:ext>
-              </a:extLst>
-            </p:cNvPr>
-            <p:cNvSpPr/>
-            <p:nvPr/>
-          </p:nvSpPr>
-          <p:spPr>
-            <a:xfrm>
-              <a:off x="5433896" y="1595059"/>
-              <a:ext cx="643738" cy="607162"/>
-            </a:xfrm>
-            <a:prstGeom prst="roundRect">
-              <a:avLst/>
-            </a:prstGeom>
-          </p:spPr>
-          <p:style>
-            <a:lnRef idx="2">
-              <a:schemeClr val="accent1">
-                <a:shade val="50000"/>
-              </a:schemeClr>
-            </a:lnRef>
-            <a:fillRef idx="1">
-              <a:schemeClr val="accent1"/>
-            </a:fillRef>
-            <a:effectRef idx="0">
-              <a:schemeClr val="accent1"/>
-            </a:effectRef>
-            <a:fontRef idx="minor">
-              <a:schemeClr val="lt1"/>
-            </a:fontRef>
-          </p:style>
-          <p:txBody>
-            <a:bodyPr rtlCol="0" anchor="ctr"/>
-            <a:lstStyle/>
-            <a:p>
-              <a:pPr algn="ctr"/>
-              <a:endParaRPr lang="en-US"/>
-            </a:p>
-          </p:txBody>
-        </p:sp>
-        <p:sp>
-          <p:nvSpPr>
-            <p:cNvPr id="46" name="CaixaDeTexto 45">
-              <a:extLst>
-                <a:ext uri="{FF2B5EF4-FFF2-40B4-BE49-F238E27FC236}">
-                  <a16:creationId xmlns:a16="http://schemas.microsoft.com/office/drawing/2014/main" id="{29B807A9-B8A0-4A3A-8E5C-AF9BC4B01673}"/>
-                </a:ext>
-              </a:extLst>
-            </p:cNvPr>
-            <p:cNvSpPr txBox="1"/>
-            <p:nvPr/>
-          </p:nvSpPr>
-          <p:spPr>
-            <a:xfrm>
-              <a:off x="5167302" y="1225727"/>
-              <a:ext cx="1176925" cy="369332"/>
-            </a:xfrm>
-            <a:prstGeom prst="rect">
-              <a:avLst/>
-            </a:prstGeom>
-            <a:noFill/>
-          </p:spPr>
-          <p:txBody>
-            <a:bodyPr wrap="none" rtlCol="0">
-              <a:spAutoFit/>
-            </a:bodyPr>
-            <a:lstStyle/>
-            <a:p>
-              <a:r>
-                <a:rPr lang="en-US" dirty="0"/>
-                <a:t>10.10.10.5</a:t>
-              </a:r>
-            </a:p>
-          </p:txBody>
-        </p:sp>
-        <p:pic>
-          <p:nvPicPr>
-            <p:cNvPr id="47" name="Imagem 46">
-              <a:extLst>
-                <a:ext uri="{FF2B5EF4-FFF2-40B4-BE49-F238E27FC236}">
-                  <a16:creationId xmlns:a16="http://schemas.microsoft.com/office/drawing/2014/main" id="{3E5C4EC1-77B7-4255-B505-2FD267A608B6}"/>
-                </a:ext>
-              </a:extLst>
-            </p:cNvPr>
-            <p:cNvPicPr>
-              <a:picLocks noChangeAspect="1"/>
-            </p:cNvPicPr>
-            <p:nvPr/>
-          </p:nvPicPr>
-          <p:blipFill>
-            <a:blip r:embed="rId2"/>
-            <a:stretch>
-              <a:fillRect/>
-            </a:stretch>
-          </p:blipFill>
-          <p:spPr>
-            <a:xfrm>
-              <a:off x="5532468" y="1682841"/>
-              <a:ext cx="426016" cy="454283"/>
-            </a:xfrm>
-            <a:prstGeom prst="rect">
-              <a:avLst/>
-            </a:prstGeom>
-          </p:spPr>
-        </p:pic>
-      </p:grpSp>
-      <p:sp>
-        <p:nvSpPr>
-          <p:cNvPr id="54" name="Retângulo: Cantos Arredondados 53">
-            <a:extLst>
-              <a:ext uri="{FF2B5EF4-FFF2-40B4-BE49-F238E27FC236}">
-                <a16:creationId xmlns:a16="http://schemas.microsoft.com/office/drawing/2014/main" id="{B27EC887-3A6C-4CFF-96C1-AF1778F2172F}"/>
-              </a:ext>
-            </a:extLst>
-          </p:cNvPr>
-          <p:cNvSpPr/>
-          <p:nvPr/>
-        </p:nvSpPr>
-        <p:spPr>
-          <a:xfrm>
-            <a:off x="5125757" y="2281540"/>
-            <a:ext cx="988693" cy="369332"/>
-          </a:xfrm>
-          <a:prstGeom prst="roundRect">
-            <a:avLst/>
-          </a:prstGeom>
-        </p:spPr>
-        <p:style>
-          <a:lnRef idx="2">
-            <a:schemeClr val="accent1">
-              <a:shade val="50000"/>
-            </a:schemeClr>
-          </a:lnRef>
-          <a:fillRef idx="1">
-            <a:schemeClr val="accent1"/>
-          </a:fillRef>
-          <a:effectRef idx="0">
-            <a:schemeClr val="accent1"/>
-          </a:effectRef>
-          <a:fontRef idx="minor">
-            <a:schemeClr val="lt1"/>
-          </a:fontRef>
-        </p:style>
-        <p:txBody>
-          <a:bodyPr rtlCol="0" anchor="ctr"/>
-          <a:lstStyle/>
-          <a:p>
-            <a:pPr algn="ctr"/>
-            <a:r>
-              <a:rPr lang="en-US" dirty="0"/>
-              <a:t>Service</a:t>
-            </a:r>
-          </a:p>
-        </p:txBody>
-      </p:sp>
-      <p:cxnSp>
-        <p:nvCxnSpPr>
-          <p:cNvPr id="60" name="Conector de Seta Reta 59">
-            <a:extLst>
-              <a:ext uri="{FF2B5EF4-FFF2-40B4-BE49-F238E27FC236}">
-                <a16:creationId xmlns:a16="http://schemas.microsoft.com/office/drawing/2014/main" id="{7DE6259D-C1CD-49FD-8C8D-7EBE499B199D}"/>
-              </a:ext>
-            </a:extLst>
-          </p:cNvPr>
-          <p:cNvCxnSpPr>
-            <a:cxnSpLocks/>
-          </p:cNvCxnSpPr>
-          <p:nvPr/>
-        </p:nvCxnSpPr>
-        <p:spPr>
-          <a:xfrm>
-            <a:off x="6203012" y="2507481"/>
-            <a:ext cx="443332" cy="0"/>
-          </a:xfrm>
-          <a:prstGeom prst="straightConnector1">
-            <a:avLst/>
-          </a:prstGeom>
-          <a:ln>
-            <a:headEnd type="triangle"/>
-            <a:tailEnd type="triangle"/>
-          </a:ln>
-        </p:spPr>
-        <p:style>
-          <a:lnRef idx="3">
-            <a:schemeClr val="accent2"/>
-          </a:lnRef>
-          <a:fillRef idx="0">
-            <a:schemeClr val="accent2"/>
-          </a:fillRef>
-          <a:effectRef idx="2">
-            <a:schemeClr val="accent2"/>
-          </a:effectRef>
-          <a:fontRef idx="minor">
-            <a:schemeClr val="tx1"/>
-          </a:fontRef>
-        </p:style>
-      </p:cxnSp>
-      <p:cxnSp>
-        <p:nvCxnSpPr>
-          <p:cNvPr id="62" name="Conector de Seta Reta 61">
-            <a:extLst>
-              <a:ext uri="{FF2B5EF4-FFF2-40B4-BE49-F238E27FC236}">
-                <a16:creationId xmlns:a16="http://schemas.microsoft.com/office/drawing/2014/main" id="{242DBA31-0DBC-48C0-B783-0E7173C85F3E}"/>
-              </a:ext>
-            </a:extLst>
-          </p:cNvPr>
-          <p:cNvCxnSpPr>
-            <a:cxnSpLocks/>
-          </p:cNvCxnSpPr>
-          <p:nvPr/>
-        </p:nvCxnSpPr>
-        <p:spPr>
-          <a:xfrm flipV="1">
-            <a:off x="3701878" y="2687132"/>
-            <a:ext cx="1224709" cy="1206404"/>
-          </a:xfrm>
-          <a:prstGeom prst="straightConnector1">
-            <a:avLst/>
-          </a:prstGeom>
-          <a:ln>
-            <a:tailEnd type="triangle"/>
-          </a:ln>
-        </p:spPr>
-        <p:style>
-          <a:lnRef idx="1">
-            <a:schemeClr val="accent1"/>
-          </a:lnRef>
-          <a:fillRef idx="0">
-            <a:schemeClr val="accent1"/>
-          </a:fillRef>
-          <a:effectRef idx="0">
-            <a:schemeClr val="accent1"/>
-          </a:effectRef>
-          <a:fontRef idx="minor">
-            <a:schemeClr val="tx1"/>
-          </a:fontRef>
-        </p:style>
-      </p:cxnSp>
-      <p:cxnSp>
-        <p:nvCxnSpPr>
-          <p:cNvPr id="65" name="Conector de Seta Reta 64">
-            <a:extLst>
-              <a:ext uri="{FF2B5EF4-FFF2-40B4-BE49-F238E27FC236}">
-                <a16:creationId xmlns:a16="http://schemas.microsoft.com/office/drawing/2014/main" id="{AAB46164-4ED1-4C78-9944-17BD134F2CF8}"/>
-              </a:ext>
-            </a:extLst>
-          </p:cNvPr>
-          <p:cNvCxnSpPr>
-            <a:cxnSpLocks/>
-          </p:cNvCxnSpPr>
-          <p:nvPr/>
-        </p:nvCxnSpPr>
-        <p:spPr>
-          <a:xfrm>
-            <a:off x="3731471" y="1338728"/>
-            <a:ext cx="1256165" cy="998525"/>
-          </a:xfrm>
-          <a:prstGeom prst="straightConnector1">
-            <a:avLst/>
-          </a:prstGeom>
-          <a:ln>
-            <a:tailEnd type="triangle"/>
-          </a:ln>
-        </p:spPr>
-        <p:style>
-          <a:lnRef idx="1">
-            <a:schemeClr val="accent1"/>
-          </a:lnRef>
-          <a:fillRef idx="0">
-            <a:schemeClr val="accent1"/>
-          </a:fillRef>
-          <a:effectRef idx="0">
-            <a:schemeClr val="accent1"/>
-          </a:effectRef>
-          <a:fontRef idx="minor">
-            <a:schemeClr val="tx1"/>
-          </a:fontRef>
-        </p:style>
-      </p:cxnSp>
-      <p:cxnSp>
-        <p:nvCxnSpPr>
-          <p:cNvPr id="68" name="Conector de Seta Reta 67">
-            <a:extLst>
-              <a:ext uri="{FF2B5EF4-FFF2-40B4-BE49-F238E27FC236}">
-                <a16:creationId xmlns:a16="http://schemas.microsoft.com/office/drawing/2014/main" id="{6C3FC8AB-984A-4450-82B1-3426AAD8EE38}"/>
-              </a:ext>
-            </a:extLst>
-          </p:cNvPr>
-          <p:cNvCxnSpPr>
-            <a:cxnSpLocks/>
-          </p:cNvCxnSpPr>
-          <p:nvPr/>
-        </p:nvCxnSpPr>
-        <p:spPr>
-          <a:xfrm flipV="1">
-            <a:off x="3701878" y="2505816"/>
-            <a:ext cx="1285758" cy="58578"/>
-          </a:xfrm>
-          <a:prstGeom prst="straightConnector1">
-            <a:avLst/>
-          </a:prstGeom>
-          <a:ln>
-            <a:tailEnd type="triangle"/>
-          </a:ln>
-        </p:spPr>
-        <p:style>
-          <a:lnRef idx="1">
-            <a:schemeClr val="accent1"/>
-          </a:lnRef>
-          <a:fillRef idx="0">
-            <a:schemeClr val="accent1"/>
-          </a:fillRef>
-          <a:effectRef idx="0">
-            <a:schemeClr val="accent1"/>
-          </a:effectRef>
-          <a:fontRef idx="minor">
-            <a:schemeClr val="tx1"/>
-          </a:fontRef>
-        </p:style>
-      </p:cxnSp>
-      <p:grpSp>
-        <p:nvGrpSpPr>
-          <p:cNvPr id="3" name="Agrupar 2">
-            <a:extLst>
-              <a:ext uri="{FF2B5EF4-FFF2-40B4-BE49-F238E27FC236}">
-                <a16:creationId xmlns:a16="http://schemas.microsoft.com/office/drawing/2014/main" id="{439A4986-045D-40F2-81DF-ED10F3785E20}"/>
-              </a:ext>
-            </a:extLst>
-          </p:cNvPr>
-          <p:cNvGrpSpPr/>
-          <p:nvPr/>
-        </p:nvGrpSpPr>
-        <p:grpSpPr>
-          <a:xfrm>
-            <a:off x="6492704" y="1832903"/>
-            <a:ext cx="2524875" cy="976494"/>
-            <a:chOff x="4995762" y="3421306"/>
-            <a:chExt cx="2524875" cy="976494"/>
-          </a:xfrm>
-        </p:grpSpPr>
-        <p:grpSp>
-          <p:nvGrpSpPr>
-            <p:cNvPr id="51" name="Agrupar 50">
-              <a:extLst>
-                <a:ext uri="{FF2B5EF4-FFF2-40B4-BE49-F238E27FC236}">
-                  <a16:creationId xmlns:a16="http://schemas.microsoft.com/office/drawing/2014/main" id="{68CD6BAD-AAC6-48B7-B7BA-886D3C3E0D84}"/>
-                </a:ext>
-              </a:extLst>
-            </p:cNvPr>
-            <p:cNvGrpSpPr/>
-            <p:nvPr/>
-          </p:nvGrpSpPr>
-          <p:grpSpPr>
-            <a:xfrm>
-              <a:off x="4995762" y="3421306"/>
-              <a:ext cx="1176925" cy="976494"/>
-              <a:chOff x="5370022" y="2784893"/>
-              <a:chExt cx="1176925" cy="976494"/>
-            </a:xfrm>
-          </p:grpSpPr>
-          <p:sp>
-            <p:nvSpPr>
-              <p:cNvPr id="48" name="Retângulo: Cantos Arredondados 47">
-                <a:extLst>
-                  <a:ext uri="{FF2B5EF4-FFF2-40B4-BE49-F238E27FC236}">
-                    <a16:creationId xmlns:a16="http://schemas.microsoft.com/office/drawing/2014/main" id="{C877BF90-3048-46FD-9268-07B2B4DA8F7D}"/>
-                  </a:ext>
-                </a:extLst>
-              </p:cNvPr>
-              <p:cNvSpPr/>
-              <p:nvPr/>
-            </p:nvSpPr>
-            <p:spPr>
-              <a:xfrm>
-                <a:off x="5636616" y="3154225"/>
-                <a:ext cx="643738" cy="607162"/>
-              </a:xfrm>
-              <a:prstGeom prst="roundRect">
-                <a:avLst/>
-              </a:prstGeom>
-            </p:spPr>
-            <p:style>
-              <a:lnRef idx="2">
-                <a:schemeClr val="accent1">
-                  <a:shade val="50000"/>
-                </a:schemeClr>
-              </a:lnRef>
-              <a:fillRef idx="1">
-                <a:schemeClr val="accent1"/>
-              </a:fillRef>
-              <a:effectRef idx="0">
-                <a:schemeClr val="accent1"/>
-              </a:effectRef>
-              <a:fontRef idx="minor">
-                <a:schemeClr val="lt1"/>
-              </a:fontRef>
-            </p:style>
-            <p:txBody>
-              <a:bodyPr rtlCol="0" anchor="ctr"/>
-              <a:lstStyle/>
-              <a:p>
-                <a:pPr algn="ctr"/>
-                <a:endParaRPr lang="en-US"/>
-              </a:p>
-            </p:txBody>
-          </p:sp>
-          <p:sp>
-            <p:nvSpPr>
-              <p:cNvPr id="49" name="CaixaDeTexto 48">
-                <a:extLst>
-                  <a:ext uri="{FF2B5EF4-FFF2-40B4-BE49-F238E27FC236}">
-                    <a16:creationId xmlns:a16="http://schemas.microsoft.com/office/drawing/2014/main" id="{6A3019F1-4396-4127-B0DF-24491D2E8FDC}"/>
-                  </a:ext>
-                </a:extLst>
-              </p:cNvPr>
-              <p:cNvSpPr txBox="1"/>
-              <p:nvPr/>
-            </p:nvSpPr>
-            <p:spPr>
-              <a:xfrm>
-                <a:off x="5370022" y="2784893"/>
-                <a:ext cx="1176925" cy="369332"/>
-              </a:xfrm>
-              <a:prstGeom prst="rect">
-                <a:avLst/>
-              </a:prstGeom>
-              <a:noFill/>
-            </p:spPr>
-            <p:txBody>
-              <a:bodyPr wrap="none" rtlCol="0">
-                <a:spAutoFit/>
-              </a:bodyPr>
-              <a:lstStyle/>
-              <a:p>
-                <a:r>
-                  <a:rPr lang="en-US" dirty="0"/>
-                  <a:t>10.10.10.7</a:t>
-                </a:r>
-              </a:p>
-            </p:txBody>
-          </p:sp>
-          <p:pic>
-            <p:nvPicPr>
-              <p:cNvPr id="50" name="Imagem 49">
-                <a:extLst>
-                  <a:ext uri="{FF2B5EF4-FFF2-40B4-BE49-F238E27FC236}">
-                    <a16:creationId xmlns:a16="http://schemas.microsoft.com/office/drawing/2014/main" id="{4C50A7EA-12EC-44C5-8D66-E018D66E1D59}"/>
-                  </a:ext>
-                </a:extLst>
-              </p:cNvPr>
-              <p:cNvPicPr>
-                <a:picLocks noChangeAspect="1"/>
-              </p:cNvPicPr>
-              <p:nvPr/>
-            </p:nvPicPr>
-            <p:blipFill>
-              <a:blip r:embed="rId3"/>
-              <a:stretch>
-                <a:fillRect/>
-              </a:stretch>
-            </p:blipFill>
-            <p:spPr>
-              <a:xfrm flipH="1">
-                <a:off x="5740318" y="3222309"/>
-                <a:ext cx="436332" cy="470994"/>
-              </a:xfrm>
-              <a:prstGeom prst="rect">
-                <a:avLst/>
-              </a:prstGeom>
-            </p:spPr>
-          </p:pic>
-        </p:grpSp>
-        <p:sp>
-          <p:nvSpPr>
-            <p:cNvPr id="32" name="CaixaDeTexto 31">
-              <a:extLst>
-                <a:ext uri="{FF2B5EF4-FFF2-40B4-BE49-F238E27FC236}">
-                  <a16:creationId xmlns:a16="http://schemas.microsoft.com/office/drawing/2014/main" id="{1783BC3C-916F-49AD-8657-D067DFC091FC}"/>
-                </a:ext>
-              </a:extLst>
-            </p:cNvPr>
-            <p:cNvSpPr txBox="1"/>
-            <p:nvPr/>
-          </p:nvSpPr>
-          <p:spPr>
-            <a:xfrm>
-              <a:off x="5906092" y="3751469"/>
-              <a:ext cx="1614545" cy="646331"/>
-            </a:xfrm>
-            <a:prstGeom prst="rect">
-              <a:avLst/>
-            </a:prstGeom>
-            <a:noFill/>
-          </p:spPr>
-          <p:txBody>
-            <a:bodyPr wrap="none" rtlCol="0">
-              <a:spAutoFit/>
-            </a:bodyPr>
-            <a:lstStyle/>
-            <a:p>
-              <a:r>
-                <a:rPr lang="en-US" dirty="0"/>
-                <a:t>Label</a:t>
-              </a:r>
-              <a:br>
-                <a:rPr lang="en-US" dirty="0"/>
-              </a:br>
-              <a:r>
-                <a:rPr lang="en-US" dirty="0"/>
-                <a:t>App=MongoDB</a:t>
-              </a:r>
-              <a:endParaRPr lang="pt-BR" dirty="0"/>
-            </a:p>
-          </p:txBody>
-        </p:sp>
-      </p:grpSp>
-      <p:sp>
-        <p:nvSpPr>
-          <p:cNvPr id="34" name="CaixaDeTexto 33">
-            <a:extLst>
-              <a:ext uri="{FF2B5EF4-FFF2-40B4-BE49-F238E27FC236}">
-                <a16:creationId xmlns:a16="http://schemas.microsoft.com/office/drawing/2014/main" id="{14B6D910-C70C-47FC-88E4-A3ED21DFD7B5}"/>
-              </a:ext>
-            </a:extLst>
-          </p:cNvPr>
-          <p:cNvSpPr txBox="1"/>
-          <p:nvPr/>
-        </p:nvSpPr>
-        <p:spPr>
-          <a:xfrm>
-            <a:off x="4926587" y="2600829"/>
-            <a:ext cx="1614545" cy="646331"/>
-          </a:xfrm>
-          <a:prstGeom prst="rect">
-            <a:avLst/>
-          </a:prstGeom>
-          <a:noFill/>
-        </p:spPr>
-        <p:txBody>
-          <a:bodyPr wrap="none" rtlCol="0">
-            <a:spAutoFit/>
-          </a:bodyPr>
-          <a:lstStyle/>
-          <a:p>
-            <a:r>
-              <a:rPr lang="en-US" dirty="0"/>
-              <a:t>Selector</a:t>
-            </a:r>
-            <a:br>
-              <a:rPr lang="en-US" dirty="0"/>
-            </a:br>
-            <a:r>
-              <a:rPr lang="en-US" dirty="0"/>
-              <a:t>App=MongoDB</a:t>
-            </a:r>
-            <a:endParaRPr lang="pt-BR" dirty="0"/>
-          </a:p>
-        </p:txBody>
-      </p:sp>
-      <p:sp>
-        <p:nvSpPr>
-          <p:cNvPr id="52" name="Retângulo: Cantos Arredondados 51">
-            <a:extLst>
-              <a:ext uri="{FF2B5EF4-FFF2-40B4-BE49-F238E27FC236}">
-                <a16:creationId xmlns:a16="http://schemas.microsoft.com/office/drawing/2014/main" id="{E133C36D-DC7A-4408-9E3D-6632371436DF}"/>
-              </a:ext>
-            </a:extLst>
-          </p:cNvPr>
-          <p:cNvSpPr/>
-          <p:nvPr/>
-        </p:nvSpPr>
-        <p:spPr>
-          <a:xfrm>
-            <a:off x="437839" y="2440065"/>
-            <a:ext cx="988693" cy="369332"/>
-          </a:xfrm>
-          <a:prstGeom prst="roundRect">
-            <a:avLst/>
-          </a:prstGeom>
-        </p:spPr>
-        <p:style>
-          <a:lnRef idx="2">
-            <a:schemeClr val="accent1">
-              <a:shade val="50000"/>
-            </a:schemeClr>
-          </a:lnRef>
-          <a:fillRef idx="1">
-            <a:schemeClr val="accent1"/>
-          </a:fillRef>
-          <a:effectRef idx="0">
-            <a:schemeClr val="accent1"/>
-          </a:effectRef>
-          <a:fontRef idx="minor">
-            <a:schemeClr val="lt1"/>
-          </a:fontRef>
-        </p:style>
-        <p:txBody>
-          <a:bodyPr rtlCol="0" anchor="ctr"/>
-          <a:lstStyle/>
-          <a:p>
-            <a:pPr algn="ctr"/>
-            <a:r>
-              <a:rPr lang="en-US" dirty="0"/>
-              <a:t>Service</a:t>
-            </a:r>
-          </a:p>
-        </p:txBody>
-      </p:sp>
-      <p:sp>
-        <p:nvSpPr>
-          <p:cNvPr id="11" name="CaixaDeTexto 10">
-            <a:extLst>
-              <a:ext uri="{FF2B5EF4-FFF2-40B4-BE49-F238E27FC236}">
-                <a16:creationId xmlns:a16="http://schemas.microsoft.com/office/drawing/2014/main" id="{D56E3AAC-BD47-44ED-990D-7EA152427395}"/>
-              </a:ext>
-            </a:extLst>
-          </p:cNvPr>
-          <p:cNvSpPr txBox="1"/>
-          <p:nvPr/>
-        </p:nvSpPr>
-        <p:spPr>
-          <a:xfrm>
-            <a:off x="3587886" y="1086214"/>
-            <a:ext cx="1213153" cy="523220"/>
-          </a:xfrm>
-          <a:prstGeom prst="rect">
-            <a:avLst/>
-          </a:prstGeom>
-          <a:noFill/>
-        </p:spPr>
-        <p:txBody>
-          <a:bodyPr wrap="none" rtlCol="0">
-            <a:spAutoFit/>
-          </a:bodyPr>
-          <a:lstStyle/>
-          <a:p>
-            <a:r>
-              <a:rPr lang="en-US" sz="1400" dirty="0"/>
-              <a:t>Label</a:t>
-            </a:r>
-            <a:br>
-              <a:rPr lang="en-US" sz="1400" dirty="0"/>
-            </a:br>
-            <a:r>
-              <a:rPr lang="en-US" sz="1400" dirty="0"/>
-              <a:t>App=</a:t>
-            </a:r>
-            <a:r>
-              <a:rPr lang="en-US" sz="1400" dirty="0" err="1"/>
-              <a:t>corecrud</a:t>
-            </a:r>
-            <a:endParaRPr lang="pt-BR" sz="1400" dirty="0"/>
-          </a:p>
-        </p:txBody>
-      </p:sp>
-      <p:sp>
-        <p:nvSpPr>
-          <p:cNvPr id="53" name="CaixaDeTexto 52">
-            <a:extLst>
-              <a:ext uri="{FF2B5EF4-FFF2-40B4-BE49-F238E27FC236}">
-                <a16:creationId xmlns:a16="http://schemas.microsoft.com/office/drawing/2014/main" id="{BD501760-D90E-4A84-B1B7-74EEE977A633}"/>
-              </a:ext>
-            </a:extLst>
-          </p:cNvPr>
-          <p:cNvSpPr txBox="1"/>
-          <p:nvPr/>
-        </p:nvSpPr>
-        <p:spPr>
-          <a:xfrm>
-            <a:off x="3587886" y="2268316"/>
-            <a:ext cx="1213153" cy="523220"/>
-          </a:xfrm>
-          <a:prstGeom prst="rect">
-            <a:avLst/>
-          </a:prstGeom>
-          <a:noFill/>
-        </p:spPr>
-        <p:txBody>
-          <a:bodyPr wrap="none" rtlCol="0">
-            <a:spAutoFit/>
-          </a:bodyPr>
-          <a:lstStyle/>
-          <a:p>
-            <a:r>
-              <a:rPr lang="en-US" sz="1400" dirty="0"/>
-              <a:t>Label</a:t>
-            </a:r>
-            <a:br>
-              <a:rPr lang="en-US" sz="1400" dirty="0"/>
-            </a:br>
-            <a:r>
-              <a:rPr lang="en-US" sz="1400" dirty="0"/>
-              <a:t>App=</a:t>
-            </a:r>
-            <a:r>
-              <a:rPr lang="en-US" sz="1400" dirty="0" err="1"/>
-              <a:t>corecrud</a:t>
-            </a:r>
-            <a:endParaRPr lang="pt-BR" sz="1400" dirty="0"/>
-          </a:p>
-        </p:txBody>
-      </p:sp>
-      <p:sp>
-        <p:nvSpPr>
-          <p:cNvPr id="55" name="CaixaDeTexto 54">
-            <a:extLst>
-              <a:ext uri="{FF2B5EF4-FFF2-40B4-BE49-F238E27FC236}">
-                <a16:creationId xmlns:a16="http://schemas.microsoft.com/office/drawing/2014/main" id="{EE713E55-DFCA-4C98-A9F0-26495C767BCC}"/>
-              </a:ext>
-            </a:extLst>
-          </p:cNvPr>
-          <p:cNvSpPr txBox="1"/>
-          <p:nvPr/>
-        </p:nvSpPr>
-        <p:spPr>
-          <a:xfrm>
-            <a:off x="2687843" y="4182017"/>
-            <a:ext cx="1213153" cy="523220"/>
-          </a:xfrm>
-          <a:prstGeom prst="rect">
-            <a:avLst/>
-          </a:prstGeom>
-          <a:noFill/>
-        </p:spPr>
-        <p:txBody>
-          <a:bodyPr wrap="none" rtlCol="0">
-            <a:spAutoFit/>
-          </a:bodyPr>
-          <a:lstStyle/>
-          <a:p>
-            <a:r>
-              <a:rPr lang="en-US" sz="1400" dirty="0"/>
-              <a:t>Label</a:t>
-            </a:r>
-            <a:br>
-              <a:rPr lang="en-US" sz="1400" dirty="0"/>
-            </a:br>
-            <a:r>
-              <a:rPr lang="en-US" sz="1400" dirty="0"/>
-              <a:t>App=</a:t>
-            </a:r>
-            <a:r>
-              <a:rPr lang="en-US" sz="1400" dirty="0" err="1"/>
-              <a:t>corecrud</a:t>
-            </a:r>
-            <a:endParaRPr lang="pt-BR" sz="1400" dirty="0"/>
-          </a:p>
-        </p:txBody>
-      </p:sp>
-      <p:sp>
-        <p:nvSpPr>
-          <p:cNvPr id="57" name="CaixaDeTexto 56">
-            <a:extLst>
-              <a:ext uri="{FF2B5EF4-FFF2-40B4-BE49-F238E27FC236}">
-                <a16:creationId xmlns:a16="http://schemas.microsoft.com/office/drawing/2014/main" id="{5C1EF6B6-B23E-43B5-818F-8DAB9AC5AFC2}"/>
-              </a:ext>
-            </a:extLst>
-          </p:cNvPr>
-          <p:cNvSpPr txBox="1"/>
-          <p:nvPr/>
-        </p:nvSpPr>
-        <p:spPr>
-          <a:xfrm>
-            <a:off x="321771" y="2791536"/>
-            <a:ext cx="1213153" cy="523220"/>
-          </a:xfrm>
-          <a:prstGeom prst="rect">
-            <a:avLst/>
-          </a:prstGeom>
-          <a:noFill/>
-        </p:spPr>
-        <p:txBody>
-          <a:bodyPr wrap="none" rtlCol="0">
-            <a:spAutoFit/>
-          </a:bodyPr>
-          <a:lstStyle/>
-          <a:p>
-            <a:r>
-              <a:rPr lang="en-US" sz="1400" dirty="0"/>
-              <a:t>Selector</a:t>
-            </a:r>
-            <a:br>
-              <a:rPr lang="en-US" sz="1400" dirty="0"/>
-            </a:br>
-            <a:r>
-              <a:rPr lang="en-US" sz="1400" dirty="0"/>
-              <a:t>App=</a:t>
-            </a:r>
-            <a:r>
-              <a:rPr lang="en-US" sz="1400" dirty="0" err="1"/>
-              <a:t>corecrud</a:t>
-            </a:r>
-            <a:endParaRPr lang="pt-BR" sz="1400" dirty="0"/>
-          </a:p>
-        </p:txBody>
-      </p:sp>
-      <p:cxnSp>
-        <p:nvCxnSpPr>
-          <p:cNvPr id="58" name="Conector de Seta Reta 57">
-            <a:extLst>
-              <a:ext uri="{FF2B5EF4-FFF2-40B4-BE49-F238E27FC236}">
-                <a16:creationId xmlns:a16="http://schemas.microsoft.com/office/drawing/2014/main" id="{B2AB9544-8045-4D8E-BDC6-345713279C4D}"/>
-              </a:ext>
-            </a:extLst>
-          </p:cNvPr>
-          <p:cNvCxnSpPr>
-            <a:cxnSpLocks/>
-          </p:cNvCxnSpPr>
-          <p:nvPr/>
-        </p:nvCxnSpPr>
-        <p:spPr>
-          <a:xfrm flipV="1">
-            <a:off x="1508274" y="1261962"/>
-            <a:ext cx="1318233" cy="1224269"/>
-          </a:xfrm>
-          <a:prstGeom prst="straightConnector1">
-            <a:avLst/>
-          </a:prstGeom>
-          <a:ln>
-            <a:tailEnd type="triangle"/>
-          </a:ln>
-        </p:spPr>
-        <p:style>
-          <a:lnRef idx="1">
-            <a:schemeClr val="accent1"/>
-          </a:lnRef>
-          <a:fillRef idx="0">
-            <a:schemeClr val="accent1"/>
-          </a:fillRef>
-          <a:effectRef idx="0">
-            <a:schemeClr val="accent1"/>
-          </a:effectRef>
-          <a:fontRef idx="minor">
-            <a:schemeClr val="tx1"/>
-          </a:fontRef>
-        </p:style>
-      </p:cxnSp>
-      <p:cxnSp>
-        <p:nvCxnSpPr>
-          <p:cNvPr id="59" name="Conector de Seta Reta 58">
-            <a:extLst>
-              <a:ext uri="{FF2B5EF4-FFF2-40B4-BE49-F238E27FC236}">
-                <a16:creationId xmlns:a16="http://schemas.microsoft.com/office/drawing/2014/main" id="{A3083723-41A6-46C3-B708-5E4781993916}"/>
-              </a:ext>
-            </a:extLst>
-          </p:cNvPr>
-          <p:cNvCxnSpPr>
-            <a:cxnSpLocks/>
-          </p:cNvCxnSpPr>
-          <p:nvPr/>
-        </p:nvCxnSpPr>
-        <p:spPr>
-          <a:xfrm flipV="1">
-            <a:off x="1542600" y="2571750"/>
-            <a:ext cx="1279388" cy="52981"/>
-          </a:xfrm>
-          <a:prstGeom prst="straightConnector1">
-            <a:avLst/>
-          </a:prstGeom>
-          <a:ln>
-            <a:tailEnd type="triangle"/>
-          </a:ln>
-        </p:spPr>
-        <p:style>
-          <a:lnRef idx="1">
-            <a:schemeClr val="accent1"/>
-          </a:lnRef>
-          <a:fillRef idx="0">
-            <a:schemeClr val="accent1"/>
-          </a:fillRef>
-          <a:effectRef idx="0">
-            <a:schemeClr val="accent1"/>
-          </a:effectRef>
-          <a:fontRef idx="minor">
-            <a:schemeClr val="tx1"/>
-          </a:fontRef>
-        </p:style>
-      </p:cxnSp>
-      <p:cxnSp>
-        <p:nvCxnSpPr>
-          <p:cNvPr id="61" name="Conector de Seta Reta 60">
-            <a:extLst>
-              <a:ext uri="{FF2B5EF4-FFF2-40B4-BE49-F238E27FC236}">
-                <a16:creationId xmlns:a16="http://schemas.microsoft.com/office/drawing/2014/main" id="{B4A68159-B77B-4B88-ACCC-EFC463B677E9}"/>
-              </a:ext>
-            </a:extLst>
-          </p:cNvPr>
-          <p:cNvCxnSpPr>
-            <a:cxnSpLocks/>
-          </p:cNvCxnSpPr>
-          <p:nvPr/>
-        </p:nvCxnSpPr>
-        <p:spPr>
-          <a:xfrm>
-            <a:off x="1542600" y="2791537"/>
-            <a:ext cx="1243816" cy="1072788"/>
-          </a:xfrm>
-          <a:prstGeom prst="straightConnector1">
-            <a:avLst/>
-          </a:prstGeom>
-          <a:ln>
-            <a:tailEnd type="triangle"/>
-          </a:ln>
-        </p:spPr>
-        <p:style>
-          <a:lnRef idx="1">
-            <a:schemeClr val="accent1"/>
-          </a:lnRef>
-          <a:fillRef idx="0">
-            <a:schemeClr val="accent1"/>
-          </a:fillRef>
-          <a:effectRef idx="0">
-            <a:schemeClr val="accent1"/>
-          </a:effectRef>
-          <a:fontRef idx="minor">
-            <a:schemeClr val="tx1"/>
-          </a:fontRef>
-        </p:style>
-      </p:cxnSp>
-    </p:spTree>
-    <p:extLst>
-      <p:ext uri="{BB962C8B-B14F-4D97-AF65-F5344CB8AC3E}">
-        <p14:creationId xmlns:p14="http://schemas.microsoft.com/office/powerpoint/2010/main" val="517413287"/>
-      </p:ext>
-    </p:extLst>
-  </p:cSld>
-  <p:clrMapOvr>
-    <a:masterClrMapping/>
-  </p:clrMapOvr>
-</p:sld>
-</file>
-
-<file path=ppt/slides/slide2.xml><?xml version="1.0" encoding="utf-8"?>
-<p:sld xmlns:a="http://schemas.openxmlformats.org/drawingml/2006/main" xmlns:r="http://schemas.openxmlformats.org/officeDocument/2006/relationships" xmlns:p="http://schemas.openxmlformats.org/presentationml/2006/main">
-  <p:cSld>
-    <p:spTree>
-      <p:nvGrpSpPr>
-        <p:cNvPr id="1" name="Shape 350"/>
-        <p:cNvGrpSpPr/>
-        <p:nvPr/>
-      </p:nvGrpSpPr>
-      <p:grpSpPr>
-        <a:xfrm>
-          <a:off x="0" y="0"/>
-          <a:ext cx="0" cy="0"/>
-          <a:chOff x="0" y="0"/>
-          <a:chExt cx="0" cy="0"/>
-        </a:xfrm>
-      </p:grpSpPr>
-      <p:sp>
-        <p:nvSpPr>
-          <p:cNvPr id="9" name="Google Shape;352;p13">
-            <a:extLst>
-              <a:ext uri="{FF2B5EF4-FFF2-40B4-BE49-F238E27FC236}">
-                <a16:creationId xmlns:a16="http://schemas.microsoft.com/office/drawing/2014/main" id="{1018BA2E-FDE0-4044-AA13-4C495BF1C438}"/>
-              </a:ext>
-            </a:extLst>
-          </p:cNvPr>
-          <p:cNvSpPr txBox="1">
-            <a:spLocks noGrp="1"/>
-          </p:cNvSpPr>
-          <p:nvPr>
-            <p:ph type="body" sz="half" idx="2"/>
-          </p:nvPr>
-        </p:nvSpPr>
-        <p:spPr>
-          <a:xfrm>
-            <a:off x="3310851" y="255201"/>
-            <a:ext cx="5496362" cy="1502430"/>
-          </a:xfrm>
-          <a:prstGeom prst="rect">
-            <a:avLst/>
-          </a:prstGeom>
-        </p:spPr>
-        <p:txBody>
-          <a:bodyPr spcFirstLastPara="1" wrap="square" lIns="91425" tIns="91425" rIns="91425" bIns="91425" anchor="t" anchorCtr="0">
-            <a:noAutofit/>
-          </a:bodyPr>
-          <a:lstStyle/>
-          <a:p>
-            <a:pPr marL="0" indent="0">
-              <a:lnSpc>
-                <a:spcPct val="85000"/>
-              </a:lnSpc>
-              <a:spcBef>
-                <a:spcPct val="0"/>
-              </a:spcBef>
-              <a:spcAft>
-                <a:spcPts val="0"/>
-              </a:spcAft>
-            </a:pPr>
-            <a:r>
-              <a:rPr lang="en-US" sz="4800" b="1" spc="-38" dirty="0" err="1">
-                <a:solidFill>
-                  <a:schemeClr val="tx1">
-                    <a:lumMod val="85000"/>
-                    <a:lumOff val="15000"/>
-                  </a:schemeClr>
-                </a:solidFill>
-                <a:latin typeface="Roboto" panose="02000000000000000000" pitchFamily="2" charset="0"/>
-                <a:ea typeface="Roboto" panose="02000000000000000000" pitchFamily="2" charset="0"/>
-                <a:cs typeface="+mj-cs"/>
-              </a:rPr>
-              <a:t>Fabrício</a:t>
-            </a:r>
-            <a:r>
-              <a:rPr lang="en-US" sz="4800" b="1" spc="-38" dirty="0">
-                <a:solidFill>
-                  <a:schemeClr val="tx1">
-                    <a:lumMod val="85000"/>
-                    <a:lumOff val="15000"/>
-                  </a:schemeClr>
-                </a:solidFill>
-                <a:latin typeface="Roboto" panose="02000000000000000000" pitchFamily="2" charset="0"/>
-                <a:ea typeface="Roboto" panose="02000000000000000000" pitchFamily="2" charset="0"/>
-                <a:cs typeface="+mj-cs"/>
-              </a:rPr>
-              <a:t> Veronez</a:t>
-            </a:r>
-            <a:endParaRPr sz="4800" b="1" spc="-38" dirty="0">
-              <a:solidFill>
-                <a:schemeClr val="tx1">
-                  <a:lumMod val="85000"/>
-                  <a:lumOff val="15000"/>
-                </a:schemeClr>
-              </a:solidFill>
-              <a:latin typeface="Roboto" panose="02000000000000000000" pitchFamily="2" charset="0"/>
-              <a:ea typeface="Roboto" panose="02000000000000000000" pitchFamily="2" charset="0"/>
-              <a:cs typeface="+mj-cs"/>
-            </a:endParaRPr>
-          </a:p>
-          <a:p>
-            <a:pPr marL="0" indent="0">
-              <a:lnSpc>
-                <a:spcPct val="85000"/>
-              </a:lnSpc>
-              <a:spcBef>
-                <a:spcPct val="0"/>
-              </a:spcBef>
-              <a:spcAft>
-                <a:spcPts val="0"/>
-              </a:spcAft>
-            </a:pPr>
-            <a:r>
-              <a:rPr lang="en-US" sz="3200" spc="-38" dirty="0" err="1">
-                <a:solidFill>
-                  <a:schemeClr val="tx1">
-                    <a:lumMod val="85000"/>
-                    <a:lumOff val="15000"/>
-                  </a:schemeClr>
-                </a:solidFill>
-                <a:latin typeface="Roboto" panose="02000000000000000000" pitchFamily="2" charset="0"/>
-                <a:ea typeface="Roboto" panose="02000000000000000000" pitchFamily="2" charset="0"/>
-                <a:cs typeface="+mj-cs"/>
-              </a:rPr>
-              <a:t>Arquiteto</a:t>
-            </a:r>
-            <a:r>
-              <a:rPr lang="en-US" sz="3200" spc="-38" dirty="0">
-                <a:solidFill>
-                  <a:schemeClr val="tx1">
-                    <a:lumMod val="85000"/>
-                    <a:lumOff val="15000"/>
-                  </a:schemeClr>
-                </a:solidFill>
-                <a:latin typeface="Roboto" panose="02000000000000000000" pitchFamily="2" charset="0"/>
-                <a:ea typeface="Roboto" panose="02000000000000000000" pitchFamily="2" charset="0"/>
-                <a:cs typeface="+mj-cs"/>
-              </a:rPr>
-              <a:t> de </a:t>
-            </a:r>
-            <a:r>
-              <a:rPr lang="en-US" sz="3200" spc="-38" dirty="0" err="1">
-                <a:solidFill>
-                  <a:schemeClr val="tx1">
-                    <a:lumMod val="85000"/>
-                    <a:lumOff val="15000"/>
-                  </a:schemeClr>
-                </a:solidFill>
-                <a:latin typeface="Roboto" panose="02000000000000000000" pitchFamily="2" charset="0"/>
-                <a:ea typeface="Roboto" panose="02000000000000000000" pitchFamily="2" charset="0"/>
-                <a:cs typeface="+mj-cs"/>
-              </a:rPr>
-              <a:t>Soluções</a:t>
-            </a:r>
-            <a:endParaRPr sz="3200" spc="-38" dirty="0">
-              <a:solidFill>
-                <a:schemeClr val="tx1">
-                  <a:lumMod val="85000"/>
-                  <a:lumOff val="15000"/>
-                </a:schemeClr>
-              </a:solidFill>
-              <a:latin typeface="Roboto" panose="02000000000000000000" pitchFamily="2" charset="0"/>
-              <a:ea typeface="Roboto" panose="02000000000000000000" pitchFamily="2" charset="0"/>
-              <a:cs typeface="+mj-cs"/>
-            </a:endParaRPr>
-          </a:p>
-        </p:txBody>
-      </p:sp>
-      <p:sp>
-        <p:nvSpPr>
-          <p:cNvPr id="12" name="CaixaDeTexto 11">
-            <a:extLst>
-              <a:ext uri="{FF2B5EF4-FFF2-40B4-BE49-F238E27FC236}">
-                <a16:creationId xmlns:a16="http://schemas.microsoft.com/office/drawing/2014/main" id="{2CFE1A40-C45B-403D-8565-3D82BCD84EDC}"/>
-              </a:ext>
-            </a:extLst>
-          </p:cNvPr>
-          <p:cNvSpPr txBox="1"/>
-          <p:nvPr/>
-        </p:nvSpPr>
-        <p:spPr>
-          <a:xfrm>
-            <a:off x="3310851" y="3341722"/>
-            <a:ext cx="5649175" cy="1546577"/>
-          </a:xfrm>
-          <a:prstGeom prst="rect">
-            <a:avLst/>
-          </a:prstGeom>
-          <a:noFill/>
-        </p:spPr>
-        <p:txBody>
-          <a:bodyPr wrap="none" rtlCol="0">
-            <a:spAutoFit/>
-          </a:bodyPr>
-          <a:lstStyle/>
-          <a:p>
-            <a:pPr>
-              <a:lnSpc>
-                <a:spcPct val="85000"/>
-              </a:lnSpc>
-              <a:spcBef>
-                <a:spcPct val="0"/>
-              </a:spcBef>
-            </a:pPr>
-            <a:r>
-              <a:rPr lang="en-US" spc="-38" dirty="0">
-                <a:solidFill>
-                  <a:schemeClr val="tx1">
-                    <a:lumMod val="85000"/>
-                    <a:lumOff val="15000"/>
-                  </a:schemeClr>
-                </a:solidFill>
-                <a:ea typeface="Roboto" panose="02000000000000000000" pitchFamily="2" charset="0"/>
-              </a:rPr>
-              <a:t>YouTube – </a:t>
-            </a:r>
-            <a:r>
-              <a:rPr lang="pt-BR" dirty="0">
-                <a:hlinkClick r:id="rId3"/>
-              </a:rPr>
-              <a:t>https://www.youtube.com/c/fabricioveronez</a:t>
-            </a:r>
-            <a:br>
-              <a:rPr lang="pt-BR" dirty="0"/>
-            </a:br>
-            <a:r>
-              <a:rPr lang="en-US" spc="-38" dirty="0">
-                <a:solidFill>
-                  <a:schemeClr val="tx1">
-                    <a:lumMod val="85000"/>
-                    <a:lumOff val="15000"/>
-                  </a:schemeClr>
-                </a:solidFill>
-                <a:ea typeface="Roboto" panose="02000000000000000000" pitchFamily="2" charset="0"/>
-              </a:rPr>
-              <a:t>Facebook - </a:t>
-            </a:r>
-            <a:r>
-              <a:rPr lang="pt-BR" dirty="0">
-                <a:hlinkClick r:id="rId4"/>
-              </a:rPr>
-              <a:t>http://www.facebook.com/fabricioveronezdev/</a:t>
-            </a:r>
-            <a:endParaRPr lang="en-US" spc="-38" dirty="0">
-              <a:solidFill>
-                <a:schemeClr val="tx1">
-                  <a:lumMod val="85000"/>
-                  <a:lumOff val="15000"/>
-                </a:schemeClr>
-              </a:solidFill>
-              <a:ea typeface="Roboto" panose="02000000000000000000" pitchFamily="2" charset="0"/>
-            </a:endParaRPr>
-          </a:p>
-          <a:p>
-            <a:pPr>
-              <a:lnSpc>
-                <a:spcPct val="85000"/>
-              </a:lnSpc>
-              <a:spcBef>
-                <a:spcPct val="0"/>
-              </a:spcBef>
-            </a:pPr>
-            <a:r>
-              <a:rPr lang="en-US" spc="-38" dirty="0" err="1">
-                <a:solidFill>
-                  <a:schemeClr val="tx1">
-                    <a:lumMod val="85000"/>
-                    <a:lumOff val="15000"/>
-                  </a:schemeClr>
-                </a:solidFill>
-                <a:ea typeface="Roboto" panose="02000000000000000000" pitchFamily="2" charset="0"/>
-              </a:rPr>
-              <a:t>Linkedin</a:t>
-            </a:r>
-            <a:r>
-              <a:rPr lang="en-US" spc="-38" dirty="0">
-                <a:solidFill>
-                  <a:schemeClr val="tx1">
-                    <a:lumMod val="85000"/>
-                    <a:lumOff val="15000"/>
-                  </a:schemeClr>
-                </a:solidFill>
-                <a:ea typeface="Roboto" panose="02000000000000000000" pitchFamily="2" charset="0"/>
-              </a:rPr>
-              <a:t> - </a:t>
-            </a:r>
-            <a:r>
-              <a:rPr lang="en-US" spc="-38" dirty="0">
-                <a:solidFill>
-                  <a:schemeClr val="tx1">
-                    <a:lumMod val="85000"/>
-                    <a:lumOff val="15000"/>
-                  </a:schemeClr>
-                </a:solidFill>
-                <a:ea typeface="Roboto" panose="02000000000000000000" pitchFamily="2" charset="0"/>
-                <a:hlinkClick r:id="rId5"/>
-              </a:rPr>
-              <a:t>http://www.linkedin.com/in/fabricioveronez</a:t>
-            </a:r>
-            <a:endParaRPr lang="en-US" spc="-38" dirty="0">
-              <a:solidFill>
-                <a:schemeClr val="tx1">
-                  <a:lumMod val="85000"/>
-                  <a:lumOff val="15000"/>
-                </a:schemeClr>
-              </a:solidFill>
-              <a:ea typeface="Roboto" panose="02000000000000000000" pitchFamily="2" charset="0"/>
-            </a:endParaRPr>
-          </a:p>
-          <a:p>
-            <a:pPr>
-              <a:lnSpc>
-                <a:spcPct val="85000"/>
-              </a:lnSpc>
-              <a:spcBef>
-                <a:spcPct val="0"/>
-              </a:spcBef>
-            </a:pPr>
-            <a:r>
-              <a:rPr lang="en-US" spc="-38" dirty="0">
-                <a:solidFill>
-                  <a:schemeClr val="tx1">
-                    <a:lumMod val="85000"/>
-                    <a:lumOff val="15000"/>
-                  </a:schemeClr>
-                </a:solidFill>
-                <a:ea typeface="Roboto" panose="02000000000000000000" pitchFamily="2" charset="0"/>
-              </a:rPr>
-              <a:t>Instagram - </a:t>
-            </a:r>
-            <a:r>
-              <a:rPr lang="en-US" spc="-38" dirty="0" err="1">
-                <a:solidFill>
-                  <a:schemeClr val="tx1">
-                    <a:lumMod val="85000"/>
-                    <a:lumOff val="15000"/>
-                  </a:schemeClr>
-                </a:solidFill>
-                <a:ea typeface="Roboto" panose="02000000000000000000" pitchFamily="2" charset="0"/>
-              </a:rPr>
-              <a:t>fabricioveronez</a:t>
-            </a:r>
-            <a:endParaRPr lang="en-US" spc="-38" dirty="0">
-              <a:solidFill>
-                <a:schemeClr val="tx1">
-                  <a:lumMod val="85000"/>
-                  <a:lumOff val="15000"/>
-                </a:schemeClr>
-              </a:solidFill>
-              <a:ea typeface="Roboto" panose="02000000000000000000" pitchFamily="2" charset="0"/>
-            </a:endParaRPr>
-          </a:p>
-          <a:p>
-            <a:pPr>
-              <a:lnSpc>
-                <a:spcPct val="85000"/>
-              </a:lnSpc>
-              <a:spcBef>
-                <a:spcPct val="0"/>
-              </a:spcBef>
-            </a:pPr>
-            <a:r>
-              <a:rPr lang="en-US" spc="-38" dirty="0">
-                <a:solidFill>
-                  <a:schemeClr val="tx1">
-                    <a:lumMod val="85000"/>
-                    <a:lumOff val="15000"/>
-                  </a:schemeClr>
-                </a:solidFill>
-                <a:ea typeface="Roboto" panose="02000000000000000000" pitchFamily="2" charset="0"/>
-              </a:rPr>
-              <a:t>Telegram - </a:t>
-            </a:r>
-            <a:r>
-              <a:rPr lang="en-US" spc="-38" dirty="0" err="1">
-                <a:solidFill>
-                  <a:schemeClr val="tx1">
-                    <a:lumMod val="85000"/>
-                    <a:lumOff val="15000"/>
-                  </a:schemeClr>
-                </a:solidFill>
-                <a:ea typeface="Roboto" panose="02000000000000000000" pitchFamily="2" charset="0"/>
-              </a:rPr>
-              <a:t>fabricioveronez</a:t>
-            </a:r>
-            <a:endParaRPr lang="en-US" spc="-38" dirty="0">
-              <a:solidFill>
-                <a:schemeClr val="tx1">
-                  <a:lumMod val="85000"/>
-                  <a:lumOff val="15000"/>
-                </a:schemeClr>
-              </a:solidFill>
-              <a:ea typeface="Roboto" panose="02000000000000000000" pitchFamily="2" charset="0"/>
-            </a:endParaRPr>
-          </a:p>
-          <a:p>
-            <a:endParaRPr lang="en-US" dirty="0"/>
-          </a:p>
-        </p:txBody>
-      </p:sp>
-      <p:pic>
-        <p:nvPicPr>
-          <p:cNvPr id="13" name="Imagem 12">
-            <a:extLst>
-              <a:ext uri="{FF2B5EF4-FFF2-40B4-BE49-F238E27FC236}">
-                <a16:creationId xmlns:a16="http://schemas.microsoft.com/office/drawing/2014/main" id="{2F9450F7-57C3-4B2A-84A1-BEC5AB05EFB2}"/>
+                <a16:creationId xmlns:a16="http://schemas.microsoft.com/office/drawing/2014/main" id="{28085FF1-0053-47D1-8DD1-FFD8D650CBFC}"/>
               </a:ext>
             </a:extLst>
           </p:cNvPr>
@@ -10280,15 +8391,15 @@
           <p:nvPr/>
         </p:nvPicPr>
         <p:blipFill>
-          <a:blip r:embed="rId6"/>
+          <a:blip r:embed="rId2"/>
           <a:stretch>
             <a:fillRect/>
           </a:stretch>
         </p:blipFill>
         <p:spPr>
           <a:xfrm>
-            <a:off x="457831" y="284018"/>
-            <a:ext cx="2127461" cy="2127461"/>
+            <a:off x="4959559" y="1864924"/>
+            <a:ext cx="679173" cy="733126"/>
           </a:xfrm>
           <a:prstGeom prst="rect">
             <a:avLst/>
@@ -10297,10 +8408,10 @@
       </p:pic>
       <p:pic>
         <p:nvPicPr>
-          <p:cNvPr id="14" name="Imagem 13">
+          <p:cNvPr id="19" name="Imagem 18">
             <a:extLst>
               <a:ext uri="{FF2B5EF4-FFF2-40B4-BE49-F238E27FC236}">
-                <a16:creationId xmlns:a16="http://schemas.microsoft.com/office/drawing/2014/main" id="{2814084F-88C0-4E7A-B6DE-A817038DB86C}"/>
+                <a16:creationId xmlns:a16="http://schemas.microsoft.com/office/drawing/2014/main" id="{322E43D5-B469-40CC-8883-F405179C465D}"/>
               </a:ext>
             </a:extLst>
           </p:cNvPr>
@@ -10310,120 +8421,155 @@
           <p:nvPr/>
         </p:nvPicPr>
         <p:blipFill>
-          <a:blip r:embed="rId7"/>
+          <a:blip r:embed="rId3"/>
           <a:stretch>
             <a:fillRect/>
           </a:stretch>
         </p:blipFill>
         <p:spPr>
           <a:xfrm>
-            <a:off x="3385580" y="683862"/>
-            <a:ext cx="3482360" cy="1957871"/>
+            <a:off x="3302208" y="1901214"/>
+            <a:ext cx="679173" cy="724237"/>
           </a:xfrm>
           <a:prstGeom prst="rect">
             <a:avLst/>
           </a:prstGeom>
         </p:spPr>
       </p:pic>
-      <p:pic>
-        <p:nvPicPr>
-          <p:cNvPr id="8" name="Imagem 7">
-            <a:extLst>
-              <a:ext uri="{FF2B5EF4-FFF2-40B4-BE49-F238E27FC236}">
-                <a16:creationId xmlns:a16="http://schemas.microsoft.com/office/drawing/2014/main" id="{90008BBE-F72F-4FB7-9D54-B7768EDB93E0}"/>
-              </a:ext>
-            </a:extLst>
-          </p:cNvPr>
-          <p:cNvPicPr>
-            <a:picLocks noChangeAspect="1"/>
-          </p:cNvPicPr>
-          <p:nvPr/>
-        </p:nvPicPr>
-        <p:blipFill>
-          <a:blip r:embed="rId8"/>
-          <a:stretch>
-            <a:fillRect/>
-          </a:stretch>
-        </p:blipFill>
-        <p:spPr>
-          <a:xfrm>
-            <a:off x="3385580" y="2027701"/>
-            <a:ext cx="2533358" cy="631163"/>
-          </a:xfrm>
-          <a:prstGeom prst="rect">
-            <a:avLst/>
-          </a:prstGeom>
-        </p:spPr>
-      </p:pic>
-      <p:pic>
-        <p:nvPicPr>
-          <p:cNvPr id="11" name="Imagem 10">
-            <a:extLst>
-              <a:ext uri="{FF2B5EF4-FFF2-40B4-BE49-F238E27FC236}">
-                <a16:creationId xmlns:a16="http://schemas.microsoft.com/office/drawing/2014/main" id="{5A6EFF9A-658F-4A70-9383-7EF936F56B66}"/>
-              </a:ext>
-            </a:extLst>
-          </p:cNvPr>
-          <p:cNvPicPr>
-            <a:picLocks noChangeAspect="1"/>
-          </p:cNvPicPr>
-          <p:nvPr/>
-        </p:nvPicPr>
-        <p:blipFill>
-          <a:blip r:embed="rId9"/>
-          <a:stretch>
-            <a:fillRect/>
-          </a:stretch>
-        </p:blipFill>
-        <p:spPr>
-          <a:xfrm>
-            <a:off x="-24686" y="2892401"/>
-            <a:ext cx="3010122" cy="1599734"/>
-          </a:xfrm>
-          <a:prstGeom prst="rect">
-            <a:avLst/>
-          </a:prstGeom>
-        </p:spPr>
-      </p:pic>
-      <p:pic>
-        <p:nvPicPr>
-          <p:cNvPr id="3" name="Imagem 2">
-            <a:extLst>
-              <a:ext uri="{FF2B5EF4-FFF2-40B4-BE49-F238E27FC236}">
-                <a16:creationId xmlns:a16="http://schemas.microsoft.com/office/drawing/2014/main" id="{F46A1ECC-C062-4775-B631-EBD3720EE866}"/>
-              </a:ext>
-            </a:extLst>
-          </p:cNvPr>
-          <p:cNvPicPr>
-            <a:picLocks noChangeAspect="1"/>
-          </p:cNvPicPr>
-          <p:nvPr/>
-        </p:nvPicPr>
-        <p:blipFill>
-          <a:blip r:embed="rId10"/>
-          <a:stretch>
-            <a:fillRect/>
-          </a:stretch>
-        </p:blipFill>
-        <p:spPr>
-          <a:xfrm>
-            <a:off x="3385580" y="2641733"/>
-            <a:ext cx="2444750" cy="790724"/>
-          </a:xfrm>
-          <a:prstGeom prst="rect">
-            <a:avLst/>
-          </a:prstGeom>
-        </p:spPr>
-      </p:pic>
     </p:spTree>
+    <p:extLst>
+      <p:ext uri="{BB962C8B-B14F-4D97-AF65-F5344CB8AC3E}">
+        <p14:creationId xmlns:p14="http://schemas.microsoft.com/office/powerpoint/2010/main" val="3752626071"/>
+      </p:ext>
+    </p:extLst>
   </p:cSld>
   <p:clrMapOvr>
     <a:masterClrMapping/>
   </p:clrMapOvr>
+  <p:timing>
+    <p:tnLst>
+      <p:par>
+        <p:cTn id="1" dur="indefinite" restart="never" nodeType="tmRoot">
+          <p:childTnLst>
+            <p:seq concurrent="1" nextAc="seek">
+              <p:cTn id="2" dur="indefinite" nodeType="mainSeq">
+                <p:childTnLst>
+                  <p:par>
+                    <p:cTn id="3" fill="hold">
+                      <p:stCondLst>
+                        <p:cond delay="indefinite"/>
+                      </p:stCondLst>
+                      <p:childTnLst>
+                        <p:par>
+                          <p:cTn id="4" fill="hold">
+                            <p:stCondLst>
+                              <p:cond delay="0"/>
+                            </p:stCondLst>
+                            <p:childTnLst>
+                              <p:par>
+                                <p:cTn id="5" presetID="1" presetClass="entr" presetSubtype="0" fill="hold" nodeType="clickEffect">
+                                  <p:stCondLst>
+                                    <p:cond delay="0"/>
+                                  </p:stCondLst>
+                                  <p:childTnLst>
+                                    <p:set>
+                                      <p:cBhvr>
+                                        <p:cTn id="6" dur="1" fill="hold">
+                                          <p:stCondLst>
+                                            <p:cond delay="0"/>
+                                          </p:stCondLst>
+                                        </p:cTn>
+                                        <p:tgtEl>
+                                          <p:spTgt spid="19"/>
+                                        </p:tgtEl>
+                                        <p:attrNameLst>
+                                          <p:attrName>style.visibility</p:attrName>
+                                        </p:attrNameLst>
+                                      </p:cBhvr>
+                                      <p:to>
+                                        <p:strVal val="visible"/>
+                                      </p:to>
+                                    </p:set>
+                                  </p:childTnLst>
+                                </p:cTn>
+                              </p:par>
+                            </p:childTnLst>
+                          </p:cTn>
+                        </p:par>
+                      </p:childTnLst>
+                    </p:cTn>
+                  </p:par>
+                  <p:par>
+                    <p:cTn id="7" fill="hold">
+                      <p:stCondLst>
+                        <p:cond delay="indefinite"/>
+                      </p:stCondLst>
+                      <p:childTnLst>
+                        <p:par>
+                          <p:cTn id="8" fill="hold">
+                            <p:stCondLst>
+                              <p:cond delay="0"/>
+                            </p:stCondLst>
+                            <p:childTnLst>
+                              <p:par>
+                                <p:cTn id="9" presetID="1" presetClass="entr" presetSubtype="0" fill="hold" nodeType="clickEffect">
+                                  <p:stCondLst>
+                                    <p:cond delay="0"/>
+                                  </p:stCondLst>
+                                  <p:childTnLst>
+                                    <p:set>
+                                      <p:cBhvr>
+                                        <p:cTn id="10" dur="1" fill="hold">
+                                          <p:stCondLst>
+                                            <p:cond delay="0"/>
+                                          </p:stCondLst>
+                                        </p:cTn>
+                                        <p:tgtEl>
+                                          <p:spTgt spid="18"/>
+                                        </p:tgtEl>
+                                        <p:attrNameLst>
+                                          <p:attrName>style.visibility</p:attrName>
+                                        </p:attrNameLst>
+                                      </p:cBhvr>
+                                      <p:to>
+                                        <p:strVal val="visible"/>
+                                      </p:to>
+                                    </p:set>
+                                  </p:childTnLst>
+                                </p:cTn>
+                              </p:par>
+                            </p:childTnLst>
+                          </p:cTn>
+                        </p:par>
+                      </p:childTnLst>
+                    </p:cTn>
+                  </p:par>
+                </p:childTnLst>
+              </p:cTn>
+              <p:prevCondLst>
+                <p:cond evt="onPrev" delay="0">
+                  <p:tgtEl>
+                    <p:sldTgt/>
+                  </p:tgtEl>
+                </p:cond>
+              </p:prevCondLst>
+              <p:nextCondLst>
+                <p:cond evt="onNext" delay="0">
+                  <p:tgtEl>
+                    <p:sldTgt/>
+                  </p:tgtEl>
+                </p:cond>
+              </p:nextCondLst>
+            </p:seq>
+          </p:childTnLst>
+        </p:cTn>
+      </p:par>
+    </p:tnLst>
+  </p:timing>
 </p:sld>
 </file>
 
-<file path=ppt/slides/slide3.xml><?xml version="1.0" encoding="utf-8"?>
+<file path=ppt/slides/slide5.xml><?xml version="1.0" encoding="utf-8"?>
 <p:sld xmlns:a="http://schemas.openxmlformats.org/drawingml/2006/main" xmlns:r="http://schemas.openxmlformats.org/officeDocument/2006/relationships" xmlns:p="http://schemas.openxmlformats.org/presentationml/2006/main">
   <p:cSld>
     <p:spTree>
@@ -10440,40 +8586,299 @@
           <a:chExt cx="0" cy="0"/>
         </a:xfrm>
       </p:grpSpPr>
-      <p:pic>
-        <p:nvPicPr>
-          <p:cNvPr id="4" name="Imagem 3">
+      <p:sp>
+        <p:nvSpPr>
+          <p:cNvPr id="3" name="CaixaDeTexto 2">
             <a:extLst>
               <a:ext uri="{FF2B5EF4-FFF2-40B4-BE49-F238E27FC236}">
-                <a16:creationId xmlns:a16="http://schemas.microsoft.com/office/drawing/2014/main" id="{74E5D79A-5B3D-4E8D-90AF-FE5B606C9323}"/>
+                <a16:creationId xmlns:a16="http://schemas.microsoft.com/office/drawing/2014/main" id="{5E9EEC9D-1C6A-47CB-9521-6F601475FFAF}"/>
               </a:ext>
             </a:extLst>
           </p:cNvPr>
-          <p:cNvPicPr>
-            <a:picLocks noChangeAspect="1"/>
-          </p:cNvPicPr>
+          <p:cNvSpPr txBox="1"/>
           <p:nvPr/>
-        </p:nvPicPr>
-        <p:blipFill>
-          <a:blip r:embed="rId2"/>
-          <a:stretch>
-            <a:fillRect/>
-          </a:stretch>
-        </p:blipFill>
-        <p:spPr>
-          <a:xfrm>
-            <a:off x="898207" y="461042"/>
-            <a:ext cx="7347585" cy="3802376"/>
+        </p:nvSpPr>
+        <p:spPr>
+          <a:xfrm>
+            <a:off x="2868648" y="140167"/>
+            <a:ext cx="2837636" cy="769441"/>
           </a:xfrm>
           <a:prstGeom prst="rect">
             <a:avLst/>
           </a:prstGeom>
-        </p:spPr>
-      </p:pic>
+          <a:noFill/>
+        </p:spPr>
+        <p:txBody>
+          <a:bodyPr wrap="none" rtlCol="0">
+            <a:spAutoFit/>
+          </a:bodyPr>
+          <a:lstStyle/>
+          <a:p>
+            <a:r>
+              <a:rPr lang="en-US" sz="4400" dirty="0" err="1">
+                <a:latin typeface="Roboto" panose="020B0604020202020204" charset="0"/>
+                <a:ea typeface="Roboto" panose="020B0604020202020204" charset="0"/>
+              </a:rPr>
+              <a:t>ReplicaSet</a:t>
+            </a:r>
+            <a:endParaRPr lang="en-US" sz="4400" dirty="0">
+              <a:latin typeface="Roboto" panose="020B0604020202020204" charset="0"/>
+              <a:ea typeface="Roboto" panose="020B0604020202020204" charset="0"/>
+            </a:endParaRPr>
+          </a:p>
+        </p:txBody>
+      </p:sp>
+      <p:sp>
+        <p:nvSpPr>
+          <p:cNvPr id="9" name="Retângulo: Cantos Arredondados 8">
+            <a:extLst>
+              <a:ext uri="{FF2B5EF4-FFF2-40B4-BE49-F238E27FC236}">
+                <a16:creationId xmlns:a16="http://schemas.microsoft.com/office/drawing/2014/main" id="{7EC44340-DECD-41FF-9EF3-7C1691BD0CEA}"/>
+              </a:ext>
+            </a:extLst>
+          </p:cNvPr>
+          <p:cNvSpPr/>
+          <p:nvPr/>
+        </p:nvSpPr>
+        <p:spPr>
+          <a:xfrm>
+            <a:off x="3509600" y="1828284"/>
+            <a:ext cx="1555731" cy="369332"/>
+          </a:xfrm>
+          <a:prstGeom prst="roundRect">
+            <a:avLst/>
+          </a:prstGeom>
+        </p:spPr>
+        <p:style>
+          <a:lnRef idx="2">
+            <a:schemeClr val="accent2">
+              <a:shade val="50000"/>
+            </a:schemeClr>
+          </a:lnRef>
+          <a:fillRef idx="1">
+            <a:schemeClr val="accent2"/>
+          </a:fillRef>
+          <a:effectRef idx="0">
+            <a:schemeClr val="accent2"/>
+          </a:effectRef>
+          <a:fontRef idx="minor">
+            <a:schemeClr val="lt1"/>
+          </a:fontRef>
+        </p:style>
+        <p:txBody>
+          <a:bodyPr rtlCol="0" anchor="ctr"/>
+          <a:lstStyle/>
+          <a:p>
+            <a:pPr algn="ctr"/>
+            <a:r>
+              <a:rPr lang="en-US" dirty="0" err="1"/>
+              <a:t>ReplicaSet</a:t>
+            </a:r>
+            <a:r>
+              <a:rPr lang="en-US" dirty="0"/>
+              <a:t> A</a:t>
+            </a:r>
+          </a:p>
+        </p:txBody>
+      </p:sp>
+      <p:sp>
+        <p:nvSpPr>
+          <p:cNvPr id="13" name="Retângulo: Cantos Arredondados 12">
+            <a:extLst>
+              <a:ext uri="{FF2B5EF4-FFF2-40B4-BE49-F238E27FC236}">
+                <a16:creationId xmlns:a16="http://schemas.microsoft.com/office/drawing/2014/main" id="{1AFBAC96-C91E-425F-8761-9252E223FE0D}"/>
+              </a:ext>
+            </a:extLst>
+          </p:cNvPr>
+          <p:cNvSpPr/>
+          <p:nvPr/>
+        </p:nvSpPr>
+        <p:spPr>
+          <a:xfrm>
+            <a:off x="3884241" y="2921035"/>
+            <a:ext cx="1047750" cy="552450"/>
+          </a:xfrm>
+          <a:prstGeom prst="roundRect">
+            <a:avLst/>
+          </a:prstGeom>
+        </p:spPr>
+        <p:style>
+          <a:lnRef idx="2">
+            <a:schemeClr val="accent2">
+              <a:shade val="50000"/>
+            </a:schemeClr>
+          </a:lnRef>
+          <a:fillRef idx="1">
+            <a:schemeClr val="accent2"/>
+          </a:fillRef>
+          <a:effectRef idx="0">
+            <a:schemeClr val="accent2"/>
+          </a:effectRef>
+          <a:fontRef idx="minor">
+            <a:schemeClr val="lt1"/>
+          </a:fontRef>
+        </p:style>
+        <p:txBody>
+          <a:bodyPr rtlCol="0" anchor="ctr"/>
+          <a:lstStyle/>
+          <a:p>
+            <a:pPr algn="ctr"/>
+            <a:r>
+              <a:rPr lang="en-US" dirty="0"/>
+              <a:t>Pod A</a:t>
+            </a:r>
+          </a:p>
+        </p:txBody>
+      </p:sp>
+      <p:sp>
+        <p:nvSpPr>
+          <p:cNvPr id="14" name="Retângulo: Cantos Arredondados 13">
+            <a:extLst>
+              <a:ext uri="{FF2B5EF4-FFF2-40B4-BE49-F238E27FC236}">
+                <a16:creationId xmlns:a16="http://schemas.microsoft.com/office/drawing/2014/main" id="{74BA78B8-F259-43F7-9AA7-A78D6745A50D}"/>
+              </a:ext>
+            </a:extLst>
+          </p:cNvPr>
+          <p:cNvSpPr/>
+          <p:nvPr/>
+        </p:nvSpPr>
+        <p:spPr>
+          <a:xfrm>
+            <a:off x="3798516" y="2859804"/>
+            <a:ext cx="1047750" cy="552450"/>
+          </a:xfrm>
+          <a:prstGeom prst="roundRect">
+            <a:avLst/>
+          </a:prstGeom>
+        </p:spPr>
+        <p:style>
+          <a:lnRef idx="2">
+            <a:schemeClr val="accent2">
+              <a:shade val="50000"/>
+            </a:schemeClr>
+          </a:lnRef>
+          <a:fillRef idx="1">
+            <a:schemeClr val="accent2"/>
+          </a:fillRef>
+          <a:effectRef idx="0">
+            <a:schemeClr val="accent2"/>
+          </a:effectRef>
+          <a:fontRef idx="minor">
+            <a:schemeClr val="lt1"/>
+          </a:fontRef>
+        </p:style>
+        <p:txBody>
+          <a:bodyPr rtlCol="0" anchor="ctr"/>
+          <a:lstStyle/>
+          <a:p>
+            <a:pPr algn="ctr"/>
+            <a:r>
+              <a:rPr lang="en-US" dirty="0"/>
+              <a:t>Pod A</a:t>
+            </a:r>
+          </a:p>
+        </p:txBody>
+      </p:sp>
+      <p:sp>
+        <p:nvSpPr>
+          <p:cNvPr id="17" name="Retângulo: Cantos Arredondados 16">
+            <a:extLst>
+              <a:ext uri="{FF2B5EF4-FFF2-40B4-BE49-F238E27FC236}">
+                <a16:creationId xmlns:a16="http://schemas.microsoft.com/office/drawing/2014/main" id="{518FCB6F-1F58-41D9-89B5-3EDE445B5E5C}"/>
+              </a:ext>
+            </a:extLst>
+          </p:cNvPr>
+          <p:cNvSpPr/>
+          <p:nvPr/>
+        </p:nvSpPr>
+        <p:spPr>
+          <a:xfrm>
+            <a:off x="3712791" y="2791814"/>
+            <a:ext cx="1047750" cy="552450"/>
+          </a:xfrm>
+          <a:prstGeom prst="roundRect">
+            <a:avLst/>
+          </a:prstGeom>
+        </p:spPr>
+        <p:style>
+          <a:lnRef idx="2">
+            <a:schemeClr val="accent2">
+              <a:shade val="50000"/>
+            </a:schemeClr>
+          </a:lnRef>
+          <a:fillRef idx="1">
+            <a:schemeClr val="accent2"/>
+          </a:fillRef>
+          <a:effectRef idx="0">
+            <a:schemeClr val="accent2"/>
+          </a:effectRef>
+          <a:fontRef idx="minor">
+            <a:schemeClr val="lt1"/>
+          </a:fontRef>
+        </p:style>
+        <p:txBody>
+          <a:bodyPr rtlCol="0" anchor="ctr"/>
+          <a:lstStyle/>
+          <a:p>
+            <a:pPr algn="ctr"/>
+            <a:r>
+              <a:rPr lang="en-US" dirty="0"/>
+              <a:t>Pod A</a:t>
+            </a:r>
+          </a:p>
+        </p:txBody>
+      </p:sp>
+      <p:cxnSp>
+        <p:nvCxnSpPr>
+          <p:cNvPr id="19" name="Conector de Seta Reta 18">
+            <a:extLst>
+              <a:ext uri="{FF2B5EF4-FFF2-40B4-BE49-F238E27FC236}">
+                <a16:creationId xmlns:a16="http://schemas.microsoft.com/office/drawing/2014/main" id="{59E83CC3-3D2B-4516-9A0B-A346A2DD8DAE}"/>
+              </a:ext>
+            </a:extLst>
+          </p:cNvPr>
+          <p:cNvCxnSpPr>
+            <a:cxnSpLocks/>
+          </p:cNvCxnSpPr>
+          <p:nvPr/>
+        </p:nvCxnSpPr>
+        <p:spPr>
+          <a:xfrm>
+            <a:off x="4287466" y="2281664"/>
+            <a:ext cx="0" cy="449635"/>
+          </a:xfrm>
+          <a:prstGeom prst="straightConnector1">
+            <a:avLst/>
+          </a:prstGeom>
+          <a:ln w="9525" cap="flat" cmpd="sng" algn="ctr">
+            <a:solidFill>
+              <a:schemeClr val="dk1"/>
+            </a:solidFill>
+            <a:prstDash val="solid"/>
+            <a:round/>
+            <a:headEnd type="none" w="med" len="med"/>
+            <a:tailEnd type="arrow" w="med" len="med"/>
+          </a:ln>
+        </p:spPr>
+        <p:style>
+          <a:lnRef idx="0">
+            <a:scrgbClr r="0" g="0" b="0"/>
+          </a:lnRef>
+          <a:fillRef idx="0">
+            <a:scrgbClr r="0" g="0" b="0"/>
+          </a:fillRef>
+          <a:effectRef idx="0">
+            <a:scrgbClr r="0" g="0" b="0"/>
+          </a:effectRef>
+          <a:fontRef idx="minor">
+            <a:schemeClr val="tx1"/>
+          </a:fontRef>
+        </p:style>
+      </p:cxnSp>
     </p:spTree>
     <p:extLst>
       <p:ext uri="{BB962C8B-B14F-4D97-AF65-F5344CB8AC3E}">
-        <p14:creationId xmlns:p14="http://schemas.microsoft.com/office/powerpoint/2010/main" val="40056514"/>
+        <p14:creationId xmlns:p14="http://schemas.microsoft.com/office/powerpoint/2010/main" val="738648105"/>
       </p:ext>
     </p:extLst>
   </p:cSld>
@@ -10483,7 +8888,7 @@
 </p:sld>
 </file>
 
-<file path=ppt/slides/slide4.xml><?xml version="1.0" encoding="utf-8"?>
+<file path=ppt/slides/slide6.xml><?xml version="1.0" encoding="utf-8"?>
 <p:sld xmlns:a="http://schemas.openxmlformats.org/drawingml/2006/main" xmlns:r="http://schemas.openxmlformats.org/officeDocument/2006/relationships" xmlns:p="http://schemas.openxmlformats.org/presentationml/2006/main">
   <p:cSld>
     <p:spTree>
@@ -10502,10 +8907,10 @@
       </p:grpSpPr>
       <p:sp>
         <p:nvSpPr>
-          <p:cNvPr id="6" name="CaixaDeTexto 5">
+          <p:cNvPr id="3" name="CaixaDeTexto 2">
             <a:extLst>
               <a:ext uri="{FF2B5EF4-FFF2-40B4-BE49-F238E27FC236}">
-                <a16:creationId xmlns:a16="http://schemas.microsoft.com/office/drawing/2014/main" id="{4DA9B1BD-4C6D-4BA6-A19A-E4B7E5A32637}"/>
+                <a16:creationId xmlns:a16="http://schemas.microsoft.com/office/drawing/2014/main" id="{5E9EEC9D-1C6A-47CB-9521-6F601475FFAF}"/>
               </a:ext>
             </a:extLst>
           </p:cNvPr>
@@ -10514,8 +8919,8 @@
         </p:nvSpPr>
         <p:spPr>
           <a:xfrm>
-            <a:off x="0" y="323272"/>
-            <a:ext cx="9144000" cy="707886"/>
+            <a:off x="2868648" y="140167"/>
+            <a:ext cx="3183885" cy="769441"/>
           </a:xfrm>
           <a:prstGeom prst="rect">
             <a:avLst/>
@@ -10523,53 +8928,439 @@
           <a:noFill/>
         </p:spPr>
         <p:txBody>
-          <a:bodyPr wrap="square" rtlCol="0">
+          <a:bodyPr wrap="none" rtlCol="0">
             <a:spAutoFit/>
           </a:bodyPr>
           <a:lstStyle/>
           <a:p>
-            <a:pPr algn="ctr"/>
-            <a:r>
-              <a:rPr lang="pt-BR" sz="4000" dirty="0">
-                <a:latin typeface="Roboto" panose="02000000000000000000" pitchFamily="2" charset="0"/>
-                <a:ea typeface="Roboto" panose="02000000000000000000" pitchFamily="2" charset="0"/>
+            <a:r>
+              <a:rPr lang="en-US" sz="4400" dirty="0">
+                <a:latin typeface="Roboto" panose="020B0604020202020204" charset="0"/>
+                <a:ea typeface="Roboto" panose="020B0604020202020204" charset="0"/>
               </a:rPr>
-              <a:t>Objetos em um </a:t>
-            </a:r>
-            <a:r>
-              <a:rPr lang="pt-BR" sz="4000" dirty="0" err="1">
-                <a:latin typeface="Roboto" panose="02000000000000000000" pitchFamily="2" charset="0"/>
-                <a:ea typeface="Roboto" panose="02000000000000000000" pitchFamily="2" charset="0"/>
-              </a:rPr>
-              <a:t>deploy</a:t>
-            </a:r>
-            <a:r>
-              <a:rPr lang="pt-BR" sz="4000" dirty="0">
-                <a:latin typeface="Roboto" panose="02000000000000000000" pitchFamily="2" charset="0"/>
-                <a:ea typeface="Roboto" panose="02000000000000000000" pitchFamily="2" charset="0"/>
-              </a:rPr>
-              <a:t> </a:t>
-            </a:r>
-            <a:r>
-              <a:rPr lang="pt-BR" sz="4000" dirty="0" err="1">
-                <a:latin typeface="Roboto" panose="02000000000000000000" pitchFamily="2" charset="0"/>
-                <a:ea typeface="Roboto" panose="02000000000000000000" pitchFamily="2" charset="0"/>
-              </a:rPr>
-              <a:t>Kubernetes</a:t>
-            </a:r>
-            <a:endParaRPr lang="pt-BR" sz="4000" dirty="0">
-              <a:latin typeface="Roboto" panose="02000000000000000000" pitchFamily="2" charset="0"/>
-              <a:ea typeface="Roboto" panose="02000000000000000000" pitchFamily="2" charset="0"/>
-            </a:endParaRPr>
-          </a:p>
-        </p:txBody>
-      </p:sp>
-      <p:sp>
-        <p:nvSpPr>
-          <p:cNvPr id="7" name="Google Shape;373;p16">
+              <a:t>Deployment</a:t>
+            </a:r>
+          </a:p>
+        </p:txBody>
+      </p:sp>
+      <p:sp>
+        <p:nvSpPr>
+          <p:cNvPr id="5" name="CaixaDeTexto 4">
             <a:extLst>
               <a:ext uri="{FF2B5EF4-FFF2-40B4-BE49-F238E27FC236}">
-                <a16:creationId xmlns:a16="http://schemas.microsoft.com/office/drawing/2014/main" id="{38ED606A-B4FE-4F88-8085-9ACF12C78523}"/>
+                <a16:creationId xmlns:a16="http://schemas.microsoft.com/office/drawing/2014/main" id="{FA4ECEF8-C35D-45EB-B5B2-CFFB73338780}"/>
+              </a:ext>
+            </a:extLst>
+          </p:cNvPr>
+          <p:cNvSpPr txBox="1"/>
+          <p:nvPr/>
+        </p:nvSpPr>
+        <p:spPr>
+          <a:xfrm>
+            <a:off x="2357828" y="1910135"/>
+            <a:ext cx="1964449" cy="369332"/>
+          </a:xfrm>
+          <a:prstGeom prst="rect">
+            <a:avLst/>
+          </a:prstGeom>
+          <a:noFill/>
+        </p:spPr>
+        <p:txBody>
+          <a:bodyPr wrap="none" rtlCol="0">
+            <a:spAutoFit/>
+          </a:bodyPr>
+          <a:lstStyle/>
+          <a:p>
+            <a:r>
+              <a:rPr lang="en-US" dirty="0">
+                <a:solidFill>
+                  <a:schemeClr val="bg1"/>
+                </a:solidFill>
+              </a:rPr>
+              <a:t>Cluster Kubernetes</a:t>
+            </a:r>
+          </a:p>
+        </p:txBody>
+      </p:sp>
+      <p:sp>
+        <p:nvSpPr>
+          <p:cNvPr id="9" name="Retângulo: Cantos Arredondados 8">
+            <a:extLst>
+              <a:ext uri="{FF2B5EF4-FFF2-40B4-BE49-F238E27FC236}">
+                <a16:creationId xmlns:a16="http://schemas.microsoft.com/office/drawing/2014/main" id="{7EC44340-DECD-41FF-9EF3-7C1691BD0CEA}"/>
+              </a:ext>
+            </a:extLst>
+          </p:cNvPr>
+          <p:cNvSpPr/>
+          <p:nvPr/>
+        </p:nvSpPr>
+        <p:spPr>
+          <a:xfrm>
+            <a:off x="3544411" y="2387084"/>
+            <a:ext cx="1555731" cy="369332"/>
+          </a:xfrm>
+          <a:prstGeom prst="roundRect">
+            <a:avLst/>
+          </a:prstGeom>
+        </p:spPr>
+        <p:style>
+          <a:lnRef idx="2">
+            <a:schemeClr val="accent2">
+              <a:shade val="50000"/>
+            </a:schemeClr>
+          </a:lnRef>
+          <a:fillRef idx="1">
+            <a:schemeClr val="accent2"/>
+          </a:fillRef>
+          <a:effectRef idx="0">
+            <a:schemeClr val="accent2"/>
+          </a:effectRef>
+          <a:fontRef idx="minor">
+            <a:schemeClr val="lt1"/>
+          </a:fontRef>
+        </p:style>
+        <p:txBody>
+          <a:bodyPr rtlCol="0" anchor="ctr"/>
+          <a:lstStyle/>
+          <a:p>
+            <a:pPr algn="ctr"/>
+            <a:r>
+              <a:rPr lang="en-US" dirty="0" err="1"/>
+              <a:t>ReplicaSet</a:t>
+            </a:r>
+            <a:r>
+              <a:rPr lang="en-US" dirty="0"/>
+              <a:t> A</a:t>
+            </a:r>
+          </a:p>
+        </p:txBody>
+      </p:sp>
+      <p:sp>
+        <p:nvSpPr>
+          <p:cNvPr id="13" name="Retângulo: Cantos Arredondados 12">
+            <a:extLst>
+              <a:ext uri="{FF2B5EF4-FFF2-40B4-BE49-F238E27FC236}">
+                <a16:creationId xmlns:a16="http://schemas.microsoft.com/office/drawing/2014/main" id="{1AFBAC96-C91E-425F-8761-9252E223FE0D}"/>
+              </a:ext>
+            </a:extLst>
+          </p:cNvPr>
+          <p:cNvSpPr/>
+          <p:nvPr/>
+        </p:nvSpPr>
+        <p:spPr>
+          <a:xfrm>
+            <a:off x="3919052" y="3479835"/>
+            <a:ext cx="1047750" cy="552450"/>
+          </a:xfrm>
+          <a:prstGeom prst="roundRect">
+            <a:avLst/>
+          </a:prstGeom>
+        </p:spPr>
+        <p:style>
+          <a:lnRef idx="2">
+            <a:schemeClr val="accent2">
+              <a:shade val="50000"/>
+            </a:schemeClr>
+          </a:lnRef>
+          <a:fillRef idx="1">
+            <a:schemeClr val="accent2"/>
+          </a:fillRef>
+          <a:effectRef idx="0">
+            <a:schemeClr val="accent2"/>
+          </a:effectRef>
+          <a:fontRef idx="minor">
+            <a:schemeClr val="lt1"/>
+          </a:fontRef>
+        </p:style>
+        <p:txBody>
+          <a:bodyPr rtlCol="0" anchor="ctr"/>
+          <a:lstStyle/>
+          <a:p>
+            <a:pPr algn="ctr"/>
+            <a:r>
+              <a:rPr lang="en-US" dirty="0"/>
+              <a:t>Pod A</a:t>
+            </a:r>
+          </a:p>
+        </p:txBody>
+      </p:sp>
+      <p:sp>
+        <p:nvSpPr>
+          <p:cNvPr id="14" name="Retângulo: Cantos Arredondados 13">
+            <a:extLst>
+              <a:ext uri="{FF2B5EF4-FFF2-40B4-BE49-F238E27FC236}">
+                <a16:creationId xmlns:a16="http://schemas.microsoft.com/office/drawing/2014/main" id="{74BA78B8-F259-43F7-9AA7-A78D6745A50D}"/>
+              </a:ext>
+            </a:extLst>
+          </p:cNvPr>
+          <p:cNvSpPr/>
+          <p:nvPr/>
+        </p:nvSpPr>
+        <p:spPr>
+          <a:xfrm>
+            <a:off x="3833327" y="3418604"/>
+            <a:ext cx="1047750" cy="552450"/>
+          </a:xfrm>
+          <a:prstGeom prst="roundRect">
+            <a:avLst/>
+          </a:prstGeom>
+        </p:spPr>
+        <p:style>
+          <a:lnRef idx="2">
+            <a:schemeClr val="accent2">
+              <a:shade val="50000"/>
+            </a:schemeClr>
+          </a:lnRef>
+          <a:fillRef idx="1">
+            <a:schemeClr val="accent2"/>
+          </a:fillRef>
+          <a:effectRef idx="0">
+            <a:schemeClr val="accent2"/>
+          </a:effectRef>
+          <a:fontRef idx="minor">
+            <a:schemeClr val="lt1"/>
+          </a:fontRef>
+        </p:style>
+        <p:txBody>
+          <a:bodyPr rtlCol="0" anchor="ctr"/>
+          <a:lstStyle/>
+          <a:p>
+            <a:pPr algn="ctr"/>
+            <a:r>
+              <a:rPr lang="en-US" dirty="0"/>
+              <a:t>Pod A</a:t>
+            </a:r>
+          </a:p>
+        </p:txBody>
+      </p:sp>
+      <p:cxnSp>
+        <p:nvCxnSpPr>
+          <p:cNvPr id="15" name="Conector de Seta Reta 14">
+            <a:extLst>
+              <a:ext uri="{FF2B5EF4-FFF2-40B4-BE49-F238E27FC236}">
+                <a16:creationId xmlns:a16="http://schemas.microsoft.com/office/drawing/2014/main" id="{7DF40A8D-93C3-458F-B2EA-EDABBBB13E23}"/>
+              </a:ext>
+            </a:extLst>
+          </p:cNvPr>
+          <p:cNvCxnSpPr>
+            <a:cxnSpLocks/>
+          </p:cNvCxnSpPr>
+          <p:nvPr/>
+        </p:nvCxnSpPr>
+        <p:spPr>
+          <a:xfrm>
+            <a:off x="4322277" y="1862084"/>
+            <a:ext cx="0" cy="449635"/>
+          </a:xfrm>
+          <a:prstGeom prst="straightConnector1">
+            <a:avLst/>
+          </a:prstGeom>
+          <a:ln w="9525" cap="flat" cmpd="sng" algn="ctr">
+            <a:solidFill>
+              <a:schemeClr val="dk1"/>
+            </a:solidFill>
+            <a:prstDash val="solid"/>
+            <a:round/>
+            <a:headEnd type="none" w="med" len="med"/>
+            <a:tailEnd type="arrow" w="med" len="med"/>
+          </a:ln>
+        </p:spPr>
+        <p:style>
+          <a:lnRef idx="0">
+            <a:scrgbClr r="0" g="0" b="0"/>
+          </a:lnRef>
+          <a:fillRef idx="0">
+            <a:scrgbClr r="0" g="0" b="0"/>
+          </a:fillRef>
+          <a:effectRef idx="0">
+            <a:scrgbClr r="0" g="0" b="0"/>
+          </a:effectRef>
+          <a:fontRef idx="minor">
+            <a:schemeClr val="tx1"/>
+          </a:fontRef>
+        </p:style>
+      </p:cxnSp>
+      <p:sp>
+        <p:nvSpPr>
+          <p:cNvPr id="12" name="Retângulo: Cantos Arredondados 11">
+            <a:extLst>
+              <a:ext uri="{FF2B5EF4-FFF2-40B4-BE49-F238E27FC236}">
+                <a16:creationId xmlns:a16="http://schemas.microsoft.com/office/drawing/2014/main" id="{D813360A-ECC8-4755-B5C4-10F048D9B2B5}"/>
+              </a:ext>
+            </a:extLst>
+          </p:cNvPr>
+          <p:cNvSpPr/>
+          <p:nvPr/>
+        </p:nvSpPr>
+        <p:spPr>
+          <a:xfrm>
+            <a:off x="3570902" y="1415488"/>
+            <a:ext cx="1555750" cy="377398"/>
+          </a:xfrm>
+          <a:prstGeom prst="roundRect">
+            <a:avLst/>
+          </a:prstGeom>
+        </p:spPr>
+        <p:style>
+          <a:lnRef idx="2">
+            <a:schemeClr val="accent2">
+              <a:shade val="50000"/>
+            </a:schemeClr>
+          </a:lnRef>
+          <a:fillRef idx="1">
+            <a:schemeClr val="accent2"/>
+          </a:fillRef>
+          <a:effectRef idx="0">
+            <a:schemeClr val="accent2"/>
+          </a:effectRef>
+          <a:fontRef idx="minor">
+            <a:schemeClr val="lt1"/>
+          </a:fontRef>
+        </p:style>
+        <p:txBody>
+          <a:bodyPr rtlCol="0" anchor="ctr"/>
+          <a:lstStyle/>
+          <a:p>
+            <a:pPr algn="ctr"/>
+            <a:r>
+              <a:rPr lang="en-US" dirty="0"/>
+              <a:t>Deployment</a:t>
+            </a:r>
+          </a:p>
+        </p:txBody>
+      </p:sp>
+      <p:sp>
+        <p:nvSpPr>
+          <p:cNvPr id="17" name="Retângulo: Cantos Arredondados 16">
+            <a:extLst>
+              <a:ext uri="{FF2B5EF4-FFF2-40B4-BE49-F238E27FC236}">
+                <a16:creationId xmlns:a16="http://schemas.microsoft.com/office/drawing/2014/main" id="{518FCB6F-1F58-41D9-89B5-3EDE445B5E5C}"/>
+              </a:ext>
+            </a:extLst>
+          </p:cNvPr>
+          <p:cNvSpPr/>
+          <p:nvPr/>
+        </p:nvSpPr>
+        <p:spPr>
+          <a:xfrm>
+            <a:off x="3747602" y="3350614"/>
+            <a:ext cx="1047750" cy="552450"/>
+          </a:xfrm>
+          <a:prstGeom prst="roundRect">
+            <a:avLst/>
+          </a:prstGeom>
+        </p:spPr>
+        <p:style>
+          <a:lnRef idx="2">
+            <a:schemeClr val="accent2">
+              <a:shade val="50000"/>
+            </a:schemeClr>
+          </a:lnRef>
+          <a:fillRef idx="1">
+            <a:schemeClr val="accent2"/>
+          </a:fillRef>
+          <a:effectRef idx="0">
+            <a:schemeClr val="accent2"/>
+          </a:effectRef>
+          <a:fontRef idx="minor">
+            <a:schemeClr val="lt1"/>
+          </a:fontRef>
+        </p:style>
+        <p:txBody>
+          <a:bodyPr rtlCol="0" anchor="ctr"/>
+          <a:lstStyle/>
+          <a:p>
+            <a:pPr algn="ctr"/>
+            <a:r>
+              <a:rPr lang="en-US" dirty="0"/>
+              <a:t>Pod A</a:t>
+            </a:r>
+          </a:p>
+        </p:txBody>
+      </p:sp>
+      <p:cxnSp>
+        <p:nvCxnSpPr>
+          <p:cNvPr id="19" name="Conector de Seta Reta 18">
+            <a:extLst>
+              <a:ext uri="{FF2B5EF4-FFF2-40B4-BE49-F238E27FC236}">
+                <a16:creationId xmlns:a16="http://schemas.microsoft.com/office/drawing/2014/main" id="{59E83CC3-3D2B-4516-9A0B-A346A2DD8DAE}"/>
+              </a:ext>
+            </a:extLst>
+          </p:cNvPr>
+          <p:cNvCxnSpPr>
+            <a:cxnSpLocks/>
+          </p:cNvCxnSpPr>
+          <p:nvPr/>
+        </p:nvCxnSpPr>
+        <p:spPr>
+          <a:xfrm>
+            <a:off x="4322277" y="2840464"/>
+            <a:ext cx="0" cy="449635"/>
+          </a:xfrm>
+          <a:prstGeom prst="straightConnector1">
+            <a:avLst/>
+          </a:prstGeom>
+          <a:ln w="9525" cap="flat" cmpd="sng" algn="ctr">
+            <a:solidFill>
+              <a:schemeClr val="dk1"/>
+            </a:solidFill>
+            <a:prstDash val="solid"/>
+            <a:round/>
+            <a:headEnd type="none" w="med" len="med"/>
+            <a:tailEnd type="arrow" w="med" len="med"/>
+          </a:ln>
+        </p:spPr>
+        <p:style>
+          <a:lnRef idx="0">
+            <a:scrgbClr r="0" g="0" b="0"/>
+          </a:lnRef>
+          <a:fillRef idx="0">
+            <a:scrgbClr r="0" g="0" b="0"/>
+          </a:fillRef>
+          <a:effectRef idx="0">
+            <a:scrgbClr r="0" g="0" b="0"/>
+          </a:effectRef>
+          <a:fontRef idx="minor">
+            <a:schemeClr val="tx1"/>
+          </a:fontRef>
+        </p:style>
+      </p:cxnSp>
+    </p:spTree>
+    <p:extLst>
+      <p:ext uri="{BB962C8B-B14F-4D97-AF65-F5344CB8AC3E}">
+        <p14:creationId xmlns:p14="http://schemas.microsoft.com/office/powerpoint/2010/main" val="3224237091"/>
+      </p:ext>
+    </p:extLst>
+  </p:cSld>
+  <p:clrMapOvr>
+    <a:masterClrMapping/>
+  </p:clrMapOvr>
+</p:sld>
+</file>
+
+<file path=ppt/slides/slide7.xml><?xml version="1.0" encoding="utf-8"?>
+<p:sld xmlns:a="http://schemas.openxmlformats.org/drawingml/2006/main" xmlns:r="http://schemas.openxmlformats.org/officeDocument/2006/relationships" xmlns:p="http://schemas.openxmlformats.org/presentationml/2006/main">
+  <p:cSld>
+    <p:spTree>
+      <p:nvGrpSpPr>
+        <p:cNvPr id="1" name=""/>
+        <p:cNvGrpSpPr/>
+        <p:nvPr/>
+      </p:nvGrpSpPr>
+      <p:grpSpPr>
+        <a:xfrm>
+          <a:off x="0" y="0"/>
+          <a:ext cx="0" cy="0"/>
+          <a:chOff x="0" y="0"/>
+          <a:chExt cx="0" cy="0"/>
+        </a:xfrm>
+      </p:grpSpPr>
+      <p:sp>
+        <p:nvSpPr>
+          <p:cNvPr id="3" name="Google Shape;373;p16">
+            <a:extLst>
+              <a:ext uri="{FF2B5EF4-FFF2-40B4-BE49-F238E27FC236}">
+                <a16:creationId xmlns:a16="http://schemas.microsoft.com/office/drawing/2014/main" id="{1C73E345-4D19-4872-8913-54B2E317036A}"/>
               </a:ext>
             </a:extLst>
           </p:cNvPr>
@@ -10580,7 +9371,7 @@
         </p:nvSpPr>
         <p:spPr>
           <a:xfrm>
-            <a:off x="2782860" y="1500324"/>
+            <a:off x="2874155" y="1541320"/>
             <a:ext cx="3395690" cy="2486919"/>
           </a:xfrm>
           <a:prstGeom prst="rect">
@@ -10850,15 +9641,10 @@
               <a:buAutoNum type="arabicPeriod"/>
             </a:pPr>
             <a:r>
-              <a:rPr lang="en-US" dirty="0">
-                <a:solidFill>
-                  <a:schemeClr val="tx1"/>
-                </a:solidFill>
-                <a:latin typeface="Roboto" panose="02000000000000000000" pitchFamily="2" charset="0"/>
-                <a:ea typeface="Roboto" panose="02000000000000000000" pitchFamily="2" charset="0"/>
-              </a:rPr>
-              <a:t>Pod</a:t>
-            </a:r>
+              <a:rPr lang="en-US" sz="2800" dirty="0" err="1"/>
+              <a:t>ClusterIP</a:t>
+            </a:r>
+            <a:endParaRPr lang="en-US" sz="2800" dirty="0"/>
           </a:p>
           <a:p>
             <a:pPr marL="482600" indent="-342900">
@@ -10873,22 +9659,10 @@
               <a:buAutoNum type="arabicPeriod"/>
             </a:pPr>
             <a:r>
-              <a:rPr lang="en-US" dirty="0" err="1">
-                <a:solidFill>
-                  <a:schemeClr val="tx1"/>
-                </a:solidFill>
-                <a:latin typeface="Roboto" panose="02000000000000000000" pitchFamily="2" charset="0"/>
-                <a:ea typeface="Roboto" panose="02000000000000000000" pitchFamily="2" charset="0"/>
-              </a:rPr>
-              <a:t>ReplicaSet</a:t>
-            </a:r>
-            <a:endParaRPr lang="en-US" dirty="0">
-              <a:solidFill>
-                <a:schemeClr val="tx1"/>
-              </a:solidFill>
-              <a:latin typeface="Roboto" panose="02000000000000000000" pitchFamily="2" charset="0"/>
-              <a:ea typeface="Roboto" panose="02000000000000000000" pitchFamily="2" charset="0"/>
-            </a:endParaRPr>
+              <a:rPr lang="en-US" sz="2800" dirty="0" err="1"/>
+              <a:t>NodePort</a:t>
+            </a:r>
+            <a:endParaRPr lang="en-US" sz="2800" dirty="0"/>
           </a:p>
           <a:p>
             <a:pPr marL="482600" indent="-342900">
@@ -10903,15 +9677,10 @@
               <a:buAutoNum type="arabicPeriod"/>
             </a:pPr>
             <a:r>
-              <a:rPr lang="en-US" dirty="0">
-                <a:solidFill>
-                  <a:schemeClr val="tx1"/>
-                </a:solidFill>
-                <a:latin typeface="Roboto" panose="02000000000000000000" pitchFamily="2" charset="0"/>
-                <a:ea typeface="Roboto" panose="02000000000000000000" pitchFamily="2" charset="0"/>
-              </a:rPr>
-              <a:t>Labels </a:t>
-            </a:r>
+              <a:rPr lang="en-US" sz="2800" dirty="0" err="1"/>
+              <a:t>LoadBalancer</a:t>
+            </a:r>
+            <a:endParaRPr lang="en-US" sz="2800" dirty="0"/>
           </a:p>
           <a:p>
             <a:pPr marL="482600" indent="-342900">
@@ -10926,2551 +9695,10 @@
               <a:buAutoNum type="arabicPeriod"/>
             </a:pPr>
             <a:r>
-              <a:rPr lang="en-US" dirty="0">
-                <a:solidFill>
-                  <a:schemeClr val="tx1"/>
-                </a:solidFill>
-                <a:latin typeface="Roboto" panose="02000000000000000000" pitchFamily="2" charset="0"/>
-                <a:ea typeface="Roboto" panose="02000000000000000000" pitchFamily="2" charset="0"/>
-              </a:rPr>
-              <a:t>Selectors</a:t>
-            </a:r>
-          </a:p>
-          <a:p>
-            <a:pPr marL="482600" indent="-342900">
-              <a:spcBef>
-                <a:spcPts val="600"/>
-              </a:spcBef>
-              <a:spcAft>
-                <a:spcPts val="0"/>
-              </a:spcAft>
-              <a:buSzPts val="1400"/>
-              <a:buFont typeface="+mj-lt"/>
-              <a:buAutoNum type="arabicPeriod"/>
-            </a:pPr>
-            <a:r>
-              <a:rPr lang="en-US" dirty="0">
-                <a:solidFill>
-                  <a:schemeClr val="tx1"/>
-                </a:solidFill>
-                <a:latin typeface="Roboto" panose="02000000000000000000" pitchFamily="2" charset="0"/>
-                <a:ea typeface="Roboto" panose="02000000000000000000" pitchFamily="2" charset="0"/>
-              </a:rPr>
-              <a:t>Deployment</a:t>
-            </a:r>
-          </a:p>
-          <a:p>
-            <a:pPr marL="482600" indent="-342900">
-              <a:spcBef>
-                <a:spcPts val="600"/>
-              </a:spcBef>
-              <a:spcAft>
-                <a:spcPts val="0"/>
-              </a:spcAft>
-              <a:buSzPts val="1400"/>
-              <a:buFont typeface="+mj-lt"/>
-              <a:buAutoNum type="arabicPeriod"/>
-            </a:pPr>
-            <a:r>
-              <a:rPr lang="en-US" dirty="0">
-                <a:solidFill>
-                  <a:schemeClr val="tx1"/>
-                </a:solidFill>
-                <a:latin typeface="Roboto" panose="02000000000000000000" pitchFamily="2" charset="0"/>
-                <a:ea typeface="Roboto" panose="02000000000000000000" pitchFamily="2" charset="0"/>
-              </a:rPr>
-              <a:t>Services</a:t>
-            </a:r>
-          </a:p>
-          <a:p>
-            <a:pPr marL="139700" indent="0">
-              <a:spcBef>
-                <a:spcPts val="600"/>
-              </a:spcBef>
-              <a:spcAft>
-                <a:spcPts val="0"/>
-              </a:spcAft>
-              <a:buSzPts val="1400"/>
-              <a:buNone/>
-            </a:pPr>
-            <a:endParaRPr lang="en-US" dirty="0">
-              <a:solidFill>
-                <a:schemeClr val="tx1"/>
-              </a:solidFill>
-              <a:latin typeface="Roboto" panose="02000000000000000000" pitchFamily="2" charset="0"/>
-              <a:ea typeface="Roboto" panose="02000000000000000000" pitchFamily="2" charset="0"/>
-            </a:endParaRPr>
-          </a:p>
-        </p:txBody>
-      </p:sp>
-    </p:spTree>
-    <p:extLst>
-      <p:ext uri="{BB962C8B-B14F-4D97-AF65-F5344CB8AC3E}">
-        <p14:creationId xmlns:p14="http://schemas.microsoft.com/office/powerpoint/2010/main" val="3306351782"/>
-      </p:ext>
-    </p:extLst>
-  </p:cSld>
-  <p:clrMapOvr>
-    <a:masterClrMapping/>
-  </p:clrMapOvr>
-  <p:timing>
-    <p:tnLst>
-      <p:par>
-        <p:cTn id="1" dur="indefinite" restart="never" nodeType="tmRoot">
-          <p:childTnLst>
-            <p:seq concurrent="1" nextAc="seek">
-              <p:cTn id="2" dur="indefinite" nodeType="mainSeq">
-                <p:childTnLst>
-                  <p:par>
-                    <p:cTn id="3" fill="hold">
-                      <p:stCondLst>
-                        <p:cond delay="indefinite"/>
-                      </p:stCondLst>
-                      <p:childTnLst>
-                        <p:par>
-                          <p:cTn id="4" fill="hold">
-                            <p:stCondLst>
-                              <p:cond delay="0"/>
-                            </p:stCondLst>
-                            <p:childTnLst>
-                              <p:par>
-                                <p:cTn id="5" presetID="42" presetClass="entr" presetSubtype="0" fill="hold" grpId="0" nodeType="clickEffect">
-                                  <p:stCondLst>
-                                    <p:cond delay="0"/>
-                                  </p:stCondLst>
-                                  <p:childTnLst>
-                                    <p:set>
-                                      <p:cBhvr>
-                                        <p:cTn id="6" dur="1" fill="hold">
-                                          <p:stCondLst>
-                                            <p:cond delay="0"/>
-                                          </p:stCondLst>
-                                        </p:cTn>
-                                        <p:tgtEl>
-                                          <p:spTgt spid="7">
-                                            <p:txEl>
-                                              <p:pRg st="0" end="0"/>
-                                            </p:txEl>
-                                          </p:spTgt>
-                                        </p:tgtEl>
-                                        <p:attrNameLst>
-                                          <p:attrName>style.visibility</p:attrName>
-                                        </p:attrNameLst>
-                                      </p:cBhvr>
-                                      <p:to>
-                                        <p:strVal val="visible"/>
-                                      </p:to>
-                                    </p:set>
-                                    <p:animEffect transition="in" filter="fade">
-                                      <p:cBhvr>
-                                        <p:cTn id="7" dur="500"/>
-                                        <p:tgtEl>
-                                          <p:spTgt spid="7">
-                                            <p:txEl>
-                                              <p:pRg st="0" end="0"/>
-                                            </p:txEl>
-                                          </p:spTgt>
-                                        </p:tgtEl>
-                                      </p:cBhvr>
-                                    </p:animEffect>
-                                    <p:anim calcmode="lin" valueType="num">
-                                      <p:cBhvr>
-                                        <p:cTn id="8" dur="500" fill="hold"/>
-                                        <p:tgtEl>
-                                          <p:spTgt spid="7">
-                                            <p:txEl>
-                                              <p:pRg st="0" end="0"/>
-                                            </p:txEl>
-                                          </p:spTgt>
-                                        </p:tgtEl>
-                                        <p:attrNameLst>
-                                          <p:attrName>ppt_x</p:attrName>
-                                        </p:attrNameLst>
-                                      </p:cBhvr>
-                                      <p:tavLst>
-                                        <p:tav tm="0">
-                                          <p:val>
-                                            <p:strVal val="#ppt_x"/>
-                                          </p:val>
-                                        </p:tav>
-                                        <p:tav tm="100000">
-                                          <p:val>
-                                            <p:strVal val="#ppt_x"/>
-                                          </p:val>
-                                        </p:tav>
-                                      </p:tavLst>
-                                    </p:anim>
-                                    <p:anim calcmode="lin" valueType="num">
-                                      <p:cBhvr>
-                                        <p:cTn id="9" dur="500" fill="hold"/>
-                                        <p:tgtEl>
-                                          <p:spTgt spid="7">
-                                            <p:txEl>
-                                              <p:pRg st="0" end="0"/>
-                                            </p:txEl>
-                                          </p:spTgt>
-                                        </p:tgtEl>
-                                        <p:attrNameLst>
-                                          <p:attrName>ppt_y</p:attrName>
-                                        </p:attrNameLst>
-                                      </p:cBhvr>
-                                      <p:tavLst>
-                                        <p:tav tm="0">
-                                          <p:val>
-                                            <p:strVal val="#ppt_y+.1"/>
-                                          </p:val>
-                                        </p:tav>
-                                        <p:tav tm="100000">
-                                          <p:val>
-                                            <p:strVal val="#ppt_y"/>
-                                          </p:val>
-                                        </p:tav>
-                                      </p:tavLst>
-                                    </p:anim>
-                                  </p:childTnLst>
-                                </p:cTn>
-                              </p:par>
-                            </p:childTnLst>
-                          </p:cTn>
-                        </p:par>
-                      </p:childTnLst>
-                    </p:cTn>
-                  </p:par>
-                  <p:par>
-                    <p:cTn id="10" fill="hold">
-                      <p:stCondLst>
-                        <p:cond delay="indefinite"/>
-                      </p:stCondLst>
-                      <p:childTnLst>
-                        <p:par>
-                          <p:cTn id="11" fill="hold">
-                            <p:stCondLst>
-                              <p:cond delay="0"/>
-                            </p:stCondLst>
-                            <p:childTnLst>
-                              <p:par>
-                                <p:cTn id="12" presetID="42" presetClass="entr" presetSubtype="0" fill="hold" grpId="0" nodeType="clickEffect">
-                                  <p:stCondLst>
-                                    <p:cond delay="0"/>
-                                  </p:stCondLst>
-                                  <p:childTnLst>
-                                    <p:set>
-                                      <p:cBhvr>
-                                        <p:cTn id="13" dur="1" fill="hold">
-                                          <p:stCondLst>
-                                            <p:cond delay="0"/>
-                                          </p:stCondLst>
-                                        </p:cTn>
-                                        <p:tgtEl>
-                                          <p:spTgt spid="7">
-                                            <p:txEl>
-                                              <p:pRg st="1" end="1"/>
-                                            </p:txEl>
-                                          </p:spTgt>
-                                        </p:tgtEl>
-                                        <p:attrNameLst>
-                                          <p:attrName>style.visibility</p:attrName>
-                                        </p:attrNameLst>
-                                      </p:cBhvr>
-                                      <p:to>
-                                        <p:strVal val="visible"/>
-                                      </p:to>
-                                    </p:set>
-                                    <p:animEffect transition="in" filter="fade">
-                                      <p:cBhvr>
-                                        <p:cTn id="14" dur="500"/>
-                                        <p:tgtEl>
-                                          <p:spTgt spid="7">
-                                            <p:txEl>
-                                              <p:pRg st="1" end="1"/>
-                                            </p:txEl>
-                                          </p:spTgt>
-                                        </p:tgtEl>
-                                      </p:cBhvr>
-                                    </p:animEffect>
-                                    <p:anim calcmode="lin" valueType="num">
-                                      <p:cBhvr>
-                                        <p:cTn id="15" dur="500" fill="hold"/>
-                                        <p:tgtEl>
-                                          <p:spTgt spid="7">
-                                            <p:txEl>
-                                              <p:pRg st="1" end="1"/>
-                                            </p:txEl>
-                                          </p:spTgt>
-                                        </p:tgtEl>
-                                        <p:attrNameLst>
-                                          <p:attrName>ppt_x</p:attrName>
-                                        </p:attrNameLst>
-                                      </p:cBhvr>
-                                      <p:tavLst>
-                                        <p:tav tm="0">
-                                          <p:val>
-                                            <p:strVal val="#ppt_x"/>
-                                          </p:val>
-                                        </p:tav>
-                                        <p:tav tm="100000">
-                                          <p:val>
-                                            <p:strVal val="#ppt_x"/>
-                                          </p:val>
-                                        </p:tav>
-                                      </p:tavLst>
-                                    </p:anim>
-                                    <p:anim calcmode="lin" valueType="num">
-                                      <p:cBhvr>
-                                        <p:cTn id="16" dur="500" fill="hold"/>
-                                        <p:tgtEl>
-                                          <p:spTgt spid="7">
-                                            <p:txEl>
-                                              <p:pRg st="1" end="1"/>
-                                            </p:txEl>
-                                          </p:spTgt>
-                                        </p:tgtEl>
-                                        <p:attrNameLst>
-                                          <p:attrName>ppt_y</p:attrName>
-                                        </p:attrNameLst>
-                                      </p:cBhvr>
-                                      <p:tavLst>
-                                        <p:tav tm="0">
-                                          <p:val>
-                                            <p:strVal val="#ppt_y+.1"/>
-                                          </p:val>
-                                        </p:tav>
-                                        <p:tav tm="100000">
-                                          <p:val>
-                                            <p:strVal val="#ppt_y"/>
-                                          </p:val>
-                                        </p:tav>
-                                      </p:tavLst>
-                                    </p:anim>
-                                  </p:childTnLst>
-                                </p:cTn>
-                              </p:par>
-                            </p:childTnLst>
-                          </p:cTn>
-                        </p:par>
-                      </p:childTnLst>
-                    </p:cTn>
-                  </p:par>
-                  <p:par>
-                    <p:cTn id="17" fill="hold">
-                      <p:stCondLst>
-                        <p:cond delay="indefinite"/>
-                      </p:stCondLst>
-                      <p:childTnLst>
-                        <p:par>
-                          <p:cTn id="18" fill="hold">
-                            <p:stCondLst>
-                              <p:cond delay="0"/>
-                            </p:stCondLst>
-                            <p:childTnLst>
-                              <p:par>
-                                <p:cTn id="19" presetID="42" presetClass="entr" presetSubtype="0" fill="hold" grpId="0" nodeType="clickEffect">
-                                  <p:stCondLst>
-                                    <p:cond delay="0"/>
-                                  </p:stCondLst>
-                                  <p:childTnLst>
-                                    <p:set>
-                                      <p:cBhvr>
-                                        <p:cTn id="20" dur="1" fill="hold">
-                                          <p:stCondLst>
-                                            <p:cond delay="0"/>
-                                          </p:stCondLst>
-                                        </p:cTn>
-                                        <p:tgtEl>
-                                          <p:spTgt spid="7">
-                                            <p:txEl>
-                                              <p:pRg st="2" end="2"/>
-                                            </p:txEl>
-                                          </p:spTgt>
-                                        </p:tgtEl>
-                                        <p:attrNameLst>
-                                          <p:attrName>style.visibility</p:attrName>
-                                        </p:attrNameLst>
-                                      </p:cBhvr>
-                                      <p:to>
-                                        <p:strVal val="visible"/>
-                                      </p:to>
-                                    </p:set>
-                                    <p:animEffect transition="in" filter="fade">
-                                      <p:cBhvr>
-                                        <p:cTn id="21" dur="500"/>
-                                        <p:tgtEl>
-                                          <p:spTgt spid="7">
-                                            <p:txEl>
-                                              <p:pRg st="2" end="2"/>
-                                            </p:txEl>
-                                          </p:spTgt>
-                                        </p:tgtEl>
-                                      </p:cBhvr>
-                                    </p:animEffect>
-                                    <p:anim calcmode="lin" valueType="num">
-                                      <p:cBhvr>
-                                        <p:cTn id="22" dur="500" fill="hold"/>
-                                        <p:tgtEl>
-                                          <p:spTgt spid="7">
-                                            <p:txEl>
-                                              <p:pRg st="2" end="2"/>
-                                            </p:txEl>
-                                          </p:spTgt>
-                                        </p:tgtEl>
-                                        <p:attrNameLst>
-                                          <p:attrName>ppt_x</p:attrName>
-                                        </p:attrNameLst>
-                                      </p:cBhvr>
-                                      <p:tavLst>
-                                        <p:tav tm="0">
-                                          <p:val>
-                                            <p:strVal val="#ppt_x"/>
-                                          </p:val>
-                                        </p:tav>
-                                        <p:tav tm="100000">
-                                          <p:val>
-                                            <p:strVal val="#ppt_x"/>
-                                          </p:val>
-                                        </p:tav>
-                                      </p:tavLst>
-                                    </p:anim>
-                                    <p:anim calcmode="lin" valueType="num">
-                                      <p:cBhvr>
-                                        <p:cTn id="23" dur="500" fill="hold"/>
-                                        <p:tgtEl>
-                                          <p:spTgt spid="7">
-                                            <p:txEl>
-                                              <p:pRg st="2" end="2"/>
-                                            </p:txEl>
-                                          </p:spTgt>
-                                        </p:tgtEl>
-                                        <p:attrNameLst>
-                                          <p:attrName>ppt_y</p:attrName>
-                                        </p:attrNameLst>
-                                      </p:cBhvr>
-                                      <p:tavLst>
-                                        <p:tav tm="0">
-                                          <p:val>
-                                            <p:strVal val="#ppt_y+.1"/>
-                                          </p:val>
-                                        </p:tav>
-                                        <p:tav tm="100000">
-                                          <p:val>
-                                            <p:strVal val="#ppt_y"/>
-                                          </p:val>
-                                        </p:tav>
-                                      </p:tavLst>
-                                    </p:anim>
-                                  </p:childTnLst>
-                                </p:cTn>
-                              </p:par>
-                            </p:childTnLst>
-                          </p:cTn>
-                        </p:par>
-                      </p:childTnLst>
-                    </p:cTn>
-                  </p:par>
-                  <p:par>
-                    <p:cTn id="24" fill="hold">
-                      <p:stCondLst>
-                        <p:cond delay="indefinite"/>
-                      </p:stCondLst>
-                      <p:childTnLst>
-                        <p:par>
-                          <p:cTn id="25" fill="hold">
-                            <p:stCondLst>
-                              <p:cond delay="0"/>
-                            </p:stCondLst>
-                            <p:childTnLst>
-                              <p:par>
-                                <p:cTn id="26" presetID="42" presetClass="entr" presetSubtype="0" fill="hold" grpId="0" nodeType="clickEffect">
-                                  <p:stCondLst>
-                                    <p:cond delay="0"/>
-                                  </p:stCondLst>
-                                  <p:childTnLst>
-                                    <p:set>
-                                      <p:cBhvr>
-                                        <p:cTn id="27" dur="1" fill="hold">
-                                          <p:stCondLst>
-                                            <p:cond delay="0"/>
-                                          </p:stCondLst>
-                                        </p:cTn>
-                                        <p:tgtEl>
-                                          <p:spTgt spid="7">
-                                            <p:txEl>
-                                              <p:pRg st="3" end="3"/>
-                                            </p:txEl>
-                                          </p:spTgt>
-                                        </p:tgtEl>
-                                        <p:attrNameLst>
-                                          <p:attrName>style.visibility</p:attrName>
-                                        </p:attrNameLst>
-                                      </p:cBhvr>
-                                      <p:to>
-                                        <p:strVal val="visible"/>
-                                      </p:to>
-                                    </p:set>
-                                    <p:animEffect transition="in" filter="fade">
-                                      <p:cBhvr>
-                                        <p:cTn id="28" dur="500"/>
-                                        <p:tgtEl>
-                                          <p:spTgt spid="7">
-                                            <p:txEl>
-                                              <p:pRg st="3" end="3"/>
-                                            </p:txEl>
-                                          </p:spTgt>
-                                        </p:tgtEl>
-                                      </p:cBhvr>
-                                    </p:animEffect>
-                                    <p:anim calcmode="lin" valueType="num">
-                                      <p:cBhvr>
-                                        <p:cTn id="29" dur="500" fill="hold"/>
-                                        <p:tgtEl>
-                                          <p:spTgt spid="7">
-                                            <p:txEl>
-                                              <p:pRg st="3" end="3"/>
-                                            </p:txEl>
-                                          </p:spTgt>
-                                        </p:tgtEl>
-                                        <p:attrNameLst>
-                                          <p:attrName>ppt_x</p:attrName>
-                                        </p:attrNameLst>
-                                      </p:cBhvr>
-                                      <p:tavLst>
-                                        <p:tav tm="0">
-                                          <p:val>
-                                            <p:strVal val="#ppt_x"/>
-                                          </p:val>
-                                        </p:tav>
-                                        <p:tav tm="100000">
-                                          <p:val>
-                                            <p:strVal val="#ppt_x"/>
-                                          </p:val>
-                                        </p:tav>
-                                      </p:tavLst>
-                                    </p:anim>
-                                    <p:anim calcmode="lin" valueType="num">
-                                      <p:cBhvr>
-                                        <p:cTn id="30" dur="500" fill="hold"/>
-                                        <p:tgtEl>
-                                          <p:spTgt spid="7">
-                                            <p:txEl>
-                                              <p:pRg st="3" end="3"/>
-                                            </p:txEl>
-                                          </p:spTgt>
-                                        </p:tgtEl>
-                                        <p:attrNameLst>
-                                          <p:attrName>ppt_y</p:attrName>
-                                        </p:attrNameLst>
-                                      </p:cBhvr>
-                                      <p:tavLst>
-                                        <p:tav tm="0">
-                                          <p:val>
-                                            <p:strVal val="#ppt_y+.1"/>
-                                          </p:val>
-                                        </p:tav>
-                                        <p:tav tm="100000">
-                                          <p:val>
-                                            <p:strVal val="#ppt_y"/>
-                                          </p:val>
-                                        </p:tav>
-                                      </p:tavLst>
-                                    </p:anim>
-                                  </p:childTnLst>
-                                </p:cTn>
-                              </p:par>
-                            </p:childTnLst>
-                          </p:cTn>
-                        </p:par>
-                      </p:childTnLst>
-                    </p:cTn>
-                  </p:par>
-                  <p:par>
-                    <p:cTn id="31" fill="hold">
-                      <p:stCondLst>
-                        <p:cond delay="indefinite"/>
-                      </p:stCondLst>
-                      <p:childTnLst>
-                        <p:par>
-                          <p:cTn id="32" fill="hold">
-                            <p:stCondLst>
-                              <p:cond delay="0"/>
-                            </p:stCondLst>
-                            <p:childTnLst>
-                              <p:par>
-                                <p:cTn id="33" presetID="42" presetClass="entr" presetSubtype="0" fill="hold" grpId="0" nodeType="clickEffect">
-                                  <p:stCondLst>
-                                    <p:cond delay="0"/>
-                                  </p:stCondLst>
-                                  <p:childTnLst>
-                                    <p:set>
-                                      <p:cBhvr>
-                                        <p:cTn id="34" dur="1" fill="hold">
-                                          <p:stCondLst>
-                                            <p:cond delay="0"/>
-                                          </p:stCondLst>
-                                        </p:cTn>
-                                        <p:tgtEl>
-                                          <p:spTgt spid="7">
-                                            <p:txEl>
-                                              <p:pRg st="4" end="4"/>
-                                            </p:txEl>
-                                          </p:spTgt>
-                                        </p:tgtEl>
-                                        <p:attrNameLst>
-                                          <p:attrName>style.visibility</p:attrName>
-                                        </p:attrNameLst>
-                                      </p:cBhvr>
-                                      <p:to>
-                                        <p:strVal val="visible"/>
-                                      </p:to>
-                                    </p:set>
-                                    <p:animEffect transition="in" filter="fade">
-                                      <p:cBhvr>
-                                        <p:cTn id="35" dur="500"/>
-                                        <p:tgtEl>
-                                          <p:spTgt spid="7">
-                                            <p:txEl>
-                                              <p:pRg st="4" end="4"/>
-                                            </p:txEl>
-                                          </p:spTgt>
-                                        </p:tgtEl>
-                                      </p:cBhvr>
-                                    </p:animEffect>
-                                    <p:anim calcmode="lin" valueType="num">
-                                      <p:cBhvr>
-                                        <p:cTn id="36" dur="500" fill="hold"/>
-                                        <p:tgtEl>
-                                          <p:spTgt spid="7">
-                                            <p:txEl>
-                                              <p:pRg st="4" end="4"/>
-                                            </p:txEl>
-                                          </p:spTgt>
-                                        </p:tgtEl>
-                                        <p:attrNameLst>
-                                          <p:attrName>ppt_x</p:attrName>
-                                        </p:attrNameLst>
-                                      </p:cBhvr>
-                                      <p:tavLst>
-                                        <p:tav tm="0">
-                                          <p:val>
-                                            <p:strVal val="#ppt_x"/>
-                                          </p:val>
-                                        </p:tav>
-                                        <p:tav tm="100000">
-                                          <p:val>
-                                            <p:strVal val="#ppt_x"/>
-                                          </p:val>
-                                        </p:tav>
-                                      </p:tavLst>
-                                    </p:anim>
-                                    <p:anim calcmode="lin" valueType="num">
-                                      <p:cBhvr>
-                                        <p:cTn id="37" dur="500" fill="hold"/>
-                                        <p:tgtEl>
-                                          <p:spTgt spid="7">
-                                            <p:txEl>
-                                              <p:pRg st="4" end="4"/>
-                                            </p:txEl>
-                                          </p:spTgt>
-                                        </p:tgtEl>
-                                        <p:attrNameLst>
-                                          <p:attrName>ppt_y</p:attrName>
-                                        </p:attrNameLst>
-                                      </p:cBhvr>
-                                      <p:tavLst>
-                                        <p:tav tm="0">
-                                          <p:val>
-                                            <p:strVal val="#ppt_y+.1"/>
-                                          </p:val>
-                                        </p:tav>
-                                        <p:tav tm="100000">
-                                          <p:val>
-                                            <p:strVal val="#ppt_y"/>
-                                          </p:val>
-                                        </p:tav>
-                                      </p:tavLst>
-                                    </p:anim>
-                                  </p:childTnLst>
-                                </p:cTn>
-                              </p:par>
-                            </p:childTnLst>
-                          </p:cTn>
-                        </p:par>
-                      </p:childTnLst>
-                    </p:cTn>
-                  </p:par>
-                  <p:par>
-                    <p:cTn id="38" fill="hold">
-                      <p:stCondLst>
-                        <p:cond delay="indefinite"/>
-                      </p:stCondLst>
-                      <p:childTnLst>
-                        <p:par>
-                          <p:cTn id="39" fill="hold">
-                            <p:stCondLst>
-                              <p:cond delay="0"/>
-                            </p:stCondLst>
-                            <p:childTnLst>
-                              <p:par>
-                                <p:cTn id="40" presetID="42" presetClass="entr" presetSubtype="0" fill="hold" grpId="0" nodeType="clickEffect">
-                                  <p:stCondLst>
-                                    <p:cond delay="0"/>
-                                  </p:stCondLst>
-                                  <p:childTnLst>
-                                    <p:set>
-                                      <p:cBhvr>
-                                        <p:cTn id="41" dur="1" fill="hold">
-                                          <p:stCondLst>
-                                            <p:cond delay="0"/>
-                                          </p:stCondLst>
-                                        </p:cTn>
-                                        <p:tgtEl>
-                                          <p:spTgt spid="7">
-                                            <p:txEl>
-                                              <p:pRg st="5" end="5"/>
-                                            </p:txEl>
-                                          </p:spTgt>
-                                        </p:tgtEl>
-                                        <p:attrNameLst>
-                                          <p:attrName>style.visibility</p:attrName>
-                                        </p:attrNameLst>
-                                      </p:cBhvr>
-                                      <p:to>
-                                        <p:strVal val="visible"/>
-                                      </p:to>
-                                    </p:set>
-                                    <p:animEffect transition="in" filter="fade">
-                                      <p:cBhvr>
-                                        <p:cTn id="42" dur="500"/>
-                                        <p:tgtEl>
-                                          <p:spTgt spid="7">
-                                            <p:txEl>
-                                              <p:pRg st="5" end="5"/>
-                                            </p:txEl>
-                                          </p:spTgt>
-                                        </p:tgtEl>
-                                      </p:cBhvr>
-                                    </p:animEffect>
-                                    <p:anim calcmode="lin" valueType="num">
-                                      <p:cBhvr>
-                                        <p:cTn id="43" dur="500" fill="hold"/>
-                                        <p:tgtEl>
-                                          <p:spTgt spid="7">
-                                            <p:txEl>
-                                              <p:pRg st="5" end="5"/>
-                                            </p:txEl>
-                                          </p:spTgt>
-                                        </p:tgtEl>
-                                        <p:attrNameLst>
-                                          <p:attrName>ppt_x</p:attrName>
-                                        </p:attrNameLst>
-                                      </p:cBhvr>
-                                      <p:tavLst>
-                                        <p:tav tm="0">
-                                          <p:val>
-                                            <p:strVal val="#ppt_x"/>
-                                          </p:val>
-                                        </p:tav>
-                                        <p:tav tm="100000">
-                                          <p:val>
-                                            <p:strVal val="#ppt_x"/>
-                                          </p:val>
-                                        </p:tav>
-                                      </p:tavLst>
-                                    </p:anim>
-                                    <p:anim calcmode="lin" valueType="num">
-                                      <p:cBhvr>
-                                        <p:cTn id="44" dur="500" fill="hold"/>
-                                        <p:tgtEl>
-                                          <p:spTgt spid="7">
-                                            <p:txEl>
-                                              <p:pRg st="5" end="5"/>
-                                            </p:txEl>
-                                          </p:spTgt>
-                                        </p:tgtEl>
-                                        <p:attrNameLst>
-                                          <p:attrName>ppt_y</p:attrName>
-                                        </p:attrNameLst>
-                                      </p:cBhvr>
-                                      <p:tavLst>
-                                        <p:tav tm="0">
-                                          <p:val>
-                                            <p:strVal val="#ppt_y+.1"/>
-                                          </p:val>
-                                        </p:tav>
-                                        <p:tav tm="100000">
-                                          <p:val>
-                                            <p:strVal val="#ppt_y"/>
-                                          </p:val>
-                                        </p:tav>
-                                      </p:tavLst>
-                                    </p:anim>
-                                  </p:childTnLst>
-                                </p:cTn>
-                              </p:par>
-                            </p:childTnLst>
-                          </p:cTn>
-                        </p:par>
-                      </p:childTnLst>
-                    </p:cTn>
-                  </p:par>
-                </p:childTnLst>
-              </p:cTn>
-              <p:prevCondLst>
-                <p:cond evt="onPrev" delay="0">
-                  <p:tgtEl>
-                    <p:sldTgt/>
-                  </p:tgtEl>
-                </p:cond>
-              </p:prevCondLst>
-              <p:nextCondLst>
-                <p:cond evt="onNext" delay="0">
-                  <p:tgtEl>
-                    <p:sldTgt/>
-                  </p:tgtEl>
-                </p:cond>
-              </p:nextCondLst>
-            </p:seq>
-          </p:childTnLst>
-        </p:cTn>
-      </p:par>
-    </p:tnLst>
-    <p:bldLst>
-      <p:bldP spid="7" grpId="0" uiExpand="1" build="p"/>
-    </p:bldLst>
-  </p:timing>
-</p:sld>
-</file>
-
-<file path=ppt/slides/slide5.xml><?xml version="1.0" encoding="utf-8"?>
-<p:sld xmlns:a="http://schemas.openxmlformats.org/drawingml/2006/main" xmlns:r="http://schemas.openxmlformats.org/officeDocument/2006/relationships" xmlns:p="http://schemas.openxmlformats.org/presentationml/2006/main">
-  <p:cSld>
-    <p:spTree>
-      <p:nvGrpSpPr>
-        <p:cNvPr id="1" name=""/>
-        <p:cNvGrpSpPr/>
-        <p:nvPr/>
-      </p:nvGrpSpPr>
-      <p:grpSpPr>
-        <a:xfrm>
-          <a:off x="0" y="0"/>
-          <a:ext cx="0" cy="0"/>
-          <a:chOff x="0" y="0"/>
-          <a:chExt cx="0" cy="0"/>
-        </a:xfrm>
-      </p:grpSpPr>
-      <p:sp>
-        <p:nvSpPr>
-          <p:cNvPr id="2" name="Retângulo: Cantos Arredondados 1">
-            <a:extLst>
-              <a:ext uri="{FF2B5EF4-FFF2-40B4-BE49-F238E27FC236}">
-                <a16:creationId xmlns:a16="http://schemas.microsoft.com/office/drawing/2014/main" id="{53AAB8EC-9A6F-46DE-87D0-E845C91E9260}"/>
-              </a:ext>
-            </a:extLst>
-          </p:cNvPr>
-          <p:cNvSpPr/>
-          <p:nvPr/>
-        </p:nvSpPr>
-        <p:spPr>
-          <a:xfrm>
-            <a:off x="2883109" y="1497763"/>
-            <a:ext cx="3162300" cy="2876550"/>
-          </a:xfrm>
-          <a:prstGeom prst="roundRect">
-            <a:avLst/>
-          </a:prstGeom>
-        </p:spPr>
-        <p:style>
-          <a:lnRef idx="2">
-            <a:schemeClr val="accent1">
-              <a:shade val="50000"/>
-            </a:schemeClr>
-          </a:lnRef>
-          <a:fillRef idx="1">
-            <a:schemeClr val="accent1"/>
-          </a:fillRef>
-          <a:effectRef idx="0">
-            <a:schemeClr val="accent1"/>
-          </a:effectRef>
-          <a:fontRef idx="minor">
-            <a:schemeClr val="lt1"/>
-          </a:fontRef>
-        </p:style>
-        <p:txBody>
-          <a:bodyPr rtlCol="0" anchor="ctr"/>
-          <a:lstStyle/>
-          <a:p>
-            <a:pPr algn="ctr"/>
-            <a:endParaRPr lang="en-US"/>
-          </a:p>
-        </p:txBody>
-      </p:sp>
-      <p:sp>
-        <p:nvSpPr>
-          <p:cNvPr id="8" name="CaixaDeTexto 7">
-            <a:extLst>
-              <a:ext uri="{FF2B5EF4-FFF2-40B4-BE49-F238E27FC236}">
-                <a16:creationId xmlns:a16="http://schemas.microsoft.com/office/drawing/2014/main" id="{A4D74C3A-B000-4FA5-9729-18A23968E785}"/>
-              </a:ext>
-            </a:extLst>
-          </p:cNvPr>
-          <p:cNvSpPr txBox="1"/>
-          <p:nvPr/>
-        </p:nvSpPr>
-        <p:spPr>
-          <a:xfrm>
-            <a:off x="3875796" y="1185581"/>
-            <a:ext cx="1176925" cy="369332"/>
-          </a:xfrm>
-          <a:prstGeom prst="rect">
-            <a:avLst/>
-          </a:prstGeom>
-          <a:noFill/>
-        </p:spPr>
-        <p:txBody>
-          <a:bodyPr wrap="none" rtlCol="0">
-            <a:spAutoFit/>
-          </a:bodyPr>
-          <a:lstStyle/>
-          <a:p>
-            <a:r>
-              <a:rPr lang="en-US" dirty="0"/>
-              <a:t>10.10.10.3</a:t>
-            </a:r>
-          </a:p>
-        </p:txBody>
-      </p:sp>
-      <p:pic>
-        <p:nvPicPr>
-          <p:cNvPr id="15" name="Imagem 14">
-            <a:extLst>
-              <a:ext uri="{FF2B5EF4-FFF2-40B4-BE49-F238E27FC236}">
-                <a16:creationId xmlns:a16="http://schemas.microsoft.com/office/drawing/2014/main" id="{44B3B63A-65BB-4A4F-9214-4796324393E8}"/>
-              </a:ext>
-            </a:extLst>
-          </p:cNvPr>
-          <p:cNvPicPr>
-            <a:picLocks noChangeAspect="1"/>
-          </p:cNvPicPr>
-          <p:nvPr/>
-        </p:nvPicPr>
-        <p:blipFill>
-          <a:blip r:embed="rId2"/>
-          <a:stretch>
-            <a:fillRect/>
-          </a:stretch>
-        </p:blipFill>
-        <p:spPr>
-          <a:xfrm>
-            <a:off x="3302208" y="1901214"/>
-            <a:ext cx="679173" cy="724237"/>
-          </a:xfrm>
-          <a:prstGeom prst="rect">
-            <a:avLst/>
-          </a:prstGeom>
-        </p:spPr>
-      </p:pic>
-      <p:sp>
-        <p:nvSpPr>
-          <p:cNvPr id="3" name="CaixaDeTexto 2">
-            <a:extLst>
-              <a:ext uri="{FF2B5EF4-FFF2-40B4-BE49-F238E27FC236}">
-                <a16:creationId xmlns:a16="http://schemas.microsoft.com/office/drawing/2014/main" id="{2FDCD985-A4BB-4D02-ADE7-D35328E88BD4}"/>
-              </a:ext>
-            </a:extLst>
-          </p:cNvPr>
-          <p:cNvSpPr txBox="1"/>
-          <p:nvPr/>
-        </p:nvSpPr>
-        <p:spPr>
-          <a:xfrm>
-            <a:off x="0" y="62922"/>
-            <a:ext cx="9144000" cy="1015663"/>
-          </a:xfrm>
-          <a:prstGeom prst="rect">
-            <a:avLst/>
-          </a:prstGeom>
-          <a:noFill/>
-        </p:spPr>
-        <p:txBody>
-          <a:bodyPr wrap="square" rtlCol="0">
-            <a:spAutoFit/>
-          </a:bodyPr>
-          <a:lstStyle/>
-          <a:p>
-            <a:pPr algn="ctr"/>
-            <a:r>
-              <a:rPr lang="pt-BR" sz="6000" dirty="0" err="1"/>
-              <a:t>Pod</a:t>
-            </a:r>
-            <a:endParaRPr lang="pt-BR" sz="6000" dirty="0"/>
-          </a:p>
-        </p:txBody>
-      </p:sp>
-    </p:spTree>
-    <p:extLst>
-      <p:ext uri="{BB962C8B-B14F-4D97-AF65-F5344CB8AC3E}">
-        <p14:creationId xmlns:p14="http://schemas.microsoft.com/office/powerpoint/2010/main" val="3068846732"/>
-      </p:ext>
-    </p:extLst>
-  </p:cSld>
-  <p:clrMapOvr>
-    <a:masterClrMapping/>
-  </p:clrMapOvr>
-  <p:timing>
-    <p:tnLst>
-      <p:par>
-        <p:cTn id="1" dur="indefinite" restart="never" nodeType="tmRoot">
-          <p:childTnLst>
-            <p:seq concurrent="1" nextAc="seek">
-              <p:cTn id="2" dur="indefinite" nodeType="mainSeq">
-                <p:childTnLst>
-                  <p:par>
-                    <p:cTn id="3" fill="hold">
-                      <p:stCondLst>
-                        <p:cond delay="indefinite"/>
-                      </p:stCondLst>
-                      <p:childTnLst>
-                        <p:par>
-                          <p:cTn id="4" fill="hold">
-                            <p:stCondLst>
-                              <p:cond delay="0"/>
-                            </p:stCondLst>
-                            <p:childTnLst>
-                              <p:par>
-                                <p:cTn id="5" presetID="1" presetClass="entr" presetSubtype="0" fill="hold" nodeType="clickEffect">
-                                  <p:stCondLst>
-                                    <p:cond delay="0"/>
-                                  </p:stCondLst>
-                                  <p:childTnLst>
-                                    <p:set>
-                                      <p:cBhvr>
-                                        <p:cTn id="6" dur="1" fill="hold">
-                                          <p:stCondLst>
-                                            <p:cond delay="0"/>
-                                          </p:stCondLst>
-                                        </p:cTn>
-                                        <p:tgtEl>
-                                          <p:spTgt spid="15"/>
-                                        </p:tgtEl>
-                                        <p:attrNameLst>
-                                          <p:attrName>style.visibility</p:attrName>
-                                        </p:attrNameLst>
-                                      </p:cBhvr>
-                                      <p:to>
-                                        <p:strVal val="visible"/>
-                                      </p:to>
-                                    </p:set>
-                                  </p:childTnLst>
-                                </p:cTn>
-                              </p:par>
-                            </p:childTnLst>
-                          </p:cTn>
-                        </p:par>
-                      </p:childTnLst>
-                    </p:cTn>
-                  </p:par>
-                </p:childTnLst>
-              </p:cTn>
-              <p:prevCondLst>
-                <p:cond evt="onPrev" delay="0">
-                  <p:tgtEl>
-                    <p:sldTgt/>
-                  </p:tgtEl>
-                </p:cond>
-              </p:prevCondLst>
-              <p:nextCondLst>
-                <p:cond evt="onNext" delay="0">
-                  <p:tgtEl>
-                    <p:sldTgt/>
-                  </p:tgtEl>
-                </p:cond>
-              </p:nextCondLst>
-            </p:seq>
-          </p:childTnLst>
-        </p:cTn>
-      </p:par>
-    </p:tnLst>
-  </p:timing>
-</p:sld>
-</file>
-
-<file path=ppt/slides/slide6.xml><?xml version="1.0" encoding="utf-8"?>
-<p:sld xmlns:a="http://schemas.openxmlformats.org/drawingml/2006/main" xmlns:r="http://schemas.openxmlformats.org/officeDocument/2006/relationships" xmlns:p="http://schemas.openxmlformats.org/presentationml/2006/main">
-  <p:cSld>
-    <p:spTree>
-      <p:nvGrpSpPr>
-        <p:cNvPr id="1" name=""/>
-        <p:cNvGrpSpPr/>
-        <p:nvPr/>
-      </p:nvGrpSpPr>
-      <p:grpSpPr>
-        <a:xfrm>
-          <a:off x="0" y="0"/>
-          <a:ext cx="0" cy="0"/>
-          <a:chOff x="0" y="0"/>
-          <a:chExt cx="0" cy="0"/>
-        </a:xfrm>
-      </p:grpSpPr>
-      <p:sp>
-        <p:nvSpPr>
-          <p:cNvPr id="3" name="CaixaDeTexto 2">
-            <a:extLst>
-              <a:ext uri="{FF2B5EF4-FFF2-40B4-BE49-F238E27FC236}">
-                <a16:creationId xmlns:a16="http://schemas.microsoft.com/office/drawing/2014/main" id="{2FDCD985-A4BB-4D02-ADE7-D35328E88BD4}"/>
-              </a:ext>
-            </a:extLst>
-          </p:cNvPr>
-          <p:cNvSpPr txBox="1"/>
-          <p:nvPr/>
-        </p:nvSpPr>
-        <p:spPr>
-          <a:xfrm>
-            <a:off x="0" y="62922"/>
-            <a:ext cx="9144000" cy="1015663"/>
-          </a:xfrm>
-          <a:prstGeom prst="rect">
-            <a:avLst/>
-          </a:prstGeom>
-          <a:noFill/>
-        </p:spPr>
-        <p:txBody>
-          <a:bodyPr wrap="square" rtlCol="0">
-            <a:spAutoFit/>
-          </a:bodyPr>
-          <a:lstStyle/>
-          <a:p>
-            <a:pPr algn="ctr"/>
-            <a:r>
-              <a:rPr lang="pt-BR" sz="6000" dirty="0" err="1"/>
-              <a:t>Pod</a:t>
-            </a:r>
-            <a:endParaRPr lang="pt-BR" sz="6000" dirty="0"/>
-          </a:p>
-        </p:txBody>
-      </p:sp>
-      <p:grpSp>
-        <p:nvGrpSpPr>
-          <p:cNvPr id="4" name="Agrupar 3">
-            <a:extLst>
-              <a:ext uri="{FF2B5EF4-FFF2-40B4-BE49-F238E27FC236}">
-                <a16:creationId xmlns:a16="http://schemas.microsoft.com/office/drawing/2014/main" id="{2B05F73B-F007-4348-AA82-F5656F38C9EC}"/>
-              </a:ext>
-            </a:extLst>
-          </p:cNvPr>
-          <p:cNvGrpSpPr/>
-          <p:nvPr/>
-        </p:nvGrpSpPr>
-        <p:grpSpPr>
-          <a:xfrm>
-            <a:off x="2883109" y="1185581"/>
-            <a:ext cx="3162300" cy="3188732"/>
-            <a:chOff x="2883109" y="1185581"/>
-            <a:chExt cx="3162300" cy="3188732"/>
-          </a:xfrm>
-        </p:grpSpPr>
-        <p:sp>
-          <p:nvSpPr>
-            <p:cNvPr id="14" name="Retângulo: Cantos Arredondados 13">
-              <a:extLst>
-                <a:ext uri="{FF2B5EF4-FFF2-40B4-BE49-F238E27FC236}">
-                  <a16:creationId xmlns:a16="http://schemas.microsoft.com/office/drawing/2014/main" id="{F0EF10EB-E889-4ABB-9BD0-468F5D87D14E}"/>
-                </a:ext>
-              </a:extLst>
-            </p:cNvPr>
-            <p:cNvSpPr/>
-            <p:nvPr/>
-          </p:nvSpPr>
-          <p:spPr>
-            <a:xfrm>
-              <a:off x="2883109" y="1497763"/>
-              <a:ext cx="3162300" cy="2876550"/>
-            </a:xfrm>
-            <a:prstGeom prst="roundRect">
-              <a:avLst/>
-            </a:prstGeom>
-          </p:spPr>
-          <p:style>
-            <a:lnRef idx="2">
-              <a:schemeClr val="accent1">
-                <a:shade val="50000"/>
-              </a:schemeClr>
-            </a:lnRef>
-            <a:fillRef idx="1">
-              <a:schemeClr val="accent1"/>
-            </a:fillRef>
-            <a:effectRef idx="0">
-              <a:schemeClr val="accent1"/>
-            </a:effectRef>
-            <a:fontRef idx="minor">
-              <a:schemeClr val="lt1"/>
-            </a:fontRef>
-          </p:style>
-          <p:txBody>
-            <a:bodyPr rtlCol="0" anchor="ctr"/>
-            <a:lstStyle/>
-            <a:p>
-              <a:pPr algn="ctr"/>
-              <a:endParaRPr lang="en-US"/>
-            </a:p>
-          </p:txBody>
-        </p:sp>
-        <p:sp>
-          <p:nvSpPr>
-            <p:cNvPr id="17" name="CaixaDeTexto 16">
-              <a:extLst>
-                <a:ext uri="{FF2B5EF4-FFF2-40B4-BE49-F238E27FC236}">
-                  <a16:creationId xmlns:a16="http://schemas.microsoft.com/office/drawing/2014/main" id="{B945AD69-87F6-467A-AC66-13798012D013}"/>
-                </a:ext>
-              </a:extLst>
-            </p:cNvPr>
-            <p:cNvSpPr txBox="1"/>
-            <p:nvPr/>
-          </p:nvSpPr>
-          <p:spPr>
-            <a:xfrm>
-              <a:off x="3875796" y="1185581"/>
-              <a:ext cx="1176925" cy="369332"/>
-            </a:xfrm>
-            <a:prstGeom prst="rect">
-              <a:avLst/>
-            </a:prstGeom>
-            <a:noFill/>
-          </p:spPr>
-          <p:txBody>
-            <a:bodyPr wrap="none" rtlCol="0">
-              <a:spAutoFit/>
-            </a:bodyPr>
-            <a:lstStyle/>
-            <a:p>
-              <a:r>
-                <a:rPr lang="en-US" dirty="0"/>
-                <a:t>10.10.10.3</a:t>
-              </a:r>
-            </a:p>
-          </p:txBody>
-        </p:sp>
-      </p:grpSp>
-      <p:pic>
-        <p:nvPicPr>
-          <p:cNvPr id="18" name="Imagem 17">
-            <a:extLst>
-              <a:ext uri="{FF2B5EF4-FFF2-40B4-BE49-F238E27FC236}">
-                <a16:creationId xmlns:a16="http://schemas.microsoft.com/office/drawing/2014/main" id="{28085FF1-0053-47D1-8DD1-FFD8D650CBFC}"/>
-              </a:ext>
-            </a:extLst>
-          </p:cNvPr>
-          <p:cNvPicPr>
-            <a:picLocks noChangeAspect="1"/>
-          </p:cNvPicPr>
-          <p:nvPr/>
-        </p:nvPicPr>
-        <p:blipFill>
-          <a:blip r:embed="rId2"/>
-          <a:stretch>
-            <a:fillRect/>
-          </a:stretch>
-        </p:blipFill>
-        <p:spPr>
-          <a:xfrm>
-            <a:off x="4959559" y="1864924"/>
-            <a:ext cx="679173" cy="733126"/>
-          </a:xfrm>
-          <a:prstGeom prst="rect">
-            <a:avLst/>
-          </a:prstGeom>
-        </p:spPr>
-      </p:pic>
-      <p:pic>
-        <p:nvPicPr>
-          <p:cNvPr id="19" name="Imagem 18">
-            <a:extLst>
-              <a:ext uri="{FF2B5EF4-FFF2-40B4-BE49-F238E27FC236}">
-                <a16:creationId xmlns:a16="http://schemas.microsoft.com/office/drawing/2014/main" id="{322E43D5-B469-40CC-8883-F405179C465D}"/>
-              </a:ext>
-            </a:extLst>
-          </p:cNvPr>
-          <p:cNvPicPr>
-            <a:picLocks noChangeAspect="1"/>
-          </p:cNvPicPr>
-          <p:nvPr/>
-        </p:nvPicPr>
-        <p:blipFill>
-          <a:blip r:embed="rId3"/>
-          <a:stretch>
-            <a:fillRect/>
-          </a:stretch>
-        </p:blipFill>
-        <p:spPr>
-          <a:xfrm>
-            <a:off x="3302208" y="1901214"/>
-            <a:ext cx="679173" cy="724237"/>
-          </a:xfrm>
-          <a:prstGeom prst="rect">
-            <a:avLst/>
-          </a:prstGeom>
-        </p:spPr>
-      </p:pic>
-    </p:spTree>
-    <p:extLst>
-      <p:ext uri="{BB962C8B-B14F-4D97-AF65-F5344CB8AC3E}">
-        <p14:creationId xmlns:p14="http://schemas.microsoft.com/office/powerpoint/2010/main" val="3752626071"/>
-      </p:ext>
-    </p:extLst>
-  </p:cSld>
-  <p:clrMapOvr>
-    <a:masterClrMapping/>
-  </p:clrMapOvr>
-  <p:timing>
-    <p:tnLst>
-      <p:par>
-        <p:cTn id="1" dur="indefinite" restart="never" nodeType="tmRoot">
-          <p:childTnLst>
-            <p:seq concurrent="1" nextAc="seek">
-              <p:cTn id="2" dur="indefinite" nodeType="mainSeq">
-                <p:childTnLst>
-                  <p:par>
-                    <p:cTn id="3" fill="hold">
-                      <p:stCondLst>
-                        <p:cond delay="indefinite"/>
-                      </p:stCondLst>
-                      <p:childTnLst>
-                        <p:par>
-                          <p:cTn id="4" fill="hold">
-                            <p:stCondLst>
-                              <p:cond delay="0"/>
-                            </p:stCondLst>
-                            <p:childTnLst>
-                              <p:par>
-                                <p:cTn id="5" presetID="1" presetClass="entr" presetSubtype="0" fill="hold" nodeType="clickEffect">
-                                  <p:stCondLst>
-                                    <p:cond delay="0"/>
-                                  </p:stCondLst>
-                                  <p:childTnLst>
-                                    <p:set>
-                                      <p:cBhvr>
-                                        <p:cTn id="6" dur="1" fill="hold">
-                                          <p:stCondLst>
-                                            <p:cond delay="0"/>
-                                          </p:stCondLst>
-                                        </p:cTn>
-                                        <p:tgtEl>
-                                          <p:spTgt spid="19"/>
-                                        </p:tgtEl>
-                                        <p:attrNameLst>
-                                          <p:attrName>style.visibility</p:attrName>
-                                        </p:attrNameLst>
-                                      </p:cBhvr>
-                                      <p:to>
-                                        <p:strVal val="visible"/>
-                                      </p:to>
-                                    </p:set>
-                                  </p:childTnLst>
-                                </p:cTn>
-                              </p:par>
-                            </p:childTnLst>
-                          </p:cTn>
-                        </p:par>
-                      </p:childTnLst>
-                    </p:cTn>
-                  </p:par>
-                  <p:par>
-                    <p:cTn id="7" fill="hold">
-                      <p:stCondLst>
-                        <p:cond delay="indefinite"/>
-                      </p:stCondLst>
-                      <p:childTnLst>
-                        <p:par>
-                          <p:cTn id="8" fill="hold">
-                            <p:stCondLst>
-                              <p:cond delay="0"/>
-                            </p:stCondLst>
-                            <p:childTnLst>
-                              <p:par>
-                                <p:cTn id="9" presetID="1" presetClass="entr" presetSubtype="0" fill="hold" nodeType="clickEffect">
-                                  <p:stCondLst>
-                                    <p:cond delay="0"/>
-                                  </p:stCondLst>
-                                  <p:childTnLst>
-                                    <p:set>
-                                      <p:cBhvr>
-                                        <p:cTn id="10" dur="1" fill="hold">
-                                          <p:stCondLst>
-                                            <p:cond delay="0"/>
-                                          </p:stCondLst>
-                                        </p:cTn>
-                                        <p:tgtEl>
-                                          <p:spTgt spid="18"/>
-                                        </p:tgtEl>
-                                        <p:attrNameLst>
-                                          <p:attrName>style.visibility</p:attrName>
-                                        </p:attrNameLst>
-                                      </p:cBhvr>
-                                      <p:to>
-                                        <p:strVal val="visible"/>
-                                      </p:to>
-                                    </p:set>
-                                  </p:childTnLst>
-                                </p:cTn>
-                              </p:par>
-                            </p:childTnLst>
-                          </p:cTn>
-                        </p:par>
-                      </p:childTnLst>
-                    </p:cTn>
-                  </p:par>
-                </p:childTnLst>
-              </p:cTn>
-              <p:prevCondLst>
-                <p:cond evt="onPrev" delay="0">
-                  <p:tgtEl>
-                    <p:sldTgt/>
-                  </p:tgtEl>
-                </p:cond>
-              </p:prevCondLst>
-              <p:nextCondLst>
-                <p:cond evt="onNext" delay="0">
-                  <p:tgtEl>
-                    <p:sldTgt/>
-                  </p:tgtEl>
-                </p:cond>
-              </p:nextCondLst>
-            </p:seq>
-          </p:childTnLst>
-        </p:cTn>
-      </p:par>
-    </p:tnLst>
-  </p:timing>
-</p:sld>
-</file>
-
-<file path=ppt/slides/slide7.xml><?xml version="1.0" encoding="utf-8"?>
-<p:sld xmlns:a="http://schemas.openxmlformats.org/drawingml/2006/main" xmlns:r="http://schemas.openxmlformats.org/officeDocument/2006/relationships" xmlns:p="http://schemas.openxmlformats.org/presentationml/2006/main">
-  <p:cSld>
-    <p:spTree>
-      <p:nvGrpSpPr>
-        <p:cNvPr id="1" name=""/>
-        <p:cNvGrpSpPr/>
-        <p:nvPr/>
-      </p:nvGrpSpPr>
-      <p:grpSpPr>
-        <a:xfrm>
-          <a:off x="0" y="0"/>
-          <a:ext cx="0" cy="0"/>
-          <a:chOff x="0" y="0"/>
-          <a:chExt cx="0" cy="0"/>
-        </a:xfrm>
-      </p:grpSpPr>
-      <p:sp>
-        <p:nvSpPr>
-          <p:cNvPr id="3" name="CaixaDeTexto 2">
-            <a:extLst>
-              <a:ext uri="{FF2B5EF4-FFF2-40B4-BE49-F238E27FC236}">
-                <a16:creationId xmlns:a16="http://schemas.microsoft.com/office/drawing/2014/main" id="{5E9EEC9D-1C6A-47CB-9521-6F601475FFAF}"/>
-              </a:ext>
-            </a:extLst>
-          </p:cNvPr>
-          <p:cNvSpPr txBox="1"/>
-          <p:nvPr/>
-        </p:nvSpPr>
-        <p:spPr>
-          <a:xfrm>
-            <a:off x="2868648" y="140167"/>
-            <a:ext cx="2837636" cy="769441"/>
-          </a:xfrm>
-          <a:prstGeom prst="rect">
-            <a:avLst/>
-          </a:prstGeom>
-          <a:noFill/>
-        </p:spPr>
-        <p:txBody>
-          <a:bodyPr wrap="none" rtlCol="0">
-            <a:spAutoFit/>
-          </a:bodyPr>
-          <a:lstStyle/>
-          <a:p>
-            <a:r>
-              <a:rPr lang="en-US" sz="4400" dirty="0" err="1">
-                <a:latin typeface="Roboto" panose="020B0604020202020204" charset="0"/>
-                <a:ea typeface="Roboto" panose="020B0604020202020204" charset="0"/>
-              </a:rPr>
-              <a:t>ReplicaSet</a:t>
-            </a:r>
-            <a:endParaRPr lang="en-US" sz="4400" dirty="0">
-              <a:latin typeface="Roboto" panose="020B0604020202020204" charset="0"/>
-              <a:ea typeface="Roboto" panose="020B0604020202020204" charset="0"/>
-            </a:endParaRPr>
-          </a:p>
-        </p:txBody>
-      </p:sp>
-      <p:sp>
-        <p:nvSpPr>
-          <p:cNvPr id="9" name="Retângulo: Cantos Arredondados 8">
-            <a:extLst>
-              <a:ext uri="{FF2B5EF4-FFF2-40B4-BE49-F238E27FC236}">
-                <a16:creationId xmlns:a16="http://schemas.microsoft.com/office/drawing/2014/main" id="{7EC44340-DECD-41FF-9EF3-7C1691BD0CEA}"/>
-              </a:ext>
-            </a:extLst>
-          </p:cNvPr>
-          <p:cNvSpPr/>
-          <p:nvPr/>
-        </p:nvSpPr>
-        <p:spPr>
-          <a:xfrm>
-            <a:off x="3509600" y="1828284"/>
-            <a:ext cx="1555731" cy="369332"/>
-          </a:xfrm>
-          <a:prstGeom prst="roundRect">
-            <a:avLst/>
-          </a:prstGeom>
-        </p:spPr>
-        <p:style>
-          <a:lnRef idx="2">
-            <a:schemeClr val="accent2">
-              <a:shade val="50000"/>
-            </a:schemeClr>
-          </a:lnRef>
-          <a:fillRef idx="1">
-            <a:schemeClr val="accent2"/>
-          </a:fillRef>
-          <a:effectRef idx="0">
-            <a:schemeClr val="accent2"/>
-          </a:effectRef>
-          <a:fontRef idx="minor">
-            <a:schemeClr val="lt1"/>
-          </a:fontRef>
-        </p:style>
-        <p:txBody>
-          <a:bodyPr rtlCol="0" anchor="ctr"/>
-          <a:lstStyle/>
-          <a:p>
-            <a:pPr algn="ctr"/>
-            <a:r>
-              <a:rPr lang="en-US" dirty="0" err="1"/>
-              <a:t>ReplicaSet</a:t>
-            </a:r>
-            <a:r>
-              <a:rPr lang="en-US" dirty="0"/>
-              <a:t> A</a:t>
-            </a:r>
-          </a:p>
-        </p:txBody>
-      </p:sp>
-      <p:sp>
-        <p:nvSpPr>
-          <p:cNvPr id="13" name="Retângulo: Cantos Arredondados 12">
-            <a:extLst>
-              <a:ext uri="{FF2B5EF4-FFF2-40B4-BE49-F238E27FC236}">
-                <a16:creationId xmlns:a16="http://schemas.microsoft.com/office/drawing/2014/main" id="{1AFBAC96-C91E-425F-8761-9252E223FE0D}"/>
-              </a:ext>
-            </a:extLst>
-          </p:cNvPr>
-          <p:cNvSpPr/>
-          <p:nvPr/>
-        </p:nvSpPr>
-        <p:spPr>
-          <a:xfrm>
-            <a:off x="3884241" y="2921035"/>
-            <a:ext cx="1047750" cy="552450"/>
-          </a:xfrm>
-          <a:prstGeom prst="roundRect">
-            <a:avLst/>
-          </a:prstGeom>
-        </p:spPr>
-        <p:style>
-          <a:lnRef idx="2">
-            <a:schemeClr val="accent2">
-              <a:shade val="50000"/>
-            </a:schemeClr>
-          </a:lnRef>
-          <a:fillRef idx="1">
-            <a:schemeClr val="accent2"/>
-          </a:fillRef>
-          <a:effectRef idx="0">
-            <a:schemeClr val="accent2"/>
-          </a:effectRef>
-          <a:fontRef idx="minor">
-            <a:schemeClr val="lt1"/>
-          </a:fontRef>
-        </p:style>
-        <p:txBody>
-          <a:bodyPr rtlCol="0" anchor="ctr"/>
-          <a:lstStyle/>
-          <a:p>
-            <a:pPr algn="ctr"/>
-            <a:r>
-              <a:rPr lang="en-US" dirty="0"/>
-              <a:t>Pod A</a:t>
-            </a:r>
-          </a:p>
-        </p:txBody>
-      </p:sp>
-      <p:sp>
-        <p:nvSpPr>
-          <p:cNvPr id="14" name="Retângulo: Cantos Arredondados 13">
-            <a:extLst>
-              <a:ext uri="{FF2B5EF4-FFF2-40B4-BE49-F238E27FC236}">
-                <a16:creationId xmlns:a16="http://schemas.microsoft.com/office/drawing/2014/main" id="{74BA78B8-F259-43F7-9AA7-A78D6745A50D}"/>
-              </a:ext>
-            </a:extLst>
-          </p:cNvPr>
-          <p:cNvSpPr/>
-          <p:nvPr/>
-        </p:nvSpPr>
-        <p:spPr>
-          <a:xfrm>
-            <a:off x="3798516" y="2859804"/>
-            <a:ext cx="1047750" cy="552450"/>
-          </a:xfrm>
-          <a:prstGeom prst="roundRect">
-            <a:avLst/>
-          </a:prstGeom>
-        </p:spPr>
-        <p:style>
-          <a:lnRef idx="2">
-            <a:schemeClr val="accent2">
-              <a:shade val="50000"/>
-            </a:schemeClr>
-          </a:lnRef>
-          <a:fillRef idx="1">
-            <a:schemeClr val="accent2"/>
-          </a:fillRef>
-          <a:effectRef idx="0">
-            <a:schemeClr val="accent2"/>
-          </a:effectRef>
-          <a:fontRef idx="minor">
-            <a:schemeClr val="lt1"/>
-          </a:fontRef>
-        </p:style>
-        <p:txBody>
-          <a:bodyPr rtlCol="0" anchor="ctr"/>
-          <a:lstStyle/>
-          <a:p>
-            <a:pPr algn="ctr"/>
-            <a:r>
-              <a:rPr lang="en-US" dirty="0"/>
-              <a:t>Pod A</a:t>
-            </a:r>
-          </a:p>
-        </p:txBody>
-      </p:sp>
-      <p:sp>
-        <p:nvSpPr>
-          <p:cNvPr id="17" name="Retângulo: Cantos Arredondados 16">
-            <a:extLst>
-              <a:ext uri="{FF2B5EF4-FFF2-40B4-BE49-F238E27FC236}">
-                <a16:creationId xmlns:a16="http://schemas.microsoft.com/office/drawing/2014/main" id="{518FCB6F-1F58-41D9-89B5-3EDE445B5E5C}"/>
-              </a:ext>
-            </a:extLst>
-          </p:cNvPr>
-          <p:cNvSpPr/>
-          <p:nvPr/>
-        </p:nvSpPr>
-        <p:spPr>
-          <a:xfrm>
-            <a:off x="3712791" y="2791814"/>
-            <a:ext cx="1047750" cy="552450"/>
-          </a:xfrm>
-          <a:prstGeom prst="roundRect">
-            <a:avLst/>
-          </a:prstGeom>
-        </p:spPr>
-        <p:style>
-          <a:lnRef idx="2">
-            <a:schemeClr val="accent2">
-              <a:shade val="50000"/>
-            </a:schemeClr>
-          </a:lnRef>
-          <a:fillRef idx="1">
-            <a:schemeClr val="accent2"/>
-          </a:fillRef>
-          <a:effectRef idx="0">
-            <a:schemeClr val="accent2"/>
-          </a:effectRef>
-          <a:fontRef idx="minor">
-            <a:schemeClr val="lt1"/>
-          </a:fontRef>
-        </p:style>
-        <p:txBody>
-          <a:bodyPr rtlCol="0" anchor="ctr"/>
-          <a:lstStyle/>
-          <a:p>
-            <a:pPr algn="ctr"/>
-            <a:r>
-              <a:rPr lang="en-US" dirty="0"/>
-              <a:t>Pod A</a:t>
-            </a:r>
-          </a:p>
-        </p:txBody>
-      </p:sp>
-      <p:cxnSp>
-        <p:nvCxnSpPr>
-          <p:cNvPr id="19" name="Conector de Seta Reta 18">
-            <a:extLst>
-              <a:ext uri="{FF2B5EF4-FFF2-40B4-BE49-F238E27FC236}">
-                <a16:creationId xmlns:a16="http://schemas.microsoft.com/office/drawing/2014/main" id="{59E83CC3-3D2B-4516-9A0B-A346A2DD8DAE}"/>
-              </a:ext>
-            </a:extLst>
-          </p:cNvPr>
-          <p:cNvCxnSpPr>
-            <a:cxnSpLocks/>
-          </p:cNvCxnSpPr>
-          <p:nvPr/>
-        </p:nvCxnSpPr>
-        <p:spPr>
-          <a:xfrm>
-            <a:off x="4287466" y="2281664"/>
-            <a:ext cx="0" cy="449635"/>
-          </a:xfrm>
-          <a:prstGeom prst="straightConnector1">
-            <a:avLst/>
-          </a:prstGeom>
-          <a:ln w="9525" cap="flat" cmpd="sng" algn="ctr">
-            <a:solidFill>
-              <a:schemeClr val="dk1"/>
-            </a:solidFill>
-            <a:prstDash val="solid"/>
-            <a:round/>
-            <a:headEnd type="none" w="med" len="med"/>
-            <a:tailEnd type="arrow" w="med" len="med"/>
-          </a:ln>
-        </p:spPr>
-        <p:style>
-          <a:lnRef idx="0">
-            <a:scrgbClr r="0" g="0" b="0"/>
-          </a:lnRef>
-          <a:fillRef idx="0">
-            <a:scrgbClr r="0" g="0" b="0"/>
-          </a:fillRef>
-          <a:effectRef idx="0">
-            <a:scrgbClr r="0" g="0" b="0"/>
-          </a:effectRef>
-          <a:fontRef idx="minor">
-            <a:schemeClr val="tx1"/>
-          </a:fontRef>
-        </p:style>
-      </p:cxnSp>
-    </p:spTree>
-    <p:extLst>
-      <p:ext uri="{BB962C8B-B14F-4D97-AF65-F5344CB8AC3E}">
-        <p14:creationId xmlns:p14="http://schemas.microsoft.com/office/powerpoint/2010/main" val="738648105"/>
-      </p:ext>
-    </p:extLst>
-  </p:cSld>
-  <p:clrMapOvr>
-    <a:masterClrMapping/>
-  </p:clrMapOvr>
-</p:sld>
-</file>
-
-<file path=ppt/slides/slide8.xml><?xml version="1.0" encoding="utf-8"?>
-<p:sld xmlns:a="http://schemas.openxmlformats.org/drawingml/2006/main" xmlns:r="http://schemas.openxmlformats.org/officeDocument/2006/relationships" xmlns:p="http://schemas.openxmlformats.org/presentationml/2006/main">
-  <p:cSld>
-    <p:spTree>
-      <p:nvGrpSpPr>
-        <p:cNvPr id="1" name=""/>
-        <p:cNvGrpSpPr/>
-        <p:nvPr/>
-      </p:nvGrpSpPr>
-      <p:grpSpPr>
-        <a:xfrm>
-          <a:off x="0" y="0"/>
-          <a:ext cx="0" cy="0"/>
-          <a:chOff x="0" y="0"/>
-          <a:chExt cx="0" cy="0"/>
-        </a:xfrm>
-      </p:grpSpPr>
-      <p:sp>
-        <p:nvSpPr>
-          <p:cNvPr id="3" name="CaixaDeTexto 2">
-            <a:extLst>
-              <a:ext uri="{FF2B5EF4-FFF2-40B4-BE49-F238E27FC236}">
-                <a16:creationId xmlns:a16="http://schemas.microsoft.com/office/drawing/2014/main" id="{5E9EEC9D-1C6A-47CB-9521-6F601475FFAF}"/>
-              </a:ext>
-            </a:extLst>
-          </p:cNvPr>
-          <p:cNvSpPr txBox="1"/>
-          <p:nvPr/>
-        </p:nvSpPr>
-        <p:spPr>
-          <a:xfrm>
-            <a:off x="2868648" y="140167"/>
-            <a:ext cx="3183885" cy="769441"/>
-          </a:xfrm>
-          <a:prstGeom prst="rect">
-            <a:avLst/>
-          </a:prstGeom>
-          <a:noFill/>
-        </p:spPr>
-        <p:txBody>
-          <a:bodyPr wrap="none" rtlCol="0">
-            <a:spAutoFit/>
-          </a:bodyPr>
-          <a:lstStyle/>
-          <a:p>
-            <a:r>
-              <a:rPr lang="en-US" sz="4400" dirty="0">
-                <a:latin typeface="Roboto" panose="020B0604020202020204" charset="0"/>
-                <a:ea typeface="Roboto" panose="020B0604020202020204" charset="0"/>
-              </a:rPr>
-              <a:t>Deployment</a:t>
-            </a:r>
-          </a:p>
-        </p:txBody>
-      </p:sp>
-      <p:sp>
-        <p:nvSpPr>
-          <p:cNvPr id="5" name="CaixaDeTexto 4">
-            <a:extLst>
-              <a:ext uri="{FF2B5EF4-FFF2-40B4-BE49-F238E27FC236}">
-                <a16:creationId xmlns:a16="http://schemas.microsoft.com/office/drawing/2014/main" id="{FA4ECEF8-C35D-45EB-B5B2-CFFB73338780}"/>
-              </a:ext>
-            </a:extLst>
-          </p:cNvPr>
-          <p:cNvSpPr txBox="1"/>
-          <p:nvPr/>
-        </p:nvSpPr>
-        <p:spPr>
-          <a:xfrm>
-            <a:off x="2357828" y="1910135"/>
-            <a:ext cx="1964449" cy="369332"/>
-          </a:xfrm>
-          <a:prstGeom prst="rect">
-            <a:avLst/>
-          </a:prstGeom>
-          <a:noFill/>
-        </p:spPr>
-        <p:txBody>
-          <a:bodyPr wrap="none" rtlCol="0">
-            <a:spAutoFit/>
-          </a:bodyPr>
-          <a:lstStyle/>
-          <a:p>
-            <a:r>
-              <a:rPr lang="en-US" dirty="0">
-                <a:solidFill>
-                  <a:schemeClr val="bg1"/>
-                </a:solidFill>
-              </a:rPr>
-              <a:t>Cluster Kubernetes</a:t>
-            </a:r>
-          </a:p>
-        </p:txBody>
-      </p:sp>
-      <p:sp>
-        <p:nvSpPr>
-          <p:cNvPr id="9" name="Retângulo: Cantos Arredondados 8">
-            <a:extLst>
-              <a:ext uri="{FF2B5EF4-FFF2-40B4-BE49-F238E27FC236}">
-                <a16:creationId xmlns:a16="http://schemas.microsoft.com/office/drawing/2014/main" id="{7EC44340-DECD-41FF-9EF3-7C1691BD0CEA}"/>
-              </a:ext>
-            </a:extLst>
-          </p:cNvPr>
-          <p:cNvSpPr/>
-          <p:nvPr/>
-        </p:nvSpPr>
-        <p:spPr>
-          <a:xfrm>
-            <a:off x="3544411" y="2387084"/>
-            <a:ext cx="1555731" cy="369332"/>
-          </a:xfrm>
-          <a:prstGeom prst="roundRect">
-            <a:avLst/>
-          </a:prstGeom>
-        </p:spPr>
-        <p:style>
-          <a:lnRef idx="2">
-            <a:schemeClr val="accent2">
-              <a:shade val="50000"/>
-            </a:schemeClr>
-          </a:lnRef>
-          <a:fillRef idx="1">
-            <a:schemeClr val="accent2"/>
-          </a:fillRef>
-          <a:effectRef idx="0">
-            <a:schemeClr val="accent2"/>
-          </a:effectRef>
-          <a:fontRef idx="minor">
-            <a:schemeClr val="lt1"/>
-          </a:fontRef>
-        </p:style>
-        <p:txBody>
-          <a:bodyPr rtlCol="0" anchor="ctr"/>
-          <a:lstStyle/>
-          <a:p>
-            <a:pPr algn="ctr"/>
-            <a:r>
-              <a:rPr lang="en-US" dirty="0" err="1"/>
-              <a:t>ReplicaSet</a:t>
-            </a:r>
-            <a:r>
-              <a:rPr lang="en-US" dirty="0"/>
-              <a:t> A</a:t>
-            </a:r>
-          </a:p>
-        </p:txBody>
-      </p:sp>
-      <p:sp>
-        <p:nvSpPr>
-          <p:cNvPr id="13" name="Retângulo: Cantos Arredondados 12">
-            <a:extLst>
-              <a:ext uri="{FF2B5EF4-FFF2-40B4-BE49-F238E27FC236}">
-                <a16:creationId xmlns:a16="http://schemas.microsoft.com/office/drawing/2014/main" id="{1AFBAC96-C91E-425F-8761-9252E223FE0D}"/>
-              </a:ext>
-            </a:extLst>
-          </p:cNvPr>
-          <p:cNvSpPr/>
-          <p:nvPr/>
-        </p:nvSpPr>
-        <p:spPr>
-          <a:xfrm>
-            <a:off x="3919052" y="3479835"/>
-            <a:ext cx="1047750" cy="552450"/>
-          </a:xfrm>
-          <a:prstGeom prst="roundRect">
-            <a:avLst/>
-          </a:prstGeom>
-        </p:spPr>
-        <p:style>
-          <a:lnRef idx="2">
-            <a:schemeClr val="accent2">
-              <a:shade val="50000"/>
-            </a:schemeClr>
-          </a:lnRef>
-          <a:fillRef idx="1">
-            <a:schemeClr val="accent2"/>
-          </a:fillRef>
-          <a:effectRef idx="0">
-            <a:schemeClr val="accent2"/>
-          </a:effectRef>
-          <a:fontRef idx="minor">
-            <a:schemeClr val="lt1"/>
-          </a:fontRef>
-        </p:style>
-        <p:txBody>
-          <a:bodyPr rtlCol="0" anchor="ctr"/>
-          <a:lstStyle/>
-          <a:p>
-            <a:pPr algn="ctr"/>
-            <a:r>
-              <a:rPr lang="en-US" dirty="0"/>
-              <a:t>Pod A</a:t>
-            </a:r>
-          </a:p>
-        </p:txBody>
-      </p:sp>
-      <p:sp>
-        <p:nvSpPr>
-          <p:cNvPr id="14" name="Retângulo: Cantos Arredondados 13">
-            <a:extLst>
-              <a:ext uri="{FF2B5EF4-FFF2-40B4-BE49-F238E27FC236}">
-                <a16:creationId xmlns:a16="http://schemas.microsoft.com/office/drawing/2014/main" id="{74BA78B8-F259-43F7-9AA7-A78D6745A50D}"/>
-              </a:ext>
-            </a:extLst>
-          </p:cNvPr>
-          <p:cNvSpPr/>
-          <p:nvPr/>
-        </p:nvSpPr>
-        <p:spPr>
-          <a:xfrm>
-            <a:off x="3833327" y="3418604"/>
-            <a:ext cx="1047750" cy="552450"/>
-          </a:xfrm>
-          <a:prstGeom prst="roundRect">
-            <a:avLst/>
-          </a:prstGeom>
-        </p:spPr>
-        <p:style>
-          <a:lnRef idx="2">
-            <a:schemeClr val="accent2">
-              <a:shade val="50000"/>
-            </a:schemeClr>
-          </a:lnRef>
-          <a:fillRef idx="1">
-            <a:schemeClr val="accent2"/>
-          </a:fillRef>
-          <a:effectRef idx="0">
-            <a:schemeClr val="accent2"/>
-          </a:effectRef>
-          <a:fontRef idx="minor">
-            <a:schemeClr val="lt1"/>
-          </a:fontRef>
-        </p:style>
-        <p:txBody>
-          <a:bodyPr rtlCol="0" anchor="ctr"/>
-          <a:lstStyle/>
-          <a:p>
-            <a:pPr algn="ctr"/>
-            <a:r>
-              <a:rPr lang="en-US" dirty="0"/>
-              <a:t>Pod A</a:t>
-            </a:r>
-          </a:p>
-        </p:txBody>
-      </p:sp>
-      <p:cxnSp>
-        <p:nvCxnSpPr>
-          <p:cNvPr id="15" name="Conector de Seta Reta 14">
-            <a:extLst>
-              <a:ext uri="{FF2B5EF4-FFF2-40B4-BE49-F238E27FC236}">
-                <a16:creationId xmlns:a16="http://schemas.microsoft.com/office/drawing/2014/main" id="{7DF40A8D-93C3-458F-B2EA-EDABBBB13E23}"/>
-              </a:ext>
-            </a:extLst>
-          </p:cNvPr>
-          <p:cNvCxnSpPr>
-            <a:cxnSpLocks/>
-          </p:cNvCxnSpPr>
-          <p:nvPr/>
-        </p:nvCxnSpPr>
-        <p:spPr>
-          <a:xfrm>
-            <a:off x="4322277" y="1862084"/>
-            <a:ext cx="0" cy="449635"/>
-          </a:xfrm>
-          <a:prstGeom prst="straightConnector1">
-            <a:avLst/>
-          </a:prstGeom>
-          <a:ln w="9525" cap="flat" cmpd="sng" algn="ctr">
-            <a:solidFill>
-              <a:schemeClr val="dk1"/>
-            </a:solidFill>
-            <a:prstDash val="solid"/>
-            <a:round/>
-            <a:headEnd type="none" w="med" len="med"/>
-            <a:tailEnd type="arrow" w="med" len="med"/>
-          </a:ln>
-        </p:spPr>
-        <p:style>
-          <a:lnRef idx="0">
-            <a:scrgbClr r="0" g="0" b="0"/>
-          </a:lnRef>
-          <a:fillRef idx="0">
-            <a:scrgbClr r="0" g="0" b="0"/>
-          </a:fillRef>
-          <a:effectRef idx="0">
-            <a:scrgbClr r="0" g="0" b="0"/>
-          </a:effectRef>
-          <a:fontRef idx="minor">
-            <a:schemeClr val="tx1"/>
-          </a:fontRef>
-        </p:style>
-      </p:cxnSp>
-      <p:sp>
-        <p:nvSpPr>
-          <p:cNvPr id="12" name="Retângulo: Cantos Arredondados 11">
-            <a:extLst>
-              <a:ext uri="{FF2B5EF4-FFF2-40B4-BE49-F238E27FC236}">
-                <a16:creationId xmlns:a16="http://schemas.microsoft.com/office/drawing/2014/main" id="{D813360A-ECC8-4755-B5C4-10F048D9B2B5}"/>
-              </a:ext>
-            </a:extLst>
-          </p:cNvPr>
-          <p:cNvSpPr/>
-          <p:nvPr/>
-        </p:nvSpPr>
-        <p:spPr>
-          <a:xfrm>
-            <a:off x="3570902" y="1415488"/>
-            <a:ext cx="1555750" cy="377398"/>
-          </a:xfrm>
-          <a:prstGeom prst="roundRect">
-            <a:avLst/>
-          </a:prstGeom>
-        </p:spPr>
-        <p:style>
-          <a:lnRef idx="2">
-            <a:schemeClr val="accent2">
-              <a:shade val="50000"/>
-            </a:schemeClr>
-          </a:lnRef>
-          <a:fillRef idx="1">
-            <a:schemeClr val="accent2"/>
-          </a:fillRef>
-          <a:effectRef idx="0">
-            <a:schemeClr val="accent2"/>
-          </a:effectRef>
-          <a:fontRef idx="minor">
-            <a:schemeClr val="lt1"/>
-          </a:fontRef>
-        </p:style>
-        <p:txBody>
-          <a:bodyPr rtlCol="0" anchor="ctr"/>
-          <a:lstStyle/>
-          <a:p>
-            <a:pPr algn="ctr"/>
-            <a:r>
-              <a:rPr lang="en-US" dirty="0"/>
-              <a:t>Deployment</a:t>
-            </a:r>
-          </a:p>
-        </p:txBody>
-      </p:sp>
-      <p:sp>
-        <p:nvSpPr>
-          <p:cNvPr id="17" name="Retângulo: Cantos Arredondados 16">
-            <a:extLst>
-              <a:ext uri="{FF2B5EF4-FFF2-40B4-BE49-F238E27FC236}">
-                <a16:creationId xmlns:a16="http://schemas.microsoft.com/office/drawing/2014/main" id="{518FCB6F-1F58-41D9-89B5-3EDE445B5E5C}"/>
-              </a:ext>
-            </a:extLst>
-          </p:cNvPr>
-          <p:cNvSpPr/>
-          <p:nvPr/>
-        </p:nvSpPr>
-        <p:spPr>
-          <a:xfrm>
-            <a:off x="3747602" y="3350614"/>
-            <a:ext cx="1047750" cy="552450"/>
-          </a:xfrm>
-          <a:prstGeom prst="roundRect">
-            <a:avLst/>
-          </a:prstGeom>
-        </p:spPr>
-        <p:style>
-          <a:lnRef idx="2">
-            <a:schemeClr val="accent2">
-              <a:shade val="50000"/>
-            </a:schemeClr>
-          </a:lnRef>
-          <a:fillRef idx="1">
-            <a:schemeClr val="accent2"/>
-          </a:fillRef>
-          <a:effectRef idx="0">
-            <a:schemeClr val="accent2"/>
-          </a:effectRef>
-          <a:fontRef idx="minor">
-            <a:schemeClr val="lt1"/>
-          </a:fontRef>
-        </p:style>
-        <p:txBody>
-          <a:bodyPr rtlCol="0" anchor="ctr"/>
-          <a:lstStyle/>
-          <a:p>
-            <a:pPr algn="ctr"/>
-            <a:r>
-              <a:rPr lang="en-US" dirty="0"/>
-              <a:t>Pod A</a:t>
-            </a:r>
-          </a:p>
-        </p:txBody>
-      </p:sp>
-      <p:cxnSp>
-        <p:nvCxnSpPr>
-          <p:cNvPr id="19" name="Conector de Seta Reta 18">
-            <a:extLst>
-              <a:ext uri="{FF2B5EF4-FFF2-40B4-BE49-F238E27FC236}">
-                <a16:creationId xmlns:a16="http://schemas.microsoft.com/office/drawing/2014/main" id="{59E83CC3-3D2B-4516-9A0B-A346A2DD8DAE}"/>
-              </a:ext>
-            </a:extLst>
-          </p:cNvPr>
-          <p:cNvCxnSpPr>
-            <a:cxnSpLocks/>
-          </p:cNvCxnSpPr>
-          <p:nvPr/>
-        </p:nvCxnSpPr>
-        <p:spPr>
-          <a:xfrm>
-            <a:off x="4322277" y="2840464"/>
-            <a:ext cx="0" cy="449635"/>
-          </a:xfrm>
-          <a:prstGeom prst="straightConnector1">
-            <a:avLst/>
-          </a:prstGeom>
-          <a:ln w="9525" cap="flat" cmpd="sng" algn="ctr">
-            <a:solidFill>
-              <a:schemeClr val="dk1"/>
-            </a:solidFill>
-            <a:prstDash val="solid"/>
-            <a:round/>
-            <a:headEnd type="none" w="med" len="med"/>
-            <a:tailEnd type="arrow" w="med" len="med"/>
-          </a:ln>
-        </p:spPr>
-        <p:style>
-          <a:lnRef idx="0">
-            <a:scrgbClr r="0" g="0" b="0"/>
-          </a:lnRef>
-          <a:fillRef idx="0">
-            <a:scrgbClr r="0" g="0" b="0"/>
-          </a:fillRef>
-          <a:effectRef idx="0">
-            <a:scrgbClr r="0" g="0" b="0"/>
-          </a:effectRef>
-          <a:fontRef idx="minor">
-            <a:schemeClr val="tx1"/>
-          </a:fontRef>
-        </p:style>
-      </p:cxnSp>
-    </p:spTree>
-    <p:extLst>
-      <p:ext uri="{BB962C8B-B14F-4D97-AF65-F5344CB8AC3E}">
-        <p14:creationId xmlns:p14="http://schemas.microsoft.com/office/powerpoint/2010/main" val="3224237091"/>
-      </p:ext>
-    </p:extLst>
-  </p:cSld>
-  <p:clrMapOvr>
-    <a:masterClrMapping/>
-  </p:clrMapOvr>
-</p:sld>
-</file>
-
-<file path=ppt/slides/slide9.xml><?xml version="1.0" encoding="utf-8"?>
-<p:sld xmlns:a="http://schemas.openxmlformats.org/drawingml/2006/main" xmlns:r="http://schemas.openxmlformats.org/officeDocument/2006/relationships" xmlns:p="http://schemas.openxmlformats.org/presentationml/2006/main">
-  <p:cSld>
-    <p:spTree>
-      <p:nvGrpSpPr>
-        <p:cNvPr id="1" name=""/>
-        <p:cNvGrpSpPr/>
-        <p:nvPr/>
-      </p:nvGrpSpPr>
-      <p:grpSpPr>
-        <a:xfrm>
-          <a:off x="0" y="0"/>
-          <a:ext cx="0" cy="0"/>
-          <a:chOff x="0" y="0"/>
-          <a:chExt cx="0" cy="0"/>
-        </a:xfrm>
-      </p:grpSpPr>
-      <p:sp>
-        <p:nvSpPr>
-          <p:cNvPr id="3" name="Google Shape;373;p16">
-            <a:extLst>
-              <a:ext uri="{FF2B5EF4-FFF2-40B4-BE49-F238E27FC236}">
-                <a16:creationId xmlns:a16="http://schemas.microsoft.com/office/drawing/2014/main" id="{1C73E345-4D19-4872-8913-54B2E317036A}"/>
-              </a:ext>
-            </a:extLst>
-          </p:cNvPr>
-          <p:cNvSpPr txBox="1">
-            <a:spLocks/>
-          </p:cNvSpPr>
-          <p:nvPr/>
-        </p:nvSpPr>
-        <p:spPr>
-          <a:xfrm>
-            <a:off x="2874155" y="1541320"/>
-            <a:ext cx="3395690" cy="2486919"/>
-          </a:xfrm>
-          <a:prstGeom prst="rect">
-            <a:avLst/>
-          </a:prstGeom>
-        </p:spPr>
-        <p:txBody>
-          <a:bodyPr spcFirstLastPara="1" wrap="square" lIns="91425" tIns="91425" rIns="91425" bIns="91425" anchor="t" anchorCtr="0">
-            <a:noAutofit/>
-          </a:bodyPr>
-          <a:lstStyle>
-            <a:lvl1pPr marL="68580" indent="-68580" algn="l" defTabSz="685800" rtl="0" eaLnBrk="1" latinLnBrk="0" hangingPunct="1">
-              <a:lnSpc>
-                <a:spcPct val="90000"/>
-              </a:lnSpc>
-              <a:spcBef>
-                <a:spcPts val="900"/>
-              </a:spcBef>
-              <a:spcAft>
-                <a:spcPts val="150"/>
-              </a:spcAft>
-              <a:buClr>
-                <a:schemeClr val="accent1"/>
-              </a:buClr>
-              <a:buSzPct val="100000"/>
-              <a:buFont typeface="Calibri" panose="020F0502020204030204" pitchFamily="34" charset="0"/>
-              <a:buChar char=" "/>
-              <a:defRPr sz="1500" kern="1200">
-                <a:solidFill>
-                  <a:schemeClr val="tx1">
-                    <a:lumMod val="75000"/>
-                    <a:lumOff val="25000"/>
-                  </a:schemeClr>
-                </a:solidFill>
-                <a:latin typeface="+mn-lt"/>
-                <a:ea typeface="+mn-ea"/>
-                <a:cs typeface="+mn-cs"/>
-              </a:defRPr>
-            </a:lvl1pPr>
-            <a:lvl2pPr marL="288036" indent="-137160" algn="l" defTabSz="685800" rtl="0" eaLnBrk="1" latinLnBrk="0" hangingPunct="1">
-              <a:lnSpc>
-                <a:spcPct val="90000"/>
-              </a:lnSpc>
-              <a:spcBef>
-                <a:spcPts val="150"/>
-              </a:spcBef>
-              <a:spcAft>
-                <a:spcPts val="300"/>
-              </a:spcAft>
-              <a:buClr>
-                <a:schemeClr val="accent1"/>
-              </a:buClr>
-              <a:buFont typeface="Calibri" pitchFamily="34" charset="0"/>
-              <a:buChar char="◦"/>
-              <a:defRPr sz="1350" kern="1200">
-                <a:solidFill>
-                  <a:schemeClr val="tx1">
-                    <a:lumMod val="75000"/>
-                    <a:lumOff val="25000"/>
-                  </a:schemeClr>
-                </a:solidFill>
-                <a:latin typeface="+mn-lt"/>
-                <a:ea typeface="+mn-ea"/>
-                <a:cs typeface="+mn-cs"/>
-              </a:defRPr>
-            </a:lvl2pPr>
-            <a:lvl3pPr marL="425196" indent="-137160" algn="l" defTabSz="685800" rtl="0" eaLnBrk="1" latinLnBrk="0" hangingPunct="1">
-              <a:lnSpc>
-                <a:spcPct val="90000"/>
-              </a:lnSpc>
-              <a:spcBef>
-                <a:spcPts val="150"/>
-              </a:spcBef>
-              <a:spcAft>
-                <a:spcPts val="300"/>
-              </a:spcAft>
-              <a:buClr>
-                <a:schemeClr val="accent1"/>
-              </a:buClr>
-              <a:buFont typeface="Calibri" pitchFamily="34" charset="0"/>
-              <a:buChar char="◦"/>
-              <a:defRPr sz="1050" kern="1200">
-                <a:solidFill>
-                  <a:schemeClr val="tx1">
-                    <a:lumMod val="75000"/>
-                    <a:lumOff val="25000"/>
-                  </a:schemeClr>
-                </a:solidFill>
-                <a:latin typeface="+mn-lt"/>
-                <a:ea typeface="+mn-ea"/>
-                <a:cs typeface="+mn-cs"/>
-              </a:defRPr>
-            </a:lvl3pPr>
-            <a:lvl4pPr marL="562356" indent="-137160" algn="l" defTabSz="685800" rtl="0" eaLnBrk="1" latinLnBrk="0" hangingPunct="1">
-              <a:lnSpc>
-                <a:spcPct val="90000"/>
-              </a:lnSpc>
-              <a:spcBef>
-                <a:spcPts val="150"/>
-              </a:spcBef>
-              <a:spcAft>
-                <a:spcPts val="300"/>
-              </a:spcAft>
-              <a:buClr>
-                <a:schemeClr val="accent1"/>
-              </a:buClr>
-              <a:buFont typeface="Calibri" pitchFamily="34" charset="0"/>
-              <a:buChar char="◦"/>
-              <a:defRPr sz="1050" kern="1200">
-                <a:solidFill>
-                  <a:schemeClr val="tx1">
-                    <a:lumMod val="75000"/>
-                    <a:lumOff val="25000"/>
-                  </a:schemeClr>
-                </a:solidFill>
-                <a:latin typeface="+mn-lt"/>
-                <a:ea typeface="+mn-ea"/>
-                <a:cs typeface="+mn-cs"/>
-              </a:defRPr>
-            </a:lvl4pPr>
-            <a:lvl5pPr marL="699516" indent="-137160" algn="l" defTabSz="685800" rtl="0" eaLnBrk="1" latinLnBrk="0" hangingPunct="1">
-              <a:lnSpc>
-                <a:spcPct val="90000"/>
-              </a:lnSpc>
-              <a:spcBef>
-                <a:spcPts val="150"/>
-              </a:spcBef>
-              <a:spcAft>
-                <a:spcPts val="300"/>
-              </a:spcAft>
-              <a:buClr>
-                <a:schemeClr val="accent1"/>
-              </a:buClr>
-              <a:buFont typeface="Calibri" pitchFamily="34" charset="0"/>
-              <a:buChar char="◦"/>
-              <a:defRPr sz="1050" kern="1200">
-                <a:solidFill>
-                  <a:schemeClr val="tx1">
-                    <a:lumMod val="75000"/>
-                    <a:lumOff val="25000"/>
-                  </a:schemeClr>
-                </a:solidFill>
-                <a:latin typeface="+mn-lt"/>
-                <a:ea typeface="+mn-ea"/>
-                <a:cs typeface="+mn-cs"/>
-              </a:defRPr>
-            </a:lvl5pPr>
-            <a:lvl6pPr marL="825000" indent="-171450" algn="l" defTabSz="685800" rtl="0" eaLnBrk="1" latinLnBrk="0" hangingPunct="1">
-              <a:lnSpc>
-                <a:spcPct val="90000"/>
-              </a:lnSpc>
-              <a:spcBef>
-                <a:spcPts val="150"/>
-              </a:spcBef>
-              <a:spcAft>
-                <a:spcPts val="300"/>
-              </a:spcAft>
-              <a:buClr>
-                <a:schemeClr val="accent1"/>
-              </a:buClr>
-              <a:buFont typeface="Calibri" pitchFamily="34" charset="0"/>
-              <a:buChar char="◦"/>
-              <a:defRPr sz="1050" kern="1200">
-                <a:solidFill>
-                  <a:schemeClr val="tx1">
-                    <a:lumMod val="75000"/>
-                    <a:lumOff val="25000"/>
-                  </a:schemeClr>
-                </a:solidFill>
-                <a:latin typeface="+mn-lt"/>
-                <a:ea typeface="+mn-ea"/>
-                <a:cs typeface="+mn-cs"/>
-              </a:defRPr>
-            </a:lvl6pPr>
-            <a:lvl7pPr marL="975000" indent="-171450" algn="l" defTabSz="685800" rtl="0" eaLnBrk="1" latinLnBrk="0" hangingPunct="1">
-              <a:lnSpc>
-                <a:spcPct val="90000"/>
-              </a:lnSpc>
-              <a:spcBef>
-                <a:spcPts val="150"/>
-              </a:spcBef>
-              <a:spcAft>
-                <a:spcPts val="300"/>
-              </a:spcAft>
-              <a:buClr>
-                <a:schemeClr val="accent1"/>
-              </a:buClr>
-              <a:buFont typeface="Calibri" pitchFamily="34" charset="0"/>
-              <a:buChar char="◦"/>
-              <a:defRPr sz="1050" kern="1200">
-                <a:solidFill>
-                  <a:schemeClr val="tx1">
-                    <a:lumMod val="75000"/>
-                    <a:lumOff val="25000"/>
-                  </a:schemeClr>
-                </a:solidFill>
-                <a:latin typeface="+mn-lt"/>
-                <a:ea typeface="+mn-ea"/>
-                <a:cs typeface="+mn-cs"/>
-              </a:defRPr>
-            </a:lvl7pPr>
-            <a:lvl8pPr marL="1125000" indent="-171450" algn="l" defTabSz="685800" rtl="0" eaLnBrk="1" latinLnBrk="0" hangingPunct="1">
-              <a:lnSpc>
-                <a:spcPct val="90000"/>
-              </a:lnSpc>
-              <a:spcBef>
-                <a:spcPts val="150"/>
-              </a:spcBef>
-              <a:spcAft>
-                <a:spcPts val="300"/>
-              </a:spcAft>
-              <a:buClr>
-                <a:schemeClr val="accent1"/>
-              </a:buClr>
-              <a:buFont typeface="Calibri" pitchFamily="34" charset="0"/>
-              <a:buChar char="◦"/>
-              <a:defRPr sz="1050" kern="1200">
-                <a:solidFill>
-                  <a:schemeClr val="tx1">
-                    <a:lumMod val="75000"/>
-                    <a:lumOff val="25000"/>
-                  </a:schemeClr>
-                </a:solidFill>
-                <a:latin typeface="+mn-lt"/>
-                <a:ea typeface="+mn-ea"/>
-                <a:cs typeface="+mn-cs"/>
-              </a:defRPr>
-            </a:lvl8pPr>
-            <a:lvl9pPr marL="1275000" indent="-171450" algn="l" defTabSz="685800" rtl="0" eaLnBrk="1" latinLnBrk="0" hangingPunct="1">
-              <a:lnSpc>
-                <a:spcPct val="90000"/>
-              </a:lnSpc>
-              <a:spcBef>
-                <a:spcPts val="150"/>
-              </a:spcBef>
-              <a:spcAft>
-                <a:spcPts val="300"/>
-              </a:spcAft>
-              <a:buClr>
-                <a:schemeClr val="accent1"/>
-              </a:buClr>
-              <a:buFont typeface="Calibri" pitchFamily="34" charset="0"/>
-              <a:buChar char="◦"/>
-              <a:defRPr sz="1050" kern="1200">
-                <a:solidFill>
-                  <a:schemeClr val="tx1">
-                    <a:lumMod val="75000"/>
-                    <a:lumOff val="25000"/>
-                  </a:schemeClr>
-                </a:solidFill>
-                <a:latin typeface="+mn-lt"/>
-                <a:ea typeface="+mn-ea"/>
-                <a:cs typeface="+mn-cs"/>
-              </a:defRPr>
-            </a:lvl9pPr>
-          </a:lstStyle>
-          <a:p>
-            <a:pPr marL="482600" indent="-342900">
-              <a:spcBef>
-                <a:spcPts val="600"/>
-              </a:spcBef>
-              <a:spcAft>
-                <a:spcPts val="0"/>
-              </a:spcAft>
-              <a:buSzPts val="1400"/>
-              <a:buFont typeface="+mj-lt"/>
-              <a:buAutoNum type="arabicPeriod"/>
-            </a:pPr>
-            <a:r>
-              <a:rPr lang="en-US" dirty="0" err="1"/>
-              <a:t>ClusterIP</a:t>
-            </a:r>
-            <a:endParaRPr lang="en-US" dirty="0"/>
-          </a:p>
-          <a:p>
-            <a:pPr marL="482600" indent="-342900">
-              <a:spcBef>
-                <a:spcPts val="600"/>
-              </a:spcBef>
-              <a:spcAft>
-                <a:spcPts val="0"/>
-              </a:spcAft>
-              <a:buSzPts val="1400"/>
-              <a:buFont typeface="+mj-lt"/>
-              <a:buAutoNum type="arabicPeriod"/>
-            </a:pPr>
-            <a:r>
-              <a:rPr lang="en-US" dirty="0" err="1"/>
-              <a:t>NodePort</a:t>
-            </a:r>
-            <a:endParaRPr lang="en-US" dirty="0"/>
-          </a:p>
-          <a:p>
-            <a:pPr marL="482600" indent="-342900">
-              <a:spcBef>
-                <a:spcPts val="600"/>
-              </a:spcBef>
-              <a:spcAft>
-                <a:spcPts val="0"/>
-              </a:spcAft>
-              <a:buSzPts val="1400"/>
-              <a:buFont typeface="+mj-lt"/>
-              <a:buAutoNum type="arabicPeriod"/>
-            </a:pPr>
-            <a:r>
-              <a:rPr lang="en-US" dirty="0" err="1"/>
-              <a:t>LoadBalancer</a:t>
-            </a:r>
-            <a:endParaRPr lang="en-US" dirty="0"/>
-          </a:p>
-          <a:p>
-            <a:pPr marL="482600" indent="-342900">
-              <a:spcBef>
-                <a:spcPts val="600"/>
-              </a:spcBef>
-              <a:spcAft>
-                <a:spcPts val="0"/>
-              </a:spcAft>
-              <a:buSzPts val="1400"/>
-              <a:buFont typeface="+mj-lt"/>
-              <a:buAutoNum type="arabicPeriod"/>
-            </a:pPr>
-            <a:r>
-              <a:rPr lang="en-US" dirty="0" err="1"/>
+              <a:rPr lang="en-US" sz="2800" dirty="0" err="1"/>
               <a:t>ExternalName</a:t>
             </a:r>
-            <a:endParaRPr lang="en-US" dirty="0"/>
+            <a:endParaRPr lang="en-US" sz="2800" dirty="0"/>
           </a:p>
         </p:txBody>
       </p:sp>
@@ -14013,6 +10241,1081 @@
       <p:bldP spid="3" grpId="0" uiExpand="1" build="p"/>
     </p:bldLst>
   </p:timing>
+</p:sld>
+</file>
+
+<file path=ppt/slides/slide8.xml><?xml version="1.0" encoding="utf-8"?>
+<p:sld xmlns:a="http://schemas.openxmlformats.org/drawingml/2006/main" xmlns:r="http://schemas.openxmlformats.org/officeDocument/2006/relationships" xmlns:p="http://schemas.openxmlformats.org/presentationml/2006/main">
+  <p:cSld>
+    <p:spTree>
+      <p:nvGrpSpPr>
+        <p:cNvPr id="1" name=""/>
+        <p:cNvGrpSpPr/>
+        <p:nvPr/>
+      </p:nvGrpSpPr>
+      <p:grpSpPr>
+        <a:xfrm>
+          <a:off x="0" y="0"/>
+          <a:ext cx="0" cy="0"/>
+          <a:chOff x="0" y="0"/>
+          <a:chExt cx="0" cy="0"/>
+        </a:xfrm>
+      </p:grpSpPr>
+      <p:sp>
+        <p:nvSpPr>
+          <p:cNvPr id="3" name="CaixaDeTexto 2">
+            <a:extLst>
+              <a:ext uri="{FF2B5EF4-FFF2-40B4-BE49-F238E27FC236}">
+                <a16:creationId xmlns:a16="http://schemas.microsoft.com/office/drawing/2014/main" id="{5E9EEC9D-1C6A-47CB-9521-6F601475FFAF}"/>
+              </a:ext>
+            </a:extLst>
+          </p:cNvPr>
+          <p:cNvSpPr txBox="1"/>
+          <p:nvPr/>
+        </p:nvSpPr>
+        <p:spPr>
+          <a:xfrm>
+            <a:off x="3460765" y="137032"/>
+            <a:ext cx="2222468" cy="769441"/>
+          </a:xfrm>
+          <a:prstGeom prst="rect">
+            <a:avLst/>
+          </a:prstGeom>
+          <a:noFill/>
+        </p:spPr>
+        <p:txBody>
+          <a:bodyPr wrap="none" rtlCol="0">
+            <a:spAutoFit/>
+          </a:bodyPr>
+          <a:lstStyle/>
+          <a:p>
+            <a:r>
+              <a:rPr lang="en-US" sz="4400" dirty="0" err="1"/>
+              <a:t>ClusterIP</a:t>
+            </a:r>
+            <a:endParaRPr lang="en-US" sz="4400" dirty="0"/>
+          </a:p>
+        </p:txBody>
+      </p:sp>
+      <p:sp>
+        <p:nvSpPr>
+          <p:cNvPr id="4" name="Retângulo: Cantos Arredondados 3">
+            <a:extLst>
+              <a:ext uri="{FF2B5EF4-FFF2-40B4-BE49-F238E27FC236}">
+                <a16:creationId xmlns:a16="http://schemas.microsoft.com/office/drawing/2014/main" id="{5B1C2A4E-AED9-4E6C-9087-3113AE065197}"/>
+              </a:ext>
+            </a:extLst>
+          </p:cNvPr>
+          <p:cNvSpPr/>
+          <p:nvPr/>
+        </p:nvSpPr>
+        <p:spPr>
+          <a:xfrm>
+            <a:off x="2438400" y="1066800"/>
+            <a:ext cx="4267200" cy="3111500"/>
+          </a:xfrm>
+          <a:prstGeom prst="roundRect">
+            <a:avLst/>
+          </a:prstGeom>
+        </p:spPr>
+        <p:style>
+          <a:lnRef idx="2">
+            <a:schemeClr val="accent1">
+              <a:shade val="50000"/>
+            </a:schemeClr>
+          </a:lnRef>
+          <a:fillRef idx="1">
+            <a:schemeClr val="accent1"/>
+          </a:fillRef>
+          <a:effectRef idx="0">
+            <a:schemeClr val="accent1"/>
+          </a:effectRef>
+          <a:fontRef idx="minor">
+            <a:schemeClr val="lt1"/>
+          </a:fontRef>
+        </p:style>
+        <p:txBody>
+          <a:bodyPr rtlCol="0" anchor="ctr"/>
+          <a:lstStyle/>
+          <a:p>
+            <a:pPr algn="ctr"/>
+            <a:endParaRPr lang="en-US"/>
+          </a:p>
+        </p:txBody>
+      </p:sp>
+      <p:sp>
+        <p:nvSpPr>
+          <p:cNvPr id="5" name="CaixaDeTexto 4">
+            <a:extLst>
+              <a:ext uri="{FF2B5EF4-FFF2-40B4-BE49-F238E27FC236}">
+                <a16:creationId xmlns:a16="http://schemas.microsoft.com/office/drawing/2014/main" id="{FA4ECEF8-C35D-45EB-B5B2-CFFB73338780}"/>
+              </a:ext>
+            </a:extLst>
+          </p:cNvPr>
+          <p:cNvSpPr txBox="1"/>
+          <p:nvPr/>
+        </p:nvSpPr>
+        <p:spPr>
+          <a:xfrm>
+            <a:off x="3589775" y="1066800"/>
+            <a:ext cx="1964449" cy="369332"/>
+          </a:xfrm>
+          <a:prstGeom prst="rect">
+            <a:avLst/>
+          </a:prstGeom>
+          <a:noFill/>
+        </p:spPr>
+        <p:txBody>
+          <a:bodyPr wrap="none" rtlCol="0">
+            <a:spAutoFit/>
+          </a:bodyPr>
+          <a:lstStyle/>
+          <a:p>
+            <a:r>
+              <a:rPr lang="en-US" dirty="0">
+                <a:solidFill>
+                  <a:schemeClr val="bg1"/>
+                </a:solidFill>
+              </a:rPr>
+              <a:t>Cluster Kubernetes</a:t>
+            </a:r>
+          </a:p>
+        </p:txBody>
+      </p:sp>
+      <p:sp>
+        <p:nvSpPr>
+          <p:cNvPr id="6" name="Retângulo: Cantos Arredondados 5">
+            <a:extLst>
+              <a:ext uri="{FF2B5EF4-FFF2-40B4-BE49-F238E27FC236}">
+                <a16:creationId xmlns:a16="http://schemas.microsoft.com/office/drawing/2014/main" id="{52BF8AF0-5846-467C-989F-34CCF00149ED}"/>
+              </a:ext>
+            </a:extLst>
+          </p:cNvPr>
+          <p:cNvSpPr/>
+          <p:nvPr/>
+        </p:nvSpPr>
+        <p:spPr>
+          <a:xfrm>
+            <a:off x="3989387" y="1430813"/>
+            <a:ext cx="1047750" cy="552450"/>
+          </a:xfrm>
+          <a:prstGeom prst="roundRect">
+            <a:avLst/>
+          </a:prstGeom>
+        </p:spPr>
+        <p:style>
+          <a:lnRef idx="2">
+            <a:schemeClr val="accent2">
+              <a:shade val="50000"/>
+            </a:schemeClr>
+          </a:lnRef>
+          <a:fillRef idx="1">
+            <a:schemeClr val="accent2"/>
+          </a:fillRef>
+          <a:effectRef idx="0">
+            <a:schemeClr val="accent2"/>
+          </a:effectRef>
+          <a:fontRef idx="minor">
+            <a:schemeClr val="lt1"/>
+          </a:fontRef>
+        </p:style>
+        <p:txBody>
+          <a:bodyPr rtlCol="0" anchor="ctr"/>
+          <a:lstStyle/>
+          <a:p>
+            <a:pPr algn="ctr"/>
+            <a:r>
+              <a:rPr lang="en-US" dirty="0"/>
+              <a:t>Pod A</a:t>
+            </a:r>
+          </a:p>
+        </p:txBody>
+      </p:sp>
+      <p:sp>
+        <p:nvSpPr>
+          <p:cNvPr id="8" name="Retângulo: Cantos Arredondados 7">
+            <a:extLst>
+              <a:ext uri="{FF2B5EF4-FFF2-40B4-BE49-F238E27FC236}">
+                <a16:creationId xmlns:a16="http://schemas.microsoft.com/office/drawing/2014/main" id="{53FE790A-4119-4466-B4D0-FA26ED0C8061}"/>
+              </a:ext>
+            </a:extLst>
+          </p:cNvPr>
+          <p:cNvSpPr/>
+          <p:nvPr/>
+        </p:nvSpPr>
+        <p:spPr>
+          <a:xfrm>
+            <a:off x="3989387" y="3333691"/>
+            <a:ext cx="1047750" cy="552450"/>
+          </a:xfrm>
+          <a:prstGeom prst="roundRect">
+            <a:avLst/>
+          </a:prstGeom>
+        </p:spPr>
+        <p:style>
+          <a:lnRef idx="2">
+            <a:schemeClr val="accent2">
+              <a:shade val="50000"/>
+            </a:schemeClr>
+          </a:lnRef>
+          <a:fillRef idx="1">
+            <a:schemeClr val="accent2"/>
+          </a:fillRef>
+          <a:effectRef idx="0">
+            <a:schemeClr val="accent2"/>
+          </a:effectRef>
+          <a:fontRef idx="minor">
+            <a:schemeClr val="lt1"/>
+          </a:fontRef>
+        </p:style>
+        <p:txBody>
+          <a:bodyPr rtlCol="0" anchor="ctr"/>
+          <a:lstStyle/>
+          <a:p>
+            <a:pPr algn="ctr"/>
+            <a:r>
+              <a:rPr lang="en-US" dirty="0"/>
+              <a:t>Pod B</a:t>
+            </a:r>
+          </a:p>
+        </p:txBody>
+      </p:sp>
+      <p:sp>
+        <p:nvSpPr>
+          <p:cNvPr id="9" name="Retângulo: Cantos Arredondados 8">
+            <a:extLst>
+              <a:ext uri="{FF2B5EF4-FFF2-40B4-BE49-F238E27FC236}">
+                <a16:creationId xmlns:a16="http://schemas.microsoft.com/office/drawing/2014/main" id="{7EC44340-DECD-41FF-9EF3-7C1691BD0CEA}"/>
+              </a:ext>
+            </a:extLst>
+          </p:cNvPr>
+          <p:cNvSpPr/>
+          <p:nvPr/>
+        </p:nvSpPr>
+        <p:spPr>
+          <a:xfrm>
+            <a:off x="4048124" y="2505561"/>
+            <a:ext cx="930276" cy="305831"/>
+          </a:xfrm>
+          <a:prstGeom prst="roundRect">
+            <a:avLst/>
+          </a:prstGeom>
+        </p:spPr>
+        <p:style>
+          <a:lnRef idx="2">
+            <a:schemeClr val="accent2">
+              <a:shade val="50000"/>
+            </a:schemeClr>
+          </a:lnRef>
+          <a:fillRef idx="1">
+            <a:schemeClr val="accent2"/>
+          </a:fillRef>
+          <a:effectRef idx="0">
+            <a:schemeClr val="accent2"/>
+          </a:effectRef>
+          <a:fontRef idx="minor">
+            <a:schemeClr val="lt1"/>
+          </a:fontRef>
+        </p:style>
+        <p:txBody>
+          <a:bodyPr rtlCol="0" anchor="ctr"/>
+          <a:lstStyle/>
+          <a:p>
+            <a:pPr algn="ctr"/>
+            <a:r>
+              <a:rPr lang="en-US" dirty="0"/>
+              <a:t>Service</a:t>
+            </a:r>
+          </a:p>
+        </p:txBody>
+      </p:sp>
+      <p:cxnSp>
+        <p:nvCxnSpPr>
+          <p:cNvPr id="11" name="Conector de Seta Reta 10">
+            <a:extLst>
+              <a:ext uri="{FF2B5EF4-FFF2-40B4-BE49-F238E27FC236}">
+                <a16:creationId xmlns:a16="http://schemas.microsoft.com/office/drawing/2014/main" id="{EE8329DB-11EC-4960-B5F8-7A90067855C9}"/>
+              </a:ext>
+            </a:extLst>
+          </p:cNvPr>
+          <p:cNvCxnSpPr/>
+          <p:nvPr/>
+        </p:nvCxnSpPr>
+        <p:spPr>
+          <a:xfrm>
+            <a:off x="4519612" y="2032059"/>
+            <a:ext cx="0" cy="374591"/>
+          </a:xfrm>
+          <a:prstGeom prst="straightConnector1">
+            <a:avLst/>
+          </a:prstGeom>
+          <a:ln w="9525" cap="flat" cmpd="sng" algn="ctr">
+            <a:solidFill>
+              <a:schemeClr val="dk1"/>
+            </a:solidFill>
+            <a:prstDash val="solid"/>
+            <a:round/>
+            <a:headEnd type="none" w="med" len="med"/>
+            <a:tailEnd type="arrow" w="med" len="med"/>
+          </a:ln>
+        </p:spPr>
+        <p:style>
+          <a:lnRef idx="0">
+            <a:scrgbClr r="0" g="0" b="0"/>
+          </a:lnRef>
+          <a:fillRef idx="0">
+            <a:scrgbClr r="0" g="0" b="0"/>
+          </a:fillRef>
+          <a:effectRef idx="0">
+            <a:scrgbClr r="0" g="0" b="0"/>
+          </a:effectRef>
+          <a:fontRef idx="minor">
+            <a:schemeClr val="tx1"/>
+          </a:fontRef>
+        </p:style>
+      </p:cxnSp>
+      <p:cxnSp>
+        <p:nvCxnSpPr>
+          <p:cNvPr id="12" name="Conector de Seta Reta 11">
+            <a:extLst>
+              <a:ext uri="{FF2B5EF4-FFF2-40B4-BE49-F238E27FC236}">
+                <a16:creationId xmlns:a16="http://schemas.microsoft.com/office/drawing/2014/main" id="{8130E202-39C4-47CF-82D6-76DD9161EF4F}"/>
+              </a:ext>
+            </a:extLst>
+          </p:cNvPr>
+          <p:cNvCxnSpPr/>
+          <p:nvPr/>
+        </p:nvCxnSpPr>
+        <p:spPr>
+          <a:xfrm>
+            <a:off x="4513262" y="2902009"/>
+            <a:ext cx="0" cy="374591"/>
+          </a:xfrm>
+          <a:prstGeom prst="straightConnector1">
+            <a:avLst/>
+          </a:prstGeom>
+          <a:ln w="9525" cap="flat" cmpd="sng" algn="ctr">
+            <a:solidFill>
+              <a:schemeClr val="dk1"/>
+            </a:solidFill>
+            <a:prstDash val="solid"/>
+            <a:round/>
+            <a:headEnd type="none" w="med" len="med"/>
+            <a:tailEnd type="arrow" w="med" len="med"/>
+          </a:ln>
+        </p:spPr>
+        <p:style>
+          <a:lnRef idx="0">
+            <a:scrgbClr r="0" g="0" b="0"/>
+          </a:lnRef>
+          <a:fillRef idx="0">
+            <a:scrgbClr r="0" g="0" b="0"/>
+          </a:fillRef>
+          <a:effectRef idx="0">
+            <a:scrgbClr r="0" g="0" b="0"/>
+          </a:effectRef>
+          <a:fontRef idx="minor">
+            <a:schemeClr val="tx1"/>
+          </a:fontRef>
+        </p:style>
+      </p:cxnSp>
+      <p:sp>
+        <p:nvSpPr>
+          <p:cNvPr id="13" name="Retângulo: Cantos Arredondados 12">
+            <a:extLst>
+              <a:ext uri="{FF2B5EF4-FFF2-40B4-BE49-F238E27FC236}">
+                <a16:creationId xmlns:a16="http://schemas.microsoft.com/office/drawing/2014/main" id="{FCA7DECB-44A7-4448-8B1B-505F472D2D5E}"/>
+              </a:ext>
+            </a:extLst>
+          </p:cNvPr>
+          <p:cNvSpPr/>
+          <p:nvPr/>
+        </p:nvSpPr>
+        <p:spPr>
+          <a:xfrm>
+            <a:off x="5347493" y="3333691"/>
+            <a:ext cx="1047750" cy="552450"/>
+          </a:xfrm>
+          <a:prstGeom prst="roundRect">
+            <a:avLst/>
+          </a:prstGeom>
+        </p:spPr>
+        <p:style>
+          <a:lnRef idx="2">
+            <a:schemeClr val="accent2">
+              <a:shade val="50000"/>
+            </a:schemeClr>
+          </a:lnRef>
+          <a:fillRef idx="1">
+            <a:schemeClr val="accent2"/>
+          </a:fillRef>
+          <a:effectRef idx="0">
+            <a:schemeClr val="accent2"/>
+          </a:effectRef>
+          <a:fontRef idx="minor">
+            <a:schemeClr val="lt1"/>
+          </a:fontRef>
+        </p:style>
+        <p:txBody>
+          <a:bodyPr rtlCol="0" anchor="ctr"/>
+          <a:lstStyle/>
+          <a:p>
+            <a:pPr algn="ctr"/>
+            <a:r>
+              <a:rPr lang="en-US" dirty="0"/>
+              <a:t>Pod B</a:t>
+            </a:r>
+          </a:p>
+        </p:txBody>
+      </p:sp>
+      <p:sp>
+        <p:nvSpPr>
+          <p:cNvPr id="14" name="Retângulo: Cantos Arredondados 13">
+            <a:extLst>
+              <a:ext uri="{FF2B5EF4-FFF2-40B4-BE49-F238E27FC236}">
+                <a16:creationId xmlns:a16="http://schemas.microsoft.com/office/drawing/2014/main" id="{54CA11F8-2D7C-44B5-A0E6-B4554996A02F}"/>
+              </a:ext>
+            </a:extLst>
+          </p:cNvPr>
+          <p:cNvSpPr/>
+          <p:nvPr/>
+        </p:nvSpPr>
+        <p:spPr>
+          <a:xfrm>
+            <a:off x="2653505" y="3333691"/>
+            <a:ext cx="1047750" cy="552450"/>
+          </a:xfrm>
+          <a:prstGeom prst="roundRect">
+            <a:avLst/>
+          </a:prstGeom>
+        </p:spPr>
+        <p:style>
+          <a:lnRef idx="2">
+            <a:schemeClr val="accent2">
+              <a:shade val="50000"/>
+            </a:schemeClr>
+          </a:lnRef>
+          <a:fillRef idx="1">
+            <a:schemeClr val="accent2"/>
+          </a:fillRef>
+          <a:effectRef idx="0">
+            <a:schemeClr val="accent2"/>
+          </a:effectRef>
+          <a:fontRef idx="minor">
+            <a:schemeClr val="lt1"/>
+          </a:fontRef>
+        </p:style>
+        <p:txBody>
+          <a:bodyPr rtlCol="0" anchor="ctr"/>
+          <a:lstStyle/>
+          <a:p>
+            <a:pPr algn="ctr"/>
+            <a:r>
+              <a:rPr lang="en-US" dirty="0"/>
+              <a:t>Pod B</a:t>
+            </a:r>
+          </a:p>
+        </p:txBody>
+      </p:sp>
+      <p:cxnSp>
+        <p:nvCxnSpPr>
+          <p:cNvPr id="15" name="Conector de Seta Reta 14">
+            <a:extLst>
+              <a:ext uri="{FF2B5EF4-FFF2-40B4-BE49-F238E27FC236}">
+                <a16:creationId xmlns:a16="http://schemas.microsoft.com/office/drawing/2014/main" id="{BA30F84F-0B70-450B-8B77-9C8C1B808D47}"/>
+              </a:ext>
+            </a:extLst>
+          </p:cNvPr>
+          <p:cNvCxnSpPr>
+            <a:cxnSpLocks/>
+          </p:cNvCxnSpPr>
+          <p:nvPr/>
+        </p:nvCxnSpPr>
+        <p:spPr>
+          <a:xfrm flipH="1">
+            <a:off x="3589775" y="2902009"/>
+            <a:ext cx="713937" cy="330141"/>
+          </a:xfrm>
+          <a:prstGeom prst="straightConnector1">
+            <a:avLst/>
+          </a:prstGeom>
+          <a:ln w="9525" cap="flat" cmpd="sng" algn="ctr">
+            <a:solidFill>
+              <a:schemeClr val="dk1"/>
+            </a:solidFill>
+            <a:prstDash val="solid"/>
+            <a:round/>
+            <a:headEnd type="none" w="med" len="med"/>
+            <a:tailEnd type="arrow" w="med" len="med"/>
+          </a:ln>
+        </p:spPr>
+        <p:style>
+          <a:lnRef idx="0">
+            <a:scrgbClr r="0" g="0" b="0"/>
+          </a:lnRef>
+          <a:fillRef idx="0">
+            <a:scrgbClr r="0" g="0" b="0"/>
+          </a:fillRef>
+          <a:effectRef idx="0">
+            <a:scrgbClr r="0" g="0" b="0"/>
+          </a:effectRef>
+          <a:fontRef idx="minor">
+            <a:schemeClr val="tx1"/>
+          </a:fontRef>
+        </p:style>
+      </p:cxnSp>
+      <p:cxnSp>
+        <p:nvCxnSpPr>
+          <p:cNvPr id="17" name="Conector de Seta Reta 16">
+            <a:extLst>
+              <a:ext uri="{FF2B5EF4-FFF2-40B4-BE49-F238E27FC236}">
+                <a16:creationId xmlns:a16="http://schemas.microsoft.com/office/drawing/2014/main" id="{8BA135BE-5B0D-4C96-8703-8D0F6E4CDE28}"/>
+              </a:ext>
+            </a:extLst>
+          </p:cNvPr>
+          <p:cNvCxnSpPr>
+            <a:cxnSpLocks/>
+          </p:cNvCxnSpPr>
+          <p:nvPr/>
+        </p:nvCxnSpPr>
+        <p:spPr>
+          <a:xfrm>
+            <a:off x="4799012" y="2879783"/>
+            <a:ext cx="548481" cy="352367"/>
+          </a:xfrm>
+          <a:prstGeom prst="straightConnector1">
+            <a:avLst/>
+          </a:prstGeom>
+          <a:ln w="9525" cap="flat" cmpd="sng" algn="ctr">
+            <a:solidFill>
+              <a:schemeClr val="dk1"/>
+            </a:solidFill>
+            <a:prstDash val="solid"/>
+            <a:round/>
+            <a:headEnd type="none" w="med" len="med"/>
+            <a:tailEnd type="arrow" w="med" len="med"/>
+          </a:ln>
+        </p:spPr>
+        <p:style>
+          <a:lnRef idx="0">
+            <a:scrgbClr r="0" g="0" b="0"/>
+          </a:lnRef>
+          <a:fillRef idx="0">
+            <a:scrgbClr r="0" g="0" b="0"/>
+          </a:fillRef>
+          <a:effectRef idx="0">
+            <a:scrgbClr r="0" g="0" b="0"/>
+          </a:effectRef>
+          <a:fontRef idx="minor">
+            <a:schemeClr val="tx1"/>
+          </a:fontRef>
+        </p:style>
+      </p:cxnSp>
+    </p:spTree>
+    <p:extLst>
+      <p:ext uri="{BB962C8B-B14F-4D97-AF65-F5344CB8AC3E}">
+        <p14:creationId xmlns:p14="http://schemas.microsoft.com/office/powerpoint/2010/main" val="2442252048"/>
+      </p:ext>
+    </p:extLst>
+  </p:cSld>
+  <p:clrMapOvr>
+    <a:masterClrMapping/>
+  </p:clrMapOvr>
+</p:sld>
+</file>
+
+<file path=ppt/slides/slide9.xml><?xml version="1.0" encoding="utf-8"?>
+<p:sld xmlns:a="http://schemas.openxmlformats.org/drawingml/2006/main" xmlns:r="http://schemas.openxmlformats.org/officeDocument/2006/relationships" xmlns:p="http://schemas.openxmlformats.org/presentationml/2006/main">
+  <p:cSld>
+    <p:spTree>
+      <p:nvGrpSpPr>
+        <p:cNvPr id="1" name=""/>
+        <p:cNvGrpSpPr/>
+        <p:nvPr/>
+      </p:nvGrpSpPr>
+      <p:grpSpPr>
+        <a:xfrm>
+          <a:off x="0" y="0"/>
+          <a:ext cx="0" cy="0"/>
+          <a:chOff x="0" y="0"/>
+          <a:chExt cx="0" cy="0"/>
+        </a:xfrm>
+      </p:grpSpPr>
+      <p:sp>
+        <p:nvSpPr>
+          <p:cNvPr id="3" name="CaixaDeTexto 2">
+            <a:extLst>
+              <a:ext uri="{FF2B5EF4-FFF2-40B4-BE49-F238E27FC236}">
+                <a16:creationId xmlns:a16="http://schemas.microsoft.com/office/drawing/2014/main" id="{5E9EEC9D-1C6A-47CB-9521-6F601475FFAF}"/>
+              </a:ext>
+            </a:extLst>
+          </p:cNvPr>
+          <p:cNvSpPr txBox="1"/>
+          <p:nvPr/>
+        </p:nvSpPr>
+        <p:spPr>
+          <a:xfrm>
+            <a:off x="3462354" y="116900"/>
+            <a:ext cx="2388731" cy="769441"/>
+          </a:xfrm>
+          <a:prstGeom prst="rect">
+            <a:avLst/>
+          </a:prstGeom>
+          <a:noFill/>
+        </p:spPr>
+        <p:txBody>
+          <a:bodyPr wrap="none" rtlCol="0">
+            <a:spAutoFit/>
+          </a:bodyPr>
+          <a:lstStyle/>
+          <a:p>
+            <a:r>
+              <a:rPr lang="en-US" sz="4400" dirty="0" err="1"/>
+              <a:t>NodePort</a:t>
+            </a:r>
+            <a:endParaRPr lang="en-US" sz="4400" dirty="0"/>
+          </a:p>
+        </p:txBody>
+      </p:sp>
+      <p:sp>
+        <p:nvSpPr>
+          <p:cNvPr id="4" name="Retângulo: Cantos Arredondados 3">
+            <a:extLst>
+              <a:ext uri="{FF2B5EF4-FFF2-40B4-BE49-F238E27FC236}">
+                <a16:creationId xmlns:a16="http://schemas.microsoft.com/office/drawing/2014/main" id="{5B1C2A4E-AED9-4E6C-9087-3113AE065197}"/>
+              </a:ext>
+            </a:extLst>
+          </p:cNvPr>
+          <p:cNvSpPr/>
+          <p:nvPr/>
+        </p:nvSpPr>
+        <p:spPr>
+          <a:xfrm>
+            <a:off x="2438400" y="1016000"/>
+            <a:ext cx="4267200" cy="3111500"/>
+          </a:xfrm>
+          <a:prstGeom prst="roundRect">
+            <a:avLst/>
+          </a:prstGeom>
+        </p:spPr>
+        <p:style>
+          <a:lnRef idx="2">
+            <a:schemeClr val="accent1">
+              <a:shade val="50000"/>
+            </a:schemeClr>
+          </a:lnRef>
+          <a:fillRef idx="1">
+            <a:schemeClr val="accent1"/>
+          </a:fillRef>
+          <a:effectRef idx="0">
+            <a:schemeClr val="accent1"/>
+          </a:effectRef>
+          <a:fontRef idx="minor">
+            <a:schemeClr val="lt1"/>
+          </a:fontRef>
+        </p:style>
+        <p:txBody>
+          <a:bodyPr rtlCol="0" anchor="ctr"/>
+          <a:lstStyle/>
+          <a:p>
+            <a:pPr algn="ctr"/>
+            <a:endParaRPr lang="en-US"/>
+          </a:p>
+        </p:txBody>
+      </p:sp>
+      <p:sp>
+        <p:nvSpPr>
+          <p:cNvPr id="5" name="CaixaDeTexto 4">
+            <a:extLst>
+              <a:ext uri="{FF2B5EF4-FFF2-40B4-BE49-F238E27FC236}">
+                <a16:creationId xmlns:a16="http://schemas.microsoft.com/office/drawing/2014/main" id="{FA4ECEF8-C35D-45EB-B5B2-CFFB73338780}"/>
+              </a:ext>
+            </a:extLst>
+          </p:cNvPr>
+          <p:cNvSpPr txBox="1"/>
+          <p:nvPr/>
+        </p:nvSpPr>
+        <p:spPr>
+          <a:xfrm>
+            <a:off x="3589775" y="1016000"/>
+            <a:ext cx="1964449" cy="369332"/>
+          </a:xfrm>
+          <a:prstGeom prst="rect">
+            <a:avLst/>
+          </a:prstGeom>
+          <a:noFill/>
+        </p:spPr>
+        <p:txBody>
+          <a:bodyPr wrap="none" rtlCol="0">
+            <a:spAutoFit/>
+          </a:bodyPr>
+          <a:lstStyle/>
+          <a:p>
+            <a:r>
+              <a:rPr lang="en-US" dirty="0">
+                <a:solidFill>
+                  <a:schemeClr val="bg1"/>
+                </a:solidFill>
+              </a:rPr>
+              <a:t>Cluster Kubernetes</a:t>
+            </a:r>
+          </a:p>
+        </p:txBody>
+      </p:sp>
+      <p:sp>
+        <p:nvSpPr>
+          <p:cNvPr id="6" name="Retângulo: Cantos Arredondados 5">
+            <a:extLst>
+              <a:ext uri="{FF2B5EF4-FFF2-40B4-BE49-F238E27FC236}">
+                <a16:creationId xmlns:a16="http://schemas.microsoft.com/office/drawing/2014/main" id="{52BF8AF0-5846-467C-989F-34CCF00149ED}"/>
+              </a:ext>
+            </a:extLst>
+          </p:cNvPr>
+          <p:cNvSpPr/>
+          <p:nvPr/>
+        </p:nvSpPr>
+        <p:spPr>
+          <a:xfrm>
+            <a:off x="4656720" y="2287771"/>
+            <a:ext cx="1047750" cy="552450"/>
+          </a:xfrm>
+          <a:prstGeom prst="roundRect">
+            <a:avLst/>
+          </a:prstGeom>
+        </p:spPr>
+        <p:style>
+          <a:lnRef idx="2">
+            <a:schemeClr val="accent2">
+              <a:shade val="50000"/>
+            </a:schemeClr>
+          </a:lnRef>
+          <a:fillRef idx="1">
+            <a:schemeClr val="accent2"/>
+          </a:fillRef>
+          <a:effectRef idx="0">
+            <a:schemeClr val="accent2"/>
+          </a:effectRef>
+          <a:fontRef idx="minor">
+            <a:schemeClr val="lt1"/>
+          </a:fontRef>
+        </p:style>
+        <p:txBody>
+          <a:bodyPr rtlCol="0" anchor="ctr"/>
+          <a:lstStyle/>
+          <a:p>
+            <a:pPr algn="ctr"/>
+            <a:r>
+              <a:rPr lang="en-US" dirty="0"/>
+              <a:t>Pod A</a:t>
+            </a:r>
+          </a:p>
+        </p:txBody>
+      </p:sp>
+      <p:sp>
+        <p:nvSpPr>
+          <p:cNvPr id="9" name="Retângulo: Cantos Arredondados 8">
+            <a:extLst>
+              <a:ext uri="{FF2B5EF4-FFF2-40B4-BE49-F238E27FC236}">
+                <a16:creationId xmlns:a16="http://schemas.microsoft.com/office/drawing/2014/main" id="{7EC44340-DECD-41FF-9EF3-7C1691BD0CEA}"/>
+              </a:ext>
+            </a:extLst>
+          </p:cNvPr>
+          <p:cNvSpPr/>
+          <p:nvPr/>
+        </p:nvSpPr>
+        <p:spPr>
+          <a:xfrm>
+            <a:off x="2438400" y="2149902"/>
+            <a:ext cx="1073103" cy="828189"/>
+          </a:xfrm>
+          <a:prstGeom prst="roundRect">
+            <a:avLst/>
+          </a:prstGeom>
+        </p:spPr>
+        <p:style>
+          <a:lnRef idx="2">
+            <a:schemeClr val="accent2">
+              <a:shade val="50000"/>
+            </a:schemeClr>
+          </a:lnRef>
+          <a:fillRef idx="1">
+            <a:schemeClr val="accent2"/>
+          </a:fillRef>
+          <a:effectRef idx="0">
+            <a:schemeClr val="accent2"/>
+          </a:effectRef>
+          <a:fontRef idx="minor">
+            <a:schemeClr val="lt1"/>
+          </a:fontRef>
+        </p:style>
+        <p:txBody>
+          <a:bodyPr rtlCol="0" anchor="ctr"/>
+          <a:lstStyle/>
+          <a:p>
+            <a:pPr algn="ctr"/>
+            <a:r>
+              <a:rPr lang="en-US" dirty="0"/>
+              <a:t>Service</a:t>
+            </a:r>
+            <a:br>
+              <a:rPr lang="en-US" dirty="0"/>
+            </a:br>
+            <a:r>
+              <a:rPr lang="en-US" dirty="0"/>
+              <a:t>Port: 3000</a:t>
+            </a:r>
+          </a:p>
+        </p:txBody>
+      </p:sp>
+      <p:cxnSp>
+        <p:nvCxnSpPr>
+          <p:cNvPr id="11" name="Conector de Seta Reta 10">
+            <a:extLst>
+              <a:ext uri="{FF2B5EF4-FFF2-40B4-BE49-F238E27FC236}">
+                <a16:creationId xmlns:a16="http://schemas.microsoft.com/office/drawing/2014/main" id="{EE8329DB-11EC-4960-B5F8-7A90067855C9}"/>
+              </a:ext>
+            </a:extLst>
+          </p:cNvPr>
+          <p:cNvCxnSpPr>
+            <a:cxnSpLocks/>
+          </p:cNvCxnSpPr>
+          <p:nvPr/>
+        </p:nvCxnSpPr>
+        <p:spPr>
+          <a:xfrm flipV="1">
+            <a:off x="3589775" y="2559050"/>
+            <a:ext cx="982224" cy="4946"/>
+          </a:xfrm>
+          <a:prstGeom prst="straightConnector1">
+            <a:avLst/>
+          </a:prstGeom>
+          <a:ln w="9525" cap="flat" cmpd="sng" algn="ctr">
+            <a:solidFill>
+              <a:schemeClr val="dk1"/>
+            </a:solidFill>
+            <a:prstDash val="solid"/>
+            <a:round/>
+            <a:headEnd type="none" w="med" len="med"/>
+            <a:tailEnd type="arrow" w="med" len="med"/>
+          </a:ln>
+        </p:spPr>
+        <p:style>
+          <a:lnRef idx="0">
+            <a:scrgbClr r="0" g="0" b="0"/>
+          </a:lnRef>
+          <a:fillRef idx="0">
+            <a:scrgbClr r="0" g="0" b="0"/>
+          </a:fillRef>
+          <a:effectRef idx="0">
+            <a:scrgbClr r="0" g="0" b="0"/>
+          </a:effectRef>
+          <a:fontRef idx="minor">
+            <a:schemeClr val="tx1"/>
+          </a:fontRef>
+        </p:style>
+      </p:cxnSp>
+      <p:sp>
+        <p:nvSpPr>
+          <p:cNvPr id="13" name="Retângulo: Cantos Arredondados 12">
+            <a:extLst>
+              <a:ext uri="{FF2B5EF4-FFF2-40B4-BE49-F238E27FC236}">
+                <a16:creationId xmlns:a16="http://schemas.microsoft.com/office/drawing/2014/main" id="{1AFBAC96-C91E-425F-8761-9252E223FE0D}"/>
+              </a:ext>
+            </a:extLst>
+          </p:cNvPr>
+          <p:cNvSpPr/>
+          <p:nvPr/>
+        </p:nvSpPr>
+        <p:spPr>
+          <a:xfrm>
+            <a:off x="4656720" y="3113271"/>
+            <a:ext cx="1047750" cy="552450"/>
+          </a:xfrm>
+          <a:prstGeom prst="roundRect">
+            <a:avLst/>
+          </a:prstGeom>
+        </p:spPr>
+        <p:style>
+          <a:lnRef idx="2">
+            <a:schemeClr val="accent2">
+              <a:shade val="50000"/>
+            </a:schemeClr>
+          </a:lnRef>
+          <a:fillRef idx="1">
+            <a:schemeClr val="accent2"/>
+          </a:fillRef>
+          <a:effectRef idx="0">
+            <a:schemeClr val="accent2"/>
+          </a:effectRef>
+          <a:fontRef idx="minor">
+            <a:schemeClr val="lt1"/>
+          </a:fontRef>
+        </p:style>
+        <p:txBody>
+          <a:bodyPr rtlCol="0" anchor="ctr"/>
+          <a:lstStyle/>
+          <a:p>
+            <a:pPr algn="ctr"/>
+            <a:r>
+              <a:rPr lang="en-US" dirty="0"/>
+              <a:t>Pod A</a:t>
+            </a:r>
+          </a:p>
+        </p:txBody>
+      </p:sp>
+      <p:sp>
+        <p:nvSpPr>
+          <p:cNvPr id="14" name="Retângulo: Cantos Arredondados 13">
+            <a:extLst>
+              <a:ext uri="{FF2B5EF4-FFF2-40B4-BE49-F238E27FC236}">
+                <a16:creationId xmlns:a16="http://schemas.microsoft.com/office/drawing/2014/main" id="{74BA78B8-F259-43F7-9AA7-A78D6745A50D}"/>
+              </a:ext>
+            </a:extLst>
+          </p:cNvPr>
+          <p:cNvSpPr/>
+          <p:nvPr/>
+        </p:nvSpPr>
+        <p:spPr>
+          <a:xfrm>
+            <a:off x="4637718" y="1479550"/>
+            <a:ext cx="1047750" cy="552450"/>
+          </a:xfrm>
+          <a:prstGeom prst="roundRect">
+            <a:avLst/>
+          </a:prstGeom>
+        </p:spPr>
+        <p:style>
+          <a:lnRef idx="2">
+            <a:schemeClr val="accent2">
+              <a:shade val="50000"/>
+            </a:schemeClr>
+          </a:lnRef>
+          <a:fillRef idx="1">
+            <a:schemeClr val="accent2"/>
+          </a:fillRef>
+          <a:effectRef idx="0">
+            <a:schemeClr val="accent2"/>
+          </a:effectRef>
+          <a:fontRef idx="minor">
+            <a:schemeClr val="lt1"/>
+          </a:fontRef>
+        </p:style>
+        <p:txBody>
+          <a:bodyPr rtlCol="0" anchor="ctr"/>
+          <a:lstStyle/>
+          <a:p>
+            <a:pPr algn="ctr"/>
+            <a:r>
+              <a:rPr lang="en-US" dirty="0"/>
+              <a:t>Pod A</a:t>
+            </a:r>
+          </a:p>
+        </p:txBody>
+      </p:sp>
+      <p:cxnSp>
+        <p:nvCxnSpPr>
+          <p:cNvPr id="15" name="Conector de Seta Reta 14">
+            <a:extLst>
+              <a:ext uri="{FF2B5EF4-FFF2-40B4-BE49-F238E27FC236}">
+                <a16:creationId xmlns:a16="http://schemas.microsoft.com/office/drawing/2014/main" id="{7DF40A8D-93C3-458F-B2EA-EDABBBB13E23}"/>
+              </a:ext>
+            </a:extLst>
+          </p:cNvPr>
+          <p:cNvCxnSpPr>
+            <a:cxnSpLocks/>
+          </p:cNvCxnSpPr>
+          <p:nvPr/>
+        </p:nvCxnSpPr>
+        <p:spPr>
+          <a:xfrm flipV="1">
+            <a:off x="3589775" y="1755775"/>
+            <a:ext cx="982224" cy="536942"/>
+          </a:xfrm>
+          <a:prstGeom prst="straightConnector1">
+            <a:avLst/>
+          </a:prstGeom>
+          <a:ln w="9525" cap="flat" cmpd="sng" algn="ctr">
+            <a:solidFill>
+              <a:schemeClr val="dk1"/>
+            </a:solidFill>
+            <a:prstDash val="solid"/>
+            <a:round/>
+            <a:headEnd type="none" w="med" len="med"/>
+            <a:tailEnd type="arrow" w="med" len="med"/>
+          </a:ln>
+        </p:spPr>
+        <p:style>
+          <a:lnRef idx="0">
+            <a:scrgbClr r="0" g="0" b="0"/>
+          </a:lnRef>
+          <a:fillRef idx="0">
+            <a:scrgbClr r="0" g="0" b="0"/>
+          </a:fillRef>
+          <a:effectRef idx="0">
+            <a:scrgbClr r="0" g="0" b="0"/>
+          </a:effectRef>
+          <a:fontRef idx="minor">
+            <a:schemeClr val="tx1"/>
+          </a:fontRef>
+        </p:style>
+      </p:cxnSp>
+      <p:cxnSp>
+        <p:nvCxnSpPr>
+          <p:cNvPr id="16" name="Conector de Seta Reta 15">
+            <a:extLst>
+              <a:ext uri="{FF2B5EF4-FFF2-40B4-BE49-F238E27FC236}">
+                <a16:creationId xmlns:a16="http://schemas.microsoft.com/office/drawing/2014/main" id="{2E3C9B6F-13BA-438B-80C2-67992C737F44}"/>
+              </a:ext>
+            </a:extLst>
+          </p:cNvPr>
+          <p:cNvCxnSpPr>
+            <a:cxnSpLocks/>
+          </p:cNvCxnSpPr>
+          <p:nvPr/>
+        </p:nvCxnSpPr>
+        <p:spPr>
+          <a:xfrm>
+            <a:off x="3589775" y="2860122"/>
+            <a:ext cx="982224" cy="529374"/>
+          </a:xfrm>
+          <a:prstGeom prst="straightConnector1">
+            <a:avLst/>
+          </a:prstGeom>
+          <a:ln w="9525" cap="flat" cmpd="sng" algn="ctr">
+            <a:solidFill>
+              <a:schemeClr val="dk1"/>
+            </a:solidFill>
+            <a:prstDash val="solid"/>
+            <a:round/>
+            <a:headEnd type="none" w="med" len="med"/>
+            <a:tailEnd type="arrow" w="med" len="med"/>
+          </a:ln>
+        </p:spPr>
+        <p:style>
+          <a:lnRef idx="0">
+            <a:scrgbClr r="0" g="0" b="0"/>
+          </a:lnRef>
+          <a:fillRef idx="0">
+            <a:scrgbClr r="0" g="0" b="0"/>
+          </a:fillRef>
+          <a:effectRef idx="0">
+            <a:scrgbClr r="0" g="0" b="0"/>
+          </a:effectRef>
+          <a:fontRef idx="minor">
+            <a:schemeClr val="tx1"/>
+          </a:fontRef>
+        </p:style>
+      </p:cxnSp>
+    </p:spTree>
+    <p:extLst>
+      <p:ext uri="{BB962C8B-B14F-4D97-AF65-F5344CB8AC3E}">
+        <p14:creationId xmlns:p14="http://schemas.microsoft.com/office/powerpoint/2010/main" val="3957069949"/>
+      </p:ext>
+    </p:extLst>
+  </p:cSld>
+  <p:clrMapOvr>
+    <a:masterClrMapping/>
+  </p:clrMapOvr>
 </p:sld>
 </file>
 
